--- a/Sacramento Real Estate.pptx
+++ b/Sacramento Real Estate.pptx
@@ -8,12 +8,14 @@
     <p:sldId id="256" r:id="rId2"/>
     <p:sldId id="257" r:id="rId3"/>
     <p:sldId id="258" r:id="rId4"/>
-    <p:sldId id="259" r:id="rId5"/>
-    <p:sldId id="260" r:id="rId6"/>
-    <p:sldId id="263" r:id="rId7"/>
-    <p:sldId id="264" r:id="rId8"/>
-    <p:sldId id="262" r:id="rId9"/>
-    <p:sldId id="261" r:id="rId10"/>
+    <p:sldId id="266" r:id="rId5"/>
+    <p:sldId id="259" r:id="rId6"/>
+    <p:sldId id="260" r:id="rId7"/>
+    <p:sldId id="263" r:id="rId8"/>
+    <p:sldId id="264" r:id="rId9"/>
+    <p:sldId id="262" r:id="rId10"/>
+    <p:sldId id="261" r:id="rId11"/>
+    <p:sldId id="265" r:id="rId12"/>
   </p:sldIdLst>
   <p:sldSz cx="12192000" cy="6858000"/>
   <p:notesSz cx="6858000" cy="9144000"/>
@@ -112,6 +114,11 @@
       </a:defRPr>
     </a:lvl9pPr>
   </p:defaultTextStyle>
+  <p:extLst>
+    <p:ext uri="{EFAFB233-063F-42B5-8137-9DF3F51BA10A}">
+      <p15:sldGuideLst xmlns:p15="http://schemas.microsoft.com/office/powerpoint/2012/main"/>
+    </p:ext>
+  </p:extLst>
 </p:presentation>
 </file>
 
@@ -262,7 +269,7 @@
           <a:p>
             <a:fld id="{45B3A122-DA0E-4BA8-BBF9-7FCCE916F8A5}" type="datetimeFigureOut">
               <a:rPr lang="en-US" smtClean="0"/>
-              <a:t>5/1/2021</a:t>
+              <a:t>5/3/2021</a:t>
             </a:fld>
             <a:endParaRPr lang="en-US"/>
           </a:p>
@@ -460,7 +467,7 @@
           <a:p>
             <a:fld id="{45B3A122-DA0E-4BA8-BBF9-7FCCE916F8A5}" type="datetimeFigureOut">
               <a:rPr lang="en-US" smtClean="0"/>
-              <a:t>5/1/2021</a:t>
+              <a:t>5/3/2021</a:t>
             </a:fld>
             <a:endParaRPr lang="en-US"/>
           </a:p>
@@ -668,7 +675,7 @@
           <a:p>
             <a:fld id="{45B3A122-DA0E-4BA8-BBF9-7FCCE916F8A5}" type="datetimeFigureOut">
               <a:rPr lang="en-US" smtClean="0"/>
-              <a:t>5/1/2021</a:t>
+              <a:t>5/3/2021</a:t>
             </a:fld>
             <a:endParaRPr lang="en-US"/>
           </a:p>
@@ -866,7 +873,7 @@
           <a:p>
             <a:fld id="{45B3A122-DA0E-4BA8-BBF9-7FCCE916F8A5}" type="datetimeFigureOut">
               <a:rPr lang="en-US" smtClean="0"/>
-              <a:t>5/1/2021</a:t>
+              <a:t>5/3/2021</a:t>
             </a:fld>
             <a:endParaRPr lang="en-US"/>
           </a:p>
@@ -1141,7 +1148,7 @@
           <a:p>
             <a:fld id="{45B3A122-DA0E-4BA8-BBF9-7FCCE916F8A5}" type="datetimeFigureOut">
               <a:rPr lang="en-US" smtClean="0"/>
-              <a:t>5/1/2021</a:t>
+              <a:t>5/3/2021</a:t>
             </a:fld>
             <a:endParaRPr lang="en-US"/>
           </a:p>
@@ -1406,7 +1413,7 @@
           <a:p>
             <a:fld id="{45B3A122-DA0E-4BA8-BBF9-7FCCE916F8A5}" type="datetimeFigureOut">
               <a:rPr lang="en-US" smtClean="0"/>
-              <a:t>5/1/2021</a:t>
+              <a:t>5/3/2021</a:t>
             </a:fld>
             <a:endParaRPr lang="en-US"/>
           </a:p>
@@ -1818,7 +1825,7 @@
           <a:p>
             <a:fld id="{45B3A122-DA0E-4BA8-BBF9-7FCCE916F8A5}" type="datetimeFigureOut">
               <a:rPr lang="en-US" smtClean="0"/>
-              <a:t>5/1/2021</a:t>
+              <a:t>5/3/2021</a:t>
             </a:fld>
             <a:endParaRPr lang="en-US"/>
           </a:p>
@@ -1959,7 +1966,7 @@
           <a:p>
             <a:fld id="{45B3A122-DA0E-4BA8-BBF9-7FCCE916F8A5}" type="datetimeFigureOut">
               <a:rPr lang="en-US" smtClean="0"/>
-              <a:t>5/1/2021</a:t>
+              <a:t>5/3/2021</a:t>
             </a:fld>
             <a:endParaRPr lang="en-US"/>
           </a:p>
@@ -2072,7 +2079,7 @@
           <a:p>
             <a:fld id="{45B3A122-DA0E-4BA8-BBF9-7FCCE916F8A5}" type="datetimeFigureOut">
               <a:rPr lang="en-US" smtClean="0"/>
-              <a:t>5/1/2021</a:t>
+              <a:t>5/3/2021</a:t>
             </a:fld>
             <a:endParaRPr lang="en-US"/>
           </a:p>
@@ -2383,7 +2390,7 @@
           <a:p>
             <a:fld id="{45B3A122-DA0E-4BA8-BBF9-7FCCE916F8A5}" type="datetimeFigureOut">
               <a:rPr lang="en-US" smtClean="0"/>
-              <a:t>5/1/2021</a:t>
+              <a:t>5/3/2021</a:t>
             </a:fld>
             <a:endParaRPr lang="en-US"/>
           </a:p>
@@ -2671,7 +2678,7 @@
           <a:p>
             <a:fld id="{45B3A122-DA0E-4BA8-BBF9-7FCCE916F8A5}" type="datetimeFigureOut">
               <a:rPr lang="en-US" smtClean="0"/>
-              <a:t>5/1/2021</a:t>
+              <a:t>5/3/2021</a:t>
             </a:fld>
             <a:endParaRPr lang="en-US"/>
           </a:p>
@@ -2912,7 +2919,7 @@
           <a:p>
             <a:fld id="{45B3A122-DA0E-4BA8-BBF9-7FCCE916F8A5}" type="datetimeFigureOut">
               <a:rPr lang="en-US" smtClean="0"/>
-              <a:t>5/1/2021</a:t>
+              <a:t>5/3/2021</a:t>
             </a:fld>
             <a:endParaRPr lang="en-US"/>
           </a:p>
@@ -3423,7 +3430,7 @@
                 <a:latin typeface="Calibri" panose="020F0502020204030204" pitchFamily="34" charset="0"/>
                 <a:cs typeface="Calibri" panose="020F0502020204030204" pitchFamily="34" charset="0"/>
               </a:rPr>
-              <a:t>5/01/2021</a:t>
+              <a:t>5/08/2021</a:t>
             </a:r>
           </a:p>
         </p:txBody>
@@ -3432,6 +3439,211 @@
     <p:extLst>
       <p:ext uri="{BB962C8B-B14F-4D97-AF65-F5344CB8AC3E}">
         <p14:creationId xmlns:p14="http://schemas.microsoft.com/office/powerpoint/2010/main" val="1444441996"/>
+      </p:ext>
+    </p:extLst>
+  </p:cSld>
+  <p:clrMapOvr>
+    <a:masterClrMapping/>
+  </p:clrMapOvr>
+</p:sld>
+</file>
+
+<file path=ppt/slides/slide10.xml><?xml version="1.0" encoding="utf-8"?>
+<p:sld xmlns:a="http://schemas.openxmlformats.org/drawingml/2006/main" xmlns:r="http://schemas.openxmlformats.org/officeDocument/2006/relationships" xmlns:p="http://schemas.openxmlformats.org/presentationml/2006/main">
+  <p:cSld>
+    <p:bg>
+      <p:bgPr>
+        <a:blipFill>
+          <a:blip r:embed="rId2">
+            <a:alphaModFix amt="62000"/>
+          </a:blip>
+          <a:tile tx="0" ty="0" sx="100000" sy="100000" flip="none" algn="tl"/>
+        </a:blipFill>
+        <a:effectLst/>
+      </p:bgPr>
+    </p:bg>
+    <p:spTree>
+      <p:nvGrpSpPr>
+        <p:cNvPr id="1" name=""/>
+        <p:cNvGrpSpPr/>
+        <p:nvPr/>
+      </p:nvGrpSpPr>
+      <p:grpSpPr>
+        <a:xfrm>
+          <a:off x="0" y="0"/>
+          <a:ext cx="0" cy="0"/>
+          <a:chOff x="0" y="0"/>
+          <a:chExt cx="0" cy="0"/>
+        </a:xfrm>
+      </p:grpSpPr>
+      <p:sp>
+        <p:nvSpPr>
+          <p:cNvPr id="2" name="Title 1">
+            <a:extLst>
+              <a:ext uri="{FF2B5EF4-FFF2-40B4-BE49-F238E27FC236}">
+                <a16:creationId xmlns:a16="http://schemas.microsoft.com/office/drawing/2014/main" id="{D8AD0F45-E863-4D7B-BE6F-A8B08580F507}"/>
+              </a:ext>
+            </a:extLst>
+          </p:cNvPr>
+          <p:cNvSpPr>
+            <a:spLocks noGrp="1"/>
+          </p:cNvSpPr>
+          <p:nvPr>
+            <p:ph type="title"/>
+          </p:nvPr>
+        </p:nvSpPr>
+        <p:spPr/>
+        <p:txBody>
+          <a:bodyPr/>
+          <a:lstStyle/>
+          <a:p>
+            <a:r>
+              <a:rPr lang="en-US" dirty="0"/>
+              <a:t>Conclusion:</a:t>
+            </a:r>
+          </a:p>
+        </p:txBody>
+      </p:sp>
+      <p:sp>
+        <p:nvSpPr>
+          <p:cNvPr id="3" name="Content Placeholder 2">
+            <a:extLst>
+              <a:ext uri="{FF2B5EF4-FFF2-40B4-BE49-F238E27FC236}">
+                <a16:creationId xmlns:a16="http://schemas.microsoft.com/office/drawing/2014/main" id="{D4C441F3-8DFA-4F13-8059-9F89B12C3C92}"/>
+              </a:ext>
+            </a:extLst>
+          </p:cNvPr>
+          <p:cNvSpPr>
+            <a:spLocks noGrp="1"/>
+          </p:cNvSpPr>
+          <p:nvPr>
+            <p:ph idx="1"/>
+          </p:nvPr>
+        </p:nvSpPr>
+        <p:spPr/>
+        <p:txBody>
+          <a:bodyPr/>
+          <a:lstStyle/>
+          <a:p>
+            <a:r>
+              <a:rPr lang="en-US" dirty="0"/>
+              <a:t>95823 is the most popular place for many people.</a:t>
+            </a:r>
+          </a:p>
+        </p:txBody>
+      </p:sp>
+    </p:spTree>
+    <p:extLst>
+      <p:ext uri="{BB962C8B-B14F-4D97-AF65-F5344CB8AC3E}">
+        <p14:creationId xmlns:p14="http://schemas.microsoft.com/office/powerpoint/2010/main" val="1520504394"/>
+      </p:ext>
+    </p:extLst>
+  </p:cSld>
+  <p:clrMapOvr>
+    <a:masterClrMapping/>
+  </p:clrMapOvr>
+</p:sld>
+</file>
+
+<file path=ppt/slides/slide11.xml><?xml version="1.0" encoding="utf-8"?>
+<p:sld xmlns:a="http://schemas.openxmlformats.org/drawingml/2006/main" xmlns:r="http://schemas.openxmlformats.org/officeDocument/2006/relationships" xmlns:p="http://schemas.openxmlformats.org/presentationml/2006/main">
+  <p:cSld>
+    <p:bg>
+      <p:bgPr>
+        <a:solidFill>
+          <a:schemeClr val="accent2">
+            <a:alpha val="80000"/>
+          </a:schemeClr>
+        </a:solidFill>
+        <a:effectLst/>
+      </p:bgPr>
+    </p:bg>
+    <p:spTree>
+      <p:nvGrpSpPr>
+        <p:cNvPr id="1" name=""/>
+        <p:cNvGrpSpPr/>
+        <p:nvPr/>
+      </p:nvGrpSpPr>
+      <p:grpSpPr>
+        <a:xfrm>
+          <a:off x="0" y="0"/>
+          <a:ext cx="0" cy="0"/>
+          <a:chOff x="0" y="0"/>
+          <a:chExt cx="0" cy="0"/>
+        </a:xfrm>
+      </p:grpSpPr>
+      <p:sp>
+        <p:nvSpPr>
+          <p:cNvPr id="2" name="Title 1">
+            <a:extLst>
+              <a:ext uri="{FF2B5EF4-FFF2-40B4-BE49-F238E27FC236}">
+                <a16:creationId xmlns:a16="http://schemas.microsoft.com/office/drawing/2014/main" id="{F734B2B2-6891-459A-BE73-8A3369389BB0}"/>
+              </a:ext>
+            </a:extLst>
+          </p:cNvPr>
+          <p:cNvSpPr>
+            <a:spLocks noGrp="1"/>
+          </p:cNvSpPr>
+          <p:nvPr>
+            <p:ph type="title"/>
+          </p:nvPr>
+        </p:nvSpPr>
+        <p:spPr/>
+        <p:txBody>
+          <a:bodyPr/>
+          <a:lstStyle/>
+          <a:p>
+            <a:r>
+              <a:rPr lang="en-US" dirty="0"/>
+              <a:t>Questions?</a:t>
+            </a:r>
+          </a:p>
+        </p:txBody>
+      </p:sp>
+      <p:sp>
+        <p:nvSpPr>
+          <p:cNvPr id="3" name="Content Placeholder 2">
+            <a:extLst>
+              <a:ext uri="{FF2B5EF4-FFF2-40B4-BE49-F238E27FC236}">
+                <a16:creationId xmlns:a16="http://schemas.microsoft.com/office/drawing/2014/main" id="{8C11D1ED-2EE2-4F2D-B52A-26961E9DB4E1}"/>
+              </a:ext>
+            </a:extLst>
+          </p:cNvPr>
+          <p:cNvSpPr>
+            <a:spLocks noGrp="1"/>
+          </p:cNvSpPr>
+          <p:nvPr>
+            <p:ph idx="1"/>
+          </p:nvPr>
+        </p:nvSpPr>
+        <p:spPr/>
+        <p:txBody>
+          <a:bodyPr/>
+          <a:lstStyle/>
+          <a:p>
+            <a:r>
+              <a:rPr lang="en-US" dirty="0"/>
+              <a:t>#About coding (like what is seaborn)</a:t>
+            </a:r>
+          </a:p>
+          <a:p>
+            <a:r>
+              <a:rPr lang="en-US" dirty="0"/>
+              <a:t>#Why Sacramento?</a:t>
+            </a:r>
+          </a:p>
+          <a:p>
+            <a:endParaRPr lang="en-US" dirty="0"/>
+          </a:p>
+          <a:p>
+            <a:endParaRPr lang="en-US" dirty="0"/>
+          </a:p>
+        </p:txBody>
+      </p:sp>
+    </p:spTree>
+    <p:extLst>
+      <p:ext uri="{BB962C8B-B14F-4D97-AF65-F5344CB8AC3E}">
+        <p14:creationId xmlns:p14="http://schemas.microsoft.com/office/powerpoint/2010/main" val="596276175"/>
       </p:ext>
     </p:extLst>
   </p:cSld>
@@ -3690,6 +3902,117 @@
   <p:cSld>
     <p:bg>
       <p:bgPr>
+        <a:blipFill dpi="0" rotWithShape="1">
+          <a:blip r:embed="rId2">
+            <a:alphaModFix amt="70000"/>
+            <a:lum/>
+          </a:blip>
+          <a:srcRect/>
+          <a:tile tx="0" ty="0" sx="100000" sy="100000" flip="none" algn="tl"/>
+        </a:blipFill>
+        <a:effectLst/>
+      </p:bgPr>
+    </p:bg>
+    <p:spTree>
+      <p:nvGrpSpPr>
+        <p:cNvPr id="1" name=""/>
+        <p:cNvGrpSpPr/>
+        <p:nvPr/>
+      </p:nvGrpSpPr>
+      <p:grpSpPr>
+        <a:xfrm>
+          <a:off x="0" y="0"/>
+          <a:ext cx="0" cy="0"/>
+          <a:chOff x="0" y="0"/>
+          <a:chExt cx="0" cy="0"/>
+        </a:xfrm>
+      </p:grpSpPr>
+      <p:sp>
+        <p:nvSpPr>
+          <p:cNvPr id="2" name="Title 1">
+            <a:extLst>
+              <a:ext uri="{FF2B5EF4-FFF2-40B4-BE49-F238E27FC236}">
+                <a16:creationId xmlns:a16="http://schemas.microsoft.com/office/drawing/2014/main" id="{85E105E1-C60D-453C-93B5-0379989DBFAE}"/>
+              </a:ext>
+            </a:extLst>
+          </p:cNvPr>
+          <p:cNvSpPr>
+            <a:spLocks noGrp="1"/>
+          </p:cNvSpPr>
+          <p:nvPr>
+            <p:ph type="title"/>
+          </p:nvPr>
+        </p:nvSpPr>
+        <p:spPr/>
+        <p:txBody>
+          <a:bodyPr/>
+          <a:lstStyle/>
+          <a:p>
+            <a:r>
+              <a:rPr lang="en-US" dirty="0"/>
+              <a:t>The Challenges</a:t>
+            </a:r>
+          </a:p>
+        </p:txBody>
+      </p:sp>
+      <p:sp>
+        <p:nvSpPr>
+          <p:cNvPr id="3" name="Content Placeholder 2">
+            <a:extLst>
+              <a:ext uri="{FF2B5EF4-FFF2-40B4-BE49-F238E27FC236}">
+                <a16:creationId xmlns:a16="http://schemas.microsoft.com/office/drawing/2014/main" id="{6F265398-4837-44E6-8A31-ED2337A7C5B6}"/>
+              </a:ext>
+            </a:extLst>
+          </p:cNvPr>
+          <p:cNvSpPr>
+            <a:spLocks noGrp="1"/>
+          </p:cNvSpPr>
+          <p:nvPr>
+            <p:ph idx="1"/>
+          </p:nvPr>
+        </p:nvSpPr>
+        <p:spPr/>
+        <p:txBody>
+          <a:bodyPr/>
+          <a:lstStyle/>
+          <a:p>
+            <a:r>
+              <a:rPr lang="en-US" dirty="0"/>
+              <a:t>The data is unclean and somewhat inconsistent in certain parts, so it needs to be cleaned up.</a:t>
+            </a:r>
+          </a:p>
+          <a:p>
+            <a:r>
+              <a:rPr lang="en-US" dirty="0"/>
+              <a:t>Being able to classify where certain groups are divided by number range can also be a challenge.</a:t>
+            </a:r>
+          </a:p>
+          <a:p>
+            <a:r>
+              <a:rPr lang="en-US" dirty="0"/>
+              <a:t>Since this is old data, comparing it to newer data would sometimes be confusing if there are discrepancies that need to be investigated.</a:t>
+            </a:r>
+          </a:p>
+        </p:txBody>
+      </p:sp>
+    </p:spTree>
+    <p:extLst>
+      <p:ext uri="{BB962C8B-B14F-4D97-AF65-F5344CB8AC3E}">
+        <p14:creationId xmlns:p14="http://schemas.microsoft.com/office/powerpoint/2010/main" val="733441395"/>
+      </p:ext>
+    </p:extLst>
+  </p:cSld>
+  <p:clrMapOvr>
+    <a:masterClrMapping/>
+  </p:clrMapOvr>
+</p:sld>
+</file>
+
+<file path=ppt/slides/slide5.xml><?xml version="1.0" encoding="utf-8"?>
+<p:sld xmlns:a="http://schemas.openxmlformats.org/drawingml/2006/main" xmlns:r="http://schemas.openxmlformats.org/officeDocument/2006/relationships" xmlns:p="http://schemas.openxmlformats.org/presentationml/2006/main">
+  <p:cSld>
+    <p:bg>
+      <p:bgPr>
         <a:gradFill>
           <a:gsLst>
             <a:gs pos="0">
@@ -3849,7 +4172,7 @@
 </p:sld>
 </file>
 
-<file path=ppt/slides/slide5.xml><?xml version="1.0" encoding="utf-8"?>
+<file path=ppt/slides/slide6.xml><?xml version="1.0" encoding="utf-8"?>
 <p:sld xmlns:a="http://schemas.openxmlformats.org/drawingml/2006/main" xmlns:r="http://schemas.openxmlformats.org/officeDocument/2006/relationships" xmlns:p="http://schemas.openxmlformats.org/presentationml/2006/main">
   <p:cSld>
     <p:bg>
@@ -3959,12 +4282,12 @@
 </p:sld>
 </file>
 
-<file path=ppt/slides/slide6.xml><?xml version="1.0" encoding="utf-8"?>
+<file path=ppt/slides/slide7.xml><?xml version="1.0" encoding="utf-8"?>
 <p:sld xmlns:a="http://schemas.openxmlformats.org/drawingml/2006/main" xmlns:r="http://schemas.openxmlformats.org/officeDocument/2006/relationships" xmlns:p="http://schemas.openxmlformats.org/presentationml/2006/main">
   <p:cSld>
     <p:bg>
       <p:bgPr>
-        <a:pattFill prst="ltUpDiag">
+        <a:pattFill prst="pct5">
           <a:fgClr>
             <a:srgbClr val="FF0000"/>
           </a:fgClr>
@@ -4070,14 +4393,17 @@
 </p:sld>
 </file>
 
-<file path=ppt/slides/slide7.xml><?xml version="1.0" encoding="utf-8"?>
+<file path=ppt/slides/slide8.xml><?xml version="1.0" encoding="utf-8"?>
 <p:sld xmlns:a="http://schemas.openxmlformats.org/drawingml/2006/main" xmlns:r="http://schemas.openxmlformats.org/officeDocument/2006/relationships" xmlns:p="http://schemas.openxmlformats.org/presentationml/2006/main">
   <p:cSld>
     <p:bg>
       <p:bgPr>
         <a:pattFill prst="pct40">
           <a:fgClr>
-            <a:srgbClr val="7030A0"/>
+            <a:schemeClr val="accent1">
+              <a:lumMod val="60000"/>
+              <a:lumOff val="40000"/>
+            </a:schemeClr>
           </a:fgClr>
           <a:bgClr>
             <a:schemeClr val="bg2">
@@ -4159,13 +4485,19 @@
           <a:p>
             <a:r>
               <a:rPr lang="en-US" dirty="0"/>
-              <a:t>Information about how many purchases were made in the following days.</a:t>
+              <a:t>Information about how many purchases were made Per square foot.</a:t>
             </a:r>
           </a:p>
           <a:p>
             <a:r>
               <a:rPr lang="en-US" dirty="0"/>
               <a:t>Information about purchases per zip code was also presented. </a:t>
+            </a:r>
+          </a:p>
+          <a:p>
+            <a:r>
+              <a:rPr lang="en-US" dirty="0"/>
+              <a:t>Purchases per day was then created.</a:t>
             </a:r>
           </a:p>
         </p:txBody>
@@ -4183,7 +4515,7 @@
 </p:sld>
 </file>
 
-<file path=ppt/slides/slide8.xml><?xml version="1.0" encoding="utf-8"?>
+<file path=ppt/slides/slide9.xml><?xml version="1.0" encoding="utf-8"?>
 <p:sld xmlns:a="http://schemas.openxmlformats.org/drawingml/2006/main" xmlns:r="http://schemas.openxmlformats.org/officeDocument/2006/relationships" xmlns:p="http://schemas.openxmlformats.org/presentationml/2006/main">
   <p:cSld>
     <p:bg>
@@ -4303,100 +4635,6 @@
     <p:extLst>
       <p:ext uri="{BB962C8B-B14F-4D97-AF65-F5344CB8AC3E}">
         <p14:creationId xmlns:p14="http://schemas.microsoft.com/office/powerpoint/2010/main" val="1000368856"/>
-      </p:ext>
-    </p:extLst>
-  </p:cSld>
-  <p:clrMapOvr>
-    <a:masterClrMapping/>
-  </p:clrMapOvr>
-</p:sld>
-</file>
-
-<file path=ppt/slides/slide9.xml><?xml version="1.0" encoding="utf-8"?>
-<p:sld xmlns:a="http://schemas.openxmlformats.org/drawingml/2006/main" xmlns:r="http://schemas.openxmlformats.org/officeDocument/2006/relationships" xmlns:p="http://schemas.openxmlformats.org/presentationml/2006/main">
-  <p:cSld>
-    <p:bg>
-      <p:bgPr>
-        <a:blipFill>
-          <a:blip r:embed="rId2">
-            <a:alphaModFix amt="62000"/>
-          </a:blip>
-          <a:tile tx="0" ty="0" sx="100000" sy="100000" flip="none" algn="tl"/>
-        </a:blipFill>
-        <a:effectLst/>
-      </p:bgPr>
-    </p:bg>
-    <p:spTree>
-      <p:nvGrpSpPr>
-        <p:cNvPr id="1" name=""/>
-        <p:cNvGrpSpPr/>
-        <p:nvPr/>
-      </p:nvGrpSpPr>
-      <p:grpSpPr>
-        <a:xfrm>
-          <a:off x="0" y="0"/>
-          <a:ext cx="0" cy="0"/>
-          <a:chOff x="0" y="0"/>
-          <a:chExt cx="0" cy="0"/>
-        </a:xfrm>
-      </p:grpSpPr>
-      <p:sp>
-        <p:nvSpPr>
-          <p:cNvPr id="2" name="Title 1">
-            <a:extLst>
-              <a:ext uri="{FF2B5EF4-FFF2-40B4-BE49-F238E27FC236}">
-                <a16:creationId xmlns:a16="http://schemas.microsoft.com/office/drawing/2014/main" id="{D8AD0F45-E863-4D7B-BE6F-A8B08580F507}"/>
-              </a:ext>
-            </a:extLst>
-          </p:cNvPr>
-          <p:cNvSpPr>
-            <a:spLocks noGrp="1"/>
-          </p:cNvSpPr>
-          <p:nvPr>
-            <p:ph type="title"/>
-          </p:nvPr>
-        </p:nvSpPr>
-        <p:spPr/>
-        <p:txBody>
-          <a:bodyPr/>
-          <a:lstStyle/>
-          <a:p>
-            <a:r>
-              <a:rPr lang="en-US" dirty="0"/>
-              <a:t>Conclusion:</a:t>
-            </a:r>
-          </a:p>
-        </p:txBody>
-      </p:sp>
-      <p:sp>
-        <p:nvSpPr>
-          <p:cNvPr id="3" name="Content Placeholder 2">
-            <a:extLst>
-              <a:ext uri="{FF2B5EF4-FFF2-40B4-BE49-F238E27FC236}">
-                <a16:creationId xmlns:a16="http://schemas.microsoft.com/office/drawing/2014/main" id="{D4C441F3-8DFA-4F13-8059-9F89B12C3C92}"/>
-              </a:ext>
-            </a:extLst>
-          </p:cNvPr>
-          <p:cNvSpPr>
-            <a:spLocks noGrp="1"/>
-          </p:cNvSpPr>
-          <p:nvPr>
-            <p:ph idx="1"/>
-          </p:nvPr>
-        </p:nvSpPr>
-        <p:spPr/>
-        <p:txBody>
-          <a:bodyPr/>
-          <a:lstStyle/>
-          <a:p>
-            <a:endParaRPr lang="en-US" dirty="0"/>
-          </a:p>
-        </p:txBody>
-      </p:sp>
-    </p:spTree>
-    <p:extLst>
-      <p:ext uri="{BB962C8B-B14F-4D97-AF65-F5344CB8AC3E}">
-        <p14:creationId xmlns:p14="http://schemas.microsoft.com/office/powerpoint/2010/main" val="1520504394"/>
       </p:ext>
     </p:extLst>
   </p:cSld>

--- a/Sacramento Real Estate.pptx
+++ b/Sacramento Real Estate.pptx
@@ -9,13 +9,14 @@
     <p:sldId id="257" r:id="rId3"/>
     <p:sldId id="258" r:id="rId4"/>
     <p:sldId id="266" r:id="rId5"/>
-    <p:sldId id="259" r:id="rId6"/>
-    <p:sldId id="260" r:id="rId7"/>
-    <p:sldId id="263" r:id="rId8"/>
+    <p:sldId id="267" r:id="rId6"/>
+    <p:sldId id="259" r:id="rId7"/>
+    <p:sldId id="260" r:id="rId8"/>
     <p:sldId id="264" r:id="rId9"/>
-    <p:sldId id="262" r:id="rId10"/>
-    <p:sldId id="261" r:id="rId11"/>
-    <p:sldId id="265" r:id="rId12"/>
+    <p:sldId id="263" r:id="rId10"/>
+    <p:sldId id="262" r:id="rId11"/>
+    <p:sldId id="261" r:id="rId12"/>
+    <p:sldId id="265" r:id="rId13"/>
   </p:sldIdLst>
   <p:sldSz cx="12192000" cy="6858000"/>
   <p:notesSz cx="6858000" cy="9144000"/>
@@ -269,7 +270,7 @@
           <a:p>
             <a:fld id="{45B3A122-DA0E-4BA8-BBF9-7FCCE916F8A5}" type="datetimeFigureOut">
               <a:rPr lang="en-US" smtClean="0"/>
-              <a:t>5/3/2021</a:t>
+              <a:t>5/5/2021</a:t>
             </a:fld>
             <a:endParaRPr lang="en-US"/>
           </a:p>
@@ -467,7 +468,7 @@
           <a:p>
             <a:fld id="{45B3A122-DA0E-4BA8-BBF9-7FCCE916F8A5}" type="datetimeFigureOut">
               <a:rPr lang="en-US" smtClean="0"/>
-              <a:t>5/3/2021</a:t>
+              <a:t>5/5/2021</a:t>
             </a:fld>
             <a:endParaRPr lang="en-US"/>
           </a:p>
@@ -675,7 +676,7 @@
           <a:p>
             <a:fld id="{45B3A122-DA0E-4BA8-BBF9-7FCCE916F8A5}" type="datetimeFigureOut">
               <a:rPr lang="en-US" smtClean="0"/>
-              <a:t>5/3/2021</a:t>
+              <a:t>5/5/2021</a:t>
             </a:fld>
             <a:endParaRPr lang="en-US"/>
           </a:p>
@@ -873,7 +874,7 @@
           <a:p>
             <a:fld id="{45B3A122-DA0E-4BA8-BBF9-7FCCE916F8A5}" type="datetimeFigureOut">
               <a:rPr lang="en-US" smtClean="0"/>
-              <a:t>5/3/2021</a:t>
+              <a:t>5/5/2021</a:t>
             </a:fld>
             <a:endParaRPr lang="en-US"/>
           </a:p>
@@ -1148,7 +1149,7 @@
           <a:p>
             <a:fld id="{45B3A122-DA0E-4BA8-BBF9-7FCCE916F8A5}" type="datetimeFigureOut">
               <a:rPr lang="en-US" smtClean="0"/>
-              <a:t>5/3/2021</a:t>
+              <a:t>5/5/2021</a:t>
             </a:fld>
             <a:endParaRPr lang="en-US"/>
           </a:p>
@@ -1413,7 +1414,7 @@
           <a:p>
             <a:fld id="{45B3A122-DA0E-4BA8-BBF9-7FCCE916F8A5}" type="datetimeFigureOut">
               <a:rPr lang="en-US" smtClean="0"/>
-              <a:t>5/3/2021</a:t>
+              <a:t>5/5/2021</a:t>
             </a:fld>
             <a:endParaRPr lang="en-US"/>
           </a:p>
@@ -1825,7 +1826,7 @@
           <a:p>
             <a:fld id="{45B3A122-DA0E-4BA8-BBF9-7FCCE916F8A5}" type="datetimeFigureOut">
               <a:rPr lang="en-US" smtClean="0"/>
-              <a:t>5/3/2021</a:t>
+              <a:t>5/5/2021</a:t>
             </a:fld>
             <a:endParaRPr lang="en-US"/>
           </a:p>
@@ -1966,7 +1967,7 @@
           <a:p>
             <a:fld id="{45B3A122-DA0E-4BA8-BBF9-7FCCE916F8A5}" type="datetimeFigureOut">
               <a:rPr lang="en-US" smtClean="0"/>
-              <a:t>5/3/2021</a:t>
+              <a:t>5/5/2021</a:t>
             </a:fld>
             <a:endParaRPr lang="en-US"/>
           </a:p>
@@ -2079,7 +2080,7 @@
           <a:p>
             <a:fld id="{45B3A122-DA0E-4BA8-BBF9-7FCCE916F8A5}" type="datetimeFigureOut">
               <a:rPr lang="en-US" smtClean="0"/>
-              <a:t>5/3/2021</a:t>
+              <a:t>5/5/2021</a:t>
             </a:fld>
             <a:endParaRPr lang="en-US"/>
           </a:p>
@@ -2390,7 +2391,7 @@
           <a:p>
             <a:fld id="{45B3A122-DA0E-4BA8-BBF9-7FCCE916F8A5}" type="datetimeFigureOut">
               <a:rPr lang="en-US" smtClean="0"/>
-              <a:t>5/3/2021</a:t>
+              <a:t>5/5/2021</a:t>
             </a:fld>
             <a:endParaRPr lang="en-US"/>
           </a:p>
@@ -2678,7 +2679,7 @@
           <a:p>
             <a:fld id="{45B3A122-DA0E-4BA8-BBF9-7FCCE916F8A5}" type="datetimeFigureOut">
               <a:rPr lang="en-US" smtClean="0"/>
-              <a:t>5/3/2021</a:t>
+              <a:t>5/5/2021</a:t>
             </a:fld>
             <a:endParaRPr lang="en-US"/>
           </a:p>
@@ -2919,7 +2920,7 @@
           <a:p>
             <a:fld id="{45B3A122-DA0E-4BA8-BBF9-7FCCE916F8A5}" type="datetimeFigureOut">
               <a:rPr lang="en-US" smtClean="0"/>
-              <a:t>5/3/2021</a:t>
+              <a:t>5/5/2021</a:t>
             </a:fld>
             <a:endParaRPr lang="en-US"/>
           </a:p>
@@ -3453,6 +3454,147 @@
   <p:cSld>
     <p:bg>
       <p:bgPr>
+        <a:gradFill flip="none" rotWithShape="1">
+          <a:gsLst>
+            <a:gs pos="0">
+              <a:schemeClr val="accent4">
+                <a:lumMod val="5000"/>
+                <a:lumOff val="95000"/>
+              </a:schemeClr>
+            </a:gs>
+            <a:gs pos="74000">
+              <a:schemeClr val="accent4">
+                <a:lumMod val="45000"/>
+                <a:lumOff val="55000"/>
+              </a:schemeClr>
+            </a:gs>
+            <a:gs pos="83000">
+              <a:schemeClr val="accent4">
+                <a:lumMod val="45000"/>
+                <a:lumOff val="55000"/>
+              </a:schemeClr>
+            </a:gs>
+            <a:gs pos="100000">
+              <a:schemeClr val="accent4">
+                <a:lumMod val="30000"/>
+                <a:lumOff val="70000"/>
+              </a:schemeClr>
+            </a:gs>
+          </a:gsLst>
+          <a:path path="circle">
+            <a:fillToRect l="100000" t="100000"/>
+          </a:path>
+          <a:tileRect r="-100000" b="-100000"/>
+        </a:gradFill>
+        <a:effectLst/>
+      </p:bgPr>
+    </p:bg>
+    <p:spTree>
+      <p:nvGrpSpPr>
+        <p:cNvPr id="1" name=""/>
+        <p:cNvGrpSpPr/>
+        <p:nvPr/>
+      </p:nvGrpSpPr>
+      <p:grpSpPr>
+        <a:xfrm>
+          <a:off x="0" y="0"/>
+          <a:ext cx="0" cy="0"/>
+          <a:chOff x="0" y="0"/>
+          <a:chExt cx="0" cy="0"/>
+        </a:xfrm>
+      </p:grpSpPr>
+      <p:sp>
+        <p:nvSpPr>
+          <p:cNvPr id="2" name="Title 1">
+            <a:extLst>
+              <a:ext uri="{FF2B5EF4-FFF2-40B4-BE49-F238E27FC236}">
+                <a16:creationId xmlns:a16="http://schemas.microsoft.com/office/drawing/2014/main" id="{9D587704-0A0E-4398-80C0-4FBAB37591AB}"/>
+              </a:ext>
+            </a:extLst>
+          </p:cNvPr>
+          <p:cNvSpPr>
+            <a:spLocks noGrp="1"/>
+          </p:cNvSpPr>
+          <p:nvPr>
+            <p:ph type="title"/>
+          </p:nvPr>
+        </p:nvSpPr>
+        <p:spPr/>
+        <p:txBody>
+          <a:bodyPr/>
+          <a:lstStyle/>
+          <a:p>
+            <a:r>
+              <a:rPr lang="en-US" dirty="0"/>
+              <a:t>Making the Heat Map </a:t>
+            </a:r>
+          </a:p>
+        </p:txBody>
+      </p:sp>
+      <p:sp>
+        <p:nvSpPr>
+          <p:cNvPr id="3" name="Content Placeholder 2">
+            <a:extLst>
+              <a:ext uri="{FF2B5EF4-FFF2-40B4-BE49-F238E27FC236}">
+                <a16:creationId xmlns:a16="http://schemas.microsoft.com/office/drawing/2014/main" id="{A0EEC311-F374-4485-A9A8-A9A9AF9FD498}"/>
+              </a:ext>
+            </a:extLst>
+          </p:cNvPr>
+          <p:cNvSpPr>
+            <a:spLocks noGrp="1"/>
+          </p:cNvSpPr>
+          <p:nvPr>
+            <p:ph idx="1"/>
+          </p:nvPr>
+        </p:nvSpPr>
+        <p:spPr/>
+        <p:txBody>
+          <a:bodyPr/>
+          <a:lstStyle/>
+          <a:p>
+            <a:r>
+              <a:rPr lang="en-US" dirty="0"/>
+              <a:t>A map of where clusters of purchases was then created.</a:t>
+            </a:r>
+          </a:p>
+          <a:p>
+            <a:r>
+              <a:rPr lang="en-US" dirty="0"/>
+              <a:t>There is also another based on zip codes too.</a:t>
+            </a:r>
+          </a:p>
+          <a:p>
+            <a:r>
+              <a:rPr lang="en-US" dirty="0"/>
+              <a:t>This shows where in Sacramento are most of the purchases were being made. </a:t>
+            </a:r>
+          </a:p>
+          <a:p>
+            <a:r>
+              <a:rPr lang="en-US" dirty="0"/>
+              <a:t>Our client’s decision was made to buy a house in the southeast part of the city, where it’s mostly populated.</a:t>
+            </a:r>
+          </a:p>
+        </p:txBody>
+      </p:sp>
+    </p:spTree>
+    <p:extLst>
+      <p:ext uri="{BB962C8B-B14F-4D97-AF65-F5344CB8AC3E}">
+        <p14:creationId xmlns:p14="http://schemas.microsoft.com/office/powerpoint/2010/main" val="1000368856"/>
+      </p:ext>
+    </p:extLst>
+  </p:cSld>
+  <p:clrMapOvr>
+    <a:masterClrMapping/>
+  </p:clrMapOvr>
+</p:sld>
+</file>
+
+<file path=ppt/slides/slide11.xml><?xml version="1.0" encoding="utf-8"?>
+<p:sld xmlns:a="http://schemas.openxmlformats.org/drawingml/2006/main" xmlns:r="http://schemas.openxmlformats.org/officeDocument/2006/relationships" xmlns:p="http://schemas.openxmlformats.org/presentationml/2006/main">
+  <p:cSld>
+    <p:bg>
+      <p:bgPr>
         <a:blipFill>
           <a:blip r:embed="rId2">
             <a:alphaModFix amt="62000"/>
@@ -3527,7 +3669,7 @@
           <a:p>
             <a:r>
               <a:rPr lang="en-US" dirty="0"/>
-              <a:t>95823 is the most popular place for many people.</a:t>
+              <a:t>Our client is interested at purchasing a house at around $207,000 Dollars, about 1500 Square feet,  has 3 bedrooms, and lives in the southeast part of Sacramento with a zip code of 95823.</a:t>
             </a:r>
           </a:p>
         </p:txBody>
@@ -3545,7 +3687,7 @@
 </p:sld>
 </file>
 
-<file path=ppt/slides/slide11.xml><?xml version="1.0" encoding="utf-8"?>
+<file path=ppt/slides/slide12.xml><?xml version="1.0" encoding="utf-8"?>
 <p:sld xmlns:a="http://schemas.openxmlformats.org/drawingml/2006/main" xmlns:r="http://schemas.openxmlformats.org/officeDocument/2006/relationships" xmlns:p="http://schemas.openxmlformats.org/presentationml/2006/main">
   <p:cSld>
     <p:bg>
@@ -3623,13 +3765,19 @@
           <a:p>
             <a:r>
               <a:rPr lang="en-US" dirty="0"/>
-              <a:t>#About coding (like what is seaborn)</a:t>
-            </a:r>
-          </a:p>
-          <a:p>
-            <a:r>
-              <a:rPr lang="en-US" dirty="0"/>
-              <a:t>#Why Sacramento?</a:t>
+              <a:t>#About coding (like what is seaborn) Data visual library based on matplotlib.</a:t>
+            </a:r>
+          </a:p>
+          <a:p>
+            <a:r>
+              <a:rPr lang="en-US" dirty="0"/>
+              <a:t>#Why Sacramento? It was selected because it had enough data that is very comprehensible and lengthy enough for a proper project, but not too large to become cumbersome and make our graphs look messy.</a:t>
+            </a:r>
+          </a:p>
+          <a:p>
+            <a:r>
+              <a:rPr lang="en-US" dirty="0"/>
+              <a:t>#What was interesting about this Data? Trends</a:t>
             </a:r>
           </a:p>
           <a:p>
@@ -3767,10 +3915,10 @@
             </a:r>
           </a:p>
           <a:p>
-            <a:pPr marL="0" indent="0">
-              <a:buNone/>
-            </a:pPr>
-            <a:endParaRPr lang="en-US" dirty="0"/>
+            <a:r>
+              <a:rPr lang="en-US" dirty="0"/>
+              <a:t>You are a real estate agent, and you are tasked to find a popular place for your client to settle into.</a:t>
+            </a:r>
           </a:p>
         </p:txBody>
       </p:sp>
@@ -3877,6 +4025,12 @@
             <a:r>
               <a:rPr lang="en-US" dirty="0"/>
               <a:t>Several graphs will be a visual aide we will use to demonstrate in this project based on price, zip code analysis.</a:t>
+            </a:r>
+          </a:p>
+          <a:p>
+            <a:r>
+              <a:rPr lang="en-US" dirty="0"/>
+              <a:t>The client wants the most average house in Sacramento and needs a place that is also densely populated. He will represent the average per scenario.</a:t>
             </a:r>
           </a:p>
           <a:p>
@@ -3993,6 +4147,12 @@
               <a:t>Since this is old data, comparing it to newer data would sometimes be confusing if there are discrepancies that need to be investigated.</a:t>
             </a:r>
           </a:p>
+          <a:p>
+            <a:r>
+              <a:rPr lang="en-US" dirty="0"/>
+              <a:t>How would you, as a real estate agent, identify the most average house in the city?</a:t>
+            </a:r>
+          </a:p>
         </p:txBody>
       </p:sp>
     </p:spTree>
@@ -4009,6 +4169,115 @@
 </file>
 
 <file path=ppt/slides/slide5.xml><?xml version="1.0" encoding="utf-8"?>
+<p:sld xmlns:a="http://schemas.openxmlformats.org/drawingml/2006/main" xmlns:r="http://schemas.openxmlformats.org/officeDocument/2006/relationships" xmlns:p="http://schemas.openxmlformats.org/presentationml/2006/main">
+  <p:cSld>
+    <p:bg>
+      <p:bgPr>
+        <a:solidFill>
+          <a:schemeClr val="accent4">
+            <a:lumMod val="60000"/>
+            <a:lumOff val="40000"/>
+          </a:schemeClr>
+        </a:solidFill>
+        <a:effectLst/>
+      </p:bgPr>
+    </p:bg>
+    <p:spTree>
+      <p:nvGrpSpPr>
+        <p:cNvPr id="1" name=""/>
+        <p:cNvGrpSpPr/>
+        <p:nvPr/>
+      </p:nvGrpSpPr>
+      <p:grpSpPr>
+        <a:xfrm>
+          <a:off x="0" y="0"/>
+          <a:ext cx="0" cy="0"/>
+          <a:chOff x="0" y="0"/>
+          <a:chExt cx="0" cy="0"/>
+        </a:xfrm>
+      </p:grpSpPr>
+      <p:sp>
+        <p:nvSpPr>
+          <p:cNvPr id="2" name="Title 1">
+            <a:extLst>
+              <a:ext uri="{FF2B5EF4-FFF2-40B4-BE49-F238E27FC236}">
+                <a16:creationId xmlns:a16="http://schemas.microsoft.com/office/drawing/2014/main" id="{93BEE138-E77B-4A4A-9A71-DBCAF28D386F}"/>
+              </a:ext>
+            </a:extLst>
+          </p:cNvPr>
+          <p:cNvSpPr>
+            <a:spLocks noGrp="1"/>
+          </p:cNvSpPr>
+          <p:nvPr>
+            <p:ph type="title"/>
+          </p:nvPr>
+        </p:nvSpPr>
+        <p:spPr/>
+        <p:txBody>
+          <a:bodyPr/>
+          <a:lstStyle/>
+          <a:p>
+            <a:r>
+              <a:rPr lang="en-US" dirty="0"/>
+              <a:t>Overall Game plan</a:t>
+            </a:r>
+          </a:p>
+        </p:txBody>
+      </p:sp>
+      <p:sp>
+        <p:nvSpPr>
+          <p:cNvPr id="3" name="Content Placeholder 2">
+            <a:extLst>
+              <a:ext uri="{FF2B5EF4-FFF2-40B4-BE49-F238E27FC236}">
+                <a16:creationId xmlns:a16="http://schemas.microsoft.com/office/drawing/2014/main" id="{33A5D82E-180F-4204-A8D0-5D112684E45D}"/>
+              </a:ext>
+            </a:extLst>
+          </p:cNvPr>
+          <p:cNvSpPr>
+            <a:spLocks noGrp="1"/>
+          </p:cNvSpPr>
+          <p:nvPr>
+            <p:ph idx="1"/>
+          </p:nvPr>
+        </p:nvSpPr>
+        <p:spPr/>
+        <p:txBody>
+          <a:bodyPr/>
+          <a:lstStyle/>
+          <a:p>
+            <a:r>
+              <a:rPr lang="en-US" dirty="0"/>
+              <a:t>First, the data will be cleaned up.</a:t>
+            </a:r>
+          </a:p>
+          <a:p>
+            <a:r>
+              <a:rPr lang="en-US" dirty="0"/>
+              <a:t>Next, we analyze the data and see what can be used in practical use.</a:t>
+            </a:r>
+          </a:p>
+          <a:p>
+            <a:r>
+              <a:rPr lang="en-US" dirty="0"/>
+              <a:t>Finally, a conclusion is drawn from all the data we created throughout this project with the assistance of the graphs that have been created.</a:t>
+            </a:r>
+          </a:p>
+        </p:txBody>
+      </p:sp>
+    </p:spTree>
+    <p:extLst>
+      <p:ext uri="{BB962C8B-B14F-4D97-AF65-F5344CB8AC3E}">
+        <p14:creationId xmlns:p14="http://schemas.microsoft.com/office/powerpoint/2010/main" val="448128941"/>
+      </p:ext>
+    </p:extLst>
+  </p:cSld>
+  <p:clrMapOvr>
+    <a:masterClrMapping/>
+  </p:clrMapOvr>
+</p:sld>
+</file>
+
+<file path=ppt/slides/slide6.xml><?xml version="1.0" encoding="utf-8"?>
 <p:sld xmlns:a="http://schemas.openxmlformats.org/drawingml/2006/main" xmlns:r="http://schemas.openxmlformats.org/officeDocument/2006/relationships" xmlns:p="http://schemas.openxmlformats.org/presentationml/2006/main">
   <p:cSld>
     <p:bg>
@@ -4172,7 +4441,7 @@
 </p:sld>
 </file>
 
-<file path=ppt/slides/slide6.xml><?xml version="1.0" encoding="utf-8"?>
+<file path=ppt/slides/slide7.xml><?xml version="1.0" encoding="utf-8"?>
 <p:sld xmlns:a="http://schemas.openxmlformats.org/drawingml/2006/main" xmlns:r="http://schemas.openxmlformats.org/officeDocument/2006/relationships" xmlns:p="http://schemas.openxmlformats.org/presentationml/2006/main">
   <p:cSld>
     <p:bg>
@@ -4267,123 +4536,18 @@
               <a:t>It becomes less popular to buy housing that is around $400,000 - $600,000 range when the square foot amount increases.</a:t>
             </a:r>
           </a:p>
+          <a:p>
+            <a:r>
+              <a:rPr lang="en-US" dirty="0"/>
+              <a:t>Our client is willing to purchase a house that is about $207,000 and is about 1500 Square feet after viewing the data.</a:t>
+            </a:r>
+          </a:p>
         </p:txBody>
       </p:sp>
     </p:spTree>
     <p:extLst>
       <p:ext uri="{BB962C8B-B14F-4D97-AF65-F5344CB8AC3E}">
         <p14:creationId xmlns:p14="http://schemas.microsoft.com/office/powerpoint/2010/main" val="808509503"/>
-      </p:ext>
-    </p:extLst>
-  </p:cSld>
-  <p:clrMapOvr>
-    <a:masterClrMapping/>
-  </p:clrMapOvr>
-</p:sld>
-</file>
-
-<file path=ppt/slides/slide7.xml><?xml version="1.0" encoding="utf-8"?>
-<p:sld xmlns:a="http://schemas.openxmlformats.org/drawingml/2006/main" xmlns:r="http://schemas.openxmlformats.org/officeDocument/2006/relationships" xmlns:p="http://schemas.openxmlformats.org/presentationml/2006/main">
-  <p:cSld>
-    <p:bg>
-      <p:bgPr>
-        <a:pattFill prst="pct5">
-          <a:fgClr>
-            <a:srgbClr val="FF0000"/>
-          </a:fgClr>
-          <a:bgClr>
-            <a:schemeClr val="bg1"/>
-          </a:bgClr>
-        </a:pattFill>
-        <a:effectLst/>
-      </p:bgPr>
-    </p:bg>
-    <p:spTree>
-      <p:nvGrpSpPr>
-        <p:cNvPr id="1" name=""/>
-        <p:cNvGrpSpPr/>
-        <p:nvPr/>
-      </p:nvGrpSpPr>
-      <p:grpSpPr>
-        <a:xfrm>
-          <a:off x="0" y="0"/>
-          <a:ext cx="0" cy="0"/>
-          <a:chOff x="0" y="0"/>
-          <a:chExt cx="0" cy="0"/>
-        </a:xfrm>
-      </p:grpSpPr>
-      <p:sp>
-        <p:nvSpPr>
-          <p:cNvPr id="2" name="Title 1">
-            <a:extLst>
-              <a:ext uri="{FF2B5EF4-FFF2-40B4-BE49-F238E27FC236}">
-                <a16:creationId xmlns:a16="http://schemas.microsoft.com/office/drawing/2014/main" id="{B090AEBB-7B12-41F7-9E6B-3D2142CE5207}"/>
-              </a:ext>
-            </a:extLst>
-          </p:cNvPr>
-          <p:cNvSpPr>
-            <a:spLocks noGrp="1"/>
-          </p:cNvSpPr>
-          <p:nvPr>
-            <p:ph type="title"/>
-          </p:nvPr>
-        </p:nvSpPr>
-        <p:spPr/>
-        <p:txBody>
-          <a:bodyPr/>
-          <a:lstStyle/>
-          <a:p>
-            <a:r>
-              <a:rPr lang="en-US" dirty="0"/>
-              <a:t>Making a box graph</a:t>
-            </a:r>
-          </a:p>
-        </p:txBody>
-      </p:sp>
-      <p:sp>
-        <p:nvSpPr>
-          <p:cNvPr id="3" name="Content Placeholder 2">
-            <a:extLst>
-              <a:ext uri="{FF2B5EF4-FFF2-40B4-BE49-F238E27FC236}">
-                <a16:creationId xmlns:a16="http://schemas.microsoft.com/office/drawing/2014/main" id="{AE464538-89B1-4C6E-B21D-2AF815EED56E}"/>
-              </a:ext>
-            </a:extLst>
-          </p:cNvPr>
-          <p:cNvSpPr>
-            <a:spLocks noGrp="1"/>
-          </p:cNvSpPr>
-          <p:nvPr>
-            <p:ph idx="1"/>
-          </p:nvPr>
-        </p:nvSpPr>
-        <p:spPr/>
-        <p:txBody>
-          <a:bodyPr/>
-          <a:lstStyle/>
-          <a:p>
-            <a:r>
-              <a:rPr lang="en-US" dirty="0"/>
-              <a:t>A box graph made with whiskers was next.</a:t>
-            </a:r>
-          </a:p>
-          <a:p>
-            <a:r>
-              <a:rPr lang="en-US" dirty="0"/>
-              <a:t>Boxes represented the mean and the lines are the highest/lowest value.</a:t>
-            </a:r>
-          </a:p>
-          <a:p>
-            <a:r>
-              <a:rPr lang="en-US" dirty="0"/>
-              <a:t>One was made for average price, another for average square foot, and one that combines both.</a:t>
-            </a:r>
-          </a:p>
-        </p:txBody>
-      </p:sp>
-    </p:spTree>
-    <p:extLst>
-      <p:ext uri="{BB962C8B-B14F-4D97-AF65-F5344CB8AC3E}">
-        <p14:creationId xmlns:p14="http://schemas.microsoft.com/office/powerpoint/2010/main" val="738207577"/>
       </p:ext>
     </p:extLst>
   </p:cSld>
@@ -4479,7 +4643,7 @@
           <a:p>
             <a:r>
               <a:rPr lang="en-US" dirty="0"/>
-              <a:t>A bar graph was next in line.</a:t>
+              <a:t>A bar graph was used to depict the occurrences of purchase of houses and their price range.</a:t>
             </a:r>
           </a:p>
           <a:p>
@@ -4497,7 +4661,19 @@
           <a:p>
             <a:r>
               <a:rPr lang="en-US" dirty="0"/>
-              <a:t>Purchases per day was then created.</a:t>
+              <a:t>A bar graph for purchases per day was then created.</a:t>
+            </a:r>
+          </a:p>
+          <a:p>
+            <a:r>
+              <a:rPr lang="en-US" dirty="0"/>
+              <a:t>Another bar graph was made for bedroom count.</a:t>
+            </a:r>
+          </a:p>
+          <a:p>
+            <a:r>
+              <a:rPr lang="en-US" dirty="0"/>
+              <a:t>The client was willing to buy a house with 3 Bedrooms</a:t>
             </a:r>
           </a:p>
         </p:txBody>
@@ -4520,38 +4696,14 @@
   <p:cSld>
     <p:bg>
       <p:bgPr>
-        <a:gradFill flip="none" rotWithShape="1">
-          <a:gsLst>
-            <a:gs pos="0">
-              <a:schemeClr val="accent4">
-                <a:lumMod val="5000"/>
-                <a:lumOff val="95000"/>
-              </a:schemeClr>
-            </a:gs>
-            <a:gs pos="74000">
-              <a:schemeClr val="accent4">
-                <a:lumMod val="45000"/>
-                <a:lumOff val="55000"/>
-              </a:schemeClr>
-            </a:gs>
-            <a:gs pos="83000">
-              <a:schemeClr val="accent4">
-                <a:lumMod val="45000"/>
-                <a:lumOff val="55000"/>
-              </a:schemeClr>
-            </a:gs>
-            <a:gs pos="100000">
-              <a:schemeClr val="accent4">
-                <a:lumMod val="30000"/>
-                <a:lumOff val="70000"/>
-              </a:schemeClr>
-            </a:gs>
-          </a:gsLst>
-          <a:path path="circle">
-            <a:fillToRect l="100000" t="100000"/>
-          </a:path>
-          <a:tileRect r="-100000" b="-100000"/>
-        </a:gradFill>
+        <a:pattFill prst="pct5">
+          <a:fgClr>
+            <a:srgbClr val="FF0000"/>
+          </a:fgClr>
+          <a:bgClr>
+            <a:schemeClr val="bg1"/>
+          </a:bgClr>
+        </a:pattFill>
         <a:effectLst/>
       </p:bgPr>
     </p:bg>
@@ -4574,7 +4726,7 @@
           <p:cNvPr id="2" name="Title 1">
             <a:extLst>
               <a:ext uri="{FF2B5EF4-FFF2-40B4-BE49-F238E27FC236}">
-                <a16:creationId xmlns:a16="http://schemas.microsoft.com/office/drawing/2014/main" id="{9D587704-0A0E-4398-80C0-4FBAB37591AB}"/>
+                <a16:creationId xmlns:a16="http://schemas.microsoft.com/office/drawing/2014/main" id="{B090AEBB-7B12-41F7-9E6B-3D2142CE5207}"/>
               </a:ext>
             </a:extLst>
           </p:cNvPr>
@@ -4592,7 +4744,7 @@
           <a:p>
             <a:r>
               <a:rPr lang="en-US" dirty="0"/>
-              <a:t>Making the Heat Map </a:t>
+              <a:t>Making a box graph</a:t>
             </a:r>
           </a:p>
         </p:txBody>
@@ -4602,7 +4754,7 @@
           <p:cNvPr id="3" name="Content Placeholder 2">
             <a:extLst>
               <a:ext uri="{FF2B5EF4-FFF2-40B4-BE49-F238E27FC236}">
-                <a16:creationId xmlns:a16="http://schemas.microsoft.com/office/drawing/2014/main" id="{A0EEC311-F374-4485-A9A8-A9A9AF9FD498}"/>
+                <a16:creationId xmlns:a16="http://schemas.microsoft.com/office/drawing/2014/main" id="{AE464538-89B1-4C6E-B21D-2AF815EED56E}"/>
               </a:ext>
             </a:extLst>
           </p:cNvPr>
@@ -4620,13 +4772,33 @@
           <a:p>
             <a:r>
               <a:rPr lang="en-US" dirty="0"/>
-              <a:t>A map of where clusters of purchases was then created.</a:t>
-            </a:r>
-          </a:p>
-          <a:p>
-            <a:r>
-              <a:rPr lang="en-US" dirty="0"/>
-              <a:t>There is also another based on zip codes too.</a:t>
+              <a:t>A box graph made with whiskers was used to find variation between zip codes.</a:t>
+            </a:r>
+          </a:p>
+          <a:p>
+            <a:r>
+              <a:rPr lang="en-US" dirty="0"/>
+              <a:t>Boxes represented the mean and the lines are the highest/lowest outliers.</a:t>
+            </a:r>
+          </a:p>
+          <a:p>
+            <a:r>
+              <a:rPr lang="en-US" dirty="0"/>
+              <a:t>One was made for average price, another for average square foot, and average price per </a:t>
+            </a:r>
+            <a:r>
+              <a:rPr lang="en-US" dirty="0" err="1"/>
+              <a:t>sqr</a:t>
+            </a:r>
+            <a:r>
+              <a:rPr lang="en-US" dirty="0"/>
+              <a:t> foot.</a:t>
+            </a:r>
+          </a:p>
+          <a:p>
+            <a:r>
+              <a:rPr lang="en-US" dirty="0"/>
+              <a:t>The client was interested in living in the area with zip code 95823.</a:t>
             </a:r>
           </a:p>
         </p:txBody>
@@ -4634,7 +4806,7 @@
     </p:spTree>
     <p:extLst>
       <p:ext uri="{BB962C8B-B14F-4D97-AF65-F5344CB8AC3E}">
-        <p14:creationId xmlns:p14="http://schemas.microsoft.com/office/powerpoint/2010/main" val="1000368856"/>
+        <p14:creationId xmlns:p14="http://schemas.microsoft.com/office/powerpoint/2010/main" val="738207577"/>
       </p:ext>
     </p:extLst>
   </p:cSld>

--- a/Sacramento Real Estate.pptx
+++ b/Sacramento Real Estate.pptx
@@ -2,7 +2,7 @@
 <file path=ppt/presentation.xml><?xml version="1.0" encoding="utf-8"?>
 <p:presentation xmlns:a="http://schemas.openxmlformats.org/drawingml/2006/main" xmlns:r="http://schemas.openxmlformats.org/officeDocument/2006/relationships" xmlns:p="http://schemas.openxmlformats.org/presentationml/2006/main" saveSubsetFonts="1">
   <p:sldMasterIdLst>
-    <p:sldMasterId id="2147483648" r:id="rId1"/>
+    <p:sldMasterId id="2147483660" r:id="rId1"/>
   </p:sldMasterIdLst>
   <p:sldIdLst>
     <p:sldId id="256" r:id="rId2"/>
@@ -14,9 +14,11 @@
     <p:sldId id="260" r:id="rId8"/>
     <p:sldId id="264" r:id="rId9"/>
     <p:sldId id="263" r:id="rId10"/>
-    <p:sldId id="262" r:id="rId11"/>
-    <p:sldId id="261" r:id="rId12"/>
-    <p:sldId id="265" r:id="rId13"/>
+    <p:sldId id="268" r:id="rId11"/>
+    <p:sldId id="269" r:id="rId12"/>
+    <p:sldId id="262" r:id="rId13"/>
+    <p:sldId id="261" r:id="rId14"/>
+    <p:sldId id="265" r:id="rId15"/>
   </p:sldIdLst>
   <p:sldSz cx="12192000" cy="6858000"/>
   <p:notesSz cx="6858000" cy="9144000"/>
@@ -24,7 +26,7 @@
     <a:defPPr>
       <a:defRPr lang="en-US"/>
     </a:defPPr>
-    <a:lvl1pPr marL="0" algn="l" defTabSz="914400" rtl="0" eaLnBrk="1" latinLnBrk="0" hangingPunct="1">
+    <a:lvl1pPr marL="0" algn="l" defTabSz="457200" rtl="0" eaLnBrk="1" latinLnBrk="0" hangingPunct="1">
       <a:defRPr sz="1800" kern="1200">
         <a:solidFill>
           <a:schemeClr val="tx1"/>
@@ -34,7 +36,7 @@
         <a:cs typeface="+mn-cs"/>
       </a:defRPr>
     </a:lvl1pPr>
-    <a:lvl2pPr marL="457200" algn="l" defTabSz="914400" rtl="0" eaLnBrk="1" latinLnBrk="0" hangingPunct="1">
+    <a:lvl2pPr marL="457200" algn="l" defTabSz="457200" rtl="0" eaLnBrk="1" latinLnBrk="0" hangingPunct="1">
       <a:defRPr sz="1800" kern="1200">
         <a:solidFill>
           <a:schemeClr val="tx1"/>
@@ -44,7 +46,7 @@
         <a:cs typeface="+mn-cs"/>
       </a:defRPr>
     </a:lvl2pPr>
-    <a:lvl3pPr marL="914400" algn="l" defTabSz="914400" rtl="0" eaLnBrk="1" latinLnBrk="0" hangingPunct="1">
+    <a:lvl3pPr marL="914400" algn="l" defTabSz="457200" rtl="0" eaLnBrk="1" latinLnBrk="0" hangingPunct="1">
       <a:defRPr sz="1800" kern="1200">
         <a:solidFill>
           <a:schemeClr val="tx1"/>
@@ -54,7 +56,7 @@
         <a:cs typeface="+mn-cs"/>
       </a:defRPr>
     </a:lvl3pPr>
-    <a:lvl4pPr marL="1371600" algn="l" defTabSz="914400" rtl="0" eaLnBrk="1" latinLnBrk="0" hangingPunct="1">
+    <a:lvl4pPr marL="1371600" algn="l" defTabSz="457200" rtl="0" eaLnBrk="1" latinLnBrk="0" hangingPunct="1">
       <a:defRPr sz="1800" kern="1200">
         <a:solidFill>
           <a:schemeClr val="tx1"/>
@@ -64,7 +66,7 @@
         <a:cs typeface="+mn-cs"/>
       </a:defRPr>
     </a:lvl4pPr>
-    <a:lvl5pPr marL="1828800" algn="l" defTabSz="914400" rtl="0" eaLnBrk="1" latinLnBrk="0" hangingPunct="1">
+    <a:lvl5pPr marL="1828800" algn="l" defTabSz="457200" rtl="0" eaLnBrk="1" latinLnBrk="0" hangingPunct="1">
       <a:defRPr sz="1800" kern="1200">
         <a:solidFill>
           <a:schemeClr val="tx1"/>
@@ -74,7 +76,7 @@
         <a:cs typeface="+mn-cs"/>
       </a:defRPr>
     </a:lvl5pPr>
-    <a:lvl6pPr marL="2286000" algn="l" defTabSz="914400" rtl="0" eaLnBrk="1" latinLnBrk="0" hangingPunct="1">
+    <a:lvl6pPr marL="2286000" algn="l" defTabSz="457200" rtl="0" eaLnBrk="1" latinLnBrk="0" hangingPunct="1">
       <a:defRPr sz="1800" kern="1200">
         <a:solidFill>
           <a:schemeClr val="tx1"/>
@@ -84,7 +86,7 @@
         <a:cs typeface="+mn-cs"/>
       </a:defRPr>
     </a:lvl6pPr>
-    <a:lvl7pPr marL="2743200" algn="l" defTabSz="914400" rtl="0" eaLnBrk="1" latinLnBrk="0" hangingPunct="1">
+    <a:lvl7pPr marL="2743200" algn="l" defTabSz="457200" rtl="0" eaLnBrk="1" latinLnBrk="0" hangingPunct="1">
       <a:defRPr sz="1800" kern="1200">
         <a:solidFill>
           <a:schemeClr val="tx1"/>
@@ -94,7 +96,7 @@
         <a:cs typeface="+mn-cs"/>
       </a:defRPr>
     </a:lvl7pPr>
-    <a:lvl8pPr marL="3200400" algn="l" defTabSz="914400" rtl="0" eaLnBrk="1" latinLnBrk="0" hangingPunct="1">
+    <a:lvl8pPr marL="3200400" algn="l" defTabSz="457200" rtl="0" eaLnBrk="1" latinLnBrk="0" hangingPunct="1">
       <a:defRPr sz="1800" kern="1200">
         <a:solidFill>
           <a:schemeClr val="tx1"/>
@@ -104,7 +106,7 @@
         <a:cs typeface="+mn-cs"/>
       </a:defRPr>
     </a:lvl8pPr>
-    <a:lvl9pPr marL="3657600" algn="l" defTabSz="914400" rtl="0" eaLnBrk="1" latinLnBrk="0" hangingPunct="1">
+    <a:lvl9pPr marL="3657600" algn="l" defTabSz="457200" rtl="0" eaLnBrk="1" latinLnBrk="0" hangingPunct="1">
       <a:defRPr sz="1800" kern="1200">
         <a:solidFill>
           <a:schemeClr val="tx1"/>
@@ -142,13 +144,7 @@
       </p:grpSpPr>
       <p:sp>
         <p:nvSpPr>
-          <p:cNvPr id="2" name="Title 1">
-            <a:extLst>
-              <a:ext uri="{FF2B5EF4-FFF2-40B4-BE49-F238E27FC236}">
-                <a16:creationId xmlns:a16="http://schemas.microsoft.com/office/drawing/2014/main" id="{99425EF6-7586-4ED4-9B22-C8F7A364CBD3}"/>
-              </a:ext>
-            </a:extLst>
-          </p:cNvPr>
+          <p:cNvPr id="2" name="Title 1"/>
           <p:cNvSpPr>
             <a:spLocks noGrp="1"/>
           </p:cNvSpPr>
@@ -158,15 +154,17 @@
         </p:nvSpPr>
         <p:spPr>
           <a:xfrm>
-            <a:off x="1524000" y="1122363"/>
-            <a:ext cx="9144000" cy="2387600"/>
-          </a:xfrm>
-        </p:spPr>
-        <p:txBody>
-          <a:bodyPr anchor="b"/>
+            <a:off x="2417779" y="802298"/>
+            <a:ext cx="8637073" cy="2541431"/>
+          </a:xfrm>
+        </p:spPr>
+        <p:txBody>
+          <a:bodyPr bIns="0" anchor="b">
+            <a:normAutofit/>
+          </a:bodyPr>
           <a:lstStyle>
-            <a:lvl1pPr algn="ctr">
-              <a:defRPr sz="6000"/>
+            <a:lvl1pPr algn="l">
+              <a:defRPr sz="6600"/>
             </a:lvl1pPr>
           </a:lstStyle>
           <a:p>
@@ -174,18 +172,13 @@
               <a:rPr lang="en-US"/>
               <a:t>Click to edit Master title style</a:t>
             </a:r>
-          </a:p>
-        </p:txBody>
-      </p:sp>
-      <p:sp>
-        <p:nvSpPr>
-          <p:cNvPr id="3" name="Subtitle 2">
-            <a:extLst>
-              <a:ext uri="{FF2B5EF4-FFF2-40B4-BE49-F238E27FC236}">
-                <a16:creationId xmlns:a16="http://schemas.microsoft.com/office/drawing/2014/main" id="{78BB58E2-84C1-4A33-955C-7D4315B4FD6D}"/>
-              </a:ext>
-            </a:extLst>
-          </p:cNvPr>
+            <a:endParaRPr lang="en-US" dirty="0"/>
+          </a:p>
+        </p:txBody>
+      </p:sp>
+      <p:sp>
+        <p:nvSpPr>
+          <p:cNvPr id="3" name="Subtitle 2"/>
           <p:cNvSpPr>
             <a:spLocks noGrp="1"/>
           </p:cNvSpPr>
@@ -195,20 +188,26 @@
         </p:nvSpPr>
         <p:spPr>
           <a:xfrm>
-            <a:off x="1524000" y="3602038"/>
-            <a:ext cx="9144000" cy="1655762"/>
-          </a:xfrm>
-        </p:spPr>
-        <p:txBody>
-          <a:bodyPr/>
+            <a:off x="2417780" y="3531204"/>
+            <a:ext cx="8637072" cy="977621"/>
+          </a:xfrm>
+        </p:spPr>
+        <p:txBody>
+          <a:bodyPr tIns="91440" bIns="91440">
+            <a:normAutofit/>
+          </a:bodyPr>
           <a:lstStyle>
-            <a:lvl1pPr marL="0" indent="0" algn="ctr">
+            <a:lvl1pPr marL="0" indent="0" algn="l">
               <a:buNone/>
-              <a:defRPr sz="2400"/>
+              <a:defRPr sz="1800" b="0" cap="all" baseline="0">
+                <a:solidFill>
+                  <a:schemeClr val="tx1"/>
+                </a:solidFill>
+              </a:defRPr>
             </a:lvl1pPr>
             <a:lvl2pPr marL="457200" indent="0" algn="ctr">
               <a:buNone/>
-              <a:defRPr sz="2000"/>
+              <a:defRPr sz="1800"/>
             </a:lvl2pPr>
             <a:lvl3pPr marL="914400" indent="0" algn="ctr">
               <a:buNone/>
@@ -244,18 +243,13 @@
               <a:rPr lang="en-US"/>
               <a:t>Click to edit Master subtitle style</a:t>
             </a:r>
-          </a:p>
-        </p:txBody>
-      </p:sp>
-      <p:sp>
-        <p:nvSpPr>
-          <p:cNvPr id="4" name="Date Placeholder 3">
-            <a:extLst>
-              <a:ext uri="{FF2B5EF4-FFF2-40B4-BE49-F238E27FC236}">
-                <a16:creationId xmlns:a16="http://schemas.microsoft.com/office/drawing/2014/main" id="{2F20E0E6-A48D-44D2-9E3D-90DFDDC70187}"/>
-              </a:ext>
-            </a:extLst>
-          </p:cNvPr>
+            <a:endParaRPr lang="en-US" dirty="0"/>
+          </a:p>
+        </p:txBody>
+      </p:sp>
+      <p:sp>
+        <p:nvSpPr>
+          <p:cNvPr id="4" name="Date Placeholder 3"/>
           <p:cNvSpPr>
             <a:spLocks noGrp="1"/>
           </p:cNvSpPr>
@@ -278,13 +272,7 @@
       </p:sp>
       <p:sp>
         <p:nvSpPr>
-          <p:cNvPr id="5" name="Footer Placeholder 4">
-            <a:extLst>
-              <a:ext uri="{FF2B5EF4-FFF2-40B4-BE49-F238E27FC236}">
-                <a16:creationId xmlns:a16="http://schemas.microsoft.com/office/drawing/2014/main" id="{91722E71-28AA-4F0D-9F8E-8C9525FB0667}"/>
-              </a:ext>
-            </a:extLst>
-          </p:cNvPr>
+          <p:cNvPr id="5" name="Footer Placeholder 4"/>
           <p:cNvSpPr>
             <a:spLocks noGrp="1"/>
           </p:cNvSpPr>
@@ -292,7 +280,12 @@
             <p:ph type="ftr" sz="quarter" idx="11"/>
           </p:nvPr>
         </p:nvSpPr>
-        <p:spPr/>
+        <p:spPr>
+          <a:xfrm>
+            <a:off x="2416500" y="329307"/>
+            <a:ext cx="4973915" cy="309201"/>
+          </a:xfrm>
+        </p:spPr>
         <p:txBody>
           <a:bodyPr/>
           <a:lstStyle/>
@@ -303,13 +296,7 @@
       </p:sp>
       <p:sp>
         <p:nvSpPr>
-          <p:cNvPr id="6" name="Slide Number Placeholder 5">
-            <a:extLst>
-              <a:ext uri="{FF2B5EF4-FFF2-40B4-BE49-F238E27FC236}">
-                <a16:creationId xmlns:a16="http://schemas.microsoft.com/office/drawing/2014/main" id="{B28F17D0-FAA0-4B8E-8561-FB8371C1D944}"/>
-              </a:ext>
-            </a:extLst>
-          </p:cNvPr>
+          <p:cNvPr id="6" name="Slide Number Placeholder 5"/>
           <p:cNvSpPr>
             <a:spLocks noGrp="1"/>
           </p:cNvSpPr>
@@ -317,7 +304,12 @@
             <p:ph type="sldNum" sz="quarter" idx="12"/>
           </p:nvPr>
         </p:nvSpPr>
-        <p:spPr/>
+        <p:spPr>
+          <a:xfrm>
+            <a:off x="1437664" y="798973"/>
+            <a:ext cx="811019" cy="503578"/>
+          </a:xfrm>
+        </p:spPr>
         <p:txBody>
           <a:bodyPr/>
           <a:lstStyle/>
@@ -330,10 +322,41 @@
           </a:p>
         </p:txBody>
       </p:sp>
+      <p:cxnSp>
+        <p:nvCxnSpPr>
+          <p:cNvPr id="15" name="Straight Connector 14"/>
+          <p:cNvCxnSpPr/>
+          <p:nvPr/>
+        </p:nvCxnSpPr>
+        <p:spPr>
+          <a:xfrm>
+            <a:off x="2417780" y="3528542"/>
+            <a:ext cx="8637072" cy="0"/>
+          </a:xfrm>
+          <a:prstGeom prst="line">
+            <a:avLst/>
+          </a:prstGeom>
+          <a:ln w="31750"/>
+        </p:spPr>
+        <p:style>
+          <a:lnRef idx="3">
+            <a:schemeClr val="accent1"/>
+          </a:lnRef>
+          <a:fillRef idx="0">
+            <a:schemeClr val="accent1"/>
+          </a:fillRef>
+          <a:effectRef idx="2">
+            <a:schemeClr val="accent1"/>
+          </a:effectRef>
+          <a:fontRef idx="minor">
+            <a:schemeClr val="tx1"/>
+          </a:fontRef>
+        </p:style>
+      </p:cxnSp>
     </p:spTree>
     <p:extLst>
       <p:ext uri="{BB962C8B-B14F-4D97-AF65-F5344CB8AC3E}">
-        <p14:creationId xmlns:p14="http://schemas.microsoft.com/office/powerpoint/2010/main" val="1418052168"/>
+        <p14:creationId xmlns:p14="http://schemas.microsoft.com/office/powerpoint/2010/main" val="622045311"/>
       </p:ext>
     </p:extLst>
   </p:cSld>
@@ -362,13 +385,7 @@
       </p:grpSpPr>
       <p:sp>
         <p:nvSpPr>
-          <p:cNvPr id="2" name="Title 1">
-            <a:extLst>
-              <a:ext uri="{FF2B5EF4-FFF2-40B4-BE49-F238E27FC236}">
-                <a16:creationId xmlns:a16="http://schemas.microsoft.com/office/drawing/2014/main" id="{B072A655-AF50-466F-9A7E-2CDDE8CF52B4}"/>
-              </a:ext>
-            </a:extLst>
-          </p:cNvPr>
+          <p:cNvPr id="2" name="Title 1"/>
           <p:cNvSpPr>
             <a:spLocks noGrp="1"/>
           </p:cNvSpPr>
@@ -385,18 +402,13 @@
               <a:rPr lang="en-US"/>
               <a:t>Click to edit Master title style</a:t>
             </a:r>
-          </a:p>
-        </p:txBody>
-      </p:sp>
-      <p:sp>
-        <p:nvSpPr>
-          <p:cNvPr id="3" name="Vertical Text Placeholder 2">
-            <a:extLst>
-              <a:ext uri="{FF2B5EF4-FFF2-40B4-BE49-F238E27FC236}">
-                <a16:creationId xmlns:a16="http://schemas.microsoft.com/office/drawing/2014/main" id="{BC0D3AA0-6A00-4BDD-94DF-11B327875C35}"/>
-              </a:ext>
-            </a:extLst>
-          </p:cNvPr>
+            <a:endParaRPr lang="en-US" dirty="0"/>
+          </a:p>
+        </p:txBody>
+      </p:sp>
+      <p:sp>
+        <p:nvSpPr>
+          <p:cNvPr id="3" name="Vertical Text Placeholder 2"/>
           <p:cNvSpPr>
             <a:spLocks noGrp="1"/>
           </p:cNvSpPr>
@@ -442,18 +454,13 @@
               <a:rPr lang="en-US"/>
               <a:t>Fifth level</a:t>
             </a:r>
-          </a:p>
-        </p:txBody>
-      </p:sp>
-      <p:sp>
-        <p:nvSpPr>
-          <p:cNvPr id="4" name="Date Placeholder 3">
-            <a:extLst>
-              <a:ext uri="{FF2B5EF4-FFF2-40B4-BE49-F238E27FC236}">
-                <a16:creationId xmlns:a16="http://schemas.microsoft.com/office/drawing/2014/main" id="{652674EB-083C-4AB0-9C6F-00AEE8066B61}"/>
-              </a:ext>
-            </a:extLst>
-          </p:cNvPr>
+            <a:endParaRPr lang="en-US" dirty="0"/>
+          </a:p>
+        </p:txBody>
+      </p:sp>
+      <p:sp>
+        <p:nvSpPr>
+          <p:cNvPr id="4" name="Date Placeholder 3"/>
           <p:cNvSpPr>
             <a:spLocks noGrp="1"/>
           </p:cNvSpPr>
@@ -476,13 +483,7 @@
       </p:sp>
       <p:sp>
         <p:nvSpPr>
-          <p:cNvPr id="5" name="Footer Placeholder 4">
-            <a:extLst>
-              <a:ext uri="{FF2B5EF4-FFF2-40B4-BE49-F238E27FC236}">
-                <a16:creationId xmlns:a16="http://schemas.microsoft.com/office/drawing/2014/main" id="{24E9036F-C9FE-4E12-9440-E443D732C722}"/>
-              </a:ext>
-            </a:extLst>
-          </p:cNvPr>
+          <p:cNvPr id="5" name="Footer Placeholder 4"/>
           <p:cNvSpPr>
             <a:spLocks noGrp="1"/>
           </p:cNvSpPr>
@@ -501,13 +502,7 @@
       </p:sp>
       <p:sp>
         <p:nvSpPr>
-          <p:cNvPr id="6" name="Slide Number Placeholder 5">
-            <a:extLst>
-              <a:ext uri="{FF2B5EF4-FFF2-40B4-BE49-F238E27FC236}">
-                <a16:creationId xmlns:a16="http://schemas.microsoft.com/office/drawing/2014/main" id="{DC794ECF-9FEF-41A6-AE88-DF125DEA5B73}"/>
-              </a:ext>
-            </a:extLst>
-          </p:cNvPr>
+          <p:cNvPr id="6" name="Slide Number Placeholder 5"/>
           <p:cNvSpPr>
             <a:spLocks noGrp="1"/>
           </p:cNvSpPr>
@@ -528,10 +523,41 @@
           </a:p>
         </p:txBody>
       </p:sp>
+      <p:cxnSp>
+        <p:nvCxnSpPr>
+          <p:cNvPr id="26" name="Straight Connector 25"/>
+          <p:cNvCxnSpPr/>
+          <p:nvPr/>
+        </p:nvCxnSpPr>
+        <p:spPr>
+          <a:xfrm>
+            <a:off x="1453896" y="1847088"/>
+            <a:ext cx="9607522" cy="0"/>
+          </a:xfrm>
+          <a:prstGeom prst="line">
+            <a:avLst/>
+          </a:prstGeom>
+          <a:ln w="31750"/>
+        </p:spPr>
+        <p:style>
+          <a:lnRef idx="3">
+            <a:schemeClr val="accent1"/>
+          </a:lnRef>
+          <a:fillRef idx="0">
+            <a:schemeClr val="accent1"/>
+          </a:fillRef>
+          <a:effectRef idx="2">
+            <a:schemeClr val="accent1"/>
+          </a:effectRef>
+          <a:fontRef idx="minor">
+            <a:schemeClr val="tx1"/>
+          </a:fontRef>
+        </p:style>
+      </p:cxnSp>
     </p:spTree>
     <p:extLst>
       <p:ext uri="{BB962C8B-B14F-4D97-AF65-F5344CB8AC3E}">
-        <p14:creationId xmlns:p14="http://schemas.microsoft.com/office/powerpoint/2010/main" val="722091476"/>
+        <p14:creationId xmlns:p14="http://schemas.microsoft.com/office/powerpoint/2010/main" val="4274884877"/>
       </p:ext>
     </p:extLst>
   </p:cSld>
@@ -560,13 +586,7 @@
       </p:grpSpPr>
       <p:sp>
         <p:nvSpPr>
-          <p:cNvPr id="2" name="Vertical Title 1">
-            <a:extLst>
-              <a:ext uri="{FF2B5EF4-FFF2-40B4-BE49-F238E27FC236}">
-                <a16:creationId xmlns:a16="http://schemas.microsoft.com/office/drawing/2014/main" id="{39A6AAE7-0C72-428A-B1B6-87A1740BE3D4}"/>
-              </a:ext>
-            </a:extLst>
-          </p:cNvPr>
+          <p:cNvPr id="2" name="Vertical Title 1"/>
           <p:cNvSpPr>
             <a:spLocks noGrp="1"/>
           </p:cNvSpPr>
@@ -576,30 +596,29 @@
         </p:nvSpPr>
         <p:spPr>
           <a:xfrm>
-            <a:off x="8724900" y="365125"/>
-            <a:ext cx="2628900" cy="5811838"/>
+            <a:off x="9439111" y="798973"/>
+            <a:ext cx="1615742" cy="4659889"/>
           </a:xfrm>
         </p:spPr>
         <p:txBody>
           <a:bodyPr vert="eaVert"/>
-          <a:lstStyle/>
+          <a:lstStyle>
+            <a:lvl1pPr algn="l">
+              <a:defRPr/>
+            </a:lvl1pPr>
+          </a:lstStyle>
           <a:p>
             <a:r>
               <a:rPr lang="en-US"/>
               <a:t>Click to edit Master title style</a:t>
             </a:r>
-          </a:p>
-        </p:txBody>
-      </p:sp>
-      <p:sp>
-        <p:nvSpPr>
-          <p:cNvPr id="3" name="Vertical Text Placeholder 2">
-            <a:extLst>
-              <a:ext uri="{FF2B5EF4-FFF2-40B4-BE49-F238E27FC236}">
-                <a16:creationId xmlns:a16="http://schemas.microsoft.com/office/drawing/2014/main" id="{5E41BF58-D098-4D1D-A59B-5B12538FC2EF}"/>
-              </a:ext>
-            </a:extLst>
-          </p:cNvPr>
+            <a:endParaRPr lang="en-US" dirty="0"/>
+          </a:p>
+        </p:txBody>
+      </p:sp>
+      <p:sp>
+        <p:nvSpPr>
+          <p:cNvPr id="3" name="Vertical Text Placeholder 2"/>
           <p:cNvSpPr>
             <a:spLocks noGrp="1"/>
           </p:cNvSpPr>
@@ -609,8 +628,8 @@
         </p:nvSpPr>
         <p:spPr>
           <a:xfrm>
-            <a:off x="838200" y="365125"/>
-            <a:ext cx="7734300" cy="5811838"/>
+            <a:off x="1444672" y="798973"/>
+            <a:ext cx="7828830" cy="4659889"/>
           </a:xfrm>
         </p:spPr>
         <p:txBody>
@@ -650,18 +669,13 @@
               <a:rPr lang="en-US"/>
               <a:t>Fifth level</a:t>
             </a:r>
-          </a:p>
-        </p:txBody>
-      </p:sp>
-      <p:sp>
-        <p:nvSpPr>
-          <p:cNvPr id="4" name="Date Placeholder 3">
-            <a:extLst>
-              <a:ext uri="{FF2B5EF4-FFF2-40B4-BE49-F238E27FC236}">
-                <a16:creationId xmlns:a16="http://schemas.microsoft.com/office/drawing/2014/main" id="{C61EC7E7-5B87-4B99-8CE3-FA22D31B4F0A}"/>
-              </a:ext>
-            </a:extLst>
-          </p:cNvPr>
+            <a:endParaRPr lang="en-US" dirty="0"/>
+          </a:p>
+        </p:txBody>
+      </p:sp>
+      <p:sp>
+        <p:nvSpPr>
+          <p:cNvPr id="4" name="Date Placeholder 3"/>
           <p:cNvSpPr>
             <a:spLocks noGrp="1"/>
           </p:cNvSpPr>
@@ -684,13 +698,7 @@
       </p:sp>
       <p:sp>
         <p:nvSpPr>
-          <p:cNvPr id="5" name="Footer Placeholder 4">
-            <a:extLst>
-              <a:ext uri="{FF2B5EF4-FFF2-40B4-BE49-F238E27FC236}">
-                <a16:creationId xmlns:a16="http://schemas.microsoft.com/office/drawing/2014/main" id="{BD0ECEE2-C9BD-43D7-84A8-81E19A1266A4}"/>
-              </a:ext>
-            </a:extLst>
-          </p:cNvPr>
+          <p:cNvPr id="5" name="Footer Placeholder 4"/>
           <p:cNvSpPr>
             <a:spLocks noGrp="1"/>
           </p:cNvSpPr>
@@ -709,13 +717,7 @@
       </p:sp>
       <p:sp>
         <p:nvSpPr>
-          <p:cNvPr id="6" name="Slide Number Placeholder 5">
-            <a:extLst>
-              <a:ext uri="{FF2B5EF4-FFF2-40B4-BE49-F238E27FC236}">
-                <a16:creationId xmlns:a16="http://schemas.microsoft.com/office/drawing/2014/main" id="{DBE37F81-3E6E-493B-829A-60B272A20234}"/>
-              </a:ext>
-            </a:extLst>
-          </p:cNvPr>
+          <p:cNvPr id="6" name="Slide Number Placeholder 5"/>
           <p:cNvSpPr>
             <a:spLocks noGrp="1"/>
           </p:cNvSpPr>
@@ -736,10 +738,41 @@
           </a:p>
         </p:txBody>
       </p:sp>
+      <p:cxnSp>
+        <p:nvCxnSpPr>
+          <p:cNvPr id="15" name="Straight Connector 14"/>
+          <p:cNvCxnSpPr/>
+          <p:nvPr/>
+        </p:nvCxnSpPr>
+        <p:spPr>
+          <a:xfrm>
+            <a:off x="9439111" y="798973"/>
+            <a:ext cx="0" cy="4659889"/>
+          </a:xfrm>
+          <a:prstGeom prst="line">
+            <a:avLst/>
+          </a:prstGeom>
+          <a:ln w="31750"/>
+        </p:spPr>
+        <p:style>
+          <a:lnRef idx="3">
+            <a:schemeClr val="accent1"/>
+          </a:lnRef>
+          <a:fillRef idx="0">
+            <a:schemeClr val="accent1"/>
+          </a:fillRef>
+          <a:effectRef idx="2">
+            <a:schemeClr val="accent1"/>
+          </a:effectRef>
+          <a:fontRef idx="minor">
+            <a:schemeClr val="tx1"/>
+          </a:fontRef>
+        </p:style>
+      </p:cxnSp>
     </p:spTree>
     <p:extLst>
       <p:ext uri="{BB962C8B-B14F-4D97-AF65-F5344CB8AC3E}">
-        <p14:creationId xmlns:p14="http://schemas.microsoft.com/office/powerpoint/2010/main" val="2363513722"/>
+        <p14:creationId xmlns:p14="http://schemas.microsoft.com/office/powerpoint/2010/main" val="3442099675"/>
       </p:ext>
     </p:extLst>
   </p:cSld>
@@ -768,13 +801,7 @@
       </p:grpSpPr>
       <p:sp>
         <p:nvSpPr>
-          <p:cNvPr id="2" name="Title 1">
-            <a:extLst>
-              <a:ext uri="{FF2B5EF4-FFF2-40B4-BE49-F238E27FC236}">
-                <a16:creationId xmlns:a16="http://schemas.microsoft.com/office/drawing/2014/main" id="{18318998-D32E-4C7F-81FE-8F958A4EDC7C}"/>
-              </a:ext>
-            </a:extLst>
-          </p:cNvPr>
+          <p:cNvPr id="2" name="Title 1"/>
           <p:cNvSpPr>
             <a:spLocks noGrp="1"/>
           </p:cNvSpPr>
@@ -791,18 +818,13 @@
               <a:rPr lang="en-US"/>
               <a:t>Click to edit Master title style</a:t>
             </a:r>
-          </a:p>
-        </p:txBody>
-      </p:sp>
-      <p:sp>
-        <p:nvSpPr>
-          <p:cNvPr id="3" name="Content Placeholder 2">
-            <a:extLst>
-              <a:ext uri="{FF2B5EF4-FFF2-40B4-BE49-F238E27FC236}">
-                <a16:creationId xmlns:a16="http://schemas.microsoft.com/office/drawing/2014/main" id="{91F914CA-3130-4050-A25A-3F4D10BBF614}"/>
-              </a:ext>
-            </a:extLst>
-          </p:cNvPr>
+            <a:endParaRPr lang="en-US" dirty="0"/>
+          </a:p>
+        </p:txBody>
+      </p:sp>
+      <p:sp>
+        <p:nvSpPr>
+          <p:cNvPr id="3" name="Content Placeholder 2"/>
           <p:cNvSpPr>
             <a:spLocks noGrp="1"/>
           </p:cNvSpPr>
@@ -812,7 +834,7 @@
         </p:nvSpPr>
         <p:spPr/>
         <p:txBody>
-          <a:bodyPr/>
+          <a:bodyPr anchor="t"/>
           <a:lstStyle/>
           <a:p>
             <a:pPr lvl="0"/>
@@ -848,18 +870,13 @@
               <a:rPr lang="en-US"/>
               <a:t>Fifth level</a:t>
             </a:r>
-          </a:p>
-        </p:txBody>
-      </p:sp>
-      <p:sp>
-        <p:nvSpPr>
-          <p:cNvPr id="4" name="Date Placeholder 3">
-            <a:extLst>
-              <a:ext uri="{FF2B5EF4-FFF2-40B4-BE49-F238E27FC236}">
-                <a16:creationId xmlns:a16="http://schemas.microsoft.com/office/drawing/2014/main" id="{E9C33F2F-FF16-4A16-81B3-25C182F684E0}"/>
-              </a:ext>
-            </a:extLst>
-          </p:cNvPr>
+            <a:endParaRPr lang="en-US" dirty="0"/>
+          </a:p>
+        </p:txBody>
+      </p:sp>
+      <p:sp>
+        <p:nvSpPr>
+          <p:cNvPr id="4" name="Date Placeholder 3"/>
           <p:cNvSpPr>
             <a:spLocks noGrp="1"/>
           </p:cNvSpPr>
@@ -882,13 +899,7 @@
       </p:sp>
       <p:sp>
         <p:nvSpPr>
-          <p:cNvPr id="5" name="Footer Placeholder 4">
-            <a:extLst>
-              <a:ext uri="{FF2B5EF4-FFF2-40B4-BE49-F238E27FC236}">
-                <a16:creationId xmlns:a16="http://schemas.microsoft.com/office/drawing/2014/main" id="{62BE4633-8C32-4DE9-AD48-605DF9A0A3EE}"/>
-              </a:ext>
-            </a:extLst>
-          </p:cNvPr>
+          <p:cNvPr id="5" name="Footer Placeholder 4"/>
           <p:cNvSpPr>
             <a:spLocks noGrp="1"/>
           </p:cNvSpPr>
@@ -907,13 +918,7 @@
       </p:sp>
       <p:sp>
         <p:nvSpPr>
-          <p:cNvPr id="6" name="Slide Number Placeholder 5">
-            <a:extLst>
-              <a:ext uri="{FF2B5EF4-FFF2-40B4-BE49-F238E27FC236}">
-                <a16:creationId xmlns:a16="http://schemas.microsoft.com/office/drawing/2014/main" id="{BDA652B8-C59A-4982-9AB2-42D14850B8F6}"/>
-              </a:ext>
-            </a:extLst>
-          </p:cNvPr>
+          <p:cNvPr id="6" name="Slide Number Placeholder 5"/>
           <p:cNvSpPr>
             <a:spLocks noGrp="1"/>
           </p:cNvSpPr>
@@ -934,10 +939,41 @@
           </a:p>
         </p:txBody>
       </p:sp>
+      <p:cxnSp>
+        <p:nvCxnSpPr>
+          <p:cNvPr id="33" name="Straight Connector 32"/>
+          <p:cNvCxnSpPr/>
+          <p:nvPr/>
+        </p:nvCxnSpPr>
+        <p:spPr>
+          <a:xfrm>
+            <a:off x="1453896" y="1847088"/>
+            <a:ext cx="9607522" cy="0"/>
+          </a:xfrm>
+          <a:prstGeom prst="line">
+            <a:avLst/>
+          </a:prstGeom>
+          <a:ln w="31750"/>
+        </p:spPr>
+        <p:style>
+          <a:lnRef idx="3">
+            <a:schemeClr val="accent1"/>
+          </a:lnRef>
+          <a:fillRef idx="0">
+            <a:schemeClr val="accent1"/>
+          </a:fillRef>
+          <a:effectRef idx="2">
+            <a:schemeClr val="accent1"/>
+          </a:effectRef>
+          <a:fontRef idx="minor">
+            <a:schemeClr val="tx1"/>
+          </a:fontRef>
+        </p:style>
+      </p:cxnSp>
     </p:spTree>
     <p:extLst>
       <p:ext uri="{BB962C8B-B14F-4D97-AF65-F5344CB8AC3E}">
-        <p14:creationId xmlns:p14="http://schemas.microsoft.com/office/powerpoint/2010/main" val="1749424044"/>
+        <p14:creationId xmlns:p14="http://schemas.microsoft.com/office/powerpoint/2010/main" val="57459277"/>
       </p:ext>
     </p:extLst>
   </p:cSld>
@@ -966,13 +1002,7 @@
       </p:grpSpPr>
       <p:sp>
         <p:nvSpPr>
-          <p:cNvPr id="2" name="Title 1">
-            <a:extLst>
-              <a:ext uri="{FF2B5EF4-FFF2-40B4-BE49-F238E27FC236}">
-                <a16:creationId xmlns:a16="http://schemas.microsoft.com/office/drawing/2014/main" id="{D610FDDB-04B3-4C56-90F4-E6CC25DA3912}"/>
-              </a:ext>
-            </a:extLst>
-          </p:cNvPr>
+          <p:cNvPr id="2" name="Title 1"/>
           <p:cNvSpPr>
             <a:spLocks noGrp="1"/>
           </p:cNvSpPr>
@@ -982,15 +1012,17 @@
         </p:nvSpPr>
         <p:spPr>
           <a:xfrm>
-            <a:off x="831850" y="1709738"/>
-            <a:ext cx="10515600" cy="2852737"/>
-          </a:xfrm>
-        </p:spPr>
-        <p:txBody>
-          <a:bodyPr anchor="b"/>
+            <a:off x="1454239" y="1756130"/>
+            <a:ext cx="8643154" cy="1887950"/>
+          </a:xfrm>
+        </p:spPr>
+        <p:txBody>
+          <a:bodyPr anchor="b">
+            <a:normAutofit/>
+          </a:bodyPr>
           <a:lstStyle>
-            <a:lvl1pPr>
-              <a:defRPr sz="6000"/>
+            <a:lvl1pPr algn="l">
+              <a:defRPr sz="3600"/>
             </a:lvl1pPr>
           </a:lstStyle>
           <a:p>
@@ -998,18 +1030,13 @@
               <a:rPr lang="en-US"/>
               <a:t>Click to edit Master title style</a:t>
             </a:r>
-          </a:p>
-        </p:txBody>
-      </p:sp>
-      <p:sp>
-        <p:nvSpPr>
-          <p:cNvPr id="3" name="Text Placeholder 2">
-            <a:extLst>
-              <a:ext uri="{FF2B5EF4-FFF2-40B4-BE49-F238E27FC236}">
-                <a16:creationId xmlns:a16="http://schemas.microsoft.com/office/drawing/2014/main" id="{C59CDAA0-CCB1-4393-9C29-53A49201F96A}"/>
-              </a:ext>
-            </a:extLst>
-          </p:cNvPr>
+            <a:endParaRPr lang="en-US" dirty="0"/>
+          </a:p>
+        </p:txBody>
+      </p:sp>
+      <p:sp>
+        <p:nvSpPr>
+          <p:cNvPr id="3" name="Text Placeholder 2"/>
           <p:cNvSpPr>
             <a:spLocks noGrp="1"/>
           </p:cNvSpPr>
@@ -1019,26 +1046,26 @@
         </p:nvSpPr>
         <p:spPr>
           <a:xfrm>
-            <a:off x="831850" y="4589463"/>
-            <a:ext cx="10515600" cy="1500187"/>
-          </a:xfrm>
-        </p:spPr>
-        <p:txBody>
-          <a:bodyPr/>
+            <a:off x="1454239" y="3806195"/>
+            <a:ext cx="8630446" cy="1012929"/>
+          </a:xfrm>
+        </p:spPr>
+        <p:txBody>
+          <a:bodyPr tIns="91440">
+            <a:normAutofit/>
+          </a:bodyPr>
           <a:lstStyle>
-            <a:lvl1pPr marL="0" indent="0">
+            <a:lvl1pPr marL="0" indent="0" algn="l">
               <a:buNone/>
-              <a:defRPr sz="2400">
+              <a:defRPr sz="1800">
                 <a:solidFill>
-                  <a:schemeClr val="tx1">
-                    <a:tint val="75000"/>
-                  </a:schemeClr>
+                  <a:schemeClr val="tx1"/>
                 </a:solidFill>
               </a:defRPr>
             </a:lvl1pPr>
             <a:lvl2pPr marL="457200" indent="0">
               <a:buNone/>
-              <a:defRPr sz="2000">
+              <a:defRPr sz="1800">
                 <a:solidFill>
                   <a:schemeClr val="tx1">
                     <a:tint val="75000"/>
@@ -1128,13 +1155,7 @@
       </p:sp>
       <p:sp>
         <p:nvSpPr>
-          <p:cNvPr id="4" name="Date Placeholder 3">
-            <a:extLst>
-              <a:ext uri="{FF2B5EF4-FFF2-40B4-BE49-F238E27FC236}">
-                <a16:creationId xmlns:a16="http://schemas.microsoft.com/office/drawing/2014/main" id="{B69A1AD8-0237-4386-A5D3-39B79B6650F9}"/>
-              </a:ext>
-            </a:extLst>
-          </p:cNvPr>
+          <p:cNvPr id="4" name="Date Placeholder 3"/>
           <p:cNvSpPr>
             <a:spLocks noGrp="1"/>
           </p:cNvSpPr>
@@ -1157,13 +1178,7 @@
       </p:sp>
       <p:sp>
         <p:nvSpPr>
-          <p:cNvPr id="5" name="Footer Placeholder 4">
-            <a:extLst>
-              <a:ext uri="{FF2B5EF4-FFF2-40B4-BE49-F238E27FC236}">
-                <a16:creationId xmlns:a16="http://schemas.microsoft.com/office/drawing/2014/main" id="{85C81F48-38A2-497D-9FF9-10DDE14C7B54}"/>
-              </a:ext>
-            </a:extLst>
-          </p:cNvPr>
+          <p:cNvPr id="5" name="Footer Placeholder 4"/>
           <p:cNvSpPr>
             <a:spLocks noGrp="1"/>
           </p:cNvSpPr>
@@ -1182,13 +1197,7 @@
       </p:sp>
       <p:sp>
         <p:nvSpPr>
-          <p:cNvPr id="6" name="Slide Number Placeholder 5">
-            <a:extLst>
-              <a:ext uri="{FF2B5EF4-FFF2-40B4-BE49-F238E27FC236}">
-                <a16:creationId xmlns:a16="http://schemas.microsoft.com/office/drawing/2014/main" id="{3F953F6B-3186-40B9-8660-0C63D12AB049}"/>
-              </a:ext>
-            </a:extLst>
-          </p:cNvPr>
+          <p:cNvPr id="6" name="Slide Number Placeholder 5"/>
           <p:cNvSpPr>
             <a:spLocks noGrp="1"/>
           </p:cNvSpPr>
@@ -1209,10 +1218,41 @@
           </a:p>
         </p:txBody>
       </p:sp>
+      <p:cxnSp>
+        <p:nvCxnSpPr>
+          <p:cNvPr id="15" name="Straight Connector 14"/>
+          <p:cNvCxnSpPr/>
+          <p:nvPr/>
+        </p:nvCxnSpPr>
+        <p:spPr>
+          <a:xfrm>
+            <a:off x="1454239" y="3804985"/>
+            <a:ext cx="8630446" cy="0"/>
+          </a:xfrm>
+          <a:prstGeom prst="line">
+            <a:avLst/>
+          </a:prstGeom>
+          <a:ln w="31750"/>
+        </p:spPr>
+        <p:style>
+          <a:lnRef idx="3">
+            <a:schemeClr val="accent1"/>
+          </a:lnRef>
+          <a:fillRef idx="0">
+            <a:schemeClr val="accent1"/>
+          </a:fillRef>
+          <a:effectRef idx="2">
+            <a:schemeClr val="accent1"/>
+          </a:effectRef>
+          <a:fontRef idx="minor">
+            <a:schemeClr val="tx1"/>
+          </a:fontRef>
+        </p:style>
+      </p:cxnSp>
     </p:spTree>
     <p:extLst>
       <p:ext uri="{BB962C8B-B14F-4D97-AF65-F5344CB8AC3E}">
-        <p14:creationId xmlns:p14="http://schemas.microsoft.com/office/powerpoint/2010/main" val="3315756489"/>
+        <p14:creationId xmlns:p14="http://schemas.microsoft.com/office/powerpoint/2010/main" val="2339419216"/>
       </p:ext>
     </p:extLst>
   </p:cSld>
@@ -1241,13 +1281,7 @@
       </p:grpSpPr>
       <p:sp>
         <p:nvSpPr>
-          <p:cNvPr id="2" name="Title 1">
-            <a:extLst>
-              <a:ext uri="{FF2B5EF4-FFF2-40B4-BE49-F238E27FC236}">
-                <a16:creationId xmlns:a16="http://schemas.microsoft.com/office/drawing/2014/main" id="{CD5A363D-3E14-4628-8F7B-D302432650EB}"/>
-              </a:ext>
-            </a:extLst>
-          </p:cNvPr>
+          <p:cNvPr id="2" name="Title 1"/>
           <p:cNvSpPr>
             <a:spLocks noGrp="1"/>
           </p:cNvSpPr>
@@ -1255,7 +1289,12 @@
             <p:ph type="title"/>
           </p:nvPr>
         </p:nvSpPr>
-        <p:spPr/>
+        <p:spPr>
+          <a:xfrm>
+            <a:off x="1449217" y="804889"/>
+            <a:ext cx="9605635" cy="1059305"/>
+          </a:xfrm>
+        </p:spPr>
         <p:txBody>
           <a:bodyPr/>
           <a:lstStyle/>
@@ -1264,18 +1303,13 @@
               <a:rPr lang="en-US"/>
               <a:t>Click to edit Master title style</a:t>
             </a:r>
-          </a:p>
-        </p:txBody>
-      </p:sp>
-      <p:sp>
-        <p:nvSpPr>
-          <p:cNvPr id="3" name="Content Placeholder 2">
-            <a:extLst>
-              <a:ext uri="{FF2B5EF4-FFF2-40B4-BE49-F238E27FC236}">
-                <a16:creationId xmlns:a16="http://schemas.microsoft.com/office/drawing/2014/main" id="{C00E9BBF-B90A-43E4-B445-922D1CF69715}"/>
-              </a:ext>
-            </a:extLst>
-          </p:cNvPr>
+            <a:endParaRPr lang="en-US" dirty="0"/>
+          </a:p>
+        </p:txBody>
+      </p:sp>
+      <p:sp>
+        <p:nvSpPr>
+          <p:cNvPr id="3" name="Content Placeholder 2"/>
           <p:cNvSpPr>
             <a:spLocks noGrp="1"/>
           </p:cNvSpPr>
@@ -1285,8 +1319,8 @@
         </p:nvSpPr>
         <p:spPr>
           <a:xfrm>
-            <a:off x="838200" y="1825625"/>
-            <a:ext cx="5181600" cy="4351338"/>
+            <a:off x="1447331" y="2010878"/>
+            <a:ext cx="4645152" cy="3448595"/>
           </a:xfrm>
         </p:spPr>
         <p:txBody>
@@ -1326,18 +1360,13 @@
               <a:rPr lang="en-US"/>
               <a:t>Fifth level</a:t>
             </a:r>
-          </a:p>
-        </p:txBody>
-      </p:sp>
-      <p:sp>
-        <p:nvSpPr>
-          <p:cNvPr id="4" name="Content Placeholder 3">
-            <a:extLst>
-              <a:ext uri="{FF2B5EF4-FFF2-40B4-BE49-F238E27FC236}">
-                <a16:creationId xmlns:a16="http://schemas.microsoft.com/office/drawing/2014/main" id="{0F898F6C-A3E7-47D3-8C58-6EAEAFFE1ABF}"/>
-              </a:ext>
-            </a:extLst>
-          </p:cNvPr>
+            <a:endParaRPr lang="en-US" dirty="0"/>
+          </a:p>
+        </p:txBody>
+      </p:sp>
+      <p:sp>
+        <p:nvSpPr>
+          <p:cNvPr id="4" name="Content Placeholder 3"/>
           <p:cNvSpPr>
             <a:spLocks noGrp="1"/>
           </p:cNvSpPr>
@@ -1347,8 +1376,8 @@
         </p:nvSpPr>
         <p:spPr>
           <a:xfrm>
-            <a:off x="6172200" y="1825625"/>
-            <a:ext cx="5181600" cy="4351338"/>
+            <a:off x="6413771" y="2017343"/>
+            <a:ext cx="4645152" cy="3441520"/>
           </a:xfrm>
         </p:spPr>
         <p:txBody>
@@ -1388,18 +1417,13 @@
               <a:rPr lang="en-US"/>
               <a:t>Fifth level</a:t>
             </a:r>
-          </a:p>
-        </p:txBody>
-      </p:sp>
-      <p:sp>
-        <p:nvSpPr>
-          <p:cNvPr id="5" name="Date Placeholder 4">
-            <a:extLst>
-              <a:ext uri="{FF2B5EF4-FFF2-40B4-BE49-F238E27FC236}">
-                <a16:creationId xmlns:a16="http://schemas.microsoft.com/office/drawing/2014/main" id="{47BB6FDB-7F04-42BA-A1EE-91F7294CA68C}"/>
-              </a:ext>
-            </a:extLst>
-          </p:cNvPr>
+            <a:endParaRPr lang="en-US" dirty="0"/>
+          </a:p>
+        </p:txBody>
+      </p:sp>
+      <p:sp>
+        <p:nvSpPr>
+          <p:cNvPr id="5" name="Date Placeholder 4"/>
           <p:cNvSpPr>
             <a:spLocks noGrp="1"/>
           </p:cNvSpPr>
@@ -1422,13 +1446,7 @@
       </p:sp>
       <p:sp>
         <p:nvSpPr>
-          <p:cNvPr id="6" name="Footer Placeholder 5">
-            <a:extLst>
-              <a:ext uri="{FF2B5EF4-FFF2-40B4-BE49-F238E27FC236}">
-                <a16:creationId xmlns:a16="http://schemas.microsoft.com/office/drawing/2014/main" id="{5F0B1545-B4BA-4E0C-84A5-DAC7E5BB09D2}"/>
-              </a:ext>
-            </a:extLst>
-          </p:cNvPr>
+          <p:cNvPr id="6" name="Footer Placeholder 5"/>
           <p:cNvSpPr>
             <a:spLocks noGrp="1"/>
           </p:cNvSpPr>
@@ -1447,13 +1465,7 @@
       </p:sp>
       <p:sp>
         <p:nvSpPr>
-          <p:cNvPr id="7" name="Slide Number Placeholder 6">
-            <a:extLst>
-              <a:ext uri="{FF2B5EF4-FFF2-40B4-BE49-F238E27FC236}">
-                <a16:creationId xmlns:a16="http://schemas.microsoft.com/office/drawing/2014/main" id="{6F5255D5-8152-4A6D-9039-6272B06EAA0B}"/>
-              </a:ext>
-            </a:extLst>
-          </p:cNvPr>
+          <p:cNvPr id="7" name="Slide Number Placeholder 6"/>
           <p:cNvSpPr>
             <a:spLocks noGrp="1"/>
           </p:cNvSpPr>
@@ -1474,10 +1486,41 @@
           </a:p>
         </p:txBody>
       </p:sp>
+      <p:cxnSp>
+        <p:nvCxnSpPr>
+          <p:cNvPr id="35" name="Straight Connector 34"/>
+          <p:cNvCxnSpPr/>
+          <p:nvPr/>
+        </p:nvCxnSpPr>
+        <p:spPr>
+          <a:xfrm>
+            <a:off x="1453896" y="1847088"/>
+            <a:ext cx="9607522" cy="0"/>
+          </a:xfrm>
+          <a:prstGeom prst="line">
+            <a:avLst/>
+          </a:prstGeom>
+          <a:ln w="31750"/>
+        </p:spPr>
+        <p:style>
+          <a:lnRef idx="3">
+            <a:schemeClr val="accent1"/>
+          </a:lnRef>
+          <a:fillRef idx="0">
+            <a:schemeClr val="accent1"/>
+          </a:fillRef>
+          <a:effectRef idx="2">
+            <a:schemeClr val="accent1"/>
+          </a:effectRef>
+          <a:fontRef idx="minor">
+            <a:schemeClr val="tx1"/>
+          </a:fontRef>
+        </p:style>
+      </p:cxnSp>
     </p:spTree>
     <p:extLst>
       <p:ext uri="{BB962C8B-B14F-4D97-AF65-F5344CB8AC3E}">
-        <p14:creationId xmlns:p14="http://schemas.microsoft.com/office/powerpoint/2010/main" val="1322021166"/>
+        <p14:creationId xmlns:p14="http://schemas.microsoft.com/office/powerpoint/2010/main" val="3441385064"/>
       </p:ext>
     </p:extLst>
   </p:cSld>
@@ -1506,13 +1549,7 @@
       </p:grpSpPr>
       <p:sp>
         <p:nvSpPr>
-          <p:cNvPr id="2" name="Title 1">
-            <a:extLst>
-              <a:ext uri="{FF2B5EF4-FFF2-40B4-BE49-F238E27FC236}">
-                <a16:creationId xmlns:a16="http://schemas.microsoft.com/office/drawing/2014/main" id="{6D763B43-24A4-46B2-BF06-F8C2A85CD330}"/>
-              </a:ext>
-            </a:extLst>
-          </p:cNvPr>
+          <p:cNvPr id="2" name="Title 1"/>
           <p:cNvSpPr>
             <a:spLocks noGrp="1"/>
           </p:cNvSpPr>
@@ -1522,8 +1559,8 @@
         </p:nvSpPr>
         <p:spPr>
           <a:xfrm>
-            <a:off x="839788" y="365125"/>
-            <a:ext cx="10515600" cy="1325563"/>
+            <a:off x="1447191" y="804163"/>
+            <a:ext cx="9607661" cy="1056319"/>
           </a:xfrm>
         </p:spPr>
         <p:txBody>
@@ -1534,18 +1571,13 @@
               <a:rPr lang="en-US"/>
               <a:t>Click to edit Master title style</a:t>
             </a:r>
-          </a:p>
-        </p:txBody>
-      </p:sp>
-      <p:sp>
-        <p:nvSpPr>
-          <p:cNvPr id="3" name="Text Placeholder 2">
-            <a:extLst>
-              <a:ext uri="{FF2B5EF4-FFF2-40B4-BE49-F238E27FC236}">
-                <a16:creationId xmlns:a16="http://schemas.microsoft.com/office/drawing/2014/main" id="{43DA7DF5-5DD3-42B8-98CD-E8E70A056D71}"/>
-              </a:ext>
-            </a:extLst>
-          </p:cNvPr>
+            <a:endParaRPr lang="en-US" dirty="0"/>
+          </a:p>
+        </p:txBody>
+      </p:sp>
+      <p:sp>
+        <p:nvSpPr>
+          <p:cNvPr id="3" name="Text Placeholder 2"/>
           <p:cNvSpPr>
             <a:spLocks noGrp="1"/>
           </p:cNvSpPr>
@@ -1555,16 +1587,25 @@
         </p:nvSpPr>
         <p:spPr>
           <a:xfrm>
-            <a:off x="839788" y="1681163"/>
-            <a:ext cx="5157787" cy="823912"/>
-          </a:xfrm>
-        </p:spPr>
-        <p:txBody>
-          <a:bodyPr anchor="b"/>
+            <a:off x="1447191" y="2019549"/>
+            <a:ext cx="4645152" cy="801943"/>
+          </a:xfrm>
+        </p:spPr>
+        <p:txBody>
+          <a:bodyPr anchor="b">
+            <a:normAutofit/>
+          </a:bodyPr>
           <a:lstStyle>
             <a:lvl1pPr marL="0" indent="0">
+              <a:lnSpc>
+                <a:spcPct val="100000"/>
+              </a:lnSpc>
               <a:buNone/>
-              <a:defRPr sz="2400" b="1"/>
+              <a:defRPr sz="2200" b="0" cap="all" baseline="0">
+                <a:solidFill>
+                  <a:schemeClr val="accent1"/>
+                </a:solidFill>
+              </a:defRPr>
             </a:lvl1pPr>
             <a:lvl2pPr marL="457200" indent="0">
               <a:buNone/>
@@ -1610,13 +1651,7 @@
       </p:sp>
       <p:sp>
         <p:nvSpPr>
-          <p:cNvPr id="4" name="Content Placeholder 3">
-            <a:extLst>
-              <a:ext uri="{FF2B5EF4-FFF2-40B4-BE49-F238E27FC236}">
-                <a16:creationId xmlns:a16="http://schemas.microsoft.com/office/drawing/2014/main" id="{66952B4A-9244-417F-BD65-79F86AEE4EAB}"/>
-              </a:ext>
-            </a:extLst>
-          </p:cNvPr>
+          <p:cNvPr id="4" name="Content Placeholder 3"/>
           <p:cNvSpPr>
             <a:spLocks noGrp="1"/>
           </p:cNvSpPr>
@@ -1626,8 +1661,8 @@
         </p:nvSpPr>
         <p:spPr>
           <a:xfrm>
-            <a:off x="839788" y="2505075"/>
-            <a:ext cx="5157787" cy="3684588"/>
+            <a:off x="1447191" y="2824269"/>
+            <a:ext cx="4645152" cy="2644457"/>
           </a:xfrm>
         </p:spPr>
         <p:txBody>
@@ -1667,18 +1702,13 @@
               <a:rPr lang="en-US"/>
               <a:t>Fifth level</a:t>
             </a:r>
-          </a:p>
-        </p:txBody>
-      </p:sp>
-      <p:sp>
-        <p:nvSpPr>
-          <p:cNvPr id="5" name="Text Placeholder 4">
-            <a:extLst>
-              <a:ext uri="{FF2B5EF4-FFF2-40B4-BE49-F238E27FC236}">
-                <a16:creationId xmlns:a16="http://schemas.microsoft.com/office/drawing/2014/main" id="{3574DC7F-1CBF-4BD1-B38F-BDC8BA275C1B}"/>
-              </a:ext>
-            </a:extLst>
-          </p:cNvPr>
+            <a:endParaRPr lang="en-US" dirty="0"/>
+          </a:p>
+        </p:txBody>
+      </p:sp>
+      <p:sp>
+        <p:nvSpPr>
+          <p:cNvPr id="5" name="Text Placeholder 4"/>
           <p:cNvSpPr>
             <a:spLocks noGrp="1"/>
           </p:cNvSpPr>
@@ -1688,16 +1718,25 @@
         </p:nvSpPr>
         <p:spPr>
           <a:xfrm>
-            <a:off x="6172200" y="1681163"/>
-            <a:ext cx="5183188" cy="823912"/>
-          </a:xfrm>
-        </p:spPr>
-        <p:txBody>
-          <a:bodyPr anchor="b"/>
+            <a:off x="6412362" y="2023003"/>
+            <a:ext cx="4645152" cy="802237"/>
+          </a:xfrm>
+        </p:spPr>
+        <p:txBody>
+          <a:bodyPr anchor="b">
+            <a:normAutofit/>
+          </a:bodyPr>
           <a:lstStyle>
             <a:lvl1pPr marL="0" indent="0">
+              <a:lnSpc>
+                <a:spcPct val="100000"/>
+              </a:lnSpc>
               <a:buNone/>
-              <a:defRPr sz="2400" b="1"/>
+              <a:defRPr sz="2200" b="0" cap="all" baseline="0">
+                <a:solidFill>
+                  <a:schemeClr val="accent1"/>
+                </a:solidFill>
+              </a:defRPr>
             </a:lvl1pPr>
             <a:lvl2pPr marL="457200" indent="0">
               <a:buNone/>
@@ -1743,13 +1782,7 @@
       </p:sp>
       <p:sp>
         <p:nvSpPr>
-          <p:cNvPr id="6" name="Content Placeholder 5">
-            <a:extLst>
-              <a:ext uri="{FF2B5EF4-FFF2-40B4-BE49-F238E27FC236}">
-                <a16:creationId xmlns:a16="http://schemas.microsoft.com/office/drawing/2014/main" id="{75DB6415-A44F-4DFD-AE9F-3E5F1E92AFF0}"/>
-              </a:ext>
-            </a:extLst>
-          </p:cNvPr>
+          <p:cNvPr id="6" name="Content Placeholder 5"/>
           <p:cNvSpPr>
             <a:spLocks noGrp="1"/>
           </p:cNvSpPr>
@@ -1759,8 +1792,8 @@
         </p:nvSpPr>
         <p:spPr>
           <a:xfrm>
-            <a:off x="6172200" y="2505075"/>
-            <a:ext cx="5183188" cy="3684588"/>
+            <a:off x="6412362" y="2821491"/>
+            <a:ext cx="4645152" cy="2637371"/>
           </a:xfrm>
         </p:spPr>
         <p:txBody>
@@ -1800,18 +1833,13 @@
               <a:rPr lang="en-US"/>
               <a:t>Fifth level</a:t>
             </a:r>
-          </a:p>
-        </p:txBody>
-      </p:sp>
-      <p:sp>
-        <p:nvSpPr>
-          <p:cNvPr id="7" name="Date Placeholder 6">
-            <a:extLst>
-              <a:ext uri="{FF2B5EF4-FFF2-40B4-BE49-F238E27FC236}">
-                <a16:creationId xmlns:a16="http://schemas.microsoft.com/office/drawing/2014/main" id="{9984B09D-12C1-4E65-842F-3C6B3AFB2DB0}"/>
-              </a:ext>
-            </a:extLst>
-          </p:cNvPr>
+            <a:endParaRPr lang="en-US" dirty="0"/>
+          </a:p>
+        </p:txBody>
+      </p:sp>
+      <p:sp>
+        <p:nvSpPr>
+          <p:cNvPr id="7" name="Date Placeholder 6"/>
           <p:cNvSpPr>
             <a:spLocks noGrp="1"/>
           </p:cNvSpPr>
@@ -1834,13 +1862,7 @@
       </p:sp>
       <p:sp>
         <p:nvSpPr>
-          <p:cNvPr id="8" name="Footer Placeholder 7">
-            <a:extLst>
-              <a:ext uri="{FF2B5EF4-FFF2-40B4-BE49-F238E27FC236}">
-                <a16:creationId xmlns:a16="http://schemas.microsoft.com/office/drawing/2014/main" id="{D8D93B80-1CAE-40B0-A782-73613B0DCD8D}"/>
-              </a:ext>
-            </a:extLst>
-          </p:cNvPr>
+          <p:cNvPr id="8" name="Footer Placeholder 7"/>
           <p:cNvSpPr>
             <a:spLocks noGrp="1"/>
           </p:cNvSpPr>
@@ -1859,13 +1881,7 @@
       </p:sp>
       <p:sp>
         <p:nvSpPr>
-          <p:cNvPr id="9" name="Slide Number Placeholder 8">
-            <a:extLst>
-              <a:ext uri="{FF2B5EF4-FFF2-40B4-BE49-F238E27FC236}">
-                <a16:creationId xmlns:a16="http://schemas.microsoft.com/office/drawing/2014/main" id="{62D5F053-91F6-4987-BE19-89748D36D36D}"/>
-              </a:ext>
-            </a:extLst>
-          </p:cNvPr>
+          <p:cNvPr id="9" name="Slide Number Placeholder 8"/>
           <p:cNvSpPr>
             <a:spLocks noGrp="1"/>
           </p:cNvSpPr>
@@ -1886,10 +1902,41 @@
           </a:p>
         </p:txBody>
       </p:sp>
+      <p:cxnSp>
+        <p:nvCxnSpPr>
+          <p:cNvPr id="29" name="Straight Connector 28"/>
+          <p:cNvCxnSpPr/>
+          <p:nvPr/>
+        </p:nvCxnSpPr>
+        <p:spPr>
+          <a:xfrm>
+            <a:off x="1453896" y="1847088"/>
+            <a:ext cx="9607522" cy="0"/>
+          </a:xfrm>
+          <a:prstGeom prst="line">
+            <a:avLst/>
+          </a:prstGeom>
+          <a:ln w="31750"/>
+        </p:spPr>
+        <p:style>
+          <a:lnRef idx="3">
+            <a:schemeClr val="accent1"/>
+          </a:lnRef>
+          <a:fillRef idx="0">
+            <a:schemeClr val="accent1"/>
+          </a:fillRef>
+          <a:effectRef idx="2">
+            <a:schemeClr val="accent1"/>
+          </a:effectRef>
+          <a:fontRef idx="minor">
+            <a:schemeClr val="tx1"/>
+          </a:fontRef>
+        </p:style>
+      </p:cxnSp>
     </p:spTree>
     <p:extLst>
       <p:ext uri="{BB962C8B-B14F-4D97-AF65-F5344CB8AC3E}">
-        <p14:creationId xmlns:p14="http://schemas.microsoft.com/office/powerpoint/2010/main" val="2327898163"/>
+        <p14:creationId xmlns:p14="http://schemas.microsoft.com/office/powerpoint/2010/main" val="1697736068"/>
       </p:ext>
     </p:extLst>
   </p:cSld>
@@ -1918,13 +1965,7 @@
       </p:grpSpPr>
       <p:sp>
         <p:nvSpPr>
-          <p:cNvPr id="2" name="Title 1">
-            <a:extLst>
-              <a:ext uri="{FF2B5EF4-FFF2-40B4-BE49-F238E27FC236}">
-                <a16:creationId xmlns:a16="http://schemas.microsoft.com/office/drawing/2014/main" id="{08F6DBE9-D25B-4E05-80D9-BFD9CF298545}"/>
-              </a:ext>
-            </a:extLst>
-          </p:cNvPr>
+          <p:cNvPr id="2" name="Title 1"/>
           <p:cNvSpPr>
             <a:spLocks noGrp="1"/>
           </p:cNvSpPr>
@@ -1941,18 +1982,13 @@
               <a:rPr lang="en-US"/>
               <a:t>Click to edit Master title style</a:t>
             </a:r>
-          </a:p>
-        </p:txBody>
-      </p:sp>
-      <p:sp>
-        <p:nvSpPr>
-          <p:cNvPr id="3" name="Date Placeholder 2">
-            <a:extLst>
-              <a:ext uri="{FF2B5EF4-FFF2-40B4-BE49-F238E27FC236}">
-                <a16:creationId xmlns:a16="http://schemas.microsoft.com/office/drawing/2014/main" id="{DB1ECF3A-2660-40A2-9CF0-922276743C68}"/>
-              </a:ext>
-            </a:extLst>
-          </p:cNvPr>
+            <a:endParaRPr lang="en-US" dirty="0"/>
+          </a:p>
+        </p:txBody>
+      </p:sp>
+      <p:sp>
+        <p:nvSpPr>
+          <p:cNvPr id="3" name="Date Placeholder 2"/>
           <p:cNvSpPr>
             <a:spLocks noGrp="1"/>
           </p:cNvSpPr>
@@ -1975,13 +2011,7 @@
       </p:sp>
       <p:sp>
         <p:nvSpPr>
-          <p:cNvPr id="4" name="Footer Placeholder 3">
-            <a:extLst>
-              <a:ext uri="{FF2B5EF4-FFF2-40B4-BE49-F238E27FC236}">
-                <a16:creationId xmlns:a16="http://schemas.microsoft.com/office/drawing/2014/main" id="{7A497417-0F51-486B-87A3-CB9C32D451D5}"/>
-              </a:ext>
-            </a:extLst>
-          </p:cNvPr>
+          <p:cNvPr id="4" name="Footer Placeholder 3"/>
           <p:cNvSpPr>
             <a:spLocks noGrp="1"/>
           </p:cNvSpPr>
@@ -2000,13 +2030,7 @@
       </p:sp>
       <p:sp>
         <p:nvSpPr>
-          <p:cNvPr id="5" name="Slide Number Placeholder 4">
-            <a:extLst>
-              <a:ext uri="{FF2B5EF4-FFF2-40B4-BE49-F238E27FC236}">
-                <a16:creationId xmlns:a16="http://schemas.microsoft.com/office/drawing/2014/main" id="{A9BF42E3-12B1-44CB-B804-4EDAD8C751E5}"/>
-              </a:ext>
-            </a:extLst>
-          </p:cNvPr>
+          <p:cNvPr id="5" name="Slide Number Placeholder 4"/>
           <p:cNvSpPr>
             <a:spLocks noGrp="1"/>
           </p:cNvSpPr>
@@ -2027,10 +2051,41 @@
           </a:p>
         </p:txBody>
       </p:sp>
+      <p:cxnSp>
+        <p:nvCxnSpPr>
+          <p:cNvPr id="25" name="Straight Connector 24"/>
+          <p:cNvCxnSpPr/>
+          <p:nvPr/>
+        </p:nvCxnSpPr>
+        <p:spPr>
+          <a:xfrm>
+            <a:off x="1453896" y="1847088"/>
+            <a:ext cx="9607522" cy="0"/>
+          </a:xfrm>
+          <a:prstGeom prst="line">
+            <a:avLst/>
+          </a:prstGeom>
+          <a:ln w="31750"/>
+        </p:spPr>
+        <p:style>
+          <a:lnRef idx="3">
+            <a:schemeClr val="accent1"/>
+          </a:lnRef>
+          <a:fillRef idx="0">
+            <a:schemeClr val="accent1"/>
+          </a:fillRef>
+          <a:effectRef idx="2">
+            <a:schemeClr val="accent1"/>
+          </a:effectRef>
+          <a:fontRef idx="minor">
+            <a:schemeClr val="tx1"/>
+          </a:fontRef>
+        </p:style>
+      </p:cxnSp>
     </p:spTree>
     <p:extLst>
       <p:ext uri="{BB962C8B-B14F-4D97-AF65-F5344CB8AC3E}">
-        <p14:creationId xmlns:p14="http://schemas.microsoft.com/office/powerpoint/2010/main" val="3076505375"/>
+        <p14:creationId xmlns:p14="http://schemas.microsoft.com/office/powerpoint/2010/main" val="786086131"/>
       </p:ext>
     </p:extLst>
   </p:cSld>
@@ -2059,13 +2114,7 @@
       </p:grpSpPr>
       <p:sp>
         <p:nvSpPr>
-          <p:cNvPr id="2" name="Date Placeholder 1">
-            <a:extLst>
-              <a:ext uri="{FF2B5EF4-FFF2-40B4-BE49-F238E27FC236}">
-                <a16:creationId xmlns:a16="http://schemas.microsoft.com/office/drawing/2014/main" id="{16CBA89A-9E84-4F4C-8B88-D1CCBE8EB412}"/>
-              </a:ext>
-            </a:extLst>
-          </p:cNvPr>
+          <p:cNvPr id="2" name="Date Placeholder 1"/>
           <p:cNvSpPr>
             <a:spLocks noGrp="1"/>
           </p:cNvSpPr>
@@ -2088,13 +2137,7 @@
       </p:sp>
       <p:sp>
         <p:nvSpPr>
-          <p:cNvPr id="3" name="Footer Placeholder 2">
-            <a:extLst>
-              <a:ext uri="{FF2B5EF4-FFF2-40B4-BE49-F238E27FC236}">
-                <a16:creationId xmlns:a16="http://schemas.microsoft.com/office/drawing/2014/main" id="{5758F3B7-4D08-424F-A323-3D6E11ECDEFE}"/>
-              </a:ext>
-            </a:extLst>
-          </p:cNvPr>
+          <p:cNvPr id="3" name="Footer Placeholder 2"/>
           <p:cNvSpPr>
             <a:spLocks noGrp="1"/>
           </p:cNvSpPr>
@@ -2113,13 +2156,7 @@
       </p:sp>
       <p:sp>
         <p:nvSpPr>
-          <p:cNvPr id="4" name="Slide Number Placeholder 3">
-            <a:extLst>
-              <a:ext uri="{FF2B5EF4-FFF2-40B4-BE49-F238E27FC236}">
-                <a16:creationId xmlns:a16="http://schemas.microsoft.com/office/drawing/2014/main" id="{B8FBE058-848E-416E-8F45-1BB8112AE623}"/>
-              </a:ext>
-            </a:extLst>
-          </p:cNvPr>
+          <p:cNvPr id="4" name="Slide Number Placeholder 3"/>
           <p:cNvSpPr>
             <a:spLocks noGrp="1"/>
           </p:cNvSpPr>
@@ -2143,7 +2180,7 @@
     </p:spTree>
     <p:extLst>
       <p:ext uri="{BB962C8B-B14F-4D97-AF65-F5344CB8AC3E}">
-        <p14:creationId xmlns:p14="http://schemas.microsoft.com/office/powerpoint/2010/main" val="4179910902"/>
+        <p14:creationId xmlns:p14="http://schemas.microsoft.com/office/powerpoint/2010/main" val="347502915"/>
       </p:ext>
     </p:extLst>
   </p:cSld>
@@ -2172,13 +2209,7 @@
       </p:grpSpPr>
       <p:sp>
         <p:nvSpPr>
-          <p:cNvPr id="2" name="Title 1">
-            <a:extLst>
-              <a:ext uri="{FF2B5EF4-FFF2-40B4-BE49-F238E27FC236}">
-                <a16:creationId xmlns:a16="http://schemas.microsoft.com/office/drawing/2014/main" id="{3CBF0B6E-102F-4BDE-B406-FD45A8800543}"/>
-              </a:ext>
-            </a:extLst>
-          </p:cNvPr>
+          <p:cNvPr id="2" name="Title 1"/>
           <p:cNvSpPr>
             <a:spLocks noGrp="1"/>
           </p:cNvSpPr>
@@ -2188,15 +2219,17 @@
         </p:nvSpPr>
         <p:spPr>
           <a:xfrm>
-            <a:off x="839788" y="457200"/>
-            <a:ext cx="3932237" cy="1600200"/>
-          </a:xfrm>
-        </p:spPr>
-        <p:txBody>
-          <a:bodyPr anchor="b"/>
+            <a:off x="1444671" y="798973"/>
+            <a:ext cx="3273099" cy="2247117"/>
+          </a:xfrm>
+        </p:spPr>
+        <p:txBody>
+          <a:bodyPr anchor="b">
+            <a:normAutofit/>
+          </a:bodyPr>
           <a:lstStyle>
-            <a:lvl1pPr>
-              <a:defRPr sz="3200"/>
+            <a:lvl1pPr algn="l">
+              <a:defRPr sz="2400"/>
             </a:lvl1pPr>
           </a:lstStyle>
           <a:p>
@@ -2204,18 +2237,13 @@
               <a:rPr lang="en-US"/>
               <a:t>Click to edit Master title style</a:t>
             </a:r>
-          </a:p>
-        </p:txBody>
-      </p:sp>
-      <p:sp>
-        <p:nvSpPr>
-          <p:cNvPr id="3" name="Content Placeholder 2">
-            <a:extLst>
-              <a:ext uri="{FF2B5EF4-FFF2-40B4-BE49-F238E27FC236}">
-                <a16:creationId xmlns:a16="http://schemas.microsoft.com/office/drawing/2014/main" id="{4B26A728-CB84-42CF-B0EA-E0E729B45F9E}"/>
-              </a:ext>
-            </a:extLst>
-          </p:cNvPr>
+            <a:endParaRPr lang="en-US" dirty="0"/>
+          </a:p>
+        </p:txBody>
+      </p:sp>
+      <p:sp>
+        <p:nvSpPr>
+          <p:cNvPr id="3" name="Content Placeholder 2"/>
           <p:cNvSpPr>
             <a:spLocks noGrp="1"/>
           </p:cNvSpPr>
@@ -2225,104 +2253,71 @@
         </p:nvSpPr>
         <p:spPr>
           <a:xfrm>
-            <a:off x="5183188" y="987425"/>
-            <a:ext cx="6172200" cy="4873625"/>
+            <a:off x="5043714" y="798974"/>
+            <a:ext cx="6012470" cy="4658826"/>
+          </a:xfrm>
+        </p:spPr>
+        <p:txBody>
+          <a:bodyPr anchor="ctr"/>
+          <a:lstStyle/>
+          <a:p>
+            <a:pPr lvl="0"/>
+            <a:r>
+              <a:rPr lang="en-US"/>
+              <a:t>Click to edit Master text styles</a:t>
+            </a:r>
+          </a:p>
+          <a:p>
+            <a:pPr lvl="1"/>
+            <a:r>
+              <a:rPr lang="en-US"/>
+              <a:t>Second level</a:t>
+            </a:r>
+          </a:p>
+          <a:p>
+            <a:pPr lvl="2"/>
+            <a:r>
+              <a:rPr lang="en-US"/>
+              <a:t>Third level</a:t>
+            </a:r>
+          </a:p>
+          <a:p>
+            <a:pPr lvl="3"/>
+            <a:r>
+              <a:rPr lang="en-US"/>
+              <a:t>Fourth level</a:t>
+            </a:r>
+          </a:p>
+          <a:p>
+            <a:pPr lvl="4"/>
+            <a:r>
+              <a:rPr lang="en-US"/>
+              <a:t>Fifth level</a:t>
+            </a:r>
+            <a:endParaRPr lang="en-US" dirty="0"/>
+          </a:p>
+        </p:txBody>
+      </p:sp>
+      <p:sp>
+        <p:nvSpPr>
+          <p:cNvPr id="4" name="Text Placeholder 3"/>
+          <p:cNvSpPr>
+            <a:spLocks noGrp="1"/>
+          </p:cNvSpPr>
+          <p:nvPr>
+            <p:ph type="body" sz="half" idx="2"/>
+          </p:nvPr>
+        </p:nvSpPr>
+        <p:spPr>
+          <a:xfrm>
+            <a:off x="1444671" y="3205491"/>
+            <a:ext cx="3275013" cy="2248181"/>
           </a:xfrm>
         </p:spPr>
         <p:txBody>
           <a:bodyPr/>
           <a:lstStyle>
-            <a:lvl1pPr>
-              <a:defRPr sz="3200"/>
-            </a:lvl1pPr>
-            <a:lvl2pPr>
-              <a:defRPr sz="2800"/>
-            </a:lvl2pPr>
-            <a:lvl3pPr>
-              <a:defRPr sz="2400"/>
-            </a:lvl3pPr>
-            <a:lvl4pPr>
-              <a:defRPr sz="2000"/>
-            </a:lvl4pPr>
-            <a:lvl5pPr>
-              <a:defRPr sz="2000"/>
-            </a:lvl5pPr>
-            <a:lvl6pPr>
-              <a:defRPr sz="2000"/>
-            </a:lvl6pPr>
-            <a:lvl7pPr>
-              <a:defRPr sz="2000"/>
-            </a:lvl7pPr>
-            <a:lvl8pPr>
-              <a:defRPr sz="2000"/>
-            </a:lvl8pPr>
-            <a:lvl9pPr>
-              <a:defRPr sz="2000"/>
-            </a:lvl9pPr>
-          </a:lstStyle>
-          <a:p>
-            <a:pPr lvl="0"/>
-            <a:r>
-              <a:rPr lang="en-US"/>
-              <a:t>Click to edit Master text styles</a:t>
-            </a:r>
-          </a:p>
-          <a:p>
-            <a:pPr lvl="1"/>
-            <a:r>
-              <a:rPr lang="en-US"/>
-              <a:t>Second level</a:t>
-            </a:r>
-          </a:p>
-          <a:p>
-            <a:pPr lvl="2"/>
-            <a:r>
-              <a:rPr lang="en-US"/>
-              <a:t>Third level</a:t>
-            </a:r>
-          </a:p>
-          <a:p>
-            <a:pPr lvl="3"/>
-            <a:r>
-              <a:rPr lang="en-US"/>
-              <a:t>Fourth level</a:t>
-            </a:r>
-          </a:p>
-          <a:p>
-            <a:pPr lvl="4"/>
-            <a:r>
-              <a:rPr lang="en-US"/>
-              <a:t>Fifth level</a:t>
-            </a:r>
-          </a:p>
-        </p:txBody>
-      </p:sp>
-      <p:sp>
-        <p:nvSpPr>
-          <p:cNvPr id="4" name="Text Placeholder 3">
-            <a:extLst>
-              <a:ext uri="{FF2B5EF4-FFF2-40B4-BE49-F238E27FC236}">
-                <a16:creationId xmlns:a16="http://schemas.microsoft.com/office/drawing/2014/main" id="{3661917A-6859-4598-8466-B95E0ABDD719}"/>
-              </a:ext>
-            </a:extLst>
-          </p:cNvPr>
-          <p:cNvSpPr>
-            <a:spLocks noGrp="1"/>
-          </p:cNvSpPr>
-          <p:nvPr>
-            <p:ph type="body" sz="half" idx="2"/>
-          </p:nvPr>
-        </p:nvSpPr>
-        <p:spPr>
-          <a:xfrm>
-            <a:off x="839788" y="2057400"/>
-            <a:ext cx="3932237" cy="3811588"/>
-          </a:xfrm>
-        </p:spPr>
-        <p:txBody>
-          <a:bodyPr/>
-          <a:lstStyle>
-            <a:lvl1pPr marL="0" indent="0">
+            <a:lvl1pPr marL="0" indent="0" algn="l">
               <a:buNone/>
               <a:defRPr sz="1600"/>
             </a:lvl1pPr>
@@ -2370,13 +2365,7 @@
       </p:sp>
       <p:sp>
         <p:nvSpPr>
-          <p:cNvPr id="5" name="Date Placeholder 4">
-            <a:extLst>
-              <a:ext uri="{FF2B5EF4-FFF2-40B4-BE49-F238E27FC236}">
-                <a16:creationId xmlns:a16="http://schemas.microsoft.com/office/drawing/2014/main" id="{CFDCA297-FE9A-46FE-BFFE-DFCA24A924C3}"/>
-              </a:ext>
-            </a:extLst>
-          </p:cNvPr>
+          <p:cNvPr id="5" name="Date Placeholder 4"/>
           <p:cNvSpPr>
             <a:spLocks noGrp="1"/>
           </p:cNvSpPr>
@@ -2399,13 +2388,7 @@
       </p:sp>
       <p:sp>
         <p:nvSpPr>
-          <p:cNvPr id="6" name="Footer Placeholder 5">
-            <a:extLst>
-              <a:ext uri="{FF2B5EF4-FFF2-40B4-BE49-F238E27FC236}">
-                <a16:creationId xmlns:a16="http://schemas.microsoft.com/office/drawing/2014/main" id="{38CD0B1B-142D-4F86-A5B7-FD33A3ABA36C}"/>
-              </a:ext>
-            </a:extLst>
-          </p:cNvPr>
+          <p:cNvPr id="6" name="Footer Placeholder 5"/>
           <p:cNvSpPr>
             <a:spLocks noGrp="1"/>
           </p:cNvSpPr>
@@ -2424,13 +2407,7 @@
       </p:sp>
       <p:sp>
         <p:nvSpPr>
-          <p:cNvPr id="7" name="Slide Number Placeholder 6">
-            <a:extLst>
-              <a:ext uri="{FF2B5EF4-FFF2-40B4-BE49-F238E27FC236}">
-                <a16:creationId xmlns:a16="http://schemas.microsoft.com/office/drawing/2014/main" id="{13F1BF60-22D8-49DE-BF74-D6963DF8AAB4}"/>
-              </a:ext>
-            </a:extLst>
-          </p:cNvPr>
+          <p:cNvPr id="7" name="Slide Number Placeholder 6"/>
           <p:cNvSpPr>
             <a:spLocks noGrp="1"/>
           </p:cNvSpPr>
@@ -2451,10 +2428,41 @@
           </a:p>
         </p:txBody>
       </p:sp>
+      <p:cxnSp>
+        <p:nvCxnSpPr>
+          <p:cNvPr id="17" name="Straight Connector 16"/>
+          <p:cNvCxnSpPr/>
+          <p:nvPr/>
+        </p:nvCxnSpPr>
+        <p:spPr>
+          <a:xfrm>
+            <a:off x="1448280" y="3205491"/>
+            <a:ext cx="3269490" cy="0"/>
+          </a:xfrm>
+          <a:prstGeom prst="line">
+            <a:avLst/>
+          </a:prstGeom>
+          <a:ln w="31750"/>
+        </p:spPr>
+        <p:style>
+          <a:lnRef idx="3">
+            <a:schemeClr val="accent1"/>
+          </a:lnRef>
+          <a:fillRef idx="0">
+            <a:schemeClr val="accent1"/>
+          </a:fillRef>
+          <a:effectRef idx="2">
+            <a:schemeClr val="accent1"/>
+          </a:effectRef>
+          <a:fontRef idx="minor">
+            <a:schemeClr val="tx1"/>
+          </a:fontRef>
+        </p:style>
+      </p:cxnSp>
     </p:spTree>
     <p:extLst>
       <p:ext uri="{BB962C8B-B14F-4D97-AF65-F5344CB8AC3E}">
-        <p14:creationId xmlns:p14="http://schemas.microsoft.com/office/powerpoint/2010/main" val="1372762973"/>
+        <p14:creationId xmlns:p14="http://schemas.microsoft.com/office/powerpoint/2010/main" val="1371489385"/>
       </p:ext>
     </p:extLst>
   </p:cSld>
@@ -2481,15 +2489,143 @@
           <a:chExt cx="0" cy="0"/>
         </a:xfrm>
       </p:grpSpPr>
-      <p:sp>
-        <p:nvSpPr>
-          <p:cNvPr id="2" name="Title 1">
-            <a:extLst>
-              <a:ext uri="{FF2B5EF4-FFF2-40B4-BE49-F238E27FC236}">
-                <a16:creationId xmlns:a16="http://schemas.microsoft.com/office/drawing/2014/main" id="{3D22213A-8FEA-4900-966B-82BD271F9F4E}"/>
-              </a:ext>
-            </a:extLst>
-          </p:cNvPr>
+      <p:grpSp>
+        <p:nvGrpSpPr>
+          <p:cNvPr id="8" name="Group 7"/>
+          <p:cNvGrpSpPr/>
+          <p:nvPr/>
+        </p:nvGrpSpPr>
+        <p:grpSpPr>
+          <a:xfrm>
+            <a:off x="7477387" y="482170"/>
+            <a:ext cx="4074533" cy="5149101"/>
+            <a:chOff x="7477387" y="482170"/>
+            <a:chExt cx="4074533" cy="5149101"/>
+          </a:xfrm>
+        </p:grpSpPr>
+        <p:sp>
+          <p:nvSpPr>
+            <p:cNvPr id="18" name="Rectangle 17"/>
+            <p:cNvSpPr/>
+            <p:nvPr/>
+          </p:nvSpPr>
+          <p:spPr bwMode="black">
+            <a:xfrm>
+              <a:off x="7477387" y="482170"/>
+              <a:ext cx="4074533" cy="5149101"/>
+            </a:xfrm>
+            <a:prstGeom prst="rect">
+              <a:avLst/>
+            </a:prstGeom>
+            <a:gradFill>
+              <a:gsLst>
+                <a:gs pos="0">
+                  <a:srgbClr val="000001"/>
+                </a:gs>
+                <a:gs pos="100000">
+                  <a:srgbClr val="191919"/>
+                </a:gs>
+              </a:gsLst>
+            </a:gradFill>
+            <a:ln w="76200" cmpd="sng">
+              <a:noFill/>
+              <a:miter lim="800000"/>
+            </a:ln>
+            <a:effectLst>
+              <a:outerShdw blurRad="127000" dist="228600" dir="4740000" sx="98000" sy="98000" algn="tl" rotWithShape="0">
+                <a:srgbClr val="000000">
+                  <a:alpha val="34000"/>
+                </a:srgbClr>
+              </a:outerShdw>
+            </a:effectLst>
+            <a:scene3d>
+              <a:camera prst="orthographicFront"/>
+              <a:lightRig rig="threePt" dir="t"/>
+            </a:scene3d>
+            <a:sp3d>
+              <a:bevelT w="152400" h="50800" prst="softRound"/>
+            </a:sp3d>
+          </p:spPr>
+          <p:style>
+            <a:lnRef idx="1">
+              <a:schemeClr val="accent1"/>
+            </a:lnRef>
+            <a:fillRef idx="3">
+              <a:schemeClr val="accent1"/>
+            </a:fillRef>
+            <a:effectRef idx="2">
+              <a:schemeClr val="accent1"/>
+            </a:effectRef>
+            <a:fontRef idx="minor">
+              <a:schemeClr val="lt1"/>
+            </a:fontRef>
+          </p:style>
+        </p:sp>
+        <p:sp>
+          <p:nvSpPr>
+            <p:cNvPr id="19" name="Rectangle 18"/>
+            <p:cNvSpPr/>
+            <p:nvPr/>
+          </p:nvSpPr>
+          <p:spPr bwMode="blackWhite">
+            <a:xfrm>
+              <a:off x="7790446" y="812506"/>
+              <a:ext cx="3450289" cy="4466452"/>
+            </a:xfrm>
+            <a:prstGeom prst="rect">
+              <a:avLst/>
+            </a:prstGeom>
+            <a:gradFill>
+              <a:gsLst>
+                <a:gs pos="0">
+                  <a:srgbClr val="DADADA"/>
+                </a:gs>
+                <a:gs pos="100000">
+                  <a:srgbClr val="FFFFFE"/>
+                </a:gs>
+              </a:gsLst>
+              <a:lin ang="16200000" scaled="0"/>
+            </a:gradFill>
+            <a:ln w="50800" cmpd="sng">
+              <a:solidFill>
+                <a:srgbClr val="191919"/>
+              </a:solidFill>
+              <a:miter lim="800000"/>
+            </a:ln>
+            <a:effectLst>
+              <a:innerShdw blurRad="63500" dist="88900" dir="14100000">
+                <a:srgbClr val="000000">
+                  <a:alpha val="30000"/>
+                </a:srgbClr>
+              </a:innerShdw>
+            </a:effectLst>
+            <a:scene3d>
+              <a:camera prst="orthographicFront"/>
+              <a:lightRig rig="threePt" dir="t"/>
+            </a:scene3d>
+            <a:sp3d>
+              <a:bevelT prst="relaxedInset"/>
+            </a:sp3d>
+          </p:spPr>
+          <p:style>
+            <a:lnRef idx="1">
+              <a:schemeClr val="accent1"/>
+            </a:lnRef>
+            <a:fillRef idx="3">
+              <a:schemeClr val="accent1"/>
+            </a:fillRef>
+            <a:effectRef idx="2">
+              <a:schemeClr val="accent1"/>
+            </a:effectRef>
+            <a:fontRef idx="minor">
+              <a:schemeClr val="lt1"/>
+            </a:fontRef>
+          </p:style>
+        </p:sp>
+      </p:grpSp>
+      <p:sp>
+        <p:nvSpPr>
+          <p:cNvPr id="2" name="Title 1"/>
           <p:cNvSpPr>
             <a:spLocks noGrp="1"/>
           </p:cNvSpPr>
@@ -2499,12 +2635,14 @@
         </p:nvSpPr>
         <p:spPr>
           <a:xfrm>
-            <a:off x="839788" y="457200"/>
-            <a:ext cx="3932237" cy="1600200"/>
-          </a:xfrm>
-        </p:spPr>
-        <p:txBody>
-          <a:bodyPr anchor="b"/>
+            <a:off x="1451206" y="1129513"/>
+            <a:ext cx="5532328" cy="1830584"/>
+          </a:xfrm>
+        </p:spPr>
+        <p:txBody>
+          <a:bodyPr anchor="b">
+            <a:normAutofit/>
+          </a:bodyPr>
           <a:lstStyle>
             <a:lvl1pPr>
               <a:defRPr sz="3200"/>
@@ -2515,20 +2653,15 @@
               <a:rPr lang="en-US"/>
               <a:t>Click to edit Master title style</a:t>
             </a:r>
-          </a:p>
-        </p:txBody>
-      </p:sp>
-      <p:sp>
-        <p:nvSpPr>
-          <p:cNvPr id="3" name="Picture Placeholder 2">
-            <a:extLst>
-              <a:ext uri="{FF2B5EF4-FFF2-40B4-BE49-F238E27FC236}">
-                <a16:creationId xmlns:a16="http://schemas.microsoft.com/office/drawing/2014/main" id="{DC627417-F0AE-430D-A61B-98639B66784B}"/>
-              </a:ext>
-            </a:extLst>
-          </p:cNvPr>
-          <p:cNvSpPr>
-            <a:spLocks noGrp="1"/>
+            <a:endParaRPr lang="en-US" dirty="0"/>
+          </a:p>
+        </p:txBody>
+      </p:sp>
+      <p:sp>
+        <p:nvSpPr>
+          <p:cNvPr id="3" name="Picture Placeholder 2"/>
+          <p:cNvSpPr>
+            <a:spLocks noGrp="1" noChangeAspect="1"/>
           </p:cNvSpPr>
           <p:nvPr>
             <p:ph type="pic" idx="1"/>
@@ -2536,14 +2669,24 @@
         </p:nvSpPr>
         <p:spPr>
           <a:xfrm>
-            <a:off x="5183188" y="987425"/>
-            <a:ext cx="6172200" cy="4873625"/>
-          </a:xfrm>
-        </p:spPr>
-        <p:txBody>
-          <a:bodyPr/>
+            <a:off x="8124389" y="1122542"/>
+            <a:ext cx="2791171" cy="3866327"/>
+          </a:xfrm>
+          <a:solidFill>
+            <a:schemeClr val="bg1">
+              <a:lumMod val="85000"/>
+            </a:schemeClr>
+          </a:solidFill>
+          <a:ln w="9525" cap="sq">
+            <a:noFill/>
+            <a:miter lim="800000"/>
+          </a:ln>
+          <a:effectLst/>
+        </p:spPr>
+        <p:txBody>
+          <a:bodyPr anchor="t"/>
           <a:lstStyle>
-            <a:lvl1pPr marL="0" indent="0">
+            <a:lvl1pPr marL="0" indent="0" algn="ctr">
               <a:buNone/>
               <a:defRPr sz="3200"/>
             </a:lvl1pPr>
@@ -2581,19 +2724,17 @@
             </a:lvl9pPr>
           </a:lstStyle>
           <a:p>
-            <a:endParaRPr lang="en-US"/>
-          </a:p>
-        </p:txBody>
-      </p:sp>
-      <p:sp>
-        <p:nvSpPr>
-          <p:cNvPr id="4" name="Text Placeholder 3">
-            <a:extLst>
-              <a:ext uri="{FF2B5EF4-FFF2-40B4-BE49-F238E27FC236}">
-                <a16:creationId xmlns:a16="http://schemas.microsoft.com/office/drawing/2014/main" id="{F219FE94-4ED4-49A6-AEE9-17EABD015A4A}"/>
-              </a:ext>
-            </a:extLst>
-          </p:cNvPr>
+            <a:r>
+              <a:rPr lang="en-US"/>
+              <a:t>Click icon to add picture</a:t>
+            </a:r>
+            <a:endParaRPr lang="en-US" dirty="0"/>
+          </a:p>
+        </p:txBody>
+      </p:sp>
+      <p:sp>
+        <p:nvSpPr>
+          <p:cNvPr id="4" name="Text Placeholder 3"/>
           <p:cNvSpPr>
             <a:spLocks noGrp="1"/>
           </p:cNvSpPr>
@@ -2603,16 +2744,18 @@
         </p:nvSpPr>
         <p:spPr>
           <a:xfrm>
-            <a:off x="839788" y="2057400"/>
-            <a:ext cx="3932237" cy="3811588"/>
-          </a:xfrm>
-        </p:spPr>
-        <p:txBody>
-          <a:bodyPr/>
+            <a:off x="1450329" y="3145992"/>
+            <a:ext cx="5524404" cy="2003742"/>
+          </a:xfrm>
+        </p:spPr>
+        <p:txBody>
+          <a:bodyPr>
+            <a:normAutofit/>
+          </a:bodyPr>
           <a:lstStyle>
-            <a:lvl1pPr marL="0" indent="0">
+            <a:lvl1pPr marL="0" indent="0" algn="l">
               <a:buNone/>
-              <a:defRPr sz="1600"/>
+              <a:defRPr sz="1800"/>
             </a:lvl1pPr>
             <a:lvl2pPr marL="457200" indent="0">
               <a:buNone/>
@@ -2658,13 +2801,7 @@
       </p:sp>
       <p:sp>
         <p:nvSpPr>
-          <p:cNvPr id="5" name="Date Placeholder 4">
-            <a:extLst>
-              <a:ext uri="{FF2B5EF4-FFF2-40B4-BE49-F238E27FC236}">
-                <a16:creationId xmlns:a16="http://schemas.microsoft.com/office/drawing/2014/main" id="{FF347D47-1847-4B51-B8B7-1721CD8E0750}"/>
-              </a:ext>
-            </a:extLst>
-          </p:cNvPr>
+          <p:cNvPr id="5" name="Date Placeholder 4"/>
           <p:cNvSpPr>
             <a:spLocks noGrp="1"/>
           </p:cNvSpPr>
@@ -2672,10 +2809,19 @@
             <p:ph type="dt" sz="half" idx="10"/>
           </p:nvPr>
         </p:nvSpPr>
-        <p:spPr/>
+        <p:spPr>
+          <a:xfrm>
+            <a:off x="1447382" y="5469856"/>
+            <a:ext cx="5527351" cy="320123"/>
+          </a:xfrm>
+        </p:spPr>
         <p:txBody>
           <a:bodyPr/>
-          <a:lstStyle/>
+          <a:lstStyle>
+            <a:lvl1pPr algn="l">
+              <a:defRPr/>
+            </a:lvl1pPr>
+          </a:lstStyle>
           <a:p>
             <a:fld id="{45B3A122-DA0E-4BA8-BBF9-7FCCE916F8A5}" type="datetimeFigureOut">
               <a:rPr lang="en-US" smtClean="0"/>
@@ -2687,13 +2833,7 @@
       </p:sp>
       <p:sp>
         <p:nvSpPr>
-          <p:cNvPr id="6" name="Footer Placeholder 5">
-            <a:extLst>
-              <a:ext uri="{FF2B5EF4-FFF2-40B4-BE49-F238E27FC236}">
-                <a16:creationId xmlns:a16="http://schemas.microsoft.com/office/drawing/2014/main" id="{B8E85109-3ADC-474D-9EA0-1B5CF5EFAAB9}"/>
-              </a:ext>
-            </a:extLst>
-          </p:cNvPr>
+          <p:cNvPr id="6" name="Footer Placeholder 5"/>
           <p:cNvSpPr>
             <a:spLocks noGrp="1"/>
           </p:cNvSpPr>
@@ -2701,7 +2841,12 @@
             <p:ph type="ftr" sz="quarter" idx="11"/>
           </p:nvPr>
         </p:nvSpPr>
-        <p:spPr/>
+        <p:spPr>
+          <a:xfrm>
+            <a:off x="1447382" y="318640"/>
+            <a:ext cx="5541004" cy="320931"/>
+          </a:xfrm>
+        </p:spPr>
         <p:txBody>
           <a:bodyPr/>
           <a:lstStyle/>
@@ -2712,13 +2857,7 @@
       </p:sp>
       <p:sp>
         <p:nvSpPr>
-          <p:cNvPr id="7" name="Slide Number Placeholder 6">
-            <a:extLst>
-              <a:ext uri="{FF2B5EF4-FFF2-40B4-BE49-F238E27FC236}">
-                <a16:creationId xmlns:a16="http://schemas.microsoft.com/office/drawing/2014/main" id="{1B0AE1E2-87FA-492B-ACEA-5F9850C8EE1D}"/>
-              </a:ext>
-            </a:extLst>
-          </p:cNvPr>
+          <p:cNvPr id="7" name="Slide Number Placeholder 6"/>
           <p:cNvSpPr>
             <a:spLocks noGrp="1"/>
           </p:cNvSpPr>
@@ -2739,10 +2878,41 @@
           </a:p>
         </p:txBody>
       </p:sp>
+      <p:cxnSp>
+        <p:nvCxnSpPr>
+          <p:cNvPr id="31" name="Straight Connector 30"/>
+          <p:cNvCxnSpPr/>
+          <p:nvPr/>
+        </p:nvCxnSpPr>
+        <p:spPr>
+          <a:xfrm>
+            <a:off x="1447382" y="3143605"/>
+            <a:ext cx="5527351" cy="0"/>
+          </a:xfrm>
+          <a:prstGeom prst="line">
+            <a:avLst/>
+          </a:prstGeom>
+          <a:ln w="31750"/>
+        </p:spPr>
+        <p:style>
+          <a:lnRef idx="3">
+            <a:schemeClr val="accent1"/>
+          </a:lnRef>
+          <a:fillRef idx="0">
+            <a:schemeClr val="accent1"/>
+          </a:fillRef>
+          <a:effectRef idx="2">
+            <a:schemeClr val="accent1"/>
+          </a:effectRef>
+          <a:fontRef idx="minor">
+            <a:schemeClr val="tx1"/>
+          </a:fontRef>
+        </p:style>
+      </p:cxnSp>
     </p:spTree>
     <p:extLst>
       <p:ext uri="{BB962C8B-B14F-4D97-AF65-F5344CB8AC3E}">
-        <p14:creationId xmlns:p14="http://schemas.microsoft.com/office/powerpoint/2010/main" val="253815198"/>
+        <p14:creationId xmlns:p14="http://schemas.microsoft.com/office/powerpoint/2010/main" val="639271000"/>
       </p:ext>
     </p:extLst>
   </p:cSld>
@@ -2756,8 +2926,8 @@
 <p:sldMaster xmlns:a="http://schemas.openxmlformats.org/drawingml/2006/main" xmlns:r="http://schemas.openxmlformats.org/officeDocument/2006/relationships" xmlns:p="http://schemas.openxmlformats.org/presentationml/2006/main">
   <p:cSld>
     <p:bg>
-      <p:bgRef idx="1001">
-        <a:schemeClr val="bg1"/>
+      <p:bgRef idx="1003">
+        <a:schemeClr val="bg2"/>
       </p:bgRef>
     </p:bg>
     <p:spTree>
@@ -2776,67 +2946,134 @@
       </p:grpSpPr>
       <p:sp>
         <p:nvSpPr>
-          <p:cNvPr id="2" name="Title Placeholder 1">
-            <a:extLst>
-              <a:ext uri="{FF2B5EF4-FFF2-40B4-BE49-F238E27FC236}">
-                <a16:creationId xmlns:a16="http://schemas.microsoft.com/office/drawing/2014/main" id="{3B207909-D448-459C-9195-9C4A2EF5ECCD}"/>
-              </a:ext>
-            </a:extLst>
-          </p:cNvPr>
-          <p:cNvSpPr>
-            <a:spLocks noGrp="1"/>
-          </p:cNvSpPr>
-          <p:nvPr>
-            <p:ph type="title"/>
-          </p:nvPr>
-        </p:nvSpPr>
-        <p:spPr>
-          <a:xfrm>
-            <a:off x="838200" y="365125"/>
-            <a:ext cx="10515600" cy="1325563"/>
+          <p:cNvPr id="8" name="Rectangle 7"/>
+          <p:cNvSpPr/>
+          <p:nvPr/>
+        </p:nvSpPr>
+        <p:spPr>
+          <a:xfrm>
+            <a:off x="0" y="2019476"/>
+            <a:ext cx="12192000" cy="4105941"/>
           </a:xfrm>
           <a:prstGeom prst="rect">
             <a:avLst/>
           </a:prstGeom>
-        </p:spPr>
-        <p:txBody>
-          <a:bodyPr vert="horz" lIns="91440" tIns="45720" rIns="91440" bIns="45720" rtlCol="0" anchor="ctr">
-            <a:normAutofit/>
-          </a:bodyPr>
-          <a:lstStyle/>
-          <a:p>
-            <a:r>
-              <a:rPr lang="en-US"/>
-              <a:t>Click to edit Master title style</a:t>
-            </a:r>
-          </a:p>
-        </p:txBody>
-      </p:sp>
-      <p:sp>
-        <p:nvSpPr>
-          <p:cNvPr id="3" name="Text Placeholder 2">
+          <a:gradFill flip="none" rotWithShape="1">
+            <a:gsLst>
+              <a:gs pos="0">
+                <a:schemeClr val="bg2">
+                  <a:alpha val="0"/>
+                </a:schemeClr>
+              </a:gs>
+              <a:gs pos="100000">
+                <a:schemeClr val="bg2"/>
+              </a:gs>
+            </a:gsLst>
+            <a:lin ang="5400000" scaled="0"/>
+            <a:tileRect/>
+          </a:gradFill>
+          <a:ln>
+            <a:noFill/>
+          </a:ln>
+        </p:spPr>
+        <p:style>
+          <a:lnRef idx="2">
+            <a:schemeClr val="accent1">
+              <a:shade val="50000"/>
+            </a:schemeClr>
+          </a:lnRef>
+          <a:fillRef idx="1">
+            <a:schemeClr val="accent1"/>
+          </a:fillRef>
+          <a:effectRef idx="0">
+            <a:schemeClr val="accent1"/>
+          </a:effectRef>
+          <a:fontRef idx="minor">
+            <a:schemeClr val="lt1"/>
+          </a:fontRef>
+        </p:style>
+      </p:sp>
+      <p:pic>
+        <p:nvPicPr>
+          <p:cNvPr id="7" name="Picture 6"/>
+          <p:cNvPicPr>
+            <a:picLocks noChangeAspect="1"/>
+          </p:cNvPicPr>
+          <p:nvPr/>
+        </p:nvPicPr>
+        <p:blipFill rotWithShape="1">
+          <a:blip r:embed="rId13">
             <a:extLst>
-              <a:ext uri="{FF2B5EF4-FFF2-40B4-BE49-F238E27FC236}">
-                <a16:creationId xmlns:a16="http://schemas.microsoft.com/office/drawing/2014/main" id="{123C52FD-63F5-4D13-A8B4-DEAFA5147763}"/>
+              <a:ext uri="{28A0092B-C50C-407E-A947-70E740481C1C}">
+                <a14:useLocalDpi xmlns:a14="http://schemas.microsoft.com/office/drawing/2010/main" val="0"/>
               </a:ext>
             </a:extLst>
-          </p:cNvPr>
-          <p:cNvSpPr>
-            <a:spLocks noGrp="1"/>
-          </p:cNvSpPr>
-          <p:nvPr>
-            <p:ph type="body" idx="1"/>
-          </p:nvPr>
-        </p:nvSpPr>
-        <p:spPr>
-          <a:xfrm>
-            <a:off x="838200" y="1825625"/>
-            <a:ext cx="10515600" cy="4351338"/>
+          </a:blip>
+          <a:srcRect t="1538" b="-1538"/>
+          <a:stretch/>
+        </p:blipFill>
+        <p:spPr bwMode="black">
+          <a:xfrm>
+            <a:off x="0" y="6126480"/>
+            <a:ext cx="12192000" cy="742950"/>
           </a:xfrm>
           <a:prstGeom prst="rect">
             <a:avLst/>
           </a:prstGeom>
         </p:spPr>
+      </p:pic>
+      <p:sp>
+        <p:nvSpPr>
+          <p:cNvPr id="2" name="Title Placeholder 1"/>
+          <p:cNvSpPr>
+            <a:spLocks noGrp="1"/>
+          </p:cNvSpPr>
+          <p:nvPr>
+            <p:ph type="title"/>
+          </p:nvPr>
+        </p:nvSpPr>
+        <p:spPr>
+          <a:xfrm>
+            <a:off x="1451579" y="804519"/>
+            <a:ext cx="9603275" cy="1049235"/>
+          </a:xfrm>
+          <a:prstGeom prst="rect">
+            <a:avLst/>
+          </a:prstGeom>
+        </p:spPr>
+        <p:txBody>
+          <a:bodyPr vert="horz" lIns="91440" tIns="45720" rIns="91440" bIns="45720" rtlCol="0" anchor="t">
+            <a:normAutofit/>
+          </a:bodyPr>
+          <a:lstStyle/>
+          <a:p>
+            <a:r>
+              <a:rPr lang="en-US"/>
+              <a:t>Click to edit Master title style</a:t>
+            </a:r>
+            <a:endParaRPr lang="en-US" dirty="0"/>
+          </a:p>
+        </p:txBody>
+      </p:sp>
+      <p:sp>
+        <p:nvSpPr>
+          <p:cNvPr id="3" name="Text Placeholder 2"/>
+          <p:cNvSpPr>
+            <a:spLocks noGrp="1"/>
+          </p:cNvSpPr>
+          <p:nvPr>
+            <p:ph type="body" idx="1"/>
+          </p:nvPr>
+        </p:nvSpPr>
+        <p:spPr>
+          <a:xfrm>
+            <a:off x="1451579" y="2015732"/>
+            <a:ext cx="9603275" cy="3450613"/>
+          </a:xfrm>
+          <a:prstGeom prst="rect">
+            <a:avLst/>
+          </a:prstGeom>
+        </p:spPr>
         <p:txBody>
           <a:bodyPr vert="horz" lIns="91440" tIns="45720" rIns="91440" bIns="45720" rtlCol="0">
             <a:normAutofit/>
@@ -2876,18 +3113,13 @@
               <a:rPr lang="en-US"/>
               <a:t>Fifth level</a:t>
             </a:r>
-          </a:p>
-        </p:txBody>
-      </p:sp>
-      <p:sp>
-        <p:nvSpPr>
-          <p:cNvPr id="4" name="Date Placeholder 3">
-            <a:extLst>
-              <a:ext uri="{FF2B5EF4-FFF2-40B4-BE49-F238E27FC236}">
-                <a16:creationId xmlns:a16="http://schemas.microsoft.com/office/drawing/2014/main" id="{B127AEF1-EBED-4191-A73B-549B1B4CD1AA}"/>
-              </a:ext>
-            </a:extLst>
-          </p:cNvPr>
+            <a:endParaRPr lang="en-US" dirty="0"/>
+          </a:p>
+        </p:txBody>
+      </p:sp>
+      <p:sp>
+        <p:nvSpPr>
+          <p:cNvPr id="4" name="Date Placeholder 3"/>
           <p:cNvSpPr>
             <a:spLocks noGrp="1"/>
           </p:cNvSpPr>
@@ -2897,8 +3129,8 @@
         </p:nvSpPr>
         <p:spPr>
           <a:xfrm>
-            <a:off x="838200" y="6356350"/>
-            <a:ext cx="2743200" cy="365125"/>
+            <a:off x="7554138" y="330370"/>
+            <a:ext cx="3500715" cy="309201"/>
           </a:xfrm>
           <a:prstGeom prst="rect">
             <a:avLst/>
@@ -2907,8 +3139,8 @@
         <p:txBody>
           <a:bodyPr vert="horz" lIns="91440" tIns="45720" rIns="91440" bIns="45720" rtlCol="0" anchor="ctr"/>
           <a:lstStyle>
-            <a:lvl1pPr algn="l">
-              <a:defRPr sz="1200">
+            <a:lvl1pPr algn="r">
+              <a:defRPr sz="1000">
                 <a:solidFill>
                   <a:schemeClr val="tx1">
                     <a:tint val="75000"/>
@@ -2928,13 +3160,7 @@
       </p:sp>
       <p:sp>
         <p:nvSpPr>
-          <p:cNvPr id="5" name="Footer Placeholder 4">
-            <a:extLst>
-              <a:ext uri="{FF2B5EF4-FFF2-40B4-BE49-F238E27FC236}">
-                <a16:creationId xmlns:a16="http://schemas.microsoft.com/office/drawing/2014/main" id="{3D8839E9-3421-41D6-BE55-3C63D3C3DD16}"/>
-              </a:ext>
-            </a:extLst>
-          </p:cNvPr>
+          <p:cNvPr id="5" name="Footer Placeholder 4"/>
           <p:cNvSpPr>
             <a:spLocks noGrp="1"/>
           </p:cNvSpPr>
@@ -2944,8 +3170,8 @@
         </p:nvSpPr>
         <p:spPr>
           <a:xfrm>
-            <a:off x="4038600" y="6356350"/>
-            <a:ext cx="4114800" cy="365125"/>
+            <a:off x="1451579" y="329307"/>
+            <a:ext cx="5938836" cy="309201"/>
           </a:xfrm>
           <a:prstGeom prst="rect">
             <a:avLst/>
@@ -2954,8 +3180,8 @@
         <p:txBody>
           <a:bodyPr vert="horz" lIns="91440" tIns="45720" rIns="91440" bIns="45720" rtlCol="0" anchor="ctr"/>
           <a:lstStyle>
-            <a:lvl1pPr algn="ctr">
-              <a:defRPr sz="1200">
+            <a:lvl1pPr algn="l">
+              <a:defRPr sz="1000">
                 <a:solidFill>
                   <a:schemeClr val="tx1">
                     <a:tint val="75000"/>
@@ -2971,13 +3197,7 @@
       </p:sp>
       <p:sp>
         <p:nvSpPr>
-          <p:cNvPr id="6" name="Slide Number Placeholder 5">
-            <a:extLst>
-              <a:ext uri="{FF2B5EF4-FFF2-40B4-BE49-F238E27FC236}">
-                <a16:creationId xmlns:a16="http://schemas.microsoft.com/office/drawing/2014/main" id="{91279CC4-D59B-498F-A296-93657BD2A55F}"/>
-              </a:ext>
-            </a:extLst>
-          </p:cNvPr>
+          <p:cNvPr id="6" name="Slide Number Placeholder 5"/>
           <p:cNvSpPr>
             <a:spLocks noGrp="1"/>
           </p:cNvSpPr>
@@ -2987,22 +3207,20 @@
         </p:nvSpPr>
         <p:spPr>
           <a:xfrm>
-            <a:off x="8610600" y="6356350"/>
-            <a:ext cx="2743200" cy="365125"/>
+            <a:off x="480060" y="798973"/>
+            <a:ext cx="811019" cy="503578"/>
           </a:xfrm>
           <a:prstGeom prst="rect">
             <a:avLst/>
           </a:prstGeom>
         </p:spPr>
         <p:txBody>
-          <a:bodyPr vert="horz" lIns="91440" tIns="45720" rIns="91440" bIns="45720" rtlCol="0" anchor="ctr"/>
+          <a:bodyPr vert="horz" lIns="91440" tIns="45720" rIns="91440" bIns="45720" rtlCol="0" anchor="t"/>
           <a:lstStyle>
             <a:lvl1pPr algn="r">
-              <a:defRPr sz="1200">
+              <a:defRPr sz="2800">
                 <a:solidFill>
-                  <a:schemeClr val="tx1">
-                    <a:tint val="75000"/>
-                  </a:schemeClr>
+                  <a:schemeClr val="accent1"/>
                 </a:solidFill>
               </a:defRPr>
             </a:lvl1pPr>
@@ -3016,26 +3234,63 @@
           </a:p>
         </p:txBody>
       </p:sp>
+      <p:cxnSp>
+        <p:nvCxnSpPr>
+          <p:cNvPr id="10" name="Straight Connector 9"/>
+          <p:cNvCxnSpPr/>
+          <p:nvPr/>
+        </p:nvCxnSpPr>
+        <p:spPr>
+          <a:xfrm>
+            <a:off x="0" y="6128413"/>
+            <a:ext cx="12192000" cy="0"/>
+          </a:xfrm>
+          <a:prstGeom prst="line">
+            <a:avLst/>
+          </a:prstGeom>
+          <a:ln w="12700">
+            <a:solidFill>
+              <a:srgbClr val="000001">
+                <a:alpha val="20000"/>
+              </a:srgbClr>
+            </a:solidFill>
+          </a:ln>
+        </p:spPr>
+        <p:style>
+          <a:lnRef idx="1">
+            <a:schemeClr val="accent1"/>
+          </a:lnRef>
+          <a:fillRef idx="0">
+            <a:schemeClr val="accent1"/>
+          </a:fillRef>
+          <a:effectRef idx="0">
+            <a:schemeClr val="accent1"/>
+          </a:effectRef>
+          <a:fontRef idx="minor">
+            <a:schemeClr val="tx1"/>
+          </a:fontRef>
+        </p:style>
+      </p:cxnSp>
     </p:spTree>
     <p:extLst>
       <p:ext uri="{BB962C8B-B14F-4D97-AF65-F5344CB8AC3E}">
-        <p14:creationId xmlns:p14="http://schemas.microsoft.com/office/powerpoint/2010/main" val="2998019324"/>
+        <p14:creationId xmlns:p14="http://schemas.microsoft.com/office/powerpoint/2010/main" val="3927845731"/>
       </p:ext>
     </p:extLst>
   </p:cSld>
   <p:clrMap bg1="lt1" tx1="dk1" bg2="lt2" tx2="dk2" accent1="accent1" accent2="accent2" accent3="accent3" accent4="accent4" accent5="accent5" accent6="accent6" hlink="hlink" folHlink="folHlink"/>
   <p:sldLayoutIdLst>
-    <p:sldLayoutId id="2147483649" r:id="rId1"/>
-    <p:sldLayoutId id="2147483650" r:id="rId2"/>
-    <p:sldLayoutId id="2147483651" r:id="rId3"/>
-    <p:sldLayoutId id="2147483652" r:id="rId4"/>
-    <p:sldLayoutId id="2147483653" r:id="rId5"/>
-    <p:sldLayoutId id="2147483654" r:id="rId6"/>
-    <p:sldLayoutId id="2147483655" r:id="rId7"/>
-    <p:sldLayoutId id="2147483656" r:id="rId8"/>
-    <p:sldLayoutId id="2147483657" r:id="rId9"/>
-    <p:sldLayoutId id="2147483658" r:id="rId10"/>
-    <p:sldLayoutId id="2147483659" r:id="rId11"/>
+    <p:sldLayoutId id="2147483661" r:id="rId1"/>
+    <p:sldLayoutId id="2147483662" r:id="rId2"/>
+    <p:sldLayoutId id="2147483663" r:id="rId3"/>
+    <p:sldLayoutId id="2147483664" r:id="rId4"/>
+    <p:sldLayoutId id="2147483665" r:id="rId5"/>
+    <p:sldLayoutId id="2147483666" r:id="rId6"/>
+    <p:sldLayoutId id="2147483667" r:id="rId7"/>
+    <p:sldLayoutId id="2147483668" r:id="rId8"/>
+    <p:sldLayoutId id="2147483669" r:id="rId9"/>
+    <p:sldLayoutId id="2147483670" r:id="rId10"/>
+    <p:sldLayoutId id="2147483671" r:id="rId11"/>
   </p:sldLayoutIdLst>
   <p:txStyles>
     <p:titleStyle>
@@ -3047,10 +3302,11 @@
           <a:spcPct val="0"/>
         </a:spcBef>
         <a:buNone/>
-        <a:defRPr sz="4400" kern="1200">
+        <a:defRPr sz="3200" b="0" i="0" kern="1200" cap="all">
           <a:solidFill>
             <a:schemeClr val="tx1"/>
           </a:solidFill>
+          <a:effectLst/>
           <a:latin typeface="+mj-lt"/>
           <a:ea typeface="+mj-ea"/>
           <a:cs typeface="+mj-cs"/>
@@ -3060,17 +3316,22 @@
     <p:bodyStyle>
       <a:lvl1pPr marL="228600" indent="-228600" algn="l" defTabSz="914400" rtl="0" eaLnBrk="1" latinLnBrk="0" hangingPunct="1">
         <a:lnSpc>
-          <a:spcPct val="90000"/>
+          <a:spcPct val="120000"/>
         </a:lnSpc>
         <a:spcBef>
           <a:spcPts val="1000"/>
         </a:spcBef>
+        <a:buClr>
+          <a:schemeClr val="accent1"/>
+        </a:buClr>
+        <a:buSzPct val="100000"/>
         <a:buFont typeface="Arial" panose="020B0604020202020204" pitchFamily="34" charset="0"/>
         <a:buChar char="•"/>
-        <a:defRPr sz="2800" kern="1200">
+        <a:defRPr sz="2000" kern="1200">
           <a:solidFill>
             <a:schemeClr val="tx1"/>
           </a:solidFill>
+          <a:effectLst/>
           <a:latin typeface="+mn-lt"/>
           <a:ea typeface="+mn-ea"/>
           <a:cs typeface="+mn-cs"/>
@@ -3078,17 +3339,22 @@
       </a:lvl1pPr>
       <a:lvl2pPr marL="685800" indent="-228600" algn="l" defTabSz="914400" rtl="0" eaLnBrk="1" latinLnBrk="0" hangingPunct="1">
         <a:lnSpc>
-          <a:spcPct val="90000"/>
+          <a:spcPct val="120000"/>
         </a:lnSpc>
         <a:spcBef>
           <a:spcPts val="500"/>
         </a:spcBef>
+        <a:buClr>
+          <a:schemeClr val="accent1"/>
+        </a:buClr>
+        <a:buSzPct val="100000"/>
         <a:buFont typeface="Arial" panose="020B0604020202020204" pitchFamily="34" charset="0"/>
         <a:buChar char="•"/>
-        <a:defRPr sz="2400" kern="1200">
+        <a:defRPr sz="1800" kern="1200" cap="none" baseline="0">
           <a:solidFill>
             <a:schemeClr val="tx1"/>
           </a:solidFill>
+          <a:effectLst/>
           <a:latin typeface="+mn-lt"/>
           <a:ea typeface="+mn-ea"/>
           <a:cs typeface="+mn-cs"/>
@@ -3096,17 +3362,22 @@
       </a:lvl2pPr>
       <a:lvl3pPr marL="1143000" indent="-228600" algn="l" defTabSz="914400" rtl="0" eaLnBrk="1" latinLnBrk="0" hangingPunct="1">
         <a:lnSpc>
-          <a:spcPct val="90000"/>
+          <a:spcPct val="120000"/>
         </a:lnSpc>
         <a:spcBef>
           <a:spcPts val="500"/>
         </a:spcBef>
+        <a:buClr>
+          <a:schemeClr val="accent1"/>
+        </a:buClr>
+        <a:buSzPct val="100000"/>
         <a:buFont typeface="Arial" panose="020B0604020202020204" pitchFamily="34" charset="0"/>
         <a:buChar char="•"/>
-        <a:defRPr sz="2000" kern="1200">
+        <a:defRPr sz="1600" kern="1200">
           <a:solidFill>
             <a:schemeClr val="tx1"/>
           </a:solidFill>
+          <a:effectLst/>
           <a:latin typeface="+mn-lt"/>
           <a:ea typeface="+mn-ea"/>
           <a:cs typeface="+mn-cs"/>
@@ -3114,17 +3385,22 @@
       </a:lvl3pPr>
       <a:lvl4pPr marL="1600200" indent="-228600" algn="l" defTabSz="914400" rtl="0" eaLnBrk="1" latinLnBrk="0" hangingPunct="1">
         <a:lnSpc>
-          <a:spcPct val="90000"/>
+          <a:spcPct val="120000"/>
         </a:lnSpc>
         <a:spcBef>
           <a:spcPts val="500"/>
         </a:spcBef>
+        <a:buClr>
+          <a:schemeClr val="accent1"/>
+        </a:buClr>
+        <a:buSzPct val="100000"/>
         <a:buFont typeface="Arial" panose="020B0604020202020204" pitchFamily="34" charset="0"/>
         <a:buChar char="•"/>
-        <a:defRPr sz="1800" kern="1200">
+        <a:defRPr sz="1400" kern="1200" cap="none" baseline="0">
           <a:solidFill>
             <a:schemeClr val="tx1"/>
           </a:solidFill>
+          <a:effectLst/>
           <a:latin typeface="+mn-lt"/>
           <a:ea typeface="+mn-ea"/>
           <a:cs typeface="+mn-cs"/>
@@ -3132,17 +3408,22 @@
       </a:lvl4pPr>
       <a:lvl5pPr marL="2057400" indent="-228600" algn="l" defTabSz="914400" rtl="0" eaLnBrk="1" latinLnBrk="0" hangingPunct="1">
         <a:lnSpc>
-          <a:spcPct val="90000"/>
+          <a:spcPct val="120000"/>
         </a:lnSpc>
         <a:spcBef>
           <a:spcPts val="500"/>
         </a:spcBef>
+        <a:buClr>
+          <a:schemeClr val="accent1"/>
+        </a:buClr>
+        <a:buSzPct val="100000"/>
         <a:buFont typeface="Arial" panose="020B0604020202020204" pitchFamily="34" charset="0"/>
         <a:buChar char="•"/>
-        <a:defRPr sz="1800" kern="1200">
+        <a:defRPr sz="1200" kern="1200">
           <a:solidFill>
             <a:schemeClr val="tx1"/>
           </a:solidFill>
+          <a:effectLst/>
           <a:latin typeface="+mn-lt"/>
           <a:ea typeface="+mn-ea"/>
           <a:cs typeface="+mn-cs"/>
@@ -3150,17 +3431,22 @@
       </a:lvl5pPr>
       <a:lvl6pPr marL="2514600" indent="-228600" algn="l" defTabSz="914400" rtl="0" eaLnBrk="1" latinLnBrk="0" hangingPunct="1">
         <a:lnSpc>
-          <a:spcPct val="90000"/>
+          <a:spcPct val="120000"/>
         </a:lnSpc>
         <a:spcBef>
           <a:spcPts val="500"/>
         </a:spcBef>
+        <a:buClr>
+          <a:schemeClr val="accent1"/>
+        </a:buClr>
+        <a:buSzPct val="100000"/>
         <a:buFont typeface="Arial" panose="020B0604020202020204" pitchFamily="34" charset="0"/>
         <a:buChar char="•"/>
-        <a:defRPr sz="1800" kern="1200">
+        <a:defRPr sz="1200" kern="1200">
           <a:solidFill>
             <a:schemeClr val="tx1"/>
           </a:solidFill>
+          <a:effectLst/>
           <a:latin typeface="+mn-lt"/>
           <a:ea typeface="+mn-ea"/>
           <a:cs typeface="+mn-cs"/>
@@ -3168,17 +3454,22 @@
       </a:lvl6pPr>
       <a:lvl7pPr marL="2971800" indent="-228600" algn="l" defTabSz="914400" rtl="0" eaLnBrk="1" latinLnBrk="0" hangingPunct="1">
         <a:lnSpc>
-          <a:spcPct val="90000"/>
+          <a:spcPct val="120000"/>
         </a:lnSpc>
         <a:spcBef>
           <a:spcPts val="500"/>
         </a:spcBef>
+        <a:buClr>
+          <a:schemeClr val="accent1"/>
+        </a:buClr>
+        <a:buSzPct val="100000"/>
         <a:buFont typeface="Arial" panose="020B0604020202020204" pitchFamily="34" charset="0"/>
         <a:buChar char="•"/>
-        <a:defRPr sz="1800" kern="1200">
+        <a:defRPr sz="1200" kern="1200">
           <a:solidFill>
             <a:schemeClr val="tx1"/>
           </a:solidFill>
+          <a:effectLst/>
           <a:latin typeface="+mn-lt"/>
           <a:ea typeface="+mn-ea"/>
           <a:cs typeface="+mn-cs"/>
@@ -3186,17 +3477,22 @@
       </a:lvl7pPr>
       <a:lvl8pPr marL="3429000" indent="-228600" algn="l" defTabSz="914400" rtl="0" eaLnBrk="1" latinLnBrk="0" hangingPunct="1">
         <a:lnSpc>
-          <a:spcPct val="90000"/>
+          <a:spcPct val="120000"/>
         </a:lnSpc>
         <a:spcBef>
           <a:spcPts val="500"/>
         </a:spcBef>
+        <a:buClr>
+          <a:schemeClr val="accent1"/>
+        </a:buClr>
+        <a:buSzPct val="100000"/>
         <a:buFont typeface="Arial" panose="020B0604020202020204" pitchFamily="34" charset="0"/>
         <a:buChar char="•"/>
-        <a:defRPr sz="1800" kern="1200">
+        <a:defRPr sz="1200" kern="1200" baseline="0">
           <a:solidFill>
             <a:schemeClr val="tx1"/>
           </a:solidFill>
+          <a:effectLst/>
           <a:latin typeface="+mn-lt"/>
           <a:ea typeface="+mn-ea"/>
           <a:cs typeface="+mn-cs"/>
@@ -3204,17 +3500,22 @@
       </a:lvl8pPr>
       <a:lvl9pPr marL="3886200" indent="-228600" algn="l" defTabSz="914400" rtl="0" eaLnBrk="1" latinLnBrk="0" hangingPunct="1">
         <a:lnSpc>
-          <a:spcPct val="90000"/>
+          <a:spcPct val="120000"/>
         </a:lnSpc>
         <a:spcBef>
           <a:spcPts val="500"/>
         </a:spcBef>
+        <a:buClr>
+          <a:schemeClr val="accent1"/>
+        </a:buClr>
+        <a:buSzPct val="100000"/>
         <a:buFont typeface="Arial" panose="020B0604020202020204" pitchFamily="34" charset="0"/>
         <a:buChar char="•"/>
-        <a:defRPr sz="1800" kern="1200">
+        <a:defRPr sz="1200" kern="1200" baseline="0">
           <a:solidFill>
             <a:schemeClr val="tx1"/>
           </a:solidFill>
+          <a:effectLst/>
           <a:latin typeface="+mn-lt"/>
           <a:ea typeface="+mn-ea"/>
           <a:cs typeface="+mn-cs"/>
@@ -3323,16 +3624,145 @@
 <file path=ppt/slides/slide1.xml><?xml version="1.0" encoding="utf-8"?>
 <p:sld xmlns:a="http://schemas.openxmlformats.org/drawingml/2006/main" xmlns:r="http://schemas.openxmlformats.org/officeDocument/2006/relationships" xmlns:p="http://schemas.openxmlformats.org/presentationml/2006/main">
   <p:cSld>
+    <p:spTree>
+      <p:nvGrpSpPr>
+        <p:cNvPr id="1" name=""/>
+        <p:cNvGrpSpPr/>
+        <p:nvPr/>
+      </p:nvGrpSpPr>
+      <p:grpSpPr>
+        <a:xfrm>
+          <a:off x="0" y="0"/>
+          <a:ext cx="0" cy="0"/>
+          <a:chOff x="0" y="0"/>
+          <a:chExt cx="0" cy="0"/>
+        </a:xfrm>
+      </p:grpSpPr>
+      <p:sp>
+        <p:nvSpPr>
+          <p:cNvPr id="2" name="Title 1">
+            <a:extLst>
+              <a:ext uri="{FF2B5EF4-FFF2-40B4-BE49-F238E27FC236}">
+                <a16:creationId xmlns:a16="http://schemas.microsoft.com/office/drawing/2014/main" id="{700BFB1E-4066-43CA-A8CF-2C0839C8BF1D}"/>
+              </a:ext>
+            </a:extLst>
+          </p:cNvPr>
+          <p:cNvSpPr>
+            <a:spLocks noGrp="1"/>
+          </p:cNvSpPr>
+          <p:nvPr>
+            <p:ph type="ctrTitle"/>
+          </p:nvPr>
+        </p:nvSpPr>
+        <p:spPr/>
+        <p:txBody>
+          <a:bodyPr>
+            <a:normAutofit fontScale="90000"/>
+          </a:bodyPr>
+          <a:lstStyle/>
+          <a:p>
+            <a:r>
+              <a:rPr lang="en-US" dirty="0"/>
+              <a:t>Sacramento Real Estate: Finding Average</a:t>
+            </a:r>
+          </a:p>
+        </p:txBody>
+      </p:sp>
+      <p:sp>
+        <p:nvSpPr>
+          <p:cNvPr id="3" name="Subtitle 2">
+            <a:extLst>
+              <a:ext uri="{FF2B5EF4-FFF2-40B4-BE49-F238E27FC236}">
+                <a16:creationId xmlns:a16="http://schemas.microsoft.com/office/drawing/2014/main" id="{EB3C965C-A38A-4BB6-9590-97BE26F37F78}"/>
+              </a:ext>
+            </a:extLst>
+          </p:cNvPr>
+          <p:cNvSpPr>
+            <a:spLocks noGrp="1"/>
+          </p:cNvSpPr>
+          <p:nvPr>
+            <p:ph type="subTitle" idx="1"/>
+          </p:nvPr>
+        </p:nvSpPr>
+        <p:spPr/>
+        <p:txBody>
+          <a:bodyPr/>
+          <a:lstStyle/>
+          <a:p>
+            <a:r>
+              <a:rPr lang="en-US" dirty="0"/>
+              <a:t>Shawn Cavazos, Edward Michaud, </a:t>
+            </a:r>
+            <a:r>
+              <a:rPr lang="en-US" i="0" dirty="0">
+                <a:effectLst/>
+                <a:latin typeface="Calibri" panose="020F0502020204030204" pitchFamily="34" charset="0"/>
+                <a:cs typeface="Calibri" panose="020F0502020204030204" pitchFamily="34" charset="0"/>
+              </a:rPr>
+              <a:t>Amara </a:t>
+            </a:r>
+            <a:r>
+              <a:rPr lang="en-US" i="0" dirty="0" err="1">
+                <a:effectLst/>
+                <a:latin typeface="Calibri" panose="020F0502020204030204" pitchFamily="34" charset="0"/>
+                <a:cs typeface="Calibri" panose="020F0502020204030204" pitchFamily="34" charset="0"/>
+              </a:rPr>
+              <a:t>Hamadache</a:t>
+            </a:r>
+            <a:endParaRPr lang="en-US" i="0" dirty="0">
+              <a:effectLst/>
+              <a:latin typeface="Calibri" panose="020F0502020204030204" pitchFamily="34" charset="0"/>
+              <a:cs typeface="Calibri" panose="020F0502020204030204" pitchFamily="34" charset="0"/>
+            </a:endParaRPr>
+          </a:p>
+          <a:p>
+            <a:r>
+              <a:rPr lang="en-US" dirty="0">
+                <a:latin typeface="Calibri" panose="020F0502020204030204" pitchFamily="34" charset="0"/>
+                <a:cs typeface="Calibri" panose="020F0502020204030204" pitchFamily="34" charset="0"/>
+              </a:rPr>
+              <a:t>5/08/2021</a:t>
+            </a:r>
+          </a:p>
+        </p:txBody>
+      </p:sp>
+    </p:spTree>
+    <p:extLst>
+      <p:ext uri="{BB962C8B-B14F-4D97-AF65-F5344CB8AC3E}">
+        <p14:creationId xmlns:p14="http://schemas.microsoft.com/office/powerpoint/2010/main" val="1444441996"/>
+      </p:ext>
+    </p:extLst>
+  </p:cSld>
+  <p:clrMapOvr>
+    <a:masterClrMapping/>
+  </p:clrMapOvr>
+</p:sld>
+</file>
+
+<file path=ppt/slides/slide10.xml><?xml version="1.0" encoding="utf-8"?>
+<p:sld xmlns:a="http://schemas.openxmlformats.org/drawingml/2006/main" xmlns:r="http://schemas.openxmlformats.org/officeDocument/2006/relationships" xmlns:p="http://schemas.openxmlformats.org/presentationml/2006/main">
+  <p:cSld>
     <p:bg>
       <p:bgPr>
-        <a:blipFill dpi="0" rotWithShape="1">
-          <a:blip r:embed="rId2">
-            <a:alphaModFix amt="90000"/>
-            <a:lum/>
-          </a:blip>
-          <a:srcRect/>
-          <a:tile tx="0" ty="0" sx="100000" sy="100000" flip="none" algn="tl"/>
-        </a:blipFill>
+        <a:gradFill rotWithShape="1">
+          <a:gsLst>
+            <a:gs pos="0">
+              <a:schemeClr val="bg2">
+                <a:tint val="94000"/>
+                <a:satMod val="80000"/>
+                <a:lumMod val="106000"/>
+              </a:schemeClr>
+            </a:gs>
+            <a:gs pos="100000">
+              <a:schemeClr val="bg2">
+                <a:shade val="80000"/>
+              </a:schemeClr>
+            </a:gs>
+          </a:gsLst>
+          <a:path path="circle">
+            <a:fillToRect l="43000" r="43000" b="100000"/>
+          </a:path>
+        </a:gradFill>
         <a:effectLst/>
       </p:bgPr>
     </p:bg>
@@ -3350,12 +3780,120 @@
           <a:chExt cx="0" cy="0"/>
         </a:xfrm>
       </p:grpSpPr>
+      <p:sp useBgFill="1">
+        <p:nvSpPr>
+          <p:cNvPr id="23" name="Rectangle 22">
+            <a:extLst>
+              <a:ext uri="{FF2B5EF4-FFF2-40B4-BE49-F238E27FC236}">
+                <a16:creationId xmlns:a16="http://schemas.microsoft.com/office/drawing/2014/main" id="{742C14A9-3617-46DD-9FC4-ED828A7D3E6F}"/>
+              </a:ext>
+              <a:ext uri="{C183D7F6-B498-43B3-948B-1728B52AA6E4}">
+                <adec:decorative xmlns:adec="http://schemas.microsoft.com/office/drawing/2017/decorative" val="1"/>
+              </a:ext>
+            </a:extLst>
+          </p:cNvPr>
+          <p:cNvSpPr>
+            <a:spLocks noGrp="1" noRot="1" noChangeAspect="1" noMove="1" noResize="1" noEditPoints="1" noAdjustHandles="1" noChangeArrowheads="1" noChangeShapeType="1" noTextEdit="1"/>
+          </p:cNvSpPr>
+          <p:nvPr>
+            <p:extLst>
+              <p:ext uri="{386F3935-93C4-4BCD-93E2-E3B085C9AB24}">
+                <p16:designElem xmlns:p16="http://schemas.microsoft.com/office/powerpoint/2015/main" val="1"/>
+              </p:ext>
+            </p:extLst>
+          </p:nvPr>
+        </p:nvSpPr>
+        <p:spPr>
+          <a:xfrm>
+            <a:off x="2" y="0"/>
+            <a:ext cx="12191695" cy="6858000"/>
+          </a:xfrm>
+          <a:prstGeom prst="rect">
+            <a:avLst/>
+          </a:prstGeom>
+          <a:ln>
+            <a:noFill/>
+          </a:ln>
+        </p:spPr>
+        <p:style>
+          <a:lnRef idx="2">
+            <a:schemeClr val="accent1">
+              <a:shade val="50000"/>
+            </a:schemeClr>
+          </a:lnRef>
+          <a:fillRef idx="1">
+            <a:schemeClr val="accent1"/>
+          </a:fillRef>
+          <a:effectRef idx="0">
+            <a:schemeClr val="accent1"/>
+          </a:effectRef>
+          <a:fontRef idx="minor">
+            <a:schemeClr val="lt1"/>
+          </a:fontRef>
+        </p:style>
+        <p:txBody>
+          <a:bodyPr rtlCol="0" anchor="ctr"/>
+          <a:lstStyle/>
+          <a:p>
+            <a:pPr algn="ctr"/>
+            <a:endParaRPr lang="en-US"/>
+          </a:p>
+        </p:txBody>
+      </p:sp>
+      <p:cxnSp>
+        <p:nvCxnSpPr>
+          <p:cNvPr id="25" name="Straight Connector 24">
+            <a:extLst>
+              <a:ext uri="{FF2B5EF4-FFF2-40B4-BE49-F238E27FC236}">
+                <a16:creationId xmlns:a16="http://schemas.microsoft.com/office/drawing/2014/main" id="{19AB0109-1C89-41F0-9EDF-3DE017BE3F27}"/>
+              </a:ext>
+              <a:ext uri="{C183D7F6-B498-43B3-948B-1728B52AA6E4}">
+                <adec:decorative xmlns:adec="http://schemas.microsoft.com/office/drawing/2017/decorative" val="1"/>
+              </a:ext>
+            </a:extLst>
+          </p:cNvPr>
+          <p:cNvCxnSpPr>
+            <a:cxnSpLocks noGrp="1" noRot="1" noChangeAspect="1" noMove="1" noResize="1" noEditPoints="1" noAdjustHandles="1" noChangeArrowheads="1" noChangeShapeType="1"/>
+          </p:cNvCxnSpPr>
+          <p:nvPr>
+            <p:extLst>
+              <p:ext uri="{386F3935-93C4-4BCD-93E2-E3B085C9AB24}">
+                <p16:designElem xmlns:p16="http://schemas.microsoft.com/office/powerpoint/2015/main" val="1"/>
+              </p:ext>
+            </p:extLst>
+          </p:nvPr>
+        </p:nvCxnSpPr>
+        <p:spPr>
+          <a:xfrm>
+            <a:off x="1453897" y="1847088"/>
+            <a:ext cx="5548039" cy="0"/>
+          </a:xfrm>
+          <a:prstGeom prst="line">
+            <a:avLst/>
+          </a:prstGeom>
+          <a:ln w="31750"/>
+        </p:spPr>
+        <p:style>
+          <a:lnRef idx="3">
+            <a:schemeClr val="accent1"/>
+          </a:lnRef>
+          <a:fillRef idx="0">
+            <a:schemeClr val="accent1"/>
+          </a:fillRef>
+          <a:effectRef idx="2">
+            <a:schemeClr val="accent1"/>
+          </a:effectRef>
+          <a:fontRef idx="minor">
+            <a:schemeClr val="tx1"/>
+          </a:fontRef>
+        </p:style>
+      </p:cxnSp>
       <p:sp>
         <p:nvSpPr>
           <p:cNvPr id="2" name="Title 1">
             <a:extLst>
               <a:ext uri="{FF2B5EF4-FFF2-40B4-BE49-F238E27FC236}">
-                <a16:creationId xmlns:a16="http://schemas.microsoft.com/office/drawing/2014/main" id="{700BFB1E-4066-43CA-A8CF-2C0839C8BF1D}"/>
+                <a16:creationId xmlns:a16="http://schemas.microsoft.com/office/drawing/2014/main" id="{CF7646E8-7745-474F-9BA4-5EDFB41A8CED}"/>
               </a:ext>
             </a:extLst>
           </p:cNvPr>
@@ -3363,83 +3901,293 @@
             <a:spLocks noGrp="1"/>
           </p:cNvSpPr>
           <p:nvPr>
-            <p:ph type="ctrTitle"/>
-          </p:nvPr>
-        </p:nvSpPr>
-        <p:spPr/>
-        <p:txBody>
-          <a:bodyPr/>
-          <a:lstStyle/>
-          <a:p>
-            <a:r>
-              <a:rPr lang="en-US" dirty="0"/>
-              <a:t>Sacramento Real Estate</a:t>
-            </a:r>
-          </a:p>
-        </p:txBody>
-      </p:sp>
-      <p:sp>
-        <p:nvSpPr>
-          <p:cNvPr id="3" name="Subtitle 2">
+            <p:ph type="title"/>
+          </p:nvPr>
+        </p:nvSpPr>
+        <p:spPr>
+          <a:xfrm>
+            <a:off x="1451579" y="804519"/>
+            <a:ext cx="5550357" cy="1049235"/>
+          </a:xfrm>
+        </p:spPr>
+        <p:txBody>
+          <a:bodyPr>
+            <a:normAutofit/>
+          </a:bodyPr>
+          <a:lstStyle/>
+          <a:p>
+            <a:endParaRPr lang="en-US"/>
+          </a:p>
+        </p:txBody>
+      </p:sp>
+      <p:sp>
+        <p:nvSpPr>
+          <p:cNvPr id="27" name="Rectangle 26">
             <a:extLst>
               <a:ext uri="{FF2B5EF4-FFF2-40B4-BE49-F238E27FC236}">
-                <a16:creationId xmlns:a16="http://schemas.microsoft.com/office/drawing/2014/main" id="{EB3C965C-A38A-4BB6-9590-97BE26F37F78}"/>
+                <a16:creationId xmlns:a16="http://schemas.microsoft.com/office/drawing/2014/main" id="{19E5CB6C-D5A1-44AB-BAD0-E76C67ED2802}"/>
+              </a:ext>
+              <a:ext uri="{C183D7F6-B498-43B3-948B-1728B52AA6E4}">
+                <adec:decorative xmlns:adec="http://schemas.microsoft.com/office/drawing/2017/decorative" val="1"/>
               </a:ext>
             </a:extLst>
           </p:cNvPr>
           <p:cNvSpPr>
-            <a:spLocks noGrp="1"/>
-          </p:cNvSpPr>
-          <p:nvPr>
-            <p:ph type="subTitle" idx="1"/>
-          </p:nvPr>
-        </p:nvSpPr>
-        <p:spPr/>
-        <p:txBody>
-          <a:bodyPr/>
-          <a:lstStyle/>
-          <a:p>
-            <a:r>
-              <a:rPr lang="en-US" dirty="0"/>
-              <a:t>Shawn Cavazos, Edward Michaud, </a:t>
-            </a:r>
-            <a:r>
-              <a:rPr lang="en-US" i="0" dirty="0">
-                <a:effectLst/>
-                <a:latin typeface="Calibri" panose="020F0502020204030204" pitchFamily="34" charset="0"/>
-                <a:cs typeface="Calibri" panose="020F0502020204030204" pitchFamily="34" charset="0"/>
-              </a:rPr>
-              <a:t>Amara </a:t>
-            </a:r>
-            <a:r>
-              <a:rPr lang="en-US" i="0" dirty="0" err="1">
-                <a:effectLst/>
-                <a:latin typeface="Calibri" panose="020F0502020204030204" pitchFamily="34" charset="0"/>
-                <a:cs typeface="Calibri" panose="020F0502020204030204" pitchFamily="34" charset="0"/>
-              </a:rPr>
-              <a:t>Hamadache</a:t>
-            </a:r>
-            <a:endParaRPr lang="en-US" i="0" dirty="0">
-              <a:effectLst/>
-              <a:latin typeface="Calibri" panose="020F0502020204030204" pitchFamily="34" charset="0"/>
-              <a:cs typeface="Calibri" panose="020F0502020204030204" pitchFamily="34" charset="0"/>
-            </a:endParaRPr>
-          </a:p>
-          <a:p>
-            <a:r>
-              <a:rPr lang="en-US" dirty="0">
-                <a:latin typeface="Calibri" panose="020F0502020204030204" pitchFamily="34" charset="0"/>
-                <a:cs typeface="Calibri" panose="020F0502020204030204" pitchFamily="34" charset="0"/>
-              </a:rPr>
-              <a:t>5/08/2021</a:t>
-            </a:r>
-          </a:p>
-        </p:txBody>
-      </p:sp>
+            <a:spLocks noGrp="1" noRot="1" noChangeAspect="1" noMove="1" noResize="1" noEditPoints="1" noAdjustHandles="1" noChangeArrowheads="1" noChangeShapeType="1" noTextEdit="1"/>
+          </p:cNvSpPr>
+          <p:nvPr>
+            <p:extLst>
+              <p:ext uri="{386F3935-93C4-4BCD-93E2-E3B085C9AB24}">
+                <p16:designElem xmlns:p16="http://schemas.microsoft.com/office/powerpoint/2015/main" val="1"/>
+              </p:ext>
+            </p:extLst>
+          </p:nvPr>
+        </p:nvSpPr>
+        <p:spPr>
+          <a:xfrm>
+            <a:off x="0" y="2019476"/>
+            <a:ext cx="12192000" cy="4105941"/>
+          </a:xfrm>
+          <a:prstGeom prst="rect">
+            <a:avLst/>
+          </a:prstGeom>
+          <a:gradFill flip="none" rotWithShape="1">
+            <a:gsLst>
+              <a:gs pos="0">
+                <a:schemeClr val="bg2">
+                  <a:alpha val="0"/>
+                </a:schemeClr>
+              </a:gs>
+              <a:gs pos="100000">
+                <a:schemeClr val="bg2"/>
+              </a:gs>
+            </a:gsLst>
+            <a:lin ang="5400000" scaled="0"/>
+            <a:tileRect/>
+          </a:gradFill>
+          <a:ln>
+            <a:noFill/>
+          </a:ln>
+        </p:spPr>
+        <p:style>
+          <a:lnRef idx="2">
+            <a:schemeClr val="accent1">
+              <a:shade val="50000"/>
+            </a:schemeClr>
+          </a:lnRef>
+          <a:fillRef idx="1">
+            <a:schemeClr val="accent1"/>
+          </a:fillRef>
+          <a:effectRef idx="0">
+            <a:schemeClr val="accent1"/>
+          </a:effectRef>
+          <a:fontRef idx="minor">
+            <a:schemeClr val="lt1"/>
+          </a:fontRef>
+        </p:style>
+        <p:txBody>
+          <a:bodyPr rtlCol="0" anchor="ctr"/>
+          <a:lstStyle/>
+          <a:p>
+            <a:pPr lvl="0" algn="ctr"/>
+            <a:endParaRPr lang="en-US"/>
+          </a:p>
+        </p:txBody>
+      </p:sp>
+      <p:sp>
+        <p:nvSpPr>
+          <p:cNvPr id="3" name="Content Placeholder 2">
+            <a:extLst>
+              <a:ext uri="{FF2B5EF4-FFF2-40B4-BE49-F238E27FC236}">
+                <a16:creationId xmlns:a16="http://schemas.microsoft.com/office/drawing/2014/main" id="{523DDD30-9806-4003-A264-247D8D02C7BF}"/>
+              </a:ext>
+            </a:extLst>
+          </p:cNvPr>
+          <p:cNvSpPr>
+            <a:spLocks noGrp="1"/>
+          </p:cNvSpPr>
+          <p:nvPr>
+            <p:ph idx="1"/>
+          </p:nvPr>
+        </p:nvSpPr>
+        <p:spPr>
+          <a:xfrm>
+            <a:off x="1451579" y="2015732"/>
+            <a:ext cx="5550357" cy="3450613"/>
+          </a:xfrm>
+        </p:spPr>
+        <p:txBody>
+          <a:bodyPr>
+            <a:normAutofit/>
+          </a:bodyPr>
+          <a:lstStyle/>
+          <a:p>
+            <a:endParaRPr lang="en-US"/>
+          </a:p>
+        </p:txBody>
+      </p:sp>
+      <p:pic>
+        <p:nvPicPr>
+          <p:cNvPr id="7" name="Picture 6">
+            <a:extLst>
+              <a:ext uri="{FF2B5EF4-FFF2-40B4-BE49-F238E27FC236}">
+                <a16:creationId xmlns:a16="http://schemas.microsoft.com/office/drawing/2014/main" id="{CD9E3385-466A-48AB-A7C0-C0F014E53534}"/>
+              </a:ext>
+            </a:extLst>
+          </p:cNvPr>
+          <p:cNvPicPr>
+            <a:picLocks noChangeAspect="1"/>
+          </p:cNvPicPr>
+          <p:nvPr/>
+        </p:nvPicPr>
+        <p:blipFill>
+          <a:blip r:embed="rId2"/>
+          <a:stretch>
+            <a:fillRect/>
+          </a:stretch>
+        </p:blipFill>
+        <p:spPr>
+          <a:xfrm>
+            <a:off x="7473594" y="596295"/>
+            <a:ext cx="4074836" cy="2261533"/>
+          </a:xfrm>
+          <a:prstGeom prst="rect">
+            <a:avLst/>
+          </a:prstGeom>
+        </p:spPr>
+      </p:pic>
+      <p:pic>
+        <p:nvPicPr>
+          <p:cNvPr id="5" name="Picture 4">
+            <a:extLst>
+              <a:ext uri="{FF2B5EF4-FFF2-40B4-BE49-F238E27FC236}">
+                <a16:creationId xmlns:a16="http://schemas.microsoft.com/office/drawing/2014/main" id="{5FA9D9B3-3D4C-42B8-AF49-DF5298D90F0F}"/>
+              </a:ext>
+            </a:extLst>
+          </p:cNvPr>
+          <p:cNvPicPr>
+            <a:picLocks noChangeAspect="1"/>
+          </p:cNvPicPr>
+          <p:nvPr/>
+        </p:nvPicPr>
+        <p:blipFill>
+          <a:blip r:embed="rId3"/>
+          <a:stretch>
+            <a:fillRect/>
+          </a:stretch>
+        </p:blipFill>
+        <p:spPr>
+          <a:xfrm>
+            <a:off x="7473594" y="3406479"/>
+            <a:ext cx="4074836" cy="1955920"/>
+          </a:xfrm>
+          <a:prstGeom prst="rect">
+            <a:avLst/>
+          </a:prstGeom>
+        </p:spPr>
+      </p:pic>
+      <p:pic>
+        <p:nvPicPr>
+          <p:cNvPr id="29" name="Picture 28">
+            <a:extLst>
+              <a:ext uri="{FF2B5EF4-FFF2-40B4-BE49-F238E27FC236}">
+                <a16:creationId xmlns:a16="http://schemas.microsoft.com/office/drawing/2014/main" id="{D5A16967-5C32-4A48-9F02-4F0228AC8DBA}"/>
+              </a:ext>
+              <a:ext uri="{C183D7F6-B498-43B3-948B-1728B52AA6E4}">
+                <adec:decorative xmlns:adec="http://schemas.microsoft.com/office/drawing/2017/decorative" val="1"/>
+              </a:ext>
+            </a:extLst>
+          </p:cNvPr>
+          <p:cNvPicPr>
+            <a:picLocks noGrp="1" noRot="1" noChangeAspect="1" noMove="1" noResize="1" noEditPoints="1" noAdjustHandles="1" noChangeArrowheads="1" noChangeShapeType="1" noCrop="1"/>
+          </p:cNvPicPr>
+          <p:nvPr>
+            <p:extLst>
+              <p:ext uri="{386F3935-93C4-4BCD-93E2-E3B085C9AB24}">
+                <p16:designElem xmlns:p16="http://schemas.microsoft.com/office/powerpoint/2015/main" val="1"/>
+              </p:ext>
+            </p:extLst>
+          </p:nvPr>
+        </p:nvPicPr>
+        <p:blipFill rotWithShape="1">
+          <a:blip r:embed="rId4">
+            <a:extLst>
+              <a:ext uri="{28A0092B-C50C-407E-A947-70E740481C1C}">
+                <a14:useLocalDpi xmlns:a14="http://schemas.microsoft.com/office/drawing/2010/main" val="0"/>
+              </a:ext>
+            </a:extLst>
+          </a:blip>
+          <a:srcRect t="1538" b="-1538"/>
+          <a:stretch/>
+        </p:blipFill>
+        <p:spPr bwMode="black">
+          <a:xfrm>
+            <a:off x="0" y="6126480"/>
+            <a:ext cx="12192000" cy="742950"/>
+          </a:xfrm>
+          <a:prstGeom prst="rect">
+            <a:avLst/>
+          </a:prstGeom>
+        </p:spPr>
+      </p:pic>
+      <p:cxnSp>
+        <p:nvCxnSpPr>
+          <p:cNvPr id="31" name="Straight Connector 30">
+            <a:extLst>
+              <a:ext uri="{FF2B5EF4-FFF2-40B4-BE49-F238E27FC236}">
+                <a16:creationId xmlns:a16="http://schemas.microsoft.com/office/drawing/2014/main" id="{942D078B-EF20-4DB1-AA1B-87F212C56A9A}"/>
+              </a:ext>
+              <a:ext uri="{C183D7F6-B498-43B3-948B-1728B52AA6E4}">
+                <adec:decorative xmlns:adec="http://schemas.microsoft.com/office/drawing/2017/decorative" val="1"/>
+              </a:ext>
+            </a:extLst>
+          </p:cNvPr>
+          <p:cNvCxnSpPr>
+            <a:cxnSpLocks noGrp="1" noRot="1" noChangeAspect="1" noMove="1" noResize="1" noEditPoints="1" noAdjustHandles="1" noChangeArrowheads="1" noChangeShapeType="1"/>
+          </p:cNvCxnSpPr>
+          <p:nvPr>
+            <p:extLst>
+              <p:ext uri="{386F3935-93C4-4BCD-93E2-E3B085C9AB24}">
+                <p16:designElem xmlns:p16="http://schemas.microsoft.com/office/powerpoint/2015/main" val="1"/>
+              </p:ext>
+            </p:extLst>
+          </p:nvPr>
+        </p:nvCxnSpPr>
+        <p:spPr>
+          <a:xfrm>
+            <a:off x="0" y="6128413"/>
+            <a:ext cx="12192000" cy="0"/>
+          </a:xfrm>
+          <a:prstGeom prst="line">
+            <a:avLst/>
+          </a:prstGeom>
+          <a:ln w="12700">
+            <a:solidFill>
+              <a:srgbClr val="000001">
+                <a:alpha val="20000"/>
+              </a:srgbClr>
+            </a:solidFill>
+          </a:ln>
+        </p:spPr>
+        <p:style>
+          <a:lnRef idx="1">
+            <a:schemeClr val="accent1"/>
+          </a:lnRef>
+          <a:fillRef idx="0">
+            <a:schemeClr val="accent1"/>
+          </a:fillRef>
+          <a:effectRef idx="0">
+            <a:schemeClr val="accent1"/>
+          </a:effectRef>
+          <a:fontRef idx="minor">
+            <a:schemeClr val="tx1"/>
+          </a:fontRef>
+        </p:style>
+      </p:cxnSp>
     </p:spTree>
     <p:extLst>
       <p:ext uri="{BB962C8B-B14F-4D97-AF65-F5344CB8AC3E}">
-        <p14:creationId xmlns:p14="http://schemas.microsoft.com/office/powerpoint/2010/main" val="1444441996"/>
+        <p14:creationId xmlns:p14="http://schemas.microsoft.com/office/powerpoint/2010/main" val="1875434011"/>
       </p:ext>
     </p:extLst>
   </p:cSld>
@@ -3449,7 +4197,117 @@
 </p:sld>
 </file>
 
-<file path=ppt/slides/slide10.xml><?xml version="1.0" encoding="utf-8"?>
+<file path=ppt/slides/slide11.xml><?xml version="1.0" encoding="utf-8"?>
+<p:sld xmlns:a="http://schemas.openxmlformats.org/drawingml/2006/main" xmlns:r="http://schemas.openxmlformats.org/officeDocument/2006/relationships" xmlns:p="http://schemas.openxmlformats.org/presentationml/2006/main">
+  <p:cSld>
+    <p:spTree>
+      <p:nvGrpSpPr>
+        <p:cNvPr id="1" name=""/>
+        <p:cNvGrpSpPr/>
+        <p:nvPr/>
+      </p:nvGrpSpPr>
+      <p:grpSpPr>
+        <a:xfrm>
+          <a:off x="0" y="0"/>
+          <a:ext cx="0" cy="0"/>
+          <a:chOff x="0" y="0"/>
+          <a:chExt cx="0" cy="0"/>
+        </a:xfrm>
+      </p:grpSpPr>
+      <p:sp>
+        <p:nvSpPr>
+          <p:cNvPr id="2" name="Title 1">
+            <a:extLst>
+              <a:ext uri="{FF2B5EF4-FFF2-40B4-BE49-F238E27FC236}">
+                <a16:creationId xmlns:a16="http://schemas.microsoft.com/office/drawing/2014/main" id="{27B69D2F-C9B2-40DC-A675-8CA78556588D}"/>
+              </a:ext>
+            </a:extLst>
+          </p:cNvPr>
+          <p:cNvSpPr>
+            <a:spLocks noGrp="1"/>
+          </p:cNvSpPr>
+          <p:nvPr>
+            <p:ph type="title"/>
+          </p:nvPr>
+        </p:nvSpPr>
+        <p:spPr/>
+        <p:txBody>
+          <a:bodyPr/>
+          <a:lstStyle/>
+          <a:p>
+            <a:endParaRPr lang="en-US"/>
+          </a:p>
+        </p:txBody>
+      </p:sp>
+      <p:sp>
+        <p:nvSpPr>
+          <p:cNvPr id="3" name="Content Placeholder 2">
+            <a:extLst>
+              <a:ext uri="{FF2B5EF4-FFF2-40B4-BE49-F238E27FC236}">
+                <a16:creationId xmlns:a16="http://schemas.microsoft.com/office/drawing/2014/main" id="{66ADC200-98FC-484C-9408-94E3887CE727}"/>
+              </a:ext>
+            </a:extLst>
+          </p:cNvPr>
+          <p:cNvSpPr>
+            <a:spLocks noGrp="1"/>
+          </p:cNvSpPr>
+          <p:nvPr>
+            <p:ph idx="1"/>
+          </p:nvPr>
+        </p:nvSpPr>
+        <p:spPr/>
+        <p:txBody>
+          <a:bodyPr/>
+          <a:lstStyle/>
+          <a:p>
+            <a:endParaRPr lang="en-US"/>
+          </a:p>
+        </p:txBody>
+      </p:sp>
+      <p:pic>
+        <p:nvPicPr>
+          <p:cNvPr id="7" name="Picture 6">
+            <a:extLst>
+              <a:ext uri="{FF2B5EF4-FFF2-40B4-BE49-F238E27FC236}">
+                <a16:creationId xmlns:a16="http://schemas.microsoft.com/office/drawing/2014/main" id="{DF239EE1-A818-4095-B20E-7FEAAB221C2B}"/>
+              </a:ext>
+            </a:extLst>
+          </p:cNvPr>
+          <p:cNvPicPr>
+            <a:picLocks noChangeAspect="1"/>
+          </p:cNvPicPr>
+          <p:nvPr/>
+        </p:nvPicPr>
+        <p:blipFill>
+          <a:blip r:embed="rId2"/>
+          <a:stretch>
+            <a:fillRect/>
+          </a:stretch>
+        </p:blipFill>
+        <p:spPr>
+          <a:xfrm>
+            <a:off x="961308" y="1428471"/>
+            <a:ext cx="10269383" cy="4001058"/>
+          </a:xfrm>
+          <a:prstGeom prst="rect">
+            <a:avLst/>
+          </a:prstGeom>
+        </p:spPr>
+      </p:pic>
+    </p:spTree>
+    <p:extLst>
+      <p:ext uri="{BB962C8B-B14F-4D97-AF65-F5344CB8AC3E}">
+        <p14:creationId xmlns:p14="http://schemas.microsoft.com/office/powerpoint/2010/main" val="4174143544"/>
+      </p:ext>
+    </p:extLst>
+  </p:cSld>
+  <p:clrMapOvr>
+    <a:masterClrMapping/>
+  </p:clrMapOvr>
+</p:sld>
+</file>
+
+<file path=ppt/slides/slide12.xml><?xml version="1.0" encoding="utf-8"?>
 <p:sld xmlns:a="http://schemas.openxmlformats.org/drawingml/2006/main" xmlns:r="http://schemas.openxmlformats.org/officeDocument/2006/relationships" xmlns:p="http://schemas.openxmlformats.org/presentationml/2006/main">
   <p:cSld>
     <p:bg>
@@ -3590,7 +4448,7 @@
 </p:sld>
 </file>
 
-<file path=ppt/slides/slide11.xml><?xml version="1.0" encoding="utf-8"?>
+<file path=ppt/slides/slide13.xml><?xml version="1.0" encoding="utf-8"?>
 <p:sld xmlns:a="http://schemas.openxmlformats.org/drawingml/2006/main" xmlns:r="http://schemas.openxmlformats.org/officeDocument/2006/relationships" xmlns:p="http://schemas.openxmlformats.org/presentationml/2006/main">
   <p:cSld>
     <p:bg>
@@ -3687,7 +4545,7 @@
 </p:sld>
 </file>
 
-<file path=ppt/slides/slide12.xml><?xml version="1.0" encoding="utf-8"?>
+<file path=ppt/slides/slide14.xml><?xml version="1.0" encoding="utf-8"?>
 <p:sld xmlns:a="http://schemas.openxmlformats.org/drawingml/2006/main" xmlns:r="http://schemas.openxmlformats.org/officeDocument/2006/relationships" xmlns:p="http://schemas.openxmlformats.org/presentationml/2006/main">
   <p:cSld>
     <p:bg>
@@ -3804,40 +4662,6 @@
 <file path=ppt/slides/slide2.xml><?xml version="1.0" encoding="utf-8"?>
 <p:sld xmlns:a="http://schemas.openxmlformats.org/drawingml/2006/main" xmlns:r="http://schemas.openxmlformats.org/officeDocument/2006/relationships" xmlns:p="http://schemas.openxmlformats.org/presentationml/2006/main">
   <p:cSld>
-    <p:bg>
-      <p:bgPr>
-        <a:gradFill>
-          <a:gsLst>
-            <a:gs pos="0">
-              <a:schemeClr val="accent1">
-                <a:lumMod val="5000"/>
-                <a:lumOff val="95000"/>
-              </a:schemeClr>
-            </a:gs>
-            <a:gs pos="74000">
-              <a:schemeClr val="accent1">
-                <a:lumMod val="45000"/>
-                <a:lumOff val="55000"/>
-              </a:schemeClr>
-            </a:gs>
-            <a:gs pos="83000">
-              <a:schemeClr val="accent1">
-                <a:lumMod val="45000"/>
-                <a:lumOff val="55000"/>
-              </a:schemeClr>
-            </a:gs>
-            <a:gs pos="100000">
-              <a:schemeClr val="accent1">
-                <a:lumMod val="30000"/>
-                <a:lumOff val="70000"/>
-              </a:schemeClr>
-            </a:gs>
-          </a:gsLst>
-          <a:lin ang="5400000" scaled="1"/>
-        </a:gradFill>
-        <a:effectLst/>
-      </p:bgPr>
-    </p:bg>
     <p:spTree>
       <p:nvGrpSpPr>
         <p:cNvPr id="1" name=""/>
@@ -3880,48 +4704,78 @@
           </a:p>
         </p:txBody>
       </p:sp>
-      <p:sp>
-        <p:nvSpPr>
-          <p:cNvPr id="3" name="Content Placeholder 2">
+      <p:pic>
+        <p:nvPicPr>
+          <p:cNvPr id="5" name="Picture 4" descr="A person wearing a blue shirt&#10;&#10;Description automatically generated with medium confidence">
             <a:extLst>
               <a:ext uri="{FF2B5EF4-FFF2-40B4-BE49-F238E27FC236}">
-                <a16:creationId xmlns:a16="http://schemas.microsoft.com/office/drawing/2014/main" id="{DC5F2464-248A-40E7-BC47-C7890BD87162}"/>
+                <a16:creationId xmlns:a16="http://schemas.microsoft.com/office/drawing/2014/main" id="{734FDB46-CA18-41C6-AF29-29ADFB737158}"/>
               </a:ext>
             </a:extLst>
           </p:cNvPr>
-          <p:cNvSpPr>
-            <a:spLocks noGrp="1"/>
-          </p:cNvSpPr>
-          <p:nvPr>
-            <p:ph idx="1"/>
-          </p:nvPr>
-        </p:nvSpPr>
-        <p:spPr>
-          <a:noFill/>
-        </p:spPr>
-        <p:txBody>
-          <a:bodyPr/>
-          <a:lstStyle/>
-          <a:p>
-            <a:r>
-              <a:rPr lang="en-US" dirty="0"/>
-              <a:t>There have been “sanitized sales” that occurred in 2009, and we have a sample of about 1000 sales.</a:t>
-            </a:r>
-          </a:p>
-          <a:p>
-            <a:r>
-              <a:rPr lang="en-US" dirty="0"/>
-              <a:t>These sales happened in a weeklong period in the Sacramento area and there are some areas more popular than others.</a:t>
-            </a:r>
-          </a:p>
-          <a:p>
-            <a:r>
-              <a:rPr lang="en-US" dirty="0"/>
-              <a:t>You are a real estate agent, and you are tasked to find a popular place for your client to settle into.</a:t>
-            </a:r>
-          </a:p>
-        </p:txBody>
-      </p:sp>
+          <p:cNvPicPr>
+            <a:picLocks noChangeAspect="1"/>
+          </p:cNvPicPr>
+          <p:nvPr/>
+        </p:nvPicPr>
+        <p:blipFill>
+          <a:blip r:embed="rId2">
+            <a:extLst>
+              <a:ext uri="{28A0092B-C50C-407E-A947-70E740481C1C}">
+                <a14:useLocalDpi xmlns:a14="http://schemas.microsoft.com/office/drawing/2010/main" val="0"/>
+              </a:ext>
+            </a:extLst>
+          </a:blip>
+          <a:stretch>
+            <a:fillRect/>
+          </a:stretch>
+        </p:blipFill>
+        <p:spPr>
+          <a:xfrm>
+            <a:off x="7083123" y="122529"/>
+            <a:ext cx="3971731" cy="5997580"/>
+          </a:xfrm>
+          <a:prstGeom prst="rect">
+            <a:avLst/>
+          </a:prstGeom>
+        </p:spPr>
+      </p:pic>
+      <p:pic>
+        <p:nvPicPr>
+          <p:cNvPr id="7" name="Picture 6" descr="A picture containing grass, tree, outdoor, house&#10;&#10;Description automatically generated">
+            <a:extLst>
+              <a:ext uri="{FF2B5EF4-FFF2-40B4-BE49-F238E27FC236}">
+                <a16:creationId xmlns:a16="http://schemas.microsoft.com/office/drawing/2014/main" id="{84BC9DA3-5777-4897-8431-1F554D4B3ED6}"/>
+              </a:ext>
+            </a:extLst>
+          </p:cNvPr>
+          <p:cNvPicPr>
+            <a:picLocks noChangeAspect="1"/>
+          </p:cNvPicPr>
+          <p:nvPr/>
+        </p:nvPicPr>
+        <p:blipFill>
+          <a:blip r:embed="rId3">
+            <a:extLst>
+              <a:ext uri="{28A0092B-C50C-407E-A947-70E740481C1C}">
+                <a14:useLocalDpi xmlns:a14="http://schemas.microsoft.com/office/drawing/2010/main" val="0"/>
+              </a:ext>
+            </a:extLst>
+          </a:blip>
+          <a:stretch>
+            <a:fillRect/>
+          </a:stretch>
+        </p:blipFill>
+        <p:spPr>
+          <a:xfrm>
+            <a:off x="838200" y="1905000"/>
+            <a:ext cx="4572000" cy="3048000"/>
+          </a:xfrm>
+          <a:prstGeom prst="rect">
+            <a:avLst/>
+          </a:prstGeom>
+        </p:spPr>
+      </p:pic>
     </p:spTree>
     <p:extLst>
       <p:ext uri="{BB962C8B-B14F-4D97-AF65-F5344CB8AC3E}">
@@ -3938,15 +4792,6 @@
 <file path=ppt/slides/slide3.xml><?xml version="1.0" encoding="utf-8"?>
 <p:sld xmlns:a="http://schemas.openxmlformats.org/drawingml/2006/main" xmlns:r="http://schemas.openxmlformats.org/officeDocument/2006/relationships" xmlns:p="http://schemas.openxmlformats.org/presentationml/2006/main">
   <p:cSld>
-    <p:bg>
-      <p:bgPr>
-        <a:blipFill>
-          <a:blip r:embed="rId2"/>
-          <a:tile tx="0" ty="0" sx="100000" sy="100000" flip="none" algn="tl"/>
-        </a:blipFill>
-        <a:effectLst/>
-      </p:bgPr>
-    </p:bg>
     <p:spTree>
       <p:nvGrpSpPr>
         <p:cNvPr id="1" name=""/>
@@ -3984,7 +4829,7 @@
           <a:p>
             <a:r>
               <a:rPr lang="en-US" dirty="0"/>
-              <a:t>The Plan:</a:t>
+              <a:t>How do we satisfy the request?</a:t>
             </a:r>
           </a:p>
         </p:txBody>
@@ -4005,35 +4850,55 @@
             <p:ph idx="1"/>
           </p:nvPr>
         </p:nvSpPr>
-        <p:spPr/>
+        <p:spPr>
+          <a:xfrm>
+            <a:off x="1451579" y="2077552"/>
+            <a:ext cx="9603275" cy="4351338"/>
+          </a:xfrm>
+        </p:spPr>
         <p:txBody>
           <a:bodyPr/>
           <a:lstStyle/>
           <a:p>
             <a:r>
               <a:rPr lang="en-US" dirty="0"/>
-              <a:t>We wanted to find out current trends in the market analysis based on the last week on the sales.</a:t>
+              <a:t>Locate and clean the Data</a:t>
             </a:r>
           </a:p>
           <a:p>
             <a:r>
               <a:rPr lang="en-US" dirty="0"/>
-              <a:t>We also wanted to know what and where is the most popular kind of house with a total amount of bedrooms. </a:t>
+              <a:t>Create bins of data to represent common breakpoints</a:t>
             </a:r>
           </a:p>
           <a:p>
             <a:r>
               <a:rPr lang="en-US" dirty="0"/>
-              <a:t>Several graphs will be a visual aide we will use to demonstrate in this project based on price, zip code analysis.</a:t>
+              <a:t>Create visual aides to guide our home buyer</a:t>
             </a:r>
           </a:p>
           <a:p>
             <a:r>
               <a:rPr lang="en-US" dirty="0"/>
-              <a:t>The client wants the most average house in Sacramento and needs a place that is also densely populated. He will represent the average per scenario.</a:t>
-            </a:r>
-          </a:p>
-          <a:p>
+              <a:t>Identify current trends in the market</a:t>
+            </a:r>
+          </a:p>
+          <a:p>
+            <a:r>
+              <a:rPr lang="en-US" dirty="0"/>
+              <a:t>What are the common metrics for the average home purchase</a:t>
+            </a:r>
+          </a:p>
+          <a:p>
+            <a:endParaRPr lang="en-US" dirty="0"/>
+          </a:p>
+          <a:p>
+            <a:endParaRPr lang="en-US" dirty="0"/>
+          </a:p>
+          <a:p>
+            <a:pPr marL="0" indent="0">
+              <a:buNone/>
+            </a:pPr>
             <a:endParaRPr lang="en-US" dirty="0"/>
           </a:p>
         </p:txBody>
@@ -4054,19 +4919,6 @@
 <file path=ppt/slides/slide4.xml><?xml version="1.0" encoding="utf-8"?>
 <p:sld xmlns:a="http://schemas.openxmlformats.org/drawingml/2006/main" xmlns:r="http://schemas.openxmlformats.org/officeDocument/2006/relationships" xmlns:p="http://schemas.openxmlformats.org/presentationml/2006/main">
   <p:cSld>
-    <p:bg>
-      <p:bgPr>
-        <a:blipFill dpi="0" rotWithShape="1">
-          <a:blip r:embed="rId2">
-            <a:alphaModFix amt="70000"/>
-            <a:lum/>
-          </a:blip>
-          <a:srcRect/>
-          <a:tile tx="0" ty="0" sx="100000" sy="100000" flip="none" algn="tl"/>
-        </a:blipFill>
-        <a:effectLst/>
-      </p:bgPr>
-    </p:bg>
     <p:spTree>
       <p:nvGrpSpPr>
         <p:cNvPr id="1" name=""/>
@@ -4104,7 +4956,7 @@
           <a:p>
             <a:r>
               <a:rPr lang="en-US" dirty="0"/>
-              <a:t>The Challenges</a:t>
+              <a:t>Other Considerations</a:t>
             </a:r>
           </a:p>
         </p:txBody>
@@ -4132,26 +4984,23 @@
           <a:p>
             <a:r>
               <a:rPr lang="en-US" dirty="0"/>
-              <a:t>The data is unclean and somewhat inconsistent in certain parts, so it needs to be cleaned up.</a:t>
+              <a:t>Identify/Eliminate outliers</a:t>
             </a:r>
           </a:p>
           <a:p>
             <a:r>
               <a:rPr lang="en-US" dirty="0"/>
-              <a:t>Being able to classify where certain groups are divided by number range can also be a challenge.</a:t>
+              <a:t>Using median or mean?</a:t>
             </a:r>
           </a:p>
           <a:p>
             <a:r>
               <a:rPr lang="en-US" dirty="0"/>
-              <a:t>Since this is old data, comparing it to newer data would sometimes be confusing if there are discrepancies that need to be investigated.</a:t>
-            </a:r>
-          </a:p>
-          <a:p>
-            <a:r>
-              <a:rPr lang="en-US" dirty="0"/>
-              <a:t>How would you, as a real estate agent, identify the most average house in the city?</a:t>
-            </a:r>
+              <a:t>Which charts are most helpful visual aides</a:t>
+            </a:r>
+          </a:p>
+          <a:p>
+            <a:endParaRPr lang="en-US" dirty="0"/>
           </a:p>
         </p:txBody>
       </p:sp>
@@ -4171,17 +5020,6 @@
 <file path=ppt/slides/slide5.xml><?xml version="1.0" encoding="utf-8"?>
 <p:sld xmlns:a="http://schemas.openxmlformats.org/drawingml/2006/main" xmlns:r="http://schemas.openxmlformats.org/officeDocument/2006/relationships" xmlns:p="http://schemas.openxmlformats.org/presentationml/2006/main">
   <p:cSld>
-    <p:bg>
-      <p:bgPr>
-        <a:solidFill>
-          <a:schemeClr val="accent4">
-            <a:lumMod val="60000"/>
-            <a:lumOff val="40000"/>
-          </a:schemeClr>
-        </a:solidFill>
-        <a:effectLst/>
-      </p:bgPr>
-    </p:bg>
     <p:spTree>
       <p:nvGrpSpPr>
         <p:cNvPr id="1" name=""/>
@@ -4247,19 +5085,19 @@
           <a:p>
             <a:r>
               <a:rPr lang="en-US" dirty="0"/>
-              <a:t>First, the data will be cleaned up.</a:t>
+              <a:t>First, Locate and clean the data</a:t>
             </a:r>
           </a:p>
           <a:p>
             <a:r>
               <a:rPr lang="en-US" dirty="0"/>
-              <a:t>Next, we analyze the data and see what can be used in practical use.</a:t>
+              <a:t>Next, we analyze the data and create practical depictions</a:t>
             </a:r>
           </a:p>
           <a:p>
             <a:r>
               <a:rPr lang="en-US" dirty="0"/>
-              <a:t>Finally, a conclusion is drawn from all the data we created throughout this project with the assistance of the graphs that have been created.</a:t>
+              <a:t>Finally, a conclusion is drawn from all the data we created throughout this project with the assistance of the graphs that have been created to present to the client as the most average property. </a:t>
             </a:r>
           </a:p>
         </p:txBody>
@@ -4446,13 +5284,25 @@
   <p:cSld>
     <p:bg>
       <p:bgPr>
-        <a:blipFill dpi="0" rotWithShape="1">
-          <a:blip r:embed="rId2">
-            <a:alphaModFix amt="62000"/>
-          </a:blip>
-          <a:srcRect/>
-          <a:tile tx="0" ty="0" sx="100000" sy="100000" flip="none" algn="tl"/>
-        </a:blipFill>
+        <a:gradFill rotWithShape="1">
+          <a:gsLst>
+            <a:gs pos="0">
+              <a:schemeClr val="bg2">
+                <a:tint val="94000"/>
+                <a:satMod val="80000"/>
+                <a:lumMod val="106000"/>
+              </a:schemeClr>
+            </a:gs>
+            <a:gs pos="100000">
+              <a:schemeClr val="bg2">
+                <a:shade val="80000"/>
+              </a:schemeClr>
+            </a:gs>
+          </a:gsLst>
+          <a:path path="circle">
+            <a:fillToRect l="43000" r="43000" b="100000"/>
+          </a:path>
+        </a:gradFill>
         <a:effectLst/>
       </p:bgPr>
     </p:bg>
@@ -4470,6 +5320,114 @@
           <a:chExt cx="0" cy="0"/>
         </a:xfrm>
       </p:grpSpPr>
+      <p:sp useBgFill="1">
+        <p:nvSpPr>
+          <p:cNvPr id="10" name="Rectangle 9">
+            <a:extLst>
+              <a:ext uri="{FF2B5EF4-FFF2-40B4-BE49-F238E27FC236}">
+                <a16:creationId xmlns:a16="http://schemas.microsoft.com/office/drawing/2014/main" id="{35C3D674-3D59-4E93-80CA-0C0A9095E816}"/>
+              </a:ext>
+              <a:ext uri="{C183D7F6-B498-43B3-948B-1728B52AA6E4}">
+                <adec:decorative xmlns:adec="http://schemas.microsoft.com/office/drawing/2017/decorative" val="1"/>
+              </a:ext>
+            </a:extLst>
+          </p:cNvPr>
+          <p:cNvSpPr>
+            <a:spLocks noGrp="1" noRot="1" noChangeAspect="1" noMove="1" noResize="1" noEditPoints="1" noAdjustHandles="1" noChangeArrowheads="1" noChangeShapeType="1" noTextEdit="1"/>
+          </p:cNvSpPr>
+          <p:nvPr>
+            <p:extLst>
+              <p:ext uri="{386F3935-93C4-4BCD-93E2-E3B085C9AB24}">
+                <p16:designElem xmlns:p16="http://schemas.microsoft.com/office/powerpoint/2015/main" val="1"/>
+              </p:ext>
+            </p:extLst>
+          </p:nvPr>
+        </p:nvSpPr>
+        <p:spPr>
+          <a:xfrm>
+            <a:off x="2" y="0"/>
+            <a:ext cx="12191695" cy="6858000"/>
+          </a:xfrm>
+          <a:prstGeom prst="rect">
+            <a:avLst/>
+          </a:prstGeom>
+          <a:ln>
+            <a:noFill/>
+          </a:ln>
+        </p:spPr>
+        <p:style>
+          <a:lnRef idx="2">
+            <a:schemeClr val="accent1">
+              <a:shade val="50000"/>
+            </a:schemeClr>
+          </a:lnRef>
+          <a:fillRef idx="1">
+            <a:schemeClr val="accent1"/>
+          </a:fillRef>
+          <a:effectRef idx="0">
+            <a:schemeClr val="accent1"/>
+          </a:effectRef>
+          <a:fontRef idx="minor">
+            <a:schemeClr val="lt1"/>
+          </a:fontRef>
+        </p:style>
+        <p:txBody>
+          <a:bodyPr rtlCol="0" anchor="ctr"/>
+          <a:lstStyle/>
+          <a:p>
+            <a:pPr algn="ctr"/>
+            <a:endParaRPr lang="en-US"/>
+          </a:p>
+        </p:txBody>
+      </p:sp>
+      <p:cxnSp>
+        <p:nvCxnSpPr>
+          <p:cNvPr id="12" name="Straight Connector 11">
+            <a:extLst>
+              <a:ext uri="{FF2B5EF4-FFF2-40B4-BE49-F238E27FC236}">
+                <a16:creationId xmlns:a16="http://schemas.microsoft.com/office/drawing/2014/main" id="{C884B8F8-FDC9-498B-9960-5D7260AFCB03}"/>
+              </a:ext>
+              <a:ext uri="{C183D7F6-B498-43B3-948B-1728B52AA6E4}">
+                <adec:decorative xmlns:adec="http://schemas.microsoft.com/office/drawing/2017/decorative" val="1"/>
+              </a:ext>
+            </a:extLst>
+          </p:cNvPr>
+          <p:cNvCxnSpPr>
+            <a:cxnSpLocks noGrp="1" noRot="1" noChangeAspect="1" noMove="1" noResize="1" noEditPoints="1" noAdjustHandles="1" noChangeArrowheads="1" noChangeShapeType="1"/>
+          </p:cNvCxnSpPr>
+          <p:nvPr>
+            <p:extLst>
+              <p:ext uri="{386F3935-93C4-4BCD-93E2-E3B085C9AB24}">
+                <p16:designElem xmlns:p16="http://schemas.microsoft.com/office/powerpoint/2015/main" val="1"/>
+              </p:ext>
+            </p:extLst>
+          </p:nvPr>
+        </p:nvCxnSpPr>
+        <p:spPr>
+          <a:xfrm>
+            <a:off x="1453896" y="1847088"/>
+            <a:ext cx="4177373" cy="0"/>
+          </a:xfrm>
+          <a:prstGeom prst="line">
+            <a:avLst/>
+          </a:prstGeom>
+          <a:ln w="31750"/>
+        </p:spPr>
+        <p:style>
+          <a:lnRef idx="3">
+            <a:schemeClr val="accent1"/>
+          </a:lnRef>
+          <a:fillRef idx="0">
+            <a:schemeClr val="accent1"/>
+          </a:fillRef>
+          <a:effectRef idx="2">
+            <a:schemeClr val="accent1"/>
+          </a:effectRef>
+          <a:fontRef idx="minor">
+            <a:schemeClr val="tx1"/>
+          </a:fontRef>
+        </p:style>
+      </p:cxnSp>
       <p:sp>
         <p:nvSpPr>
           <p:cNvPr id="2" name="Title 1">
@@ -4486,15 +5444,96 @@
             <p:ph type="title"/>
           </p:nvPr>
         </p:nvSpPr>
-        <p:spPr/>
-        <p:txBody>
-          <a:bodyPr/>
-          <a:lstStyle/>
-          <a:p>
-            <a:r>
-              <a:rPr lang="en-US" dirty="0"/>
+        <p:spPr>
+          <a:xfrm>
+            <a:off x="1451580" y="804520"/>
+            <a:ext cx="4176511" cy="1049235"/>
+          </a:xfrm>
+        </p:spPr>
+        <p:txBody>
+          <a:bodyPr>
+            <a:normAutofit/>
+          </a:bodyPr>
+          <a:lstStyle/>
+          <a:p>
+            <a:r>
+              <a:rPr lang="en-US" sz="3000"/>
               <a:t>Making the Scatter plot graph:</a:t>
             </a:r>
+          </a:p>
+        </p:txBody>
+      </p:sp>
+      <p:sp>
+        <p:nvSpPr>
+          <p:cNvPr id="14" name="Rectangle 13">
+            <a:extLst>
+              <a:ext uri="{FF2B5EF4-FFF2-40B4-BE49-F238E27FC236}">
+                <a16:creationId xmlns:a16="http://schemas.microsoft.com/office/drawing/2014/main" id="{EF2A81E1-BCBE-426B-8C09-33274E69409D}"/>
+              </a:ext>
+              <a:ext uri="{C183D7F6-B498-43B3-948B-1728B52AA6E4}">
+                <adec:decorative xmlns:adec="http://schemas.microsoft.com/office/drawing/2017/decorative" val="1"/>
+              </a:ext>
+            </a:extLst>
+          </p:cNvPr>
+          <p:cNvSpPr>
+            <a:spLocks noGrp="1" noRot="1" noChangeAspect="1" noMove="1" noResize="1" noEditPoints="1" noAdjustHandles="1" noChangeArrowheads="1" noChangeShapeType="1" noTextEdit="1"/>
+          </p:cNvSpPr>
+          <p:nvPr>
+            <p:extLst>
+              <p:ext uri="{386F3935-93C4-4BCD-93E2-E3B085C9AB24}">
+                <p16:designElem xmlns:p16="http://schemas.microsoft.com/office/powerpoint/2015/main" val="1"/>
+              </p:ext>
+            </p:extLst>
+          </p:nvPr>
+        </p:nvSpPr>
+        <p:spPr>
+          <a:xfrm>
+            <a:off x="0" y="2019476"/>
+            <a:ext cx="12192000" cy="4105941"/>
+          </a:xfrm>
+          <a:prstGeom prst="rect">
+            <a:avLst/>
+          </a:prstGeom>
+          <a:gradFill flip="none" rotWithShape="1">
+            <a:gsLst>
+              <a:gs pos="0">
+                <a:schemeClr val="bg2">
+                  <a:alpha val="0"/>
+                </a:schemeClr>
+              </a:gs>
+              <a:gs pos="100000">
+                <a:schemeClr val="bg2"/>
+              </a:gs>
+            </a:gsLst>
+            <a:lin ang="5400000" scaled="0"/>
+            <a:tileRect/>
+          </a:gradFill>
+          <a:ln>
+            <a:noFill/>
+          </a:ln>
+        </p:spPr>
+        <p:style>
+          <a:lnRef idx="2">
+            <a:schemeClr val="accent1">
+              <a:shade val="50000"/>
+            </a:schemeClr>
+          </a:lnRef>
+          <a:fillRef idx="1">
+            <a:schemeClr val="accent1"/>
+          </a:fillRef>
+          <a:effectRef idx="0">
+            <a:schemeClr val="accent1"/>
+          </a:effectRef>
+          <a:fontRef idx="minor">
+            <a:schemeClr val="lt1"/>
+          </a:fontRef>
+        </p:style>
+        <p:txBody>
+          <a:bodyPr rtlCol="0" anchor="ctr"/>
+          <a:lstStyle/>
+          <a:p>
+            <a:pPr lvl="0" algn="ctr"/>
+            <a:endParaRPr lang="en-US"/>
           </a:p>
         </p:txBody>
       </p:sp>
@@ -4514,36 +5553,191 @@
             <p:ph idx="1"/>
           </p:nvPr>
         </p:nvSpPr>
-        <p:spPr/>
-        <p:txBody>
-          <a:bodyPr/>
-          <a:lstStyle/>
-          <a:p>
-            <a:r>
-              <a:rPr lang="en-US" dirty="0"/>
+        <p:spPr>
+          <a:xfrm>
+            <a:off x="1451581" y="2015732"/>
+            <a:ext cx="4172212" cy="3450613"/>
+          </a:xfrm>
+        </p:spPr>
+        <p:txBody>
+          <a:bodyPr>
+            <a:normAutofit/>
+          </a:bodyPr>
+          <a:lstStyle/>
+          <a:p>
+            <a:pPr>
+              <a:lnSpc>
+                <a:spcPct val="110000"/>
+              </a:lnSpc>
+            </a:pPr>
+            <a:r>
+              <a:rPr lang="en-US" sz="1600"/>
               <a:t>A graph from square foot to its price was first created. </a:t>
             </a:r>
           </a:p>
           <a:p>
-            <a:r>
-              <a:rPr lang="en-US" dirty="0"/>
+            <a:pPr>
+              <a:lnSpc>
+                <a:spcPct val="110000"/>
+              </a:lnSpc>
+            </a:pPr>
+            <a:r>
+              <a:rPr lang="en-US" sz="1600"/>
               <a:t>This shows how more people would settle around the 1000-2000 square foot mark and pay around $200,000-$300,000 range.</a:t>
             </a:r>
           </a:p>
           <a:p>
-            <a:r>
-              <a:rPr lang="en-US" dirty="0"/>
+            <a:pPr>
+              <a:lnSpc>
+                <a:spcPct val="110000"/>
+              </a:lnSpc>
+            </a:pPr>
+            <a:r>
+              <a:rPr lang="en-US" sz="1600"/>
               <a:t>It becomes less popular to buy housing that is around $400,000 - $600,000 range when the square foot amount increases.</a:t>
             </a:r>
           </a:p>
           <a:p>
-            <a:r>
-              <a:rPr lang="en-US" dirty="0"/>
+            <a:pPr>
+              <a:lnSpc>
+                <a:spcPct val="110000"/>
+              </a:lnSpc>
+            </a:pPr>
+            <a:r>
+              <a:rPr lang="en-US" sz="1600"/>
               <a:t>Our client is willing to purchase a house that is about $207,000 and is about 1500 Square feet after viewing the data.</a:t>
             </a:r>
           </a:p>
         </p:txBody>
       </p:sp>
+      <p:pic>
+        <p:nvPicPr>
+          <p:cNvPr id="5" name="Picture 4">
+            <a:extLst>
+              <a:ext uri="{FF2B5EF4-FFF2-40B4-BE49-F238E27FC236}">
+                <a16:creationId xmlns:a16="http://schemas.microsoft.com/office/drawing/2014/main" id="{48A4900D-CE09-4356-9807-EFE503FAD43D}"/>
+              </a:ext>
+            </a:extLst>
+          </p:cNvPr>
+          <p:cNvPicPr>
+            <a:picLocks noChangeAspect="1"/>
+          </p:cNvPicPr>
+          <p:nvPr/>
+        </p:nvPicPr>
+        <p:blipFill>
+          <a:blip r:embed="rId2"/>
+          <a:stretch>
+            <a:fillRect/>
+          </a:stretch>
+        </p:blipFill>
+        <p:spPr>
+          <a:xfrm>
+            <a:off x="6094411" y="1319202"/>
+            <a:ext cx="4960442" cy="3633524"/>
+          </a:xfrm>
+          <a:prstGeom prst="rect">
+            <a:avLst/>
+          </a:prstGeom>
+        </p:spPr>
+      </p:pic>
+      <p:pic>
+        <p:nvPicPr>
+          <p:cNvPr id="16" name="Picture 15">
+            <a:extLst>
+              <a:ext uri="{FF2B5EF4-FFF2-40B4-BE49-F238E27FC236}">
+                <a16:creationId xmlns:a16="http://schemas.microsoft.com/office/drawing/2014/main" id="{39D1DDD4-5BB3-45BA-B9B3-06B62299AD79}"/>
+              </a:ext>
+              <a:ext uri="{C183D7F6-B498-43B3-948B-1728B52AA6E4}">
+                <adec:decorative xmlns:adec="http://schemas.microsoft.com/office/drawing/2017/decorative" val="1"/>
+              </a:ext>
+            </a:extLst>
+          </p:cNvPr>
+          <p:cNvPicPr>
+            <a:picLocks noGrp="1" noRot="1" noChangeAspect="1" noMove="1" noResize="1" noEditPoints="1" noAdjustHandles="1" noChangeArrowheads="1" noChangeShapeType="1" noCrop="1"/>
+          </p:cNvPicPr>
+          <p:nvPr>
+            <p:extLst>
+              <p:ext uri="{386F3935-93C4-4BCD-93E2-E3B085C9AB24}">
+                <p16:designElem xmlns:p16="http://schemas.microsoft.com/office/powerpoint/2015/main" val="1"/>
+              </p:ext>
+            </p:extLst>
+          </p:nvPr>
+        </p:nvPicPr>
+        <p:blipFill rotWithShape="1">
+          <a:blip r:embed="rId3">
+            <a:extLst>
+              <a:ext uri="{28A0092B-C50C-407E-A947-70E740481C1C}">
+                <a14:useLocalDpi xmlns:a14="http://schemas.microsoft.com/office/drawing/2010/main" val="0"/>
+              </a:ext>
+            </a:extLst>
+          </a:blip>
+          <a:srcRect t="1538" b="-1538"/>
+          <a:stretch/>
+        </p:blipFill>
+        <p:spPr bwMode="black">
+          <a:xfrm>
+            <a:off x="0" y="6126480"/>
+            <a:ext cx="12192000" cy="742950"/>
+          </a:xfrm>
+          <a:prstGeom prst="rect">
+            <a:avLst/>
+          </a:prstGeom>
+        </p:spPr>
+      </p:pic>
+      <p:cxnSp>
+        <p:nvCxnSpPr>
+          <p:cNvPr id="18" name="Straight Connector 17">
+            <a:extLst>
+              <a:ext uri="{FF2B5EF4-FFF2-40B4-BE49-F238E27FC236}">
+                <a16:creationId xmlns:a16="http://schemas.microsoft.com/office/drawing/2014/main" id="{A24DAE64-2302-42EA-8239-F2F0775CA5AD}"/>
+              </a:ext>
+              <a:ext uri="{C183D7F6-B498-43B3-948B-1728B52AA6E4}">
+                <adec:decorative xmlns:adec="http://schemas.microsoft.com/office/drawing/2017/decorative" val="1"/>
+              </a:ext>
+            </a:extLst>
+          </p:cNvPr>
+          <p:cNvCxnSpPr>
+            <a:cxnSpLocks noGrp="1" noRot="1" noChangeAspect="1" noMove="1" noResize="1" noEditPoints="1" noAdjustHandles="1" noChangeArrowheads="1" noChangeShapeType="1"/>
+          </p:cNvCxnSpPr>
+          <p:nvPr>
+            <p:extLst>
+              <p:ext uri="{386F3935-93C4-4BCD-93E2-E3B085C9AB24}">
+                <p16:designElem xmlns:p16="http://schemas.microsoft.com/office/powerpoint/2015/main" val="1"/>
+              </p:ext>
+            </p:extLst>
+          </p:nvPr>
+        </p:nvCxnSpPr>
+        <p:spPr>
+          <a:xfrm>
+            <a:off x="0" y="6128413"/>
+            <a:ext cx="12192000" cy="0"/>
+          </a:xfrm>
+          <a:prstGeom prst="line">
+            <a:avLst/>
+          </a:prstGeom>
+          <a:ln w="12700">
+            <a:solidFill>
+              <a:srgbClr val="000001">
+                <a:alpha val="20000"/>
+              </a:srgbClr>
+            </a:solidFill>
+          </a:ln>
+        </p:spPr>
+        <p:style>
+          <a:lnRef idx="1">
+            <a:schemeClr val="accent1"/>
+          </a:lnRef>
+          <a:fillRef idx="0">
+            <a:schemeClr val="accent1"/>
+          </a:fillRef>
+          <a:effectRef idx="0">
+            <a:schemeClr val="accent1"/>
+          </a:effectRef>
+          <a:fontRef idx="minor">
+            <a:schemeClr val="tx1"/>
+          </a:fontRef>
+        </p:style>
+      </p:cxnSp>
     </p:spTree>
     <p:extLst>
       <p:ext uri="{BB962C8B-B14F-4D97-AF65-F5344CB8AC3E}">
@@ -4562,19 +5756,25 @@
   <p:cSld>
     <p:bg>
       <p:bgPr>
-        <a:pattFill prst="pct40">
-          <a:fgClr>
-            <a:schemeClr val="accent1">
-              <a:lumMod val="60000"/>
-              <a:lumOff val="40000"/>
-            </a:schemeClr>
-          </a:fgClr>
-          <a:bgClr>
-            <a:schemeClr val="bg2">
-              <a:lumMod val="90000"/>
-            </a:schemeClr>
-          </a:bgClr>
-        </a:pattFill>
+        <a:gradFill rotWithShape="1">
+          <a:gsLst>
+            <a:gs pos="0">
+              <a:schemeClr val="bg2">
+                <a:tint val="94000"/>
+                <a:satMod val="80000"/>
+                <a:lumMod val="106000"/>
+              </a:schemeClr>
+            </a:gs>
+            <a:gs pos="100000">
+              <a:schemeClr val="bg2">
+                <a:shade val="80000"/>
+              </a:schemeClr>
+            </a:gs>
+          </a:gsLst>
+          <a:path path="circle">
+            <a:fillToRect l="43000" r="43000" b="100000"/>
+          </a:path>
+        </a:gradFill>
         <a:effectLst/>
       </p:bgPr>
     </p:bg>
@@ -4592,6 +5792,114 @@
           <a:chExt cx="0" cy="0"/>
         </a:xfrm>
       </p:grpSpPr>
+      <p:sp useBgFill="1">
+        <p:nvSpPr>
+          <p:cNvPr id="23" name="Rectangle 22">
+            <a:extLst>
+              <a:ext uri="{FF2B5EF4-FFF2-40B4-BE49-F238E27FC236}">
+                <a16:creationId xmlns:a16="http://schemas.microsoft.com/office/drawing/2014/main" id="{742C14A9-3617-46DD-9FC4-ED828A7D3E6F}"/>
+              </a:ext>
+              <a:ext uri="{C183D7F6-B498-43B3-948B-1728B52AA6E4}">
+                <adec:decorative xmlns:adec="http://schemas.microsoft.com/office/drawing/2017/decorative" val="1"/>
+              </a:ext>
+            </a:extLst>
+          </p:cNvPr>
+          <p:cNvSpPr>
+            <a:spLocks noGrp="1" noRot="1" noChangeAspect="1" noMove="1" noResize="1" noEditPoints="1" noAdjustHandles="1" noChangeArrowheads="1" noChangeShapeType="1" noTextEdit="1"/>
+          </p:cNvSpPr>
+          <p:nvPr>
+            <p:extLst>
+              <p:ext uri="{386F3935-93C4-4BCD-93E2-E3B085C9AB24}">
+                <p16:designElem xmlns:p16="http://schemas.microsoft.com/office/powerpoint/2015/main" val="1"/>
+              </p:ext>
+            </p:extLst>
+          </p:nvPr>
+        </p:nvSpPr>
+        <p:spPr>
+          <a:xfrm>
+            <a:off x="2" y="0"/>
+            <a:ext cx="12191695" cy="6858000"/>
+          </a:xfrm>
+          <a:prstGeom prst="rect">
+            <a:avLst/>
+          </a:prstGeom>
+          <a:ln>
+            <a:noFill/>
+          </a:ln>
+        </p:spPr>
+        <p:style>
+          <a:lnRef idx="2">
+            <a:schemeClr val="accent1">
+              <a:shade val="50000"/>
+            </a:schemeClr>
+          </a:lnRef>
+          <a:fillRef idx="1">
+            <a:schemeClr val="accent1"/>
+          </a:fillRef>
+          <a:effectRef idx="0">
+            <a:schemeClr val="accent1"/>
+          </a:effectRef>
+          <a:fontRef idx="minor">
+            <a:schemeClr val="lt1"/>
+          </a:fontRef>
+        </p:style>
+        <p:txBody>
+          <a:bodyPr rtlCol="0" anchor="ctr"/>
+          <a:lstStyle/>
+          <a:p>
+            <a:pPr algn="ctr"/>
+            <a:endParaRPr lang="en-US"/>
+          </a:p>
+        </p:txBody>
+      </p:sp>
+      <p:cxnSp>
+        <p:nvCxnSpPr>
+          <p:cNvPr id="25" name="Straight Connector 24">
+            <a:extLst>
+              <a:ext uri="{FF2B5EF4-FFF2-40B4-BE49-F238E27FC236}">
+                <a16:creationId xmlns:a16="http://schemas.microsoft.com/office/drawing/2014/main" id="{19AB0109-1C89-41F0-9EDF-3DE017BE3F27}"/>
+              </a:ext>
+              <a:ext uri="{C183D7F6-B498-43B3-948B-1728B52AA6E4}">
+                <adec:decorative xmlns:adec="http://schemas.microsoft.com/office/drawing/2017/decorative" val="1"/>
+              </a:ext>
+            </a:extLst>
+          </p:cNvPr>
+          <p:cNvCxnSpPr>
+            <a:cxnSpLocks noGrp="1" noRot="1" noChangeAspect="1" noMove="1" noResize="1" noEditPoints="1" noAdjustHandles="1" noChangeArrowheads="1" noChangeShapeType="1"/>
+          </p:cNvCxnSpPr>
+          <p:nvPr>
+            <p:extLst>
+              <p:ext uri="{386F3935-93C4-4BCD-93E2-E3B085C9AB24}">
+                <p16:designElem xmlns:p16="http://schemas.microsoft.com/office/powerpoint/2015/main" val="1"/>
+              </p:ext>
+            </p:extLst>
+          </p:nvPr>
+        </p:nvCxnSpPr>
+        <p:spPr>
+          <a:xfrm>
+            <a:off x="1453897" y="1847088"/>
+            <a:ext cx="5548039" cy="0"/>
+          </a:xfrm>
+          <a:prstGeom prst="line">
+            <a:avLst/>
+          </a:prstGeom>
+          <a:ln w="31750"/>
+        </p:spPr>
+        <p:style>
+          <a:lnRef idx="3">
+            <a:schemeClr val="accent1"/>
+          </a:lnRef>
+          <a:fillRef idx="0">
+            <a:schemeClr val="accent1"/>
+          </a:fillRef>
+          <a:effectRef idx="2">
+            <a:schemeClr val="accent1"/>
+          </a:effectRef>
+          <a:fontRef idx="minor">
+            <a:schemeClr val="tx1"/>
+          </a:fontRef>
+        </p:style>
+      </p:cxnSp>
       <p:sp>
         <p:nvSpPr>
           <p:cNvPr id="2" name="Title 1">
@@ -4608,15 +5916,96 @@
             <p:ph type="title"/>
           </p:nvPr>
         </p:nvSpPr>
-        <p:spPr/>
-        <p:txBody>
-          <a:bodyPr/>
+        <p:spPr>
+          <a:xfrm>
+            <a:off x="1451579" y="804519"/>
+            <a:ext cx="5550357" cy="1049235"/>
+          </a:xfrm>
+        </p:spPr>
+        <p:txBody>
+          <a:bodyPr>
+            <a:normAutofit/>
+          </a:bodyPr>
           <a:lstStyle/>
           <a:p>
             <a:r>
               <a:rPr lang="en-US" dirty="0"/>
               <a:t>Making a bar graph</a:t>
             </a:r>
+          </a:p>
+        </p:txBody>
+      </p:sp>
+      <p:sp>
+        <p:nvSpPr>
+          <p:cNvPr id="27" name="Rectangle 26">
+            <a:extLst>
+              <a:ext uri="{FF2B5EF4-FFF2-40B4-BE49-F238E27FC236}">
+                <a16:creationId xmlns:a16="http://schemas.microsoft.com/office/drawing/2014/main" id="{19E5CB6C-D5A1-44AB-BAD0-E76C67ED2802}"/>
+              </a:ext>
+              <a:ext uri="{C183D7F6-B498-43B3-948B-1728B52AA6E4}">
+                <adec:decorative xmlns:adec="http://schemas.microsoft.com/office/drawing/2017/decorative" val="1"/>
+              </a:ext>
+            </a:extLst>
+          </p:cNvPr>
+          <p:cNvSpPr>
+            <a:spLocks noGrp="1" noRot="1" noChangeAspect="1" noMove="1" noResize="1" noEditPoints="1" noAdjustHandles="1" noChangeArrowheads="1" noChangeShapeType="1" noTextEdit="1"/>
+          </p:cNvSpPr>
+          <p:nvPr>
+            <p:extLst>
+              <p:ext uri="{386F3935-93C4-4BCD-93E2-E3B085C9AB24}">
+                <p16:designElem xmlns:p16="http://schemas.microsoft.com/office/powerpoint/2015/main" val="1"/>
+              </p:ext>
+            </p:extLst>
+          </p:nvPr>
+        </p:nvSpPr>
+        <p:spPr>
+          <a:xfrm>
+            <a:off x="0" y="2019476"/>
+            <a:ext cx="12192000" cy="4105941"/>
+          </a:xfrm>
+          <a:prstGeom prst="rect">
+            <a:avLst/>
+          </a:prstGeom>
+          <a:gradFill flip="none" rotWithShape="1">
+            <a:gsLst>
+              <a:gs pos="0">
+                <a:schemeClr val="bg2">
+                  <a:alpha val="0"/>
+                </a:schemeClr>
+              </a:gs>
+              <a:gs pos="100000">
+                <a:schemeClr val="bg2"/>
+              </a:gs>
+            </a:gsLst>
+            <a:lin ang="5400000" scaled="0"/>
+            <a:tileRect/>
+          </a:gradFill>
+          <a:ln>
+            <a:noFill/>
+          </a:ln>
+        </p:spPr>
+        <p:style>
+          <a:lnRef idx="2">
+            <a:schemeClr val="accent1">
+              <a:shade val="50000"/>
+            </a:schemeClr>
+          </a:lnRef>
+          <a:fillRef idx="1">
+            <a:schemeClr val="accent1"/>
+          </a:fillRef>
+          <a:effectRef idx="0">
+            <a:schemeClr val="accent1"/>
+          </a:effectRef>
+          <a:fontRef idx="minor">
+            <a:schemeClr val="lt1"/>
+          </a:fontRef>
+        </p:style>
+        <p:txBody>
+          <a:bodyPr rtlCol="0" anchor="ctr"/>
+          <a:lstStyle/>
+          <a:p>
+            <a:pPr lvl="0" algn="ctr"/>
+            <a:endParaRPr lang="en-US"/>
           </a:p>
         </p:txBody>
       </p:sp>
@@ -4636,48 +6025,243 @@
             <p:ph idx="1"/>
           </p:nvPr>
         </p:nvSpPr>
-        <p:spPr/>
-        <p:txBody>
-          <a:bodyPr/>
-          <a:lstStyle/>
-          <a:p>
-            <a:r>
-              <a:rPr lang="en-US" dirty="0"/>
+        <p:spPr>
+          <a:xfrm>
+            <a:off x="1451579" y="2015732"/>
+            <a:ext cx="5550357" cy="3450613"/>
+          </a:xfrm>
+        </p:spPr>
+        <p:txBody>
+          <a:bodyPr>
+            <a:normAutofit/>
+          </a:bodyPr>
+          <a:lstStyle/>
+          <a:p>
+            <a:pPr>
+              <a:lnSpc>
+                <a:spcPct val="110000"/>
+              </a:lnSpc>
+            </a:pPr>
+            <a:r>
+              <a:rPr lang="en-US" sz="1700"/>
               <a:t>A bar graph was used to depict the occurrences of purchase of houses and their price range.</a:t>
             </a:r>
           </a:p>
           <a:p>
-            <a:r>
-              <a:rPr lang="en-US" dirty="0"/>
+            <a:pPr>
+              <a:lnSpc>
+                <a:spcPct val="110000"/>
+              </a:lnSpc>
+            </a:pPr>
+            <a:r>
+              <a:rPr lang="en-US" sz="1700"/>
               <a:t>Information about how many purchases were made Per square foot.</a:t>
             </a:r>
           </a:p>
           <a:p>
-            <a:r>
-              <a:rPr lang="en-US" dirty="0"/>
+            <a:pPr>
+              <a:lnSpc>
+                <a:spcPct val="110000"/>
+              </a:lnSpc>
+            </a:pPr>
+            <a:r>
+              <a:rPr lang="en-US" sz="1700"/>
               <a:t>Information about purchases per zip code was also presented. </a:t>
             </a:r>
           </a:p>
           <a:p>
-            <a:r>
-              <a:rPr lang="en-US" dirty="0"/>
+            <a:pPr>
+              <a:lnSpc>
+                <a:spcPct val="110000"/>
+              </a:lnSpc>
+            </a:pPr>
+            <a:r>
+              <a:rPr lang="en-US" sz="1700"/>
               <a:t>A bar graph for purchases per day was then created.</a:t>
             </a:r>
           </a:p>
           <a:p>
-            <a:r>
-              <a:rPr lang="en-US" dirty="0"/>
+            <a:pPr>
+              <a:lnSpc>
+                <a:spcPct val="110000"/>
+              </a:lnSpc>
+            </a:pPr>
+            <a:r>
+              <a:rPr lang="en-US" sz="1700"/>
               <a:t>Another bar graph was made for bedroom count.</a:t>
             </a:r>
           </a:p>
           <a:p>
-            <a:r>
-              <a:rPr lang="en-US" dirty="0"/>
+            <a:pPr>
+              <a:lnSpc>
+                <a:spcPct val="110000"/>
+              </a:lnSpc>
+            </a:pPr>
+            <a:r>
+              <a:rPr lang="en-US" sz="1700"/>
               <a:t>The client was willing to buy a house with 3 Bedrooms</a:t>
             </a:r>
           </a:p>
         </p:txBody>
       </p:sp>
+      <p:pic>
+        <p:nvPicPr>
+          <p:cNvPr id="7" name="Picture 6">
+            <a:extLst>
+              <a:ext uri="{FF2B5EF4-FFF2-40B4-BE49-F238E27FC236}">
+                <a16:creationId xmlns:a16="http://schemas.microsoft.com/office/drawing/2014/main" id="{FE04961E-CEB1-466C-A0F0-CA477A174066}"/>
+              </a:ext>
+            </a:extLst>
+          </p:cNvPr>
+          <p:cNvPicPr>
+            <a:picLocks noChangeAspect="1"/>
+          </p:cNvPicPr>
+          <p:nvPr/>
+        </p:nvPicPr>
+        <p:blipFill>
+          <a:blip r:embed="rId2"/>
+          <a:stretch>
+            <a:fillRect/>
+          </a:stretch>
+        </p:blipFill>
+        <p:spPr>
+          <a:xfrm>
+            <a:off x="7473594" y="586108"/>
+            <a:ext cx="4074836" cy="2281908"/>
+          </a:xfrm>
+          <a:prstGeom prst="rect">
+            <a:avLst/>
+          </a:prstGeom>
+        </p:spPr>
+      </p:pic>
+      <p:pic>
+        <p:nvPicPr>
+          <p:cNvPr id="5" name="Picture 4">
+            <a:extLst>
+              <a:ext uri="{FF2B5EF4-FFF2-40B4-BE49-F238E27FC236}">
+                <a16:creationId xmlns:a16="http://schemas.microsoft.com/office/drawing/2014/main" id="{47AD8674-25E1-43B7-BC50-E5722CC32046}"/>
+              </a:ext>
+            </a:extLst>
+          </p:cNvPr>
+          <p:cNvPicPr>
+            <a:picLocks noChangeAspect="1"/>
+          </p:cNvPicPr>
+          <p:nvPr/>
+        </p:nvPicPr>
+        <p:blipFill>
+          <a:blip r:embed="rId3"/>
+          <a:stretch>
+            <a:fillRect/>
+          </a:stretch>
+        </p:blipFill>
+        <p:spPr>
+          <a:xfrm>
+            <a:off x="7473594" y="3248579"/>
+            <a:ext cx="4074836" cy="2271720"/>
+          </a:xfrm>
+          <a:prstGeom prst="rect">
+            <a:avLst/>
+          </a:prstGeom>
+        </p:spPr>
+      </p:pic>
+      <p:pic>
+        <p:nvPicPr>
+          <p:cNvPr id="29" name="Picture 28">
+            <a:extLst>
+              <a:ext uri="{FF2B5EF4-FFF2-40B4-BE49-F238E27FC236}">
+                <a16:creationId xmlns:a16="http://schemas.microsoft.com/office/drawing/2014/main" id="{D5A16967-5C32-4A48-9F02-4F0228AC8DBA}"/>
+              </a:ext>
+              <a:ext uri="{C183D7F6-B498-43B3-948B-1728B52AA6E4}">
+                <adec:decorative xmlns:adec="http://schemas.microsoft.com/office/drawing/2017/decorative" val="1"/>
+              </a:ext>
+            </a:extLst>
+          </p:cNvPr>
+          <p:cNvPicPr>
+            <a:picLocks noGrp="1" noRot="1" noChangeAspect="1" noMove="1" noResize="1" noEditPoints="1" noAdjustHandles="1" noChangeArrowheads="1" noChangeShapeType="1" noCrop="1"/>
+          </p:cNvPicPr>
+          <p:nvPr>
+            <p:extLst>
+              <p:ext uri="{386F3935-93C4-4BCD-93E2-E3B085C9AB24}">
+                <p16:designElem xmlns:p16="http://schemas.microsoft.com/office/powerpoint/2015/main" val="1"/>
+              </p:ext>
+            </p:extLst>
+          </p:nvPr>
+        </p:nvPicPr>
+        <p:blipFill rotWithShape="1">
+          <a:blip r:embed="rId4">
+            <a:extLst>
+              <a:ext uri="{28A0092B-C50C-407E-A947-70E740481C1C}">
+                <a14:useLocalDpi xmlns:a14="http://schemas.microsoft.com/office/drawing/2010/main" val="0"/>
+              </a:ext>
+            </a:extLst>
+          </a:blip>
+          <a:srcRect t="1538" b="-1538"/>
+          <a:stretch/>
+        </p:blipFill>
+        <p:spPr bwMode="black">
+          <a:xfrm>
+            <a:off x="0" y="6126480"/>
+            <a:ext cx="12192000" cy="742950"/>
+          </a:xfrm>
+          <a:prstGeom prst="rect">
+            <a:avLst/>
+          </a:prstGeom>
+        </p:spPr>
+      </p:pic>
+      <p:cxnSp>
+        <p:nvCxnSpPr>
+          <p:cNvPr id="31" name="Straight Connector 30">
+            <a:extLst>
+              <a:ext uri="{FF2B5EF4-FFF2-40B4-BE49-F238E27FC236}">
+                <a16:creationId xmlns:a16="http://schemas.microsoft.com/office/drawing/2014/main" id="{942D078B-EF20-4DB1-AA1B-87F212C56A9A}"/>
+              </a:ext>
+              <a:ext uri="{C183D7F6-B498-43B3-948B-1728B52AA6E4}">
+                <adec:decorative xmlns:adec="http://schemas.microsoft.com/office/drawing/2017/decorative" val="1"/>
+              </a:ext>
+            </a:extLst>
+          </p:cNvPr>
+          <p:cNvCxnSpPr>
+            <a:cxnSpLocks noGrp="1" noRot="1" noChangeAspect="1" noMove="1" noResize="1" noEditPoints="1" noAdjustHandles="1" noChangeArrowheads="1" noChangeShapeType="1"/>
+          </p:cNvCxnSpPr>
+          <p:nvPr>
+            <p:extLst>
+              <p:ext uri="{386F3935-93C4-4BCD-93E2-E3B085C9AB24}">
+                <p16:designElem xmlns:p16="http://schemas.microsoft.com/office/powerpoint/2015/main" val="1"/>
+              </p:ext>
+            </p:extLst>
+          </p:nvPr>
+        </p:nvCxnSpPr>
+        <p:spPr>
+          <a:xfrm>
+            <a:off x="0" y="6128413"/>
+            <a:ext cx="12192000" cy="0"/>
+          </a:xfrm>
+          <a:prstGeom prst="line">
+            <a:avLst/>
+          </a:prstGeom>
+          <a:ln w="12700">
+            <a:solidFill>
+              <a:srgbClr val="000001">
+                <a:alpha val="20000"/>
+              </a:srgbClr>
+            </a:solidFill>
+          </a:ln>
+        </p:spPr>
+        <p:style>
+          <a:lnRef idx="1">
+            <a:schemeClr val="accent1"/>
+          </a:lnRef>
+          <a:fillRef idx="0">
+            <a:schemeClr val="accent1"/>
+          </a:fillRef>
+          <a:effectRef idx="0">
+            <a:schemeClr val="accent1"/>
+          </a:effectRef>
+          <a:fontRef idx="minor">
+            <a:schemeClr val="tx1"/>
+          </a:fontRef>
+        </p:style>
+      </p:cxnSp>
     </p:spTree>
     <p:extLst>
       <p:ext uri="{BB962C8B-B14F-4D97-AF65-F5344CB8AC3E}">
@@ -4696,14 +6280,25 @@
   <p:cSld>
     <p:bg>
       <p:bgPr>
-        <a:pattFill prst="pct5">
-          <a:fgClr>
-            <a:srgbClr val="FF0000"/>
-          </a:fgClr>
-          <a:bgClr>
-            <a:schemeClr val="bg1"/>
-          </a:bgClr>
-        </a:pattFill>
+        <a:gradFill rotWithShape="1">
+          <a:gsLst>
+            <a:gs pos="0">
+              <a:schemeClr val="bg2">
+                <a:tint val="94000"/>
+                <a:satMod val="80000"/>
+                <a:lumMod val="106000"/>
+              </a:schemeClr>
+            </a:gs>
+            <a:gs pos="100000">
+              <a:schemeClr val="bg2">
+                <a:shade val="80000"/>
+              </a:schemeClr>
+            </a:gs>
+          </a:gsLst>
+          <a:path path="circle">
+            <a:fillToRect l="43000" r="43000" b="100000"/>
+          </a:path>
+        </a:gradFill>
         <a:effectLst/>
       </p:bgPr>
     </p:bg>
@@ -4737,9 +6332,16 @@
             <p:ph type="title"/>
           </p:nvPr>
         </p:nvSpPr>
-        <p:spPr/>
-        <p:txBody>
-          <a:bodyPr/>
+        <p:spPr>
+          <a:xfrm>
+            <a:off x="1451579" y="804519"/>
+            <a:ext cx="9603275" cy="1049235"/>
+          </a:xfrm>
+        </p:spPr>
+        <p:txBody>
+          <a:bodyPr>
+            <a:normAutofit/>
+          </a:bodyPr>
           <a:lstStyle/>
           <a:p>
             <a:r>
@@ -4765,44 +6367,161 @@
             <p:ph idx="1"/>
           </p:nvPr>
         </p:nvSpPr>
-        <p:spPr/>
-        <p:txBody>
-          <a:bodyPr/>
-          <a:lstStyle/>
-          <a:p>
-            <a:r>
-              <a:rPr lang="en-US" dirty="0"/>
+        <p:spPr>
+          <a:xfrm>
+            <a:off x="1451581" y="2015734"/>
+            <a:ext cx="4169336" cy="3450613"/>
+          </a:xfrm>
+        </p:spPr>
+        <p:txBody>
+          <a:bodyPr>
+            <a:normAutofit/>
+          </a:bodyPr>
+          <a:lstStyle/>
+          <a:p>
+            <a:pPr>
+              <a:lnSpc>
+                <a:spcPct val="110000"/>
+              </a:lnSpc>
+            </a:pPr>
+            <a:r>
+              <a:rPr lang="en-US" sz="1700"/>
               <a:t>A box graph made with whiskers was used to find variation between zip codes.</a:t>
             </a:r>
           </a:p>
           <a:p>
-            <a:r>
-              <a:rPr lang="en-US" dirty="0"/>
+            <a:pPr>
+              <a:lnSpc>
+                <a:spcPct val="110000"/>
+              </a:lnSpc>
+            </a:pPr>
+            <a:r>
+              <a:rPr lang="en-US" sz="1700"/>
               <a:t>Boxes represented the mean and the lines are the highest/lowest outliers.</a:t>
             </a:r>
           </a:p>
           <a:p>
-            <a:r>
-              <a:rPr lang="en-US" dirty="0"/>
+            <a:pPr>
+              <a:lnSpc>
+                <a:spcPct val="110000"/>
+              </a:lnSpc>
+            </a:pPr>
+            <a:r>
+              <a:rPr lang="en-US" sz="1700"/>
               <a:t>One was made for average price, another for average square foot, and average price per </a:t>
             </a:r>
             <a:r>
-              <a:rPr lang="en-US" dirty="0" err="1"/>
+              <a:rPr lang="en-US" sz="1700" err="1"/>
               <a:t>sqr</a:t>
             </a:r>
             <a:r>
-              <a:rPr lang="en-US" dirty="0"/>
+              <a:rPr lang="en-US" sz="1700"/>
               <a:t> foot.</a:t>
             </a:r>
           </a:p>
           <a:p>
-            <a:r>
-              <a:rPr lang="en-US" dirty="0"/>
+            <a:pPr>
+              <a:lnSpc>
+                <a:spcPct val="110000"/>
+              </a:lnSpc>
+            </a:pPr>
+            <a:r>
+              <a:rPr lang="en-US" sz="1700"/>
               <a:t>The client was interested in living in the area with zip code 95823.</a:t>
             </a:r>
           </a:p>
         </p:txBody>
       </p:sp>
+      <p:pic>
+        <p:nvPicPr>
+          <p:cNvPr id="9" name="Picture 8">
+            <a:extLst>
+              <a:ext uri="{FF2B5EF4-FFF2-40B4-BE49-F238E27FC236}">
+                <a16:creationId xmlns:a16="http://schemas.microsoft.com/office/drawing/2014/main" id="{DD90EF60-4C1B-43CE-A04A-CE223FF30040}"/>
+              </a:ext>
+            </a:extLst>
+          </p:cNvPr>
+          <p:cNvPicPr>
+            <a:picLocks noChangeAspect="1"/>
+          </p:cNvPicPr>
+          <p:nvPr/>
+        </p:nvPicPr>
+        <p:blipFill>
+          <a:blip r:embed="rId2"/>
+          <a:stretch>
+            <a:fillRect/>
+          </a:stretch>
+        </p:blipFill>
+        <p:spPr>
+          <a:xfrm>
+            <a:off x="6108443" y="3092388"/>
+            <a:ext cx="2391342" cy="1297302"/>
+          </a:xfrm>
+          <a:prstGeom prst="rect">
+            <a:avLst/>
+          </a:prstGeom>
+        </p:spPr>
+      </p:pic>
+      <p:pic>
+        <p:nvPicPr>
+          <p:cNvPr id="5" name="Picture 4">
+            <a:extLst>
+              <a:ext uri="{FF2B5EF4-FFF2-40B4-BE49-F238E27FC236}">
+                <a16:creationId xmlns:a16="http://schemas.microsoft.com/office/drawing/2014/main" id="{91503893-6B04-4FD6-A98F-458BC1C69CDE}"/>
+              </a:ext>
+            </a:extLst>
+          </p:cNvPr>
+          <p:cNvPicPr>
+            <a:picLocks noChangeAspect="1"/>
+          </p:cNvPicPr>
+          <p:nvPr/>
+        </p:nvPicPr>
+        <p:blipFill>
+          <a:blip r:embed="rId3"/>
+          <a:stretch>
+            <a:fillRect/>
+          </a:stretch>
+        </p:blipFill>
+        <p:spPr>
+          <a:xfrm>
+            <a:off x="8664115" y="2188751"/>
+            <a:ext cx="2390738" cy="1296974"/>
+          </a:xfrm>
+          <a:prstGeom prst="rect">
+            <a:avLst/>
+          </a:prstGeom>
+        </p:spPr>
+      </p:pic>
+      <p:pic>
+        <p:nvPicPr>
+          <p:cNvPr id="7" name="Picture 6">
+            <a:extLst>
+              <a:ext uri="{FF2B5EF4-FFF2-40B4-BE49-F238E27FC236}">
+                <a16:creationId xmlns:a16="http://schemas.microsoft.com/office/drawing/2014/main" id="{B1BB8CEA-E36C-4679-8F2E-E0CE7F5F8488}"/>
+              </a:ext>
+            </a:extLst>
+          </p:cNvPr>
+          <p:cNvPicPr>
+            <a:picLocks noChangeAspect="1"/>
+          </p:cNvPicPr>
+          <p:nvPr/>
+        </p:nvPicPr>
+        <p:blipFill>
+          <a:blip r:embed="rId4"/>
+          <a:stretch>
+            <a:fillRect/>
+          </a:stretch>
+        </p:blipFill>
+        <p:spPr>
+          <a:xfrm>
+            <a:off x="8664115" y="4011294"/>
+            <a:ext cx="2390738" cy="1267091"/>
+          </a:xfrm>
+          <a:prstGeom prst="rect">
+            <a:avLst/>
+          </a:prstGeom>
+        </p:spPr>
+      </p:pic>
     </p:spTree>
     <p:extLst>
       <p:ext uri="{BB962C8B-B14F-4D97-AF65-F5344CB8AC3E}">
@@ -4817,9 +6536,9 @@
 </file>
 
 <file path=ppt/theme/theme1.xml><?xml version="1.0" encoding="utf-8"?>
-<a:theme xmlns:a="http://schemas.openxmlformats.org/drawingml/2006/main" name="Office Theme">
+<a:theme xmlns:a="http://schemas.openxmlformats.org/drawingml/2006/main" name="Gallery">
   <a:themeElements>
-    <a:clrScheme name="Office">
+    <a:clrScheme name="Gallery">
       <a:dk1>
         <a:sysClr val="windowText" lastClr="000000"/>
       </a:dk1>
@@ -4827,39 +6546,39 @@
         <a:sysClr val="window" lastClr="FFFFFF"/>
       </a:lt1>
       <a:dk2>
-        <a:srgbClr val="44546A"/>
+        <a:srgbClr val="454545"/>
       </a:dk2>
       <a:lt2>
-        <a:srgbClr val="E7E6E6"/>
+        <a:srgbClr val="DFDBD5"/>
       </a:lt2>
       <a:accent1>
-        <a:srgbClr val="4472C4"/>
+        <a:srgbClr val="B71E42"/>
       </a:accent1>
       <a:accent2>
-        <a:srgbClr val="ED7D31"/>
+        <a:srgbClr val="DE478E"/>
       </a:accent2>
       <a:accent3>
-        <a:srgbClr val="A5A5A5"/>
+        <a:srgbClr val="BC72F0"/>
       </a:accent3>
       <a:accent4>
-        <a:srgbClr val="FFC000"/>
+        <a:srgbClr val="795FAF"/>
       </a:accent4>
       <a:accent5>
-        <a:srgbClr val="5B9BD5"/>
+        <a:srgbClr val="586EA6"/>
       </a:accent5>
       <a:accent6>
-        <a:srgbClr val="70AD47"/>
+        <a:srgbClr val="6892A0"/>
       </a:accent6>
       <a:hlink>
-        <a:srgbClr val="0563C1"/>
+        <a:srgbClr val="FA2B5C"/>
       </a:hlink>
       <a:folHlink>
-        <a:srgbClr val="954F72"/>
+        <a:srgbClr val="BC658E"/>
       </a:folHlink>
     </a:clrScheme>
-    <a:fontScheme name="Office">
+    <a:fontScheme name="Gallery">
       <a:majorFont>
-        <a:latin typeface="Calibri Light" panose="020F0302020204030204"/>
+        <a:latin typeface="Gill Sans MT" panose="020B0502020104020203"/>
         <a:ea typeface=""/>
         <a:cs typeface=""/>
         <a:font script="Jpan" typeface="游ゴシック Light"/>
@@ -4892,26 +6611,9 @@
         <a:font script="Viet" typeface="Times New Roman"/>
         <a:font script="Uigh" typeface="Microsoft Uighur"/>
         <a:font script="Geor" typeface="Sylfaen"/>
-        <a:font script="Armn" typeface="Arial"/>
-        <a:font script="Bugi" typeface="Leelawadee UI"/>
-        <a:font script="Bopo" typeface="Microsoft JhengHei"/>
-        <a:font script="Java" typeface="Javanese Text"/>
-        <a:font script="Lisu" typeface="Segoe UI"/>
-        <a:font script="Mymr" typeface="Myanmar Text"/>
-        <a:font script="Nkoo" typeface="Ebrima"/>
-        <a:font script="Olck" typeface="Nirmala UI"/>
-        <a:font script="Osma" typeface="Ebrima"/>
-        <a:font script="Phag" typeface="Phagspa"/>
-        <a:font script="Syrn" typeface="Estrangelo Edessa"/>
-        <a:font script="Syrj" typeface="Estrangelo Edessa"/>
-        <a:font script="Syre" typeface="Estrangelo Edessa"/>
-        <a:font script="Sora" typeface="Nirmala UI"/>
-        <a:font script="Tale" typeface="Microsoft Tai Le"/>
-        <a:font script="Talu" typeface="Microsoft New Tai Lue"/>
-        <a:font script="Tfng" typeface="Ebrima"/>
       </a:majorFont>
       <a:minorFont>
-        <a:latin typeface="Calibri" panose="020F0502020204030204"/>
+        <a:latin typeface="Gill Sans MT" panose="020B0502020104020203"/>
         <a:ea typeface=""/>
         <a:cs typeface=""/>
         <a:font script="Jpan" typeface="游ゴシック"/>
@@ -4944,26 +6646,9 @@
         <a:font script="Viet" typeface="Arial"/>
         <a:font script="Uigh" typeface="Microsoft Uighur"/>
         <a:font script="Geor" typeface="Sylfaen"/>
-        <a:font script="Armn" typeface="Arial"/>
-        <a:font script="Bugi" typeface="Leelawadee UI"/>
-        <a:font script="Bopo" typeface="Microsoft JhengHei"/>
-        <a:font script="Java" typeface="Javanese Text"/>
-        <a:font script="Lisu" typeface="Segoe UI"/>
-        <a:font script="Mymr" typeface="Myanmar Text"/>
-        <a:font script="Nkoo" typeface="Ebrima"/>
-        <a:font script="Olck" typeface="Nirmala UI"/>
-        <a:font script="Osma" typeface="Ebrima"/>
-        <a:font script="Phag" typeface="Phagspa"/>
-        <a:font script="Syrn" typeface="Estrangelo Edessa"/>
-        <a:font script="Syrj" typeface="Estrangelo Edessa"/>
-        <a:font script="Syre" typeface="Estrangelo Edessa"/>
-        <a:font script="Sora" typeface="Nirmala UI"/>
-        <a:font script="Tale" typeface="Microsoft Tai Le"/>
-        <a:font script="Talu" typeface="Microsoft New Tai Lue"/>
-        <a:font script="Tfng" typeface="Ebrima"/>
       </a:minorFont>
     </a:fontScheme>
-    <a:fmtScheme name="Office">
+    <a:fmtScheme name="Gallery">
       <a:fillStyleLst>
         <a:solidFill>
           <a:schemeClr val="phClr"/>
@@ -4972,23 +6657,18 @@
           <a:gsLst>
             <a:gs pos="0">
               <a:schemeClr val="phClr">
+                <a:tint val="54000"/>
+                <a:alpha val="100000"/>
+                <a:satMod val="105000"/>
                 <a:lumMod val="110000"/>
-                <a:satMod val="105000"/>
-                <a:tint val="67000"/>
-              </a:schemeClr>
-            </a:gs>
-            <a:gs pos="50000">
-              <a:schemeClr val="phClr">
-                <a:lumMod val="105000"/>
-                <a:satMod val="103000"/>
-                <a:tint val="73000"/>
               </a:schemeClr>
             </a:gs>
             <a:gs pos="100000">
               <a:schemeClr val="phClr">
-                <a:lumMod val="105000"/>
+                <a:tint val="78000"/>
+                <a:alpha val="92000"/>
                 <a:satMod val="109000"/>
-                <a:tint val="81000"/>
+                <a:lumMod val="100000"/>
               </a:schemeClr>
             </a:gs>
           </a:gsLst>
@@ -4998,23 +6678,23 @@
           <a:gsLst>
             <a:gs pos="0">
               <a:schemeClr val="phClr">
-                <a:satMod val="103000"/>
-                <a:lumMod val="102000"/>
-                <a:tint val="94000"/>
+                <a:tint val="98000"/>
+                <a:satMod val="110000"/>
+                <a:lumMod val="104000"/>
               </a:schemeClr>
             </a:gs>
-            <a:gs pos="50000">
+            <a:gs pos="69000">
               <a:schemeClr val="phClr">
-                <a:satMod val="110000"/>
-                <a:lumMod val="100000"/>
-                <a:shade val="100000"/>
+                <a:shade val="88000"/>
+                <a:satMod val="130000"/>
+                <a:lumMod val="92000"/>
               </a:schemeClr>
             </a:gs>
             <a:gs pos="100000">
               <a:schemeClr val="phClr">
-                <a:lumMod val="99000"/>
-                <a:satMod val="120000"/>
                 <a:shade val="78000"/>
+                <a:satMod val="130000"/>
+                <a:lumMod val="92000"/>
               </a:schemeClr>
             </a:gs>
           </a:gsLst>
@@ -5022,26 +6702,23 @@
         </a:gradFill>
       </a:fillStyleLst>
       <a:lnStyleLst>
-        <a:ln w="6350" cap="flat" cmpd="sng" algn="ctr">
+        <a:ln w="9525" cap="flat" cmpd="sng" algn="ctr">
           <a:solidFill>
             <a:schemeClr val="phClr"/>
           </a:solidFill>
           <a:prstDash val="solid"/>
-          <a:miter lim="800000"/>
         </a:ln>
-        <a:ln w="12700" cap="flat" cmpd="sng" algn="ctr">
+        <a:ln w="15875" cap="flat" cmpd="sng" algn="ctr">
           <a:solidFill>
             <a:schemeClr val="phClr"/>
           </a:solidFill>
           <a:prstDash val="solid"/>
-          <a:miter lim="800000"/>
         </a:ln>
-        <a:ln w="19050" cap="flat" cmpd="sng" algn="ctr">
+        <a:ln w="22225" cap="flat" cmpd="sng" algn="ctr">
           <a:solidFill>
             <a:schemeClr val="phClr"/>
           </a:solidFill>
           <a:prstDash val="solid"/>
-          <a:miter lim="800000"/>
         </a:ln>
       </a:lnStyleLst>
       <a:effectStyleLst>
@@ -5053,12 +6730,23 @@
         </a:effectStyle>
         <a:effectStyle>
           <a:effectLst>
-            <a:outerShdw blurRad="57150" dist="19050" dir="5400000" algn="ctr" rotWithShape="0">
+            <a:outerShdw blurRad="50800" dist="50800" dir="5400000" sx="96000" sy="96000" rotWithShape="0">
               <a:srgbClr val="000000">
-                <a:alpha val="63000"/>
+                <a:alpha val="48000"/>
               </a:srgbClr>
             </a:outerShdw>
           </a:effectLst>
+          <a:scene3d>
+            <a:camera prst="orthographicFront">
+              <a:rot lat="0" lon="0" rev="0"/>
+            </a:camera>
+            <a:lightRig rig="balanced" dir="t">
+              <a:rot lat="0" lon="0" rev="1080000"/>
+            </a:lightRig>
+          </a:scene3d>
+          <a:sp3d>
+            <a:bevelT w="38100" h="12700" prst="softRound"/>
+          </a:sp3d>
         </a:effectStyle>
       </a:effectStyleLst>
       <a:bgFillStyleLst>
@@ -5066,37 +6754,26 @@
           <a:schemeClr val="phClr"/>
         </a:solidFill>
         <a:solidFill>
-          <a:schemeClr val="phClr">
-            <a:tint val="95000"/>
-            <a:satMod val="170000"/>
-          </a:schemeClr>
+          <a:schemeClr val="phClr"/>
         </a:solidFill>
         <a:gradFill rotWithShape="1">
           <a:gsLst>
             <a:gs pos="0">
               <a:schemeClr val="phClr">
-                <a:tint val="93000"/>
-                <a:satMod val="150000"/>
-                <a:shade val="98000"/>
-                <a:lumMod val="102000"/>
-              </a:schemeClr>
-            </a:gs>
-            <a:gs pos="50000">
-              <a:schemeClr val="phClr">
-                <a:tint val="98000"/>
-                <a:satMod val="130000"/>
-                <a:shade val="90000"/>
-                <a:lumMod val="103000"/>
+                <a:tint val="94000"/>
+                <a:satMod val="80000"/>
+                <a:lumMod val="106000"/>
               </a:schemeClr>
             </a:gs>
             <a:gs pos="100000">
               <a:schemeClr val="phClr">
-                <a:shade val="63000"/>
-                <a:satMod val="120000"/>
+                <a:shade val="80000"/>
               </a:schemeClr>
             </a:gs>
           </a:gsLst>
-          <a:lin ang="5400000" scaled="0"/>
+          <a:path path="circle">
+            <a:fillToRect l="43000" r="43000" b="100000"/>
+          </a:path>
         </a:gradFill>
       </a:bgFillStyleLst>
     </a:fmtScheme>
@@ -5105,7 +6782,7 @@
   <a:extraClrSchemeLst/>
   <a:extLst>
     <a:ext uri="{05A4C25C-085E-4340-85A3-A5531E510DB2}">
-      <thm15:themeFamily xmlns:thm15="http://schemas.microsoft.com/office/thememl/2012/main" name="Office Theme" id="{62F939B6-93AF-4DB8-9C6B-D6C7DFDC589F}" vid="{4A3C46E8-61CC-4603-A589-7422A47A8E4A}"/>
+      <thm15:themeFamily xmlns:thm15="http://schemas.microsoft.com/office/thememl/2012/main" name="Gallery" id="{BBFCD31E-59A1-489D-B089-A3EAD7CAE12E}" vid="{F5E91637-A7B6-4E27-B710-77DA7014EE1E}"/>
     </a:ext>
   </a:extLst>
 </a:theme>

--- a/Sacramento Real Estate.pptx
+++ b/Sacramento Real Estate.pptx
@@ -8,17 +8,16 @@
     <p:sldId id="256" r:id="rId2"/>
     <p:sldId id="257" r:id="rId3"/>
     <p:sldId id="258" r:id="rId4"/>
-    <p:sldId id="266" r:id="rId5"/>
-    <p:sldId id="267" r:id="rId6"/>
-    <p:sldId id="259" r:id="rId7"/>
-    <p:sldId id="260" r:id="rId8"/>
-    <p:sldId id="264" r:id="rId9"/>
-    <p:sldId id="263" r:id="rId10"/>
-    <p:sldId id="268" r:id="rId11"/>
-    <p:sldId id="269" r:id="rId12"/>
-    <p:sldId id="262" r:id="rId13"/>
-    <p:sldId id="261" r:id="rId14"/>
-    <p:sldId id="265" r:id="rId15"/>
+    <p:sldId id="267" r:id="rId5"/>
+    <p:sldId id="259" r:id="rId6"/>
+    <p:sldId id="260" r:id="rId7"/>
+    <p:sldId id="264" r:id="rId8"/>
+    <p:sldId id="263" r:id="rId9"/>
+    <p:sldId id="268" r:id="rId10"/>
+    <p:sldId id="269" r:id="rId11"/>
+    <p:sldId id="262" r:id="rId12"/>
+    <p:sldId id="261" r:id="rId13"/>
+    <p:sldId id="265" r:id="rId14"/>
   </p:sldIdLst>
   <p:sldSz cx="12192000" cy="6858000"/>
   <p:notesSz cx="6858000" cy="9144000"/>
@@ -264,7 +263,7 @@
           <a:p>
             <a:fld id="{45B3A122-DA0E-4BA8-BBF9-7FCCE916F8A5}" type="datetimeFigureOut">
               <a:rPr lang="en-US" smtClean="0"/>
-              <a:t>5/5/2021</a:t>
+              <a:t>5/6/2021</a:t>
             </a:fld>
             <a:endParaRPr lang="en-US"/>
           </a:p>
@@ -475,7 +474,7 @@
           <a:p>
             <a:fld id="{45B3A122-DA0E-4BA8-BBF9-7FCCE916F8A5}" type="datetimeFigureOut">
               <a:rPr lang="en-US" smtClean="0"/>
-              <a:t>5/5/2021</a:t>
+              <a:t>5/6/2021</a:t>
             </a:fld>
             <a:endParaRPr lang="en-US"/>
           </a:p>
@@ -690,7 +689,7 @@
           <a:p>
             <a:fld id="{45B3A122-DA0E-4BA8-BBF9-7FCCE916F8A5}" type="datetimeFigureOut">
               <a:rPr lang="en-US" smtClean="0"/>
-              <a:t>5/5/2021</a:t>
+              <a:t>5/6/2021</a:t>
             </a:fld>
             <a:endParaRPr lang="en-US"/>
           </a:p>
@@ -891,7 +890,7 @@
           <a:p>
             <a:fld id="{45B3A122-DA0E-4BA8-BBF9-7FCCE916F8A5}" type="datetimeFigureOut">
               <a:rPr lang="en-US" smtClean="0"/>
-              <a:t>5/5/2021</a:t>
+              <a:t>5/6/2021</a:t>
             </a:fld>
             <a:endParaRPr lang="en-US"/>
           </a:p>
@@ -1170,7 +1169,7 @@
           <a:p>
             <a:fld id="{45B3A122-DA0E-4BA8-BBF9-7FCCE916F8A5}" type="datetimeFigureOut">
               <a:rPr lang="en-US" smtClean="0"/>
-              <a:t>5/5/2021</a:t>
+              <a:t>5/6/2021</a:t>
             </a:fld>
             <a:endParaRPr lang="en-US"/>
           </a:p>
@@ -1438,7 +1437,7 @@
           <a:p>
             <a:fld id="{45B3A122-DA0E-4BA8-BBF9-7FCCE916F8A5}" type="datetimeFigureOut">
               <a:rPr lang="en-US" smtClean="0"/>
-              <a:t>5/5/2021</a:t>
+              <a:t>5/6/2021</a:t>
             </a:fld>
             <a:endParaRPr lang="en-US"/>
           </a:p>
@@ -1854,7 +1853,7 @@
           <a:p>
             <a:fld id="{45B3A122-DA0E-4BA8-BBF9-7FCCE916F8A5}" type="datetimeFigureOut">
               <a:rPr lang="en-US" smtClean="0"/>
-              <a:t>5/5/2021</a:t>
+              <a:t>5/6/2021</a:t>
             </a:fld>
             <a:endParaRPr lang="en-US"/>
           </a:p>
@@ -2003,7 +2002,7 @@
           <a:p>
             <a:fld id="{45B3A122-DA0E-4BA8-BBF9-7FCCE916F8A5}" type="datetimeFigureOut">
               <a:rPr lang="en-US" smtClean="0"/>
-              <a:t>5/5/2021</a:t>
+              <a:t>5/6/2021</a:t>
             </a:fld>
             <a:endParaRPr lang="en-US"/>
           </a:p>
@@ -2129,7 +2128,7 @@
           <a:p>
             <a:fld id="{45B3A122-DA0E-4BA8-BBF9-7FCCE916F8A5}" type="datetimeFigureOut">
               <a:rPr lang="en-US" smtClean="0"/>
-              <a:t>5/5/2021</a:t>
+              <a:t>5/6/2021</a:t>
             </a:fld>
             <a:endParaRPr lang="en-US"/>
           </a:p>
@@ -2380,7 +2379,7 @@
           <a:p>
             <a:fld id="{45B3A122-DA0E-4BA8-BBF9-7FCCE916F8A5}" type="datetimeFigureOut">
               <a:rPr lang="en-US" smtClean="0"/>
-              <a:t>5/5/2021</a:t>
+              <a:t>5/6/2021</a:t>
             </a:fld>
             <a:endParaRPr lang="en-US"/>
           </a:p>
@@ -2825,7 +2824,7 @@
           <a:p>
             <a:fld id="{45B3A122-DA0E-4BA8-BBF9-7FCCE916F8A5}" type="datetimeFigureOut">
               <a:rPr lang="en-US" smtClean="0"/>
-              <a:t>5/5/2021</a:t>
+              <a:t>5/6/2021</a:t>
             </a:fld>
             <a:endParaRPr lang="en-US"/>
           </a:p>
@@ -3152,7 +3151,7 @@
           <a:p>
             <a:fld id="{45B3A122-DA0E-4BA8-BBF9-7FCCE916F8A5}" type="datetimeFigureOut">
               <a:rPr lang="en-US" smtClean="0"/>
-              <a:t>5/5/2021</a:t>
+              <a:t>5/6/2021</a:t>
             </a:fld>
             <a:endParaRPr lang="en-US"/>
           </a:p>
@@ -3742,30 +3741,6 @@
 <file path=ppt/slides/slide10.xml><?xml version="1.0" encoding="utf-8"?>
 <p:sld xmlns:a="http://schemas.openxmlformats.org/drawingml/2006/main" xmlns:r="http://schemas.openxmlformats.org/officeDocument/2006/relationships" xmlns:p="http://schemas.openxmlformats.org/presentationml/2006/main">
   <p:cSld>
-    <p:bg>
-      <p:bgPr>
-        <a:gradFill rotWithShape="1">
-          <a:gsLst>
-            <a:gs pos="0">
-              <a:schemeClr val="bg2">
-                <a:tint val="94000"/>
-                <a:satMod val="80000"/>
-                <a:lumMod val="106000"/>
-              </a:schemeClr>
-            </a:gs>
-            <a:gs pos="100000">
-              <a:schemeClr val="bg2">
-                <a:shade val="80000"/>
-              </a:schemeClr>
-            </a:gs>
-          </a:gsLst>
-          <a:path path="circle">
-            <a:fillToRect l="43000" r="43000" b="100000"/>
-          </a:path>
-        </a:gradFill>
-        <a:effectLst/>
-      </p:bgPr>
-    </p:bg>
     <p:spTree>
       <p:nvGrpSpPr>
         <p:cNvPr id="1" name=""/>
@@ -3780,440 +3755,6 @@
           <a:chExt cx="0" cy="0"/>
         </a:xfrm>
       </p:grpSpPr>
-      <p:sp useBgFill="1">
-        <p:nvSpPr>
-          <p:cNvPr id="23" name="Rectangle 22">
-            <a:extLst>
-              <a:ext uri="{FF2B5EF4-FFF2-40B4-BE49-F238E27FC236}">
-                <a16:creationId xmlns:a16="http://schemas.microsoft.com/office/drawing/2014/main" id="{742C14A9-3617-46DD-9FC4-ED828A7D3E6F}"/>
-              </a:ext>
-              <a:ext uri="{C183D7F6-B498-43B3-948B-1728B52AA6E4}">
-                <adec:decorative xmlns:adec="http://schemas.microsoft.com/office/drawing/2017/decorative" val="1"/>
-              </a:ext>
-            </a:extLst>
-          </p:cNvPr>
-          <p:cNvSpPr>
-            <a:spLocks noGrp="1" noRot="1" noChangeAspect="1" noMove="1" noResize="1" noEditPoints="1" noAdjustHandles="1" noChangeArrowheads="1" noChangeShapeType="1" noTextEdit="1"/>
-          </p:cNvSpPr>
-          <p:nvPr>
-            <p:extLst>
-              <p:ext uri="{386F3935-93C4-4BCD-93E2-E3B085C9AB24}">
-                <p16:designElem xmlns:p16="http://schemas.microsoft.com/office/powerpoint/2015/main" val="1"/>
-              </p:ext>
-            </p:extLst>
-          </p:nvPr>
-        </p:nvSpPr>
-        <p:spPr>
-          <a:xfrm>
-            <a:off x="2" y="0"/>
-            <a:ext cx="12191695" cy="6858000"/>
-          </a:xfrm>
-          <a:prstGeom prst="rect">
-            <a:avLst/>
-          </a:prstGeom>
-          <a:ln>
-            <a:noFill/>
-          </a:ln>
-        </p:spPr>
-        <p:style>
-          <a:lnRef idx="2">
-            <a:schemeClr val="accent1">
-              <a:shade val="50000"/>
-            </a:schemeClr>
-          </a:lnRef>
-          <a:fillRef idx="1">
-            <a:schemeClr val="accent1"/>
-          </a:fillRef>
-          <a:effectRef idx="0">
-            <a:schemeClr val="accent1"/>
-          </a:effectRef>
-          <a:fontRef idx="minor">
-            <a:schemeClr val="lt1"/>
-          </a:fontRef>
-        </p:style>
-        <p:txBody>
-          <a:bodyPr rtlCol="0" anchor="ctr"/>
-          <a:lstStyle/>
-          <a:p>
-            <a:pPr algn="ctr"/>
-            <a:endParaRPr lang="en-US"/>
-          </a:p>
-        </p:txBody>
-      </p:sp>
-      <p:cxnSp>
-        <p:nvCxnSpPr>
-          <p:cNvPr id="25" name="Straight Connector 24">
-            <a:extLst>
-              <a:ext uri="{FF2B5EF4-FFF2-40B4-BE49-F238E27FC236}">
-                <a16:creationId xmlns:a16="http://schemas.microsoft.com/office/drawing/2014/main" id="{19AB0109-1C89-41F0-9EDF-3DE017BE3F27}"/>
-              </a:ext>
-              <a:ext uri="{C183D7F6-B498-43B3-948B-1728B52AA6E4}">
-                <adec:decorative xmlns:adec="http://schemas.microsoft.com/office/drawing/2017/decorative" val="1"/>
-              </a:ext>
-            </a:extLst>
-          </p:cNvPr>
-          <p:cNvCxnSpPr>
-            <a:cxnSpLocks noGrp="1" noRot="1" noChangeAspect="1" noMove="1" noResize="1" noEditPoints="1" noAdjustHandles="1" noChangeArrowheads="1" noChangeShapeType="1"/>
-          </p:cNvCxnSpPr>
-          <p:nvPr>
-            <p:extLst>
-              <p:ext uri="{386F3935-93C4-4BCD-93E2-E3B085C9AB24}">
-                <p16:designElem xmlns:p16="http://schemas.microsoft.com/office/powerpoint/2015/main" val="1"/>
-              </p:ext>
-            </p:extLst>
-          </p:nvPr>
-        </p:nvCxnSpPr>
-        <p:spPr>
-          <a:xfrm>
-            <a:off x="1453897" y="1847088"/>
-            <a:ext cx="5548039" cy="0"/>
-          </a:xfrm>
-          <a:prstGeom prst="line">
-            <a:avLst/>
-          </a:prstGeom>
-          <a:ln w="31750"/>
-        </p:spPr>
-        <p:style>
-          <a:lnRef idx="3">
-            <a:schemeClr val="accent1"/>
-          </a:lnRef>
-          <a:fillRef idx="0">
-            <a:schemeClr val="accent1"/>
-          </a:fillRef>
-          <a:effectRef idx="2">
-            <a:schemeClr val="accent1"/>
-          </a:effectRef>
-          <a:fontRef idx="minor">
-            <a:schemeClr val="tx1"/>
-          </a:fontRef>
-        </p:style>
-      </p:cxnSp>
-      <p:sp>
-        <p:nvSpPr>
-          <p:cNvPr id="2" name="Title 1">
-            <a:extLst>
-              <a:ext uri="{FF2B5EF4-FFF2-40B4-BE49-F238E27FC236}">
-                <a16:creationId xmlns:a16="http://schemas.microsoft.com/office/drawing/2014/main" id="{CF7646E8-7745-474F-9BA4-5EDFB41A8CED}"/>
-              </a:ext>
-            </a:extLst>
-          </p:cNvPr>
-          <p:cNvSpPr>
-            <a:spLocks noGrp="1"/>
-          </p:cNvSpPr>
-          <p:nvPr>
-            <p:ph type="title"/>
-          </p:nvPr>
-        </p:nvSpPr>
-        <p:spPr>
-          <a:xfrm>
-            <a:off x="1451579" y="804519"/>
-            <a:ext cx="5550357" cy="1049235"/>
-          </a:xfrm>
-        </p:spPr>
-        <p:txBody>
-          <a:bodyPr>
-            <a:normAutofit/>
-          </a:bodyPr>
-          <a:lstStyle/>
-          <a:p>
-            <a:endParaRPr lang="en-US"/>
-          </a:p>
-        </p:txBody>
-      </p:sp>
-      <p:sp>
-        <p:nvSpPr>
-          <p:cNvPr id="27" name="Rectangle 26">
-            <a:extLst>
-              <a:ext uri="{FF2B5EF4-FFF2-40B4-BE49-F238E27FC236}">
-                <a16:creationId xmlns:a16="http://schemas.microsoft.com/office/drawing/2014/main" id="{19E5CB6C-D5A1-44AB-BAD0-E76C67ED2802}"/>
-              </a:ext>
-              <a:ext uri="{C183D7F6-B498-43B3-948B-1728B52AA6E4}">
-                <adec:decorative xmlns:adec="http://schemas.microsoft.com/office/drawing/2017/decorative" val="1"/>
-              </a:ext>
-            </a:extLst>
-          </p:cNvPr>
-          <p:cNvSpPr>
-            <a:spLocks noGrp="1" noRot="1" noChangeAspect="1" noMove="1" noResize="1" noEditPoints="1" noAdjustHandles="1" noChangeArrowheads="1" noChangeShapeType="1" noTextEdit="1"/>
-          </p:cNvSpPr>
-          <p:nvPr>
-            <p:extLst>
-              <p:ext uri="{386F3935-93C4-4BCD-93E2-E3B085C9AB24}">
-                <p16:designElem xmlns:p16="http://schemas.microsoft.com/office/powerpoint/2015/main" val="1"/>
-              </p:ext>
-            </p:extLst>
-          </p:nvPr>
-        </p:nvSpPr>
-        <p:spPr>
-          <a:xfrm>
-            <a:off x="0" y="2019476"/>
-            <a:ext cx="12192000" cy="4105941"/>
-          </a:xfrm>
-          <a:prstGeom prst="rect">
-            <a:avLst/>
-          </a:prstGeom>
-          <a:gradFill flip="none" rotWithShape="1">
-            <a:gsLst>
-              <a:gs pos="0">
-                <a:schemeClr val="bg2">
-                  <a:alpha val="0"/>
-                </a:schemeClr>
-              </a:gs>
-              <a:gs pos="100000">
-                <a:schemeClr val="bg2"/>
-              </a:gs>
-            </a:gsLst>
-            <a:lin ang="5400000" scaled="0"/>
-            <a:tileRect/>
-          </a:gradFill>
-          <a:ln>
-            <a:noFill/>
-          </a:ln>
-        </p:spPr>
-        <p:style>
-          <a:lnRef idx="2">
-            <a:schemeClr val="accent1">
-              <a:shade val="50000"/>
-            </a:schemeClr>
-          </a:lnRef>
-          <a:fillRef idx="1">
-            <a:schemeClr val="accent1"/>
-          </a:fillRef>
-          <a:effectRef idx="0">
-            <a:schemeClr val="accent1"/>
-          </a:effectRef>
-          <a:fontRef idx="minor">
-            <a:schemeClr val="lt1"/>
-          </a:fontRef>
-        </p:style>
-        <p:txBody>
-          <a:bodyPr rtlCol="0" anchor="ctr"/>
-          <a:lstStyle/>
-          <a:p>
-            <a:pPr lvl="0" algn="ctr"/>
-            <a:endParaRPr lang="en-US"/>
-          </a:p>
-        </p:txBody>
-      </p:sp>
-      <p:sp>
-        <p:nvSpPr>
-          <p:cNvPr id="3" name="Content Placeholder 2">
-            <a:extLst>
-              <a:ext uri="{FF2B5EF4-FFF2-40B4-BE49-F238E27FC236}">
-                <a16:creationId xmlns:a16="http://schemas.microsoft.com/office/drawing/2014/main" id="{523DDD30-9806-4003-A264-247D8D02C7BF}"/>
-              </a:ext>
-            </a:extLst>
-          </p:cNvPr>
-          <p:cNvSpPr>
-            <a:spLocks noGrp="1"/>
-          </p:cNvSpPr>
-          <p:nvPr>
-            <p:ph idx="1"/>
-          </p:nvPr>
-        </p:nvSpPr>
-        <p:spPr>
-          <a:xfrm>
-            <a:off x="1451579" y="2015732"/>
-            <a:ext cx="5550357" cy="3450613"/>
-          </a:xfrm>
-        </p:spPr>
-        <p:txBody>
-          <a:bodyPr>
-            <a:normAutofit/>
-          </a:bodyPr>
-          <a:lstStyle/>
-          <a:p>
-            <a:endParaRPr lang="en-US"/>
-          </a:p>
-        </p:txBody>
-      </p:sp>
-      <p:pic>
-        <p:nvPicPr>
-          <p:cNvPr id="7" name="Picture 6">
-            <a:extLst>
-              <a:ext uri="{FF2B5EF4-FFF2-40B4-BE49-F238E27FC236}">
-                <a16:creationId xmlns:a16="http://schemas.microsoft.com/office/drawing/2014/main" id="{CD9E3385-466A-48AB-A7C0-C0F014E53534}"/>
-              </a:ext>
-            </a:extLst>
-          </p:cNvPr>
-          <p:cNvPicPr>
-            <a:picLocks noChangeAspect="1"/>
-          </p:cNvPicPr>
-          <p:nvPr/>
-        </p:nvPicPr>
-        <p:blipFill>
-          <a:blip r:embed="rId2"/>
-          <a:stretch>
-            <a:fillRect/>
-          </a:stretch>
-        </p:blipFill>
-        <p:spPr>
-          <a:xfrm>
-            <a:off x="7473594" y="596295"/>
-            <a:ext cx="4074836" cy="2261533"/>
-          </a:xfrm>
-          <a:prstGeom prst="rect">
-            <a:avLst/>
-          </a:prstGeom>
-        </p:spPr>
-      </p:pic>
-      <p:pic>
-        <p:nvPicPr>
-          <p:cNvPr id="5" name="Picture 4">
-            <a:extLst>
-              <a:ext uri="{FF2B5EF4-FFF2-40B4-BE49-F238E27FC236}">
-                <a16:creationId xmlns:a16="http://schemas.microsoft.com/office/drawing/2014/main" id="{5FA9D9B3-3D4C-42B8-AF49-DF5298D90F0F}"/>
-              </a:ext>
-            </a:extLst>
-          </p:cNvPr>
-          <p:cNvPicPr>
-            <a:picLocks noChangeAspect="1"/>
-          </p:cNvPicPr>
-          <p:nvPr/>
-        </p:nvPicPr>
-        <p:blipFill>
-          <a:blip r:embed="rId3"/>
-          <a:stretch>
-            <a:fillRect/>
-          </a:stretch>
-        </p:blipFill>
-        <p:spPr>
-          <a:xfrm>
-            <a:off x="7473594" y="3406479"/>
-            <a:ext cx="4074836" cy="1955920"/>
-          </a:xfrm>
-          <a:prstGeom prst="rect">
-            <a:avLst/>
-          </a:prstGeom>
-        </p:spPr>
-      </p:pic>
-      <p:pic>
-        <p:nvPicPr>
-          <p:cNvPr id="29" name="Picture 28">
-            <a:extLst>
-              <a:ext uri="{FF2B5EF4-FFF2-40B4-BE49-F238E27FC236}">
-                <a16:creationId xmlns:a16="http://schemas.microsoft.com/office/drawing/2014/main" id="{D5A16967-5C32-4A48-9F02-4F0228AC8DBA}"/>
-              </a:ext>
-              <a:ext uri="{C183D7F6-B498-43B3-948B-1728B52AA6E4}">
-                <adec:decorative xmlns:adec="http://schemas.microsoft.com/office/drawing/2017/decorative" val="1"/>
-              </a:ext>
-            </a:extLst>
-          </p:cNvPr>
-          <p:cNvPicPr>
-            <a:picLocks noGrp="1" noRot="1" noChangeAspect="1" noMove="1" noResize="1" noEditPoints="1" noAdjustHandles="1" noChangeArrowheads="1" noChangeShapeType="1" noCrop="1"/>
-          </p:cNvPicPr>
-          <p:nvPr>
-            <p:extLst>
-              <p:ext uri="{386F3935-93C4-4BCD-93E2-E3B085C9AB24}">
-                <p16:designElem xmlns:p16="http://schemas.microsoft.com/office/powerpoint/2015/main" val="1"/>
-              </p:ext>
-            </p:extLst>
-          </p:nvPr>
-        </p:nvPicPr>
-        <p:blipFill rotWithShape="1">
-          <a:blip r:embed="rId4">
-            <a:extLst>
-              <a:ext uri="{28A0092B-C50C-407E-A947-70E740481C1C}">
-                <a14:useLocalDpi xmlns:a14="http://schemas.microsoft.com/office/drawing/2010/main" val="0"/>
-              </a:ext>
-            </a:extLst>
-          </a:blip>
-          <a:srcRect t="1538" b="-1538"/>
-          <a:stretch/>
-        </p:blipFill>
-        <p:spPr bwMode="black">
-          <a:xfrm>
-            <a:off x="0" y="6126480"/>
-            <a:ext cx="12192000" cy="742950"/>
-          </a:xfrm>
-          <a:prstGeom prst="rect">
-            <a:avLst/>
-          </a:prstGeom>
-        </p:spPr>
-      </p:pic>
-      <p:cxnSp>
-        <p:nvCxnSpPr>
-          <p:cNvPr id="31" name="Straight Connector 30">
-            <a:extLst>
-              <a:ext uri="{FF2B5EF4-FFF2-40B4-BE49-F238E27FC236}">
-                <a16:creationId xmlns:a16="http://schemas.microsoft.com/office/drawing/2014/main" id="{942D078B-EF20-4DB1-AA1B-87F212C56A9A}"/>
-              </a:ext>
-              <a:ext uri="{C183D7F6-B498-43B3-948B-1728B52AA6E4}">
-                <adec:decorative xmlns:adec="http://schemas.microsoft.com/office/drawing/2017/decorative" val="1"/>
-              </a:ext>
-            </a:extLst>
-          </p:cNvPr>
-          <p:cNvCxnSpPr>
-            <a:cxnSpLocks noGrp="1" noRot="1" noChangeAspect="1" noMove="1" noResize="1" noEditPoints="1" noAdjustHandles="1" noChangeArrowheads="1" noChangeShapeType="1"/>
-          </p:cNvCxnSpPr>
-          <p:nvPr>
-            <p:extLst>
-              <p:ext uri="{386F3935-93C4-4BCD-93E2-E3B085C9AB24}">
-                <p16:designElem xmlns:p16="http://schemas.microsoft.com/office/powerpoint/2015/main" val="1"/>
-              </p:ext>
-            </p:extLst>
-          </p:nvPr>
-        </p:nvCxnSpPr>
-        <p:spPr>
-          <a:xfrm>
-            <a:off x="0" y="6128413"/>
-            <a:ext cx="12192000" cy="0"/>
-          </a:xfrm>
-          <a:prstGeom prst="line">
-            <a:avLst/>
-          </a:prstGeom>
-          <a:ln w="12700">
-            <a:solidFill>
-              <a:srgbClr val="000001">
-                <a:alpha val="20000"/>
-              </a:srgbClr>
-            </a:solidFill>
-          </a:ln>
-        </p:spPr>
-        <p:style>
-          <a:lnRef idx="1">
-            <a:schemeClr val="accent1"/>
-          </a:lnRef>
-          <a:fillRef idx="0">
-            <a:schemeClr val="accent1"/>
-          </a:fillRef>
-          <a:effectRef idx="0">
-            <a:schemeClr val="accent1"/>
-          </a:effectRef>
-          <a:fontRef idx="minor">
-            <a:schemeClr val="tx1"/>
-          </a:fontRef>
-        </p:style>
-      </p:cxnSp>
-    </p:spTree>
-    <p:extLst>
-      <p:ext uri="{BB962C8B-B14F-4D97-AF65-F5344CB8AC3E}">
-        <p14:creationId xmlns:p14="http://schemas.microsoft.com/office/powerpoint/2010/main" val="1875434011"/>
-      </p:ext>
-    </p:extLst>
-  </p:cSld>
-  <p:clrMapOvr>
-    <a:masterClrMapping/>
-  </p:clrMapOvr>
-</p:sld>
-</file>
-
-<file path=ppt/slides/slide11.xml><?xml version="1.0" encoding="utf-8"?>
-<p:sld xmlns:a="http://schemas.openxmlformats.org/drawingml/2006/main" xmlns:r="http://schemas.openxmlformats.org/officeDocument/2006/relationships" xmlns:p="http://schemas.openxmlformats.org/presentationml/2006/main">
-  <p:cSld>
-    <p:spTree>
-      <p:nvGrpSpPr>
-        <p:cNvPr id="1" name=""/>
-        <p:cNvGrpSpPr/>
-        <p:nvPr/>
-      </p:nvGrpSpPr>
-      <p:grpSpPr>
-        <a:xfrm>
-          <a:off x="0" y="0"/>
-          <a:ext cx="0" cy="0"/>
-          <a:chOff x="0" y="0"/>
-          <a:chExt cx="0" cy="0"/>
-        </a:xfrm>
-      </p:grpSpPr>
       <p:sp>
         <p:nvSpPr>
           <p:cNvPr id="2" name="Title 1">
@@ -4307,7 +3848,7 @@
 </p:sld>
 </file>
 
-<file path=ppt/slides/slide12.xml><?xml version="1.0" encoding="utf-8"?>
+<file path=ppt/slides/slide11.xml><?xml version="1.0" encoding="utf-8"?>
 <p:sld xmlns:a="http://schemas.openxmlformats.org/drawingml/2006/main" xmlns:r="http://schemas.openxmlformats.org/officeDocument/2006/relationships" xmlns:p="http://schemas.openxmlformats.org/presentationml/2006/main">
   <p:cSld>
     <p:bg>
@@ -4448,7 +3989,7 @@
 </p:sld>
 </file>
 
-<file path=ppt/slides/slide13.xml><?xml version="1.0" encoding="utf-8"?>
+<file path=ppt/slides/slide12.xml><?xml version="1.0" encoding="utf-8"?>
 <p:sld xmlns:a="http://schemas.openxmlformats.org/drawingml/2006/main" xmlns:r="http://schemas.openxmlformats.org/officeDocument/2006/relationships" xmlns:p="http://schemas.openxmlformats.org/presentationml/2006/main">
   <p:cSld>
     <p:bg>
@@ -4545,7 +4086,7 @@
 </p:sld>
 </file>
 
-<file path=ppt/slides/slide14.xml><?xml version="1.0" encoding="utf-8"?>
+<file path=ppt/slides/slide13.xml><?xml version="1.0" encoding="utf-8"?>
 <p:sld xmlns:a="http://schemas.openxmlformats.org/drawingml/2006/main" xmlns:r="http://schemas.openxmlformats.org/officeDocument/2006/relationships" xmlns:p="http://schemas.openxmlformats.org/presentationml/2006/main">
   <p:cSld>
     <p:bg>
@@ -4868,6 +4409,12 @@
           <a:p>
             <a:r>
               <a:rPr lang="en-US" dirty="0"/>
+              <a:t>What are the common metrics for the average home purchase</a:t>
+            </a:r>
+          </a:p>
+          <a:p>
+            <a:r>
+              <a:rPr lang="en-US" dirty="0"/>
               <a:t>Create bins of data to represent common breakpoints</a:t>
             </a:r>
           </a:p>
@@ -4886,8 +4433,17 @@
           <a:p>
             <a:r>
               <a:rPr lang="en-US" dirty="0"/>
-              <a:t>What are the common metrics for the average home purchase</a:t>
-            </a:r>
+              <a:t>Identify/Eliminate outliers</a:t>
+            </a:r>
+          </a:p>
+          <a:p>
+            <a:r>
+              <a:rPr lang="en-US" dirty="0"/>
+              <a:t>Using median or mean?</a:t>
+            </a:r>
+          </a:p>
+          <a:p>
+            <a:endParaRPr lang="en-US" dirty="0"/>
           </a:p>
           <a:p>
             <a:endParaRPr lang="en-US" dirty="0"/>
@@ -4938,107 +4494,6 @@
           <p:cNvPr id="2" name="Title 1">
             <a:extLst>
               <a:ext uri="{FF2B5EF4-FFF2-40B4-BE49-F238E27FC236}">
-                <a16:creationId xmlns:a16="http://schemas.microsoft.com/office/drawing/2014/main" id="{85E105E1-C60D-453C-93B5-0379989DBFAE}"/>
-              </a:ext>
-            </a:extLst>
-          </p:cNvPr>
-          <p:cNvSpPr>
-            <a:spLocks noGrp="1"/>
-          </p:cNvSpPr>
-          <p:nvPr>
-            <p:ph type="title"/>
-          </p:nvPr>
-        </p:nvSpPr>
-        <p:spPr/>
-        <p:txBody>
-          <a:bodyPr/>
-          <a:lstStyle/>
-          <a:p>
-            <a:r>
-              <a:rPr lang="en-US" dirty="0"/>
-              <a:t>Other Considerations</a:t>
-            </a:r>
-          </a:p>
-        </p:txBody>
-      </p:sp>
-      <p:sp>
-        <p:nvSpPr>
-          <p:cNvPr id="3" name="Content Placeholder 2">
-            <a:extLst>
-              <a:ext uri="{FF2B5EF4-FFF2-40B4-BE49-F238E27FC236}">
-                <a16:creationId xmlns:a16="http://schemas.microsoft.com/office/drawing/2014/main" id="{6F265398-4837-44E6-8A31-ED2337A7C5B6}"/>
-              </a:ext>
-            </a:extLst>
-          </p:cNvPr>
-          <p:cNvSpPr>
-            <a:spLocks noGrp="1"/>
-          </p:cNvSpPr>
-          <p:nvPr>
-            <p:ph idx="1"/>
-          </p:nvPr>
-        </p:nvSpPr>
-        <p:spPr/>
-        <p:txBody>
-          <a:bodyPr/>
-          <a:lstStyle/>
-          <a:p>
-            <a:r>
-              <a:rPr lang="en-US" dirty="0"/>
-              <a:t>Identify/Eliminate outliers</a:t>
-            </a:r>
-          </a:p>
-          <a:p>
-            <a:r>
-              <a:rPr lang="en-US" dirty="0"/>
-              <a:t>Using median or mean?</a:t>
-            </a:r>
-          </a:p>
-          <a:p>
-            <a:r>
-              <a:rPr lang="en-US" dirty="0"/>
-              <a:t>Which charts are most helpful visual aides</a:t>
-            </a:r>
-          </a:p>
-          <a:p>
-            <a:endParaRPr lang="en-US" dirty="0"/>
-          </a:p>
-        </p:txBody>
-      </p:sp>
-    </p:spTree>
-    <p:extLst>
-      <p:ext uri="{BB962C8B-B14F-4D97-AF65-F5344CB8AC3E}">
-        <p14:creationId xmlns:p14="http://schemas.microsoft.com/office/powerpoint/2010/main" val="733441395"/>
-      </p:ext>
-    </p:extLst>
-  </p:cSld>
-  <p:clrMapOvr>
-    <a:masterClrMapping/>
-  </p:clrMapOvr>
-</p:sld>
-</file>
-
-<file path=ppt/slides/slide5.xml><?xml version="1.0" encoding="utf-8"?>
-<p:sld xmlns:a="http://schemas.openxmlformats.org/drawingml/2006/main" xmlns:r="http://schemas.openxmlformats.org/officeDocument/2006/relationships" xmlns:p="http://schemas.openxmlformats.org/presentationml/2006/main">
-  <p:cSld>
-    <p:spTree>
-      <p:nvGrpSpPr>
-        <p:cNvPr id="1" name=""/>
-        <p:cNvGrpSpPr/>
-        <p:nvPr/>
-      </p:nvGrpSpPr>
-      <p:grpSpPr>
-        <a:xfrm>
-          <a:off x="0" y="0"/>
-          <a:ext cx="0" cy="0"/>
-          <a:chOff x="0" y="0"/>
-          <a:chExt cx="0" cy="0"/>
-        </a:xfrm>
-      </p:grpSpPr>
-      <p:sp>
-        <p:nvSpPr>
-          <p:cNvPr id="2" name="Title 1">
-            <a:extLst>
-              <a:ext uri="{FF2B5EF4-FFF2-40B4-BE49-F238E27FC236}">
                 <a16:creationId xmlns:a16="http://schemas.microsoft.com/office/drawing/2014/main" id="{93BEE138-E77B-4A4A-9A71-DBCAF28D386F}"/>
               </a:ext>
             </a:extLst>
@@ -5097,7 +4552,7 @@
           <a:p>
             <a:r>
               <a:rPr lang="en-US" dirty="0"/>
-              <a:t>Finally, a conclusion is drawn from all the data we created throughout this project with the assistance of the graphs that have been created to present to the client as the most average property. </a:t>
+              <a:t>Finally, our conclusions are presented to the client </a:t>
             </a:r>
           </a:p>
         </p:txBody>
@@ -5115,7 +4570,7 @@
 </p:sld>
 </file>
 
-<file path=ppt/slides/slide6.xml><?xml version="1.0" encoding="utf-8"?>
+<file path=ppt/slides/slide5.xml><?xml version="1.0" encoding="utf-8"?>
 <p:sld xmlns:a="http://schemas.openxmlformats.org/drawingml/2006/main" xmlns:r="http://schemas.openxmlformats.org/officeDocument/2006/relationships" xmlns:p="http://schemas.openxmlformats.org/presentationml/2006/main">
   <p:cSld>
     <p:bg>
@@ -5270,6 +4725,478 @@
     <p:extLst>
       <p:ext uri="{BB962C8B-B14F-4D97-AF65-F5344CB8AC3E}">
         <p14:creationId xmlns:p14="http://schemas.microsoft.com/office/powerpoint/2010/main" val="1437048862"/>
+      </p:ext>
+    </p:extLst>
+  </p:cSld>
+  <p:clrMapOvr>
+    <a:masterClrMapping/>
+  </p:clrMapOvr>
+</p:sld>
+</file>
+
+<file path=ppt/slides/slide6.xml><?xml version="1.0" encoding="utf-8"?>
+<p:sld xmlns:a="http://schemas.openxmlformats.org/drawingml/2006/main" xmlns:r="http://schemas.openxmlformats.org/officeDocument/2006/relationships" xmlns:p="http://schemas.openxmlformats.org/presentationml/2006/main">
+  <p:cSld>
+    <p:bg>
+      <p:bgPr>
+        <a:gradFill rotWithShape="1">
+          <a:gsLst>
+            <a:gs pos="0">
+              <a:schemeClr val="bg2">
+                <a:tint val="94000"/>
+                <a:satMod val="80000"/>
+                <a:lumMod val="106000"/>
+              </a:schemeClr>
+            </a:gs>
+            <a:gs pos="100000">
+              <a:schemeClr val="bg2">
+                <a:shade val="80000"/>
+              </a:schemeClr>
+            </a:gs>
+          </a:gsLst>
+          <a:path path="circle">
+            <a:fillToRect l="43000" r="43000" b="100000"/>
+          </a:path>
+        </a:gradFill>
+        <a:effectLst/>
+      </p:bgPr>
+    </p:bg>
+    <p:spTree>
+      <p:nvGrpSpPr>
+        <p:cNvPr id="1" name=""/>
+        <p:cNvGrpSpPr/>
+        <p:nvPr/>
+      </p:nvGrpSpPr>
+      <p:grpSpPr>
+        <a:xfrm>
+          <a:off x="0" y="0"/>
+          <a:ext cx="0" cy="0"/>
+          <a:chOff x="0" y="0"/>
+          <a:chExt cx="0" cy="0"/>
+        </a:xfrm>
+      </p:grpSpPr>
+      <p:sp useBgFill="1">
+        <p:nvSpPr>
+          <p:cNvPr id="10" name="Rectangle 9">
+            <a:extLst>
+              <a:ext uri="{FF2B5EF4-FFF2-40B4-BE49-F238E27FC236}">
+                <a16:creationId xmlns:a16="http://schemas.microsoft.com/office/drawing/2014/main" id="{35C3D674-3D59-4E93-80CA-0C0A9095E816}"/>
+              </a:ext>
+              <a:ext uri="{C183D7F6-B498-43B3-948B-1728B52AA6E4}">
+                <adec:decorative xmlns:adec="http://schemas.microsoft.com/office/drawing/2017/decorative" val="1"/>
+              </a:ext>
+            </a:extLst>
+          </p:cNvPr>
+          <p:cNvSpPr>
+            <a:spLocks noGrp="1" noRot="1" noChangeAspect="1" noMove="1" noResize="1" noEditPoints="1" noAdjustHandles="1" noChangeArrowheads="1" noChangeShapeType="1" noTextEdit="1"/>
+          </p:cNvSpPr>
+          <p:nvPr>
+            <p:extLst>
+              <p:ext uri="{386F3935-93C4-4BCD-93E2-E3B085C9AB24}">
+                <p16:designElem xmlns:p16="http://schemas.microsoft.com/office/powerpoint/2015/main" val="1"/>
+              </p:ext>
+            </p:extLst>
+          </p:nvPr>
+        </p:nvSpPr>
+        <p:spPr>
+          <a:xfrm>
+            <a:off x="2" y="0"/>
+            <a:ext cx="12191695" cy="6858000"/>
+          </a:xfrm>
+          <a:prstGeom prst="rect">
+            <a:avLst/>
+          </a:prstGeom>
+          <a:ln>
+            <a:noFill/>
+          </a:ln>
+        </p:spPr>
+        <p:style>
+          <a:lnRef idx="2">
+            <a:schemeClr val="accent1">
+              <a:shade val="50000"/>
+            </a:schemeClr>
+          </a:lnRef>
+          <a:fillRef idx="1">
+            <a:schemeClr val="accent1"/>
+          </a:fillRef>
+          <a:effectRef idx="0">
+            <a:schemeClr val="accent1"/>
+          </a:effectRef>
+          <a:fontRef idx="minor">
+            <a:schemeClr val="lt1"/>
+          </a:fontRef>
+        </p:style>
+        <p:txBody>
+          <a:bodyPr rtlCol="0" anchor="ctr"/>
+          <a:lstStyle/>
+          <a:p>
+            <a:pPr algn="ctr"/>
+            <a:endParaRPr lang="en-US"/>
+          </a:p>
+        </p:txBody>
+      </p:sp>
+      <p:cxnSp>
+        <p:nvCxnSpPr>
+          <p:cNvPr id="12" name="Straight Connector 11">
+            <a:extLst>
+              <a:ext uri="{FF2B5EF4-FFF2-40B4-BE49-F238E27FC236}">
+                <a16:creationId xmlns:a16="http://schemas.microsoft.com/office/drawing/2014/main" id="{C884B8F8-FDC9-498B-9960-5D7260AFCB03}"/>
+              </a:ext>
+              <a:ext uri="{C183D7F6-B498-43B3-948B-1728B52AA6E4}">
+                <adec:decorative xmlns:adec="http://schemas.microsoft.com/office/drawing/2017/decorative" val="1"/>
+              </a:ext>
+            </a:extLst>
+          </p:cNvPr>
+          <p:cNvCxnSpPr>
+            <a:cxnSpLocks noGrp="1" noRot="1" noChangeAspect="1" noMove="1" noResize="1" noEditPoints="1" noAdjustHandles="1" noChangeArrowheads="1" noChangeShapeType="1"/>
+          </p:cNvCxnSpPr>
+          <p:nvPr>
+            <p:extLst>
+              <p:ext uri="{386F3935-93C4-4BCD-93E2-E3B085C9AB24}">
+                <p16:designElem xmlns:p16="http://schemas.microsoft.com/office/powerpoint/2015/main" val="1"/>
+              </p:ext>
+            </p:extLst>
+          </p:nvPr>
+        </p:nvCxnSpPr>
+        <p:spPr>
+          <a:xfrm>
+            <a:off x="1453896" y="1847088"/>
+            <a:ext cx="4177373" cy="0"/>
+          </a:xfrm>
+          <a:prstGeom prst="line">
+            <a:avLst/>
+          </a:prstGeom>
+          <a:ln w="31750"/>
+        </p:spPr>
+        <p:style>
+          <a:lnRef idx="3">
+            <a:schemeClr val="accent1"/>
+          </a:lnRef>
+          <a:fillRef idx="0">
+            <a:schemeClr val="accent1"/>
+          </a:fillRef>
+          <a:effectRef idx="2">
+            <a:schemeClr val="accent1"/>
+          </a:effectRef>
+          <a:fontRef idx="minor">
+            <a:schemeClr val="tx1"/>
+          </a:fontRef>
+        </p:style>
+      </p:cxnSp>
+      <p:sp>
+        <p:nvSpPr>
+          <p:cNvPr id="2" name="Title 1">
+            <a:extLst>
+              <a:ext uri="{FF2B5EF4-FFF2-40B4-BE49-F238E27FC236}">
+                <a16:creationId xmlns:a16="http://schemas.microsoft.com/office/drawing/2014/main" id="{8FA5CAD1-8334-4964-B1B8-54AA01AB69B0}"/>
+              </a:ext>
+            </a:extLst>
+          </p:cNvPr>
+          <p:cNvSpPr>
+            <a:spLocks noGrp="1"/>
+          </p:cNvSpPr>
+          <p:nvPr>
+            <p:ph type="title"/>
+          </p:nvPr>
+        </p:nvSpPr>
+        <p:spPr>
+          <a:xfrm>
+            <a:off x="1451580" y="804520"/>
+            <a:ext cx="4176511" cy="1049235"/>
+          </a:xfrm>
+        </p:spPr>
+        <p:txBody>
+          <a:bodyPr>
+            <a:normAutofit/>
+          </a:bodyPr>
+          <a:lstStyle/>
+          <a:p>
+            <a:r>
+              <a:rPr lang="en-US" sz="3000"/>
+              <a:t>Making the Scatter plot graph:</a:t>
+            </a:r>
+          </a:p>
+        </p:txBody>
+      </p:sp>
+      <p:sp>
+        <p:nvSpPr>
+          <p:cNvPr id="14" name="Rectangle 13">
+            <a:extLst>
+              <a:ext uri="{FF2B5EF4-FFF2-40B4-BE49-F238E27FC236}">
+                <a16:creationId xmlns:a16="http://schemas.microsoft.com/office/drawing/2014/main" id="{EF2A81E1-BCBE-426B-8C09-33274E69409D}"/>
+              </a:ext>
+              <a:ext uri="{C183D7F6-B498-43B3-948B-1728B52AA6E4}">
+                <adec:decorative xmlns:adec="http://schemas.microsoft.com/office/drawing/2017/decorative" val="1"/>
+              </a:ext>
+            </a:extLst>
+          </p:cNvPr>
+          <p:cNvSpPr>
+            <a:spLocks noGrp="1" noRot="1" noChangeAspect="1" noMove="1" noResize="1" noEditPoints="1" noAdjustHandles="1" noChangeArrowheads="1" noChangeShapeType="1" noTextEdit="1"/>
+          </p:cNvSpPr>
+          <p:nvPr>
+            <p:extLst>
+              <p:ext uri="{386F3935-93C4-4BCD-93E2-E3B085C9AB24}">
+                <p16:designElem xmlns:p16="http://schemas.microsoft.com/office/powerpoint/2015/main" val="1"/>
+              </p:ext>
+            </p:extLst>
+          </p:nvPr>
+        </p:nvSpPr>
+        <p:spPr>
+          <a:xfrm>
+            <a:off x="0" y="2019476"/>
+            <a:ext cx="12192000" cy="4105941"/>
+          </a:xfrm>
+          <a:prstGeom prst="rect">
+            <a:avLst/>
+          </a:prstGeom>
+          <a:gradFill flip="none" rotWithShape="1">
+            <a:gsLst>
+              <a:gs pos="0">
+                <a:schemeClr val="bg2">
+                  <a:alpha val="0"/>
+                </a:schemeClr>
+              </a:gs>
+              <a:gs pos="100000">
+                <a:schemeClr val="bg2"/>
+              </a:gs>
+            </a:gsLst>
+            <a:lin ang="5400000" scaled="0"/>
+            <a:tileRect/>
+          </a:gradFill>
+          <a:ln>
+            <a:noFill/>
+          </a:ln>
+        </p:spPr>
+        <p:style>
+          <a:lnRef idx="2">
+            <a:schemeClr val="accent1">
+              <a:shade val="50000"/>
+            </a:schemeClr>
+          </a:lnRef>
+          <a:fillRef idx="1">
+            <a:schemeClr val="accent1"/>
+          </a:fillRef>
+          <a:effectRef idx="0">
+            <a:schemeClr val="accent1"/>
+          </a:effectRef>
+          <a:fontRef idx="minor">
+            <a:schemeClr val="lt1"/>
+          </a:fontRef>
+        </p:style>
+        <p:txBody>
+          <a:bodyPr rtlCol="0" anchor="ctr"/>
+          <a:lstStyle/>
+          <a:p>
+            <a:pPr lvl="0" algn="ctr"/>
+            <a:endParaRPr lang="en-US"/>
+          </a:p>
+        </p:txBody>
+      </p:sp>
+      <p:sp>
+        <p:nvSpPr>
+          <p:cNvPr id="3" name="Content Placeholder 2">
+            <a:extLst>
+              <a:ext uri="{FF2B5EF4-FFF2-40B4-BE49-F238E27FC236}">
+                <a16:creationId xmlns:a16="http://schemas.microsoft.com/office/drawing/2014/main" id="{7BDF0368-FDE4-492C-BE4F-7ADDCC03CEA7}"/>
+              </a:ext>
+            </a:extLst>
+          </p:cNvPr>
+          <p:cNvSpPr>
+            <a:spLocks noGrp="1"/>
+          </p:cNvSpPr>
+          <p:nvPr>
+            <p:ph idx="1"/>
+          </p:nvPr>
+        </p:nvSpPr>
+        <p:spPr>
+          <a:xfrm>
+            <a:off x="1451581" y="2015732"/>
+            <a:ext cx="4172212" cy="3450613"/>
+          </a:xfrm>
+        </p:spPr>
+        <p:txBody>
+          <a:bodyPr>
+            <a:normAutofit/>
+          </a:bodyPr>
+          <a:lstStyle/>
+          <a:p>
+            <a:pPr>
+              <a:lnSpc>
+                <a:spcPct val="110000"/>
+              </a:lnSpc>
+            </a:pPr>
+            <a:r>
+              <a:rPr lang="en-US" sz="1600"/>
+              <a:t>A graph from square foot to its price was first created. </a:t>
+            </a:r>
+          </a:p>
+          <a:p>
+            <a:pPr>
+              <a:lnSpc>
+                <a:spcPct val="110000"/>
+              </a:lnSpc>
+            </a:pPr>
+            <a:r>
+              <a:rPr lang="en-US" sz="1600"/>
+              <a:t>This shows how more people would settle around the 1000-2000 square foot mark and pay around $200,000-$300,000 range.</a:t>
+            </a:r>
+          </a:p>
+          <a:p>
+            <a:pPr>
+              <a:lnSpc>
+                <a:spcPct val="110000"/>
+              </a:lnSpc>
+            </a:pPr>
+            <a:r>
+              <a:rPr lang="en-US" sz="1600"/>
+              <a:t>It becomes less popular to buy housing that is around $400,000 - $600,000 range when the square foot amount increases.</a:t>
+            </a:r>
+          </a:p>
+          <a:p>
+            <a:pPr>
+              <a:lnSpc>
+                <a:spcPct val="110000"/>
+              </a:lnSpc>
+            </a:pPr>
+            <a:r>
+              <a:rPr lang="en-US" sz="1600"/>
+              <a:t>Our client is willing to purchase a house that is about $207,000 and is about 1500 Square feet after viewing the data.</a:t>
+            </a:r>
+          </a:p>
+        </p:txBody>
+      </p:sp>
+      <p:pic>
+        <p:nvPicPr>
+          <p:cNvPr id="5" name="Picture 4">
+            <a:extLst>
+              <a:ext uri="{FF2B5EF4-FFF2-40B4-BE49-F238E27FC236}">
+                <a16:creationId xmlns:a16="http://schemas.microsoft.com/office/drawing/2014/main" id="{48A4900D-CE09-4356-9807-EFE503FAD43D}"/>
+              </a:ext>
+            </a:extLst>
+          </p:cNvPr>
+          <p:cNvPicPr>
+            <a:picLocks noChangeAspect="1"/>
+          </p:cNvPicPr>
+          <p:nvPr/>
+        </p:nvPicPr>
+        <p:blipFill>
+          <a:blip r:embed="rId2"/>
+          <a:stretch>
+            <a:fillRect/>
+          </a:stretch>
+        </p:blipFill>
+        <p:spPr>
+          <a:xfrm>
+            <a:off x="6094411" y="1319202"/>
+            <a:ext cx="4960442" cy="3633524"/>
+          </a:xfrm>
+          <a:prstGeom prst="rect">
+            <a:avLst/>
+          </a:prstGeom>
+        </p:spPr>
+      </p:pic>
+      <p:pic>
+        <p:nvPicPr>
+          <p:cNvPr id="16" name="Picture 15">
+            <a:extLst>
+              <a:ext uri="{FF2B5EF4-FFF2-40B4-BE49-F238E27FC236}">
+                <a16:creationId xmlns:a16="http://schemas.microsoft.com/office/drawing/2014/main" id="{39D1DDD4-5BB3-45BA-B9B3-06B62299AD79}"/>
+              </a:ext>
+              <a:ext uri="{C183D7F6-B498-43B3-948B-1728B52AA6E4}">
+                <adec:decorative xmlns:adec="http://schemas.microsoft.com/office/drawing/2017/decorative" val="1"/>
+              </a:ext>
+            </a:extLst>
+          </p:cNvPr>
+          <p:cNvPicPr>
+            <a:picLocks noGrp="1" noRot="1" noChangeAspect="1" noMove="1" noResize="1" noEditPoints="1" noAdjustHandles="1" noChangeArrowheads="1" noChangeShapeType="1" noCrop="1"/>
+          </p:cNvPicPr>
+          <p:nvPr>
+            <p:extLst>
+              <p:ext uri="{386F3935-93C4-4BCD-93E2-E3B085C9AB24}">
+                <p16:designElem xmlns:p16="http://schemas.microsoft.com/office/powerpoint/2015/main" val="1"/>
+              </p:ext>
+            </p:extLst>
+          </p:nvPr>
+        </p:nvPicPr>
+        <p:blipFill rotWithShape="1">
+          <a:blip r:embed="rId3">
+            <a:extLst>
+              <a:ext uri="{28A0092B-C50C-407E-A947-70E740481C1C}">
+                <a14:useLocalDpi xmlns:a14="http://schemas.microsoft.com/office/drawing/2010/main" val="0"/>
+              </a:ext>
+            </a:extLst>
+          </a:blip>
+          <a:srcRect t="1538" b="-1538"/>
+          <a:stretch/>
+        </p:blipFill>
+        <p:spPr bwMode="black">
+          <a:xfrm>
+            <a:off x="0" y="6126480"/>
+            <a:ext cx="12192000" cy="742950"/>
+          </a:xfrm>
+          <a:prstGeom prst="rect">
+            <a:avLst/>
+          </a:prstGeom>
+        </p:spPr>
+      </p:pic>
+      <p:cxnSp>
+        <p:nvCxnSpPr>
+          <p:cNvPr id="18" name="Straight Connector 17">
+            <a:extLst>
+              <a:ext uri="{FF2B5EF4-FFF2-40B4-BE49-F238E27FC236}">
+                <a16:creationId xmlns:a16="http://schemas.microsoft.com/office/drawing/2014/main" id="{A24DAE64-2302-42EA-8239-F2F0775CA5AD}"/>
+              </a:ext>
+              <a:ext uri="{C183D7F6-B498-43B3-948B-1728B52AA6E4}">
+                <adec:decorative xmlns:adec="http://schemas.microsoft.com/office/drawing/2017/decorative" val="1"/>
+              </a:ext>
+            </a:extLst>
+          </p:cNvPr>
+          <p:cNvCxnSpPr>
+            <a:cxnSpLocks noGrp="1" noRot="1" noChangeAspect="1" noMove="1" noResize="1" noEditPoints="1" noAdjustHandles="1" noChangeArrowheads="1" noChangeShapeType="1"/>
+          </p:cNvCxnSpPr>
+          <p:nvPr>
+            <p:extLst>
+              <p:ext uri="{386F3935-93C4-4BCD-93E2-E3B085C9AB24}">
+                <p16:designElem xmlns:p16="http://schemas.microsoft.com/office/powerpoint/2015/main" val="1"/>
+              </p:ext>
+            </p:extLst>
+          </p:nvPr>
+        </p:nvCxnSpPr>
+        <p:spPr>
+          <a:xfrm>
+            <a:off x="0" y="6128413"/>
+            <a:ext cx="12192000" cy="0"/>
+          </a:xfrm>
+          <a:prstGeom prst="line">
+            <a:avLst/>
+          </a:prstGeom>
+          <a:ln w="12700">
+            <a:solidFill>
+              <a:srgbClr val="000001">
+                <a:alpha val="20000"/>
+              </a:srgbClr>
+            </a:solidFill>
+          </a:ln>
+        </p:spPr>
+        <p:style>
+          <a:lnRef idx="1">
+            <a:schemeClr val="accent1"/>
+          </a:lnRef>
+          <a:fillRef idx="0">
+            <a:schemeClr val="accent1"/>
+          </a:fillRef>
+          <a:effectRef idx="0">
+            <a:schemeClr val="accent1"/>
+          </a:effectRef>
+          <a:fontRef idx="minor">
+            <a:schemeClr val="tx1"/>
+          </a:fontRef>
+        </p:style>
+      </p:cxnSp>
+    </p:spTree>
+    <p:extLst>
+      <p:ext uri="{BB962C8B-B14F-4D97-AF65-F5344CB8AC3E}">
+        <p14:creationId xmlns:p14="http://schemas.microsoft.com/office/powerpoint/2010/main" val="808509503"/>
       </p:ext>
     </p:extLst>
   </p:cSld>
@@ -5322,10 +5249,10 @@
       </p:grpSpPr>
       <p:sp useBgFill="1">
         <p:nvSpPr>
-          <p:cNvPr id="10" name="Rectangle 9">
+          <p:cNvPr id="23" name="Rectangle 22">
             <a:extLst>
               <a:ext uri="{FF2B5EF4-FFF2-40B4-BE49-F238E27FC236}">
-                <a16:creationId xmlns:a16="http://schemas.microsoft.com/office/drawing/2014/main" id="{35C3D674-3D59-4E93-80CA-0C0A9095E816}"/>
+                <a16:creationId xmlns:a16="http://schemas.microsoft.com/office/drawing/2014/main" id="{742C14A9-3617-46DD-9FC4-ED828A7D3E6F}"/>
               </a:ext>
               <a:ext uri="{C183D7F6-B498-43B3-948B-1728B52AA6E4}">
                 <adec:decorative xmlns:adec="http://schemas.microsoft.com/office/drawing/2017/decorative" val="1"/>
@@ -5382,10 +5309,10 @@
       </p:sp>
       <p:cxnSp>
         <p:nvCxnSpPr>
-          <p:cNvPr id="12" name="Straight Connector 11">
+          <p:cNvPr id="25" name="Straight Connector 24">
             <a:extLst>
               <a:ext uri="{FF2B5EF4-FFF2-40B4-BE49-F238E27FC236}">
-                <a16:creationId xmlns:a16="http://schemas.microsoft.com/office/drawing/2014/main" id="{C884B8F8-FDC9-498B-9960-5D7260AFCB03}"/>
+                <a16:creationId xmlns:a16="http://schemas.microsoft.com/office/drawing/2014/main" id="{19AB0109-1C89-41F0-9EDF-3DE017BE3F27}"/>
               </a:ext>
               <a:ext uri="{C183D7F6-B498-43B3-948B-1728B52AA6E4}">
                 <adec:decorative xmlns:adec="http://schemas.microsoft.com/office/drawing/2017/decorative" val="1"/>
@@ -5405,8 +5332,8 @@
         </p:nvCxnSpPr>
         <p:spPr>
           <a:xfrm>
-            <a:off x="1453896" y="1847088"/>
-            <a:ext cx="4177373" cy="0"/>
+            <a:off x="1453897" y="1847088"/>
+            <a:ext cx="5548039" cy="0"/>
           </a:xfrm>
           <a:prstGeom prst="line">
             <a:avLst/>
@@ -5433,7 +5360,7 @@
           <p:cNvPr id="2" name="Title 1">
             <a:extLst>
               <a:ext uri="{FF2B5EF4-FFF2-40B4-BE49-F238E27FC236}">
-                <a16:creationId xmlns:a16="http://schemas.microsoft.com/office/drawing/2014/main" id="{8FA5CAD1-8334-4964-B1B8-54AA01AB69B0}"/>
+                <a16:creationId xmlns:a16="http://schemas.microsoft.com/office/drawing/2014/main" id="{94C1FA4F-3934-486A-9658-6C0A58E785F6}"/>
               </a:ext>
             </a:extLst>
           </p:cNvPr>
@@ -5446,8 +5373,8 @@
         </p:nvSpPr>
         <p:spPr>
           <a:xfrm>
-            <a:off x="1451580" y="804520"/>
-            <a:ext cx="4176511" cy="1049235"/>
+            <a:off x="1451579" y="804519"/>
+            <a:ext cx="5550357" cy="1049235"/>
           </a:xfrm>
         </p:spPr>
         <p:txBody>
@@ -5457,18 +5384,18 @@
           <a:lstStyle/>
           <a:p>
             <a:r>
-              <a:rPr lang="en-US" sz="3000"/>
-              <a:t>Making the Scatter plot graph:</a:t>
-            </a:r>
-          </a:p>
-        </p:txBody>
-      </p:sp>
-      <p:sp>
-        <p:nvSpPr>
-          <p:cNvPr id="14" name="Rectangle 13">
+              <a:rPr lang="en-US" dirty="0"/>
+              <a:t>Making a bar graph</a:t>
+            </a:r>
+          </a:p>
+        </p:txBody>
+      </p:sp>
+      <p:sp>
+        <p:nvSpPr>
+          <p:cNvPr id="27" name="Rectangle 26">
             <a:extLst>
               <a:ext uri="{FF2B5EF4-FFF2-40B4-BE49-F238E27FC236}">
-                <a16:creationId xmlns:a16="http://schemas.microsoft.com/office/drawing/2014/main" id="{EF2A81E1-BCBE-426B-8C09-33274E69409D}"/>
+                <a16:creationId xmlns:a16="http://schemas.microsoft.com/office/drawing/2014/main" id="{19E5CB6C-D5A1-44AB-BAD0-E76C67ED2802}"/>
               </a:ext>
               <a:ext uri="{C183D7F6-B498-43B3-948B-1728B52AA6E4}">
                 <adec:decorative xmlns:adec="http://schemas.microsoft.com/office/drawing/2017/decorative" val="1"/>
@@ -5542,7 +5469,7 @@
           <p:cNvPr id="3" name="Content Placeholder 2">
             <a:extLst>
               <a:ext uri="{FF2B5EF4-FFF2-40B4-BE49-F238E27FC236}">
-                <a16:creationId xmlns:a16="http://schemas.microsoft.com/office/drawing/2014/main" id="{7BDF0368-FDE4-492C-BE4F-7ADDCC03CEA7}"/>
+                <a16:creationId xmlns:a16="http://schemas.microsoft.com/office/drawing/2014/main" id="{EE5DA0D3-D037-4BAF-BF66-0434CEB5E911}"/>
               </a:ext>
             </a:extLst>
           </p:cNvPr>
@@ -5555,8 +5482,8 @@
         </p:nvSpPr>
         <p:spPr>
           <a:xfrm>
-            <a:off x="1451581" y="2015732"/>
-            <a:ext cx="4172212" cy="3450613"/>
+            <a:off x="1451579" y="2015732"/>
+            <a:ext cx="5550357" cy="3450613"/>
           </a:xfrm>
         </p:spPr>
         <p:txBody>
@@ -5571,8 +5498,8 @@
               </a:lnSpc>
             </a:pPr>
             <a:r>
-              <a:rPr lang="en-US" sz="1600"/>
-              <a:t>A graph from square foot to its price was first created. </a:t>
+              <a:rPr lang="en-US" sz="1700"/>
+              <a:t>A bar graph was used to depict the occurrences of purchase of houses and their price range.</a:t>
             </a:r>
           </a:p>
           <a:p>
@@ -5582,8 +5509,8 @@
               </a:lnSpc>
             </a:pPr>
             <a:r>
-              <a:rPr lang="en-US" sz="1600"/>
-              <a:t>This shows how more people would settle around the 1000-2000 square foot mark and pay around $200,000-$300,000 range.</a:t>
+              <a:rPr lang="en-US" sz="1700"/>
+              <a:t>Information about how many purchases were made Per square foot.</a:t>
             </a:r>
           </a:p>
           <a:p>
@@ -5593,8 +5520,8 @@
               </a:lnSpc>
             </a:pPr>
             <a:r>
-              <a:rPr lang="en-US" sz="1600"/>
-              <a:t>It becomes less popular to buy housing that is around $400,000 - $600,000 range when the square foot amount increases.</a:t>
+              <a:rPr lang="en-US" sz="1700"/>
+              <a:t>Information about purchases per zip code was also presented. </a:t>
             </a:r>
           </a:p>
           <a:p>
@@ -5604,18 +5531,40 @@
               </a:lnSpc>
             </a:pPr>
             <a:r>
-              <a:rPr lang="en-US" sz="1600"/>
-              <a:t>Our client is willing to purchase a house that is about $207,000 and is about 1500 Square feet after viewing the data.</a:t>
+              <a:rPr lang="en-US" sz="1700"/>
+              <a:t>A bar graph for purchases per day was then created.</a:t>
+            </a:r>
+          </a:p>
+          <a:p>
+            <a:pPr>
+              <a:lnSpc>
+                <a:spcPct val="110000"/>
+              </a:lnSpc>
+            </a:pPr>
+            <a:r>
+              <a:rPr lang="en-US" sz="1700"/>
+              <a:t>Another bar graph was made for bedroom count.</a:t>
+            </a:r>
+          </a:p>
+          <a:p>
+            <a:pPr>
+              <a:lnSpc>
+                <a:spcPct val="110000"/>
+              </a:lnSpc>
+            </a:pPr>
+            <a:r>
+              <a:rPr lang="en-US" sz="1700"/>
+              <a:t>The client was willing to buy a house with 3 Bedrooms</a:t>
             </a:r>
           </a:p>
         </p:txBody>
       </p:sp>
       <p:pic>
         <p:nvPicPr>
-          <p:cNvPr id="5" name="Picture 4">
+          <p:cNvPr id="7" name="Picture 6">
             <a:extLst>
               <a:ext uri="{FF2B5EF4-FFF2-40B4-BE49-F238E27FC236}">
-                <a16:creationId xmlns:a16="http://schemas.microsoft.com/office/drawing/2014/main" id="{48A4900D-CE09-4356-9807-EFE503FAD43D}"/>
+                <a16:creationId xmlns:a16="http://schemas.microsoft.com/office/drawing/2014/main" id="{FE04961E-CEB1-466C-A0F0-CA477A174066}"/>
               </a:ext>
             </a:extLst>
           </p:cNvPr>
@@ -5632,8 +5581,8 @@
         </p:blipFill>
         <p:spPr>
           <a:xfrm>
-            <a:off x="6094411" y="1319202"/>
-            <a:ext cx="4960442" cy="3633524"/>
+            <a:off x="7473594" y="586108"/>
+            <a:ext cx="4074836" cy="2281908"/>
           </a:xfrm>
           <a:prstGeom prst="rect">
             <a:avLst/>
@@ -5642,10 +5591,40 @@
       </p:pic>
       <p:pic>
         <p:nvPicPr>
-          <p:cNvPr id="16" name="Picture 15">
+          <p:cNvPr id="5" name="Picture 4">
             <a:extLst>
               <a:ext uri="{FF2B5EF4-FFF2-40B4-BE49-F238E27FC236}">
-                <a16:creationId xmlns:a16="http://schemas.microsoft.com/office/drawing/2014/main" id="{39D1DDD4-5BB3-45BA-B9B3-06B62299AD79}"/>
+                <a16:creationId xmlns:a16="http://schemas.microsoft.com/office/drawing/2014/main" id="{47AD8674-25E1-43B7-BC50-E5722CC32046}"/>
+              </a:ext>
+            </a:extLst>
+          </p:cNvPr>
+          <p:cNvPicPr>
+            <a:picLocks noChangeAspect="1"/>
+          </p:cNvPicPr>
+          <p:nvPr/>
+        </p:nvPicPr>
+        <p:blipFill>
+          <a:blip r:embed="rId3"/>
+          <a:stretch>
+            <a:fillRect/>
+          </a:stretch>
+        </p:blipFill>
+        <p:spPr>
+          <a:xfrm>
+            <a:off x="7473594" y="3248579"/>
+            <a:ext cx="4074836" cy="2271720"/>
+          </a:xfrm>
+          <a:prstGeom prst="rect">
+            <a:avLst/>
+          </a:prstGeom>
+        </p:spPr>
+      </p:pic>
+      <p:pic>
+        <p:nvPicPr>
+          <p:cNvPr id="29" name="Picture 28">
+            <a:extLst>
+              <a:ext uri="{FF2B5EF4-FFF2-40B4-BE49-F238E27FC236}">
+                <a16:creationId xmlns:a16="http://schemas.microsoft.com/office/drawing/2014/main" id="{D5A16967-5C32-4A48-9F02-4F0228AC8DBA}"/>
               </a:ext>
               <a:ext uri="{C183D7F6-B498-43B3-948B-1728B52AA6E4}">
                 <adec:decorative xmlns:adec="http://schemas.microsoft.com/office/drawing/2017/decorative" val="1"/>
@@ -5664,7 +5643,7 @@
           </p:nvPr>
         </p:nvPicPr>
         <p:blipFill rotWithShape="1">
-          <a:blip r:embed="rId3">
+          <a:blip r:embed="rId4">
             <a:extLst>
               <a:ext uri="{28A0092B-C50C-407E-A947-70E740481C1C}">
                 <a14:useLocalDpi xmlns:a14="http://schemas.microsoft.com/office/drawing/2010/main" val="0"/>
@@ -5686,10 +5665,10 @@
       </p:pic>
       <p:cxnSp>
         <p:nvCxnSpPr>
-          <p:cNvPr id="18" name="Straight Connector 17">
+          <p:cNvPr id="31" name="Straight Connector 30">
             <a:extLst>
               <a:ext uri="{FF2B5EF4-FFF2-40B4-BE49-F238E27FC236}">
-                <a16:creationId xmlns:a16="http://schemas.microsoft.com/office/drawing/2014/main" id="{A24DAE64-2302-42EA-8239-F2F0775CA5AD}"/>
+                <a16:creationId xmlns:a16="http://schemas.microsoft.com/office/drawing/2014/main" id="{942D078B-EF20-4DB1-AA1B-87F212C56A9A}"/>
               </a:ext>
               <a:ext uri="{C183D7F6-B498-43B3-948B-1728B52AA6E4}">
                 <adec:decorative xmlns:adec="http://schemas.microsoft.com/office/drawing/2017/decorative" val="1"/>
@@ -5741,7 +5720,7 @@
     </p:spTree>
     <p:extLst>
       <p:ext uri="{BB962C8B-B14F-4D97-AF65-F5344CB8AC3E}">
-        <p14:creationId xmlns:p14="http://schemas.microsoft.com/office/powerpoint/2010/main" val="808509503"/>
+        <p14:creationId xmlns:p14="http://schemas.microsoft.com/office/powerpoint/2010/main" val="1302392360"/>
       </p:ext>
     </p:extLst>
   </p:cSld>
@@ -5792,120 +5771,12 @@
           <a:chExt cx="0" cy="0"/>
         </a:xfrm>
       </p:grpSpPr>
-      <p:sp useBgFill="1">
-        <p:nvSpPr>
-          <p:cNvPr id="23" name="Rectangle 22">
-            <a:extLst>
-              <a:ext uri="{FF2B5EF4-FFF2-40B4-BE49-F238E27FC236}">
-                <a16:creationId xmlns:a16="http://schemas.microsoft.com/office/drawing/2014/main" id="{742C14A9-3617-46DD-9FC4-ED828A7D3E6F}"/>
-              </a:ext>
-              <a:ext uri="{C183D7F6-B498-43B3-948B-1728B52AA6E4}">
-                <adec:decorative xmlns:adec="http://schemas.microsoft.com/office/drawing/2017/decorative" val="1"/>
-              </a:ext>
-            </a:extLst>
-          </p:cNvPr>
-          <p:cNvSpPr>
-            <a:spLocks noGrp="1" noRot="1" noChangeAspect="1" noMove="1" noResize="1" noEditPoints="1" noAdjustHandles="1" noChangeArrowheads="1" noChangeShapeType="1" noTextEdit="1"/>
-          </p:cNvSpPr>
-          <p:nvPr>
-            <p:extLst>
-              <p:ext uri="{386F3935-93C4-4BCD-93E2-E3B085C9AB24}">
-                <p16:designElem xmlns:p16="http://schemas.microsoft.com/office/powerpoint/2015/main" val="1"/>
-              </p:ext>
-            </p:extLst>
-          </p:nvPr>
-        </p:nvSpPr>
-        <p:spPr>
-          <a:xfrm>
-            <a:off x="2" y="0"/>
-            <a:ext cx="12191695" cy="6858000"/>
-          </a:xfrm>
-          <a:prstGeom prst="rect">
-            <a:avLst/>
-          </a:prstGeom>
-          <a:ln>
-            <a:noFill/>
-          </a:ln>
-        </p:spPr>
-        <p:style>
-          <a:lnRef idx="2">
-            <a:schemeClr val="accent1">
-              <a:shade val="50000"/>
-            </a:schemeClr>
-          </a:lnRef>
-          <a:fillRef idx="1">
-            <a:schemeClr val="accent1"/>
-          </a:fillRef>
-          <a:effectRef idx="0">
-            <a:schemeClr val="accent1"/>
-          </a:effectRef>
-          <a:fontRef idx="minor">
-            <a:schemeClr val="lt1"/>
-          </a:fontRef>
-        </p:style>
-        <p:txBody>
-          <a:bodyPr rtlCol="0" anchor="ctr"/>
-          <a:lstStyle/>
-          <a:p>
-            <a:pPr algn="ctr"/>
-            <a:endParaRPr lang="en-US"/>
-          </a:p>
-        </p:txBody>
-      </p:sp>
-      <p:cxnSp>
-        <p:nvCxnSpPr>
-          <p:cNvPr id="25" name="Straight Connector 24">
-            <a:extLst>
-              <a:ext uri="{FF2B5EF4-FFF2-40B4-BE49-F238E27FC236}">
-                <a16:creationId xmlns:a16="http://schemas.microsoft.com/office/drawing/2014/main" id="{19AB0109-1C89-41F0-9EDF-3DE017BE3F27}"/>
-              </a:ext>
-              <a:ext uri="{C183D7F6-B498-43B3-948B-1728B52AA6E4}">
-                <adec:decorative xmlns:adec="http://schemas.microsoft.com/office/drawing/2017/decorative" val="1"/>
-              </a:ext>
-            </a:extLst>
-          </p:cNvPr>
-          <p:cNvCxnSpPr>
-            <a:cxnSpLocks noGrp="1" noRot="1" noChangeAspect="1" noMove="1" noResize="1" noEditPoints="1" noAdjustHandles="1" noChangeArrowheads="1" noChangeShapeType="1"/>
-          </p:cNvCxnSpPr>
-          <p:nvPr>
-            <p:extLst>
-              <p:ext uri="{386F3935-93C4-4BCD-93E2-E3B085C9AB24}">
-                <p16:designElem xmlns:p16="http://schemas.microsoft.com/office/powerpoint/2015/main" val="1"/>
-              </p:ext>
-            </p:extLst>
-          </p:nvPr>
-        </p:nvCxnSpPr>
-        <p:spPr>
-          <a:xfrm>
-            <a:off x="1453897" y="1847088"/>
-            <a:ext cx="5548039" cy="0"/>
-          </a:xfrm>
-          <a:prstGeom prst="line">
-            <a:avLst/>
-          </a:prstGeom>
-          <a:ln w="31750"/>
-        </p:spPr>
-        <p:style>
-          <a:lnRef idx="3">
-            <a:schemeClr val="accent1"/>
-          </a:lnRef>
-          <a:fillRef idx="0">
-            <a:schemeClr val="accent1"/>
-          </a:fillRef>
-          <a:effectRef idx="2">
-            <a:schemeClr val="accent1"/>
-          </a:effectRef>
-          <a:fontRef idx="minor">
-            <a:schemeClr val="tx1"/>
-          </a:fontRef>
-        </p:style>
-      </p:cxnSp>
       <p:sp>
         <p:nvSpPr>
           <p:cNvPr id="2" name="Title 1">
             <a:extLst>
               <a:ext uri="{FF2B5EF4-FFF2-40B4-BE49-F238E27FC236}">
-                <a16:creationId xmlns:a16="http://schemas.microsoft.com/office/drawing/2014/main" id="{94C1FA4F-3934-486A-9658-6C0A58E785F6}"/>
+                <a16:creationId xmlns:a16="http://schemas.microsoft.com/office/drawing/2014/main" id="{B090AEBB-7B12-41F7-9E6B-3D2142CE5207}"/>
               </a:ext>
             </a:extLst>
           </p:cNvPr>
@@ -5919,7 +5790,7 @@
         <p:spPr>
           <a:xfrm>
             <a:off x="1451579" y="804519"/>
-            <a:ext cx="5550357" cy="1049235"/>
+            <a:ext cx="9603275" cy="1049235"/>
           </a:xfrm>
         </p:spPr>
         <p:txBody>
@@ -5930,82 +5801,8 @@
           <a:p>
             <a:r>
               <a:rPr lang="en-US" dirty="0"/>
-              <a:t>Making a bar graph</a:t>
-            </a:r>
-          </a:p>
-        </p:txBody>
-      </p:sp>
-      <p:sp>
-        <p:nvSpPr>
-          <p:cNvPr id="27" name="Rectangle 26">
-            <a:extLst>
-              <a:ext uri="{FF2B5EF4-FFF2-40B4-BE49-F238E27FC236}">
-                <a16:creationId xmlns:a16="http://schemas.microsoft.com/office/drawing/2014/main" id="{19E5CB6C-D5A1-44AB-BAD0-E76C67ED2802}"/>
-              </a:ext>
-              <a:ext uri="{C183D7F6-B498-43B3-948B-1728B52AA6E4}">
-                <adec:decorative xmlns:adec="http://schemas.microsoft.com/office/drawing/2017/decorative" val="1"/>
-              </a:ext>
-            </a:extLst>
-          </p:cNvPr>
-          <p:cNvSpPr>
-            <a:spLocks noGrp="1" noRot="1" noChangeAspect="1" noMove="1" noResize="1" noEditPoints="1" noAdjustHandles="1" noChangeArrowheads="1" noChangeShapeType="1" noTextEdit="1"/>
-          </p:cNvSpPr>
-          <p:nvPr>
-            <p:extLst>
-              <p:ext uri="{386F3935-93C4-4BCD-93E2-E3B085C9AB24}">
-                <p16:designElem xmlns:p16="http://schemas.microsoft.com/office/powerpoint/2015/main" val="1"/>
-              </p:ext>
-            </p:extLst>
-          </p:nvPr>
-        </p:nvSpPr>
-        <p:spPr>
-          <a:xfrm>
-            <a:off x="0" y="2019476"/>
-            <a:ext cx="12192000" cy="4105941"/>
-          </a:xfrm>
-          <a:prstGeom prst="rect">
-            <a:avLst/>
-          </a:prstGeom>
-          <a:gradFill flip="none" rotWithShape="1">
-            <a:gsLst>
-              <a:gs pos="0">
-                <a:schemeClr val="bg2">
-                  <a:alpha val="0"/>
-                </a:schemeClr>
-              </a:gs>
-              <a:gs pos="100000">
-                <a:schemeClr val="bg2"/>
-              </a:gs>
-            </a:gsLst>
-            <a:lin ang="5400000" scaled="0"/>
-            <a:tileRect/>
-          </a:gradFill>
-          <a:ln>
-            <a:noFill/>
-          </a:ln>
-        </p:spPr>
-        <p:style>
-          <a:lnRef idx="2">
-            <a:schemeClr val="accent1">
-              <a:shade val="50000"/>
-            </a:schemeClr>
-          </a:lnRef>
-          <a:fillRef idx="1">
-            <a:schemeClr val="accent1"/>
-          </a:fillRef>
-          <a:effectRef idx="0">
-            <a:schemeClr val="accent1"/>
-          </a:effectRef>
-          <a:fontRef idx="minor">
-            <a:schemeClr val="lt1"/>
-          </a:fontRef>
-        </p:style>
-        <p:txBody>
-          <a:bodyPr rtlCol="0" anchor="ctr"/>
-          <a:lstStyle/>
-          <a:p>
-            <a:pPr lvl="0" algn="ctr"/>
-            <a:endParaRPr lang="en-US"/>
+              <a:t>Making a box graph</a:t>
+            </a:r>
           </a:p>
         </p:txBody>
       </p:sp>
@@ -6014,7 +5811,7 @@
           <p:cNvPr id="3" name="Content Placeholder 2">
             <a:extLst>
               <a:ext uri="{FF2B5EF4-FFF2-40B4-BE49-F238E27FC236}">
-                <a16:creationId xmlns:a16="http://schemas.microsoft.com/office/drawing/2014/main" id="{EE5DA0D3-D037-4BAF-BF66-0434CEB5E911}"/>
+                <a16:creationId xmlns:a16="http://schemas.microsoft.com/office/drawing/2014/main" id="{AE464538-89B1-4C6E-B21D-2AF815EED56E}"/>
               </a:ext>
             </a:extLst>
           </p:cNvPr>
@@ -6027,8 +5824,8 @@
         </p:nvSpPr>
         <p:spPr>
           <a:xfrm>
-            <a:off x="1451579" y="2015732"/>
-            <a:ext cx="5550357" cy="3450613"/>
+            <a:off x="1451581" y="2015734"/>
+            <a:ext cx="4169336" cy="3450613"/>
           </a:xfrm>
         </p:spPr>
         <p:txBody>
@@ -6044,7 +5841,7 @@
             </a:pPr>
             <a:r>
               <a:rPr lang="en-US" sz="1700"/>
-              <a:t>A bar graph was used to depict the occurrences of purchase of houses and their price range.</a:t>
+              <a:t>A box graph made with whiskers was used to find variation between zip codes.</a:t>
             </a:r>
           </a:p>
           <a:p>
@@ -6055,7 +5852,7 @@
             </a:pPr>
             <a:r>
               <a:rPr lang="en-US" sz="1700"/>
-              <a:t>Information about how many purchases were made Per square foot.</a:t>
+              <a:t>Boxes represented the mean and the lines are the highest/lowest outliers.</a:t>
             </a:r>
           </a:p>
           <a:p>
@@ -6066,7 +5863,15 @@
             </a:pPr>
             <a:r>
               <a:rPr lang="en-US" sz="1700"/>
-              <a:t>Information about purchases per zip code was also presented. </a:t>
+              <a:t>One was made for average price, another for average square foot, and average price per </a:t>
+            </a:r>
+            <a:r>
+              <a:rPr lang="en-US" sz="1700" err="1"/>
+              <a:t>sqr</a:t>
+            </a:r>
+            <a:r>
+              <a:rPr lang="en-US" sz="1700"/>
+              <a:t> foot.</a:t>
             </a:r>
           </a:p>
           <a:p>
@@ -6077,39 +5882,17 @@
             </a:pPr>
             <a:r>
               <a:rPr lang="en-US" sz="1700"/>
-              <a:t>A bar graph for purchases per day was then created.</a:t>
-            </a:r>
-          </a:p>
-          <a:p>
-            <a:pPr>
-              <a:lnSpc>
-                <a:spcPct val="110000"/>
-              </a:lnSpc>
-            </a:pPr>
-            <a:r>
-              <a:rPr lang="en-US" sz="1700"/>
-              <a:t>Another bar graph was made for bedroom count.</a:t>
-            </a:r>
-          </a:p>
-          <a:p>
-            <a:pPr>
-              <a:lnSpc>
-                <a:spcPct val="110000"/>
-              </a:lnSpc>
-            </a:pPr>
-            <a:r>
-              <a:rPr lang="en-US" sz="1700"/>
-              <a:t>The client was willing to buy a house with 3 Bedrooms</a:t>
+              <a:t>The client was interested in living in the area with zip code 95823.</a:t>
             </a:r>
           </a:p>
         </p:txBody>
       </p:sp>
       <p:pic>
         <p:nvPicPr>
-          <p:cNvPr id="7" name="Picture 6">
+          <p:cNvPr id="9" name="Picture 8">
             <a:extLst>
               <a:ext uri="{FF2B5EF4-FFF2-40B4-BE49-F238E27FC236}">
-                <a16:creationId xmlns:a16="http://schemas.microsoft.com/office/drawing/2014/main" id="{FE04961E-CEB1-466C-A0F0-CA477A174066}"/>
+                <a16:creationId xmlns:a16="http://schemas.microsoft.com/office/drawing/2014/main" id="{DD90EF60-4C1B-43CE-A04A-CE223FF30040}"/>
               </a:ext>
             </a:extLst>
           </p:cNvPr>
@@ -6126,8 +5909,8 @@
         </p:blipFill>
         <p:spPr>
           <a:xfrm>
-            <a:off x="7473594" y="586108"/>
-            <a:ext cx="4074836" cy="2281908"/>
+            <a:off x="6108443" y="3092388"/>
+            <a:ext cx="2391342" cy="1297302"/>
           </a:xfrm>
           <a:prstGeom prst="rect">
             <a:avLst/>
@@ -6139,7 +5922,7 @@
           <p:cNvPr id="5" name="Picture 4">
             <a:extLst>
               <a:ext uri="{FF2B5EF4-FFF2-40B4-BE49-F238E27FC236}">
-                <a16:creationId xmlns:a16="http://schemas.microsoft.com/office/drawing/2014/main" id="{47AD8674-25E1-43B7-BC50-E5722CC32046}"/>
+                <a16:creationId xmlns:a16="http://schemas.microsoft.com/office/drawing/2014/main" id="{91503893-6B04-4FD6-A98F-458BC1C69CDE}"/>
               </a:ext>
             </a:extLst>
           </p:cNvPr>
@@ -6156,8 +5939,8 @@
         </p:blipFill>
         <p:spPr>
           <a:xfrm>
-            <a:off x="7473594" y="3248579"/>
-            <a:ext cx="4074836" cy="2271720"/>
+            <a:off x="8664115" y="2188751"/>
+            <a:ext cx="2390738" cy="1296974"/>
           </a:xfrm>
           <a:prstGeom prst="rect">
             <a:avLst/>
@@ -6166,106 +5949,38 @@
       </p:pic>
       <p:pic>
         <p:nvPicPr>
-          <p:cNvPr id="29" name="Picture 28">
+          <p:cNvPr id="7" name="Picture 6">
             <a:extLst>
               <a:ext uri="{FF2B5EF4-FFF2-40B4-BE49-F238E27FC236}">
-                <a16:creationId xmlns:a16="http://schemas.microsoft.com/office/drawing/2014/main" id="{D5A16967-5C32-4A48-9F02-4F0228AC8DBA}"/>
-              </a:ext>
-              <a:ext uri="{C183D7F6-B498-43B3-948B-1728B52AA6E4}">
-                <adec:decorative xmlns:adec="http://schemas.microsoft.com/office/drawing/2017/decorative" val="1"/>
+                <a16:creationId xmlns:a16="http://schemas.microsoft.com/office/drawing/2014/main" id="{B1BB8CEA-E36C-4679-8F2E-E0CE7F5F8488}"/>
               </a:ext>
             </a:extLst>
           </p:cNvPr>
           <p:cNvPicPr>
-            <a:picLocks noGrp="1" noRot="1" noChangeAspect="1" noMove="1" noResize="1" noEditPoints="1" noAdjustHandles="1" noChangeArrowheads="1" noChangeShapeType="1" noCrop="1"/>
+            <a:picLocks noChangeAspect="1"/>
           </p:cNvPicPr>
-          <p:nvPr>
-            <p:extLst>
-              <p:ext uri="{386F3935-93C4-4BCD-93E2-E3B085C9AB24}">
-                <p16:designElem xmlns:p16="http://schemas.microsoft.com/office/powerpoint/2015/main" val="1"/>
-              </p:ext>
-            </p:extLst>
-          </p:nvPr>
+          <p:nvPr/>
         </p:nvPicPr>
-        <p:blipFill rotWithShape="1">
-          <a:blip r:embed="rId4">
-            <a:extLst>
-              <a:ext uri="{28A0092B-C50C-407E-A947-70E740481C1C}">
-                <a14:useLocalDpi xmlns:a14="http://schemas.microsoft.com/office/drawing/2010/main" val="0"/>
-              </a:ext>
-            </a:extLst>
-          </a:blip>
-          <a:srcRect t="1538" b="-1538"/>
-          <a:stretch/>
+        <p:blipFill>
+          <a:blip r:embed="rId4"/>
+          <a:stretch>
+            <a:fillRect/>
+          </a:stretch>
         </p:blipFill>
-        <p:spPr bwMode="black">
-          <a:xfrm>
-            <a:off x="0" y="6126480"/>
-            <a:ext cx="12192000" cy="742950"/>
+        <p:spPr>
+          <a:xfrm>
+            <a:off x="8664115" y="4011294"/>
+            <a:ext cx="2390738" cy="1267091"/>
           </a:xfrm>
           <a:prstGeom prst="rect">
             <a:avLst/>
           </a:prstGeom>
         </p:spPr>
       </p:pic>
-      <p:cxnSp>
-        <p:nvCxnSpPr>
-          <p:cNvPr id="31" name="Straight Connector 30">
-            <a:extLst>
-              <a:ext uri="{FF2B5EF4-FFF2-40B4-BE49-F238E27FC236}">
-                <a16:creationId xmlns:a16="http://schemas.microsoft.com/office/drawing/2014/main" id="{942D078B-EF20-4DB1-AA1B-87F212C56A9A}"/>
-              </a:ext>
-              <a:ext uri="{C183D7F6-B498-43B3-948B-1728B52AA6E4}">
-                <adec:decorative xmlns:adec="http://schemas.microsoft.com/office/drawing/2017/decorative" val="1"/>
-              </a:ext>
-            </a:extLst>
-          </p:cNvPr>
-          <p:cNvCxnSpPr>
-            <a:cxnSpLocks noGrp="1" noRot="1" noChangeAspect="1" noMove="1" noResize="1" noEditPoints="1" noAdjustHandles="1" noChangeArrowheads="1" noChangeShapeType="1"/>
-          </p:cNvCxnSpPr>
-          <p:nvPr>
-            <p:extLst>
-              <p:ext uri="{386F3935-93C4-4BCD-93E2-E3B085C9AB24}">
-                <p16:designElem xmlns:p16="http://schemas.microsoft.com/office/powerpoint/2015/main" val="1"/>
-              </p:ext>
-            </p:extLst>
-          </p:nvPr>
-        </p:nvCxnSpPr>
-        <p:spPr>
-          <a:xfrm>
-            <a:off x="0" y="6128413"/>
-            <a:ext cx="12192000" cy="0"/>
-          </a:xfrm>
-          <a:prstGeom prst="line">
-            <a:avLst/>
-          </a:prstGeom>
-          <a:ln w="12700">
-            <a:solidFill>
-              <a:srgbClr val="000001">
-                <a:alpha val="20000"/>
-              </a:srgbClr>
-            </a:solidFill>
-          </a:ln>
-        </p:spPr>
-        <p:style>
-          <a:lnRef idx="1">
-            <a:schemeClr val="accent1"/>
-          </a:lnRef>
-          <a:fillRef idx="0">
-            <a:schemeClr val="accent1"/>
-          </a:fillRef>
-          <a:effectRef idx="0">
-            <a:schemeClr val="accent1"/>
-          </a:effectRef>
-          <a:fontRef idx="minor">
-            <a:schemeClr val="tx1"/>
-          </a:fontRef>
-        </p:style>
-      </p:cxnSp>
     </p:spTree>
     <p:extLst>
       <p:ext uri="{BB962C8B-B14F-4D97-AF65-F5344CB8AC3E}">
-        <p14:creationId xmlns:p14="http://schemas.microsoft.com/office/powerpoint/2010/main" val="1302392360"/>
+        <p14:creationId xmlns:p14="http://schemas.microsoft.com/office/powerpoint/2010/main" val="738207577"/>
       </p:ext>
     </p:extLst>
   </p:cSld>
@@ -6316,12 +6031,120 @@
           <a:chExt cx="0" cy="0"/>
         </a:xfrm>
       </p:grpSpPr>
+      <p:sp useBgFill="1">
+        <p:nvSpPr>
+          <p:cNvPr id="23" name="Rectangle 22">
+            <a:extLst>
+              <a:ext uri="{FF2B5EF4-FFF2-40B4-BE49-F238E27FC236}">
+                <a16:creationId xmlns:a16="http://schemas.microsoft.com/office/drawing/2014/main" id="{742C14A9-3617-46DD-9FC4-ED828A7D3E6F}"/>
+              </a:ext>
+              <a:ext uri="{C183D7F6-B498-43B3-948B-1728B52AA6E4}">
+                <adec:decorative xmlns:adec="http://schemas.microsoft.com/office/drawing/2017/decorative" val="1"/>
+              </a:ext>
+            </a:extLst>
+          </p:cNvPr>
+          <p:cNvSpPr>
+            <a:spLocks noGrp="1" noRot="1" noChangeAspect="1" noMove="1" noResize="1" noEditPoints="1" noAdjustHandles="1" noChangeArrowheads="1" noChangeShapeType="1" noTextEdit="1"/>
+          </p:cNvSpPr>
+          <p:nvPr>
+            <p:extLst>
+              <p:ext uri="{386F3935-93C4-4BCD-93E2-E3B085C9AB24}">
+                <p16:designElem xmlns:p16="http://schemas.microsoft.com/office/powerpoint/2015/main" val="1"/>
+              </p:ext>
+            </p:extLst>
+          </p:nvPr>
+        </p:nvSpPr>
+        <p:spPr>
+          <a:xfrm>
+            <a:off x="2" y="0"/>
+            <a:ext cx="12191695" cy="6858000"/>
+          </a:xfrm>
+          <a:prstGeom prst="rect">
+            <a:avLst/>
+          </a:prstGeom>
+          <a:ln>
+            <a:noFill/>
+          </a:ln>
+        </p:spPr>
+        <p:style>
+          <a:lnRef idx="2">
+            <a:schemeClr val="accent1">
+              <a:shade val="50000"/>
+            </a:schemeClr>
+          </a:lnRef>
+          <a:fillRef idx="1">
+            <a:schemeClr val="accent1"/>
+          </a:fillRef>
+          <a:effectRef idx="0">
+            <a:schemeClr val="accent1"/>
+          </a:effectRef>
+          <a:fontRef idx="minor">
+            <a:schemeClr val="lt1"/>
+          </a:fontRef>
+        </p:style>
+        <p:txBody>
+          <a:bodyPr rtlCol="0" anchor="ctr"/>
+          <a:lstStyle/>
+          <a:p>
+            <a:pPr algn="ctr"/>
+            <a:endParaRPr lang="en-US"/>
+          </a:p>
+        </p:txBody>
+      </p:sp>
+      <p:cxnSp>
+        <p:nvCxnSpPr>
+          <p:cNvPr id="25" name="Straight Connector 24">
+            <a:extLst>
+              <a:ext uri="{FF2B5EF4-FFF2-40B4-BE49-F238E27FC236}">
+                <a16:creationId xmlns:a16="http://schemas.microsoft.com/office/drawing/2014/main" id="{19AB0109-1C89-41F0-9EDF-3DE017BE3F27}"/>
+              </a:ext>
+              <a:ext uri="{C183D7F6-B498-43B3-948B-1728B52AA6E4}">
+                <adec:decorative xmlns:adec="http://schemas.microsoft.com/office/drawing/2017/decorative" val="1"/>
+              </a:ext>
+            </a:extLst>
+          </p:cNvPr>
+          <p:cNvCxnSpPr>
+            <a:cxnSpLocks noGrp="1" noRot="1" noChangeAspect="1" noMove="1" noResize="1" noEditPoints="1" noAdjustHandles="1" noChangeArrowheads="1" noChangeShapeType="1"/>
+          </p:cNvCxnSpPr>
+          <p:nvPr>
+            <p:extLst>
+              <p:ext uri="{386F3935-93C4-4BCD-93E2-E3B085C9AB24}">
+                <p16:designElem xmlns:p16="http://schemas.microsoft.com/office/powerpoint/2015/main" val="1"/>
+              </p:ext>
+            </p:extLst>
+          </p:nvPr>
+        </p:nvCxnSpPr>
+        <p:spPr>
+          <a:xfrm>
+            <a:off x="1453897" y="1847088"/>
+            <a:ext cx="5548039" cy="0"/>
+          </a:xfrm>
+          <a:prstGeom prst="line">
+            <a:avLst/>
+          </a:prstGeom>
+          <a:ln w="31750"/>
+        </p:spPr>
+        <p:style>
+          <a:lnRef idx="3">
+            <a:schemeClr val="accent1"/>
+          </a:lnRef>
+          <a:fillRef idx="0">
+            <a:schemeClr val="accent1"/>
+          </a:fillRef>
+          <a:effectRef idx="2">
+            <a:schemeClr val="accent1"/>
+          </a:effectRef>
+          <a:fontRef idx="minor">
+            <a:schemeClr val="tx1"/>
+          </a:fontRef>
+        </p:style>
+      </p:cxnSp>
       <p:sp>
         <p:nvSpPr>
           <p:cNvPr id="2" name="Title 1">
             <a:extLst>
               <a:ext uri="{FF2B5EF4-FFF2-40B4-BE49-F238E27FC236}">
-                <a16:creationId xmlns:a16="http://schemas.microsoft.com/office/drawing/2014/main" id="{B090AEBB-7B12-41F7-9E6B-3D2142CE5207}"/>
+                <a16:creationId xmlns:a16="http://schemas.microsoft.com/office/drawing/2014/main" id="{CF7646E8-7745-474F-9BA4-5EDFB41A8CED}"/>
               </a:ext>
             </a:extLst>
           </p:cNvPr>
@@ -6335,7 +6158,7 @@
         <p:spPr>
           <a:xfrm>
             <a:off x="1451579" y="804519"/>
-            <a:ext cx="9603275" cy="1049235"/>
+            <a:ext cx="5550357" cy="1049235"/>
           </a:xfrm>
         </p:spPr>
         <p:txBody>
@@ -6344,10 +6167,81 @@
           </a:bodyPr>
           <a:lstStyle/>
           <a:p>
-            <a:r>
-              <a:rPr lang="en-US" dirty="0"/>
-              <a:t>Making a box graph</a:t>
-            </a:r>
+            <a:endParaRPr lang="en-US"/>
+          </a:p>
+        </p:txBody>
+      </p:sp>
+      <p:sp>
+        <p:nvSpPr>
+          <p:cNvPr id="27" name="Rectangle 26">
+            <a:extLst>
+              <a:ext uri="{FF2B5EF4-FFF2-40B4-BE49-F238E27FC236}">
+                <a16:creationId xmlns:a16="http://schemas.microsoft.com/office/drawing/2014/main" id="{19E5CB6C-D5A1-44AB-BAD0-E76C67ED2802}"/>
+              </a:ext>
+              <a:ext uri="{C183D7F6-B498-43B3-948B-1728B52AA6E4}">
+                <adec:decorative xmlns:adec="http://schemas.microsoft.com/office/drawing/2017/decorative" val="1"/>
+              </a:ext>
+            </a:extLst>
+          </p:cNvPr>
+          <p:cNvSpPr>
+            <a:spLocks noGrp="1" noRot="1" noChangeAspect="1" noMove="1" noResize="1" noEditPoints="1" noAdjustHandles="1" noChangeArrowheads="1" noChangeShapeType="1" noTextEdit="1"/>
+          </p:cNvSpPr>
+          <p:nvPr>
+            <p:extLst>
+              <p:ext uri="{386F3935-93C4-4BCD-93E2-E3B085C9AB24}">
+                <p16:designElem xmlns:p16="http://schemas.microsoft.com/office/powerpoint/2015/main" val="1"/>
+              </p:ext>
+            </p:extLst>
+          </p:nvPr>
+        </p:nvSpPr>
+        <p:spPr>
+          <a:xfrm>
+            <a:off x="0" y="2019476"/>
+            <a:ext cx="12192000" cy="4105941"/>
+          </a:xfrm>
+          <a:prstGeom prst="rect">
+            <a:avLst/>
+          </a:prstGeom>
+          <a:gradFill flip="none" rotWithShape="1">
+            <a:gsLst>
+              <a:gs pos="0">
+                <a:schemeClr val="bg2">
+                  <a:alpha val="0"/>
+                </a:schemeClr>
+              </a:gs>
+              <a:gs pos="100000">
+                <a:schemeClr val="bg2"/>
+              </a:gs>
+            </a:gsLst>
+            <a:lin ang="5400000" scaled="0"/>
+            <a:tileRect/>
+          </a:gradFill>
+          <a:ln>
+            <a:noFill/>
+          </a:ln>
+        </p:spPr>
+        <p:style>
+          <a:lnRef idx="2">
+            <a:schemeClr val="accent1">
+              <a:shade val="50000"/>
+            </a:schemeClr>
+          </a:lnRef>
+          <a:fillRef idx="1">
+            <a:schemeClr val="accent1"/>
+          </a:fillRef>
+          <a:effectRef idx="0">
+            <a:schemeClr val="accent1"/>
+          </a:effectRef>
+          <a:fontRef idx="minor">
+            <a:schemeClr val="lt1"/>
+          </a:fontRef>
+        </p:style>
+        <p:txBody>
+          <a:bodyPr rtlCol="0" anchor="ctr"/>
+          <a:lstStyle/>
+          <a:p>
+            <a:pPr lvl="0" algn="ctr"/>
+            <a:endParaRPr lang="en-US"/>
           </a:p>
         </p:txBody>
       </p:sp>
@@ -6356,7 +6250,7 @@
           <p:cNvPr id="3" name="Content Placeholder 2">
             <a:extLst>
               <a:ext uri="{FF2B5EF4-FFF2-40B4-BE49-F238E27FC236}">
-                <a16:creationId xmlns:a16="http://schemas.microsoft.com/office/drawing/2014/main" id="{AE464538-89B1-4C6E-B21D-2AF815EED56E}"/>
+                <a16:creationId xmlns:a16="http://schemas.microsoft.com/office/drawing/2014/main" id="{523DDD30-9806-4003-A264-247D8D02C7BF}"/>
               </a:ext>
             </a:extLst>
           </p:cNvPr>
@@ -6369,8 +6263,8 @@
         </p:nvSpPr>
         <p:spPr>
           <a:xfrm>
-            <a:off x="1451581" y="2015734"/>
-            <a:ext cx="4169336" cy="3450613"/>
+            <a:off x="1451579" y="2015732"/>
+            <a:ext cx="5550357" cy="3450613"/>
           </a:xfrm>
         </p:spPr>
         <p:txBody>
@@ -6379,65 +6273,16 @@
           </a:bodyPr>
           <a:lstStyle/>
           <a:p>
-            <a:pPr>
-              <a:lnSpc>
-                <a:spcPct val="110000"/>
-              </a:lnSpc>
-            </a:pPr>
-            <a:r>
-              <a:rPr lang="en-US" sz="1700"/>
-              <a:t>A box graph made with whiskers was used to find variation between zip codes.</a:t>
-            </a:r>
-          </a:p>
-          <a:p>
-            <a:pPr>
-              <a:lnSpc>
-                <a:spcPct val="110000"/>
-              </a:lnSpc>
-            </a:pPr>
-            <a:r>
-              <a:rPr lang="en-US" sz="1700"/>
-              <a:t>Boxes represented the mean and the lines are the highest/lowest outliers.</a:t>
-            </a:r>
-          </a:p>
-          <a:p>
-            <a:pPr>
-              <a:lnSpc>
-                <a:spcPct val="110000"/>
-              </a:lnSpc>
-            </a:pPr>
-            <a:r>
-              <a:rPr lang="en-US" sz="1700"/>
-              <a:t>One was made for average price, another for average square foot, and average price per </a:t>
-            </a:r>
-            <a:r>
-              <a:rPr lang="en-US" sz="1700" err="1"/>
-              <a:t>sqr</a:t>
-            </a:r>
-            <a:r>
-              <a:rPr lang="en-US" sz="1700"/>
-              <a:t> foot.</a:t>
-            </a:r>
-          </a:p>
-          <a:p>
-            <a:pPr>
-              <a:lnSpc>
-                <a:spcPct val="110000"/>
-              </a:lnSpc>
-            </a:pPr>
-            <a:r>
-              <a:rPr lang="en-US" sz="1700"/>
-              <a:t>The client was interested in living in the area with zip code 95823.</a:t>
-            </a:r>
+            <a:endParaRPr lang="en-US"/>
           </a:p>
         </p:txBody>
       </p:sp>
       <p:pic>
         <p:nvPicPr>
-          <p:cNvPr id="9" name="Picture 8">
+          <p:cNvPr id="7" name="Picture 6">
             <a:extLst>
               <a:ext uri="{FF2B5EF4-FFF2-40B4-BE49-F238E27FC236}">
-                <a16:creationId xmlns:a16="http://schemas.microsoft.com/office/drawing/2014/main" id="{DD90EF60-4C1B-43CE-A04A-CE223FF30040}"/>
+                <a16:creationId xmlns:a16="http://schemas.microsoft.com/office/drawing/2014/main" id="{CD9E3385-466A-48AB-A7C0-C0F014E53534}"/>
               </a:ext>
             </a:extLst>
           </p:cNvPr>
@@ -6454,8 +6299,8 @@
         </p:blipFill>
         <p:spPr>
           <a:xfrm>
-            <a:off x="6108443" y="3092388"/>
-            <a:ext cx="2391342" cy="1297302"/>
+            <a:off x="7473594" y="596295"/>
+            <a:ext cx="4074836" cy="2261533"/>
           </a:xfrm>
           <a:prstGeom prst="rect">
             <a:avLst/>
@@ -6467,7 +6312,7 @@
           <p:cNvPr id="5" name="Picture 4">
             <a:extLst>
               <a:ext uri="{FF2B5EF4-FFF2-40B4-BE49-F238E27FC236}">
-                <a16:creationId xmlns:a16="http://schemas.microsoft.com/office/drawing/2014/main" id="{91503893-6B04-4FD6-A98F-458BC1C69CDE}"/>
+                <a16:creationId xmlns:a16="http://schemas.microsoft.com/office/drawing/2014/main" id="{5FA9D9B3-3D4C-42B8-AF49-DF5298D90F0F}"/>
               </a:ext>
             </a:extLst>
           </p:cNvPr>
@@ -6484,8 +6329,8 @@
         </p:blipFill>
         <p:spPr>
           <a:xfrm>
-            <a:off x="8664115" y="2188751"/>
-            <a:ext cx="2390738" cy="1296974"/>
+            <a:off x="7473594" y="3406479"/>
+            <a:ext cx="4074836" cy="1955920"/>
           </a:xfrm>
           <a:prstGeom prst="rect">
             <a:avLst/>
@@ -6494,38 +6339,106 @@
       </p:pic>
       <p:pic>
         <p:nvPicPr>
-          <p:cNvPr id="7" name="Picture 6">
+          <p:cNvPr id="29" name="Picture 28">
             <a:extLst>
               <a:ext uri="{FF2B5EF4-FFF2-40B4-BE49-F238E27FC236}">
-                <a16:creationId xmlns:a16="http://schemas.microsoft.com/office/drawing/2014/main" id="{B1BB8CEA-E36C-4679-8F2E-E0CE7F5F8488}"/>
+                <a16:creationId xmlns:a16="http://schemas.microsoft.com/office/drawing/2014/main" id="{D5A16967-5C32-4A48-9F02-4F0228AC8DBA}"/>
+              </a:ext>
+              <a:ext uri="{C183D7F6-B498-43B3-948B-1728B52AA6E4}">
+                <adec:decorative xmlns:adec="http://schemas.microsoft.com/office/drawing/2017/decorative" val="1"/>
               </a:ext>
             </a:extLst>
           </p:cNvPr>
           <p:cNvPicPr>
-            <a:picLocks noChangeAspect="1"/>
+            <a:picLocks noGrp="1" noRot="1" noChangeAspect="1" noMove="1" noResize="1" noEditPoints="1" noAdjustHandles="1" noChangeArrowheads="1" noChangeShapeType="1" noCrop="1"/>
           </p:cNvPicPr>
-          <p:nvPr/>
+          <p:nvPr>
+            <p:extLst>
+              <p:ext uri="{386F3935-93C4-4BCD-93E2-E3B085C9AB24}">
+                <p16:designElem xmlns:p16="http://schemas.microsoft.com/office/powerpoint/2015/main" val="1"/>
+              </p:ext>
+            </p:extLst>
+          </p:nvPr>
         </p:nvPicPr>
-        <p:blipFill>
-          <a:blip r:embed="rId4"/>
-          <a:stretch>
-            <a:fillRect/>
-          </a:stretch>
+        <p:blipFill rotWithShape="1">
+          <a:blip r:embed="rId4">
+            <a:extLst>
+              <a:ext uri="{28A0092B-C50C-407E-A947-70E740481C1C}">
+                <a14:useLocalDpi xmlns:a14="http://schemas.microsoft.com/office/drawing/2010/main" val="0"/>
+              </a:ext>
+            </a:extLst>
+          </a:blip>
+          <a:srcRect t="1538" b="-1538"/>
+          <a:stretch/>
         </p:blipFill>
-        <p:spPr>
-          <a:xfrm>
-            <a:off x="8664115" y="4011294"/>
-            <a:ext cx="2390738" cy="1267091"/>
+        <p:spPr bwMode="black">
+          <a:xfrm>
+            <a:off x="0" y="6126480"/>
+            <a:ext cx="12192000" cy="742950"/>
           </a:xfrm>
           <a:prstGeom prst="rect">
             <a:avLst/>
           </a:prstGeom>
         </p:spPr>
       </p:pic>
+      <p:cxnSp>
+        <p:nvCxnSpPr>
+          <p:cNvPr id="31" name="Straight Connector 30">
+            <a:extLst>
+              <a:ext uri="{FF2B5EF4-FFF2-40B4-BE49-F238E27FC236}">
+                <a16:creationId xmlns:a16="http://schemas.microsoft.com/office/drawing/2014/main" id="{942D078B-EF20-4DB1-AA1B-87F212C56A9A}"/>
+              </a:ext>
+              <a:ext uri="{C183D7F6-B498-43B3-948B-1728B52AA6E4}">
+                <adec:decorative xmlns:adec="http://schemas.microsoft.com/office/drawing/2017/decorative" val="1"/>
+              </a:ext>
+            </a:extLst>
+          </p:cNvPr>
+          <p:cNvCxnSpPr>
+            <a:cxnSpLocks noGrp="1" noRot="1" noChangeAspect="1" noMove="1" noResize="1" noEditPoints="1" noAdjustHandles="1" noChangeArrowheads="1" noChangeShapeType="1"/>
+          </p:cNvCxnSpPr>
+          <p:nvPr>
+            <p:extLst>
+              <p:ext uri="{386F3935-93C4-4BCD-93E2-E3B085C9AB24}">
+                <p16:designElem xmlns:p16="http://schemas.microsoft.com/office/powerpoint/2015/main" val="1"/>
+              </p:ext>
+            </p:extLst>
+          </p:nvPr>
+        </p:nvCxnSpPr>
+        <p:spPr>
+          <a:xfrm>
+            <a:off x="0" y="6128413"/>
+            <a:ext cx="12192000" cy="0"/>
+          </a:xfrm>
+          <a:prstGeom prst="line">
+            <a:avLst/>
+          </a:prstGeom>
+          <a:ln w="12700">
+            <a:solidFill>
+              <a:srgbClr val="000001">
+                <a:alpha val="20000"/>
+              </a:srgbClr>
+            </a:solidFill>
+          </a:ln>
+        </p:spPr>
+        <p:style>
+          <a:lnRef idx="1">
+            <a:schemeClr val="accent1"/>
+          </a:lnRef>
+          <a:fillRef idx="0">
+            <a:schemeClr val="accent1"/>
+          </a:fillRef>
+          <a:effectRef idx="0">
+            <a:schemeClr val="accent1"/>
+          </a:effectRef>
+          <a:fontRef idx="minor">
+            <a:schemeClr val="tx1"/>
+          </a:fontRef>
+        </p:style>
+      </p:cxnSp>
     </p:spTree>
     <p:extLst>
       <p:ext uri="{BB962C8B-B14F-4D97-AF65-F5344CB8AC3E}">
-        <p14:creationId xmlns:p14="http://schemas.microsoft.com/office/powerpoint/2010/main" val="738207577"/>
+        <p14:creationId xmlns:p14="http://schemas.microsoft.com/office/powerpoint/2010/main" val="1875434011"/>
       </p:ext>
     </p:extLst>
   </p:cSld>

--- a/Sacramento Real Estate.pptx
+++ b/Sacramento Real Estate.pptx
@@ -15,9 +15,8 @@
     <p:sldId id="263" r:id="rId9"/>
     <p:sldId id="268" r:id="rId10"/>
     <p:sldId id="269" r:id="rId11"/>
-    <p:sldId id="262" r:id="rId12"/>
+    <p:sldId id="271" r:id="rId12"/>
     <p:sldId id="261" r:id="rId13"/>
-    <p:sldId id="265" r:id="rId14"/>
   </p:sldIdLst>
   <p:sldSz cx="12192000" cy="6858000"/>
   <p:notesSz cx="6858000" cy="9144000"/>
@@ -124,6 +123,5953 @@
 </p:presentation>
 </file>
 
+<file path=ppt/diagrams/colors1.xml><?xml version="1.0" encoding="utf-8"?>
+<dgm:colorsDef xmlns:dgm="http://schemas.openxmlformats.org/drawingml/2006/diagram" xmlns:a="http://schemas.openxmlformats.org/drawingml/2006/main" uniqueId="urn:microsoft.com/office/officeart/2005/8/colors/colorful5">
+  <dgm:title val=""/>
+  <dgm:desc val=""/>
+  <dgm:catLst>
+    <dgm:cat type="colorful" pri="10500"/>
+  </dgm:catLst>
+  <dgm:styleLbl name="node0">
+    <dgm:fillClrLst meth="repeat">
+      <a:schemeClr val="accent4"/>
+    </dgm:fillClrLst>
+    <dgm:linClrLst meth="repeat">
+      <a:schemeClr val="lt1"/>
+    </dgm:linClrLst>
+    <dgm:effectClrLst/>
+    <dgm:txLinClrLst/>
+    <dgm:txFillClrLst/>
+    <dgm:txEffectClrLst/>
+  </dgm:styleLbl>
+  <dgm:styleLbl name="node1">
+    <dgm:fillClrLst>
+      <a:schemeClr val="accent5"/>
+      <a:schemeClr val="accent6"/>
+    </dgm:fillClrLst>
+    <dgm:linClrLst meth="repeat">
+      <a:schemeClr val="lt1"/>
+    </dgm:linClrLst>
+    <dgm:effectClrLst/>
+    <dgm:txLinClrLst/>
+    <dgm:txFillClrLst/>
+    <dgm:txEffectClrLst/>
+  </dgm:styleLbl>
+  <dgm:styleLbl name="alignNode1">
+    <dgm:fillClrLst>
+      <a:schemeClr val="accent5"/>
+      <a:schemeClr val="accent6"/>
+    </dgm:fillClrLst>
+    <dgm:linClrLst>
+      <a:schemeClr val="accent5"/>
+      <a:schemeClr val="accent6"/>
+    </dgm:linClrLst>
+    <dgm:effectClrLst/>
+    <dgm:txLinClrLst/>
+    <dgm:txFillClrLst/>
+    <dgm:txEffectClrLst/>
+  </dgm:styleLbl>
+  <dgm:styleLbl name="lnNode1">
+    <dgm:fillClrLst>
+      <a:schemeClr val="accent5"/>
+      <a:schemeClr val="accent6"/>
+    </dgm:fillClrLst>
+    <dgm:linClrLst meth="repeat">
+      <a:schemeClr val="lt1"/>
+    </dgm:linClrLst>
+    <dgm:effectClrLst/>
+    <dgm:txLinClrLst/>
+    <dgm:txFillClrLst/>
+    <dgm:txEffectClrLst/>
+  </dgm:styleLbl>
+  <dgm:styleLbl name="vennNode1">
+    <dgm:fillClrLst>
+      <a:schemeClr val="accent5">
+        <a:alpha val="50000"/>
+      </a:schemeClr>
+      <a:schemeClr val="accent6">
+        <a:alpha val="50000"/>
+      </a:schemeClr>
+    </dgm:fillClrLst>
+    <dgm:linClrLst meth="repeat">
+      <a:schemeClr val="lt1"/>
+    </dgm:linClrLst>
+    <dgm:effectClrLst/>
+    <dgm:txLinClrLst/>
+    <dgm:txFillClrLst/>
+    <dgm:txEffectClrLst/>
+  </dgm:styleLbl>
+  <dgm:styleLbl name="node2">
+    <dgm:fillClrLst>
+      <a:schemeClr val="accent6"/>
+    </dgm:fillClrLst>
+    <dgm:linClrLst meth="repeat">
+      <a:schemeClr val="lt1"/>
+    </dgm:linClrLst>
+    <dgm:effectClrLst/>
+    <dgm:txLinClrLst/>
+    <dgm:txFillClrLst/>
+    <dgm:txEffectClrLst/>
+  </dgm:styleLbl>
+  <dgm:styleLbl name="node3">
+    <dgm:fillClrLst>
+      <a:schemeClr val="accent1"/>
+    </dgm:fillClrLst>
+    <dgm:linClrLst meth="repeat">
+      <a:schemeClr val="lt1"/>
+    </dgm:linClrLst>
+    <dgm:effectClrLst/>
+    <dgm:txLinClrLst/>
+    <dgm:txFillClrLst/>
+    <dgm:txEffectClrLst/>
+  </dgm:styleLbl>
+  <dgm:styleLbl name="node4">
+    <dgm:fillClrLst>
+      <a:schemeClr val="accent2"/>
+    </dgm:fillClrLst>
+    <dgm:linClrLst meth="repeat">
+      <a:schemeClr val="lt1"/>
+    </dgm:linClrLst>
+    <dgm:effectClrLst/>
+    <dgm:txLinClrLst/>
+    <dgm:txFillClrLst/>
+    <dgm:txEffectClrLst/>
+  </dgm:styleLbl>
+  <dgm:styleLbl name="fgImgPlace1">
+    <dgm:fillClrLst>
+      <a:schemeClr val="accent5">
+        <a:tint val="50000"/>
+      </a:schemeClr>
+      <a:schemeClr val="accent6">
+        <a:tint val="50000"/>
+      </a:schemeClr>
+    </dgm:fillClrLst>
+    <dgm:linClrLst meth="repeat">
+      <a:schemeClr val="lt1"/>
+    </dgm:linClrLst>
+    <dgm:effectClrLst/>
+    <dgm:txLinClrLst/>
+    <dgm:txFillClrLst meth="repeat">
+      <a:schemeClr val="lt1"/>
+    </dgm:txFillClrLst>
+    <dgm:txEffectClrLst/>
+  </dgm:styleLbl>
+  <dgm:styleLbl name="alignImgPlace1">
+    <dgm:fillClrLst>
+      <a:schemeClr val="accent5">
+        <a:tint val="50000"/>
+      </a:schemeClr>
+      <a:schemeClr val="accent6">
+        <a:tint val="20000"/>
+      </a:schemeClr>
+    </dgm:fillClrLst>
+    <dgm:linClrLst meth="repeat">
+      <a:schemeClr val="lt1"/>
+    </dgm:linClrLst>
+    <dgm:effectClrLst/>
+    <dgm:txLinClrLst/>
+    <dgm:txFillClrLst meth="repeat">
+      <a:schemeClr val="lt1"/>
+    </dgm:txFillClrLst>
+    <dgm:txEffectClrLst/>
+  </dgm:styleLbl>
+  <dgm:styleLbl name="bgImgPlace1">
+    <dgm:fillClrLst>
+      <a:schemeClr val="accent5">
+        <a:tint val="50000"/>
+      </a:schemeClr>
+      <a:schemeClr val="accent6">
+        <a:tint val="20000"/>
+      </a:schemeClr>
+    </dgm:fillClrLst>
+    <dgm:linClrLst meth="repeat">
+      <a:schemeClr val="lt1"/>
+    </dgm:linClrLst>
+    <dgm:effectClrLst/>
+    <dgm:txLinClrLst/>
+    <dgm:txFillClrLst meth="repeat">
+      <a:schemeClr val="lt1"/>
+    </dgm:txFillClrLst>
+    <dgm:txEffectClrLst/>
+  </dgm:styleLbl>
+  <dgm:styleLbl name="sibTrans2D1">
+    <dgm:fillClrLst>
+      <a:schemeClr val="accent5"/>
+      <a:schemeClr val="accent6"/>
+    </dgm:fillClrLst>
+    <dgm:linClrLst meth="repeat">
+      <a:schemeClr val="lt1"/>
+    </dgm:linClrLst>
+    <dgm:effectClrLst/>
+    <dgm:txLinClrLst/>
+    <dgm:txFillClrLst/>
+    <dgm:txEffectClrLst/>
+  </dgm:styleLbl>
+  <dgm:styleLbl name="fgSibTrans2D1">
+    <dgm:fillClrLst>
+      <a:schemeClr val="accent5"/>
+      <a:schemeClr val="accent6"/>
+    </dgm:fillClrLst>
+    <dgm:linClrLst meth="repeat">
+      <a:schemeClr val="lt1"/>
+    </dgm:linClrLst>
+    <dgm:effectClrLst/>
+    <dgm:txLinClrLst/>
+    <dgm:txFillClrLst meth="repeat">
+      <a:schemeClr val="lt1"/>
+    </dgm:txFillClrLst>
+    <dgm:txEffectClrLst/>
+  </dgm:styleLbl>
+  <dgm:styleLbl name="bgSibTrans2D1">
+    <dgm:fillClrLst>
+      <a:schemeClr val="accent5"/>
+      <a:schemeClr val="accent6"/>
+    </dgm:fillClrLst>
+    <dgm:linClrLst meth="repeat">
+      <a:schemeClr val="lt1"/>
+    </dgm:linClrLst>
+    <dgm:effectClrLst/>
+    <dgm:txLinClrLst/>
+    <dgm:txFillClrLst meth="repeat">
+      <a:schemeClr val="lt1"/>
+    </dgm:txFillClrLst>
+    <dgm:txEffectClrLst/>
+  </dgm:styleLbl>
+  <dgm:styleLbl name="sibTrans1D1">
+    <dgm:fillClrLst/>
+    <dgm:linClrLst>
+      <a:schemeClr val="accent5"/>
+      <a:schemeClr val="accent6"/>
+    </dgm:linClrLst>
+    <dgm:effectClrLst/>
+    <dgm:txLinClrLst/>
+    <dgm:txFillClrLst meth="repeat">
+      <a:schemeClr val="tx1"/>
+    </dgm:txFillClrLst>
+    <dgm:txEffectClrLst/>
+  </dgm:styleLbl>
+  <dgm:styleLbl name="callout">
+    <dgm:fillClrLst meth="repeat">
+      <a:schemeClr val="accent5"/>
+    </dgm:fillClrLst>
+    <dgm:linClrLst meth="repeat">
+      <a:schemeClr val="accent5">
+        <a:tint val="50000"/>
+      </a:schemeClr>
+    </dgm:linClrLst>
+    <dgm:effectClrLst/>
+    <dgm:txLinClrLst/>
+    <dgm:txFillClrLst meth="repeat">
+      <a:schemeClr val="tx1"/>
+    </dgm:txFillClrLst>
+    <dgm:txEffectClrLst/>
+  </dgm:styleLbl>
+  <dgm:styleLbl name="asst0">
+    <dgm:fillClrLst meth="repeat">
+      <a:schemeClr val="accent5"/>
+    </dgm:fillClrLst>
+    <dgm:linClrLst meth="repeat">
+      <a:schemeClr val="lt1">
+        <a:shade val="80000"/>
+      </a:schemeClr>
+    </dgm:linClrLst>
+    <dgm:effectClrLst/>
+    <dgm:txLinClrLst/>
+    <dgm:txFillClrLst/>
+    <dgm:txEffectClrLst/>
+  </dgm:styleLbl>
+  <dgm:styleLbl name="asst1">
+    <dgm:fillClrLst meth="repeat">
+      <a:schemeClr val="accent6"/>
+    </dgm:fillClrLst>
+    <dgm:linClrLst meth="repeat">
+      <a:schemeClr val="lt1">
+        <a:shade val="80000"/>
+      </a:schemeClr>
+    </dgm:linClrLst>
+    <dgm:effectClrLst/>
+    <dgm:txLinClrLst/>
+    <dgm:txFillClrLst/>
+    <dgm:txEffectClrLst/>
+  </dgm:styleLbl>
+  <dgm:styleLbl name="asst2">
+    <dgm:fillClrLst>
+      <a:schemeClr val="accent1"/>
+    </dgm:fillClrLst>
+    <dgm:linClrLst meth="repeat">
+      <a:schemeClr val="lt1"/>
+    </dgm:linClrLst>
+    <dgm:effectClrLst/>
+    <dgm:txLinClrLst/>
+    <dgm:txFillClrLst/>
+    <dgm:txEffectClrLst/>
+  </dgm:styleLbl>
+  <dgm:styleLbl name="asst3">
+    <dgm:fillClrLst>
+      <a:schemeClr val="accent2"/>
+    </dgm:fillClrLst>
+    <dgm:linClrLst meth="repeat">
+      <a:schemeClr val="lt1"/>
+    </dgm:linClrLst>
+    <dgm:effectClrLst/>
+    <dgm:txLinClrLst/>
+    <dgm:txFillClrLst/>
+    <dgm:txEffectClrLst/>
+  </dgm:styleLbl>
+  <dgm:styleLbl name="asst4">
+    <dgm:fillClrLst>
+      <a:schemeClr val="accent3"/>
+    </dgm:fillClrLst>
+    <dgm:linClrLst meth="repeat">
+      <a:schemeClr val="lt1"/>
+    </dgm:linClrLst>
+    <dgm:effectClrLst/>
+    <dgm:txLinClrLst/>
+    <dgm:txFillClrLst/>
+    <dgm:txEffectClrLst/>
+  </dgm:styleLbl>
+  <dgm:styleLbl name="parChTrans2D1">
+    <dgm:fillClrLst meth="repeat">
+      <a:schemeClr val="accent5"/>
+    </dgm:fillClrLst>
+    <dgm:linClrLst meth="repeat">
+      <a:schemeClr val="lt1"/>
+    </dgm:linClrLst>
+    <dgm:effectClrLst/>
+    <dgm:txLinClrLst/>
+    <dgm:txFillClrLst meth="repeat">
+      <a:schemeClr val="lt1"/>
+    </dgm:txFillClrLst>
+    <dgm:txEffectClrLst/>
+  </dgm:styleLbl>
+  <dgm:styleLbl name="parChTrans2D2">
+    <dgm:fillClrLst meth="repeat">
+      <a:schemeClr val="accent6"/>
+    </dgm:fillClrLst>
+    <dgm:linClrLst meth="repeat">
+      <a:schemeClr val="lt1"/>
+    </dgm:linClrLst>
+    <dgm:effectClrLst/>
+    <dgm:txLinClrLst/>
+    <dgm:txFillClrLst/>
+    <dgm:txEffectClrLst/>
+  </dgm:styleLbl>
+  <dgm:styleLbl name="parChTrans2D3">
+    <dgm:fillClrLst meth="repeat">
+      <a:schemeClr val="accent6"/>
+    </dgm:fillClrLst>
+    <dgm:linClrLst meth="repeat">
+      <a:schemeClr val="lt1"/>
+    </dgm:linClrLst>
+    <dgm:effectClrLst/>
+    <dgm:txLinClrLst/>
+    <dgm:txFillClrLst/>
+    <dgm:txEffectClrLst/>
+  </dgm:styleLbl>
+  <dgm:styleLbl name="parChTrans2D4">
+    <dgm:fillClrLst meth="repeat">
+      <a:schemeClr val="accent1"/>
+    </dgm:fillClrLst>
+    <dgm:linClrLst meth="repeat">
+      <a:schemeClr val="lt1"/>
+    </dgm:linClrLst>
+    <dgm:effectClrLst/>
+    <dgm:txLinClrLst/>
+    <dgm:txFillClrLst meth="repeat">
+      <a:schemeClr val="lt1"/>
+    </dgm:txFillClrLst>
+    <dgm:txEffectClrLst/>
+  </dgm:styleLbl>
+  <dgm:styleLbl name="parChTrans1D1">
+    <dgm:fillClrLst meth="repeat">
+      <a:schemeClr val="accent5"/>
+    </dgm:fillClrLst>
+    <dgm:linClrLst meth="repeat">
+      <a:schemeClr val="accent5"/>
+    </dgm:linClrLst>
+    <dgm:effectClrLst/>
+    <dgm:txLinClrLst/>
+    <dgm:txFillClrLst meth="repeat">
+      <a:schemeClr val="tx1"/>
+    </dgm:txFillClrLst>
+    <dgm:txEffectClrLst/>
+  </dgm:styleLbl>
+  <dgm:styleLbl name="parChTrans1D2">
+    <dgm:fillClrLst meth="repeat">
+      <a:schemeClr val="accent6">
+        <a:tint val="90000"/>
+      </a:schemeClr>
+    </dgm:fillClrLst>
+    <dgm:linClrLst meth="repeat">
+      <a:schemeClr val="accent6"/>
+    </dgm:linClrLst>
+    <dgm:effectClrLst/>
+    <dgm:txLinClrLst/>
+    <dgm:txFillClrLst meth="repeat">
+      <a:schemeClr val="tx1"/>
+    </dgm:txFillClrLst>
+    <dgm:txEffectClrLst/>
+  </dgm:styleLbl>
+  <dgm:styleLbl name="parChTrans1D3">
+    <dgm:fillClrLst meth="repeat">
+      <a:schemeClr val="accent6">
+        <a:tint val="70000"/>
+      </a:schemeClr>
+    </dgm:fillClrLst>
+    <dgm:linClrLst meth="repeat">
+      <a:schemeClr val="accent1"/>
+    </dgm:linClrLst>
+    <dgm:effectClrLst/>
+    <dgm:txLinClrLst/>
+    <dgm:txFillClrLst meth="repeat">
+      <a:schemeClr val="tx1"/>
+    </dgm:txFillClrLst>
+    <dgm:txEffectClrLst/>
+  </dgm:styleLbl>
+  <dgm:styleLbl name="parChTrans1D4">
+    <dgm:fillClrLst meth="repeat">
+      <a:schemeClr val="accent6">
+        <a:tint val="50000"/>
+      </a:schemeClr>
+    </dgm:fillClrLst>
+    <dgm:linClrLst meth="repeat">
+      <a:schemeClr val="accent2"/>
+    </dgm:linClrLst>
+    <dgm:effectClrLst/>
+    <dgm:txLinClrLst/>
+    <dgm:txFillClrLst meth="repeat">
+      <a:schemeClr val="tx1"/>
+    </dgm:txFillClrLst>
+    <dgm:txEffectClrLst/>
+  </dgm:styleLbl>
+  <dgm:styleLbl name="fgAcc1">
+    <dgm:fillClrLst meth="repeat">
+      <a:schemeClr val="lt1">
+        <a:alpha val="90000"/>
+      </a:schemeClr>
+    </dgm:fillClrLst>
+    <dgm:linClrLst>
+      <a:schemeClr val="accent5"/>
+      <a:schemeClr val="accent6"/>
+    </dgm:linClrLst>
+    <dgm:effectClrLst/>
+    <dgm:txLinClrLst/>
+    <dgm:txFillClrLst meth="repeat">
+      <a:schemeClr val="dk1"/>
+    </dgm:txFillClrLst>
+    <dgm:txEffectClrLst/>
+  </dgm:styleLbl>
+  <dgm:styleLbl name="conFgAcc1">
+    <dgm:fillClrLst meth="repeat">
+      <a:schemeClr val="lt1">
+        <a:alpha val="90000"/>
+      </a:schemeClr>
+    </dgm:fillClrLst>
+    <dgm:linClrLst>
+      <a:schemeClr val="accent5"/>
+      <a:schemeClr val="accent6"/>
+    </dgm:linClrLst>
+    <dgm:effectClrLst/>
+    <dgm:txLinClrLst/>
+    <dgm:txFillClrLst meth="repeat">
+      <a:schemeClr val="dk1"/>
+    </dgm:txFillClrLst>
+    <dgm:txEffectClrLst/>
+  </dgm:styleLbl>
+  <dgm:styleLbl name="alignAcc1">
+    <dgm:fillClrLst meth="repeat">
+      <a:schemeClr val="lt1">
+        <a:alpha val="90000"/>
+      </a:schemeClr>
+    </dgm:fillClrLst>
+    <dgm:linClrLst>
+      <a:schemeClr val="accent5"/>
+      <a:schemeClr val="accent6"/>
+    </dgm:linClrLst>
+    <dgm:effectClrLst/>
+    <dgm:txLinClrLst/>
+    <dgm:txFillClrLst meth="repeat">
+      <a:schemeClr val="dk1"/>
+    </dgm:txFillClrLst>
+    <dgm:txEffectClrLst/>
+  </dgm:styleLbl>
+  <dgm:styleLbl name="trAlignAcc1">
+    <dgm:fillClrLst meth="repeat">
+      <a:schemeClr val="lt1">
+        <a:alpha val="40000"/>
+      </a:schemeClr>
+    </dgm:fillClrLst>
+    <dgm:linClrLst meth="repeat">
+      <a:schemeClr val="accent5"/>
+    </dgm:linClrLst>
+    <dgm:effectClrLst/>
+    <dgm:txLinClrLst/>
+    <dgm:txFillClrLst meth="repeat">
+      <a:schemeClr val="dk1"/>
+    </dgm:txFillClrLst>
+    <dgm:txEffectClrLst/>
+  </dgm:styleLbl>
+  <dgm:styleLbl name="bgAcc1">
+    <dgm:fillClrLst meth="repeat">
+      <a:schemeClr val="lt1">
+        <a:alpha val="90000"/>
+      </a:schemeClr>
+    </dgm:fillClrLst>
+    <dgm:linClrLst>
+      <a:schemeClr val="accent5"/>
+      <a:schemeClr val="accent6"/>
+    </dgm:linClrLst>
+    <dgm:effectClrLst/>
+    <dgm:txLinClrLst/>
+    <dgm:txFillClrLst meth="repeat">
+      <a:schemeClr val="dk1"/>
+    </dgm:txFillClrLst>
+    <dgm:txEffectClrLst/>
+  </dgm:styleLbl>
+  <dgm:styleLbl name="solidFgAcc1">
+    <dgm:fillClrLst meth="repeat">
+      <a:schemeClr val="lt1"/>
+    </dgm:fillClrLst>
+    <dgm:linClrLst>
+      <a:schemeClr val="accent5"/>
+      <a:schemeClr val="accent6"/>
+    </dgm:linClrLst>
+    <dgm:effectClrLst/>
+    <dgm:txLinClrLst/>
+    <dgm:txFillClrLst meth="repeat">
+      <a:schemeClr val="dk1"/>
+    </dgm:txFillClrLst>
+    <dgm:txEffectClrLst/>
+  </dgm:styleLbl>
+  <dgm:styleLbl name="solidAlignAcc1">
+    <dgm:fillClrLst meth="repeat">
+      <a:schemeClr val="lt1"/>
+    </dgm:fillClrLst>
+    <dgm:linClrLst>
+      <a:schemeClr val="accent5"/>
+      <a:schemeClr val="accent6"/>
+    </dgm:linClrLst>
+    <dgm:effectClrLst/>
+    <dgm:txLinClrLst/>
+    <dgm:txFillClrLst meth="repeat">
+      <a:schemeClr val="dk1"/>
+    </dgm:txFillClrLst>
+    <dgm:txEffectClrLst/>
+  </dgm:styleLbl>
+  <dgm:styleLbl name="solidBgAcc1">
+    <dgm:fillClrLst meth="repeat">
+      <a:schemeClr val="lt1"/>
+    </dgm:fillClrLst>
+    <dgm:linClrLst>
+      <a:schemeClr val="accent5"/>
+      <a:schemeClr val="accent6"/>
+    </dgm:linClrLst>
+    <dgm:effectClrLst/>
+    <dgm:txLinClrLst/>
+    <dgm:txFillClrLst meth="repeat">
+      <a:schemeClr val="dk1"/>
+    </dgm:txFillClrLst>
+    <dgm:txEffectClrLst/>
+  </dgm:styleLbl>
+  <dgm:styleLbl name="fgAccFollowNode1">
+    <dgm:fillClrLst>
+      <a:schemeClr val="accent5">
+        <a:tint val="40000"/>
+        <a:alpha val="90000"/>
+      </a:schemeClr>
+      <a:schemeClr val="accent6">
+        <a:tint val="40000"/>
+        <a:alpha val="90000"/>
+      </a:schemeClr>
+    </dgm:fillClrLst>
+    <dgm:linClrLst>
+      <a:schemeClr val="accent5">
+        <a:tint val="40000"/>
+        <a:alpha val="90000"/>
+      </a:schemeClr>
+      <a:schemeClr val="accent5">
+        <a:tint val="40000"/>
+        <a:alpha val="90000"/>
+      </a:schemeClr>
+    </dgm:linClrLst>
+    <dgm:effectClrLst/>
+    <dgm:txLinClrLst/>
+    <dgm:txFillClrLst meth="repeat">
+      <a:schemeClr val="dk1"/>
+    </dgm:txFillClrLst>
+    <dgm:txEffectClrLst/>
+  </dgm:styleLbl>
+  <dgm:styleLbl name="alignAccFollowNode1">
+    <dgm:fillClrLst>
+      <a:schemeClr val="accent5">
+        <a:tint val="40000"/>
+        <a:alpha val="90000"/>
+      </a:schemeClr>
+      <a:schemeClr val="accent6">
+        <a:tint val="40000"/>
+        <a:alpha val="90000"/>
+      </a:schemeClr>
+    </dgm:fillClrLst>
+    <dgm:linClrLst>
+      <a:schemeClr val="accent5">
+        <a:tint val="40000"/>
+        <a:alpha val="90000"/>
+      </a:schemeClr>
+      <a:schemeClr val="accent6">
+        <a:tint val="40000"/>
+        <a:alpha val="90000"/>
+      </a:schemeClr>
+    </dgm:linClrLst>
+    <dgm:effectClrLst/>
+    <dgm:txLinClrLst/>
+    <dgm:txFillClrLst meth="repeat">
+      <a:schemeClr val="dk1"/>
+    </dgm:txFillClrLst>
+    <dgm:txEffectClrLst/>
+  </dgm:styleLbl>
+  <dgm:styleLbl name="bgAccFollowNode1">
+    <dgm:fillClrLst>
+      <a:schemeClr val="accent5">
+        <a:tint val="40000"/>
+        <a:alpha val="90000"/>
+      </a:schemeClr>
+      <a:schemeClr val="accent6">
+        <a:tint val="40000"/>
+        <a:alpha val="90000"/>
+      </a:schemeClr>
+    </dgm:fillClrLst>
+    <dgm:linClrLst>
+      <a:schemeClr val="accent5">
+        <a:tint val="40000"/>
+        <a:alpha val="90000"/>
+      </a:schemeClr>
+      <a:schemeClr val="accent6">
+        <a:tint val="40000"/>
+        <a:alpha val="90000"/>
+      </a:schemeClr>
+    </dgm:linClrLst>
+    <dgm:effectClrLst/>
+    <dgm:txLinClrLst/>
+    <dgm:txFillClrLst meth="repeat">
+      <a:schemeClr val="dk1"/>
+    </dgm:txFillClrLst>
+    <dgm:txEffectClrLst/>
+  </dgm:styleLbl>
+  <dgm:styleLbl name="fgAcc0">
+    <dgm:fillClrLst meth="repeat">
+      <a:schemeClr val="lt1">
+        <a:alpha val="90000"/>
+      </a:schemeClr>
+    </dgm:fillClrLst>
+    <dgm:linClrLst>
+      <a:schemeClr val="accent4"/>
+    </dgm:linClrLst>
+    <dgm:effectClrLst/>
+    <dgm:txLinClrLst/>
+    <dgm:txFillClrLst meth="repeat">
+      <a:schemeClr val="dk1"/>
+    </dgm:txFillClrLst>
+    <dgm:txEffectClrLst/>
+  </dgm:styleLbl>
+  <dgm:styleLbl name="fgAcc2">
+    <dgm:fillClrLst meth="repeat">
+      <a:schemeClr val="lt1">
+        <a:alpha val="90000"/>
+      </a:schemeClr>
+    </dgm:fillClrLst>
+    <dgm:linClrLst>
+      <a:schemeClr val="accent6"/>
+    </dgm:linClrLst>
+    <dgm:effectClrLst/>
+    <dgm:txLinClrLst/>
+    <dgm:txFillClrLst meth="repeat">
+      <a:schemeClr val="dk1"/>
+    </dgm:txFillClrLst>
+    <dgm:txEffectClrLst/>
+  </dgm:styleLbl>
+  <dgm:styleLbl name="fgAcc3">
+    <dgm:fillClrLst meth="repeat">
+      <a:schemeClr val="lt1">
+        <a:alpha val="90000"/>
+      </a:schemeClr>
+    </dgm:fillClrLst>
+    <dgm:linClrLst>
+      <a:schemeClr val="accent1"/>
+    </dgm:linClrLst>
+    <dgm:effectClrLst/>
+    <dgm:txLinClrLst/>
+    <dgm:txFillClrLst meth="repeat">
+      <a:schemeClr val="dk1"/>
+    </dgm:txFillClrLst>
+    <dgm:txEffectClrLst/>
+  </dgm:styleLbl>
+  <dgm:styleLbl name="fgAcc4">
+    <dgm:fillClrLst meth="repeat">
+      <a:schemeClr val="lt1">
+        <a:alpha val="90000"/>
+      </a:schemeClr>
+    </dgm:fillClrLst>
+    <dgm:linClrLst>
+      <a:schemeClr val="accent2"/>
+    </dgm:linClrLst>
+    <dgm:effectClrLst/>
+    <dgm:txLinClrLst/>
+    <dgm:txFillClrLst meth="repeat">
+      <a:schemeClr val="dk1"/>
+    </dgm:txFillClrLst>
+    <dgm:txEffectClrLst/>
+  </dgm:styleLbl>
+  <dgm:styleLbl name="bgShp">
+    <dgm:fillClrLst meth="repeat">
+      <a:schemeClr val="accent5">
+        <a:tint val="40000"/>
+      </a:schemeClr>
+    </dgm:fillClrLst>
+    <dgm:linClrLst meth="repeat">
+      <a:schemeClr val="dk1"/>
+    </dgm:linClrLst>
+    <dgm:effectClrLst/>
+    <dgm:txLinClrLst/>
+    <dgm:txFillClrLst meth="repeat">
+      <a:schemeClr val="dk1"/>
+    </dgm:txFillClrLst>
+    <dgm:txEffectClrLst/>
+  </dgm:styleLbl>
+  <dgm:styleLbl name="dkBgShp">
+    <dgm:fillClrLst meth="repeat">
+      <a:schemeClr val="accent5">
+        <a:shade val="90000"/>
+      </a:schemeClr>
+    </dgm:fillClrLst>
+    <dgm:linClrLst meth="repeat">
+      <a:schemeClr val="dk1"/>
+    </dgm:linClrLst>
+    <dgm:effectClrLst/>
+    <dgm:txLinClrLst/>
+    <dgm:txFillClrLst meth="repeat">
+      <a:schemeClr val="lt1"/>
+    </dgm:txFillClrLst>
+    <dgm:txEffectClrLst/>
+  </dgm:styleLbl>
+  <dgm:styleLbl name="trBgShp">
+    <dgm:fillClrLst meth="repeat">
+      <a:schemeClr val="accent5">
+        <a:tint val="50000"/>
+        <a:alpha val="40000"/>
+      </a:schemeClr>
+    </dgm:fillClrLst>
+    <dgm:linClrLst meth="repeat">
+      <a:schemeClr val="accent5"/>
+    </dgm:linClrLst>
+    <dgm:effectClrLst/>
+    <dgm:txLinClrLst/>
+    <dgm:txFillClrLst meth="repeat">
+      <a:schemeClr val="lt1"/>
+    </dgm:txFillClrLst>
+    <dgm:txEffectClrLst/>
+  </dgm:styleLbl>
+  <dgm:styleLbl name="fgShp">
+    <dgm:fillClrLst meth="repeat">
+      <a:schemeClr val="accent5">
+        <a:tint val="40000"/>
+      </a:schemeClr>
+    </dgm:fillClrLst>
+    <dgm:linClrLst meth="repeat">
+      <a:schemeClr val="lt1"/>
+    </dgm:linClrLst>
+    <dgm:effectClrLst/>
+    <dgm:txLinClrLst/>
+    <dgm:txFillClrLst meth="repeat">
+      <a:schemeClr val="dk1"/>
+    </dgm:txFillClrLst>
+    <dgm:txEffectClrLst/>
+  </dgm:styleLbl>
+  <dgm:styleLbl name="revTx">
+    <dgm:fillClrLst meth="repeat">
+      <a:schemeClr val="lt1">
+        <a:alpha val="0"/>
+      </a:schemeClr>
+    </dgm:fillClrLst>
+    <dgm:linClrLst meth="repeat">
+      <a:schemeClr val="dk1">
+        <a:alpha val="0"/>
+      </a:schemeClr>
+    </dgm:linClrLst>
+    <dgm:effectClrLst/>
+    <dgm:txLinClrLst/>
+    <dgm:txFillClrLst meth="repeat">
+      <a:schemeClr val="tx1"/>
+    </dgm:txFillClrLst>
+    <dgm:txEffectClrLst/>
+  </dgm:styleLbl>
+</dgm:colorsDef>
+</file>
+
+<file path=ppt/diagrams/colors2.xml><?xml version="1.0" encoding="utf-8"?>
+<dgm:colorsDef xmlns:dgm="http://schemas.openxmlformats.org/drawingml/2006/diagram" xmlns:a="http://schemas.openxmlformats.org/drawingml/2006/main" uniqueId="urn:microsoft.com/office/officeart/2018/5/colors/Iconchunking_neutralbg_colorful1">
+  <dgm:title val=""/>
+  <dgm:desc val=""/>
+  <dgm:catLst>
+    <dgm:cat type="colorful" pri="10100"/>
+  </dgm:catLst>
+  <dgm:styleLbl name="node0">
+    <dgm:fillClrLst meth="repeat">
+      <a:schemeClr val="accent1"/>
+    </dgm:fillClrLst>
+    <dgm:linClrLst meth="repeat">
+      <a:schemeClr val="lt1"/>
+    </dgm:linClrLst>
+    <dgm:effectClrLst/>
+    <dgm:txLinClrLst/>
+    <dgm:txFillClrLst/>
+    <dgm:txEffectClrLst/>
+  </dgm:styleLbl>
+  <dgm:styleLbl name="node1">
+    <dgm:fillClrLst meth="repeat">
+      <a:schemeClr val="accent2"/>
+      <a:schemeClr val="accent3"/>
+      <a:schemeClr val="accent4"/>
+      <a:schemeClr val="accent5"/>
+      <a:schemeClr val="accent6"/>
+    </dgm:fillClrLst>
+    <dgm:linClrLst meth="repeat">
+      <a:schemeClr val="lt1">
+        <a:alpha val="0"/>
+      </a:schemeClr>
+    </dgm:linClrLst>
+    <dgm:effectClrLst/>
+    <dgm:txLinClrLst/>
+    <dgm:txFillClrLst/>
+    <dgm:txEffectClrLst/>
+  </dgm:styleLbl>
+  <dgm:styleLbl name="alignNode1">
+    <dgm:fillClrLst meth="repeat">
+      <a:schemeClr val="accent2"/>
+      <a:schemeClr val="accent3"/>
+      <a:schemeClr val="accent4"/>
+      <a:schemeClr val="accent5"/>
+      <a:schemeClr val="accent6"/>
+    </dgm:fillClrLst>
+    <dgm:linClrLst meth="repeat">
+      <a:schemeClr val="accent2"/>
+      <a:schemeClr val="accent3"/>
+      <a:schemeClr val="accent4"/>
+      <a:schemeClr val="accent5"/>
+      <a:schemeClr val="accent6"/>
+    </dgm:linClrLst>
+    <dgm:effectClrLst/>
+    <dgm:txLinClrLst/>
+    <dgm:txFillClrLst/>
+    <dgm:txEffectClrLst/>
+  </dgm:styleLbl>
+  <dgm:styleLbl name="lnNode1">
+    <dgm:fillClrLst meth="repeat">
+      <a:schemeClr val="accent2"/>
+      <a:schemeClr val="accent3"/>
+      <a:schemeClr val="accent4"/>
+      <a:schemeClr val="accent5"/>
+      <a:schemeClr val="accent6"/>
+    </dgm:fillClrLst>
+    <dgm:linClrLst meth="repeat">
+      <a:schemeClr val="lt1"/>
+    </dgm:linClrLst>
+    <dgm:effectClrLst/>
+    <dgm:txLinClrLst/>
+    <dgm:txFillClrLst/>
+    <dgm:txEffectClrLst/>
+  </dgm:styleLbl>
+  <dgm:styleLbl name="vennNode1">
+    <dgm:fillClrLst meth="repeat">
+      <a:schemeClr val="accent2">
+        <a:alpha val="50000"/>
+      </a:schemeClr>
+      <a:schemeClr val="accent3">
+        <a:alpha val="50000"/>
+      </a:schemeClr>
+      <a:schemeClr val="accent4">
+        <a:alpha val="50000"/>
+      </a:schemeClr>
+      <a:schemeClr val="accent5">
+        <a:alpha val="50000"/>
+      </a:schemeClr>
+      <a:schemeClr val="accent6">
+        <a:alpha val="50000"/>
+      </a:schemeClr>
+    </dgm:fillClrLst>
+    <dgm:linClrLst meth="repeat">
+      <a:schemeClr val="lt1"/>
+    </dgm:linClrLst>
+    <dgm:effectClrLst/>
+    <dgm:txLinClrLst/>
+    <dgm:txFillClrLst/>
+    <dgm:txEffectClrLst/>
+  </dgm:styleLbl>
+  <dgm:styleLbl name="node2">
+    <dgm:fillClrLst>
+      <a:schemeClr val="accent2"/>
+    </dgm:fillClrLst>
+    <dgm:linClrLst meth="repeat">
+      <a:schemeClr val="lt1"/>
+    </dgm:linClrLst>
+    <dgm:effectClrLst/>
+    <dgm:txLinClrLst/>
+    <dgm:txFillClrLst/>
+    <dgm:txEffectClrLst/>
+  </dgm:styleLbl>
+  <dgm:styleLbl name="node3">
+    <dgm:fillClrLst>
+      <a:schemeClr val="accent3"/>
+    </dgm:fillClrLst>
+    <dgm:linClrLst meth="repeat">
+      <a:schemeClr val="lt1"/>
+    </dgm:linClrLst>
+    <dgm:effectClrLst/>
+    <dgm:txLinClrLst/>
+    <dgm:txFillClrLst/>
+    <dgm:txEffectClrLst/>
+  </dgm:styleLbl>
+  <dgm:styleLbl name="node4">
+    <dgm:fillClrLst>
+      <a:schemeClr val="accent4"/>
+    </dgm:fillClrLst>
+    <dgm:linClrLst meth="repeat">
+      <a:schemeClr val="lt1"/>
+    </dgm:linClrLst>
+    <dgm:effectClrLst/>
+    <dgm:txLinClrLst/>
+    <dgm:txFillClrLst/>
+    <dgm:txEffectClrLst/>
+  </dgm:styleLbl>
+  <dgm:styleLbl name="fgImgPlace1">
+    <dgm:fillClrLst meth="repeat">
+      <a:schemeClr val="accent2">
+        <a:tint val="50000"/>
+      </a:schemeClr>
+      <a:schemeClr val="accent3">
+        <a:tint val="50000"/>
+      </a:schemeClr>
+      <a:schemeClr val="accent4">
+        <a:tint val="50000"/>
+      </a:schemeClr>
+      <a:schemeClr val="accent5">
+        <a:tint val="50000"/>
+      </a:schemeClr>
+      <a:schemeClr val="accent6">
+        <a:tint val="50000"/>
+      </a:schemeClr>
+    </dgm:fillClrLst>
+    <dgm:linClrLst meth="repeat">
+      <a:schemeClr val="lt1"/>
+    </dgm:linClrLst>
+    <dgm:effectClrLst/>
+    <dgm:txLinClrLst/>
+    <dgm:txFillClrLst meth="repeat">
+      <a:schemeClr val="lt1"/>
+    </dgm:txFillClrLst>
+    <dgm:txEffectClrLst/>
+  </dgm:styleLbl>
+  <dgm:styleLbl name="alignImgPlace1">
+    <dgm:fillClrLst>
+      <a:schemeClr val="accent1">
+        <a:tint val="50000"/>
+      </a:schemeClr>
+      <a:schemeClr val="accent2">
+        <a:tint val="20000"/>
+      </a:schemeClr>
+    </dgm:fillClrLst>
+    <dgm:linClrLst meth="repeat">
+      <a:schemeClr val="lt1"/>
+    </dgm:linClrLst>
+    <dgm:effectClrLst/>
+    <dgm:txLinClrLst/>
+    <dgm:txFillClrLst meth="repeat">
+      <a:schemeClr val="lt1"/>
+    </dgm:txFillClrLst>
+    <dgm:txEffectClrLst/>
+  </dgm:styleLbl>
+  <dgm:styleLbl name="bgImgPlace1">
+    <dgm:fillClrLst>
+      <a:schemeClr val="accent1">
+        <a:tint val="50000"/>
+      </a:schemeClr>
+      <a:schemeClr val="accent2">
+        <a:tint val="20000"/>
+      </a:schemeClr>
+    </dgm:fillClrLst>
+    <dgm:linClrLst meth="repeat">
+      <a:schemeClr val="lt1"/>
+    </dgm:linClrLst>
+    <dgm:effectClrLst/>
+    <dgm:txLinClrLst/>
+    <dgm:txFillClrLst meth="repeat">
+      <a:schemeClr val="lt1"/>
+    </dgm:txFillClrLst>
+    <dgm:txEffectClrLst/>
+  </dgm:styleLbl>
+  <dgm:styleLbl name="sibTrans2D1">
+    <dgm:fillClrLst meth="repeat">
+      <a:schemeClr val="accent2"/>
+      <a:schemeClr val="accent3"/>
+      <a:schemeClr val="accent4"/>
+      <a:schemeClr val="accent5"/>
+      <a:schemeClr val="accent6"/>
+    </dgm:fillClrLst>
+    <dgm:linClrLst meth="cycle">
+      <a:schemeClr val="lt1"/>
+    </dgm:linClrLst>
+    <dgm:effectClrLst/>
+    <dgm:txLinClrLst/>
+    <dgm:txFillClrLst/>
+    <dgm:txEffectClrLst/>
+  </dgm:styleLbl>
+  <dgm:styleLbl name="fgSibTrans2D1">
+    <dgm:fillClrLst meth="repeat">
+      <a:schemeClr val="accent2"/>
+      <a:schemeClr val="accent3"/>
+      <a:schemeClr val="accent4"/>
+      <a:schemeClr val="accent5"/>
+      <a:schemeClr val="accent6"/>
+    </dgm:fillClrLst>
+    <dgm:linClrLst meth="cycle">
+      <a:schemeClr val="lt1"/>
+    </dgm:linClrLst>
+    <dgm:effectClrLst/>
+    <dgm:txLinClrLst/>
+    <dgm:txFillClrLst meth="repeat">
+      <a:schemeClr val="lt1"/>
+    </dgm:txFillClrLst>
+    <dgm:txEffectClrLst/>
+  </dgm:styleLbl>
+  <dgm:styleLbl name="bgSibTrans2D1">
+    <dgm:fillClrLst meth="repeat">
+      <a:schemeClr val="accent2"/>
+      <a:schemeClr val="accent3"/>
+      <a:schemeClr val="accent4"/>
+      <a:schemeClr val="accent5"/>
+      <a:schemeClr val="accent6"/>
+    </dgm:fillClrLst>
+    <dgm:linClrLst meth="cycle">
+      <a:schemeClr val="lt1"/>
+    </dgm:linClrLst>
+    <dgm:effectClrLst/>
+    <dgm:txLinClrLst/>
+    <dgm:txFillClrLst meth="repeat">
+      <a:schemeClr val="lt1"/>
+    </dgm:txFillClrLst>
+    <dgm:txEffectClrLst/>
+  </dgm:styleLbl>
+  <dgm:styleLbl name="sibTrans1D1">
+    <dgm:fillClrLst meth="repeat">
+      <a:schemeClr val="accent2"/>
+      <a:schemeClr val="accent3"/>
+      <a:schemeClr val="accent4"/>
+      <a:schemeClr val="accent5"/>
+      <a:schemeClr val="accent6"/>
+    </dgm:fillClrLst>
+    <dgm:linClrLst meth="repeat">
+      <a:schemeClr val="accent2"/>
+      <a:schemeClr val="accent3"/>
+      <a:schemeClr val="accent4"/>
+      <a:schemeClr val="accent5"/>
+      <a:schemeClr val="accent6"/>
+    </dgm:linClrLst>
+    <dgm:effectClrLst/>
+    <dgm:txLinClrLst/>
+    <dgm:txFillClrLst meth="repeat">
+      <a:schemeClr val="tx1"/>
+    </dgm:txFillClrLst>
+    <dgm:txEffectClrLst/>
+  </dgm:styleLbl>
+  <dgm:styleLbl name="callout">
+    <dgm:fillClrLst meth="repeat">
+      <a:schemeClr val="accent2"/>
+    </dgm:fillClrLst>
+    <dgm:linClrLst meth="repeat">
+      <a:schemeClr val="accent2">
+        <a:tint val="50000"/>
+      </a:schemeClr>
+    </dgm:linClrLst>
+    <dgm:effectClrLst/>
+    <dgm:txLinClrLst/>
+    <dgm:txFillClrLst meth="repeat">
+      <a:schemeClr val="tx1"/>
+    </dgm:txFillClrLst>
+    <dgm:txEffectClrLst/>
+  </dgm:styleLbl>
+  <dgm:styleLbl name="asst0">
+    <dgm:fillClrLst meth="repeat">
+      <a:schemeClr val="accent1"/>
+    </dgm:fillClrLst>
+    <dgm:linClrLst meth="repeat">
+      <a:schemeClr val="lt1"/>
+    </dgm:linClrLst>
+    <dgm:effectClrLst/>
+    <dgm:txLinClrLst/>
+    <dgm:txFillClrLst/>
+    <dgm:txEffectClrLst/>
+  </dgm:styleLbl>
+  <dgm:styleLbl name="asst1">
+    <dgm:fillClrLst meth="repeat">
+      <a:schemeClr val="accent2"/>
+    </dgm:fillClrLst>
+    <dgm:linClrLst meth="repeat">
+      <a:schemeClr val="lt1"/>
+    </dgm:linClrLst>
+    <dgm:effectClrLst/>
+    <dgm:txLinClrLst/>
+    <dgm:txFillClrLst/>
+    <dgm:txEffectClrLst/>
+  </dgm:styleLbl>
+  <dgm:styleLbl name="asst2">
+    <dgm:fillClrLst>
+      <a:schemeClr val="accent3"/>
+    </dgm:fillClrLst>
+    <dgm:linClrLst meth="repeat">
+      <a:schemeClr val="lt1"/>
+    </dgm:linClrLst>
+    <dgm:effectClrLst/>
+    <dgm:txLinClrLst/>
+    <dgm:txFillClrLst/>
+    <dgm:txEffectClrLst/>
+  </dgm:styleLbl>
+  <dgm:styleLbl name="asst3">
+    <dgm:fillClrLst>
+      <a:schemeClr val="accent4"/>
+    </dgm:fillClrLst>
+    <dgm:linClrLst meth="repeat">
+      <a:schemeClr val="lt1"/>
+    </dgm:linClrLst>
+    <dgm:effectClrLst/>
+    <dgm:txLinClrLst/>
+    <dgm:txFillClrLst/>
+    <dgm:txEffectClrLst/>
+  </dgm:styleLbl>
+  <dgm:styleLbl name="asst4">
+    <dgm:fillClrLst>
+      <a:schemeClr val="accent5"/>
+    </dgm:fillClrLst>
+    <dgm:linClrLst meth="repeat">
+      <a:schemeClr val="lt1"/>
+    </dgm:linClrLst>
+    <dgm:effectClrLst/>
+    <dgm:txLinClrLst/>
+    <dgm:txFillClrLst/>
+    <dgm:txEffectClrLst/>
+  </dgm:styleLbl>
+  <dgm:styleLbl name="parChTrans2D1">
+    <dgm:fillClrLst meth="repeat">
+      <a:schemeClr val="accent2"/>
+    </dgm:fillClrLst>
+    <dgm:linClrLst meth="repeat">
+      <a:schemeClr val="lt1"/>
+    </dgm:linClrLst>
+    <dgm:effectClrLst/>
+    <dgm:txLinClrLst/>
+    <dgm:txFillClrLst meth="repeat">
+      <a:schemeClr val="lt1"/>
+    </dgm:txFillClrLst>
+    <dgm:txEffectClrLst/>
+  </dgm:styleLbl>
+  <dgm:styleLbl name="parChTrans2D2">
+    <dgm:fillClrLst meth="repeat">
+      <a:schemeClr val="accent3"/>
+    </dgm:fillClrLst>
+    <dgm:linClrLst meth="repeat">
+      <a:schemeClr val="lt1"/>
+    </dgm:linClrLst>
+    <dgm:effectClrLst/>
+    <dgm:txLinClrLst/>
+    <dgm:txFillClrLst/>
+    <dgm:txEffectClrLst/>
+  </dgm:styleLbl>
+  <dgm:styleLbl name="parChTrans2D3">
+    <dgm:fillClrLst meth="repeat">
+      <a:schemeClr val="accent4"/>
+    </dgm:fillClrLst>
+    <dgm:linClrLst meth="repeat">
+      <a:schemeClr val="lt1"/>
+    </dgm:linClrLst>
+    <dgm:effectClrLst/>
+    <dgm:txLinClrLst/>
+    <dgm:txFillClrLst/>
+    <dgm:txEffectClrLst/>
+  </dgm:styleLbl>
+  <dgm:styleLbl name="parChTrans2D4">
+    <dgm:fillClrLst meth="repeat">
+      <a:schemeClr val="accent5"/>
+    </dgm:fillClrLst>
+    <dgm:linClrLst meth="repeat">
+      <a:schemeClr val="lt1"/>
+    </dgm:linClrLst>
+    <dgm:effectClrLst/>
+    <dgm:txLinClrLst/>
+    <dgm:txFillClrLst meth="repeat">
+      <a:schemeClr val="lt1"/>
+    </dgm:txFillClrLst>
+    <dgm:txEffectClrLst/>
+  </dgm:styleLbl>
+  <dgm:styleLbl name="parChTrans1D1">
+    <dgm:fillClrLst meth="repeat">
+      <a:schemeClr val="accent2"/>
+    </dgm:fillClrLst>
+    <dgm:linClrLst meth="repeat">
+      <a:schemeClr val="accent1"/>
+    </dgm:linClrLst>
+    <dgm:effectClrLst/>
+    <dgm:txLinClrLst/>
+    <dgm:txFillClrLst meth="repeat">
+      <a:schemeClr val="tx1"/>
+    </dgm:txFillClrLst>
+    <dgm:txEffectClrLst/>
+  </dgm:styleLbl>
+  <dgm:styleLbl name="parChTrans1D2">
+    <dgm:fillClrLst meth="repeat">
+      <a:schemeClr val="accent3">
+        <a:tint val="90000"/>
+      </a:schemeClr>
+    </dgm:fillClrLst>
+    <dgm:linClrLst meth="repeat">
+      <a:schemeClr val="accent2"/>
+    </dgm:linClrLst>
+    <dgm:effectClrLst/>
+    <dgm:txLinClrLst/>
+    <dgm:txFillClrLst meth="repeat">
+      <a:schemeClr val="tx1"/>
+    </dgm:txFillClrLst>
+    <dgm:txEffectClrLst/>
+  </dgm:styleLbl>
+  <dgm:styleLbl name="parChTrans1D3">
+    <dgm:fillClrLst meth="repeat">
+      <a:schemeClr val="accent4">
+        <a:tint val="70000"/>
+      </a:schemeClr>
+    </dgm:fillClrLst>
+    <dgm:linClrLst meth="repeat">
+      <a:schemeClr val="accent3"/>
+    </dgm:linClrLst>
+    <dgm:effectClrLst/>
+    <dgm:txLinClrLst/>
+    <dgm:txFillClrLst meth="repeat">
+      <a:schemeClr val="tx1"/>
+    </dgm:txFillClrLst>
+    <dgm:txEffectClrLst/>
+  </dgm:styleLbl>
+  <dgm:styleLbl name="parChTrans1D4">
+    <dgm:fillClrLst meth="repeat">
+      <a:schemeClr val="accent5">
+        <a:tint val="50000"/>
+      </a:schemeClr>
+    </dgm:fillClrLst>
+    <dgm:linClrLst meth="repeat">
+      <a:schemeClr val="accent4"/>
+    </dgm:linClrLst>
+    <dgm:effectClrLst/>
+    <dgm:txLinClrLst/>
+    <dgm:txFillClrLst meth="repeat">
+      <a:schemeClr val="tx1"/>
+    </dgm:txFillClrLst>
+    <dgm:txEffectClrLst/>
+  </dgm:styleLbl>
+  <dgm:styleLbl name="fgAcc1">
+    <dgm:fillClrLst meth="repeat">
+      <a:schemeClr val="lt1">
+        <a:alpha val="90000"/>
+      </a:schemeClr>
+    </dgm:fillClrLst>
+    <dgm:linClrLst meth="repeat">
+      <a:schemeClr val="accent2"/>
+      <a:schemeClr val="accent3"/>
+      <a:schemeClr val="accent4"/>
+      <a:schemeClr val="accent5"/>
+      <a:schemeClr val="accent6"/>
+    </dgm:linClrLst>
+    <dgm:effectClrLst/>
+    <dgm:txLinClrLst/>
+    <dgm:txFillClrLst meth="repeat">
+      <a:schemeClr val="dk1"/>
+    </dgm:txFillClrLst>
+    <dgm:txEffectClrLst/>
+  </dgm:styleLbl>
+  <dgm:styleLbl name="conFgAcc1">
+    <dgm:fillClrLst meth="repeat">
+      <a:schemeClr val="lt1">
+        <a:alpha val="90000"/>
+      </a:schemeClr>
+    </dgm:fillClrLst>
+    <dgm:linClrLst meth="repeat">
+      <a:schemeClr val="accent2"/>
+      <a:schemeClr val="accent3"/>
+      <a:schemeClr val="accent4"/>
+      <a:schemeClr val="accent5"/>
+      <a:schemeClr val="accent6"/>
+    </dgm:linClrLst>
+    <dgm:effectClrLst/>
+    <dgm:txLinClrLst/>
+    <dgm:txFillClrLst meth="repeat">
+      <a:schemeClr val="dk1"/>
+    </dgm:txFillClrLst>
+    <dgm:txEffectClrLst/>
+  </dgm:styleLbl>
+  <dgm:styleLbl name="alignAcc1">
+    <dgm:fillClrLst meth="repeat">
+      <a:schemeClr val="lt1">
+        <a:alpha val="90000"/>
+      </a:schemeClr>
+    </dgm:fillClrLst>
+    <dgm:linClrLst meth="repeat">
+      <a:schemeClr val="accent2"/>
+      <a:schemeClr val="accent3"/>
+      <a:schemeClr val="accent4"/>
+      <a:schemeClr val="accent5"/>
+      <a:schemeClr val="accent6"/>
+    </dgm:linClrLst>
+    <dgm:effectClrLst/>
+    <dgm:txLinClrLst/>
+    <dgm:txFillClrLst meth="repeat">
+      <a:schemeClr val="dk1"/>
+    </dgm:txFillClrLst>
+    <dgm:txEffectClrLst/>
+  </dgm:styleLbl>
+  <dgm:styleLbl name="trAlignAcc1">
+    <dgm:fillClrLst meth="repeat">
+      <a:schemeClr val="lt1">
+        <a:alpha val="40000"/>
+      </a:schemeClr>
+    </dgm:fillClrLst>
+    <dgm:linClrLst meth="repeat">
+      <a:schemeClr val="accent1"/>
+    </dgm:linClrLst>
+    <dgm:effectClrLst/>
+    <dgm:txLinClrLst/>
+    <dgm:txFillClrLst meth="repeat">
+      <a:schemeClr val="dk1"/>
+    </dgm:txFillClrLst>
+    <dgm:txEffectClrLst/>
+  </dgm:styleLbl>
+  <dgm:styleLbl name="bgAcc1">
+    <dgm:fillClrLst meth="repeat">
+      <a:schemeClr val="lt1">
+        <a:alpha val="90000"/>
+      </a:schemeClr>
+    </dgm:fillClrLst>
+    <dgm:linClrLst meth="repeat">
+      <a:schemeClr val="accent2"/>
+      <a:schemeClr val="accent3"/>
+      <a:schemeClr val="accent4"/>
+      <a:schemeClr val="accent5"/>
+      <a:schemeClr val="accent6"/>
+    </dgm:linClrLst>
+    <dgm:effectClrLst/>
+    <dgm:txLinClrLst/>
+    <dgm:txFillClrLst meth="repeat">
+      <a:schemeClr val="dk1"/>
+    </dgm:txFillClrLst>
+    <dgm:txEffectClrLst/>
+  </dgm:styleLbl>
+  <dgm:styleLbl name="solidFgAcc1">
+    <dgm:fillClrLst meth="repeat">
+      <a:schemeClr val="lt1"/>
+    </dgm:fillClrLst>
+    <dgm:linClrLst meth="repeat">
+      <a:schemeClr val="accent2"/>
+      <a:schemeClr val="accent3"/>
+      <a:schemeClr val="accent4"/>
+      <a:schemeClr val="accent5"/>
+      <a:schemeClr val="accent6"/>
+    </dgm:linClrLst>
+    <dgm:effectClrLst/>
+    <dgm:txLinClrLst/>
+    <dgm:txFillClrLst meth="repeat">
+      <a:schemeClr val="dk1"/>
+    </dgm:txFillClrLst>
+    <dgm:txEffectClrLst/>
+  </dgm:styleLbl>
+  <dgm:styleLbl name="solidAlignAcc1">
+    <dgm:fillClrLst meth="repeat">
+      <a:schemeClr val="lt1"/>
+    </dgm:fillClrLst>
+    <dgm:linClrLst meth="repeat">
+      <a:schemeClr val="accent2"/>
+      <a:schemeClr val="accent3"/>
+      <a:schemeClr val="accent4"/>
+      <a:schemeClr val="accent5"/>
+      <a:schemeClr val="accent6"/>
+    </dgm:linClrLst>
+    <dgm:effectClrLst/>
+    <dgm:txLinClrLst/>
+    <dgm:txFillClrLst meth="repeat">
+      <a:schemeClr val="dk1"/>
+    </dgm:txFillClrLst>
+    <dgm:txEffectClrLst/>
+  </dgm:styleLbl>
+  <dgm:styleLbl name="solidBgAcc1">
+    <dgm:fillClrLst meth="repeat">
+      <a:schemeClr val="lt1"/>
+    </dgm:fillClrLst>
+    <dgm:linClrLst meth="repeat">
+      <a:schemeClr val="accent2"/>
+      <a:schemeClr val="accent3"/>
+      <a:schemeClr val="accent4"/>
+      <a:schemeClr val="accent5"/>
+      <a:schemeClr val="accent6"/>
+    </dgm:linClrLst>
+    <dgm:effectClrLst/>
+    <dgm:txLinClrLst/>
+    <dgm:txFillClrLst meth="repeat">
+      <a:schemeClr val="dk1"/>
+    </dgm:txFillClrLst>
+    <dgm:txEffectClrLst/>
+  </dgm:styleLbl>
+  <dgm:styleLbl name="fgAccFollowNode1">
+    <dgm:fillClrLst meth="repeat">
+      <a:schemeClr val="accent2">
+        <a:tint val="40000"/>
+        <a:alpha val="90000"/>
+      </a:schemeClr>
+      <a:schemeClr val="accent3">
+        <a:tint val="40000"/>
+        <a:alpha val="90000"/>
+      </a:schemeClr>
+      <a:schemeClr val="accent4">
+        <a:tint val="40000"/>
+        <a:alpha val="90000"/>
+      </a:schemeClr>
+      <a:schemeClr val="accent5">
+        <a:tint val="40000"/>
+        <a:alpha val="90000"/>
+      </a:schemeClr>
+      <a:schemeClr val="accent6">
+        <a:tint val="40000"/>
+        <a:alpha val="90000"/>
+      </a:schemeClr>
+    </dgm:fillClrLst>
+    <dgm:linClrLst meth="repeat">
+      <a:schemeClr val="accent2">
+        <a:tint val="40000"/>
+        <a:alpha val="90000"/>
+      </a:schemeClr>
+      <a:schemeClr val="accent3">
+        <a:tint val="40000"/>
+        <a:alpha val="90000"/>
+      </a:schemeClr>
+      <a:schemeClr val="accent4">
+        <a:tint val="40000"/>
+        <a:alpha val="90000"/>
+      </a:schemeClr>
+      <a:schemeClr val="accent5">
+        <a:tint val="40000"/>
+        <a:alpha val="90000"/>
+      </a:schemeClr>
+      <a:schemeClr val="accent6">
+        <a:tint val="40000"/>
+        <a:alpha val="90000"/>
+      </a:schemeClr>
+    </dgm:linClrLst>
+    <dgm:effectClrLst/>
+    <dgm:txLinClrLst/>
+    <dgm:txFillClrLst meth="repeat">
+      <a:schemeClr val="dk1"/>
+    </dgm:txFillClrLst>
+    <dgm:txEffectClrLst/>
+  </dgm:styleLbl>
+  <dgm:styleLbl name="alignAccFollowNode1">
+    <dgm:fillClrLst meth="repeat">
+      <a:schemeClr val="accent2">
+        <a:tint val="40000"/>
+        <a:alpha val="90000"/>
+      </a:schemeClr>
+      <a:schemeClr val="accent3">
+        <a:tint val="40000"/>
+        <a:alpha val="90000"/>
+      </a:schemeClr>
+      <a:schemeClr val="accent4">
+        <a:tint val="40000"/>
+        <a:alpha val="90000"/>
+      </a:schemeClr>
+      <a:schemeClr val="accent5">
+        <a:tint val="40000"/>
+        <a:alpha val="90000"/>
+      </a:schemeClr>
+      <a:schemeClr val="accent6">
+        <a:tint val="40000"/>
+        <a:alpha val="90000"/>
+      </a:schemeClr>
+    </dgm:fillClrLst>
+    <dgm:linClrLst meth="repeat">
+      <a:schemeClr val="accent2">
+        <a:tint val="40000"/>
+        <a:alpha val="90000"/>
+      </a:schemeClr>
+      <a:schemeClr val="accent3">
+        <a:tint val="40000"/>
+        <a:alpha val="90000"/>
+      </a:schemeClr>
+      <a:schemeClr val="accent4">
+        <a:tint val="40000"/>
+        <a:alpha val="90000"/>
+      </a:schemeClr>
+      <a:schemeClr val="accent5">
+        <a:tint val="40000"/>
+        <a:alpha val="90000"/>
+      </a:schemeClr>
+      <a:schemeClr val="accent6">
+        <a:tint val="40000"/>
+        <a:alpha val="90000"/>
+      </a:schemeClr>
+    </dgm:linClrLst>
+    <dgm:effectClrLst/>
+    <dgm:txLinClrLst/>
+    <dgm:txFillClrLst meth="repeat">
+      <a:schemeClr val="dk1"/>
+    </dgm:txFillClrLst>
+    <dgm:txEffectClrLst/>
+  </dgm:styleLbl>
+  <dgm:styleLbl name="bgAccFollowNode1">
+    <dgm:fillClrLst meth="repeat">
+      <a:schemeClr val="accent2">
+        <a:tint val="40000"/>
+        <a:alpha val="90000"/>
+      </a:schemeClr>
+      <a:schemeClr val="accent3">
+        <a:tint val="40000"/>
+        <a:alpha val="90000"/>
+      </a:schemeClr>
+      <a:schemeClr val="accent4">
+        <a:tint val="40000"/>
+        <a:alpha val="90000"/>
+      </a:schemeClr>
+      <a:schemeClr val="accent5">
+        <a:tint val="40000"/>
+        <a:alpha val="90000"/>
+      </a:schemeClr>
+      <a:schemeClr val="accent6">
+        <a:tint val="40000"/>
+        <a:alpha val="90000"/>
+      </a:schemeClr>
+    </dgm:fillClrLst>
+    <dgm:linClrLst meth="repeat">
+      <a:schemeClr val="accent2">
+        <a:tint val="40000"/>
+        <a:alpha val="90000"/>
+      </a:schemeClr>
+      <a:schemeClr val="accent3">
+        <a:tint val="40000"/>
+        <a:alpha val="90000"/>
+      </a:schemeClr>
+      <a:schemeClr val="accent4">
+        <a:tint val="40000"/>
+        <a:alpha val="90000"/>
+      </a:schemeClr>
+      <a:schemeClr val="accent5">
+        <a:tint val="40000"/>
+        <a:alpha val="90000"/>
+      </a:schemeClr>
+      <a:schemeClr val="accent6">
+        <a:tint val="40000"/>
+        <a:alpha val="90000"/>
+      </a:schemeClr>
+    </dgm:linClrLst>
+    <dgm:effectClrLst/>
+    <dgm:txLinClrLst/>
+    <dgm:txFillClrLst meth="repeat">
+      <a:schemeClr val="dk1"/>
+    </dgm:txFillClrLst>
+    <dgm:txEffectClrLst/>
+  </dgm:styleLbl>
+  <dgm:styleLbl name="fgAcc0">
+    <dgm:fillClrLst meth="repeat">
+      <a:schemeClr val="lt1">
+        <a:alpha val="90000"/>
+      </a:schemeClr>
+    </dgm:fillClrLst>
+    <dgm:linClrLst>
+      <a:schemeClr val="accent1"/>
+    </dgm:linClrLst>
+    <dgm:effectClrLst/>
+    <dgm:txLinClrLst/>
+    <dgm:txFillClrLst meth="repeat">
+      <a:schemeClr val="dk1"/>
+    </dgm:txFillClrLst>
+    <dgm:txEffectClrLst/>
+  </dgm:styleLbl>
+  <dgm:styleLbl name="fgAcc2">
+    <dgm:fillClrLst meth="repeat">
+      <a:schemeClr val="lt1">
+        <a:alpha val="90000"/>
+      </a:schemeClr>
+    </dgm:fillClrLst>
+    <dgm:linClrLst>
+      <a:schemeClr val="accent2"/>
+    </dgm:linClrLst>
+    <dgm:effectClrLst/>
+    <dgm:txLinClrLst/>
+    <dgm:txFillClrLst meth="repeat">
+      <a:schemeClr val="dk1"/>
+    </dgm:txFillClrLst>
+    <dgm:txEffectClrLst/>
+  </dgm:styleLbl>
+  <dgm:styleLbl name="fgAcc3">
+    <dgm:fillClrLst meth="repeat">
+      <a:schemeClr val="lt1">
+        <a:alpha val="90000"/>
+      </a:schemeClr>
+    </dgm:fillClrLst>
+    <dgm:linClrLst>
+      <a:schemeClr val="accent3"/>
+    </dgm:linClrLst>
+    <dgm:effectClrLst/>
+    <dgm:txLinClrLst/>
+    <dgm:txFillClrLst meth="repeat">
+      <a:schemeClr val="dk1"/>
+    </dgm:txFillClrLst>
+    <dgm:txEffectClrLst/>
+  </dgm:styleLbl>
+  <dgm:styleLbl name="fgAcc4">
+    <dgm:fillClrLst meth="repeat">
+      <a:schemeClr val="lt1">
+        <a:alpha val="90000"/>
+      </a:schemeClr>
+    </dgm:fillClrLst>
+    <dgm:linClrLst>
+      <a:schemeClr val="accent4"/>
+    </dgm:linClrLst>
+    <dgm:effectClrLst/>
+    <dgm:txLinClrLst/>
+    <dgm:txFillClrLst meth="repeat">
+      <a:schemeClr val="dk1"/>
+    </dgm:txFillClrLst>
+    <dgm:txEffectClrLst/>
+  </dgm:styleLbl>
+  <dgm:styleLbl name="bgShp">
+    <dgm:fillClrLst meth="repeat">
+      <a:schemeClr val="bg1">
+        <a:lumMod val="95000"/>
+      </a:schemeClr>
+    </dgm:fillClrLst>
+    <dgm:linClrLst meth="repeat">
+      <a:schemeClr val="dk1"/>
+    </dgm:linClrLst>
+    <dgm:effectClrLst/>
+    <dgm:txLinClrLst/>
+    <dgm:txFillClrLst meth="repeat">
+      <a:schemeClr val="dk1"/>
+    </dgm:txFillClrLst>
+    <dgm:txEffectClrLst/>
+  </dgm:styleLbl>
+  <dgm:styleLbl name="dkBgShp">
+    <dgm:fillClrLst meth="repeat">
+      <a:schemeClr val="accent2">
+        <a:shade val="90000"/>
+      </a:schemeClr>
+    </dgm:fillClrLst>
+    <dgm:linClrLst meth="repeat">
+      <a:schemeClr val="dk1"/>
+    </dgm:linClrLst>
+    <dgm:effectClrLst/>
+    <dgm:txLinClrLst/>
+    <dgm:txFillClrLst meth="repeat">
+      <a:schemeClr val="lt1"/>
+    </dgm:txFillClrLst>
+    <dgm:txEffectClrLst/>
+  </dgm:styleLbl>
+  <dgm:styleLbl name="trBgShp">
+    <dgm:fillClrLst meth="repeat">
+      <a:schemeClr val="accent1">
+        <a:tint val="50000"/>
+        <a:alpha val="40000"/>
+      </a:schemeClr>
+    </dgm:fillClrLst>
+    <dgm:linClrLst meth="repeat">
+      <a:schemeClr val="accent2"/>
+    </dgm:linClrLst>
+    <dgm:effectClrLst/>
+    <dgm:txLinClrLst/>
+    <dgm:txFillClrLst meth="repeat">
+      <a:schemeClr val="lt1"/>
+    </dgm:txFillClrLst>
+    <dgm:txEffectClrLst/>
+  </dgm:styleLbl>
+  <dgm:styleLbl name="fgShp">
+    <dgm:fillClrLst meth="repeat">
+      <a:schemeClr val="accent2">
+        <a:tint val="40000"/>
+      </a:schemeClr>
+    </dgm:fillClrLst>
+    <dgm:linClrLst meth="repeat">
+      <a:schemeClr val="lt1"/>
+    </dgm:linClrLst>
+    <dgm:effectClrLst/>
+    <dgm:txLinClrLst/>
+    <dgm:txFillClrLst meth="repeat">
+      <a:schemeClr val="dk1"/>
+    </dgm:txFillClrLst>
+    <dgm:txEffectClrLst/>
+  </dgm:styleLbl>
+  <dgm:styleLbl name="revTx">
+    <dgm:fillClrLst meth="repeat">
+      <a:schemeClr val="lt1">
+        <a:alpha val="0"/>
+      </a:schemeClr>
+    </dgm:fillClrLst>
+    <dgm:linClrLst meth="repeat">
+      <a:schemeClr val="dk1">
+        <a:alpha val="0"/>
+      </a:schemeClr>
+    </dgm:linClrLst>
+    <dgm:effectClrLst/>
+    <dgm:txLinClrLst/>
+    <dgm:txFillClrLst meth="repeat">
+      <a:schemeClr val="tx1"/>
+    </dgm:txFillClrLst>
+    <dgm:txEffectClrLst/>
+  </dgm:styleLbl>
+</dgm:colorsDef>
+</file>
+
+<file path=ppt/diagrams/data1.xml><?xml version="1.0" encoding="utf-8"?>
+<dgm:dataModel xmlns:dgm="http://schemas.openxmlformats.org/drawingml/2006/diagram" xmlns:a="http://schemas.openxmlformats.org/drawingml/2006/main">
+  <dgm:ptLst>
+    <dgm:pt modelId="{B88C075A-5546-4C1B-9CCB-FA8E9D9A8D56}" type="doc">
+      <dgm:prSet loTypeId="urn:microsoft.com/office/officeart/2005/8/layout/default" loCatId="list" qsTypeId="urn:microsoft.com/office/officeart/2005/8/quickstyle/simple1" qsCatId="simple" csTypeId="urn:microsoft.com/office/officeart/2005/8/colors/colorful5" csCatId="colorful"/>
+      <dgm:spPr/>
+      <dgm:t>
+        <a:bodyPr/>
+        <a:lstStyle/>
+        <a:p>
+          <a:endParaRPr lang="en-US"/>
+        </a:p>
+      </dgm:t>
+    </dgm:pt>
+    <dgm:pt modelId="{AF44F25C-24AB-4DAD-B3C4-2A19DDC36681}">
+      <dgm:prSet/>
+      <dgm:spPr/>
+      <dgm:t>
+        <a:bodyPr/>
+        <a:lstStyle/>
+        <a:p>
+          <a:r>
+            <a:rPr lang="en-US"/>
+            <a:t>Locate and clean the Data</a:t>
+          </a:r>
+        </a:p>
+      </dgm:t>
+    </dgm:pt>
+    <dgm:pt modelId="{E403A126-5647-4336-BB81-60C918DEEBC4}" type="parTrans" cxnId="{F8D33206-C26C-4787-8E28-9430CD30698B}">
+      <dgm:prSet/>
+      <dgm:spPr/>
+      <dgm:t>
+        <a:bodyPr/>
+        <a:lstStyle/>
+        <a:p>
+          <a:endParaRPr lang="en-US"/>
+        </a:p>
+      </dgm:t>
+    </dgm:pt>
+    <dgm:pt modelId="{BA3793C4-2ACA-4AA8-BDB4-4F7497F4A4B9}" type="sibTrans" cxnId="{F8D33206-C26C-4787-8E28-9430CD30698B}">
+      <dgm:prSet/>
+      <dgm:spPr/>
+      <dgm:t>
+        <a:bodyPr/>
+        <a:lstStyle/>
+        <a:p>
+          <a:endParaRPr lang="en-US"/>
+        </a:p>
+      </dgm:t>
+    </dgm:pt>
+    <dgm:pt modelId="{5571FAE2-2F16-4B83-8F72-26AAF24C19D3}">
+      <dgm:prSet/>
+      <dgm:spPr/>
+      <dgm:t>
+        <a:bodyPr/>
+        <a:lstStyle/>
+        <a:p>
+          <a:r>
+            <a:rPr lang="en-US"/>
+            <a:t>What are the common metrics for the average home purchase</a:t>
+          </a:r>
+        </a:p>
+      </dgm:t>
+    </dgm:pt>
+    <dgm:pt modelId="{0F4D1EEB-F8EE-4679-B428-D12F53909C45}" type="parTrans" cxnId="{FC7285DB-8C42-4735-BBE3-9CFD71050855}">
+      <dgm:prSet/>
+      <dgm:spPr/>
+      <dgm:t>
+        <a:bodyPr/>
+        <a:lstStyle/>
+        <a:p>
+          <a:endParaRPr lang="en-US"/>
+        </a:p>
+      </dgm:t>
+    </dgm:pt>
+    <dgm:pt modelId="{EB2A79E6-A044-483F-B99F-379EF6F5AA4A}" type="sibTrans" cxnId="{FC7285DB-8C42-4735-BBE3-9CFD71050855}">
+      <dgm:prSet/>
+      <dgm:spPr/>
+      <dgm:t>
+        <a:bodyPr/>
+        <a:lstStyle/>
+        <a:p>
+          <a:endParaRPr lang="en-US"/>
+        </a:p>
+      </dgm:t>
+    </dgm:pt>
+    <dgm:pt modelId="{2F0856C9-A568-4EDE-AC97-7153F7E1058E}">
+      <dgm:prSet/>
+      <dgm:spPr/>
+      <dgm:t>
+        <a:bodyPr/>
+        <a:lstStyle/>
+        <a:p>
+          <a:r>
+            <a:rPr lang="en-US"/>
+            <a:t>Create bins of data to represent common breakpoints</a:t>
+          </a:r>
+        </a:p>
+      </dgm:t>
+    </dgm:pt>
+    <dgm:pt modelId="{F11CBE9F-4A0F-478A-B908-C2DD28A731A3}" type="parTrans" cxnId="{41044534-D9D9-4B04-9F76-9082ADAE61CE}">
+      <dgm:prSet/>
+      <dgm:spPr/>
+      <dgm:t>
+        <a:bodyPr/>
+        <a:lstStyle/>
+        <a:p>
+          <a:endParaRPr lang="en-US"/>
+        </a:p>
+      </dgm:t>
+    </dgm:pt>
+    <dgm:pt modelId="{F4274B68-446B-4566-A8BD-1F509747ECE5}" type="sibTrans" cxnId="{41044534-D9D9-4B04-9F76-9082ADAE61CE}">
+      <dgm:prSet/>
+      <dgm:spPr/>
+      <dgm:t>
+        <a:bodyPr/>
+        <a:lstStyle/>
+        <a:p>
+          <a:endParaRPr lang="en-US"/>
+        </a:p>
+      </dgm:t>
+    </dgm:pt>
+    <dgm:pt modelId="{89763544-6E73-4396-84C5-C9BCFFF742A7}">
+      <dgm:prSet/>
+      <dgm:spPr/>
+      <dgm:t>
+        <a:bodyPr/>
+        <a:lstStyle/>
+        <a:p>
+          <a:r>
+            <a:rPr lang="en-US"/>
+            <a:t>Create visual aides to guide our home buyer</a:t>
+          </a:r>
+        </a:p>
+      </dgm:t>
+    </dgm:pt>
+    <dgm:pt modelId="{5088EE38-FA20-489E-B0DE-097CAD6C6131}" type="parTrans" cxnId="{F74E0624-BA96-4FE1-977A-8FA1E3248A19}">
+      <dgm:prSet/>
+      <dgm:spPr/>
+      <dgm:t>
+        <a:bodyPr/>
+        <a:lstStyle/>
+        <a:p>
+          <a:endParaRPr lang="en-US"/>
+        </a:p>
+      </dgm:t>
+    </dgm:pt>
+    <dgm:pt modelId="{C0070DFD-D682-444D-A442-C943B70BFB15}" type="sibTrans" cxnId="{F74E0624-BA96-4FE1-977A-8FA1E3248A19}">
+      <dgm:prSet/>
+      <dgm:spPr/>
+      <dgm:t>
+        <a:bodyPr/>
+        <a:lstStyle/>
+        <a:p>
+          <a:endParaRPr lang="en-US"/>
+        </a:p>
+      </dgm:t>
+    </dgm:pt>
+    <dgm:pt modelId="{693B05C2-424B-479E-B4A1-6D592FC7B3C1}">
+      <dgm:prSet/>
+      <dgm:spPr/>
+      <dgm:t>
+        <a:bodyPr/>
+        <a:lstStyle/>
+        <a:p>
+          <a:r>
+            <a:rPr lang="en-US"/>
+            <a:t>Identify current trends in the market</a:t>
+          </a:r>
+        </a:p>
+      </dgm:t>
+    </dgm:pt>
+    <dgm:pt modelId="{5C749BAF-4996-458F-BDAD-1CE4FC7414FB}" type="parTrans" cxnId="{38839992-1107-4872-98DD-C1836426B515}">
+      <dgm:prSet/>
+      <dgm:spPr/>
+      <dgm:t>
+        <a:bodyPr/>
+        <a:lstStyle/>
+        <a:p>
+          <a:endParaRPr lang="en-US"/>
+        </a:p>
+      </dgm:t>
+    </dgm:pt>
+    <dgm:pt modelId="{B1CC7E8F-75CC-4F8B-81B1-46F47DF63A4C}" type="sibTrans" cxnId="{38839992-1107-4872-98DD-C1836426B515}">
+      <dgm:prSet/>
+      <dgm:spPr/>
+      <dgm:t>
+        <a:bodyPr/>
+        <a:lstStyle/>
+        <a:p>
+          <a:endParaRPr lang="en-US"/>
+        </a:p>
+      </dgm:t>
+    </dgm:pt>
+    <dgm:pt modelId="{2E10044B-616E-4A77-9893-C7AACC3349E0}">
+      <dgm:prSet/>
+      <dgm:spPr/>
+      <dgm:t>
+        <a:bodyPr/>
+        <a:lstStyle/>
+        <a:p>
+          <a:r>
+            <a:rPr lang="en-US"/>
+            <a:t>Identify/Eliminate outliers</a:t>
+          </a:r>
+        </a:p>
+      </dgm:t>
+    </dgm:pt>
+    <dgm:pt modelId="{E54071CE-1C1F-4A8F-8974-4F9ACAC2C636}" type="parTrans" cxnId="{D0082FD6-9725-4706-89E6-075D41065364}">
+      <dgm:prSet/>
+      <dgm:spPr/>
+      <dgm:t>
+        <a:bodyPr/>
+        <a:lstStyle/>
+        <a:p>
+          <a:endParaRPr lang="en-US"/>
+        </a:p>
+      </dgm:t>
+    </dgm:pt>
+    <dgm:pt modelId="{9E528530-C10E-436C-B2FE-3C585BFCDD93}" type="sibTrans" cxnId="{D0082FD6-9725-4706-89E6-075D41065364}">
+      <dgm:prSet/>
+      <dgm:spPr/>
+      <dgm:t>
+        <a:bodyPr/>
+        <a:lstStyle/>
+        <a:p>
+          <a:endParaRPr lang="en-US"/>
+        </a:p>
+      </dgm:t>
+    </dgm:pt>
+    <dgm:pt modelId="{3F5D94A1-C533-4654-834E-58DB5FDB4E3A}">
+      <dgm:prSet/>
+      <dgm:spPr/>
+      <dgm:t>
+        <a:bodyPr/>
+        <a:lstStyle/>
+        <a:p>
+          <a:r>
+            <a:rPr lang="en-US"/>
+            <a:t>Using median or mean?</a:t>
+          </a:r>
+        </a:p>
+      </dgm:t>
+    </dgm:pt>
+    <dgm:pt modelId="{2CCF212D-5391-42AF-AF26-5D02E8FB878E}" type="parTrans" cxnId="{2C380E43-2125-41BE-BAAC-DA9F9C9379D8}">
+      <dgm:prSet/>
+      <dgm:spPr/>
+      <dgm:t>
+        <a:bodyPr/>
+        <a:lstStyle/>
+        <a:p>
+          <a:endParaRPr lang="en-US"/>
+        </a:p>
+      </dgm:t>
+    </dgm:pt>
+    <dgm:pt modelId="{E04E70D9-EC4F-4377-82E8-CF5CF2EFB681}" type="sibTrans" cxnId="{2C380E43-2125-41BE-BAAC-DA9F9C9379D8}">
+      <dgm:prSet/>
+      <dgm:spPr/>
+      <dgm:t>
+        <a:bodyPr/>
+        <a:lstStyle/>
+        <a:p>
+          <a:endParaRPr lang="en-US"/>
+        </a:p>
+      </dgm:t>
+    </dgm:pt>
+    <dgm:pt modelId="{D1794CE9-33C0-47D1-8167-215D5E3BE6AD}" type="pres">
+      <dgm:prSet presAssocID="{B88C075A-5546-4C1B-9CCB-FA8E9D9A8D56}" presName="diagram" presStyleCnt="0">
+        <dgm:presLayoutVars>
+          <dgm:dir/>
+          <dgm:resizeHandles val="exact"/>
+        </dgm:presLayoutVars>
+      </dgm:prSet>
+      <dgm:spPr/>
+    </dgm:pt>
+    <dgm:pt modelId="{D1AD5F10-B670-40FD-97C6-3C80498E0516}" type="pres">
+      <dgm:prSet presAssocID="{AF44F25C-24AB-4DAD-B3C4-2A19DDC36681}" presName="node" presStyleLbl="node1" presStyleIdx="0" presStyleCnt="7">
+        <dgm:presLayoutVars>
+          <dgm:bulletEnabled val="1"/>
+        </dgm:presLayoutVars>
+      </dgm:prSet>
+      <dgm:spPr/>
+    </dgm:pt>
+    <dgm:pt modelId="{B652EF23-0690-4D40-8038-5F59A0B6827A}" type="pres">
+      <dgm:prSet presAssocID="{BA3793C4-2ACA-4AA8-BDB4-4F7497F4A4B9}" presName="sibTrans" presStyleCnt="0"/>
+      <dgm:spPr/>
+    </dgm:pt>
+    <dgm:pt modelId="{2FE6F025-81DA-4E67-9334-8F3E1A7754DE}" type="pres">
+      <dgm:prSet presAssocID="{5571FAE2-2F16-4B83-8F72-26AAF24C19D3}" presName="node" presStyleLbl="node1" presStyleIdx="1" presStyleCnt="7">
+        <dgm:presLayoutVars>
+          <dgm:bulletEnabled val="1"/>
+        </dgm:presLayoutVars>
+      </dgm:prSet>
+      <dgm:spPr/>
+    </dgm:pt>
+    <dgm:pt modelId="{A374E68F-523F-42C1-8E6C-BC38F602BB3A}" type="pres">
+      <dgm:prSet presAssocID="{EB2A79E6-A044-483F-B99F-379EF6F5AA4A}" presName="sibTrans" presStyleCnt="0"/>
+      <dgm:spPr/>
+    </dgm:pt>
+    <dgm:pt modelId="{DEA5876E-F6B0-414E-84E2-DB1CE3754D39}" type="pres">
+      <dgm:prSet presAssocID="{2F0856C9-A568-4EDE-AC97-7153F7E1058E}" presName="node" presStyleLbl="node1" presStyleIdx="2" presStyleCnt="7">
+        <dgm:presLayoutVars>
+          <dgm:bulletEnabled val="1"/>
+        </dgm:presLayoutVars>
+      </dgm:prSet>
+      <dgm:spPr/>
+    </dgm:pt>
+    <dgm:pt modelId="{FA19A015-FF88-4FFB-9FE1-9BA479FFBFF7}" type="pres">
+      <dgm:prSet presAssocID="{F4274B68-446B-4566-A8BD-1F509747ECE5}" presName="sibTrans" presStyleCnt="0"/>
+      <dgm:spPr/>
+    </dgm:pt>
+    <dgm:pt modelId="{FAEF3DA3-E617-4868-BE94-F4D303EC8D9F}" type="pres">
+      <dgm:prSet presAssocID="{89763544-6E73-4396-84C5-C9BCFFF742A7}" presName="node" presStyleLbl="node1" presStyleIdx="3" presStyleCnt="7">
+        <dgm:presLayoutVars>
+          <dgm:bulletEnabled val="1"/>
+        </dgm:presLayoutVars>
+      </dgm:prSet>
+      <dgm:spPr/>
+    </dgm:pt>
+    <dgm:pt modelId="{7B8CEB8B-B9CF-45B6-BB2A-B7B7CC503FFA}" type="pres">
+      <dgm:prSet presAssocID="{C0070DFD-D682-444D-A442-C943B70BFB15}" presName="sibTrans" presStyleCnt="0"/>
+      <dgm:spPr/>
+    </dgm:pt>
+    <dgm:pt modelId="{7F48B29A-5D70-4698-AD78-077475E98CEE}" type="pres">
+      <dgm:prSet presAssocID="{693B05C2-424B-479E-B4A1-6D592FC7B3C1}" presName="node" presStyleLbl="node1" presStyleIdx="4" presStyleCnt="7">
+        <dgm:presLayoutVars>
+          <dgm:bulletEnabled val="1"/>
+        </dgm:presLayoutVars>
+      </dgm:prSet>
+      <dgm:spPr/>
+    </dgm:pt>
+    <dgm:pt modelId="{33FFD440-974A-47CA-B358-A1748D9C2464}" type="pres">
+      <dgm:prSet presAssocID="{B1CC7E8F-75CC-4F8B-81B1-46F47DF63A4C}" presName="sibTrans" presStyleCnt="0"/>
+      <dgm:spPr/>
+    </dgm:pt>
+    <dgm:pt modelId="{682DD05E-258E-4865-8ACC-E5999C397932}" type="pres">
+      <dgm:prSet presAssocID="{2E10044B-616E-4A77-9893-C7AACC3349E0}" presName="node" presStyleLbl="node1" presStyleIdx="5" presStyleCnt="7">
+        <dgm:presLayoutVars>
+          <dgm:bulletEnabled val="1"/>
+        </dgm:presLayoutVars>
+      </dgm:prSet>
+      <dgm:spPr/>
+    </dgm:pt>
+    <dgm:pt modelId="{55DB6B4A-A798-4BEA-952C-19FA4BBC137B}" type="pres">
+      <dgm:prSet presAssocID="{9E528530-C10E-436C-B2FE-3C585BFCDD93}" presName="sibTrans" presStyleCnt="0"/>
+      <dgm:spPr/>
+    </dgm:pt>
+    <dgm:pt modelId="{42968090-1DD9-45B5-AC6C-6070331EC59E}" type="pres">
+      <dgm:prSet presAssocID="{3F5D94A1-C533-4654-834E-58DB5FDB4E3A}" presName="node" presStyleLbl="node1" presStyleIdx="6" presStyleCnt="7">
+        <dgm:presLayoutVars>
+          <dgm:bulletEnabled val="1"/>
+        </dgm:presLayoutVars>
+      </dgm:prSet>
+      <dgm:spPr/>
+    </dgm:pt>
+  </dgm:ptLst>
+  <dgm:cxnLst>
+    <dgm:cxn modelId="{F8D33206-C26C-4787-8E28-9430CD30698B}" srcId="{B88C075A-5546-4C1B-9CCB-FA8E9D9A8D56}" destId="{AF44F25C-24AB-4DAD-B3C4-2A19DDC36681}" srcOrd="0" destOrd="0" parTransId="{E403A126-5647-4336-BB81-60C918DEEBC4}" sibTransId="{BA3793C4-2ACA-4AA8-BDB4-4F7497F4A4B9}"/>
+    <dgm:cxn modelId="{72CEC221-9B2E-4EDD-85A5-A1606083E740}" type="presOf" srcId="{3F5D94A1-C533-4654-834E-58DB5FDB4E3A}" destId="{42968090-1DD9-45B5-AC6C-6070331EC59E}" srcOrd="0" destOrd="0" presId="urn:microsoft.com/office/officeart/2005/8/layout/default"/>
+    <dgm:cxn modelId="{F74E0624-BA96-4FE1-977A-8FA1E3248A19}" srcId="{B88C075A-5546-4C1B-9CCB-FA8E9D9A8D56}" destId="{89763544-6E73-4396-84C5-C9BCFFF742A7}" srcOrd="3" destOrd="0" parTransId="{5088EE38-FA20-489E-B0DE-097CAD6C6131}" sibTransId="{C0070DFD-D682-444D-A442-C943B70BFB15}"/>
+    <dgm:cxn modelId="{41044534-D9D9-4B04-9F76-9082ADAE61CE}" srcId="{B88C075A-5546-4C1B-9CCB-FA8E9D9A8D56}" destId="{2F0856C9-A568-4EDE-AC97-7153F7E1058E}" srcOrd="2" destOrd="0" parTransId="{F11CBE9F-4A0F-478A-B908-C2DD28A731A3}" sibTransId="{F4274B68-446B-4566-A8BD-1F509747ECE5}"/>
+    <dgm:cxn modelId="{BF14FD62-D078-4E36-BED1-DEF820A47CCB}" type="presOf" srcId="{B88C075A-5546-4C1B-9CCB-FA8E9D9A8D56}" destId="{D1794CE9-33C0-47D1-8167-215D5E3BE6AD}" srcOrd="0" destOrd="0" presId="urn:microsoft.com/office/officeart/2005/8/layout/default"/>
+    <dgm:cxn modelId="{2C380E43-2125-41BE-BAAC-DA9F9C9379D8}" srcId="{B88C075A-5546-4C1B-9CCB-FA8E9D9A8D56}" destId="{3F5D94A1-C533-4654-834E-58DB5FDB4E3A}" srcOrd="6" destOrd="0" parTransId="{2CCF212D-5391-42AF-AF26-5D02E8FB878E}" sibTransId="{E04E70D9-EC4F-4377-82E8-CF5CF2EFB681}"/>
+    <dgm:cxn modelId="{A8014163-55F9-46E6-8D75-EE0B6D4D99FE}" type="presOf" srcId="{2E10044B-616E-4A77-9893-C7AACC3349E0}" destId="{682DD05E-258E-4865-8ACC-E5999C397932}" srcOrd="0" destOrd="0" presId="urn:microsoft.com/office/officeart/2005/8/layout/default"/>
+    <dgm:cxn modelId="{6A96876A-C499-4609-8379-CAF3AD6A10E0}" type="presOf" srcId="{693B05C2-424B-479E-B4A1-6D592FC7B3C1}" destId="{7F48B29A-5D70-4698-AD78-077475E98CEE}" srcOrd="0" destOrd="0" presId="urn:microsoft.com/office/officeart/2005/8/layout/default"/>
+    <dgm:cxn modelId="{DB52CF58-F312-40EE-AF27-975B6990B827}" type="presOf" srcId="{89763544-6E73-4396-84C5-C9BCFFF742A7}" destId="{FAEF3DA3-E617-4868-BE94-F4D303EC8D9F}" srcOrd="0" destOrd="0" presId="urn:microsoft.com/office/officeart/2005/8/layout/default"/>
+    <dgm:cxn modelId="{38839992-1107-4872-98DD-C1836426B515}" srcId="{B88C075A-5546-4C1B-9CCB-FA8E9D9A8D56}" destId="{693B05C2-424B-479E-B4A1-6D592FC7B3C1}" srcOrd="4" destOrd="0" parTransId="{5C749BAF-4996-458F-BDAD-1CE4FC7414FB}" sibTransId="{B1CC7E8F-75CC-4F8B-81B1-46F47DF63A4C}"/>
+    <dgm:cxn modelId="{D3C5A693-2DAE-444A-9F54-F5EEA905567F}" type="presOf" srcId="{5571FAE2-2F16-4B83-8F72-26AAF24C19D3}" destId="{2FE6F025-81DA-4E67-9334-8F3E1A7754DE}" srcOrd="0" destOrd="0" presId="urn:microsoft.com/office/officeart/2005/8/layout/default"/>
+    <dgm:cxn modelId="{ECB7A8B5-6982-4DD1-8756-64F9C774D025}" type="presOf" srcId="{AF44F25C-24AB-4DAD-B3C4-2A19DDC36681}" destId="{D1AD5F10-B670-40FD-97C6-3C80498E0516}" srcOrd="0" destOrd="0" presId="urn:microsoft.com/office/officeart/2005/8/layout/default"/>
+    <dgm:cxn modelId="{636D2BC0-41EC-4826-8D2F-20BF0A5ECA77}" type="presOf" srcId="{2F0856C9-A568-4EDE-AC97-7153F7E1058E}" destId="{DEA5876E-F6B0-414E-84E2-DB1CE3754D39}" srcOrd="0" destOrd="0" presId="urn:microsoft.com/office/officeart/2005/8/layout/default"/>
+    <dgm:cxn modelId="{D0082FD6-9725-4706-89E6-075D41065364}" srcId="{B88C075A-5546-4C1B-9CCB-FA8E9D9A8D56}" destId="{2E10044B-616E-4A77-9893-C7AACC3349E0}" srcOrd="5" destOrd="0" parTransId="{E54071CE-1C1F-4A8F-8974-4F9ACAC2C636}" sibTransId="{9E528530-C10E-436C-B2FE-3C585BFCDD93}"/>
+    <dgm:cxn modelId="{FC7285DB-8C42-4735-BBE3-9CFD71050855}" srcId="{B88C075A-5546-4C1B-9CCB-FA8E9D9A8D56}" destId="{5571FAE2-2F16-4B83-8F72-26AAF24C19D3}" srcOrd="1" destOrd="0" parTransId="{0F4D1EEB-F8EE-4679-B428-D12F53909C45}" sibTransId="{EB2A79E6-A044-483F-B99F-379EF6F5AA4A}"/>
+    <dgm:cxn modelId="{B19D7CD1-87FF-4E84-B8A8-A194CD7B863D}" type="presParOf" srcId="{D1794CE9-33C0-47D1-8167-215D5E3BE6AD}" destId="{D1AD5F10-B670-40FD-97C6-3C80498E0516}" srcOrd="0" destOrd="0" presId="urn:microsoft.com/office/officeart/2005/8/layout/default"/>
+    <dgm:cxn modelId="{BA92D475-5594-476B-8756-EEA9BCD24C72}" type="presParOf" srcId="{D1794CE9-33C0-47D1-8167-215D5E3BE6AD}" destId="{B652EF23-0690-4D40-8038-5F59A0B6827A}" srcOrd="1" destOrd="0" presId="urn:microsoft.com/office/officeart/2005/8/layout/default"/>
+    <dgm:cxn modelId="{979568E9-D2FF-47E2-9D00-DADFBB2A8A7A}" type="presParOf" srcId="{D1794CE9-33C0-47D1-8167-215D5E3BE6AD}" destId="{2FE6F025-81DA-4E67-9334-8F3E1A7754DE}" srcOrd="2" destOrd="0" presId="urn:microsoft.com/office/officeart/2005/8/layout/default"/>
+    <dgm:cxn modelId="{7C2B6A3D-9824-45F9-8D7D-E5BDE0BF0AF0}" type="presParOf" srcId="{D1794CE9-33C0-47D1-8167-215D5E3BE6AD}" destId="{A374E68F-523F-42C1-8E6C-BC38F602BB3A}" srcOrd="3" destOrd="0" presId="urn:microsoft.com/office/officeart/2005/8/layout/default"/>
+    <dgm:cxn modelId="{DA71F148-46D7-43D1-B54B-19FEE594E503}" type="presParOf" srcId="{D1794CE9-33C0-47D1-8167-215D5E3BE6AD}" destId="{DEA5876E-F6B0-414E-84E2-DB1CE3754D39}" srcOrd="4" destOrd="0" presId="urn:microsoft.com/office/officeart/2005/8/layout/default"/>
+    <dgm:cxn modelId="{1B9D2BFF-EBEE-457A-872A-5CF9F3DDAD01}" type="presParOf" srcId="{D1794CE9-33C0-47D1-8167-215D5E3BE6AD}" destId="{FA19A015-FF88-4FFB-9FE1-9BA479FFBFF7}" srcOrd="5" destOrd="0" presId="urn:microsoft.com/office/officeart/2005/8/layout/default"/>
+    <dgm:cxn modelId="{83DDEA29-6D6D-493F-9550-0F3C7232FA74}" type="presParOf" srcId="{D1794CE9-33C0-47D1-8167-215D5E3BE6AD}" destId="{FAEF3DA3-E617-4868-BE94-F4D303EC8D9F}" srcOrd="6" destOrd="0" presId="urn:microsoft.com/office/officeart/2005/8/layout/default"/>
+    <dgm:cxn modelId="{EA4BB49A-CF73-485F-8EB6-E6D216976F11}" type="presParOf" srcId="{D1794CE9-33C0-47D1-8167-215D5E3BE6AD}" destId="{7B8CEB8B-B9CF-45B6-BB2A-B7B7CC503FFA}" srcOrd="7" destOrd="0" presId="urn:microsoft.com/office/officeart/2005/8/layout/default"/>
+    <dgm:cxn modelId="{0572502F-1729-4DE4-A47D-6F41D7C8191E}" type="presParOf" srcId="{D1794CE9-33C0-47D1-8167-215D5E3BE6AD}" destId="{7F48B29A-5D70-4698-AD78-077475E98CEE}" srcOrd="8" destOrd="0" presId="urn:microsoft.com/office/officeart/2005/8/layout/default"/>
+    <dgm:cxn modelId="{5F4384CA-8EC1-43C6-874E-FBDF33559D0C}" type="presParOf" srcId="{D1794CE9-33C0-47D1-8167-215D5E3BE6AD}" destId="{33FFD440-974A-47CA-B358-A1748D9C2464}" srcOrd="9" destOrd="0" presId="urn:microsoft.com/office/officeart/2005/8/layout/default"/>
+    <dgm:cxn modelId="{28DC1AEC-6B4D-49B2-B87C-2EE3059DAC9A}" type="presParOf" srcId="{D1794CE9-33C0-47D1-8167-215D5E3BE6AD}" destId="{682DD05E-258E-4865-8ACC-E5999C397932}" srcOrd="10" destOrd="0" presId="urn:microsoft.com/office/officeart/2005/8/layout/default"/>
+    <dgm:cxn modelId="{5C156501-EE55-4133-B24E-43D4AFFCB9CC}" type="presParOf" srcId="{D1794CE9-33C0-47D1-8167-215D5E3BE6AD}" destId="{55DB6B4A-A798-4BEA-952C-19FA4BBC137B}" srcOrd="11" destOrd="0" presId="urn:microsoft.com/office/officeart/2005/8/layout/default"/>
+    <dgm:cxn modelId="{0A6DEA80-1C37-4348-B6D6-B048961E3BC8}" type="presParOf" srcId="{D1794CE9-33C0-47D1-8167-215D5E3BE6AD}" destId="{42968090-1DD9-45B5-AC6C-6070331EC59E}" srcOrd="12" destOrd="0" presId="urn:microsoft.com/office/officeart/2005/8/layout/default"/>
+  </dgm:cxnLst>
+  <dgm:bg/>
+  <dgm:whole/>
+  <dgm:extLst>
+    <a:ext uri="http://schemas.microsoft.com/office/drawing/2008/diagram">
+      <dsp:dataModelExt xmlns:dsp="http://schemas.microsoft.com/office/drawing/2008/diagram" relId="rId6" minVer="http://schemas.openxmlformats.org/drawingml/2006/diagram"/>
+    </a:ext>
+  </dgm:extLst>
+</dgm:dataModel>
+</file>
+
+<file path=ppt/diagrams/data2.xml><?xml version="1.0" encoding="utf-8"?>
+<dgm:dataModel xmlns:dgm="http://schemas.openxmlformats.org/drawingml/2006/diagram" xmlns:a="http://schemas.openxmlformats.org/drawingml/2006/main">
+  <dgm:ptLst>
+    <dgm:pt modelId="{89E3C270-40D8-4150-B8BC-CCB5F0CCA7A0}" type="doc">
+      <dgm:prSet loTypeId="urn:microsoft.com/office/officeart/2018/2/layout/IconVerticalSolidList" loCatId="icon" qsTypeId="urn:microsoft.com/office/officeart/2005/8/quickstyle/simple1" qsCatId="simple" csTypeId="urn:microsoft.com/office/officeart/2018/5/colors/Iconchunking_neutralbg_colorful1" csCatId="colorful" phldr="1"/>
+      <dgm:spPr/>
+      <dgm:t>
+        <a:bodyPr/>
+        <a:lstStyle/>
+        <a:p>
+          <a:endParaRPr lang="en-US"/>
+        </a:p>
+      </dgm:t>
+    </dgm:pt>
+    <dgm:pt modelId="{B2ED9F61-BB91-4AFB-BA5D-CD0507E73665}">
+      <dgm:prSet/>
+      <dgm:spPr/>
+      <dgm:t>
+        <a:bodyPr/>
+        <a:lstStyle/>
+        <a:p>
+          <a:r>
+            <a:rPr lang="en-US"/>
+            <a:t>First, Locate and clean the data</a:t>
+          </a:r>
+        </a:p>
+      </dgm:t>
+    </dgm:pt>
+    <dgm:pt modelId="{A24884AA-98FB-48EE-B4B9-06C8546C0B16}" type="parTrans" cxnId="{AE3ECD4A-93C3-432E-8E4A-25C9C7DAB30F}">
+      <dgm:prSet/>
+      <dgm:spPr/>
+      <dgm:t>
+        <a:bodyPr/>
+        <a:lstStyle/>
+        <a:p>
+          <a:endParaRPr lang="en-US"/>
+        </a:p>
+      </dgm:t>
+    </dgm:pt>
+    <dgm:pt modelId="{809B29FD-9771-41F8-9F7C-DD95A6AC852A}" type="sibTrans" cxnId="{AE3ECD4A-93C3-432E-8E4A-25C9C7DAB30F}">
+      <dgm:prSet/>
+      <dgm:spPr/>
+      <dgm:t>
+        <a:bodyPr/>
+        <a:lstStyle/>
+        <a:p>
+          <a:endParaRPr lang="en-US"/>
+        </a:p>
+      </dgm:t>
+    </dgm:pt>
+    <dgm:pt modelId="{984E8D4F-3604-4BE5-A699-FB420029918B}">
+      <dgm:prSet/>
+      <dgm:spPr/>
+      <dgm:t>
+        <a:bodyPr/>
+        <a:lstStyle/>
+        <a:p>
+          <a:r>
+            <a:rPr lang="en-US"/>
+            <a:t>Next, we analyze the data and create practical depictions</a:t>
+          </a:r>
+        </a:p>
+      </dgm:t>
+    </dgm:pt>
+    <dgm:pt modelId="{7B6B2F14-49F7-4F4E-92EA-88960159CB5C}" type="parTrans" cxnId="{FA988397-007A-4DA0-8978-2AE6AFCD388F}">
+      <dgm:prSet/>
+      <dgm:spPr/>
+      <dgm:t>
+        <a:bodyPr/>
+        <a:lstStyle/>
+        <a:p>
+          <a:endParaRPr lang="en-US"/>
+        </a:p>
+      </dgm:t>
+    </dgm:pt>
+    <dgm:pt modelId="{68AF0C7E-BF01-4725-B7E9-D55103805B71}" type="sibTrans" cxnId="{FA988397-007A-4DA0-8978-2AE6AFCD388F}">
+      <dgm:prSet/>
+      <dgm:spPr/>
+      <dgm:t>
+        <a:bodyPr/>
+        <a:lstStyle/>
+        <a:p>
+          <a:endParaRPr lang="en-US"/>
+        </a:p>
+      </dgm:t>
+    </dgm:pt>
+    <dgm:pt modelId="{3DEDAE3C-14E1-41D0-9EBE-DC50473B83C0}">
+      <dgm:prSet/>
+      <dgm:spPr/>
+      <dgm:t>
+        <a:bodyPr/>
+        <a:lstStyle/>
+        <a:p>
+          <a:r>
+            <a:rPr lang="en-US"/>
+            <a:t>Finally, our conclusions are presented to the client </a:t>
+          </a:r>
+        </a:p>
+      </dgm:t>
+    </dgm:pt>
+    <dgm:pt modelId="{FDFA8972-3370-46AC-A136-B43796122517}" type="parTrans" cxnId="{47F39CF6-2ADF-44EE-9042-6E3520318836}">
+      <dgm:prSet/>
+      <dgm:spPr/>
+      <dgm:t>
+        <a:bodyPr/>
+        <a:lstStyle/>
+        <a:p>
+          <a:endParaRPr lang="en-US"/>
+        </a:p>
+      </dgm:t>
+    </dgm:pt>
+    <dgm:pt modelId="{FDE0F522-9BA1-40A7-A472-9341D806EB05}" type="sibTrans" cxnId="{47F39CF6-2ADF-44EE-9042-6E3520318836}">
+      <dgm:prSet/>
+      <dgm:spPr/>
+      <dgm:t>
+        <a:bodyPr/>
+        <a:lstStyle/>
+        <a:p>
+          <a:endParaRPr lang="en-US"/>
+        </a:p>
+      </dgm:t>
+    </dgm:pt>
+    <dgm:pt modelId="{952F30C2-8C1A-489C-BA32-2B240FCB59D8}" type="pres">
+      <dgm:prSet presAssocID="{89E3C270-40D8-4150-B8BC-CCB5F0CCA7A0}" presName="root" presStyleCnt="0">
+        <dgm:presLayoutVars>
+          <dgm:dir/>
+          <dgm:resizeHandles val="exact"/>
+        </dgm:presLayoutVars>
+      </dgm:prSet>
+      <dgm:spPr/>
+    </dgm:pt>
+    <dgm:pt modelId="{DDC480CF-5608-4E51-98AA-1AAE1E4BCD88}" type="pres">
+      <dgm:prSet presAssocID="{B2ED9F61-BB91-4AFB-BA5D-CD0507E73665}" presName="compNode" presStyleCnt="0"/>
+      <dgm:spPr/>
+    </dgm:pt>
+    <dgm:pt modelId="{C028D653-0A93-4FF7-A2C1-0349E089D219}" type="pres">
+      <dgm:prSet presAssocID="{B2ED9F61-BB91-4AFB-BA5D-CD0507E73665}" presName="bgRect" presStyleLbl="bgShp" presStyleIdx="0" presStyleCnt="3"/>
+      <dgm:spPr/>
+    </dgm:pt>
+    <dgm:pt modelId="{840D629B-5B23-405E-9D4E-85A034042900}" type="pres">
+      <dgm:prSet presAssocID="{B2ED9F61-BB91-4AFB-BA5D-CD0507E73665}" presName="iconRect" presStyleLbl="node1" presStyleIdx="0" presStyleCnt="3"/>
+      <dgm:spPr>
+        <a:blipFill>
+          <a:blip xmlns:r="http://schemas.openxmlformats.org/officeDocument/2006/relationships" r:embed="rId1">
+            <a:extLst>
+              <a:ext uri="{28A0092B-C50C-407E-A947-70E740481C1C}">
+                <a14:useLocalDpi xmlns:a14="http://schemas.microsoft.com/office/drawing/2010/main" val="0"/>
+              </a:ext>
+              <a:ext uri="{96DAC541-7B7A-43D3-8B79-37D633B846F1}">
+                <asvg:svgBlip xmlns:asvg="http://schemas.microsoft.com/office/drawing/2016/SVG/main" r:embed="rId2"/>
+              </a:ext>
+            </a:extLst>
+          </a:blip>
+          <a:stretch>
+            <a:fillRect/>
+          </a:stretch>
+        </a:blipFill>
+        <a:ln>
+          <a:noFill/>
+        </a:ln>
+      </dgm:spPr>
+      <dgm:extLst>
+        <a:ext uri="{E40237B7-FDA0-4F09-8148-C483321AD2D9}">
+          <dgm14:cNvPr xmlns:dgm14="http://schemas.microsoft.com/office/drawing/2010/diagram" id="0" name="" descr="Flowchart"/>
+        </a:ext>
+      </dgm:extLst>
+    </dgm:pt>
+    <dgm:pt modelId="{1D8AB0EA-CE91-48CB-B180-87A31DB3767A}" type="pres">
+      <dgm:prSet presAssocID="{B2ED9F61-BB91-4AFB-BA5D-CD0507E73665}" presName="spaceRect" presStyleCnt="0"/>
+      <dgm:spPr/>
+    </dgm:pt>
+    <dgm:pt modelId="{83B09020-9D8B-4C68-A549-2869DB7BEA1E}" type="pres">
+      <dgm:prSet presAssocID="{B2ED9F61-BB91-4AFB-BA5D-CD0507E73665}" presName="parTx" presStyleLbl="revTx" presStyleIdx="0" presStyleCnt="3">
+        <dgm:presLayoutVars>
+          <dgm:chMax val="0"/>
+          <dgm:chPref val="0"/>
+        </dgm:presLayoutVars>
+      </dgm:prSet>
+      <dgm:spPr/>
+    </dgm:pt>
+    <dgm:pt modelId="{351B29C4-D341-49D2-B3C1-12918EE90264}" type="pres">
+      <dgm:prSet presAssocID="{809B29FD-9771-41F8-9F7C-DD95A6AC852A}" presName="sibTrans" presStyleCnt="0"/>
+      <dgm:spPr/>
+    </dgm:pt>
+    <dgm:pt modelId="{C49F1EF1-54A3-4852-B8C7-EB7CEA9ADF17}" type="pres">
+      <dgm:prSet presAssocID="{984E8D4F-3604-4BE5-A699-FB420029918B}" presName="compNode" presStyleCnt="0"/>
+      <dgm:spPr/>
+    </dgm:pt>
+    <dgm:pt modelId="{7DD4A231-1419-408A-9B89-E67D2D980AEA}" type="pres">
+      <dgm:prSet presAssocID="{984E8D4F-3604-4BE5-A699-FB420029918B}" presName="bgRect" presStyleLbl="bgShp" presStyleIdx="1" presStyleCnt="3"/>
+      <dgm:spPr/>
+    </dgm:pt>
+    <dgm:pt modelId="{1DC65CB8-2BB8-42D4-8B9C-E755CE46EB95}" type="pres">
+      <dgm:prSet presAssocID="{984E8D4F-3604-4BE5-A699-FB420029918B}" presName="iconRect" presStyleLbl="node1" presStyleIdx="1" presStyleCnt="3"/>
+      <dgm:spPr>
+        <a:blipFill>
+          <a:blip xmlns:r="http://schemas.openxmlformats.org/officeDocument/2006/relationships" r:embed="rId3">
+            <a:extLst>
+              <a:ext uri="{28A0092B-C50C-407E-A947-70E740481C1C}">
+                <a14:useLocalDpi xmlns:a14="http://schemas.microsoft.com/office/drawing/2010/main" val="0"/>
+              </a:ext>
+              <a:ext uri="{96DAC541-7B7A-43D3-8B79-37D633B846F1}">
+                <asvg:svgBlip xmlns:asvg="http://schemas.microsoft.com/office/drawing/2016/SVG/main" r:embed="rId4"/>
+              </a:ext>
+            </a:extLst>
+          </a:blip>
+          <a:stretch>
+            <a:fillRect/>
+          </a:stretch>
+        </a:blipFill>
+        <a:ln>
+          <a:noFill/>
+        </a:ln>
+      </dgm:spPr>
+      <dgm:extLst>
+        <a:ext uri="{E40237B7-FDA0-4F09-8148-C483321AD2D9}">
+          <dgm14:cNvPr xmlns:dgm14="http://schemas.microsoft.com/office/drawing/2010/diagram" id="0" name="" descr="Statistics"/>
+        </a:ext>
+      </dgm:extLst>
+    </dgm:pt>
+    <dgm:pt modelId="{EDE25752-77EB-4518-9FEF-3120A8578AB6}" type="pres">
+      <dgm:prSet presAssocID="{984E8D4F-3604-4BE5-A699-FB420029918B}" presName="spaceRect" presStyleCnt="0"/>
+      <dgm:spPr/>
+    </dgm:pt>
+    <dgm:pt modelId="{97F4BFF8-5A6A-4051-81EF-4FB264624272}" type="pres">
+      <dgm:prSet presAssocID="{984E8D4F-3604-4BE5-A699-FB420029918B}" presName="parTx" presStyleLbl="revTx" presStyleIdx="1" presStyleCnt="3">
+        <dgm:presLayoutVars>
+          <dgm:chMax val="0"/>
+          <dgm:chPref val="0"/>
+        </dgm:presLayoutVars>
+      </dgm:prSet>
+      <dgm:spPr/>
+    </dgm:pt>
+    <dgm:pt modelId="{4BD29BD3-5469-4641-B132-1748401F5DB1}" type="pres">
+      <dgm:prSet presAssocID="{68AF0C7E-BF01-4725-B7E9-D55103805B71}" presName="sibTrans" presStyleCnt="0"/>
+      <dgm:spPr/>
+    </dgm:pt>
+    <dgm:pt modelId="{FCE34663-CB2C-434D-A1B7-BF4BC2EF574E}" type="pres">
+      <dgm:prSet presAssocID="{3DEDAE3C-14E1-41D0-9EBE-DC50473B83C0}" presName="compNode" presStyleCnt="0"/>
+      <dgm:spPr/>
+    </dgm:pt>
+    <dgm:pt modelId="{301D1508-D966-4C64-B259-8B5ADB4A7524}" type="pres">
+      <dgm:prSet presAssocID="{3DEDAE3C-14E1-41D0-9EBE-DC50473B83C0}" presName="bgRect" presStyleLbl="bgShp" presStyleIdx="2" presStyleCnt="3"/>
+      <dgm:spPr/>
+    </dgm:pt>
+    <dgm:pt modelId="{5F095C5B-7E42-4775-93AD-5A0D70DE230F}" type="pres">
+      <dgm:prSet presAssocID="{3DEDAE3C-14E1-41D0-9EBE-DC50473B83C0}" presName="iconRect" presStyleLbl="node1" presStyleIdx="2" presStyleCnt="3"/>
+      <dgm:spPr>
+        <a:blipFill>
+          <a:blip xmlns:r="http://schemas.openxmlformats.org/officeDocument/2006/relationships" r:embed="rId5">
+            <a:extLst>
+              <a:ext uri="{28A0092B-C50C-407E-A947-70E740481C1C}">
+                <a14:useLocalDpi xmlns:a14="http://schemas.microsoft.com/office/drawing/2010/main" val="0"/>
+              </a:ext>
+              <a:ext uri="{96DAC541-7B7A-43D3-8B79-37D633B846F1}">
+                <asvg:svgBlip xmlns:asvg="http://schemas.microsoft.com/office/drawing/2016/SVG/main" r:embed="rId6"/>
+              </a:ext>
+            </a:extLst>
+          </a:blip>
+          <a:stretch>
+            <a:fillRect/>
+          </a:stretch>
+        </a:blipFill>
+        <a:ln>
+          <a:noFill/>
+        </a:ln>
+      </dgm:spPr>
+      <dgm:extLst>
+        <a:ext uri="{E40237B7-FDA0-4F09-8148-C483321AD2D9}">
+          <dgm14:cNvPr xmlns:dgm14="http://schemas.microsoft.com/office/drawing/2010/diagram" id="0" name="" descr="Light Bulb and Gear"/>
+        </a:ext>
+      </dgm:extLst>
+    </dgm:pt>
+    <dgm:pt modelId="{F249F2EB-A2B8-4AAB-95AC-FFF307EE6A75}" type="pres">
+      <dgm:prSet presAssocID="{3DEDAE3C-14E1-41D0-9EBE-DC50473B83C0}" presName="spaceRect" presStyleCnt="0"/>
+      <dgm:spPr/>
+    </dgm:pt>
+    <dgm:pt modelId="{519A77E1-5741-4073-BEBE-865DE397BD65}" type="pres">
+      <dgm:prSet presAssocID="{3DEDAE3C-14E1-41D0-9EBE-DC50473B83C0}" presName="parTx" presStyleLbl="revTx" presStyleIdx="2" presStyleCnt="3">
+        <dgm:presLayoutVars>
+          <dgm:chMax val="0"/>
+          <dgm:chPref val="0"/>
+        </dgm:presLayoutVars>
+      </dgm:prSet>
+      <dgm:spPr/>
+    </dgm:pt>
+  </dgm:ptLst>
+  <dgm:cxnLst>
+    <dgm:cxn modelId="{FC5FAE60-0CBF-4107-87A7-017879A42ED2}" type="presOf" srcId="{3DEDAE3C-14E1-41D0-9EBE-DC50473B83C0}" destId="{519A77E1-5741-4073-BEBE-865DE397BD65}" srcOrd="0" destOrd="0" presId="urn:microsoft.com/office/officeart/2018/2/layout/IconVerticalSolidList"/>
+    <dgm:cxn modelId="{AE3ECD4A-93C3-432E-8E4A-25C9C7DAB30F}" srcId="{89E3C270-40D8-4150-B8BC-CCB5F0CCA7A0}" destId="{B2ED9F61-BB91-4AFB-BA5D-CD0507E73665}" srcOrd="0" destOrd="0" parTransId="{A24884AA-98FB-48EE-B4B9-06C8546C0B16}" sibTransId="{809B29FD-9771-41F8-9F7C-DD95A6AC852A}"/>
+    <dgm:cxn modelId="{E15C4458-6008-4032-8D99-FDA22445DB8E}" type="presOf" srcId="{984E8D4F-3604-4BE5-A699-FB420029918B}" destId="{97F4BFF8-5A6A-4051-81EF-4FB264624272}" srcOrd="0" destOrd="0" presId="urn:microsoft.com/office/officeart/2018/2/layout/IconVerticalSolidList"/>
+    <dgm:cxn modelId="{FA988397-007A-4DA0-8978-2AE6AFCD388F}" srcId="{89E3C270-40D8-4150-B8BC-CCB5F0CCA7A0}" destId="{984E8D4F-3604-4BE5-A699-FB420029918B}" srcOrd="1" destOrd="0" parTransId="{7B6B2F14-49F7-4F4E-92EA-88960159CB5C}" sibTransId="{68AF0C7E-BF01-4725-B7E9-D55103805B71}"/>
+    <dgm:cxn modelId="{C07981B9-9D59-488F-A129-550E9661B6E2}" type="presOf" srcId="{B2ED9F61-BB91-4AFB-BA5D-CD0507E73665}" destId="{83B09020-9D8B-4C68-A549-2869DB7BEA1E}" srcOrd="0" destOrd="0" presId="urn:microsoft.com/office/officeart/2018/2/layout/IconVerticalSolidList"/>
+    <dgm:cxn modelId="{DF0849C3-BA73-4327-86AB-D1AC0DF45755}" type="presOf" srcId="{89E3C270-40D8-4150-B8BC-CCB5F0CCA7A0}" destId="{952F30C2-8C1A-489C-BA32-2B240FCB59D8}" srcOrd="0" destOrd="0" presId="urn:microsoft.com/office/officeart/2018/2/layout/IconVerticalSolidList"/>
+    <dgm:cxn modelId="{47F39CF6-2ADF-44EE-9042-6E3520318836}" srcId="{89E3C270-40D8-4150-B8BC-CCB5F0CCA7A0}" destId="{3DEDAE3C-14E1-41D0-9EBE-DC50473B83C0}" srcOrd="2" destOrd="0" parTransId="{FDFA8972-3370-46AC-A136-B43796122517}" sibTransId="{FDE0F522-9BA1-40A7-A472-9341D806EB05}"/>
+    <dgm:cxn modelId="{8AA88000-3C30-425E-9725-E0AB0D6D45B8}" type="presParOf" srcId="{952F30C2-8C1A-489C-BA32-2B240FCB59D8}" destId="{DDC480CF-5608-4E51-98AA-1AAE1E4BCD88}" srcOrd="0" destOrd="0" presId="urn:microsoft.com/office/officeart/2018/2/layout/IconVerticalSolidList"/>
+    <dgm:cxn modelId="{725EB632-FEE0-4F87-8A44-0A2F845A6046}" type="presParOf" srcId="{DDC480CF-5608-4E51-98AA-1AAE1E4BCD88}" destId="{C028D653-0A93-4FF7-A2C1-0349E089D219}" srcOrd="0" destOrd="0" presId="urn:microsoft.com/office/officeart/2018/2/layout/IconVerticalSolidList"/>
+    <dgm:cxn modelId="{BF05CEE3-8616-413F-95B4-02D6A15ABCE7}" type="presParOf" srcId="{DDC480CF-5608-4E51-98AA-1AAE1E4BCD88}" destId="{840D629B-5B23-405E-9D4E-85A034042900}" srcOrd="1" destOrd="0" presId="urn:microsoft.com/office/officeart/2018/2/layout/IconVerticalSolidList"/>
+    <dgm:cxn modelId="{C6660948-8B5E-4B25-978F-C60DBADB990D}" type="presParOf" srcId="{DDC480CF-5608-4E51-98AA-1AAE1E4BCD88}" destId="{1D8AB0EA-CE91-48CB-B180-87A31DB3767A}" srcOrd="2" destOrd="0" presId="urn:microsoft.com/office/officeart/2018/2/layout/IconVerticalSolidList"/>
+    <dgm:cxn modelId="{0D026B6C-A400-4F2E-9A7B-C5385A5B11F9}" type="presParOf" srcId="{DDC480CF-5608-4E51-98AA-1AAE1E4BCD88}" destId="{83B09020-9D8B-4C68-A549-2869DB7BEA1E}" srcOrd="3" destOrd="0" presId="urn:microsoft.com/office/officeart/2018/2/layout/IconVerticalSolidList"/>
+    <dgm:cxn modelId="{99E93FB0-4195-4B21-B46B-82C4670FA980}" type="presParOf" srcId="{952F30C2-8C1A-489C-BA32-2B240FCB59D8}" destId="{351B29C4-D341-49D2-B3C1-12918EE90264}" srcOrd="1" destOrd="0" presId="urn:microsoft.com/office/officeart/2018/2/layout/IconVerticalSolidList"/>
+    <dgm:cxn modelId="{72749B34-C382-43DF-AB23-A0B8F7CB7975}" type="presParOf" srcId="{952F30C2-8C1A-489C-BA32-2B240FCB59D8}" destId="{C49F1EF1-54A3-4852-B8C7-EB7CEA9ADF17}" srcOrd="2" destOrd="0" presId="urn:microsoft.com/office/officeart/2018/2/layout/IconVerticalSolidList"/>
+    <dgm:cxn modelId="{66CDACE3-3A90-4FFE-A57C-309F5A749357}" type="presParOf" srcId="{C49F1EF1-54A3-4852-B8C7-EB7CEA9ADF17}" destId="{7DD4A231-1419-408A-9B89-E67D2D980AEA}" srcOrd="0" destOrd="0" presId="urn:microsoft.com/office/officeart/2018/2/layout/IconVerticalSolidList"/>
+    <dgm:cxn modelId="{531CED19-110D-47B4-8B02-01C63E53BD01}" type="presParOf" srcId="{C49F1EF1-54A3-4852-B8C7-EB7CEA9ADF17}" destId="{1DC65CB8-2BB8-42D4-8B9C-E755CE46EB95}" srcOrd="1" destOrd="0" presId="urn:microsoft.com/office/officeart/2018/2/layout/IconVerticalSolidList"/>
+    <dgm:cxn modelId="{AC52C0D7-DB4E-4CAA-8DA6-45080289ADB4}" type="presParOf" srcId="{C49F1EF1-54A3-4852-B8C7-EB7CEA9ADF17}" destId="{EDE25752-77EB-4518-9FEF-3120A8578AB6}" srcOrd="2" destOrd="0" presId="urn:microsoft.com/office/officeart/2018/2/layout/IconVerticalSolidList"/>
+    <dgm:cxn modelId="{E26C2190-EE3B-4EDE-A0EE-2A23CBCD0748}" type="presParOf" srcId="{C49F1EF1-54A3-4852-B8C7-EB7CEA9ADF17}" destId="{97F4BFF8-5A6A-4051-81EF-4FB264624272}" srcOrd="3" destOrd="0" presId="urn:microsoft.com/office/officeart/2018/2/layout/IconVerticalSolidList"/>
+    <dgm:cxn modelId="{B9A9612C-51A4-4FED-8C26-5380DE979111}" type="presParOf" srcId="{952F30C2-8C1A-489C-BA32-2B240FCB59D8}" destId="{4BD29BD3-5469-4641-B132-1748401F5DB1}" srcOrd="3" destOrd="0" presId="urn:microsoft.com/office/officeart/2018/2/layout/IconVerticalSolidList"/>
+    <dgm:cxn modelId="{6219A463-98FA-4897-9B6E-88CF0B2A57F6}" type="presParOf" srcId="{952F30C2-8C1A-489C-BA32-2B240FCB59D8}" destId="{FCE34663-CB2C-434D-A1B7-BF4BC2EF574E}" srcOrd="4" destOrd="0" presId="urn:microsoft.com/office/officeart/2018/2/layout/IconVerticalSolidList"/>
+    <dgm:cxn modelId="{0455E2B6-6D84-433D-9500-FB30C925E411}" type="presParOf" srcId="{FCE34663-CB2C-434D-A1B7-BF4BC2EF574E}" destId="{301D1508-D966-4C64-B259-8B5ADB4A7524}" srcOrd="0" destOrd="0" presId="urn:microsoft.com/office/officeart/2018/2/layout/IconVerticalSolidList"/>
+    <dgm:cxn modelId="{166E7B40-5191-4550-8326-5DBFC411E23F}" type="presParOf" srcId="{FCE34663-CB2C-434D-A1B7-BF4BC2EF574E}" destId="{5F095C5B-7E42-4775-93AD-5A0D70DE230F}" srcOrd="1" destOrd="0" presId="urn:microsoft.com/office/officeart/2018/2/layout/IconVerticalSolidList"/>
+    <dgm:cxn modelId="{62B774EA-1620-4144-9887-55CD4D9BA9BA}" type="presParOf" srcId="{FCE34663-CB2C-434D-A1B7-BF4BC2EF574E}" destId="{F249F2EB-A2B8-4AAB-95AC-FFF307EE6A75}" srcOrd="2" destOrd="0" presId="urn:microsoft.com/office/officeart/2018/2/layout/IconVerticalSolidList"/>
+    <dgm:cxn modelId="{B521D9C3-DA4C-47E2-BEF0-664DD916808B}" type="presParOf" srcId="{FCE34663-CB2C-434D-A1B7-BF4BC2EF574E}" destId="{519A77E1-5741-4073-BEBE-865DE397BD65}" srcOrd="3" destOrd="0" presId="urn:microsoft.com/office/officeart/2018/2/layout/IconVerticalSolidList"/>
+  </dgm:cxnLst>
+  <dgm:bg/>
+  <dgm:whole/>
+  <dgm:extLst>
+    <a:ext uri="http://schemas.microsoft.com/office/drawing/2008/diagram">
+      <dsp:dataModelExt xmlns:dsp="http://schemas.microsoft.com/office/drawing/2008/diagram" relId="rId7" minVer="http://schemas.openxmlformats.org/drawingml/2006/diagram"/>
+    </a:ext>
+  </dgm:extLst>
+</dgm:dataModel>
+</file>
+
+<file path=ppt/diagrams/drawing1.xml><?xml version="1.0" encoding="utf-8"?>
+<dsp:drawing xmlns:dgm="http://schemas.openxmlformats.org/drawingml/2006/diagram" xmlns:dsp="http://schemas.microsoft.com/office/drawing/2008/diagram" xmlns:a="http://schemas.openxmlformats.org/drawingml/2006/main">
+  <dsp:spTree>
+    <dsp:nvGrpSpPr>
+      <dsp:cNvPr id="0" name=""/>
+      <dsp:cNvGrpSpPr/>
+    </dsp:nvGrpSpPr>
+    <dsp:grpSpPr/>
+    <dsp:sp modelId="{D1AD5F10-B670-40FD-97C6-3C80498E0516}">
+      <dsp:nvSpPr>
+        <dsp:cNvPr id="0" name=""/>
+        <dsp:cNvSpPr/>
+      </dsp:nvSpPr>
+      <dsp:spPr>
+        <a:xfrm>
+          <a:off x="2813" y="410640"/>
+          <a:ext cx="2232266" cy="1339360"/>
+        </a:xfrm>
+        <a:prstGeom prst="rect">
+          <a:avLst/>
+        </a:prstGeom>
+        <a:solidFill>
+          <a:schemeClr val="accent5">
+            <a:hueOff val="0"/>
+            <a:satOff val="0"/>
+            <a:lumOff val="0"/>
+            <a:alphaOff val="0"/>
+          </a:schemeClr>
+        </a:solidFill>
+        <a:ln w="15875" cap="flat" cmpd="sng" algn="ctr">
+          <a:solidFill>
+            <a:schemeClr val="lt1">
+              <a:hueOff val="0"/>
+              <a:satOff val="0"/>
+              <a:lumOff val="0"/>
+              <a:alphaOff val="0"/>
+            </a:schemeClr>
+          </a:solidFill>
+          <a:prstDash val="solid"/>
+        </a:ln>
+        <a:effectLst/>
+      </dsp:spPr>
+      <dsp:style>
+        <a:lnRef idx="2">
+          <a:scrgbClr r="0" g="0" b="0"/>
+        </a:lnRef>
+        <a:fillRef idx="1">
+          <a:scrgbClr r="0" g="0" b="0"/>
+        </a:fillRef>
+        <a:effectRef idx="0">
+          <a:scrgbClr r="0" g="0" b="0"/>
+        </a:effectRef>
+        <a:fontRef idx="minor">
+          <a:schemeClr val="lt1"/>
+        </a:fontRef>
+      </dsp:style>
+      <dsp:txBody>
+        <a:bodyPr spcFirstLastPara="0" vert="horz" wrap="square" lIns="83820" tIns="83820" rIns="83820" bIns="83820" numCol="1" spcCol="1270" anchor="ctr" anchorCtr="0">
+          <a:noAutofit/>
+        </a:bodyPr>
+        <a:lstStyle/>
+        <a:p>
+          <a:pPr marL="0" lvl="0" indent="0" algn="ctr" defTabSz="977900">
+            <a:lnSpc>
+              <a:spcPct val="90000"/>
+            </a:lnSpc>
+            <a:spcBef>
+              <a:spcPct val="0"/>
+            </a:spcBef>
+            <a:spcAft>
+              <a:spcPct val="35000"/>
+            </a:spcAft>
+            <a:buNone/>
+          </a:pPr>
+          <a:r>
+            <a:rPr lang="en-US" sz="2200" kern="1200"/>
+            <a:t>Locate and clean the Data</a:t>
+          </a:r>
+        </a:p>
+      </dsp:txBody>
+      <dsp:txXfrm>
+        <a:off x="2813" y="410640"/>
+        <a:ext cx="2232266" cy="1339360"/>
+      </dsp:txXfrm>
+    </dsp:sp>
+    <dsp:sp modelId="{2FE6F025-81DA-4E67-9334-8F3E1A7754DE}">
+      <dsp:nvSpPr>
+        <dsp:cNvPr id="0" name=""/>
+        <dsp:cNvSpPr/>
+      </dsp:nvSpPr>
+      <dsp:spPr>
+        <a:xfrm>
+          <a:off x="2458307" y="410640"/>
+          <a:ext cx="2232266" cy="1339360"/>
+        </a:xfrm>
+        <a:prstGeom prst="rect">
+          <a:avLst/>
+        </a:prstGeom>
+        <a:solidFill>
+          <a:schemeClr val="accent5">
+            <a:hueOff val="-280772"/>
+            <a:satOff val="-1324"/>
+            <a:lumOff val="327"/>
+            <a:alphaOff val="0"/>
+          </a:schemeClr>
+        </a:solidFill>
+        <a:ln w="15875" cap="flat" cmpd="sng" algn="ctr">
+          <a:solidFill>
+            <a:schemeClr val="lt1">
+              <a:hueOff val="0"/>
+              <a:satOff val="0"/>
+              <a:lumOff val="0"/>
+              <a:alphaOff val="0"/>
+            </a:schemeClr>
+          </a:solidFill>
+          <a:prstDash val="solid"/>
+        </a:ln>
+        <a:effectLst/>
+      </dsp:spPr>
+      <dsp:style>
+        <a:lnRef idx="2">
+          <a:scrgbClr r="0" g="0" b="0"/>
+        </a:lnRef>
+        <a:fillRef idx="1">
+          <a:scrgbClr r="0" g="0" b="0"/>
+        </a:fillRef>
+        <a:effectRef idx="0">
+          <a:scrgbClr r="0" g="0" b="0"/>
+        </a:effectRef>
+        <a:fontRef idx="minor">
+          <a:schemeClr val="lt1"/>
+        </a:fontRef>
+      </dsp:style>
+      <dsp:txBody>
+        <a:bodyPr spcFirstLastPara="0" vert="horz" wrap="square" lIns="83820" tIns="83820" rIns="83820" bIns="83820" numCol="1" spcCol="1270" anchor="ctr" anchorCtr="0">
+          <a:noAutofit/>
+        </a:bodyPr>
+        <a:lstStyle/>
+        <a:p>
+          <a:pPr marL="0" lvl="0" indent="0" algn="ctr" defTabSz="977900">
+            <a:lnSpc>
+              <a:spcPct val="90000"/>
+            </a:lnSpc>
+            <a:spcBef>
+              <a:spcPct val="0"/>
+            </a:spcBef>
+            <a:spcAft>
+              <a:spcPct val="35000"/>
+            </a:spcAft>
+            <a:buNone/>
+          </a:pPr>
+          <a:r>
+            <a:rPr lang="en-US" sz="2200" kern="1200"/>
+            <a:t>What are the common metrics for the average home purchase</a:t>
+          </a:r>
+        </a:p>
+      </dsp:txBody>
+      <dsp:txXfrm>
+        <a:off x="2458307" y="410640"/>
+        <a:ext cx="2232266" cy="1339360"/>
+      </dsp:txXfrm>
+    </dsp:sp>
+    <dsp:sp modelId="{DEA5876E-F6B0-414E-84E2-DB1CE3754D39}">
+      <dsp:nvSpPr>
+        <dsp:cNvPr id="0" name=""/>
+        <dsp:cNvSpPr/>
+      </dsp:nvSpPr>
+      <dsp:spPr>
+        <a:xfrm>
+          <a:off x="4913800" y="410640"/>
+          <a:ext cx="2232266" cy="1339360"/>
+        </a:xfrm>
+        <a:prstGeom prst="rect">
+          <a:avLst/>
+        </a:prstGeom>
+        <a:solidFill>
+          <a:schemeClr val="accent5">
+            <a:hueOff val="-561544"/>
+            <a:satOff val="-2648"/>
+            <a:lumOff val="653"/>
+            <a:alphaOff val="0"/>
+          </a:schemeClr>
+        </a:solidFill>
+        <a:ln w="15875" cap="flat" cmpd="sng" algn="ctr">
+          <a:solidFill>
+            <a:schemeClr val="lt1">
+              <a:hueOff val="0"/>
+              <a:satOff val="0"/>
+              <a:lumOff val="0"/>
+              <a:alphaOff val="0"/>
+            </a:schemeClr>
+          </a:solidFill>
+          <a:prstDash val="solid"/>
+        </a:ln>
+        <a:effectLst/>
+      </dsp:spPr>
+      <dsp:style>
+        <a:lnRef idx="2">
+          <a:scrgbClr r="0" g="0" b="0"/>
+        </a:lnRef>
+        <a:fillRef idx="1">
+          <a:scrgbClr r="0" g="0" b="0"/>
+        </a:fillRef>
+        <a:effectRef idx="0">
+          <a:scrgbClr r="0" g="0" b="0"/>
+        </a:effectRef>
+        <a:fontRef idx="minor">
+          <a:schemeClr val="lt1"/>
+        </a:fontRef>
+      </dsp:style>
+      <dsp:txBody>
+        <a:bodyPr spcFirstLastPara="0" vert="horz" wrap="square" lIns="83820" tIns="83820" rIns="83820" bIns="83820" numCol="1" spcCol="1270" anchor="ctr" anchorCtr="0">
+          <a:noAutofit/>
+        </a:bodyPr>
+        <a:lstStyle/>
+        <a:p>
+          <a:pPr marL="0" lvl="0" indent="0" algn="ctr" defTabSz="977900">
+            <a:lnSpc>
+              <a:spcPct val="90000"/>
+            </a:lnSpc>
+            <a:spcBef>
+              <a:spcPct val="0"/>
+            </a:spcBef>
+            <a:spcAft>
+              <a:spcPct val="35000"/>
+            </a:spcAft>
+            <a:buNone/>
+          </a:pPr>
+          <a:r>
+            <a:rPr lang="en-US" sz="2200" kern="1200"/>
+            <a:t>Create bins of data to represent common breakpoints</a:t>
+          </a:r>
+        </a:p>
+      </dsp:txBody>
+      <dsp:txXfrm>
+        <a:off x="4913800" y="410640"/>
+        <a:ext cx="2232266" cy="1339360"/>
+      </dsp:txXfrm>
+    </dsp:sp>
+    <dsp:sp modelId="{FAEF3DA3-E617-4868-BE94-F4D303EC8D9F}">
+      <dsp:nvSpPr>
+        <dsp:cNvPr id="0" name=""/>
+        <dsp:cNvSpPr/>
+      </dsp:nvSpPr>
+      <dsp:spPr>
+        <a:xfrm>
+          <a:off x="7369294" y="410640"/>
+          <a:ext cx="2232266" cy="1339360"/>
+        </a:xfrm>
+        <a:prstGeom prst="rect">
+          <a:avLst/>
+        </a:prstGeom>
+        <a:solidFill>
+          <a:schemeClr val="accent5">
+            <a:hueOff val="-842315"/>
+            <a:satOff val="-3972"/>
+            <a:lumOff val="980"/>
+            <a:alphaOff val="0"/>
+          </a:schemeClr>
+        </a:solidFill>
+        <a:ln w="15875" cap="flat" cmpd="sng" algn="ctr">
+          <a:solidFill>
+            <a:schemeClr val="lt1">
+              <a:hueOff val="0"/>
+              <a:satOff val="0"/>
+              <a:lumOff val="0"/>
+              <a:alphaOff val="0"/>
+            </a:schemeClr>
+          </a:solidFill>
+          <a:prstDash val="solid"/>
+        </a:ln>
+        <a:effectLst/>
+      </dsp:spPr>
+      <dsp:style>
+        <a:lnRef idx="2">
+          <a:scrgbClr r="0" g="0" b="0"/>
+        </a:lnRef>
+        <a:fillRef idx="1">
+          <a:scrgbClr r="0" g="0" b="0"/>
+        </a:fillRef>
+        <a:effectRef idx="0">
+          <a:scrgbClr r="0" g="0" b="0"/>
+        </a:effectRef>
+        <a:fontRef idx="minor">
+          <a:schemeClr val="lt1"/>
+        </a:fontRef>
+      </dsp:style>
+      <dsp:txBody>
+        <a:bodyPr spcFirstLastPara="0" vert="horz" wrap="square" lIns="83820" tIns="83820" rIns="83820" bIns="83820" numCol="1" spcCol="1270" anchor="ctr" anchorCtr="0">
+          <a:noAutofit/>
+        </a:bodyPr>
+        <a:lstStyle/>
+        <a:p>
+          <a:pPr marL="0" lvl="0" indent="0" algn="ctr" defTabSz="977900">
+            <a:lnSpc>
+              <a:spcPct val="90000"/>
+            </a:lnSpc>
+            <a:spcBef>
+              <a:spcPct val="0"/>
+            </a:spcBef>
+            <a:spcAft>
+              <a:spcPct val="35000"/>
+            </a:spcAft>
+            <a:buNone/>
+          </a:pPr>
+          <a:r>
+            <a:rPr lang="en-US" sz="2200" kern="1200"/>
+            <a:t>Create visual aides to guide our home buyer</a:t>
+          </a:r>
+        </a:p>
+      </dsp:txBody>
+      <dsp:txXfrm>
+        <a:off x="7369294" y="410640"/>
+        <a:ext cx="2232266" cy="1339360"/>
+      </dsp:txXfrm>
+    </dsp:sp>
+    <dsp:sp modelId="{7F48B29A-5D70-4698-AD78-077475E98CEE}">
+      <dsp:nvSpPr>
+        <dsp:cNvPr id="0" name=""/>
+        <dsp:cNvSpPr/>
+      </dsp:nvSpPr>
+      <dsp:spPr>
+        <a:xfrm>
+          <a:off x="1230560" y="1973226"/>
+          <a:ext cx="2232266" cy="1339360"/>
+        </a:xfrm>
+        <a:prstGeom prst="rect">
+          <a:avLst/>
+        </a:prstGeom>
+        <a:solidFill>
+          <a:schemeClr val="accent5">
+            <a:hueOff val="-1123087"/>
+            <a:satOff val="-5296"/>
+            <a:lumOff val="1307"/>
+            <a:alphaOff val="0"/>
+          </a:schemeClr>
+        </a:solidFill>
+        <a:ln w="15875" cap="flat" cmpd="sng" algn="ctr">
+          <a:solidFill>
+            <a:schemeClr val="lt1">
+              <a:hueOff val="0"/>
+              <a:satOff val="0"/>
+              <a:lumOff val="0"/>
+              <a:alphaOff val="0"/>
+            </a:schemeClr>
+          </a:solidFill>
+          <a:prstDash val="solid"/>
+        </a:ln>
+        <a:effectLst/>
+      </dsp:spPr>
+      <dsp:style>
+        <a:lnRef idx="2">
+          <a:scrgbClr r="0" g="0" b="0"/>
+        </a:lnRef>
+        <a:fillRef idx="1">
+          <a:scrgbClr r="0" g="0" b="0"/>
+        </a:fillRef>
+        <a:effectRef idx="0">
+          <a:scrgbClr r="0" g="0" b="0"/>
+        </a:effectRef>
+        <a:fontRef idx="minor">
+          <a:schemeClr val="lt1"/>
+        </a:fontRef>
+      </dsp:style>
+      <dsp:txBody>
+        <a:bodyPr spcFirstLastPara="0" vert="horz" wrap="square" lIns="83820" tIns="83820" rIns="83820" bIns="83820" numCol="1" spcCol="1270" anchor="ctr" anchorCtr="0">
+          <a:noAutofit/>
+        </a:bodyPr>
+        <a:lstStyle/>
+        <a:p>
+          <a:pPr marL="0" lvl="0" indent="0" algn="ctr" defTabSz="977900">
+            <a:lnSpc>
+              <a:spcPct val="90000"/>
+            </a:lnSpc>
+            <a:spcBef>
+              <a:spcPct val="0"/>
+            </a:spcBef>
+            <a:spcAft>
+              <a:spcPct val="35000"/>
+            </a:spcAft>
+            <a:buNone/>
+          </a:pPr>
+          <a:r>
+            <a:rPr lang="en-US" sz="2200" kern="1200"/>
+            <a:t>Identify current trends in the market</a:t>
+          </a:r>
+        </a:p>
+      </dsp:txBody>
+      <dsp:txXfrm>
+        <a:off x="1230560" y="1973226"/>
+        <a:ext cx="2232266" cy="1339360"/>
+      </dsp:txXfrm>
+    </dsp:sp>
+    <dsp:sp modelId="{682DD05E-258E-4865-8ACC-E5999C397932}">
+      <dsp:nvSpPr>
+        <dsp:cNvPr id="0" name=""/>
+        <dsp:cNvSpPr/>
+      </dsp:nvSpPr>
+      <dsp:spPr>
+        <a:xfrm>
+          <a:off x="3686054" y="1973226"/>
+          <a:ext cx="2232266" cy="1339360"/>
+        </a:xfrm>
+        <a:prstGeom prst="rect">
+          <a:avLst/>
+        </a:prstGeom>
+        <a:solidFill>
+          <a:schemeClr val="accent5">
+            <a:hueOff val="-1403859"/>
+            <a:satOff val="-6620"/>
+            <a:lumOff val="1633"/>
+            <a:alphaOff val="0"/>
+          </a:schemeClr>
+        </a:solidFill>
+        <a:ln w="15875" cap="flat" cmpd="sng" algn="ctr">
+          <a:solidFill>
+            <a:schemeClr val="lt1">
+              <a:hueOff val="0"/>
+              <a:satOff val="0"/>
+              <a:lumOff val="0"/>
+              <a:alphaOff val="0"/>
+            </a:schemeClr>
+          </a:solidFill>
+          <a:prstDash val="solid"/>
+        </a:ln>
+        <a:effectLst/>
+      </dsp:spPr>
+      <dsp:style>
+        <a:lnRef idx="2">
+          <a:scrgbClr r="0" g="0" b="0"/>
+        </a:lnRef>
+        <a:fillRef idx="1">
+          <a:scrgbClr r="0" g="0" b="0"/>
+        </a:fillRef>
+        <a:effectRef idx="0">
+          <a:scrgbClr r="0" g="0" b="0"/>
+        </a:effectRef>
+        <a:fontRef idx="minor">
+          <a:schemeClr val="lt1"/>
+        </a:fontRef>
+      </dsp:style>
+      <dsp:txBody>
+        <a:bodyPr spcFirstLastPara="0" vert="horz" wrap="square" lIns="83820" tIns="83820" rIns="83820" bIns="83820" numCol="1" spcCol="1270" anchor="ctr" anchorCtr="0">
+          <a:noAutofit/>
+        </a:bodyPr>
+        <a:lstStyle/>
+        <a:p>
+          <a:pPr marL="0" lvl="0" indent="0" algn="ctr" defTabSz="977900">
+            <a:lnSpc>
+              <a:spcPct val="90000"/>
+            </a:lnSpc>
+            <a:spcBef>
+              <a:spcPct val="0"/>
+            </a:spcBef>
+            <a:spcAft>
+              <a:spcPct val="35000"/>
+            </a:spcAft>
+            <a:buNone/>
+          </a:pPr>
+          <a:r>
+            <a:rPr lang="en-US" sz="2200" kern="1200"/>
+            <a:t>Identify/Eliminate outliers</a:t>
+          </a:r>
+        </a:p>
+      </dsp:txBody>
+      <dsp:txXfrm>
+        <a:off x="3686054" y="1973226"/>
+        <a:ext cx="2232266" cy="1339360"/>
+      </dsp:txXfrm>
+    </dsp:sp>
+    <dsp:sp modelId="{42968090-1DD9-45B5-AC6C-6070331EC59E}">
+      <dsp:nvSpPr>
+        <dsp:cNvPr id="0" name=""/>
+        <dsp:cNvSpPr/>
+      </dsp:nvSpPr>
+      <dsp:spPr>
+        <a:xfrm>
+          <a:off x="6141547" y="1973226"/>
+          <a:ext cx="2232266" cy="1339360"/>
+        </a:xfrm>
+        <a:prstGeom prst="rect">
+          <a:avLst/>
+        </a:prstGeom>
+        <a:solidFill>
+          <a:schemeClr val="accent5">
+            <a:hueOff val="-1684631"/>
+            <a:satOff val="-7944"/>
+            <a:lumOff val="1960"/>
+            <a:alphaOff val="0"/>
+          </a:schemeClr>
+        </a:solidFill>
+        <a:ln w="15875" cap="flat" cmpd="sng" algn="ctr">
+          <a:solidFill>
+            <a:schemeClr val="lt1">
+              <a:hueOff val="0"/>
+              <a:satOff val="0"/>
+              <a:lumOff val="0"/>
+              <a:alphaOff val="0"/>
+            </a:schemeClr>
+          </a:solidFill>
+          <a:prstDash val="solid"/>
+        </a:ln>
+        <a:effectLst/>
+      </dsp:spPr>
+      <dsp:style>
+        <a:lnRef idx="2">
+          <a:scrgbClr r="0" g="0" b="0"/>
+        </a:lnRef>
+        <a:fillRef idx="1">
+          <a:scrgbClr r="0" g="0" b="0"/>
+        </a:fillRef>
+        <a:effectRef idx="0">
+          <a:scrgbClr r="0" g="0" b="0"/>
+        </a:effectRef>
+        <a:fontRef idx="minor">
+          <a:schemeClr val="lt1"/>
+        </a:fontRef>
+      </dsp:style>
+      <dsp:txBody>
+        <a:bodyPr spcFirstLastPara="0" vert="horz" wrap="square" lIns="83820" tIns="83820" rIns="83820" bIns="83820" numCol="1" spcCol="1270" anchor="ctr" anchorCtr="0">
+          <a:noAutofit/>
+        </a:bodyPr>
+        <a:lstStyle/>
+        <a:p>
+          <a:pPr marL="0" lvl="0" indent="0" algn="ctr" defTabSz="977900">
+            <a:lnSpc>
+              <a:spcPct val="90000"/>
+            </a:lnSpc>
+            <a:spcBef>
+              <a:spcPct val="0"/>
+            </a:spcBef>
+            <a:spcAft>
+              <a:spcPct val="35000"/>
+            </a:spcAft>
+            <a:buNone/>
+          </a:pPr>
+          <a:r>
+            <a:rPr lang="en-US" sz="2200" kern="1200"/>
+            <a:t>Using median or mean?</a:t>
+          </a:r>
+        </a:p>
+      </dsp:txBody>
+      <dsp:txXfrm>
+        <a:off x="6141547" y="1973226"/>
+        <a:ext cx="2232266" cy="1339360"/>
+      </dsp:txXfrm>
+    </dsp:sp>
+  </dsp:spTree>
+</dsp:drawing>
+</file>
+
+<file path=ppt/diagrams/drawing2.xml><?xml version="1.0" encoding="utf-8"?>
+<dsp:drawing xmlns:dgm="http://schemas.openxmlformats.org/drawingml/2006/diagram" xmlns:dsp="http://schemas.microsoft.com/office/drawing/2008/diagram" xmlns:a="http://schemas.openxmlformats.org/drawingml/2006/main">
+  <dsp:spTree>
+    <dsp:nvGrpSpPr>
+      <dsp:cNvPr id="0" name=""/>
+      <dsp:cNvGrpSpPr/>
+    </dsp:nvGrpSpPr>
+    <dsp:grpSpPr/>
+    <dsp:sp modelId="{C028D653-0A93-4FF7-A2C1-0349E089D219}">
+      <dsp:nvSpPr>
+        <dsp:cNvPr id="0" name=""/>
+        <dsp:cNvSpPr/>
+      </dsp:nvSpPr>
+      <dsp:spPr>
+        <a:xfrm>
+          <a:off x="0" y="566"/>
+          <a:ext cx="5913437" cy="1324558"/>
+        </a:xfrm>
+        <a:prstGeom prst="roundRect">
+          <a:avLst>
+            <a:gd name="adj" fmla="val 10000"/>
+          </a:avLst>
+        </a:prstGeom>
+        <a:solidFill>
+          <a:schemeClr val="bg1">
+            <a:lumMod val="95000"/>
+            <a:hueOff val="0"/>
+            <a:satOff val="0"/>
+            <a:lumOff val="0"/>
+            <a:alphaOff val="0"/>
+          </a:schemeClr>
+        </a:solidFill>
+        <a:ln>
+          <a:noFill/>
+        </a:ln>
+        <a:effectLst/>
+      </dsp:spPr>
+      <dsp:style>
+        <a:lnRef idx="0">
+          <a:scrgbClr r="0" g="0" b="0"/>
+        </a:lnRef>
+        <a:fillRef idx="1">
+          <a:scrgbClr r="0" g="0" b="0"/>
+        </a:fillRef>
+        <a:effectRef idx="0">
+          <a:scrgbClr r="0" g="0" b="0"/>
+        </a:effectRef>
+        <a:fontRef idx="minor"/>
+      </dsp:style>
+    </dsp:sp>
+    <dsp:sp modelId="{840D629B-5B23-405E-9D4E-85A034042900}">
+      <dsp:nvSpPr>
+        <dsp:cNvPr id="0" name=""/>
+        <dsp:cNvSpPr/>
+      </dsp:nvSpPr>
+      <dsp:spPr>
+        <a:xfrm>
+          <a:off x="400679" y="298591"/>
+          <a:ext cx="728507" cy="728507"/>
+        </a:xfrm>
+        <a:prstGeom prst="rect">
+          <a:avLst/>
+        </a:prstGeom>
+        <a:blipFill>
+          <a:blip xmlns:r="http://schemas.openxmlformats.org/officeDocument/2006/relationships" r:embed="rId1">
+            <a:extLst>
+              <a:ext uri="{28A0092B-C50C-407E-A947-70E740481C1C}">
+                <a14:useLocalDpi xmlns:a14="http://schemas.microsoft.com/office/drawing/2010/main" val="0"/>
+              </a:ext>
+              <a:ext uri="{96DAC541-7B7A-43D3-8B79-37D633B846F1}">
+                <asvg:svgBlip xmlns:asvg="http://schemas.microsoft.com/office/drawing/2016/SVG/main" r:embed="rId2"/>
+              </a:ext>
+            </a:extLst>
+          </a:blip>
+          <a:stretch>
+            <a:fillRect/>
+          </a:stretch>
+        </a:blipFill>
+        <a:ln w="15875" cap="flat" cmpd="sng" algn="ctr">
+          <a:noFill/>
+          <a:prstDash val="solid"/>
+        </a:ln>
+        <a:effectLst/>
+      </dsp:spPr>
+      <dsp:style>
+        <a:lnRef idx="2">
+          <a:scrgbClr r="0" g="0" b="0"/>
+        </a:lnRef>
+        <a:fillRef idx="1">
+          <a:scrgbClr r="0" g="0" b="0"/>
+        </a:fillRef>
+        <a:effectRef idx="0">
+          <a:scrgbClr r="0" g="0" b="0"/>
+        </a:effectRef>
+        <a:fontRef idx="minor">
+          <a:schemeClr val="lt1"/>
+        </a:fontRef>
+      </dsp:style>
+    </dsp:sp>
+    <dsp:sp modelId="{83B09020-9D8B-4C68-A549-2869DB7BEA1E}">
+      <dsp:nvSpPr>
+        <dsp:cNvPr id="0" name=""/>
+        <dsp:cNvSpPr/>
+      </dsp:nvSpPr>
+      <dsp:spPr>
+        <a:xfrm>
+          <a:off x="1529865" y="566"/>
+          <a:ext cx="4383571" cy="1324558"/>
+        </a:xfrm>
+        <a:prstGeom prst="rect">
+          <a:avLst/>
+        </a:prstGeom>
+        <a:noFill/>
+        <a:ln>
+          <a:noFill/>
+        </a:ln>
+        <a:effectLst/>
+      </dsp:spPr>
+      <dsp:style>
+        <a:lnRef idx="0">
+          <a:scrgbClr r="0" g="0" b="0"/>
+        </a:lnRef>
+        <a:fillRef idx="0">
+          <a:scrgbClr r="0" g="0" b="0"/>
+        </a:fillRef>
+        <a:effectRef idx="0">
+          <a:scrgbClr r="0" g="0" b="0"/>
+        </a:effectRef>
+        <a:fontRef idx="minor"/>
+      </dsp:style>
+      <dsp:txBody>
+        <a:bodyPr spcFirstLastPara="0" vert="horz" wrap="square" lIns="140182" tIns="140182" rIns="140182" bIns="140182" numCol="1" spcCol="1270" anchor="ctr" anchorCtr="0">
+          <a:noAutofit/>
+        </a:bodyPr>
+        <a:lstStyle/>
+        <a:p>
+          <a:pPr marL="0" lvl="0" indent="0" algn="l" defTabSz="1111250">
+            <a:lnSpc>
+              <a:spcPct val="90000"/>
+            </a:lnSpc>
+            <a:spcBef>
+              <a:spcPct val="0"/>
+            </a:spcBef>
+            <a:spcAft>
+              <a:spcPct val="35000"/>
+            </a:spcAft>
+            <a:buNone/>
+          </a:pPr>
+          <a:r>
+            <a:rPr lang="en-US" sz="2500" kern="1200"/>
+            <a:t>First, Locate and clean the data</a:t>
+          </a:r>
+        </a:p>
+      </dsp:txBody>
+      <dsp:txXfrm>
+        <a:off x="1529865" y="566"/>
+        <a:ext cx="4383571" cy="1324558"/>
+      </dsp:txXfrm>
+    </dsp:sp>
+    <dsp:sp modelId="{7DD4A231-1419-408A-9B89-E67D2D980AEA}">
+      <dsp:nvSpPr>
+        <dsp:cNvPr id="0" name=""/>
+        <dsp:cNvSpPr/>
+      </dsp:nvSpPr>
+      <dsp:spPr>
+        <a:xfrm>
+          <a:off x="0" y="1656264"/>
+          <a:ext cx="5913437" cy="1324558"/>
+        </a:xfrm>
+        <a:prstGeom prst="roundRect">
+          <a:avLst>
+            <a:gd name="adj" fmla="val 10000"/>
+          </a:avLst>
+        </a:prstGeom>
+        <a:solidFill>
+          <a:schemeClr val="bg1">
+            <a:lumMod val="95000"/>
+            <a:hueOff val="0"/>
+            <a:satOff val="0"/>
+            <a:lumOff val="0"/>
+            <a:alphaOff val="0"/>
+          </a:schemeClr>
+        </a:solidFill>
+        <a:ln>
+          <a:noFill/>
+        </a:ln>
+        <a:effectLst/>
+      </dsp:spPr>
+      <dsp:style>
+        <a:lnRef idx="0">
+          <a:scrgbClr r="0" g="0" b="0"/>
+        </a:lnRef>
+        <a:fillRef idx="1">
+          <a:scrgbClr r="0" g="0" b="0"/>
+        </a:fillRef>
+        <a:effectRef idx="0">
+          <a:scrgbClr r="0" g="0" b="0"/>
+        </a:effectRef>
+        <a:fontRef idx="minor"/>
+      </dsp:style>
+    </dsp:sp>
+    <dsp:sp modelId="{1DC65CB8-2BB8-42D4-8B9C-E755CE46EB95}">
+      <dsp:nvSpPr>
+        <dsp:cNvPr id="0" name=""/>
+        <dsp:cNvSpPr/>
+      </dsp:nvSpPr>
+      <dsp:spPr>
+        <a:xfrm>
+          <a:off x="400679" y="1954290"/>
+          <a:ext cx="728507" cy="728507"/>
+        </a:xfrm>
+        <a:prstGeom prst="rect">
+          <a:avLst/>
+        </a:prstGeom>
+        <a:blipFill>
+          <a:blip xmlns:r="http://schemas.openxmlformats.org/officeDocument/2006/relationships" r:embed="rId3">
+            <a:extLst>
+              <a:ext uri="{28A0092B-C50C-407E-A947-70E740481C1C}">
+                <a14:useLocalDpi xmlns:a14="http://schemas.microsoft.com/office/drawing/2010/main" val="0"/>
+              </a:ext>
+              <a:ext uri="{96DAC541-7B7A-43D3-8B79-37D633B846F1}">
+                <asvg:svgBlip xmlns:asvg="http://schemas.microsoft.com/office/drawing/2016/SVG/main" r:embed="rId4"/>
+              </a:ext>
+            </a:extLst>
+          </a:blip>
+          <a:stretch>
+            <a:fillRect/>
+          </a:stretch>
+        </a:blipFill>
+        <a:ln w="15875" cap="flat" cmpd="sng" algn="ctr">
+          <a:noFill/>
+          <a:prstDash val="solid"/>
+        </a:ln>
+        <a:effectLst/>
+      </dsp:spPr>
+      <dsp:style>
+        <a:lnRef idx="2">
+          <a:scrgbClr r="0" g="0" b="0"/>
+        </a:lnRef>
+        <a:fillRef idx="1">
+          <a:scrgbClr r="0" g="0" b="0"/>
+        </a:fillRef>
+        <a:effectRef idx="0">
+          <a:scrgbClr r="0" g="0" b="0"/>
+        </a:effectRef>
+        <a:fontRef idx="minor">
+          <a:schemeClr val="lt1"/>
+        </a:fontRef>
+      </dsp:style>
+    </dsp:sp>
+    <dsp:sp modelId="{97F4BFF8-5A6A-4051-81EF-4FB264624272}">
+      <dsp:nvSpPr>
+        <dsp:cNvPr id="0" name=""/>
+        <dsp:cNvSpPr/>
+      </dsp:nvSpPr>
+      <dsp:spPr>
+        <a:xfrm>
+          <a:off x="1529865" y="1656264"/>
+          <a:ext cx="4383571" cy="1324558"/>
+        </a:xfrm>
+        <a:prstGeom prst="rect">
+          <a:avLst/>
+        </a:prstGeom>
+        <a:noFill/>
+        <a:ln>
+          <a:noFill/>
+        </a:ln>
+        <a:effectLst/>
+      </dsp:spPr>
+      <dsp:style>
+        <a:lnRef idx="0">
+          <a:scrgbClr r="0" g="0" b="0"/>
+        </a:lnRef>
+        <a:fillRef idx="0">
+          <a:scrgbClr r="0" g="0" b="0"/>
+        </a:fillRef>
+        <a:effectRef idx="0">
+          <a:scrgbClr r="0" g="0" b="0"/>
+        </a:effectRef>
+        <a:fontRef idx="minor"/>
+      </dsp:style>
+      <dsp:txBody>
+        <a:bodyPr spcFirstLastPara="0" vert="horz" wrap="square" lIns="140182" tIns="140182" rIns="140182" bIns="140182" numCol="1" spcCol="1270" anchor="ctr" anchorCtr="0">
+          <a:noAutofit/>
+        </a:bodyPr>
+        <a:lstStyle/>
+        <a:p>
+          <a:pPr marL="0" lvl="0" indent="0" algn="l" defTabSz="1111250">
+            <a:lnSpc>
+              <a:spcPct val="90000"/>
+            </a:lnSpc>
+            <a:spcBef>
+              <a:spcPct val="0"/>
+            </a:spcBef>
+            <a:spcAft>
+              <a:spcPct val="35000"/>
+            </a:spcAft>
+            <a:buNone/>
+          </a:pPr>
+          <a:r>
+            <a:rPr lang="en-US" sz="2500" kern="1200"/>
+            <a:t>Next, we analyze the data and create practical depictions</a:t>
+          </a:r>
+        </a:p>
+      </dsp:txBody>
+      <dsp:txXfrm>
+        <a:off x="1529865" y="1656264"/>
+        <a:ext cx="4383571" cy="1324558"/>
+      </dsp:txXfrm>
+    </dsp:sp>
+    <dsp:sp modelId="{301D1508-D966-4C64-B259-8B5ADB4A7524}">
+      <dsp:nvSpPr>
+        <dsp:cNvPr id="0" name=""/>
+        <dsp:cNvSpPr/>
+      </dsp:nvSpPr>
+      <dsp:spPr>
+        <a:xfrm>
+          <a:off x="0" y="3311963"/>
+          <a:ext cx="5913437" cy="1324558"/>
+        </a:xfrm>
+        <a:prstGeom prst="roundRect">
+          <a:avLst>
+            <a:gd name="adj" fmla="val 10000"/>
+          </a:avLst>
+        </a:prstGeom>
+        <a:solidFill>
+          <a:schemeClr val="bg1">
+            <a:lumMod val="95000"/>
+            <a:hueOff val="0"/>
+            <a:satOff val="0"/>
+            <a:lumOff val="0"/>
+            <a:alphaOff val="0"/>
+          </a:schemeClr>
+        </a:solidFill>
+        <a:ln>
+          <a:noFill/>
+        </a:ln>
+        <a:effectLst/>
+      </dsp:spPr>
+      <dsp:style>
+        <a:lnRef idx="0">
+          <a:scrgbClr r="0" g="0" b="0"/>
+        </a:lnRef>
+        <a:fillRef idx="1">
+          <a:scrgbClr r="0" g="0" b="0"/>
+        </a:fillRef>
+        <a:effectRef idx="0">
+          <a:scrgbClr r="0" g="0" b="0"/>
+        </a:effectRef>
+        <a:fontRef idx="minor"/>
+      </dsp:style>
+    </dsp:sp>
+    <dsp:sp modelId="{5F095C5B-7E42-4775-93AD-5A0D70DE230F}">
+      <dsp:nvSpPr>
+        <dsp:cNvPr id="0" name=""/>
+        <dsp:cNvSpPr/>
+      </dsp:nvSpPr>
+      <dsp:spPr>
+        <a:xfrm>
+          <a:off x="400679" y="3609988"/>
+          <a:ext cx="728507" cy="728507"/>
+        </a:xfrm>
+        <a:prstGeom prst="rect">
+          <a:avLst/>
+        </a:prstGeom>
+        <a:blipFill>
+          <a:blip xmlns:r="http://schemas.openxmlformats.org/officeDocument/2006/relationships" r:embed="rId5">
+            <a:extLst>
+              <a:ext uri="{28A0092B-C50C-407E-A947-70E740481C1C}">
+                <a14:useLocalDpi xmlns:a14="http://schemas.microsoft.com/office/drawing/2010/main" val="0"/>
+              </a:ext>
+              <a:ext uri="{96DAC541-7B7A-43D3-8B79-37D633B846F1}">
+                <asvg:svgBlip xmlns:asvg="http://schemas.microsoft.com/office/drawing/2016/SVG/main" r:embed="rId6"/>
+              </a:ext>
+            </a:extLst>
+          </a:blip>
+          <a:stretch>
+            <a:fillRect/>
+          </a:stretch>
+        </a:blipFill>
+        <a:ln w="15875" cap="flat" cmpd="sng" algn="ctr">
+          <a:noFill/>
+          <a:prstDash val="solid"/>
+        </a:ln>
+        <a:effectLst/>
+      </dsp:spPr>
+      <dsp:style>
+        <a:lnRef idx="2">
+          <a:scrgbClr r="0" g="0" b="0"/>
+        </a:lnRef>
+        <a:fillRef idx="1">
+          <a:scrgbClr r="0" g="0" b="0"/>
+        </a:fillRef>
+        <a:effectRef idx="0">
+          <a:scrgbClr r="0" g="0" b="0"/>
+        </a:effectRef>
+        <a:fontRef idx="minor">
+          <a:schemeClr val="lt1"/>
+        </a:fontRef>
+      </dsp:style>
+    </dsp:sp>
+    <dsp:sp modelId="{519A77E1-5741-4073-BEBE-865DE397BD65}">
+      <dsp:nvSpPr>
+        <dsp:cNvPr id="0" name=""/>
+        <dsp:cNvSpPr/>
+      </dsp:nvSpPr>
+      <dsp:spPr>
+        <a:xfrm>
+          <a:off x="1529865" y="3311963"/>
+          <a:ext cx="4383571" cy="1324558"/>
+        </a:xfrm>
+        <a:prstGeom prst="rect">
+          <a:avLst/>
+        </a:prstGeom>
+        <a:noFill/>
+        <a:ln>
+          <a:noFill/>
+        </a:ln>
+        <a:effectLst/>
+      </dsp:spPr>
+      <dsp:style>
+        <a:lnRef idx="0">
+          <a:scrgbClr r="0" g="0" b="0"/>
+        </a:lnRef>
+        <a:fillRef idx="0">
+          <a:scrgbClr r="0" g="0" b="0"/>
+        </a:fillRef>
+        <a:effectRef idx="0">
+          <a:scrgbClr r="0" g="0" b="0"/>
+        </a:effectRef>
+        <a:fontRef idx="minor"/>
+      </dsp:style>
+      <dsp:txBody>
+        <a:bodyPr spcFirstLastPara="0" vert="horz" wrap="square" lIns="140182" tIns="140182" rIns="140182" bIns="140182" numCol="1" spcCol="1270" anchor="ctr" anchorCtr="0">
+          <a:noAutofit/>
+        </a:bodyPr>
+        <a:lstStyle/>
+        <a:p>
+          <a:pPr marL="0" lvl="0" indent="0" algn="l" defTabSz="1111250">
+            <a:lnSpc>
+              <a:spcPct val="90000"/>
+            </a:lnSpc>
+            <a:spcBef>
+              <a:spcPct val="0"/>
+            </a:spcBef>
+            <a:spcAft>
+              <a:spcPct val="35000"/>
+            </a:spcAft>
+            <a:buNone/>
+          </a:pPr>
+          <a:r>
+            <a:rPr lang="en-US" sz="2500" kern="1200"/>
+            <a:t>Finally, our conclusions are presented to the client </a:t>
+          </a:r>
+        </a:p>
+      </dsp:txBody>
+      <dsp:txXfrm>
+        <a:off x="1529865" y="3311963"/>
+        <a:ext cx="4383571" cy="1324558"/>
+      </dsp:txXfrm>
+    </dsp:sp>
+  </dsp:spTree>
+</dsp:drawing>
+</file>
+
+<file path=ppt/diagrams/layout1.xml><?xml version="1.0" encoding="utf-8"?>
+<dgm:layoutDef xmlns:dgm="http://schemas.openxmlformats.org/drawingml/2006/diagram" xmlns:a="http://schemas.openxmlformats.org/drawingml/2006/main" uniqueId="urn:microsoft.com/office/officeart/2005/8/layout/default">
+  <dgm:title val=""/>
+  <dgm:desc val=""/>
+  <dgm:catLst>
+    <dgm:cat type="list" pri="400"/>
+  </dgm:catLst>
+  <dgm:sampData>
+    <dgm:dataModel>
+      <dgm:ptLst>
+        <dgm:pt modelId="0" type="doc"/>
+        <dgm:pt modelId="1">
+          <dgm:prSet phldr="1"/>
+        </dgm:pt>
+        <dgm:pt modelId="2">
+          <dgm:prSet phldr="1"/>
+        </dgm:pt>
+        <dgm:pt modelId="3">
+          <dgm:prSet phldr="1"/>
+        </dgm:pt>
+        <dgm:pt modelId="4">
+          <dgm:prSet phldr="1"/>
+        </dgm:pt>
+        <dgm:pt modelId="5">
+          <dgm:prSet phldr="1"/>
+        </dgm:pt>
+      </dgm:ptLst>
+      <dgm:cxnLst>
+        <dgm:cxn modelId="6" srcId="0" destId="1" srcOrd="0" destOrd="0"/>
+        <dgm:cxn modelId="7" srcId="0" destId="2" srcOrd="1" destOrd="0"/>
+        <dgm:cxn modelId="8" srcId="0" destId="3" srcOrd="2" destOrd="0"/>
+        <dgm:cxn modelId="9" srcId="0" destId="4" srcOrd="3" destOrd="0"/>
+        <dgm:cxn modelId="10" srcId="0" destId="5" srcOrd="4" destOrd="0"/>
+      </dgm:cxnLst>
+      <dgm:bg/>
+      <dgm:whole/>
+    </dgm:dataModel>
+  </dgm:sampData>
+  <dgm:styleData>
+    <dgm:dataModel>
+      <dgm:ptLst>
+        <dgm:pt modelId="0" type="doc"/>
+        <dgm:pt modelId="1"/>
+        <dgm:pt modelId="2"/>
+      </dgm:ptLst>
+      <dgm:cxnLst>
+        <dgm:cxn modelId="3" srcId="0" destId="1" srcOrd="0" destOrd="0"/>
+        <dgm:cxn modelId="4" srcId="0" destId="2" srcOrd="1" destOrd="0"/>
+      </dgm:cxnLst>
+      <dgm:bg/>
+      <dgm:whole/>
+    </dgm:dataModel>
+  </dgm:styleData>
+  <dgm:clrData>
+    <dgm:dataModel>
+      <dgm:ptLst>
+        <dgm:pt modelId="0" type="doc"/>
+        <dgm:pt modelId="1"/>
+        <dgm:pt modelId="2"/>
+        <dgm:pt modelId="3"/>
+        <dgm:pt modelId="4"/>
+        <dgm:pt modelId="5"/>
+        <dgm:pt modelId="6"/>
+      </dgm:ptLst>
+      <dgm:cxnLst>
+        <dgm:cxn modelId="7" srcId="0" destId="1" srcOrd="0" destOrd="0"/>
+        <dgm:cxn modelId="8" srcId="0" destId="2" srcOrd="1" destOrd="0"/>
+        <dgm:cxn modelId="9" srcId="0" destId="3" srcOrd="2" destOrd="0"/>
+        <dgm:cxn modelId="10" srcId="0" destId="4" srcOrd="3" destOrd="0"/>
+        <dgm:cxn modelId="11" srcId="0" destId="5" srcOrd="4" destOrd="0"/>
+        <dgm:cxn modelId="12" srcId="0" destId="6" srcOrd="5" destOrd="0"/>
+      </dgm:cxnLst>
+      <dgm:bg/>
+      <dgm:whole/>
+    </dgm:dataModel>
+  </dgm:clrData>
+  <dgm:layoutNode name="diagram">
+    <dgm:varLst>
+      <dgm:dir/>
+      <dgm:resizeHandles val="exact"/>
+    </dgm:varLst>
+    <dgm:choose name="Name0">
+      <dgm:if name="Name1" func="var" arg="dir" op="equ" val="norm">
+        <dgm:alg type="snake">
+          <dgm:param type="grDir" val="tL"/>
+          <dgm:param type="flowDir" val="row"/>
+          <dgm:param type="contDir" val="sameDir"/>
+          <dgm:param type="off" val="ctr"/>
+        </dgm:alg>
+      </dgm:if>
+      <dgm:else name="Name2">
+        <dgm:alg type="snake">
+          <dgm:param type="grDir" val="tR"/>
+          <dgm:param type="flowDir" val="row"/>
+          <dgm:param type="contDir" val="sameDir"/>
+          <dgm:param type="off" val="ctr"/>
+        </dgm:alg>
+      </dgm:else>
+    </dgm:choose>
+    <dgm:shape xmlns:r="http://schemas.openxmlformats.org/officeDocument/2006/relationships" r:blip="">
+      <dgm:adjLst/>
+    </dgm:shape>
+    <dgm:presOf/>
+    <dgm:constrLst>
+      <dgm:constr type="w" for="ch" forName="node" refType="w"/>
+      <dgm:constr type="h" for="ch" forName="node" refType="w" refFor="ch" refForName="node" fact="0.6"/>
+      <dgm:constr type="w" for="ch" forName="sibTrans" refType="w" refFor="ch" refForName="node" fact="0.1"/>
+      <dgm:constr type="sp" refType="w" refFor="ch" refForName="sibTrans"/>
+      <dgm:constr type="primFontSz" for="ch" forName="node" op="equ" val="65"/>
+    </dgm:constrLst>
+    <dgm:ruleLst/>
+    <dgm:forEach name="Name3" axis="ch" ptType="node">
+      <dgm:layoutNode name="node">
+        <dgm:varLst>
+          <dgm:bulletEnabled val="1"/>
+        </dgm:varLst>
+        <dgm:alg type="tx"/>
+        <dgm:shape xmlns:r="http://schemas.openxmlformats.org/officeDocument/2006/relationships" type="rect" r:blip="">
+          <dgm:adjLst/>
+        </dgm:shape>
+        <dgm:presOf axis="desOrSelf" ptType="node"/>
+        <dgm:constrLst>
+          <dgm:constr type="lMarg" refType="primFontSz" fact="0.3"/>
+          <dgm:constr type="rMarg" refType="primFontSz" fact="0.3"/>
+          <dgm:constr type="tMarg" refType="primFontSz" fact="0.3"/>
+          <dgm:constr type="bMarg" refType="primFontSz" fact="0.3"/>
+        </dgm:constrLst>
+        <dgm:ruleLst>
+          <dgm:rule type="primFontSz" val="5" fact="NaN" max="NaN"/>
+        </dgm:ruleLst>
+      </dgm:layoutNode>
+      <dgm:forEach name="Name4" axis="followSib" ptType="sibTrans" cnt="1">
+        <dgm:layoutNode name="sibTrans">
+          <dgm:alg type="sp"/>
+          <dgm:shape xmlns:r="http://schemas.openxmlformats.org/officeDocument/2006/relationships" r:blip="">
+            <dgm:adjLst/>
+          </dgm:shape>
+          <dgm:presOf/>
+          <dgm:constrLst/>
+          <dgm:ruleLst/>
+        </dgm:layoutNode>
+      </dgm:forEach>
+    </dgm:forEach>
+  </dgm:layoutNode>
+</dgm:layoutDef>
+</file>
+
+<file path=ppt/diagrams/layout2.xml><?xml version="1.0" encoding="utf-8"?>
+<dgm:layoutDef xmlns:dgm="http://schemas.openxmlformats.org/drawingml/2006/diagram" xmlns:a="http://schemas.openxmlformats.org/drawingml/2006/main" uniqueId="urn:microsoft.com/office/officeart/2018/2/layout/IconVerticalSolidList">
+  <dgm:title val="Icon Vertical Solid List"/>
+  <dgm:desc val="Use to show a series of visuals from top to bottom with Level 1 or Level 1 and Level 2 text grouped in a shape. Works best with icons or small pictures with lengthier descriptions."/>
+  <dgm:catLst>
+    <dgm:cat type="icon" pri="500"/>
+  </dgm:catLst>
+  <dgm:sampData useDef="1">
+    <dgm:dataModel>
+      <dgm:ptLst/>
+      <dgm:bg/>
+      <dgm:whole/>
+    </dgm:dataModel>
+  </dgm:sampData>
+  <dgm:styleData useDef="1">
+    <dgm:dataModel>
+      <dgm:ptLst/>
+      <dgm:bg/>
+      <dgm:whole/>
+    </dgm:dataModel>
+  </dgm:styleData>
+  <dgm:clrData useDef="1">
+    <dgm:dataModel>
+      <dgm:ptLst/>
+      <dgm:bg/>
+      <dgm:whole/>
+    </dgm:dataModel>
+  </dgm:clrData>
+  <dgm:layoutNode name="root">
+    <dgm:varLst>
+      <dgm:dir/>
+      <dgm:resizeHandles val="exact"/>
+    </dgm:varLst>
+    <dgm:choose name="Name0">
+      <dgm:if name="Name1" axis="self" func="var" arg="dir" op="equ" val="norm">
+        <dgm:alg type="lin">
+          <dgm:param type="linDir" val="fromT"/>
+          <dgm:param type="nodeHorzAlign" val="l"/>
+        </dgm:alg>
+      </dgm:if>
+      <dgm:else name="Name2">
+        <dgm:alg type="lin">
+          <dgm:param type="linDir" val="fromT"/>
+          <dgm:param type="nodeHorzAlign" val="r"/>
+        </dgm:alg>
+      </dgm:else>
+    </dgm:choose>
+    <dgm:shape xmlns:r="http://schemas.openxmlformats.org/officeDocument/2006/relationships" r:blip="">
+      <dgm:adjLst/>
+    </dgm:shape>
+    <dgm:presOf/>
+    <dgm:choose name="Name3">
+      <dgm:if name="Name4" axis="ch" ptType="node" func="cnt" op="lte" val="3">
+        <dgm:constrLst>
+          <dgm:constr type="h" for="ch" forName="compNode" refType="h" fact="0.3"/>
+          <dgm:constr type="w" for="ch" forName="compNode" refType="w"/>
+          <dgm:constr type="h" for="ch" forName="sibTrans" refType="h" refFor="ch" refForName="compNode" fact="0.25"/>
+          <dgm:constr type="primFontSz" for="des" forName="parTx" val="25"/>
+          <dgm:constr type="primFontSz" for="des" forName="desTx" refType="primFontSz" refFor="des" refForName="parTx" op="lte" fact="0.75"/>
+          <dgm:constr type="h" for="des" forName="compNode" op="equ"/>
+          <dgm:constr type="h" for="des" forName="bgRect" op="equ"/>
+          <dgm:constr type="h" for="des" forName="iconRect" op="equ"/>
+          <dgm:constr type="w" for="des" forName="iconRect" op="equ"/>
+          <dgm:constr type="h" for="des" forName="spaceRect" op="equ"/>
+          <dgm:constr type="h" for="des" forName="parTx" op="equ"/>
+          <dgm:constr type="h" for="des" forName="desTx" op="equ"/>
+        </dgm:constrLst>
+      </dgm:if>
+      <dgm:if name="Name5" axis="ch" ptType="node" func="cnt" op="lte" val="4">
+        <dgm:constrLst>
+          <dgm:constr type="h" for="ch" forName="compNode" refType="h" fact="0.3"/>
+          <dgm:constr type="w" for="ch" forName="compNode" refType="w"/>
+          <dgm:constr type="h" for="ch" forName="sibTrans" refType="h" refFor="ch" refForName="compNode" fact="0.25"/>
+          <dgm:constr type="primFontSz" for="des" forName="parTx" val="22"/>
+          <dgm:constr type="primFontSz" for="des" forName="desTx" refType="primFontSz" refFor="des" refForName="parTx" op="lte" fact="0.75"/>
+          <dgm:constr type="h" for="des" forName="compNode" op="equ"/>
+          <dgm:constr type="h" for="des" forName="bgRect" op="equ"/>
+          <dgm:constr type="h" for="des" forName="iconRect" op="equ"/>
+          <dgm:constr type="w" for="des" forName="iconRect" op="equ"/>
+          <dgm:constr type="h" for="des" forName="spaceRect" op="equ"/>
+          <dgm:constr type="h" for="des" forName="parTx" op="equ"/>
+          <dgm:constr type="h" for="des" forName="desTx" op="equ"/>
+        </dgm:constrLst>
+      </dgm:if>
+      <dgm:if name="Name6" axis="ch" ptType="node" func="cnt" op="lte" val="6">
+        <dgm:constrLst>
+          <dgm:constr type="h" for="ch" forName="compNode" refType="h" fact="0.3"/>
+          <dgm:constr type="w" for="ch" forName="compNode" refType="w"/>
+          <dgm:constr type="h" for="ch" forName="sibTrans" refType="h" refFor="ch" refForName="compNode" fact="0.25"/>
+          <dgm:constr type="primFontSz" for="des" forName="parTx" val="19"/>
+          <dgm:constr type="primFontSz" for="des" forName="desTx" refType="primFontSz" refFor="des" refForName="parTx" op="lte" fact="0.75"/>
+          <dgm:constr type="h" for="des" forName="compNode" op="equ"/>
+          <dgm:constr type="h" for="des" forName="bgRect" op="equ"/>
+          <dgm:constr type="h" for="des" forName="iconRect" op="equ"/>
+          <dgm:constr type="w" for="des" forName="iconRect" op="equ"/>
+          <dgm:constr type="h" for="des" forName="spaceRect" op="equ"/>
+          <dgm:constr type="h" for="des" forName="parTx" op="equ"/>
+          <dgm:constr type="h" for="des" forName="desTx" op="equ"/>
+        </dgm:constrLst>
+      </dgm:if>
+      <dgm:else name="Name7">
+        <dgm:constrLst>
+          <dgm:constr type="h" for="ch" forName="compNode" refType="h" fact="0.3"/>
+          <dgm:constr type="w" for="ch" forName="compNode" refType="w"/>
+          <dgm:constr type="h" for="ch" forName="sibTrans" refType="h" refFor="ch" refForName="compNode" fact="0.25"/>
+          <dgm:constr type="primFontSz" for="des" forName="parTx" val="16"/>
+          <dgm:constr type="primFontSz" for="des" forName="desTx" refType="primFontSz" refFor="des" refForName="parTx" op="lte" fact="0.75"/>
+          <dgm:constr type="h" for="des" forName="compNode" op="equ"/>
+          <dgm:constr type="h" for="des" forName="bgRect" op="equ"/>
+          <dgm:constr type="h" for="des" forName="iconRect" op="equ"/>
+          <dgm:constr type="w" for="des" forName="iconRect" op="equ"/>
+          <dgm:constr type="h" for="des" forName="spaceRect" op="equ"/>
+          <dgm:constr type="h" for="des" forName="parTx" op="equ"/>
+          <dgm:constr type="h" for="des" forName="desTx" op="equ"/>
+        </dgm:constrLst>
+      </dgm:else>
+    </dgm:choose>
+    <dgm:ruleLst>
+      <dgm:rule type="h" for="ch" forName="compNode" val="0" fact="NaN" max="NaN"/>
+    </dgm:ruleLst>
+    <dgm:forEach name="Name8" axis="ch" ptType="node">
+      <dgm:layoutNode name="compNode">
+        <dgm:alg type="composite"/>
+        <dgm:shape xmlns:r="http://schemas.openxmlformats.org/officeDocument/2006/relationships" r:blip="">
+          <dgm:adjLst/>
+        </dgm:shape>
+        <dgm:presOf axis="self"/>
+        <dgm:choose name="Name9">
+          <dgm:if name="Name10" axis="ch" ptType="node" func="cnt" op="gte" val="1">
+            <dgm:constrLst>
+              <dgm:constr type="w" for="ch" forName="bgRect" refType="w"/>
+              <dgm:constr type="h" for="ch" forName="bgRect" refType="h"/>
+              <dgm:constr type="l" for="ch" forName="bgRect"/>
+              <dgm:constr type="t" for="ch" forName="bgRect"/>
+              <dgm:constr type="h" for="ch" forName="iconRect" refType="h" fact="0.55"/>
+              <dgm:constr type="w" for="ch" forName="iconRect" refType="h" refFor="ch" refForName="iconRect"/>
+              <dgm:constr type="l" for="ch" forName="iconRect" refType="h" refFor="ch" refForName="iconRect" fact="0.55"/>
+              <dgm:constr type="ctrY" for="ch" forName="iconRect" refType="ctrY" refFor="ch" refForName="bgRect"/>
+              <dgm:constr type="w" for="ch" forName="spaceRect" refType="l" refFor="ch" refForName="iconRect"/>
+              <dgm:constr type="h" for="ch" forName="spaceRect" refType="h"/>
+              <dgm:constr type="l" for="ch" forName="spaceRect" refType="r" refFor="ch" refForName="iconRect"/>
+              <dgm:constr type="t" for="ch" forName="spaceRect"/>
+              <dgm:constr type="w" for="ch" forName="parTx" refType="w" fact="0.45"/>
+              <dgm:constr type="h" for="ch" forName="parTx" refType="h"/>
+              <dgm:constr type="l" for="ch" forName="parTx" refType="r" refFor="ch" refForName="spaceRect"/>
+              <dgm:constr type="t" for="ch" forName="parTx"/>
+              <dgm:constr type="h" for="ch" forName="desTx" refType="h"/>
+              <dgm:constr type="l" for="ch" forName="desTx" refType="r" refFor="ch" refForName="parTx"/>
+              <dgm:constr type="t" for="ch" forName="desTx"/>
+            </dgm:constrLst>
+          </dgm:if>
+          <dgm:else name="Name11">
+            <dgm:constrLst>
+              <dgm:constr type="w" for="ch" forName="bgRect" refType="w"/>
+              <dgm:constr type="h" for="ch" forName="bgRect" refType="h"/>
+              <dgm:constr type="l" for="ch" forName="bgRect"/>
+              <dgm:constr type="t" for="ch" forName="bgRect"/>
+              <dgm:constr type="h" for="ch" forName="iconRect" refType="h" fact="0.55"/>
+              <dgm:constr type="w" for="ch" forName="iconRect" refType="h" refFor="ch" refForName="iconRect"/>
+              <dgm:constr type="l" for="ch" forName="iconRect" refType="h" refFor="ch" refForName="iconRect" fact="0.55"/>
+              <dgm:constr type="ctrY" for="ch" forName="iconRect" refType="ctrY" refFor="ch" refForName="bgRect"/>
+              <dgm:constr type="w" for="ch" forName="spaceRect" refType="l" refFor="ch" refForName="iconRect"/>
+              <dgm:constr type="h" for="ch" forName="spaceRect" refType="h"/>
+              <dgm:constr type="l" for="ch" forName="spaceRect" refType="r" refFor="ch" refForName="iconRect"/>
+              <dgm:constr type="t" for="ch" forName="spaceRect"/>
+              <dgm:constr type="h" for="ch" forName="parTx" refType="h"/>
+              <dgm:constr type="l" for="ch" forName="parTx" refType="r" refFor="ch" refForName="spaceRect"/>
+              <dgm:constr type="t" for="ch" forName="parTx"/>
+            </dgm:constrLst>
+          </dgm:else>
+        </dgm:choose>
+        <dgm:ruleLst>
+          <dgm:rule type="h" val="INF" fact="NaN" max="NaN"/>
+        </dgm:ruleLst>
+        <dgm:layoutNode name="bgRect" styleLbl="bgShp">
+          <dgm:alg type="sp"/>
+          <dgm:shape xmlns:r="http://schemas.openxmlformats.org/officeDocument/2006/relationships" type="roundRect" r:blip="">
+            <dgm:adjLst>
+              <dgm:adj idx="1" val="0.1"/>
+            </dgm:adjLst>
+          </dgm:shape>
+          <dgm:presOf/>
+          <dgm:constrLst/>
+          <dgm:ruleLst/>
+        </dgm:layoutNode>
+        <dgm:layoutNode name="iconRect" styleLbl="node1">
+          <dgm:alg type="sp"/>
+          <dgm:shape xmlns:r="http://schemas.openxmlformats.org/officeDocument/2006/relationships" type="rect" r:blip="" blipPhldr="1">
+            <dgm:adjLst/>
+          </dgm:shape>
+          <dgm:presOf/>
+          <dgm:constrLst/>
+          <dgm:ruleLst/>
+        </dgm:layoutNode>
+        <dgm:layoutNode name="spaceRect">
+          <dgm:alg type="sp"/>
+          <dgm:shape xmlns:r="http://schemas.openxmlformats.org/officeDocument/2006/relationships" r:blip="">
+            <dgm:adjLst/>
+          </dgm:shape>
+          <dgm:presOf/>
+          <dgm:constrLst/>
+          <dgm:ruleLst/>
+        </dgm:layoutNode>
+        <dgm:layoutNode name="parTx" styleLbl="revTx">
+          <dgm:varLst>
+            <dgm:chMax val="0"/>
+            <dgm:chPref val="0"/>
+          </dgm:varLst>
+          <dgm:alg type="tx">
+            <dgm:param type="txAnchorVert" val="mid"/>
+            <dgm:param type="parTxLTRAlign" val="l"/>
+            <dgm:param type="shpTxLTRAlignCh" val="l"/>
+            <dgm:param type="parTxRTLAlign" val="r"/>
+            <dgm:param type="shpTxRTLAlignCh" val="r"/>
+          </dgm:alg>
+          <dgm:shape xmlns:r="http://schemas.openxmlformats.org/officeDocument/2006/relationships" type="rect" r:blip="">
+            <dgm:adjLst/>
+          </dgm:shape>
+          <dgm:presOf axis="self" ptType="node"/>
+          <dgm:constrLst>
+            <dgm:constr type="lMarg" refType="h" fact="0.3"/>
+            <dgm:constr type="rMarg" refType="h" fact="0.3"/>
+            <dgm:constr type="tMarg" refType="h" fact="0.3"/>
+            <dgm:constr type="bMarg" refType="h" fact="0.3"/>
+          </dgm:constrLst>
+          <dgm:ruleLst>
+            <dgm:rule type="primFontSz" val="14" fact="NaN" max="NaN"/>
+            <dgm:rule type="h" val="INF" fact="NaN" max="NaN"/>
+          </dgm:ruleLst>
+        </dgm:layoutNode>
+        <dgm:choose name="Name12">
+          <dgm:if name="Name13" axis="ch" ptType="node" func="cnt" op="gte" val="1">
+            <dgm:layoutNode name="desTx" styleLbl="revTx">
+              <dgm:varLst/>
+              <dgm:alg type="tx">
+                <dgm:param type="txAnchorVertCh" val="mid"/>
+                <dgm:param type="parTxLTRAlign" val="l"/>
+                <dgm:param type="shpTxLTRAlignCh" val="l"/>
+                <dgm:param type="parTxRTLAlign" val="r"/>
+                <dgm:param type="shpTxRTLAlignCh" val="r"/>
+                <dgm:param type="stBulletLvl" val="0"/>
+              </dgm:alg>
+              <dgm:shape xmlns:r="http://schemas.openxmlformats.org/officeDocument/2006/relationships" type="rect" r:blip="">
+                <dgm:adjLst/>
+              </dgm:shape>
+              <dgm:presOf axis="des" ptType="node"/>
+              <dgm:constrLst>
+                <dgm:constr type="primFontSz" val="18"/>
+                <dgm:constr type="secFontSz" refType="primFontSz"/>
+                <dgm:constr type="lMarg" refType="h" fact="0.3"/>
+                <dgm:constr type="rMarg" refType="h" fact="0.3"/>
+                <dgm:constr type="tMarg" refType="h" fact="0.3"/>
+                <dgm:constr type="bMarg" refType="h" fact="0.3"/>
+              </dgm:constrLst>
+              <dgm:ruleLst>
+                <dgm:rule type="primFontSz" val="11" fact="NaN" max="NaN"/>
+              </dgm:ruleLst>
+            </dgm:layoutNode>
+          </dgm:if>
+          <dgm:else name="Name14"/>
+        </dgm:choose>
+      </dgm:layoutNode>
+      <dgm:forEach name="Name15" axis="followSib" ptType="sibTrans" cnt="1">
+        <dgm:layoutNode name="sibTrans">
+          <dgm:alg type="sp"/>
+          <dgm:shape xmlns:r="http://schemas.openxmlformats.org/officeDocument/2006/relationships" r:blip="">
+            <dgm:adjLst/>
+          </dgm:shape>
+          <dgm:presOf axis="self"/>
+          <dgm:constrLst/>
+          <dgm:ruleLst/>
+        </dgm:layoutNode>
+      </dgm:forEach>
+    </dgm:forEach>
+  </dgm:layoutNode>
+  <dgm:extLst>
+    <a:ext uri="{68A01E43-0DF5-4B5B-8FA6-DAF915123BFB}">
+      <dgm1612:lstStyle xmlns:dgm1612="http://schemas.microsoft.com/office/drawing/2016/12/diagram">
+        <a:lvl1pPr>
+          <a:lnSpc>
+            <a:spcPct val="100000"/>
+          </a:lnSpc>
+        </a:lvl1pPr>
+        <a:lvl2pPr>
+          <a:lnSpc>
+            <a:spcPct val="100000"/>
+          </a:lnSpc>
+        </a:lvl2pPr>
+      </dgm1612:lstStyle>
+    </a:ext>
+  </dgm:extLst>
+</dgm:layoutDef>
+</file>
+
+<file path=ppt/diagrams/quickStyle1.xml><?xml version="1.0" encoding="utf-8"?>
+<dgm:styleDef xmlns:dgm="http://schemas.openxmlformats.org/drawingml/2006/diagram" xmlns:a="http://schemas.openxmlformats.org/drawingml/2006/main" uniqueId="urn:microsoft.com/office/officeart/2005/8/quickstyle/simple1">
+  <dgm:title val=""/>
+  <dgm:desc val=""/>
+  <dgm:catLst>
+    <dgm:cat type="simple" pri="10100"/>
+  </dgm:catLst>
+  <dgm:scene3d>
+    <a:camera prst="orthographicFront"/>
+    <a:lightRig rig="threePt" dir="t"/>
+  </dgm:scene3d>
+  <dgm:styleLbl name="node0">
+    <dgm:scene3d>
+      <a:camera prst="orthographicFront"/>
+      <a:lightRig rig="threePt" dir="t"/>
+    </dgm:scene3d>
+    <dgm:sp3d/>
+    <dgm:txPr/>
+    <dgm:style>
+      <a:lnRef idx="2">
+        <a:scrgbClr r="0" g="0" b="0"/>
+      </a:lnRef>
+      <a:fillRef idx="1">
+        <a:scrgbClr r="0" g="0" b="0"/>
+      </a:fillRef>
+      <a:effectRef idx="0">
+        <a:scrgbClr r="0" g="0" b="0"/>
+      </a:effectRef>
+      <a:fontRef idx="minor">
+        <a:schemeClr val="lt1"/>
+      </a:fontRef>
+    </dgm:style>
+  </dgm:styleLbl>
+  <dgm:styleLbl name="lnNode1">
+    <dgm:scene3d>
+      <a:camera prst="orthographicFront"/>
+      <a:lightRig rig="threePt" dir="t"/>
+    </dgm:scene3d>
+    <dgm:sp3d/>
+    <dgm:txPr/>
+    <dgm:style>
+      <a:lnRef idx="2">
+        <a:scrgbClr r="0" g="0" b="0"/>
+      </a:lnRef>
+      <a:fillRef idx="1">
+        <a:scrgbClr r="0" g="0" b="0"/>
+      </a:fillRef>
+      <a:effectRef idx="0">
+        <a:scrgbClr r="0" g="0" b="0"/>
+      </a:effectRef>
+      <a:fontRef idx="minor">
+        <a:schemeClr val="lt1"/>
+      </a:fontRef>
+    </dgm:style>
+  </dgm:styleLbl>
+  <dgm:styleLbl name="vennNode1">
+    <dgm:scene3d>
+      <a:camera prst="orthographicFront"/>
+      <a:lightRig rig="threePt" dir="t"/>
+    </dgm:scene3d>
+    <dgm:sp3d/>
+    <dgm:txPr/>
+    <dgm:style>
+      <a:lnRef idx="2">
+        <a:scrgbClr r="0" g="0" b="0"/>
+      </a:lnRef>
+      <a:fillRef idx="1">
+        <a:scrgbClr r="0" g="0" b="0"/>
+      </a:fillRef>
+      <a:effectRef idx="0">
+        <a:scrgbClr r="0" g="0" b="0"/>
+      </a:effectRef>
+      <a:fontRef idx="minor">
+        <a:schemeClr val="tx1"/>
+      </a:fontRef>
+    </dgm:style>
+  </dgm:styleLbl>
+  <dgm:styleLbl name="alignNode1">
+    <dgm:scene3d>
+      <a:camera prst="orthographicFront"/>
+      <a:lightRig rig="threePt" dir="t"/>
+    </dgm:scene3d>
+    <dgm:sp3d/>
+    <dgm:txPr/>
+    <dgm:style>
+      <a:lnRef idx="2">
+        <a:scrgbClr r="0" g="0" b="0"/>
+      </a:lnRef>
+      <a:fillRef idx="1">
+        <a:scrgbClr r="0" g="0" b="0"/>
+      </a:fillRef>
+      <a:effectRef idx="0">
+        <a:scrgbClr r="0" g="0" b="0"/>
+      </a:effectRef>
+      <a:fontRef idx="minor">
+        <a:schemeClr val="lt1"/>
+      </a:fontRef>
+    </dgm:style>
+  </dgm:styleLbl>
+  <dgm:styleLbl name="node1">
+    <dgm:scene3d>
+      <a:camera prst="orthographicFront"/>
+      <a:lightRig rig="threePt" dir="t"/>
+    </dgm:scene3d>
+    <dgm:sp3d/>
+    <dgm:txPr/>
+    <dgm:style>
+      <a:lnRef idx="2">
+        <a:scrgbClr r="0" g="0" b="0"/>
+      </a:lnRef>
+      <a:fillRef idx="1">
+        <a:scrgbClr r="0" g="0" b="0"/>
+      </a:fillRef>
+      <a:effectRef idx="0">
+        <a:scrgbClr r="0" g="0" b="0"/>
+      </a:effectRef>
+      <a:fontRef idx="minor">
+        <a:schemeClr val="lt1"/>
+      </a:fontRef>
+    </dgm:style>
+  </dgm:styleLbl>
+  <dgm:styleLbl name="node2">
+    <dgm:scene3d>
+      <a:camera prst="orthographicFront"/>
+      <a:lightRig rig="threePt" dir="t"/>
+    </dgm:scene3d>
+    <dgm:sp3d/>
+    <dgm:txPr/>
+    <dgm:style>
+      <a:lnRef idx="2">
+        <a:scrgbClr r="0" g="0" b="0"/>
+      </a:lnRef>
+      <a:fillRef idx="1">
+        <a:scrgbClr r="0" g="0" b="0"/>
+      </a:fillRef>
+      <a:effectRef idx="0">
+        <a:scrgbClr r="0" g="0" b="0"/>
+      </a:effectRef>
+      <a:fontRef idx="minor">
+        <a:schemeClr val="lt1"/>
+      </a:fontRef>
+    </dgm:style>
+  </dgm:styleLbl>
+  <dgm:styleLbl name="node3">
+    <dgm:scene3d>
+      <a:camera prst="orthographicFront"/>
+      <a:lightRig rig="threePt" dir="t"/>
+    </dgm:scene3d>
+    <dgm:sp3d/>
+    <dgm:txPr/>
+    <dgm:style>
+      <a:lnRef idx="2">
+        <a:scrgbClr r="0" g="0" b="0"/>
+      </a:lnRef>
+      <a:fillRef idx="1">
+        <a:scrgbClr r="0" g="0" b="0"/>
+      </a:fillRef>
+      <a:effectRef idx="0">
+        <a:scrgbClr r="0" g="0" b="0"/>
+      </a:effectRef>
+      <a:fontRef idx="minor">
+        <a:schemeClr val="lt1"/>
+      </a:fontRef>
+    </dgm:style>
+  </dgm:styleLbl>
+  <dgm:styleLbl name="node4">
+    <dgm:scene3d>
+      <a:camera prst="orthographicFront"/>
+      <a:lightRig rig="threePt" dir="t"/>
+    </dgm:scene3d>
+    <dgm:sp3d/>
+    <dgm:txPr/>
+    <dgm:style>
+      <a:lnRef idx="2">
+        <a:scrgbClr r="0" g="0" b="0"/>
+      </a:lnRef>
+      <a:fillRef idx="1">
+        <a:scrgbClr r="0" g="0" b="0"/>
+      </a:fillRef>
+      <a:effectRef idx="0">
+        <a:scrgbClr r="0" g="0" b="0"/>
+      </a:effectRef>
+      <a:fontRef idx="minor">
+        <a:schemeClr val="lt1"/>
+      </a:fontRef>
+    </dgm:style>
+  </dgm:styleLbl>
+  <dgm:styleLbl name="fgImgPlace1">
+    <dgm:scene3d>
+      <a:camera prst="orthographicFront"/>
+      <a:lightRig rig="threePt" dir="t"/>
+    </dgm:scene3d>
+    <dgm:sp3d/>
+    <dgm:txPr/>
+    <dgm:style>
+      <a:lnRef idx="2">
+        <a:scrgbClr r="0" g="0" b="0"/>
+      </a:lnRef>
+      <a:fillRef idx="1">
+        <a:scrgbClr r="0" g="0" b="0"/>
+      </a:fillRef>
+      <a:effectRef idx="0">
+        <a:scrgbClr r="0" g="0" b="0"/>
+      </a:effectRef>
+      <a:fontRef idx="minor"/>
+    </dgm:style>
+  </dgm:styleLbl>
+  <dgm:styleLbl name="alignImgPlace1">
+    <dgm:scene3d>
+      <a:camera prst="orthographicFront"/>
+      <a:lightRig rig="threePt" dir="t"/>
+    </dgm:scene3d>
+    <dgm:sp3d/>
+    <dgm:txPr/>
+    <dgm:style>
+      <a:lnRef idx="2">
+        <a:scrgbClr r="0" g="0" b="0"/>
+      </a:lnRef>
+      <a:fillRef idx="1">
+        <a:scrgbClr r="0" g="0" b="0"/>
+      </a:fillRef>
+      <a:effectRef idx="0">
+        <a:scrgbClr r="0" g="0" b="0"/>
+      </a:effectRef>
+      <a:fontRef idx="minor"/>
+    </dgm:style>
+  </dgm:styleLbl>
+  <dgm:styleLbl name="bgImgPlace1">
+    <dgm:scene3d>
+      <a:camera prst="orthographicFront"/>
+      <a:lightRig rig="threePt" dir="t"/>
+    </dgm:scene3d>
+    <dgm:sp3d/>
+    <dgm:txPr/>
+    <dgm:style>
+      <a:lnRef idx="2">
+        <a:scrgbClr r="0" g="0" b="0"/>
+      </a:lnRef>
+      <a:fillRef idx="1">
+        <a:scrgbClr r="0" g="0" b="0"/>
+      </a:fillRef>
+      <a:effectRef idx="0">
+        <a:scrgbClr r="0" g="0" b="0"/>
+      </a:effectRef>
+      <a:fontRef idx="minor"/>
+    </dgm:style>
+  </dgm:styleLbl>
+  <dgm:styleLbl name="sibTrans2D1">
+    <dgm:scene3d>
+      <a:camera prst="orthographicFront"/>
+      <a:lightRig rig="threePt" dir="t"/>
+    </dgm:scene3d>
+    <dgm:sp3d/>
+    <dgm:txPr/>
+    <dgm:style>
+      <a:lnRef idx="0">
+        <a:scrgbClr r="0" g="0" b="0"/>
+      </a:lnRef>
+      <a:fillRef idx="1">
+        <a:scrgbClr r="0" g="0" b="0"/>
+      </a:fillRef>
+      <a:effectRef idx="0">
+        <a:scrgbClr r="0" g="0" b="0"/>
+      </a:effectRef>
+      <a:fontRef idx="minor">
+        <a:schemeClr val="lt1"/>
+      </a:fontRef>
+    </dgm:style>
+  </dgm:styleLbl>
+  <dgm:styleLbl name="fgSibTrans2D1">
+    <dgm:scene3d>
+      <a:camera prst="orthographicFront"/>
+      <a:lightRig rig="threePt" dir="t"/>
+    </dgm:scene3d>
+    <dgm:sp3d/>
+    <dgm:txPr/>
+    <dgm:style>
+      <a:lnRef idx="0">
+        <a:scrgbClr r="0" g="0" b="0"/>
+      </a:lnRef>
+      <a:fillRef idx="1">
+        <a:scrgbClr r="0" g="0" b="0"/>
+      </a:fillRef>
+      <a:effectRef idx="0">
+        <a:scrgbClr r="0" g="0" b="0"/>
+      </a:effectRef>
+      <a:fontRef idx="minor">
+        <a:schemeClr val="lt1"/>
+      </a:fontRef>
+    </dgm:style>
+  </dgm:styleLbl>
+  <dgm:styleLbl name="bgSibTrans2D1">
+    <dgm:scene3d>
+      <a:camera prst="orthographicFront"/>
+      <a:lightRig rig="threePt" dir="t"/>
+    </dgm:scene3d>
+    <dgm:sp3d/>
+    <dgm:txPr/>
+    <dgm:style>
+      <a:lnRef idx="0">
+        <a:scrgbClr r="0" g="0" b="0"/>
+      </a:lnRef>
+      <a:fillRef idx="1">
+        <a:scrgbClr r="0" g="0" b="0"/>
+      </a:fillRef>
+      <a:effectRef idx="0">
+        <a:scrgbClr r="0" g="0" b="0"/>
+      </a:effectRef>
+      <a:fontRef idx="minor">
+        <a:schemeClr val="lt1"/>
+      </a:fontRef>
+    </dgm:style>
+  </dgm:styleLbl>
+  <dgm:styleLbl name="sibTrans1D1">
+    <dgm:scene3d>
+      <a:camera prst="orthographicFront"/>
+      <a:lightRig rig="threePt" dir="t"/>
+    </dgm:scene3d>
+    <dgm:sp3d/>
+    <dgm:txPr/>
+    <dgm:style>
+      <a:lnRef idx="1">
+        <a:scrgbClr r="0" g="0" b="0"/>
+      </a:lnRef>
+      <a:fillRef idx="0">
+        <a:scrgbClr r="0" g="0" b="0"/>
+      </a:fillRef>
+      <a:effectRef idx="0">
+        <a:scrgbClr r="0" g="0" b="0"/>
+      </a:effectRef>
+      <a:fontRef idx="minor"/>
+    </dgm:style>
+  </dgm:styleLbl>
+  <dgm:styleLbl name="callout">
+    <dgm:scene3d>
+      <a:camera prst="orthographicFront"/>
+      <a:lightRig rig="threePt" dir="t"/>
+    </dgm:scene3d>
+    <dgm:sp3d/>
+    <dgm:txPr/>
+    <dgm:style>
+      <a:lnRef idx="2">
+        <a:scrgbClr r="0" g="0" b="0"/>
+      </a:lnRef>
+      <a:fillRef idx="1">
+        <a:scrgbClr r="0" g="0" b="0"/>
+      </a:fillRef>
+      <a:effectRef idx="0">
+        <a:scrgbClr r="0" g="0" b="0"/>
+      </a:effectRef>
+      <a:fontRef idx="minor"/>
+    </dgm:style>
+  </dgm:styleLbl>
+  <dgm:styleLbl name="asst0">
+    <dgm:scene3d>
+      <a:camera prst="orthographicFront"/>
+      <a:lightRig rig="threePt" dir="t"/>
+    </dgm:scene3d>
+    <dgm:sp3d/>
+    <dgm:txPr/>
+    <dgm:style>
+      <a:lnRef idx="2">
+        <a:scrgbClr r="0" g="0" b="0"/>
+      </a:lnRef>
+      <a:fillRef idx="1">
+        <a:scrgbClr r="0" g="0" b="0"/>
+      </a:fillRef>
+      <a:effectRef idx="0">
+        <a:scrgbClr r="0" g="0" b="0"/>
+      </a:effectRef>
+      <a:fontRef idx="minor">
+        <a:schemeClr val="lt1"/>
+      </a:fontRef>
+    </dgm:style>
+  </dgm:styleLbl>
+  <dgm:styleLbl name="asst1">
+    <dgm:scene3d>
+      <a:camera prst="orthographicFront"/>
+      <a:lightRig rig="threePt" dir="t"/>
+    </dgm:scene3d>
+    <dgm:sp3d/>
+    <dgm:txPr/>
+    <dgm:style>
+      <a:lnRef idx="2">
+        <a:scrgbClr r="0" g="0" b="0"/>
+      </a:lnRef>
+      <a:fillRef idx="1">
+        <a:scrgbClr r="0" g="0" b="0"/>
+      </a:fillRef>
+      <a:effectRef idx="0">
+        <a:scrgbClr r="0" g="0" b="0"/>
+      </a:effectRef>
+      <a:fontRef idx="minor">
+        <a:schemeClr val="lt1"/>
+      </a:fontRef>
+    </dgm:style>
+  </dgm:styleLbl>
+  <dgm:styleLbl name="asst2">
+    <dgm:scene3d>
+      <a:camera prst="orthographicFront"/>
+      <a:lightRig rig="threePt" dir="t"/>
+    </dgm:scene3d>
+    <dgm:sp3d/>
+    <dgm:txPr/>
+    <dgm:style>
+      <a:lnRef idx="2">
+        <a:scrgbClr r="0" g="0" b="0"/>
+      </a:lnRef>
+      <a:fillRef idx="1">
+        <a:scrgbClr r="0" g="0" b="0"/>
+      </a:fillRef>
+      <a:effectRef idx="0">
+        <a:scrgbClr r="0" g="0" b="0"/>
+      </a:effectRef>
+      <a:fontRef idx="minor">
+        <a:schemeClr val="lt1"/>
+      </a:fontRef>
+    </dgm:style>
+  </dgm:styleLbl>
+  <dgm:styleLbl name="asst3">
+    <dgm:scene3d>
+      <a:camera prst="orthographicFront"/>
+      <a:lightRig rig="threePt" dir="t"/>
+    </dgm:scene3d>
+    <dgm:sp3d/>
+    <dgm:txPr/>
+    <dgm:style>
+      <a:lnRef idx="2">
+        <a:scrgbClr r="0" g="0" b="0"/>
+      </a:lnRef>
+      <a:fillRef idx="1">
+        <a:scrgbClr r="0" g="0" b="0"/>
+      </a:fillRef>
+      <a:effectRef idx="0">
+        <a:scrgbClr r="0" g="0" b="0"/>
+      </a:effectRef>
+      <a:fontRef idx="minor">
+        <a:schemeClr val="lt1"/>
+      </a:fontRef>
+    </dgm:style>
+  </dgm:styleLbl>
+  <dgm:styleLbl name="asst4">
+    <dgm:scene3d>
+      <a:camera prst="orthographicFront"/>
+      <a:lightRig rig="threePt" dir="t"/>
+    </dgm:scene3d>
+    <dgm:sp3d/>
+    <dgm:txPr/>
+    <dgm:style>
+      <a:lnRef idx="2">
+        <a:scrgbClr r="0" g="0" b="0"/>
+      </a:lnRef>
+      <a:fillRef idx="1">
+        <a:scrgbClr r="0" g="0" b="0"/>
+      </a:fillRef>
+      <a:effectRef idx="0">
+        <a:scrgbClr r="0" g="0" b="0"/>
+      </a:effectRef>
+      <a:fontRef idx="minor">
+        <a:schemeClr val="lt1"/>
+      </a:fontRef>
+    </dgm:style>
+  </dgm:styleLbl>
+  <dgm:styleLbl name="parChTrans2D1">
+    <dgm:scene3d>
+      <a:camera prst="orthographicFront"/>
+      <a:lightRig rig="threePt" dir="t"/>
+    </dgm:scene3d>
+    <dgm:sp3d/>
+    <dgm:txPr/>
+    <dgm:style>
+      <a:lnRef idx="2">
+        <a:scrgbClr r="0" g="0" b="0"/>
+      </a:lnRef>
+      <a:fillRef idx="1">
+        <a:scrgbClr r="0" g="0" b="0"/>
+      </a:fillRef>
+      <a:effectRef idx="0">
+        <a:scrgbClr r="0" g="0" b="0"/>
+      </a:effectRef>
+      <a:fontRef idx="minor">
+        <a:schemeClr val="lt1"/>
+      </a:fontRef>
+    </dgm:style>
+  </dgm:styleLbl>
+  <dgm:styleLbl name="parChTrans2D2">
+    <dgm:scene3d>
+      <a:camera prst="orthographicFront"/>
+      <a:lightRig rig="threePt" dir="t"/>
+    </dgm:scene3d>
+    <dgm:sp3d/>
+    <dgm:txPr/>
+    <dgm:style>
+      <a:lnRef idx="2">
+        <a:scrgbClr r="0" g="0" b="0"/>
+      </a:lnRef>
+      <a:fillRef idx="1">
+        <a:scrgbClr r="0" g="0" b="0"/>
+      </a:fillRef>
+      <a:effectRef idx="0">
+        <a:scrgbClr r="0" g="0" b="0"/>
+      </a:effectRef>
+      <a:fontRef idx="minor">
+        <a:schemeClr val="lt1"/>
+      </a:fontRef>
+    </dgm:style>
+  </dgm:styleLbl>
+  <dgm:styleLbl name="parChTrans2D3">
+    <dgm:scene3d>
+      <a:camera prst="orthographicFront"/>
+      <a:lightRig rig="threePt" dir="t"/>
+    </dgm:scene3d>
+    <dgm:sp3d/>
+    <dgm:txPr/>
+    <dgm:style>
+      <a:lnRef idx="2">
+        <a:scrgbClr r="0" g="0" b="0"/>
+      </a:lnRef>
+      <a:fillRef idx="1">
+        <a:scrgbClr r="0" g="0" b="0"/>
+      </a:fillRef>
+      <a:effectRef idx="0">
+        <a:scrgbClr r="0" g="0" b="0"/>
+      </a:effectRef>
+      <a:fontRef idx="minor">
+        <a:schemeClr val="lt1"/>
+      </a:fontRef>
+    </dgm:style>
+  </dgm:styleLbl>
+  <dgm:styleLbl name="parChTrans2D4">
+    <dgm:scene3d>
+      <a:camera prst="orthographicFront"/>
+      <a:lightRig rig="threePt" dir="t"/>
+    </dgm:scene3d>
+    <dgm:sp3d/>
+    <dgm:txPr/>
+    <dgm:style>
+      <a:lnRef idx="2">
+        <a:scrgbClr r="0" g="0" b="0"/>
+      </a:lnRef>
+      <a:fillRef idx="1">
+        <a:scrgbClr r="0" g="0" b="0"/>
+      </a:fillRef>
+      <a:effectRef idx="0">
+        <a:scrgbClr r="0" g="0" b="0"/>
+      </a:effectRef>
+      <a:fontRef idx="minor">
+        <a:schemeClr val="lt1"/>
+      </a:fontRef>
+    </dgm:style>
+  </dgm:styleLbl>
+  <dgm:styleLbl name="parChTrans1D1">
+    <dgm:scene3d>
+      <a:camera prst="orthographicFront"/>
+      <a:lightRig rig="threePt" dir="t"/>
+    </dgm:scene3d>
+    <dgm:sp3d/>
+    <dgm:txPr/>
+    <dgm:style>
+      <a:lnRef idx="2">
+        <a:scrgbClr r="0" g="0" b="0"/>
+      </a:lnRef>
+      <a:fillRef idx="0">
+        <a:scrgbClr r="0" g="0" b="0"/>
+      </a:fillRef>
+      <a:effectRef idx="0">
+        <a:scrgbClr r="0" g="0" b="0"/>
+      </a:effectRef>
+      <a:fontRef idx="minor"/>
+    </dgm:style>
+  </dgm:styleLbl>
+  <dgm:styleLbl name="parChTrans1D2">
+    <dgm:scene3d>
+      <a:camera prst="orthographicFront"/>
+      <a:lightRig rig="threePt" dir="t"/>
+    </dgm:scene3d>
+    <dgm:sp3d/>
+    <dgm:txPr/>
+    <dgm:style>
+      <a:lnRef idx="2">
+        <a:scrgbClr r="0" g="0" b="0"/>
+      </a:lnRef>
+      <a:fillRef idx="0">
+        <a:scrgbClr r="0" g="0" b="0"/>
+      </a:fillRef>
+      <a:effectRef idx="0">
+        <a:scrgbClr r="0" g="0" b="0"/>
+      </a:effectRef>
+      <a:fontRef idx="minor"/>
+    </dgm:style>
+  </dgm:styleLbl>
+  <dgm:styleLbl name="parChTrans1D3">
+    <dgm:scene3d>
+      <a:camera prst="orthographicFront"/>
+      <a:lightRig rig="threePt" dir="t"/>
+    </dgm:scene3d>
+    <dgm:sp3d/>
+    <dgm:txPr/>
+    <dgm:style>
+      <a:lnRef idx="2">
+        <a:scrgbClr r="0" g="0" b="0"/>
+      </a:lnRef>
+      <a:fillRef idx="0">
+        <a:scrgbClr r="0" g="0" b="0"/>
+      </a:fillRef>
+      <a:effectRef idx="0">
+        <a:scrgbClr r="0" g="0" b="0"/>
+      </a:effectRef>
+      <a:fontRef idx="minor"/>
+    </dgm:style>
+  </dgm:styleLbl>
+  <dgm:styleLbl name="parChTrans1D4">
+    <dgm:scene3d>
+      <a:camera prst="orthographicFront"/>
+      <a:lightRig rig="threePt" dir="t"/>
+    </dgm:scene3d>
+    <dgm:sp3d/>
+    <dgm:txPr/>
+    <dgm:style>
+      <a:lnRef idx="2">
+        <a:scrgbClr r="0" g="0" b="0"/>
+      </a:lnRef>
+      <a:fillRef idx="0">
+        <a:scrgbClr r="0" g="0" b="0"/>
+      </a:fillRef>
+      <a:effectRef idx="0">
+        <a:scrgbClr r="0" g="0" b="0"/>
+      </a:effectRef>
+      <a:fontRef idx="minor"/>
+    </dgm:style>
+  </dgm:styleLbl>
+  <dgm:styleLbl name="fgAcc1">
+    <dgm:scene3d>
+      <a:camera prst="orthographicFront"/>
+      <a:lightRig rig="threePt" dir="t"/>
+    </dgm:scene3d>
+    <dgm:sp3d/>
+    <dgm:txPr/>
+    <dgm:style>
+      <a:lnRef idx="2">
+        <a:scrgbClr r="0" g="0" b="0"/>
+      </a:lnRef>
+      <a:fillRef idx="1">
+        <a:scrgbClr r="0" g="0" b="0"/>
+      </a:fillRef>
+      <a:effectRef idx="0">
+        <a:scrgbClr r="0" g="0" b="0"/>
+      </a:effectRef>
+      <a:fontRef idx="minor"/>
+    </dgm:style>
+  </dgm:styleLbl>
+  <dgm:styleLbl name="conFgAcc1">
+    <dgm:scene3d>
+      <a:camera prst="orthographicFront"/>
+      <a:lightRig rig="threePt" dir="t"/>
+    </dgm:scene3d>
+    <dgm:sp3d/>
+    <dgm:txPr/>
+    <dgm:style>
+      <a:lnRef idx="2">
+        <a:scrgbClr r="0" g="0" b="0"/>
+      </a:lnRef>
+      <a:fillRef idx="1">
+        <a:scrgbClr r="0" g="0" b="0"/>
+      </a:fillRef>
+      <a:effectRef idx="0">
+        <a:scrgbClr r="0" g="0" b="0"/>
+      </a:effectRef>
+      <a:fontRef idx="minor"/>
+    </dgm:style>
+  </dgm:styleLbl>
+  <dgm:styleLbl name="alignAcc1">
+    <dgm:scene3d>
+      <a:camera prst="orthographicFront"/>
+      <a:lightRig rig="threePt" dir="t"/>
+    </dgm:scene3d>
+    <dgm:sp3d/>
+    <dgm:txPr/>
+    <dgm:style>
+      <a:lnRef idx="2">
+        <a:scrgbClr r="0" g="0" b="0"/>
+      </a:lnRef>
+      <a:fillRef idx="1">
+        <a:scrgbClr r="0" g="0" b="0"/>
+      </a:fillRef>
+      <a:effectRef idx="0">
+        <a:scrgbClr r="0" g="0" b="0"/>
+      </a:effectRef>
+      <a:fontRef idx="minor"/>
+    </dgm:style>
+  </dgm:styleLbl>
+  <dgm:styleLbl name="trAlignAcc1">
+    <dgm:scene3d>
+      <a:camera prst="orthographicFront"/>
+      <a:lightRig rig="threePt" dir="t"/>
+    </dgm:scene3d>
+    <dgm:sp3d/>
+    <dgm:txPr/>
+    <dgm:style>
+      <a:lnRef idx="1">
+        <a:scrgbClr r="0" g="0" b="0"/>
+      </a:lnRef>
+      <a:fillRef idx="1">
+        <a:scrgbClr r="0" g="0" b="0"/>
+      </a:fillRef>
+      <a:effectRef idx="0">
+        <a:scrgbClr r="0" g="0" b="0"/>
+      </a:effectRef>
+      <a:fontRef idx="minor"/>
+    </dgm:style>
+  </dgm:styleLbl>
+  <dgm:styleLbl name="bgAcc1">
+    <dgm:scene3d>
+      <a:camera prst="orthographicFront"/>
+      <a:lightRig rig="threePt" dir="t"/>
+    </dgm:scene3d>
+    <dgm:sp3d/>
+    <dgm:txPr/>
+    <dgm:style>
+      <a:lnRef idx="2">
+        <a:scrgbClr r="0" g="0" b="0"/>
+      </a:lnRef>
+      <a:fillRef idx="1">
+        <a:scrgbClr r="0" g="0" b="0"/>
+      </a:fillRef>
+      <a:effectRef idx="0">
+        <a:scrgbClr r="0" g="0" b="0"/>
+      </a:effectRef>
+      <a:fontRef idx="minor"/>
+    </dgm:style>
+  </dgm:styleLbl>
+  <dgm:styleLbl name="solidFgAcc1">
+    <dgm:scene3d>
+      <a:camera prst="orthographicFront"/>
+      <a:lightRig rig="threePt" dir="t"/>
+    </dgm:scene3d>
+    <dgm:sp3d/>
+    <dgm:txPr/>
+    <dgm:style>
+      <a:lnRef idx="2">
+        <a:scrgbClr r="0" g="0" b="0"/>
+      </a:lnRef>
+      <a:fillRef idx="1">
+        <a:scrgbClr r="0" g="0" b="0"/>
+      </a:fillRef>
+      <a:effectRef idx="0">
+        <a:scrgbClr r="0" g="0" b="0"/>
+      </a:effectRef>
+      <a:fontRef idx="minor"/>
+    </dgm:style>
+  </dgm:styleLbl>
+  <dgm:styleLbl name="solidAlignAcc1">
+    <dgm:scene3d>
+      <a:camera prst="orthographicFront"/>
+      <a:lightRig rig="threePt" dir="t"/>
+    </dgm:scene3d>
+    <dgm:sp3d/>
+    <dgm:txPr/>
+    <dgm:style>
+      <a:lnRef idx="2">
+        <a:scrgbClr r="0" g="0" b="0"/>
+      </a:lnRef>
+      <a:fillRef idx="1">
+        <a:scrgbClr r="0" g="0" b="0"/>
+      </a:fillRef>
+      <a:effectRef idx="0">
+        <a:scrgbClr r="0" g="0" b="0"/>
+      </a:effectRef>
+      <a:fontRef idx="minor"/>
+    </dgm:style>
+  </dgm:styleLbl>
+  <dgm:styleLbl name="solidBgAcc1">
+    <dgm:scene3d>
+      <a:camera prst="orthographicFront"/>
+      <a:lightRig rig="threePt" dir="t"/>
+    </dgm:scene3d>
+    <dgm:sp3d/>
+    <dgm:txPr/>
+    <dgm:style>
+      <a:lnRef idx="2">
+        <a:scrgbClr r="0" g="0" b="0"/>
+      </a:lnRef>
+      <a:fillRef idx="1">
+        <a:scrgbClr r="0" g="0" b="0"/>
+      </a:fillRef>
+      <a:effectRef idx="0">
+        <a:scrgbClr r="0" g="0" b="0"/>
+      </a:effectRef>
+      <a:fontRef idx="minor"/>
+    </dgm:style>
+  </dgm:styleLbl>
+  <dgm:styleLbl name="fgAccFollowNode1">
+    <dgm:scene3d>
+      <a:camera prst="orthographicFront"/>
+      <a:lightRig rig="threePt" dir="t"/>
+    </dgm:scene3d>
+    <dgm:sp3d/>
+    <dgm:txPr/>
+    <dgm:style>
+      <a:lnRef idx="2">
+        <a:scrgbClr r="0" g="0" b="0"/>
+      </a:lnRef>
+      <a:fillRef idx="1">
+        <a:scrgbClr r="0" g="0" b="0"/>
+      </a:fillRef>
+      <a:effectRef idx="0">
+        <a:scrgbClr r="0" g="0" b="0"/>
+      </a:effectRef>
+      <a:fontRef idx="minor"/>
+    </dgm:style>
+  </dgm:styleLbl>
+  <dgm:styleLbl name="alignAccFollowNode1">
+    <dgm:scene3d>
+      <a:camera prst="orthographicFront"/>
+      <a:lightRig rig="threePt" dir="t"/>
+    </dgm:scene3d>
+    <dgm:sp3d/>
+    <dgm:txPr/>
+    <dgm:style>
+      <a:lnRef idx="2">
+        <a:scrgbClr r="0" g="0" b="0"/>
+      </a:lnRef>
+      <a:fillRef idx="1">
+        <a:scrgbClr r="0" g="0" b="0"/>
+      </a:fillRef>
+      <a:effectRef idx="0">
+        <a:scrgbClr r="0" g="0" b="0"/>
+      </a:effectRef>
+      <a:fontRef idx="minor"/>
+    </dgm:style>
+  </dgm:styleLbl>
+  <dgm:styleLbl name="bgAccFollowNode1">
+    <dgm:scene3d>
+      <a:camera prst="orthographicFront"/>
+      <a:lightRig rig="threePt" dir="t"/>
+    </dgm:scene3d>
+    <dgm:sp3d/>
+    <dgm:txPr/>
+    <dgm:style>
+      <a:lnRef idx="2">
+        <a:scrgbClr r="0" g="0" b="0"/>
+      </a:lnRef>
+      <a:fillRef idx="1">
+        <a:scrgbClr r="0" g="0" b="0"/>
+      </a:fillRef>
+      <a:effectRef idx="0">
+        <a:scrgbClr r="0" g="0" b="0"/>
+      </a:effectRef>
+      <a:fontRef idx="minor"/>
+    </dgm:style>
+  </dgm:styleLbl>
+  <dgm:styleLbl name="fgAcc0">
+    <dgm:scene3d>
+      <a:camera prst="orthographicFront"/>
+      <a:lightRig rig="threePt" dir="t"/>
+    </dgm:scene3d>
+    <dgm:sp3d/>
+    <dgm:txPr/>
+    <dgm:style>
+      <a:lnRef idx="2">
+        <a:scrgbClr r="0" g="0" b="0"/>
+      </a:lnRef>
+      <a:fillRef idx="1">
+        <a:scrgbClr r="0" g="0" b="0"/>
+      </a:fillRef>
+      <a:effectRef idx="0">
+        <a:scrgbClr r="0" g="0" b="0"/>
+      </a:effectRef>
+      <a:fontRef idx="minor"/>
+    </dgm:style>
+  </dgm:styleLbl>
+  <dgm:styleLbl name="fgAcc2">
+    <dgm:scene3d>
+      <a:camera prst="orthographicFront"/>
+      <a:lightRig rig="threePt" dir="t"/>
+    </dgm:scene3d>
+    <dgm:sp3d/>
+    <dgm:txPr/>
+    <dgm:style>
+      <a:lnRef idx="2">
+        <a:scrgbClr r="0" g="0" b="0"/>
+      </a:lnRef>
+      <a:fillRef idx="1">
+        <a:scrgbClr r="0" g="0" b="0"/>
+      </a:fillRef>
+      <a:effectRef idx="0">
+        <a:scrgbClr r="0" g="0" b="0"/>
+      </a:effectRef>
+      <a:fontRef idx="minor"/>
+    </dgm:style>
+  </dgm:styleLbl>
+  <dgm:styleLbl name="fgAcc3">
+    <dgm:scene3d>
+      <a:camera prst="orthographicFront"/>
+      <a:lightRig rig="threePt" dir="t"/>
+    </dgm:scene3d>
+    <dgm:sp3d/>
+    <dgm:txPr/>
+    <dgm:style>
+      <a:lnRef idx="2">
+        <a:scrgbClr r="0" g="0" b="0"/>
+      </a:lnRef>
+      <a:fillRef idx="1">
+        <a:scrgbClr r="0" g="0" b="0"/>
+      </a:fillRef>
+      <a:effectRef idx="0">
+        <a:scrgbClr r="0" g="0" b="0"/>
+      </a:effectRef>
+      <a:fontRef idx="minor"/>
+    </dgm:style>
+  </dgm:styleLbl>
+  <dgm:styleLbl name="fgAcc4">
+    <dgm:scene3d>
+      <a:camera prst="orthographicFront"/>
+      <a:lightRig rig="threePt" dir="t"/>
+    </dgm:scene3d>
+    <dgm:sp3d/>
+    <dgm:txPr/>
+    <dgm:style>
+      <a:lnRef idx="2">
+        <a:scrgbClr r="0" g="0" b="0"/>
+      </a:lnRef>
+      <a:fillRef idx="1">
+        <a:scrgbClr r="0" g="0" b="0"/>
+      </a:fillRef>
+      <a:effectRef idx="0">
+        <a:scrgbClr r="0" g="0" b="0"/>
+      </a:effectRef>
+      <a:fontRef idx="minor"/>
+    </dgm:style>
+  </dgm:styleLbl>
+  <dgm:styleLbl name="bgShp">
+    <dgm:scene3d>
+      <a:camera prst="orthographicFront"/>
+      <a:lightRig rig="threePt" dir="t"/>
+    </dgm:scene3d>
+    <dgm:sp3d/>
+    <dgm:txPr/>
+    <dgm:style>
+      <a:lnRef idx="0">
+        <a:scrgbClr r="0" g="0" b="0"/>
+      </a:lnRef>
+      <a:fillRef idx="1">
+        <a:scrgbClr r="0" g="0" b="0"/>
+      </a:fillRef>
+      <a:effectRef idx="0">
+        <a:scrgbClr r="0" g="0" b="0"/>
+      </a:effectRef>
+      <a:fontRef idx="minor"/>
+    </dgm:style>
+  </dgm:styleLbl>
+  <dgm:styleLbl name="dkBgShp">
+    <dgm:scene3d>
+      <a:camera prst="orthographicFront"/>
+      <a:lightRig rig="threePt" dir="t"/>
+    </dgm:scene3d>
+    <dgm:sp3d/>
+    <dgm:txPr/>
+    <dgm:style>
+      <a:lnRef idx="0">
+        <a:scrgbClr r="0" g="0" b="0"/>
+      </a:lnRef>
+      <a:fillRef idx="1">
+        <a:scrgbClr r="0" g="0" b="0"/>
+      </a:fillRef>
+      <a:effectRef idx="0">
+        <a:scrgbClr r="0" g="0" b="0"/>
+      </a:effectRef>
+      <a:fontRef idx="minor"/>
+    </dgm:style>
+  </dgm:styleLbl>
+  <dgm:styleLbl name="trBgShp">
+    <dgm:scene3d>
+      <a:camera prst="orthographicFront"/>
+      <a:lightRig rig="threePt" dir="t"/>
+    </dgm:scene3d>
+    <dgm:sp3d/>
+    <dgm:txPr/>
+    <dgm:style>
+      <a:lnRef idx="0">
+        <a:scrgbClr r="0" g="0" b="0"/>
+      </a:lnRef>
+      <a:fillRef idx="1">
+        <a:scrgbClr r="0" g="0" b="0"/>
+      </a:fillRef>
+      <a:effectRef idx="0">
+        <a:scrgbClr r="0" g="0" b="0"/>
+      </a:effectRef>
+      <a:fontRef idx="minor"/>
+    </dgm:style>
+  </dgm:styleLbl>
+  <dgm:styleLbl name="fgShp">
+    <dgm:scene3d>
+      <a:camera prst="orthographicFront"/>
+      <a:lightRig rig="threePt" dir="t"/>
+    </dgm:scene3d>
+    <dgm:sp3d/>
+    <dgm:txPr/>
+    <dgm:style>
+      <a:lnRef idx="2">
+        <a:scrgbClr r="0" g="0" b="0"/>
+      </a:lnRef>
+      <a:fillRef idx="1">
+        <a:scrgbClr r="0" g="0" b="0"/>
+      </a:fillRef>
+      <a:effectRef idx="0">
+        <a:scrgbClr r="0" g="0" b="0"/>
+      </a:effectRef>
+      <a:fontRef idx="minor"/>
+    </dgm:style>
+  </dgm:styleLbl>
+  <dgm:styleLbl name="revTx">
+    <dgm:scene3d>
+      <a:camera prst="orthographicFront"/>
+      <a:lightRig rig="threePt" dir="t"/>
+    </dgm:scene3d>
+    <dgm:sp3d/>
+    <dgm:txPr/>
+    <dgm:style>
+      <a:lnRef idx="0">
+        <a:scrgbClr r="0" g="0" b="0"/>
+      </a:lnRef>
+      <a:fillRef idx="0">
+        <a:scrgbClr r="0" g="0" b="0"/>
+      </a:fillRef>
+      <a:effectRef idx="0">
+        <a:scrgbClr r="0" g="0" b="0"/>
+      </a:effectRef>
+      <a:fontRef idx="minor"/>
+    </dgm:style>
+  </dgm:styleLbl>
+</dgm:styleDef>
+</file>
+
+<file path=ppt/diagrams/quickStyle2.xml><?xml version="1.0" encoding="utf-8"?>
+<dgm:styleDef xmlns:dgm="http://schemas.openxmlformats.org/drawingml/2006/diagram" xmlns:a="http://schemas.openxmlformats.org/drawingml/2006/main" uniqueId="urn:microsoft.com/office/officeart/2005/8/quickstyle/simple1">
+  <dgm:title val=""/>
+  <dgm:desc val=""/>
+  <dgm:catLst>
+    <dgm:cat type="simple" pri="10100"/>
+  </dgm:catLst>
+  <dgm:scene3d>
+    <a:camera prst="orthographicFront"/>
+    <a:lightRig rig="threePt" dir="t"/>
+  </dgm:scene3d>
+  <dgm:styleLbl name="node0">
+    <dgm:scene3d>
+      <a:camera prst="orthographicFront"/>
+      <a:lightRig rig="threePt" dir="t"/>
+    </dgm:scene3d>
+    <dgm:sp3d/>
+    <dgm:txPr/>
+    <dgm:style>
+      <a:lnRef idx="2">
+        <a:scrgbClr r="0" g="0" b="0"/>
+      </a:lnRef>
+      <a:fillRef idx="1">
+        <a:scrgbClr r="0" g="0" b="0"/>
+      </a:fillRef>
+      <a:effectRef idx="0">
+        <a:scrgbClr r="0" g="0" b="0"/>
+      </a:effectRef>
+      <a:fontRef idx="minor">
+        <a:schemeClr val="lt1"/>
+      </a:fontRef>
+    </dgm:style>
+  </dgm:styleLbl>
+  <dgm:styleLbl name="lnNode1">
+    <dgm:scene3d>
+      <a:camera prst="orthographicFront"/>
+      <a:lightRig rig="threePt" dir="t"/>
+    </dgm:scene3d>
+    <dgm:sp3d/>
+    <dgm:txPr/>
+    <dgm:style>
+      <a:lnRef idx="2">
+        <a:scrgbClr r="0" g="0" b="0"/>
+      </a:lnRef>
+      <a:fillRef idx="1">
+        <a:scrgbClr r="0" g="0" b="0"/>
+      </a:fillRef>
+      <a:effectRef idx="0">
+        <a:scrgbClr r="0" g="0" b="0"/>
+      </a:effectRef>
+      <a:fontRef idx="minor">
+        <a:schemeClr val="lt1"/>
+      </a:fontRef>
+    </dgm:style>
+  </dgm:styleLbl>
+  <dgm:styleLbl name="vennNode1">
+    <dgm:scene3d>
+      <a:camera prst="orthographicFront"/>
+      <a:lightRig rig="threePt" dir="t"/>
+    </dgm:scene3d>
+    <dgm:sp3d/>
+    <dgm:txPr/>
+    <dgm:style>
+      <a:lnRef idx="2">
+        <a:scrgbClr r="0" g="0" b="0"/>
+      </a:lnRef>
+      <a:fillRef idx="1">
+        <a:scrgbClr r="0" g="0" b="0"/>
+      </a:fillRef>
+      <a:effectRef idx="0">
+        <a:scrgbClr r="0" g="0" b="0"/>
+      </a:effectRef>
+      <a:fontRef idx="minor">
+        <a:schemeClr val="tx1"/>
+      </a:fontRef>
+    </dgm:style>
+  </dgm:styleLbl>
+  <dgm:styleLbl name="alignNode1">
+    <dgm:scene3d>
+      <a:camera prst="orthographicFront"/>
+      <a:lightRig rig="threePt" dir="t"/>
+    </dgm:scene3d>
+    <dgm:sp3d/>
+    <dgm:txPr/>
+    <dgm:style>
+      <a:lnRef idx="2">
+        <a:scrgbClr r="0" g="0" b="0"/>
+      </a:lnRef>
+      <a:fillRef idx="1">
+        <a:scrgbClr r="0" g="0" b="0"/>
+      </a:fillRef>
+      <a:effectRef idx="0">
+        <a:scrgbClr r="0" g="0" b="0"/>
+      </a:effectRef>
+      <a:fontRef idx="minor">
+        <a:schemeClr val="lt1"/>
+      </a:fontRef>
+    </dgm:style>
+  </dgm:styleLbl>
+  <dgm:styleLbl name="node1">
+    <dgm:scene3d>
+      <a:camera prst="orthographicFront"/>
+      <a:lightRig rig="threePt" dir="t"/>
+    </dgm:scene3d>
+    <dgm:sp3d/>
+    <dgm:txPr/>
+    <dgm:style>
+      <a:lnRef idx="2">
+        <a:scrgbClr r="0" g="0" b="0"/>
+      </a:lnRef>
+      <a:fillRef idx="1">
+        <a:scrgbClr r="0" g="0" b="0"/>
+      </a:fillRef>
+      <a:effectRef idx="0">
+        <a:scrgbClr r="0" g="0" b="0"/>
+      </a:effectRef>
+      <a:fontRef idx="minor">
+        <a:schemeClr val="lt1"/>
+      </a:fontRef>
+    </dgm:style>
+  </dgm:styleLbl>
+  <dgm:styleLbl name="node2">
+    <dgm:scene3d>
+      <a:camera prst="orthographicFront"/>
+      <a:lightRig rig="threePt" dir="t"/>
+    </dgm:scene3d>
+    <dgm:sp3d/>
+    <dgm:txPr/>
+    <dgm:style>
+      <a:lnRef idx="2">
+        <a:scrgbClr r="0" g="0" b="0"/>
+      </a:lnRef>
+      <a:fillRef idx="1">
+        <a:scrgbClr r="0" g="0" b="0"/>
+      </a:fillRef>
+      <a:effectRef idx="0">
+        <a:scrgbClr r="0" g="0" b="0"/>
+      </a:effectRef>
+      <a:fontRef idx="minor">
+        <a:schemeClr val="lt1"/>
+      </a:fontRef>
+    </dgm:style>
+  </dgm:styleLbl>
+  <dgm:styleLbl name="node3">
+    <dgm:scene3d>
+      <a:camera prst="orthographicFront"/>
+      <a:lightRig rig="threePt" dir="t"/>
+    </dgm:scene3d>
+    <dgm:sp3d/>
+    <dgm:txPr/>
+    <dgm:style>
+      <a:lnRef idx="2">
+        <a:scrgbClr r="0" g="0" b="0"/>
+      </a:lnRef>
+      <a:fillRef idx="1">
+        <a:scrgbClr r="0" g="0" b="0"/>
+      </a:fillRef>
+      <a:effectRef idx="0">
+        <a:scrgbClr r="0" g="0" b="0"/>
+      </a:effectRef>
+      <a:fontRef idx="minor">
+        <a:schemeClr val="lt1"/>
+      </a:fontRef>
+    </dgm:style>
+  </dgm:styleLbl>
+  <dgm:styleLbl name="node4">
+    <dgm:scene3d>
+      <a:camera prst="orthographicFront"/>
+      <a:lightRig rig="threePt" dir="t"/>
+    </dgm:scene3d>
+    <dgm:sp3d/>
+    <dgm:txPr/>
+    <dgm:style>
+      <a:lnRef idx="2">
+        <a:scrgbClr r="0" g="0" b="0"/>
+      </a:lnRef>
+      <a:fillRef idx="1">
+        <a:scrgbClr r="0" g="0" b="0"/>
+      </a:fillRef>
+      <a:effectRef idx="0">
+        <a:scrgbClr r="0" g="0" b="0"/>
+      </a:effectRef>
+      <a:fontRef idx="minor">
+        <a:schemeClr val="lt1"/>
+      </a:fontRef>
+    </dgm:style>
+  </dgm:styleLbl>
+  <dgm:styleLbl name="fgImgPlace1">
+    <dgm:scene3d>
+      <a:camera prst="orthographicFront"/>
+      <a:lightRig rig="threePt" dir="t"/>
+    </dgm:scene3d>
+    <dgm:sp3d/>
+    <dgm:txPr/>
+    <dgm:style>
+      <a:lnRef idx="2">
+        <a:scrgbClr r="0" g="0" b="0"/>
+      </a:lnRef>
+      <a:fillRef idx="1">
+        <a:scrgbClr r="0" g="0" b="0"/>
+      </a:fillRef>
+      <a:effectRef idx="0">
+        <a:scrgbClr r="0" g="0" b="0"/>
+      </a:effectRef>
+      <a:fontRef idx="minor"/>
+    </dgm:style>
+  </dgm:styleLbl>
+  <dgm:styleLbl name="alignImgPlace1">
+    <dgm:scene3d>
+      <a:camera prst="orthographicFront"/>
+      <a:lightRig rig="threePt" dir="t"/>
+    </dgm:scene3d>
+    <dgm:sp3d/>
+    <dgm:txPr/>
+    <dgm:style>
+      <a:lnRef idx="2">
+        <a:scrgbClr r="0" g="0" b="0"/>
+      </a:lnRef>
+      <a:fillRef idx="1">
+        <a:scrgbClr r="0" g="0" b="0"/>
+      </a:fillRef>
+      <a:effectRef idx="0">
+        <a:scrgbClr r="0" g="0" b="0"/>
+      </a:effectRef>
+      <a:fontRef idx="minor"/>
+    </dgm:style>
+  </dgm:styleLbl>
+  <dgm:styleLbl name="bgImgPlace1">
+    <dgm:scene3d>
+      <a:camera prst="orthographicFront"/>
+      <a:lightRig rig="threePt" dir="t"/>
+    </dgm:scene3d>
+    <dgm:sp3d/>
+    <dgm:txPr/>
+    <dgm:style>
+      <a:lnRef idx="2">
+        <a:scrgbClr r="0" g="0" b="0"/>
+      </a:lnRef>
+      <a:fillRef idx="1">
+        <a:scrgbClr r="0" g="0" b="0"/>
+      </a:fillRef>
+      <a:effectRef idx="0">
+        <a:scrgbClr r="0" g="0" b="0"/>
+      </a:effectRef>
+      <a:fontRef idx="minor"/>
+    </dgm:style>
+  </dgm:styleLbl>
+  <dgm:styleLbl name="sibTrans2D1">
+    <dgm:scene3d>
+      <a:camera prst="orthographicFront"/>
+      <a:lightRig rig="threePt" dir="t"/>
+    </dgm:scene3d>
+    <dgm:sp3d/>
+    <dgm:txPr/>
+    <dgm:style>
+      <a:lnRef idx="0">
+        <a:scrgbClr r="0" g="0" b="0"/>
+      </a:lnRef>
+      <a:fillRef idx="1">
+        <a:scrgbClr r="0" g="0" b="0"/>
+      </a:fillRef>
+      <a:effectRef idx="0">
+        <a:scrgbClr r="0" g="0" b="0"/>
+      </a:effectRef>
+      <a:fontRef idx="minor">
+        <a:schemeClr val="lt1"/>
+      </a:fontRef>
+    </dgm:style>
+  </dgm:styleLbl>
+  <dgm:styleLbl name="fgSibTrans2D1">
+    <dgm:scene3d>
+      <a:camera prst="orthographicFront"/>
+      <a:lightRig rig="threePt" dir="t"/>
+    </dgm:scene3d>
+    <dgm:sp3d/>
+    <dgm:txPr/>
+    <dgm:style>
+      <a:lnRef idx="0">
+        <a:scrgbClr r="0" g="0" b="0"/>
+      </a:lnRef>
+      <a:fillRef idx="1">
+        <a:scrgbClr r="0" g="0" b="0"/>
+      </a:fillRef>
+      <a:effectRef idx="0">
+        <a:scrgbClr r="0" g="0" b="0"/>
+      </a:effectRef>
+      <a:fontRef idx="minor">
+        <a:schemeClr val="lt1"/>
+      </a:fontRef>
+    </dgm:style>
+  </dgm:styleLbl>
+  <dgm:styleLbl name="bgSibTrans2D1">
+    <dgm:scene3d>
+      <a:camera prst="orthographicFront"/>
+      <a:lightRig rig="threePt" dir="t"/>
+    </dgm:scene3d>
+    <dgm:sp3d/>
+    <dgm:txPr/>
+    <dgm:style>
+      <a:lnRef idx="0">
+        <a:scrgbClr r="0" g="0" b="0"/>
+      </a:lnRef>
+      <a:fillRef idx="1">
+        <a:scrgbClr r="0" g="0" b="0"/>
+      </a:fillRef>
+      <a:effectRef idx="0">
+        <a:scrgbClr r="0" g="0" b="0"/>
+      </a:effectRef>
+      <a:fontRef idx="minor">
+        <a:schemeClr val="lt1"/>
+      </a:fontRef>
+    </dgm:style>
+  </dgm:styleLbl>
+  <dgm:styleLbl name="sibTrans1D1">
+    <dgm:scene3d>
+      <a:camera prst="orthographicFront"/>
+      <a:lightRig rig="threePt" dir="t"/>
+    </dgm:scene3d>
+    <dgm:sp3d/>
+    <dgm:txPr/>
+    <dgm:style>
+      <a:lnRef idx="1">
+        <a:scrgbClr r="0" g="0" b="0"/>
+      </a:lnRef>
+      <a:fillRef idx="0">
+        <a:scrgbClr r="0" g="0" b="0"/>
+      </a:fillRef>
+      <a:effectRef idx="0">
+        <a:scrgbClr r="0" g="0" b="0"/>
+      </a:effectRef>
+      <a:fontRef idx="minor"/>
+    </dgm:style>
+  </dgm:styleLbl>
+  <dgm:styleLbl name="callout">
+    <dgm:scene3d>
+      <a:camera prst="orthographicFront"/>
+      <a:lightRig rig="threePt" dir="t"/>
+    </dgm:scene3d>
+    <dgm:sp3d/>
+    <dgm:txPr/>
+    <dgm:style>
+      <a:lnRef idx="2">
+        <a:scrgbClr r="0" g="0" b="0"/>
+      </a:lnRef>
+      <a:fillRef idx="1">
+        <a:scrgbClr r="0" g="0" b="0"/>
+      </a:fillRef>
+      <a:effectRef idx="0">
+        <a:scrgbClr r="0" g="0" b="0"/>
+      </a:effectRef>
+      <a:fontRef idx="minor"/>
+    </dgm:style>
+  </dgm:styleLbl>
+  <dgm:styleLbl name="asst0">
+    <dgm:scene3d>
+      <a:camera prst="orthographicFront"/>
+      <a:lightRig rig="threePt" dir="t"/>
+    </dgm:scene3d>
+    <dgm:sp3d/>
+    <dgm:txPr/>
+    <dgm:style>
+      <a:lnRef idx="2">
+        <a:scrgbClr r="0" g="0" b="0"/>
+      </a:lnRef>
+      <a:fillRef idx="1">
+        <a:scrgbClr r="0" g="0" b="0"/>
+      </a:fillRef>
+      <a:effectRef idx="0">
+        <a:scrgbClr r="0" g="0" b="0"/>
+      </a:effectRef>
+      <a:fontRef idx="minor">
+        <a:schemeClr val="lt1"/>
+      </a:fontRef>
+    </dgm:style>
+  </dgm:styleLbl>
+  <dgm:styleLbl name="asst1">
+    <dgm:scene3d>
+      <a:camera prst="orthographicFront"/>
+      <a:lightRig rig="threePt" dir="t"/>
+    </dgm:scene3d>
+    <dgm:sp3d/>
+    <dgm:txPr/>
+    <dgm:style>
+      <a:lnRef idx="2">
+        <a:scrgbClr r="0" g="0" b="0"/>
+      </a:lnRef>
+      <a:fillRef idx="1">
+        <a:scrgbClr r="0" g="0" b="0"/>
+      </a:fillRef>
+      <a:effectRef idx="0">
+        <a:scrgbClr r="0" g="0" b="0"/>
+      </a:effectRef>
+      <a:fontRef idx="minor">
+        <a:schemeClr val="lt1"/>
+      </a:fontRef>
+    </dgm:style>
+  </dgm:styleLbl>
+  <dgm:styleLbl name="asst2">
+    <dgm:scene3d>
+      <a:camera prst="orthographicFront"/>
+      <a:lightRig rig="threePt" dir="t"/>
+    </dgm:scene3d>
+    <dgm:sp3d/>
+    <dgm:txPr/>
+    <dgm:style>
+      <a:lnRef idx="2">
+        <a:scrgbClr r="0" g="0" b="0"/>
+      </a:lnRef>
+      <a:fillRef idx="1">
+        <a:scrgbClr r="0" g="0" b="0"/>
+      </a:fillRef>
+      <a:effectRef idx="0">
+        <a:scrgbClr r="0" g="0" b="0"/>
+      </a:effectRef>
+      <a:fontRef idx="minor">
+        <a:schemeClr val="lt1"/>
+      </a:fontRef>
+    </dgm:style>
+  </dgm:styleLbl>
+  <dgm:styleLbl name="asst3">
+    <dgm:scene3d>
+      <a:camera prst="orthographicFront"/>
+      <a:lightRig rig="threePt" dir="t"/>
+    </dgm:scene3d>
+    <dgm:sp3d/>
+    <dgm:txPr/>
+    <dgm:style>
+      <a:lnRef idx="2">
+        <a:scrgbClr r="0" g="0" b="0"/>
+      </a:lnRef>
+      <a:fillRef idx="1">
+        <a:scrgbClr r="0" g="0" b="0"/>
+      </a:fillRef>
+      <a:effectRef idx="0">
+        <a:scrgbClr r="0" g="0" b="0"/>
+      </a:effectRef>
+      <a:fontRef idx="minor">
+        <a:schemeClr val="lt1"/>
+      </a:fontRef>
+    </dgm:style>
+  </dgm:styleLbl>
+  <dgm:styleLbl name="asst4">
+    <dgm:scene3d>
+      <a:camera prst="orthographicFront"/>
+      <a:lightRig rig="threePt" dir="t"/>
+    </dgm:scene3d>
+    <dgm:sp3d/>
+    <dgm:txPr/>
+    <dgm:style>
+      <a:lnRef idx="2">
+        <a:scrgbClr r="0" g="0" b="0"/>
+      </a:lnRef>
+      <a:fillRef idx="1">
+        <a:scrgbClr r="0" g="0" b="0"/>
+      </a:fillRef>
+      <a:effectRef idx="0">
+        <a:scrgbClr r="0" g="0" b="0"/>
+      </a:effectRef>
+      <a:fontRef idx="minor">
+        <a:schemeClr val="lt1"/>
+      </a:fontRef>
+    </dgm:style>
+  </dgm:styleLbl>
+  <dgm:styleLbl name="parChTrans2D1">
+    <dgm:scene3d>
+      <a:camera prst="orthographicFront"/>
+      <a:lightRig rig="threePt" dir="t"/>
+    </dgm:scene3d>
+    <dgm:sp3d/>
+    <dgm:txPr/>
+    <dgm:style>
+      <a:lnRef idx="2">
+        <a:scrgbClr r="0" g="0" b="0"/>
+      </a:lnRef>
+      <a:fillRef idx="1">
+        <a:scrgbClr r="0" g="0" b="0"/>
+      </a:fillRef>
+      <a:effectRef idx="0">
+        <a:scrgbClr r="0" g="0" b="0"/>
+      </a:effectRef>
+      <a:fontRef idx="minor">
+        <a:schemeClr val="lt1"/>
+      </a:fontRef>
+    </dgm:style>
+  </dgm:styleLbl>
+  <dgm:styleLbl name="parChTrans2D2">
+    <dgm:scene3d>
+      <a:camera prst="orthographicFront"/>
+      <a:lightRig rig="threePt" dir="t"/>
+    </dgm:scene3d>
+    <dgm:sp3d/>
+    <dgm:txPr/>
+    <dgm:style>
+      <a:lnRef idx="2">
+        <a:scrgbClr r="0" g="0" b="0"/>
+      </a:lnRef>
+      <a:fillRef idx="1">
+        <a:scrgbClr r="0" g="0" b="0"/>
+      </a:fillRef>
+      <a:effectRef idx="0">
+        <a:scrgbClr r="0" g="0" b="0"/>
+      </a:effectRef>
+      <a:fontRef idx="minor">
+        <a:schemeClr val="lt1"/>
+      </a:fontRef>
+    </dgm:style>
+  </dgm:styleLbl>
+  <dgm:styleLbl name="parChTrans2D3">
+    <dgm:scene3d>
+      <a:camera prst="orthographicFront"/>
+      <a:lightRig rig="threePt" dir="t"/>
+    </dgm:scene3d>
+    <dgm:sp3d/>
+    <dgm:txPr/>
+    <dgm:style>
+      <a:lnRef idx="2">
+        <a:scrgbClr r="0" g="0" b="0"/>
+      </a:lnRef>
+      <a:fillRef idx="1">
+        <a:scrgbClr r="0" g="0" b="0"/>
+      </a:fillRef>
+      <a:effectRef idx="0">
+        <a:scrgbClr r="0" g="0" b="0"/>
+      </a:effectRef>
+      <a:fontRef idx="minor">
+        <a:schemeClr val="lt1"/>
+      </a:fontRef>
+    </dgm:style>
+  </dgm:styleLbl>
+  <dgm:styleLbl name="parChTrans2D4">
+    <dgm:scene3d>
+      <a:camera prst="orthographicFront"/>
+      <a:lightRig rig="threePt" dir="t"/>
+    </dgm:scene3d>
+    <dgm:sp3d/>
+    <dgm:txPr/>
+    <dgm:style>
+      <a:lnRef idx="2">
+        <a:scrgbClr r="0" g="0" b="0"/>
+      </a:lnRef>
+      <a:fillRef idx="1">
+        <a:scrgbClr r="0" g="0" b="0"/>
+      </a:fillRef>
+      <a:effectRef idx="0">
+        <a:scrgbClr r="0" g="0" b="0"/>
+      </a:effectRef>
+      <a:fontRef idx="minor">
+        <a:schemeClr val="lt1"/>
+      </a:fontRef>
+    </dgm:style>
+  </dgm:styleLbl>
+  <dgm:styleLbl name="parChTrans1D1">
+    <dgm:scene3d>
+      <a:camera prst="orthographicFront"/>
+      <a:lightRig rig="threePt" dir="t"/>
+    </dgm:scene3d>
+    <dgm:sp3d/>
+    <dgm:txPr/>
+    <dgm:style>
+      <a:lnRef idx="2">
+        <a:scrgbClr r="0" g="0" b="0"/>
+      </a:lnRef>
+      <a:fillRef idx="0">
+        <a:scrgbClr r="0" g="0" b="0"/>
+      </a:fillRef>
+      <a:effectRef idx="0">
+        <a:scrgbClr r="0" g="0" b="0"/>
+      </a:effectRef>
+      <a:fontRef idx="minor"/>
+    </dgm:style>
+  </dgm:styleLbl>
+  <dgm:styleLbl name="parChTrans1D2">
+    <dgm:scene3d>
+      <a:camera prst="orthographicFront"/>
+      <a:lightRig rig="threePt" dir="t"/>
+    </dgm:scene3d>
+    <dgm:sp3d/>
+    <dgm:txPr/>
+    <dgm:style>
+      <a:lnRef idx="2">
+        <a:scrgbClr r="0" g="0" b="0"/>
+      </a:lnRef>
+      <a:fillRef idx="0">
+        <a:scrgbClr r="0" g="0" b="0"/>
+      </a:fillRef>
+      <a:effectRef idx="0">
+        <a:scrgbClr r="0" g="0" b="0"/>
+      </a:effectRef>
+      <a:fontRef idx="minor"/>
+    </dgm:style>
+  </dgm:styleLbl>
+  <dgm:styleLbl name="parChTrans1D3">
+    <dgm:scene3d>
+      <a:camera prst="orthographicFront"/>
+      <a:lightRig rig="threePt" dir="t"/>
+    </dgm:scene3d>
+    <dgm:sp3d/>
+    <dgm:txPr/>
+    <dgm:style>
+      <a:lnRef idx="2">
+        <a:scrgbClr r="0" g="0" b="0"/>
+      </a:lnRef>
+      <a:fillRef idx="0">
+        <a:scrgbClr r="0" g="0" b="0"/>
+      </a:fillRef>
+      <a:effectRef idx="0">
+        <a:scrgbClr r="0" g="0" b="0"/>
+      </a:effectRef>
+      <a:fontRef idx="minor"/>
+    </dgm:style>
+  </dgm:styleLbl>
+  <dgm:styleLbl name="parChTrans1D4">
+    <dgm:scene3d>
+      <a:camera prst="orthographicFront"/>
+      <a:lightRig rig="threePt" dir="t"/>
+    </dgm:scene3d>
+    <dgm:sp3d/>
+    <dgm:txPr/>
+    <dgm:style>
+      <a:lnRef idx="2">
+        <a:scrgbClr r="0" g="0" b="0"/>
+      </a:lnRef>
+      <a:fillRef idx="0">
+        <a:scrgbClr r="0" g="0" b="0"/>
+      </a:fillRef>
+      <a:effectRef idx="0">
+        <a:scrgbClr r="0" g="0" b="0"/>
+      </a:effectRef>
+      <a:fontRef idx="minor"/>
+    </dgm:style>
+  </dgm:styleLbl>
+  <dgm:styleLbl name="fgAcc1">
+    <dgm:scene3d>
+      <a:camera prst="orthographicFront"/>
+      <a:lightRig rig="threePt" dir="t"/>
+    </dgm:scene3d>
+    <dgm:sp3d/>
+    <dgm:txPr/>
+    <dgm:style>
+      <a:lnRef idx="2">
+        <a:scrgbClr r="0" g="0" b="0"/>
+      </a:lnRef>
+      <a:fillRef idx="1">
+        <a:scrgbClr r="0" g="0" b="0"/>
+      </a:fillRef>
+      <a:effectRef idx="0">
+        <a:scrgbClr r="0" g="0" b="0"/>
+      </a:effectRef>
+      <a:fontRef idx="minor"/>
+    </dgm:style>
+  </dgm:styleLbl>
+  <dgm:styleLbl name="conFgAcc1">
+    <dgm:scene3d>
+      <a:camera prst="orthographicFront"/>
+      <a:lightRig rig="threePt" dir="t"/>
+    </dgm:scene3d>
+    <dgm:sp3d/>
+    <dgm:txPr/>
+    <dgm:style>
+      <a:lnRef idx="2">
+        <a:scrgbClr r="0" g="0" b="0"/>
+      </a:lnRef>
+      <a:fillRef idx="1">
+        <a:scrgbClr r="0" g="0" b="0"/>
+      </a:fillRef>
+      <a:effectRef idx="0">
+        <a:scrgbClr r="0" g="0" b="0"/>
+      </a:effectRef>
+      <a:fontRef idx="minor"/>
+    </dgm:style>
+  </dgm:styleLbl>
+  <dgm:styleLbl name="alignAcc1">
+    <dgm:scene3d>
+      <a:camera prst="orthographicFront"/>
+      <a:lightRig rig="threePt" dir="t"/>
+    </dgm:scene3d>
+    <dgm:sp3d/>
+    <dgm:txPr/>
+    <dgm:style>
+      <a:lnRef idx="2">
+        <a:scrgbClr r="0" g="0" b="0"/>
+      </a:lnRef>
+      <a:fillRef idx="1">
+        <a:scrgbClr r="0" g="0" b="0"/>
+      </a:fillRef>
+      <a:effectRef idx="0">
+        <a:scrgbClr r="0" g="0" b="0"/>
+      </a:effectRef>
+      <a:fontRef idx="minor"/>
+    </dgm:style>
+  </dgm:styleLbl>
+  <dgm:styleLbl name="trAlignAcc1">
+    <dgm:scene3d>
+      <a:camera prst="orthographicFront"/>
+      <a:lightRig rig="threePt" dir="t"/>
+    </dgm:scene3d>
+    <dgm:sp3d/>
+    <dgm:txPr/>
+    <dgm:style>
+      <a:lnRef idx="1">
+        <a:scrgbClr r="0" g="0" b="0"/>
+      </a:lnRef>
+      <a:fillRef idx="1">
+        <a:scrgbClr r="0" g="0" b="0"/>
+      </a:fillRef>
+      <a:effectRef idx="0">
+        <a:scrgbClr r="0" g="0" b="0"/>
+      </a:effectRef>
+      <a:fontRef idx="minor"/>
+    </dgm:style>
+  </dgm:styleLbl>
+  <dgm:styleLbl name="bgAcc1">
+    <dgm:scene3d>
+      <a:camera prst="orthographicFront"/>
+      <a:lightRig rig="threePt" dir="t"/>
+    </dgm:scene3d>
+    <dgm:sp3d/>
+    <dgm:txPr/>
+    <dgm:style>
+      <a:lnRef idx="2">
+        <a:scrgbClr r="0" g="0" b="0"/>
+      </a:lnRef>
+      <a:fillRef idx="1">
+        <a:scrgbClr r="0" g="0" b="0"/>
+      </a:fillRef>
+      <a:effectRef idx="0">
+        <a:scrgbClr r="0" g="0" b="0"/>
+      </a:effectRef>
+      <a:fontRef idx="minor"/>
+    </dgm:style>
+  </dgm:styleLbl>
+  <dgm:styleLbl name="solidFgAcc1">
+    <dgm:scene3d>
+      <a:camera prst="orthographicFront"/>
+      <a:lightRig rig="threePt" dir="t"/>
+    </dgm:scene3d>
+    <dgm:sp3d/>
+    <dgm:txPr/>
+    <dgm:style>
+      <a:lnRef idx="2">
+        <a:scrgbClr r="0" g="0" b="0"/>
+      </a:lnRef>
+      <a:fillRef idx="1">
+        <a:scrgbClr r="0" g="0" b="0"/>
+      </a:fillRef>
+      <a:effectRef idx="0">
+        <a:scrgbClr r="0" g="0" b="0"/>
+      </a:effectRef>
+      <a:fontRef idx="minor"/>
+    </dgm:style>
+  </dgm:styleLbl>
+  <dgm:styleLbl name="solidAlignAcc1">
+    <dgm:scene3d>
+      <a:camera prst="orthographicFront"/>
+      <a:lightRig rig="threePt" dir="t"/>
+    </dgm:scene3d>
+    <dgm:sp3d/>
+    <dgm:txPr/>
+    <dgm:style>
+      <a:lnRef idx="2">
+        <a:scrgbClr r="0" g="0" b="0"/>
+      </a:lnRef>
+      <a:fillRef idx="1">
+        <a:scrgbClr r="0" g="0" b="0"/>
+      </a:fillRef>
+      <a:effectRef idx="0">
+        <a:scrgbClr r="0" g="0" b="0"/>
+      </a:effectRef>
+      <a:fontRef idx="minor"/>
+    </dgm:style>
+  </dgm:styleLbl>
+  <dgm:styleLbl name="solidBgAcc1">
+    <dgm:scene3d>
+      <a:camera prst="orthographicFront"/>
+      <a:lightRig rig="threePt" dir="t"/>
+    </dgm:scene3d>
+    <dgm:sp3d/>
+    <dgm:txPr/>
+    <dgm:style>
+      <a:lnRef idx="2">
+        <a:scrgbClr r="0" g="0" b="0"/>
+      </a:lnRef>
+      <a:fillRef idx="1">
+        <a:scrgbClr r="0" g="0" b="0"/>
+      </a:fillRef>
+      <a:effectRef idx="0">
+        <a:scrgbClr r="0" g="0" b="0"/>
+      </a:effectRef>
+      <a:fontRef idx="minor"/>
+    </dgm:style>
+  </dgm:styleLbl>
+  <dgm:styleLbl name="fgAccFollowNode1">
+    <dgm:scene3d>
+      <a:camera prst="orthographicFront"/>
+      <a:lightRig rig="threePt" dir="t"/>
+    </dgm:scene3d>
+    <dgm:sp3d/>
+    <dgm:txPr/>
+    <dgm:style>
+      <a:lnRef idx="2">
+        <a:scrgbClr r="0" g="0" b="0"/>
+      </a:lnRef>
+      <a:fillRef idx="1">
+        <a:scrgbClr r="0" g="0" b="0"/>
+      </a:fillRef>
+      <a:effectRef idx="0">
+        <a:scrgbClr r="0" g="0" b="0"/>
+      </a:effectRef>
+      <a:fontRef idx="minor"/>
+    </dgm:style>
+  </dgm:styleLbl>
+  <dgm:styleLbl name="alignAccFollowNode1">
+    <dgm:scene3d>
+      <a:camera prst="orthographicFront"/>
+      <a:lightRig rig="threePt" dir="t"/>
+    </dgm:scene3d>
+    <dgm:sp3d/>
+    <dgm:txPr/>
+    <dgm:style>
+      <a:lnRef idx="2">
+        <a:scrgbClr r="0" g="0" b="0"/>
+      </a:lnRef>
+      <a:fillRef idx="1">
+        <a:scrgbClr r="0" g="0" b="0"/>
+      </a:fillRef>
+      <a:effectRef idx="0">
+        <a:scrgbClr r="0" g="0" b="0"/>
+      </a:effectRef>
+      <a:fontRef idx="minor"/>
+    </dgm:style>
+  </dgm:styleLbl>
+  <dgm:styleLbl name="bgAccFollowNode1">
+    <dgm:scene3d>
+      <a:camera prst="orthographicFront"/>
+      <a:lightRig rig="threePt" dir="t"/>
+    </dgm:scene3d>
+    <dgm:sp3d/>
+    <dgm:txPr/>
+    <dgm:style>
+      <a:lnRef idx="2">
+        <a:scrgbClr r="0" g="0" b="0"/>
+      </a:lnRef>
+      <a:fillRef idx="1">
+        <a:scrgbClr r="0" g="0" b="0"/>
+      </a:fillRef>
+      <a:effectRef idx="0">
+        <a:scrgbClr r="0" g="0" b="0"/>
+      </a:effectRef>
+      <a:fontRef idx="minor"/>
+    </dgm:style>
+  </dgm:styleLbl>
+  <dgm:styleLbl name="fgAcc0">
+    <dgm:scene3d>
+      <a:camera prst="orthographicFront"/>
+      <a:lightRig rig="threePt" dir="t"/>
+    </dgm:scene3d>
+    <dgm:sp3d/>
+    <dgm:txPr/>
+    <dgm:style>
+      <a:lnRef idx="2">
+        <a:scrgbClr r="0" g="0" b="0"/>
+      </a:lnRef>
+      <a:fillRef idx="1">
+        <a:scrgbClr r="0" g="0" b="0"/>
+      </a:fillRef>
+      <a:effectRef idx="0">
+        <a:scrgbClr r="0" g="0" b="0"/>
+      </a:effectRef>
+      <a:fontRef idx="minor"/>
+    </dgm:style>
+  </dgm:styleLbl>
+  <dgm:styleLbl name="fgAcc2">
+    <dgm:scene3d>
+      <a:camera prst="orthographicFront"/>
+      <a:lightRig rig="threePt" dir="t"/>
+    </dgm:scene3d>
+    <dgm:sp3d/>
+    <dgm:txPr/>
+    <dgm:style>
+      <a:lnRef idx="2">
+        <a:scrgbClr r="0" g="0" b="0"/>
+      </a:lnRef>
+      <a:fillRef idx="1">
+        <a:scrgbClr r="0" g="0" b="0"/>
+      </a:fillRef>
+      <a:effectRef idx="0">
+        <a:scrgbClr r="0" g="0" b="0"/>
+      </a:effectRef>
+      <a:fontRef idx="minor"/>
+    </dgm:style>
+  </dgm:styleLbl>
+  <dgm:styleLbl name="fgAcc3">
+    <dgm:scene3d>
+      <a:camera prst="orthographicFront"/>
+      <a:lightRig rig="threePt" dir="t"/>
+    </dgm:scene3d>
+    <dgm:sp3d/>
+    <dgm:txPr/>
+    <dgm:style>
+      <a:lnRef idx="2">
+        <a:scrgbClr r="0" g="0" b="0"/>
+      </a:lnRef>
+      <a:fillRef idx="1">
+        <a:scrgbClr r="0" g="0" b="0"/>
+      </a:fillRef>
+      <a:effectRef idx="0">
+        <a:scrgbClr r="0" g="0" b="0"/>
+      </a:effectRef>
+      <a:fontRef idx="minor"/>
+    </dgm:style>
+  </dgm:styleLbl>
+  <dgm:styleLbl name="fgAcc4">
+    <dgm:scene3d>
+      <a:camera prst="orthographicFront"/>
+      <a:lightRig rig="threePt" dir="t"/>
+    </dgm:scene3d>
+    <dgm:sp3d/>
+    <dgm:txPr/>
+    <dgm:style>
+      <a:lnRef idx="2">
+        <a:scrgbClr r="0" g="0" b="0"/>
+      </a:lnRef>
+      <a:fillRef idx="1">
+        <a:scrgbClr r="0" g="0" b="0"/>
+      </a:fillRef>
+      <a:effectRef idx="0">
+        <a:scrgbClr r="0" g="0" b="0"/>
+      </a:effectRef>
+      <a:fontRef idx="minor"/>
+    </dgm:style>
+  </dgm:styleLbl>
+  <dgm:styleLbl name="bgShp">
+    <dgm:scene3d>
+      <a:camera prst="orthographicFront"/>
+      <a:lightRig rig="threePt" dir="t"/>
+    </dgm:scene3d>
+    <dgm:sp3d/>
+    <dgm:txPr/>
+    <dgm:style>
+      <a:lnRef idx="0">
+        <a:scrgbClr r="0" g="0" b="0"/>
+      </a:lnRef>
+      <a:fillRef idx="1">
+        <a:scrgbClr r="0" g="0" b="0"/>
+      </a:fillRef>
+      <a:effectRef idx="0">
+        <a:scrgbClr r="0" g="0" b="0"/>
+      </a:effectRef>
+      <a:fontRef idx="minor"/>
+    </dgm:style>
+  </dgm:styleLbl>
+  <dgm:styleLbl name="dkBgShp">
+    <dgm:scene3d>
+      <a:camera prst="orthographicFront"/>
+      <a:lightRig rig="threePt" dir="t"/>
+    </dgm:scene3d>
+    <dgm:sp3d/>
+    <dgm:txPr/>
+    <dgm:style>
+      <a:lnRef idx="0">
+        <a:scrgbClr r="0" g="0" b="0"/>
+      </a:lnRef>
+      <a:fillRef idx="1">
+        <a:scrgbClr r="0" g="0" b="0"/>
+      </a:fillRef>
+      <a:effectRef idx="0">
+        <a:scrgbClr r="0" g="0" b="0"/>
+      </a:effectRef>
+      <a:fontRef idx="minor"/>
+    </dgm:style>
+  </dgm:styleLbl>
+  <dgm:styleLbl name="trBgShp">
+    <dgm:scene3d>
+      <a:camera prst="orthographicFront"/>
+      <a:lightRig rig="threePt" dir="t"/>
+    </dgm:scene3d>
+    <dgm:sp3d/>
+    <dgm:txPr/>
+    <dgm:style>
+      <a:lnRef idx="0">
+        <a:scrgbClr r="0" g="0" b="0"/>
+      </a:lnRef>
+      <a:fillRef idx="1">
+        <a:scrgbClr r="0" g="0" b="0"/>
+      </a:fillRef>
+      <a:effectRef idx="0">
+        <a:scrgbClr r="0" g="0" b="0"/>
+      </a:effectRef>
+      <a:fontRef idx="minor"/>
+    </dgm:style>
+  </dgm:styleLbl>
+  <dgm:styleLbl name="fgShp">
+    <dgm:scene3d>
+      <a:camera prst="orthographicFront"/>
+      <a:lightRig rig="threePt" dir="t"/>
+    </dgm:scene3d>
+    <dgm:sp3d/>
+    <dgm:txPr/>
+    <dgm:style>
+      <a:lnRef idx="2">
+        <a:scrgbClr r="0" g="0" b="0"/>
+      </a:lnRef>
+      <a:fillRef idx="1">
+        <a:scrgbClr r="0" g="0" b="0"/>
+      </a:fillRef>
+      <a:effectRef idx="0">
+        <a:scrgbClr r="0" g="0" b="0"/>
+      </a:effectRef>
+      <a:fontRef idx="minor"/>
+    </dgm:style>
+  </dgm:styleLbl>
+  <dgm:styleLbl name="revTx">
+    <dgm:scene3d>
+      <a:camera prst="orthographicFront"/>
+      <a:lightRig rig="threePt" dir="t"/>
+    </dgm:scene3d>
+    <dgm:sp3d/>
+    <dgm:txPr/>
+    <dgm:style>
+      <a:lnRef idx="0">
+        <a:scrgbClr r="0" g="0" b="0"/>
+      </a:lnRef>
+      <a:fillRef idx="0">
+        <a:scrgbClr r="0" g="0" b="0"/>
+      </a:fillRef>
+      <a:effectRef idx="0">
+        <a:scrgbClr r="0" g="0" b="0"/>
+      </a:effectRef>
+      <a:fontRef idx="minor"/>
+    </dgm:style>
+  </dgm:styleLbl>
+</dgm:styleDef>
+</file>
+
 <file path=ppt/slideLayouts/slideLayout1.xml><?xml version="1.0" encoding="utf-8"?>
 <p:sldLayout xmlns:a="http://schemas.openxmlformats.org/drawingml/2006/main" xmlns:r="http://schemas.openxmlformats.org/officeDocument/2006/relationships" xmlns:p="http://schemas.openxmlformats.org/presentationml/2006/main" type="title" preserve="1">
   <p:cSld name="Title Slide">
@@ -263,7 +6209,7 @@
           <a:p>
             <a:fld id="{45B3A122-DA0E-4BA8-BBF9-7FCCE916F8A5}" type="datetimeFigureOut">
               <a:rPr lang="en-US" smtClean="0"/>
-              <a:t>5/6/2021</a:t>
+              <a:t>5/8/2021</a:t>
             </a:fld>
             <a:endParaRPr lang="en-US"/>
           </a:p>
@@ -474,7 +6420,7 @@
           <a:p>
             <a:fld id="{45B3A122-DA0E-4BA8-BBF9-7FCCE916F8A5}" type="datetimeFigureOut">
               <a:rPr lang="en-US" smtClean="0"/>
-              <a:t>5/6/2021</a:t>
+              <a:t>5/8/2021</a:t>
             </a:fld>
             <a:endParaRPr lang="en-US"/>
           </a:p>
@@ -689,7 +6635,7 @@
           <a:p>
             <a:fld id="{45B3A122-DA0E-4BA8-BBF9-7FCCE916F8A5}" type="datetimeFigureOut">
               <a:rPr lang="en-US" smtClean="0"/>
-              <a:t>5/6/2021</a:t>
+              <a:t>5/8/2021</a:t>
             </a:fld>
             <a:endParaRPr lang="en-US"/>
           </a:p>
@@ -890,7 +6836,7 @@
           <a:p>
             <a:fld id="{45B3A122-DA0E-4BA8-BBF9-7FCCE916F8A5}" type="datetimeFigureOut">
               <a:rPr lang="en-US" smtClean="0"/>
-              <a:t>5/6/2021</a:t>
+              <a:t>5/8/2021</a:t>
             </a:fld>
             <a:endParaRPr lang="en-US"/>
           </a:p>
@@ -1169,7 +7115,7 @@
           <a:p>
             <a:fld id="{45B3A122-DA0E-4BA8-BBF9-7FCCE916F8A5}" type="datetimeFigureOut">
               <a:rPr lang="en-US" smtClean="0"/>
-              <a:t>5/6/2021</a:t>
+              <a:t>5/8/2021</a:t>
             </a:fld>
             <a:endParaRPr lang="en-US"/>
           </a:p>
@@ -1437,7 +7383,7 @@
           <a:p>
             <a:fld id="{45B3A122-DA0E-4BA8-BBF9-7FCCE916F8A5}" type="datetimeFigureOut">
               <a:rPr lang="en-US" smtClean="0"/>
-              <a:t>5/6/2021</a:t>
+              <a:t>5/8/2021</a:t>
             </a:fld>
             <a:endParaRPr lang="en-US"/>
           </a:p>
@@ -1853,7 +7799,7 @@
           <a:p>
             <a:fld id="{45B3A122-DA0E-4BA8-BBF9-7FCCE916F8A5}" type="datetimeFigureOut">
               <a:rPr lang="en-US" smtClean="0"/>
-              <a:t>5/6/2021</a:t>
+              <a:t>5/8/2021</a:t>
             </a:fld>
             <a:endParaRPr lang="en-US"/>
           </a:p>
@@ -2002,7 +7948,7 @@
           <a:p>
             <a:fld id="{45B3A122-DA0E-4BA8-BBF9-7FCCE916F8A5}" type="datetimeFigureOut">
               <a:rPr lang="en-US" smtClean="0"/>
-              <a:t>5/6/2021</a:t>
+              <a:t>5/8/2021</a:t>
             </a:fld>
             <a:endParaRPr lang="en-US"/>
           </a:p>
@@ -2128,7 +8074,7 @@
           <a:p>
             <a:fld id="{45B3A122-DA0E-4BA8-BBF9-7FCCE916F8A5}" type="datetimeFigureOut">
               <a:rPr lang="en-US" smtClean="0"/>
-              <a:t>5/6/2021</a:t>
+              <a:t>5/8/2021</a:t>
             </a:fld>
             <a:endParaRPr lang="en-US"/>
           </a:p>
@@ -2379,7 +8325,7 @@
           <a:p>
             <a:fld id="{45B3A122-DA0E-4BA8-BBF9-7FCCE916F8A5}" type="datetimeFigureOut">
               <a:rPr lang="en-US" smtClean="0"/>
-              <a:t>5/6/2021</a:t>
+              <a:t>5/8/2021</a:t>
             </a:fld>
             <a:endParaRPr lang="en-US"/>
           </a:p>
@@ -2824,7 +8770,7 @@
           <a:p>
             <a:fld id="{45B3A122-DA0E-4BA8-BBF9-7FCCE916F8A5}" type="datetimeFigureOut">
               <a:rPr lang="en-US" smtClean="0"/>
-              <a:t>5/6/2021</a:t>
+              <a:t>5/8/2021</a:t>
             </a:fld>
             <a:endParaRPr lang="en-US"/>
           </a:p>
@@ -3151,7 +9097,7 @@
           <a:p>
             <a:fld id="{45B3A122-DA0E-4BA8-BBF9-7FCCE916F8A5}" type="datetimeFigureOut">
               <a:rPr lang="en-US" smtClean="0"/>
-              <a:t>5/6/2021</a:t>
+              <a:t>5/8/2021</a:t>
             </a:fld>
             <a:endParaRPr lang="en-US"/>
           </a:p>
@@ -3623,6 +9569,30 @@
 <file path=ppt/slides/slide1.xml><?xml version="1.0" encoding="utf-8"?>
 <p:sld xmlns:a="http://schemas.openxmlformats.org/drawingml/2006/main" xmlns:r="http://schemas.openxmlformats.org/officeDocument/2006/relationships" xmlns:p="http://schemas.openxmlformats.org/presentationml/2006/main">
   <p:cSld>
+    <p:bg>
+      <p:bgPr>
+        <a:gradFill rotWithShape="1">
+          <a:gsLst>
+            <a:gs pos="0">
+              <a:schemeClr val="bg2">
+                <a:tint val="94000"/>
+                <a:satMod val="80000"/>
+                <a:lumMod val="106000"/>
+              </a:schemeClr>
+            </a:gs>
+            <a:gs pos="100000">
+              <a:schemeClr val="bg2">
+                <a:shade val="80000"/>
+              </a:schemeClr>
+            </a:gs>
+          </a:gsLst>
+          <a:path path="circle">
+            <a:fillToRect l="50000" t="50000" r="50000" b="50000"/>
+          </a:path>
+        </a:gradFill>
+        <a:effectLst/>
+      </p:bgPr>
+    </p:bg>
     <p:spTree>
       <p:nvGrpSpPr>
         <p:cNvPr id="1" name=""/>
@@ -3637,6 +9607,140 @@
           <a:chExt cx="0" cy="0"/>
         </a:xfrm>
       </p:grpSpPr>
+      <p:sp useBgFill="1">
+        <p:nvSpPr>
+          <p:cNvPr id="8" name="Rectangle 7">
+            <a:extLst>
+              <a:ext uri="{FF2B5EF4-FFF2-40B4-BE49-F238E27FC236}">
+                <a16:creationId xmlns:a16="http://schemas.microsoft.com/office/drawing/2014/main" id="{F8454B2E-D2DB-42C2-A224-BCEC47B86468}"/>
+              </a:ext>
+              <a:ext uri="{C183D7F6-B498-43B3-948B-1728B52AA6E4}">
+                <adec:decorative xmlns:adec="http://schemas.microsoft.com/office/drawing/2017/decorative" val="1"/>
+              </a:ext>
+            </a:extLst>
+          </p:cNvPr>
+          <p:cNvSpPr>
+            <a:spLocks noGrp="1" noRot="1" noChangeAspect="1" noMove="1" noResize="1" noEditPoints="1" noAdjustHandles="1" noChangeArrowheads="1" noChangeShapeType="1" noTextEdit="1"/>
+          </p:cNvSpPr>
+          <p:nvPr>
+            <p:extLst>
+              <p:ext uri="{386F3935-93C4-4BCD-93E2-E3B085C9AB24}">
+                <p16:designElem xmlns:p16="http://schemas.microsoft.com/office/powerpoint/2015/main" val="1"/>
+              </p:ext>
+            </p:extLst>
+          </p:nvPr>
+        </p:nvSpPr>
+        <p:spPr>
+          <a:xfrm>
+            <a:off x="2" y="0"/>
+            <a:ext cx="12191695" cy="6858000"/>
+          </a:xfrm>
+          <a:prstGeom prst="rect">
+            <a:avLst/>
+          </a:prstGeom>
+          <a:ln>
+            <a:noFill/>
+          </a:ln>
+        </p:spPr>
+        <p:style>
+          <a:lnRef idx="2">
+            <a:schemeClr val="accent1">
+              <a:shade val="50000"/>
+            </a:schemeClr>
+          </a:lnRef>
+          <a:fillRef idx="1">
+            <a:schemeClr val="accent1"/>
+          </a:fillRef>
+          <a:effectRef idx="0">
+            <a:schemeClr val="accent1"/>
+          </a:effectRef>
+          <a:fontRef idx="minor">
+            <a:schemeClr val="lt1"/>
+          </a:fontRef>
+        </p:style>
+        <p:txBody>
+          <a:bodyPr rtlCol="0" anchor="ctr"/>
+          <a:lstStyle/>
+          <a:p>
+            <a:pPr algn="ctr"/>
+            <a:endParaRPr lang="en-US"/>
+          </a:p>
+        </p:txBody>
+      </p:sp>
+      <p:sp>
+        <p:nvSpPr>
+          <p:cNvPr id="10" name="Rectangle 9">
+            <a:extLst>
+              <a:ext uri="{FF2B5EF4-FFF2-40B4-BE49-F238E27FC236}">
+                <a16:creationId xmlns:a16="http://schemas.microsoft.com/office/drawing/2014/main" id="{08B61146-1CF0-40E1-B66E-C22BD9207E37}"/>
+              </a:ext>
+              <a:ext uri="{C183D7F6-B498-43B3-948B-1728B52AA6E4}">
+                <adec:decorative xmlns:adec="http://schemas.microsoft.com/office/drawing/2017/decorative" val="1"/>
+              </a:ext>
+            </a:extLst>
+          </p:cNvPr>
+          <p:cNvSpPr>
+            <a:spLocks noGrp="1" noRot="1" noChangeAspect="1" noMove="1" noResize="1" noEditPoints="1" noAdjustHandles="1" noChangeArrowheads="1" noChangeShapeType="1" noTextEdit="1"/>
+          </p:cNvSpPr>
+          <p:nvPr>
+            <p:extLst>
+              <p:ext uri="{386F3935-93C4-4BCD-93E2-E3B085C9AB24}">
+                <p16:designElem xmlns:p16="http://schemas.microsoft.com/office/powerpoint/2015/main" val="1"/>
+              </p:ext>
+            </p:extLst>
+          </p:nvPr>
+        </p:nvSpPr>
+        <p:spPr>
+          <a:xfrm>
+            <a:off x="0" y="2019476"/>
+            <a:ext cx="12192000" cy="4105941"/>
+          </a:xfrm>
+          <a:prstGeom prst="rect">
+            <a:avLst/>
+          </a:prstGeom>
+          <a:gradFill flip="none" rotWithShape="1">
+            <a:gsLst>
+              <a:gs pos="0">
+                <a:schemeClr val="bg2">
+                  <a:alpha val="0"/>
+                </a:schemeClr>
+              </a:gs>
+              <a:gs pos="100000">
+                <a:schemeClr val="bg2"/>
+              </a:gs>
+            </a:gsLst>
+            <a:lin ang="5400000" scaled="0"/>
+            <a:tileRect/>
+          </a:gradFill>
+          <a:ln>
+            <a:noFill/>
+          </a:ln>
+        </p:spPr>
+        <p:style>
+          <a:lnRef idx="2">
+            <a:schemeClr val="accent1">
+              <a:shade val="50000"/>
+            </a:schemeClr>
+          </a:lnRef>
+          <a:fillRef idx="1">
+            <a:schemeClr val="accent1"/>
+          </a:fillRef>
+          <a:effectRef idx="0">
+            <a:schemeClr val="accent1"/>
+          </a:effectRef>
+          <a:fontRef idx="minor">
+            <a:schemeClr val="lt1"/>
+          </a:fontRef>
+        </p:style>
+        <p:txBody>
+          <a:bodyPr rtlCol="0" anchor="ctr"/>
+          <a:lstStyle/>
+          <a:p>
+            <a:pPr lvl="0" algn="ctr"/>
+            <a:endParaRPr lang="en-US"/>
+          </a:p>
+        </p:txBody>
+      </p:sp>
       <p:sp>
         <p:nvSpPr>
           <p:cNvPr id="2" name="Title 1">
@@ -3653,10 +9757,15 @@
             <p:ph type="ctrTitle"/>
           </p:nvPr>
         </p:nvSpPr>
-        <p:spPr/>
+        <p:spPr>
+          <a:xfrm>
+            <a:off x="1964987" y="802298"/>
+            <a:ext cx="9089865" cy="3822329"/>
+          </a:xfrm>
+        </p:spPr>
         <p:txBody>
           <a:bodyPr>
-            <a:normAutofit fontScale="90000"/>
+            <a:normAutofit/>
           </a:bodyPr>
           <a:lstStyle/>
           <a:p>
@@ -3683,9 +9792,16 @@
             <p:ph type="subTitle" idx="1"/>
           </p:nvPr>
         </p:nvSpPr>
-        <p:spPr/>
+        <p:spPr>
+          <a:xfrm>
+            <a:off x="1964988" y="4941662"/>
+            <a:ext cx="9089864" cy="977621"/>
+          </a:xfrm>
+        </p:spPr>
         <p:txBody>
-          <a:bodyPr/>
+          <a:bodyPr>
+            <a:normAutofit/>
+          </a:bodyPr>
           <a:lstStyle/>
           <a:p>
             <a:r>
@@ -3725,6 +9841,98 @@
           </a:p>
         </p:txBody>
       </p:sp>
+      <p:cxnSp>
+        <p:nvCxnSpPr>
+          <p:cNvPr id="12" name="Straight Connector 11">
+            <a:extLst>
+              <a:ext uri="{FF2B5EF4-FFF2-40B4-BE49-F238E27FC236}">
+                <a16:creationId xmlns:a16="http://schemas.microsoft.com/office/drawing/2014/main" id="{7AE5065C-30A9-480A-9E93-74CC1490293D}"/>
+              </a:ext>
+              <a:ext uri="{C183D7F6-B498-43B3-948B-1728B52AA6E4}">
+                <adec:decorative xmlns:adec="http://schemas.microsoft.com/office/drawing/2017/decorative" val="1"/>
+              </a:ext>
+            </a:extLst>
+          </p:cNvPr>
+          <p:cNvCxnSpPr>
+            <a:cxnSpLocks noGrp="1" noRot="1" noChangeAspect="1" noMove="1" noResize="1" noEditPoints="1" noAdjustHandles="1" noChangeArrowheads="1" noChangeShapeType="1"/>
+          </p:cNvCxnSpPr>
+          <p:nvPr>
+            <p:extLst>
+              <p:ext uri="{386F3935-93C4-4BCD-93E2-E3B085C9AB24}">
+                <p16:designElem xmlns:p16="http://schemas.microsoft.com/office/powerpoint/2015/main" val="1"/>
+              </p:ext>
+            </p:extLst>
+          </p:nvPr>
+        </p:nvCxnSpPr>
+        <p:spPr>
+          <a:xfrm>
+            <a:off x="1776728" y="4735528"/>
+            <a:ext cx="8643010" cy="0"/>
+          </a:xfrm>
+          <a:prstGeom prst="line">
+            <a:avLst/>
+          </a:prstGeom>
+          <a:ln w="31750"/>
+        </p:spPr>
+        <p:style>
+          <a:lnRef idx="3">
+            <a:schemeClr val="accent1"/>
+          </a:lnRef>
+          <a:fillRef idx="0">
+            <a:schemeClr val="accent1"/>
+          </a:fillRef>
+          <a:effectRef idx="2">
+            <a:schemeClr val="accent1"/>
+          </a:effectRef>
+          <a:fontRef idx="minor">
+            <a:schemeClr val="tx1"/>
+          </a:fontRef>
+        </p:style>
+      </p:cxnSp>
+      <p:pic>
+        <p:nvPicPr>
+          <p:cNvPr id="14" name="Picture 13">
+            <a:extLst>
+              <a:ext uri="{FF2B5EF4-FFF2-40B4-BE49-F238E27FC236}">
+                <a16:creationId xmlns:a16="http://schemas.microsoft.com/office/drawing/2014/main" id="{2F948680-1810-4961-805C-D0C28E7E93EE}"/>
+              </a:ext>
+              <a:ext uri="{C183D7F6-B498-43B3-948B-1728B52AA6E4}">
+                <adec:decorative xmlns:adec="http://schemas.microsoft.com/office/drawing/2017/decorative" val="1"/>
+              </a:ext>
+            </a:extLst>
+          </p:cNvPr>
+          <p:cNvPicPr>
+            <a:picLocks noGrp="1" noRot="1" noChangeAspect="1" noMove="1" noResize="1" noEditPoints="1" noAdjustHandles="1" noChangeArrowheads="1" noChangeShapeType="1" noCrop="1"/>
+          </p:cNvPicPr>
+          <p:nvPr>
+            <p:extLst>
+              <p:ext uri="{386F3935-93C4-4BCD-93E2-E3B085C9AB24}">
+                <p16:designElem xmlns:p16="http://schemas.microsoft.com/office/powerpoint/2015/main" val="1"/>
+              </p:ext>
+            </p:extLst>
+          </p:nvPr>
+        </p:nvPicPr>
+        <p:blipFill rotWithShape="1">
+          <a:blip r:embed="rId2">
+            <a:extLst>
+              <a:ext uri="{28A0092B-C50C-407E-A947-70E740481C1C}">
+                <a14:useLocalDpi xmlns:a14="http://schemas.microsoft.com/office/drawing/2010/main" val="0"/>
+              </a:ext>
+            </a:extLst>
+          </a:blip>
+          <a:srcRect t="1538" b="-1538"/>
+          <a:stretch/>
+        </p:blipFill>
+        <p:spPr bwMode="black">
+          <a:xfrm>
+            <a:off x="0" y="6126480"/>
+            <a:ext cx="12192000" cy="742950"/>
+          </a:xfrm>
+          <a:prstGeom prst="rect">
+            <a:avLst/>
+          </a:prstGeom>
+        </p:spPr>
+      </p:pic>
     </p:spTree>
     <p:extLst>
       <p:ext uri="{BB962C8B-B14F-4D97-AF65-F5344CB8AC3E}">
@@ -3773,10 +9981,23 @@
         </p:nvSpPr>
         <p:spPr/>
         <p:txBody>
-          <a:bodyPr/>
+          <a:bodyPr>
+            <a:normAutofit/>
+          </a:bodyPr>
           <a:lstStyle/>
           <a:p>
-            <a:endParaRPr lang="en-US"/>
+            <a:r>
+              <a:rPr lang="en-US" dirty="0"/>
+              <a:t>Heat Map</a:t>
+            </a:r>
+            <a:br>
+              <a:rPr lang="en-US" dirty="0"/>
+            </a:br>
+            <a:r>
+              <a:rPr lang="en-US" sz="1600" cap="none" dirty="0"/>
+              <a:t>This heatmap shows where in Sacramento are most of the purchases were being made</a:t>
+            </a:r>
+            <a:endParaRPr lang="en-US" sz="1600" dirty="0"/>
           </a:p>
         </p:txBody>
       </p:sp>
@@ -3827,8 +10048,8 @@
         </p:blipFill>
         <p:spPr>
           <a:xfrm>
-            <a:off x="961308" y="1428471"/>
-            <a:ext cx="10269383" cy="4001058"/>
+            <a:off x="1348162" y="1952232"/>
+            <a:ext cx="9706692" cy="3781828"/>
           </a:xfrm>
           <a:prstGeom prst="rect">
             <a:avLst/>
@@ -3851,43 +10072,6 @@
 <file path=ppt/slides/slide11.xml><?xml version="1.0" encoding="utf-8"?>
 <p:sld xmlns:a="http://schemas.openxmlformats.org/drawingml/2006/main" xmlns:r="http://schemas.openxmlformats.org/officeDocument/2006/relationships" xmlns:p="http://schemas.openxmlformats.org/presentationml/2006/main">
   <p:cSld>
-    <p:bg>
-      <p:bgPr>
-        <a:gradFill flip="none" rotWithShape="1">
-          <a:gsLst>
-            <a:gs pos="0">
-              <a:schemeClr val="accent4">
-                <a:lumMod val="5000"/>
-                <a:lumOff val="95000"/>
-              </a:schemeClr>
-            </a:gs>
-            <a:gs pos="74000">
-              <a:schemeClr val="accent4">
-                <a:lumMod val="45000"/>
-                <a:lumOff val="55000"/>
-              </a:schemeClr>
-            </a:gs>
-            <a:gs pos="83000">
-              <a:schemeClr val="accent4">
-                <a:lumMod val="45000"/>
-                <a:lumOff val="55000"/>
-              </a:schemeClr>
-            </a:gs>
-            <a:gs pos="100000">
-              <a:schemeClr val="accent4">
-                <a:lumMod val="30000"/>
-                <a:lumOff val="70000"/>
-              </a:schemeClr>
-            </a:gs>
-          </a:gsLst>
-          <a:path path="circle">
-            <a:fillToRect l="100000" t="100000"/>
-          </a:path>
-          <a:tileRect r="-100000" b="-100000"/>
-        </a:gradFill>
-        <a:effectLst/>
-      </p:bgPr>
-    </p:bg>
     <p:spTree>
       <p:nvGrpSpPr>
         <p:cNvPr id="1" name=""/>
@@ -3907,7 +10091,7 @@
           <p:cNvPr id="2" name="Title 1">
             <a:extLst>
               <a:ext uri="{FF2B5EF4-FFF2-40B4-BE49-F238E27FC236}">
-                <a16:creationId xmlns:a16="http://schemas.microsoft.com/office/drawing/2014/main" id="{9D587704-0A0E-4398-80C0-4FBAB37591AB}"/>
+                <a16:creationId xmlns:a16="http://schemas.microsoft.com/office/drawing/2014/main" id="{D10237D8-1494-44ED-99DC-064C6B32C07A}"/>
               </a:ext>
             </a:extLst>
           </p:cNvPr>
@@ -3920,66 +10104,74 @@
         </p:nvSpPr>
         <p:spPr/>
         <p:txBody>
-          <a:bodyPr/>
+          <a:bodyPr>
+            <a:normAutofit/>
+          </a:bodyPr>
           <a:lstStyle/>
           <a:p>
             <a:r>
               <a:rPr lang="en-US" dirty="0"/>
-              <a:t>Making the Heat Map </a:t>
+              <a:t>Heat Map</a:t>
             </a:r>
+            <a:br>
+              <a:rPr lang="en-US" dirty="0"/>
+            </a:br>
+            <a:r>
+              <a:rPr lang="en-US" sz="1600" cap="none" dirty="0"/>
+              <a:t>This heatmap shows</a:t>
+            </a:r>
+            <a:r>
+              <a:rPr lang="en-US" sz="1600" cap="none" dirty="0">
+                <a:effectLst/>
+                <a:latin typeface="Calibri" panose="020F0502020204030204" pitchFamily="34" charset="0"/>
+                <a:ea typeface="Calibri" panose="020F0502020204030204" pitchFamily="34" charset="0"/>
+                <a:cs typeface="Times New Roman" panose="02020603050405020304" pitchFamily="18" charset="0"/>
+              </a:rPr>
+              <a:t> the location of the houses in the average zip code which is 95632</a:t>
+            </a:r>
+            <a:endParaRPr lang="en-US" sz="1600" dirty="0"/>
           </a:p>
         </p:txBody>
       </p:sp>
-      <p:sp>
-        <p:nvSpPr>
-          <p:cNvPr id="3" name="Content Placeholder 2">
+      <p:pic>
+        <p:nvPicPr>
+          <p:cNvPr id="5" name="Content Placeholder 4" descr="Map&#10;&#10;Description automatically generated">
             <a:extLst>
               <a:ext uri="{FF2B5EF4-FFF2-40B4-BE49-F238E27FC236}">
-                <a16:creationId xmlns:a16="http://schemas.microsoft.com/office/drawing/2014/main" id="{A0EEC311-F374-4485-A9A8-A9A9AF9FD498}"/>
+                <a16:creationId xmlns:a16="http://schemas.microsoft.com/office/drawing/2014/main" id="{F20EE816-490E-45DA-B4CE-76BE9F3FC70E}"/>
               </a:ext>
             </a:extLst>
           </p:cNvPr>
-          <p:cNvSpPr>
-            <a:spLocks noGrp="1"/>
-          </p:cNvSpPr>
+          <p:cNvPicPr>
+            <a:picLocks noGrp="1" noChangeAspect="1"/>
+          </p:cNvPicPr>
           <p:nvPr>
             <p:ph idx="1"/>
           </p:nvPr>
-        </p:nvSpPr>
-        <p:spPr/>
-        <p:txBody>
-          <a:bodyPr/>
-          <a:lstStyle/>
-          <a:p>
-            <a:r>
-              <a:rPr lang="en-US" dirty="0"/>
-              <a:t>A map of where clusters of purchases was then created.</a:t>
-            </a:r>
-          </a:p>
-          <a:p>
-            <a:r>
-              <a:rPr lang="en-US" dirty="0"/>
-              <a:t>There is also another based on zip codes too.</a:t>
-            </a:r>
-          </a:p>
-          <a:p>
-            <a:r>
-              <a:rPr lang="en-US" dirty="0"/>
-              <a:t>This shows where in Sacramento are most of the purchases were being made. </a:t>
-            </a:r>
-          </a:p>
-          <a:p>
-            <a:r>
-              <a:rPr lang="en-US" dirty="0"/>
-              <a:t>Our client’s decision was made to buy a house in the southeast part of the city, where it’s mostly populated.</a:t>
-            </a:r>
-          </a:p>
-        </p:txBody>
-      </p:sp>
+        </p:nvPicPr>
+        <p:blipFill>
+          <a:blip r:embed="rId2">
+            <a:extLst>
+              <a:ext uri="{28A0092B-C50C-407E-A947-70E740481C1C}">
+                <a14:useLocalDpi xmlns:a14="http://schemas.microsoft.com/office/drawing/2010/main" val="0"/>
+              </a:ext>
+            </a:extLst>
+          </a:blip>
+          <a:stretch>
+            <a:fillRect/>
+          </a:stretch>
+        </p:blipFill>
+        <p:spPr>
+          <a:xfrm>
+            <a:off x="1410988" y="1984436"/>
+            <a:ext cx="9643866" cy="3768663"/>
+          </a:xfrm>
+        </p:spPr>
+      </p:pic>
     </p:spTree>
     <p:extLst>
       <p:ext uri="{BB962C8B-B14F-4D97-AF65-F5344CB8AC3E}">
-        <p14:creationId xmlns:p14="http://schemas.microsoft.com/office/powerpoint/2010/main" val="1000368856"/>
+        <p14:creationId xmlns:p14="http://schemas.microsoft.com/office/powerpoint/2010/main" val="1440395642"/>
       </p:ext>
     </p:extLst>
   </p:cSld>
@@ -3992,17 +10184,6 @@
 <file path=ppt/slides/slide12.xml><?xml version="1.0" encoding="utf-8"?>
 <p:sld xmlns:a="http://schemas.openxmlformats.org/drawingml/2006/main" xmlns:r="http://schemas.openxmlformats.org/officeDocument/2006/relationships" xmlns:p="http://schemas.openxmlformats.org/presentationml/2006/main">
   <p:cSld>
-    <p:bg>
-      <p:bgPr>
-        <a:blipFill>
-          <a:blip r:embed="rId2">
-            <a:alphaModFix amt="62000"/>
-          </a:blip>
-          <a:tile tx="0" ty="0" sx="100000" sy="100000" flip="none" algn="tl"/>
-        </a:blipFill>
-        <a:effectLst/>
-      </p:bgPr>
-    </p:bg>
     <p:spTree>
       <p:nvGrpSpPr>
         <p:cNvPr id="1" name=""/>
@@ -4066,10 +10247,69 @@
           <a:bodyPr/>
           <a:lstStyle/>
           <a:p>
+            <a:pPr>
+              <a:lnSpc>
+                <a:spcPct val="100000"/>
+              </a:lnSpc>
+            </a:pPr>
             <a:r>
               <a:rPr lang="en-US" dirty="0"/>
-              <a:t>Our client is interested at purchasing a house at around $207,000 Dollars, about 1500 Square feet,  has 3 bedrooms, and lives in the southeast part of Sacramento with a zip code of 95823.</a:t>
+              <a:t>Our client can choose around the average houses which is:</a:t>
             </a:r>
+          </a:p>
+          <a:p>
+            <a:pPr marL="0" indent="0">
+              <a:lnSpc>
+                <a:spcPct val="100000"/>
+              </a:lnSpc>
+              <a:buNone/>
+            </a:pPr>
+            <a:r>
+              <a:rPr lang="en-US" dirty="0"/>
+              <a:t>    $ 214,000</a:t>
+            </a:r>
+          </a:p>
+          <a:p>
+            <a:pPr marL="0" indent="0">
+              <a:lnSpc>
+                <a:spcPct val="100000"/>
+              </a:lnSpc>
+              <a:buNone/>
+            </a:pPr>
+            <a:r>
+              <a:rPr lang="en-US" dirty="0"/>
+              <a:t>     1500 sq ft </a:t>
+            </a:r>
+          </a:p>
+          <a:p>
+            <a:pPr marL="0" indent="0">
+              <a:lnSpc>
+                <a:spcPct val="100000"/>
+              </a:lnSpc>
+              <a:buNone/>
+            </a:pPr>
+            <a:r>
+              <a:rPr lang="en-US" dirty="0"/>
+              <a:t>      3 bedrooms </a:t>
+            </a:r>
+          </a:p>
+          <a:p>
+            <a:pPr marL="0" indent="0">
+              <a:lnSpc>
+                <a:spcPct val="100000"/>
+              </a:lnSpc>
+              <a:buNone/>
+            </a:pPr>
+            <a:r>
+              <a:rPr lang="en-US" dirty="0"/>
+              <a:t>      the most popular zip code 95823 or the most average zip code 95632</a:t>
+            </a:r>
+          </a:p>
+          <a:p>
+            <a:pPr marL="0" indent="0">
+              <a:buNone/>
+            </a:pPr>
+            <a:endParaRPr lang="en-US" dirty="0"/>
           </a:p>
         </p:txBody>
       </p:sp>
@@ -4086,16 +10326,30 @@
 </p:sld>
 </file>
 
-<file path=ppt/slides/slide13.xml><?xml version="1.0" encoding="utf-8"?>
+<file path=ppt/slides/slide2.xml><?xml version="1.0" encoding="utf-8"?>
 <p:sld xmlns:a="http://schemas.openxmlformats.org/drawingml/2006/main" xmlns:r="http://schemas.openxmlformats.org/officeDocument/2006/relationships" xmlns:p="http://schemas.openxmlformats.org/presentationml/2006/main">
   <p:cSld>
     <p:bg>
       <p:bgPr>
-        <a:solidFill>
-          <a:schemeClr val="accent2">
-            <a:alpha val="80000"/>
-          </a:schemeClr>
-        </a:solidFill>
+        <a:gradFill rotWithShape="1">
+          <a:gsLst>
+            <a:gs pos="0">
+              <a:schemeClr val="bg2">
+                <a:tint val="94000"/>
+                <a:satMod val="80000"/>
+                <a:lumMod val="106000"/>
+              </a:schemeClr>
+            </a:gs>
+            <a:gs pos="100000">
+              <a:schemeClr val="bg2">
+                <a:shade val="80000"/>
+              </a:schemeClr>
+            </a:gs>
+          </a:gsLst>
+          <a:path path="circle">
+            <a:fillToRect l="43000" r="43000" b="100000"/>
+          </a:path>
+        </a:gradFill>
         <a:effectLst/>
       </p:bgPr>
     </p:bg>
@@ -4115,108 +10369,350 @@
       </p:grpSpPr>
       <p:sp>
         <p:nvSpPr>
-          <p:cNvPr id="2" name="Title 1">
+          <p:cNvPr id="12" name="Rectangle 11">
             <a:extLst>
               <a:ext uri="{FF2B5EF4-FFF2-40B4-BE49-F238E27FC236}">
-                <a16:creationId xmlns:a16="http://schemas.microsoft.com/office/drawing/2014/main" id="{F734B2B2-6891-459A-BE73-8A3369389BB0}"/>
+                <a16:creationId xmlns:a16="http://schemas.microsoft.com/office/drawing/2014/main" id="{EEA869E1-F851-4A52-92F5-77E592B76A5B}"/>
+              </a:ext>
+              <a:ext uri="{C183D7F6-B498-43B3-948B-1728B52AA6E4}">
+                <adec:decorative xmlns:adec="http://schemas.microsoft.com/office/drawing/2017/decorative" val="1"/>
               </a:ext>
             </a:extLst>
           </p:cNvPr>
           <p:cNvSpPr>
-            <a:spLocks noGrp="1"/>
+            <a:spLocks noGrp="1" noRot="1" noChangeAspect="1" noMove="1" noResize="1" noEditPoints="1" noAdjustHandles="1" noChangeArrowheads="1" noChangeShapeType="1" noTextEdit="1"/>
           </p:cNvSpPr>
           <p:nvPr>
-            <p:ph type="title"/>
+            <p:extLst>
+              <p:ext uri="{386F3935-93C4-4BCD-93E2-E3B085C9AB24}">
+                <p16:designElem xmlns:p16="http://schemas.microsoft.com/office/powerpoint/2015/main" val="1"/>
+              </p:ext>
+            </p:extLst>
           </p:nvPr>
         </p:nvSpPr>
-        <p:spPr/>
+        <p:spPr>
+          <a:xfrm>
+            <a:off x="0" y="2019476"/>
+            <a:ext cx="12192000" cy="4105941"/>
+          </a:xfrm>
+          <a:prstGeom prst="rect">
+            <a:avLst/>
+          </a:prstGeom>
+          <a:gradFill flip="none" rotWithShape="1">
+            <a:gsLst>
+              <a:gs pos="0">
+                <a:schemeClr val="bg2">
+                  <a:alpha val="0"/>
+                </a:schemeClr>
+              </a:gs>
+              <a:gs pos="100000">
+                <a:schemeClr val="bg2"/>
+              </a:gs>
+            </a:gsLst>
+            <a:lin ang="5400000" scaled="0"/>
+            <a:tileRect/>
+          </a:gradFill>
+          <a:ln>
+            <a:noFill/>
+          </a:ln>
+        </p:spPr>
+        <p:style>
+          <a:lnRef idx="2">
+            <a:schemeClr val="accent1">
+              <a:shade val="50000"/>
+            </a:schemeClr>
+          </a:lnRef>
+          <a:fillRef idx="1">
+            <a:schemeClr val="accent1"/>
+          </a:fillRef>
+          <a:effectRef idx="0">
+            <a:schemeClr val="accent1"/>
+          </a:effectRef>
+          <a:fontRef idx="minor">
+            <a:schemeClr val="lt1"/>
+          </a:fontRef>
+        </p:style>
+      </p:sp>
+      <p:pic>
+        <p:nvPicPr>
+          <p:cNvPr id="14" name="Picture 13">
+            <a:extLst>
+              <a:ext uri="{FF2B5EF4-FFF2-40B4-BE49-F238E27FC236}">
+                <a16:creationId xmlns:a16="http://schemas.microsoft.com/office/drawing/2014/main" id="{B083AD55-8296-44BD-8E14-DD2DDBC351B0}"/>
+              </a:ext>
+              <a:ext uri="{C183D7F6-B498-43B3-948B-1728B52AA6E4}">
+                <adec:decorative xmlns:adec="http://schemas.microsoft.com/office/drawing/2017/decorative" val="1"/>
+              </a:ext>
+            </a:extLst>
+          </p:cNvPr>
+          <p:cNvPicPr>
+            <a:picLocks noGrp="1" noRot="1" noChangeAspect="1" noMove="1" noResize="1" noEditPoints="1" noAdjustHandles="1" noChangeArrowheads="1" noChangeShapeType="1" noCrop="1"/>
+          </p:cNvPicPr>
+          <p:nvPr>
+            <p:extLst>
+              <p:ext uri="{386F3935-93C4-4BCD-93E2-E3B085C9AB24}">
+                <p16:designElem xmlns:p16="http://schemas.microsoft.com/office/powerpoint/2015/main" val="1"/>
+              </p:ext>
+            </p:extLst>
+          </p:nvPr>
+        </p:nvPicPr>
+        <p:blipFill rotWithShape="1">
+          <a:blip r:embed="rId2">
+            <a:extLst>
+              <a:ext uri="{28A0092B-C50C-407E-A947-70E740481C1C}">
+                <a14:useLocalDpi xmlns:a14="http://schemas.microsoft.com/office/drawing/2010/main" val="0"/>
+              </a:ext>
+            </a:extLst>
+          </a:blip>
+          <a:srcRect t="1538" b="-1538"/>
+          <a:stretch/>
+        </p:blipFill>
+        <p:spPr bwMode="black">
+          <a:xfrm>
+            <a:off x="0" y="6126480"/>
+            <a:ext cx="12192000" cy="742950"/>
+          </a:xfrm>
+          <a:prstGeom prst="rect">
+            <a:avLst/>
+          </a:prstGeom>
+        </p:spPr>
+      </p:pic>
+      <p:cxnSp>
+        <p:nvCxnSpPr>
+          <p:cNvPr id="16" name="Straight Connector 15">
+            <a:extLst>
+              <a:ext uri="{FF2B5EF4-FFF2-40B4-BE49-F238E27FC236}">
+                <a16:creationId xmlns:a16="http://schemas.microsoft.com/office/drawing/2014/main" id="{2BF46B26-15FC-4C5A-94FA-AE9ED64B5C20}"/>
+              </a:ext>
+              <a:ext uri="{C183D7F6-B498-43B3-948B-1728B52AA6E4}">
+                <adec:decorative xmlns:adec="http://schemas.microsoft.com/office/drawing/2017/decorative" val="1"/>
+              </a:ext>
+            </a:extLst>
+          </p:cNvPr>
+          <p:cNvCxnSpPr>
+            <a:cxnSpLocks noGrp="1" noRot="1" noChangeAspect="1" noMove="1" noResize="1" noEditPoints="1" noAdjustHandles="1" noChangeArrowheads="1" noChangeShapeType="1"/>
+          </p:cNvCxnSpPr>
+          <p:nvPr>
+            <p:extLst>
+              <p:ext uri="{386F3935-93C4-4BCD-93E2-E3B085C9AB24}">
+                <p16:designElem xmlns:p16="http://schemas.microsoft.com/office/powerpoint/2015/main" val="1"/>
+              </p:ext>
+            </p:extLst>
+          </p:nvPr>
+        </p:nvCxnSpPr>
+        <p:spPr>
+          <a:xfrm>
+            <a:off x="0" y="6128413"/>
+            <a:ext cx="12192000" cy="0"/>
+          </a:xfrm>
+          <a:prstGeom prst="line">
+            <a:avLst/>
+          </a:prstGeom>
+          <a:ln w="12700">
+            <a:solidFill>
+              <a:srgbClr val="000001">
+                <a:alpha val="20000"/>
+              </a:srgbClr>
+            </a:solidFill>
+          </a:ln>
+        </p:spPr>
+        <p:style>
+          <a:lnRef idx="1">
+            <a:schemeClr val="accent1"/>
+          </a:lnRef>
+          <a:fillRef idx="0">
+            <a:schemeClr val="accent1"/>
+          </a:fillRef>
+          <a:effectRef idx="0">
+            <a:schemeClr val="accent1"/>
+          </a:effectRef>
+          <a:fontRef idx="minor">
+            <a:schemeClr val="tx1"/>
+          </a:fontRef>
+        </p:style>
+      </p:cxnSp>
+      <p:cxnSp>
+        <p:nvCxnSpPr>
+          <p:cNvPr id="18" name="Straight Connector 17">
+            <a:extLst>
+              <a:ext uri="{FF2B5EF4-FFF2-40B4-BE49-F238E27FC236}">
+                <a16:creationId xmlns:a16="http://schemas.microsoft.com/office/drawing/2014/main" id="{912F6065-5345-44BD-B66E-5487CCD7A9B9}"/>
+              </a:ext>
+              <a:ext uri="{C183D7F6-B498-43B3-948B-1728B52AA6E4}">
+                <adec:decorative xmlns:adec="http://schemas.microsoft.com/office/drawing/2017/decorative" val="1"/>
+              </a:ext>
+            </a:extLst>
+          </p:cNvPr>
+          <p:cNvCxnSpPr>
+            <a:cxnSpLocks noGrp="1" noRot="1" noChangeAspect="1" noMove="1" noResize="1" noEditPoints="1" noAdjustHandles="1" noChangeArrowheads="1" noChangeShapeType="1"/>
+          </p:cNvCxnSpPr>
+          <p:nvPr>
+            <p:extLst>
+              <p:ext uri="{386F3935-93C4-4BCD-93E2-E3B085C9AB24}">
+                <p16:designElem xmlns:p16="http://schemas.microsoft.com/office/powerpoint/2015/main" val="1"/>
+              </p:ext>
+            </p:extLst>
+          </p:nvPr>
+        </p:nvCxnSpPr>
+        <p:spPr>
+          <a:xfrm>
+            <a:off x="2417780" y="3528542"/>
+            <a:ext cx="8637072" cy="0"/>
+          </a:xfrm>
+          <a:prstGeom prst="line">
+            <a:avLst/>
+          </a:prstGeom>
+          <a:ln w="31750"/>
+        </p:spPr>
+        <p:style>
+          <a:lnRef idx="3">
+            <a:schemeClr val="accent1"/>
+          </a:lnRef>
+          <a:fillRef idx="0">
+            <a:schemeClr val="accent1"/>
+          </a:fillRef>
+          <a:effectRef idx="2">
+            <a:schemeClr val="accent1"/>
+          </a:effectRef>
+          <a:fontRef idx="minor">
+            <a:schemeClr val="tx1"/>
+          </a:fontRef>
+        </p:style>
+      </p:cxnSp>
+      <p:sp useBgFill="1">
+        <p:nvSpPr>
+          <p:cNvPr id="20" name="Rectangle 19">
+            <a:extLst>
+              <a:ext uri="{FF2B5EF4-FFF2-40B4-BE49-F238E27FC236}">
+                <a16:creationId xmlns:a16="http://schemas.microsoft.com/office/drawing/2014/main" id="{BD89ECFB-8421-4BB8-A23D-8B8D151F8959}"/>
+              </a:ext>
+              <a:ext uri="{C183D7F6-B498-43B3-948B-1728B52AA6E4}">
+                <adec:decorative xmlns:adec="http://schemas.microsoft.com/office/drawing/2017/decorative" val="1"/>
+              </a:ext>
+            </a:extLst>
+          </p:cNvPr>
+          <p:cNvSpPr>
+            <a:spLocks noGrp="1" noRot="1" noChangeAspect="1" noMove="1" noResize="1" noEditPoints="1" noAdjustHandles="1" noChangeArrowheads="1" noChangeShapeType="1" noTextEdit="1"/>
+          </p:cNvSpPr>
+          <p:nvPr>
+            <p:extLst>
+              <p:ext uri="{386F3935-93C4-4BCD-93E2-E3B085C9AB24}">
+                <p16:designElem xmlns:p16="http://schemas.microsoft.com/office/powerpoint/2015/main" val="1"/>
+              </p:ext>
+            </p:extLst>
+          </p:nvPr>
+        </p:nvSpPr>
+        <p:spPr>
+          <a:xfrm>
+            <a:off x="2" y="0"/>
+            <a:ext cx="12191695" cy="6858000"/>
+          </a:xfrm>
+          <a:prstGeom prst="rect">
+            <a:avLst/>
+          </a:prstGeom>
+          <a:ln>
+            <a:noFill/>
+          </a:ln>
+        </p:spPr>
+        <p:style>
+          <a:lnRef idx="2">
+            <a:schemeClr val="accent1">
+              <a:shade val="50000"/>
+            </a:schemeClr>
+          </a:lnRef>
+          <a:fillRef idx="1">
+            <a:schemeClr val="accent1"/>
+          </a:fillRef>
+          <a:effectRef idx="0">
+            <a:schemeClr val="accent1"/>
+          </a:effectRef>
+          <a:fontRef idx="minor">
+            <a:schemeClr val="lt1"/>
+          </a:fontRef>
+        </p:style>
         <p:txBody>
-          <a:bodyPr/>
+          <a:bodyPr rtlCol="0" anchor="ctr"/>
           <a:lstStyle/>
           <a:p>
-            <a:r>
-              <a:rPr lang="en-US" dirty="0"/>
-              <a:t>Questions?</a:t>
-            </a:r>
+            <a:pPr algn="ctr"/>
+            <a:endParaRPr lang="en-US"/>
           </a:p>
         </p:txBody>
       </p:sp>
       <p:sp>
         <p:nvSpPr>
-          <p:cNvPr id="3" name="Content Placeholder 2">
+          <p:cNvPr id="22" name="Rectangle 21">
             <a:extLst>
               <a:ext uri="{FF2B5EF4-FFF2-40B4-BE49-F238E27FC236}">
-                <a16:creationId xmlns:a16="http://schemas.microsoft.com/office/drawing/2014/main" id="{8C11D1ED-2EE2-4F2D-B52A-26961E9DB4E1}"/>
+                <a16:creationId xmlns:a16="http://schemas.microsoft.com/office/drawing/2014/main" id="{44911EB7-93CE-44FF-973F-B25ECF5DF58C}"/>
+              </a:ext>
+              <a:ext uri="{C183D7F6-B498-43B3-948B-1728B52AA6E4}">
+                <adec:decorative xmlns:adec="http://schemas.microsoft.com/office/drawing/2017/decorative" val="1"/>
               </a:ext>
             </a:extLst>
           </p:cNvPr>
           <p:cNvSpPr>
-            <a:spLocks noGrp="1"/>
+            <a:spLocks noGrp="1" noRot="1" noChangeAspect="1" noMove="1" noResize="1" noEditPoints="1" noAdjustHandles="1" noChangeArrowheads="1" noChangeShapeType="1" noTextEdit="1"/>
           </p:cNvSpPr>
           <p:nvPr>
-            <p:ph idx="1"/>
+            <p:extLst>
+              <p:ext uri="{386F3935-93C4-4BCD-93E2-E3B085C9AB24}">
+                <p16:designElem xmlns:p16="http://schemas.microsoft.com/office/powerpoint/2015/main" val="1"/>
+              </p:ext>
+            </p:extLst>
           </p:nvPr>
         </p:nvSpPr>
-        <p:spPr/>
+        <p:spPr>
+          <a:xfrm>
+            <a:off x="0" y="2019476"/>
+            <a:ext cx="12192000" cy="4105941"/>
+          </a:xfrm>
+          <a:prstGeom prst="rect">
+            <a:avLst/>
+          </a:prstGeom>
+          <a:gradFill flip="none" rotWithShape="1">
+            <a:gsLst>
+              <a:gs pos="0">
+                <a:schemeClr val="bg2">
+                  <a:alpha val="0"/>
+                </a:schemeClr>
+              </a:gs>
+              <a:gs pos="100000">
+                <a:schemeClr val="bg2"/>
+              </a:gs>
+            </a:gsLst>
+            <a:lin ang="5400000" scaled="0"/>
+            <a:tileRect/>
+          </a:gradFill>
+          <a:ln>
+            <a:noFill/>
+          </a:ln>
+        </p:spPr>
+        <p:style>
+          <a:lnRef idx="2">
+            <a:schemeClr val="accent1">
+              <a:shade val="50000"/>
+            </a:schemeClr>
+          </a:lnRef>
+          <a:fillRef idx="1">
+            <a:schemeClr val="accent1"/>
+          </a:fillRef>
+          <a:effectRef idx="0">
+            <a:schemeClr val="accent1"/>
+          </a:effectRef>
+          <a:fontRef idx="minor">
+            <a:schemeClr val="lt1"/>
+          </a:fontRef>
+        </p:style>
         <p:txBody>
-          <a:bodyPr/>
+          <a:bodyPr rtlCol="0" anchor="ctr"/>
           <a:lstStyle/>
           <a:p>
-            <a:r>
-              <a:rPr lang="en-US" dirty="0"/>
-              <a:t>#About coding (like what is seaborn) Data visual library based on matplotlib.</a:t>
-            </a:r>
-          </a:p>
-          <a:p>
-            <a:r>
-              <a:rPr lang="en-US" dirty="0"/>
-              <a:t>#Why Sacramento? It was selected because it had enough data that is very comprehensible and lengthy enough for a proper project, but not too large to become cumbersome and make our graphs look messy.</a:t>
-            </a:r>
-          </a:p>
-          <a:p>
-            <a:r>
-              <a:rPr lang="en-US" dirty="0"/>
-              <a:t>#What was interesting about this Data? Trends</a:t>
-            </a:r>
-          </a:p>
-          <a:p>
-            <a:endParaRPr lang="en-US" dirty="0"/>
-          </a:p>
-          <a:p>
-            <a:endParaRPr lang="en-US" dirty="0"/>
+            <a:pPr lvl="0" algn="ctr"/>
+            <a:endParaRPr lang="en-US"/>
           </a:p>
         </p:txBody>
       </p:sp>
-    </p:spTree>
-    <p:extLst>
-      <p:ext uri="{BB962C8B-B14F-4D97-AF65-F5344CB8AC3E}">
-        <p14:creationId xmlns:p14="http://schemas.microsoft.com/office/powerpoint/2010/main" val="596276175"/>
-      </p:ext>
-    </p:extLst>
-  </p:cSld>
-  <p:clrMapOvr>
-    <a:masterClrMapping/>
-  </p:clrMapOvr>
-</p:sld>
-</file>
-
-<file path=ppt/slides/slide2.xml><?xml version="1.0" encoding="utf-8"?>
-<p:sld xmlns:a="http://schemas.openxmlformats.org/drawingml/2006/main" xmlns:r="http://schemas.openxmlformats.org/officeDocument/2006/relationships" xmlns:p="http://schemas.openxmlformats.org/presentationml/2006/main">
-  <p:cSld>
-    <p:spTree>
-      <p:nvGrpSpPr>
-        <p:cNvPr id="1" name=""/>
-        <p:cNvGrpSpPr/>
-        <p:nvPr/>
-      </p:nvGrpSpPr>
-      <p:grpSpPr>
-        <a:xfrm>
-          <a:off x="0" y="0"/>
-          <a:ext cx="0" cy="0"/>
-          <a:chOff x="0" y="0"/>
-          <a:chExt cx="0" cy="0"/>
-        </a:xfrm>
-      </p:grpSpPr>
       <p:sp>
         <p:nvSpPr>
           <p:cNvPr id="2" name="Title 1">
@@ -4233,15 +10729,332 @@
             <p:ph type="title"/>
           </p:nvPr>
         </p:nvSpPr>
-        <p:spPr/>
+        <p:spPr>
+          <a:xfrm>
+            <a:off x="485695" y="1474969"/>
+            <a:ext cx="3026558" cy="1868760"/>
+          </a:xfrm>
+        </p:spPr>
         <p:txBody>
-          <a:bodyPr/>
+          <a:bodyPr vert="horz" lIns="91440" tIns="45720" rIns="91440" bIns="0" rtlCol="0" anchor="b">
+            <a:normAutofit/>
+          </a:bodyPr>
           <a:lstStyle/>
           <a:p>
             <a:r>
-              <a:rPr lang="en-US" dirty="0"/>
+              <a:rPr lang="en-US" sz="3600"/>
               <a:t>The Scenario:</a:t>
             </a:r>
+          </a:p>
+        </p:txBody>
+      </p:sp>
+      <p:cxnSp>
+        <p:nvCxnSpPr>
+          <p:cNvPr id="24" name="Straight Connector 23">
+            <a:extLst>
+              <a:ext uri="{FF2B5EF4-FFF2-40B4-BE49-F238E27FC236}">
+                <a16:creationId xmlns:a16="http://schemas.microsoft.com/office/drawing/2014/main" id="{72870A17-34CA-4FF4-8777-CE7D7B986B76}"/>
+              </a:ext>
+              <a:ext uri="{C183D7F6-B498-43B3-948B-1728B52AA6E4}">
+                <adec:decorative xmlns:adec="http://schemas.microsoft.com/office/drawing/2017/decorative" val="1"/>
+              </a:ext>
+            </a:extLst>
+          </p:cNvPr>
+          <p:cNvCxnSpPr>
+            <a:cxnSpLocks noGrp="1" noRot="1" noChangeAspect="1" noMove="1" noResize="1" noEditPoints="1" noAdjustHandles="1" noChangeArrowheads="1" noChangeShapeType="1"/>
+          </p:cNvCxnSpPr>
+          <p:nvPr>
+            <p:extLst>
+              <p:ext uri="{386F3935-93C4-4BCD-93E2-E3B085C9AB24}">
+                <p16:designElem xmlns:p16="http://schemas.microsoft.com/office/powerpoint/2015/main" val="1"/>
+              </p:ext>
+            </p:extLst>
+          </p:nvPr>
+        </p:nvCxnSpPr>
+        <p:spPr>
+          <a:xfrm>
+            <a:off x="484009" y="3526496"/>
+            <a:ext cx="3023617" cy="0"/>
+          </a:xfrm>
+          <a:prstGeom prst="line">
+            <a:avLst/>
+          </a:prstGeom>
+          <a:ln w="31750"/>
+        </p:spPr>
+        <p:style>
+          <a:lnRef idx="3">
+            <a:schemeClr val="accent1"/>
+          </a:lnRef>
+          <a:fillRef idx="0">
+            <a:schemeClr val="accent1"/>
+          </a:fillRef>
+          <a:effectRef idx="2">
+            <a:schemeClr val="accent1"/>
+          </a:effectRef>
+          <a:fontRef idx="minor">
+            <a:schemeClr val="tx1"/>
+          </a:fontRef>
+        </p:style>
+      </p:cxnSp>
+      <p:grpSp>
+        <p:nvGrpSpPr>
+          <p:cNvPr id="26" name="Group 25">
+            <a:extLst>
+              <a:ext uri="{FF2B5EF4-FFF2-40B4-BE49-F238E27FC236}">
+                <a16:creationId xmlns:a16="http://schemas.microsoft.com/office/drawing/2014/main" id="{34B79B4F-74AA-4B58-BBD2-2C3804928DFD}"/>
+              </a:ext>
+              <a:ext uri="{C183D7F6-B498-43B3-948B-1728B52AA6E4}">
+                <adec:decorative xmlns:adec="http://schemas.microsoft.com/office/drawing/2017/decorative" val="1"/>
+              </a:ext>
+            </a:extLst>
+          </p:cNvPr>
+          <p:cNvGrpSpPr>
+            <a:grpSpLocks noGrp="1" noUngrp="1" noRot="1" noChangeAspect="1" noMove="1" noResize="1"/>
+          </p:cNvGrpSpPr>
+          <p:nvPr>
+            <p:extLst>
+              <p:ext uri="{386F3935-93C4-4BCD-93E2-E3B085C9AB24}">
+                <p16:designElem xmlns:p16="http://schemas.microsoft.com/office/powerpoint/2015/main" val="1"/>
+              </p:ext>
+            </p:extLst>
+          </p:nvPr>
+        </p:nvGrpSpPr>
+        <p:grpSpPr>
+          <a:xfrm>
+            <a:off x="3990638" y="482171"/>
+            <a:ext cx="7560115" cy="5149101"/>
+            <a:chOff x="7463258" y="583365"/>
+            <a:chExt cx="7560115" cy="5181928"/>
+          </a:xfrm>
+        </p:grpSpPr>
+        <p:sp>
+          <p:nvSpPr>
+            <p:cNvPr id="27" name="Rectangle 26">
+              <a:extLst>
+                <a:ext uri="{FF2B5EF4-FFF2-40B4-BE49-F238E27FC236}">
+                  <a16:creationId xmlns:a16="http://schemas.microsoft.com/office/drawing/2014/main" id="{FE994EF0-F368-43B3-9BF0-442E33BC3685}"/>
+                </a:ext>
+                <a:ext uri="{C183D7F6-B498-43B3-948B-1728B52AA6E4}">
+                  <adec:decorative xmlns:adec="http://schemas.microsoft.com/office/drawing/2017/decorative" val="1"/>
+                </a:ext>
+              </a:extLst>
+            </p:cNvPr>
+            <p:cNvSpPr/>
+            <p:nvPr>
+              <p:extLst>
+                <p:ext uri="{386F3935-93C4-4BCD-93E2-E3B085C9AB24}">
+                  <p16:designElem xmlns:p16="http://schemas.microsoft.com/office/powerpoint/2015/main" val="1"/>
+                </p:ext>
+              </p:extLst>
+            </p:nvPr>
+          </p:nvSpPr>
+          <p:spPr>
+            <a:xfrm>
+              <a:off x="7463258" y="583365"/>
+              <a:ext cx="7560115" cy="5181928"/>
+            </a:xfrm>
+            <a:prstGeom prst="rect">
+              <a:avLst/>
+            </a:prstGeom>
+            <a:gradFill>
+              <a:gsLst>
+                <a:gs pos="0">
+                  <a:srgbClr val="000001"/>
+                </a:gs>
+                <a:gs pos="100000">
+                  <a:srgbClr val="191919"/>
+                </a:gs>
+              </a:gsLst>
+            </a:gradFill>
+            <a:ln w="76200" cmpd="sng">
+              <a:noFill/>
+              <a:miter lim="800000"/>
+            </a:ln>
+            <a:effectLst>
+              <a:outerShdw blurRad="127000" dist="228600" dir="4740000" sx="98000" sy="98000" algn="tl" rotWithShape="0">
+                <a:srgbClr val="000000">
+                  <a:alpha val="34000"/>
+                </a:srgbClr>
+              </a:outerShdw>
+            </a:effectLst>
+            <a:scene3d>
+              <a:camera prst="orthographicFront"/>
+              <a:lightRig rig="threePt" dir="t"/>
+            </a:scene3d>
+            <a:sp3d>
+              <a:bevelT w="152400" h="50800" prst="softRound"/>
+            </a:sp3d>
+          </p:spPr>
+          <p:style>
+            <a:lnRef idx="1">
+              <a:schemeClr val="accent1"/>
+            </a:lnRef>
+            <a:fillRef idx="3">
+              <a:schemeClr val="accent1"/>
+            </a:fillRef>
+            <a:effectRef idx="2">
+              <a:schemeClr val="accent1"/>
+            </a:effectRef>
+            <a:fontRef idx="minor">
+              <a:schemeClr val="lt1"/>
+            </a:fontRef>
+          </p:style>
+          <p:txBody>
+            <a:bodyPr rtlCol="0" anchor="ctr"/>
+            <a:lstStyle/>
+            <a:p>
+              <a:pPr algn="ctr"/>
+              <a:endParaRPr lang="en-US"/>
+            </a:p>
+          </p:txBody>
+        </p:sp>
+        <p:sp>
+          <p:nvSpPr>
+            <p:cNvPr id="28" name="Rectangle 27">
+              <a:extLst>
+                <a:ext uri="{FF2B5EF4-FFF2-40B4-BE49-F238E27FC236}">
+                  <a16:creationId xmlns:a16="http://schemas.microsoft.com/office/drawing/2014/main" id="{9B478E81-F333-452C-B354-06E13FB0B261}"/>
+                </a:ext>
+                <a:ext uri="{C183D7F6-B498-43B3-948B-1728B52AA6E4}">
+                  <adec:decorative xmlns:adec="http://schemas.microsoft.com/office/drawing/2017/decorative" val="1"/>
+                </a:ext>
+              </a:extLst>
+            </p:cNvPr>
+            <p:cNvSpPr/>
+            <p:nvPr>
+              <p:extLst>
+                <p:ext uri="{386F3935-93C4-4BCD-93E2-E3B085C9AB24}">
+                  <p16:designElem xmlns:p16="http://schemas.microsoft.com/office/powerpoint/2015/main" val="1"/>
+                </p:ext>
+              </p:extLst>
+            </p:nvPr>
+          </p:nvSpPr>
+          <p:spPr>
+            <a:xfrm>
+              <a:off x="7776317" y="915807"/>
+              <a:ext cx="6928279" cy="4494927"/>
+            </a:xfrm>
+            <a:prstGeom prst="rect">
+              <a:avLst/>
+            </a:prstGeom>
+            <a:gradFill>
+              <a:gsLst>
+                <a:gs pos="0">
+                  <a:srgbClr val="DADADA"/>
+                </a:gs>
+                <a:gs pos="100000">
+                  <a:srgbClr val="FFFFFE"/>
+                </a:gs>
+              </a:gsLst>
+              <a:lin ang="16200000" scaled="0"/>
+            </a:gradFill>
+            <a:ln w="50800" cmpd="sng">
+              <a:solidFill>
+                <a:srgbClr val="191919"/>
+              </a:solidFill>
+              <a:miter lim="800000"/>
+            </a:ln>
+            <a:effectLst>
+              <a:innerShdw blurRad="63500" dist="88900" dir="14100000">
+                <a:srgbClr val="000000">
+                  <a:alpha val="30000"/>
+                </a:srgbClr>
+              </a:innerShdw>
+            </a:effectLst>
+            <a:scene3d>
+              <a:camera prst="orthographicFront"/>
+              <a:lightRig rig="threePt" dir="t"/>
+            </a:scene3d>
+            <a:sp3d>
+              <a:bevelT prst="relaxedInset"/>
+            </a:sp3d>
+          </p:spPr>
+          <p:style>
+            <a:lnRef idx="1">
+              <a:schemeClr val="accent1"/>
+            </a:lnRef>
+            <a:fillRef idx="3">
+              <a:schemeClr val="accent1"/>
+            </a:fillRef>
+            <a:effectRef idx="2">
+              <a:schemeClr val="accent1"/>
+            </a:effectRef>
+            <a:fontRef idx="minor">
+              <a:schemeClr val="lt1"/>
+            </a:fontRef>
+          </p:style>
+          <p:txBody>
+            <a:bodyPr rtlCol="0" anchor="ctr"/>
+            <a:lstStyle/>
+            <a:p>
+              <a:pPr algn="ctr"/>
+              <a:endParaRPr lang="en-US"/>
+            </a:p>
+          </p:txBody>
+        </p:sp>
+      </p:grpSp>
+      <p:sp>
+        <p:nvSpPr>
+          <p:cNvPr id="30" name="Rectangle 29">
+            <a:extLst>
+              <a:ext uri="{FF2B5EF4-FFF2-40B4-BE49-F238E27FC236}">
+                <a16:creationId xmlns:a16="http://schemas.microsoft.com/office/drawing/2014/main" id="{4E4C1088-922B-4744-BB37-5D47AEA43D4D}"/>
+              </a:ext>
+              <a:ext uri="{C183D7F6-B498-43B3-948B-1728B52AA6E4}">
+                <adec:decorative xmlns:adec="http://schemas.microsoft.com/office/drawing/2017/decorative" val="1"/>
+              </a:ext>
+            </a:extLst>
+          </p:cNvPr>
+          <p:cNvSpPr>
+            <a:spLocks noGrp="1" noRot="1" noChangeAspect="1" noMove="1" noResize="1" noEditPoints="1" noAdjustHandles="1" noChangeArrowheads="1" noChangeShapeType="1" noTextEdit="1"/>
+          </p:cNvSpPr>
+          <p:nvPr>
+            <p:extLst>
+              <p:ext uri="{386F3935-93C4-4BCD-93E2-E3B085C9AB24}">
+                <p16:designElem xmlns:p16="http://schemas.microsoft.com/office/powerpoint/2015/main" val="1"/>
+              </p:ext>
+            </p:extLst>
+          </p:nvPr>
+        </p:nvSpPr>
+        <p:spPr>
+          <a:xfrm>
+            <a:off x="4472130" y="977099"/>
+            <a:ext cx="6597725" cy="4136205"/>
+          </a:xfrm>
+          <a:prstGeom prst="rect">
+            <a:avLst/>
+          </a:prstGeom>
+          <a:solidFill>
+            <a:schemeClr val="bg1"/>
+          </a:solidFill>
+          <a:ln w="6350">
+            <a:solidFill>
+              <a:schemeClr val="bg2"/>
+            </a:solidFill>
+          </a:ln>
+        </p:spPr>
+        <p:style>
+          <a:lnRef idx="2">
+            <a:schemeClr val="accent1">
+              <a:shade val="50000"/>
+            </a:schemeClr>
+          </a:lnRef>
+          <a:fillRef idx="1">
+            <a:schemeClr val="accent1"/>
+          </a:fillRef>
+          <a:effectRef idx="0">
+            <a:schemeClr val="accent1"/>
+          </a:effectRef>
+          <a:fontRef idx="minor">
+            <a:schemeClr val="lt1"/>
+          </a:fontRef>
+        </p:style>
+        <p:txBody>
+          <a:bodyPr rtlCol="0" anchor="ctr"/>
+          <a:lstStyle/>
+          <a:p>
+            <a:pPr algn="ctr"/>
+            <a:endParaRPr lang="en-US"/>
           </a:p>
         </p:txBody>
       </p:sp>
@@ -4251,42 +11064,6 @@
             <a:extLst>
               <a:ext uri="{FF2B5EF4-FFF2-40B4-BE49-F238E27FC236}">
                 <a16:creationId xmlns:a16="http://schemas.microsoft.com/office/drawing/2014/main" id="{734FDB46-CA18-41C6-AF29-29ADFB737158}"/>
-              </a:ext>
-            </a:extLst>
-          </p:cNvPr>
-          <p:cNvPicPr>
-            <a:picLocks noChangeAspect="1"/>
-          </p:cNvPicPr>
-          <p:nvPr/>
-        </p:nvPicPr>
-        <p:blipFill>
-          <a:blip r:embed="rId2">
-            <a:extLst>
-              <a:ext uri="{28A0092B-C50C-407E-A947-70E740481C1C}">
-                <a14:useLocalDpi xmlns:a14="http://schemas.microsoft.com/office/drawing/2010/main" val="0"/>
-              </a:ext>
-            </a:extLst>
-          </a:blip>
-          <a:stretch>
-            <a:fillRect/>
-          </a:stretch>
-        </p:blipFill>
-        <p:spPr>
-          <a:xfrm>
-            <a:off x="7083123" y="122529"/>
-            <a:ext cx="3971731" cy="5997580"/>
-          </a:xfrm>
-          <a:prstGeom prst="rect">
-            <a:avLst/>
-          </a:prstGeom>
-        </p:spPr>
-      </p:pic>
-      <p:pic>
-        <p:nvPicPr>
-          <p:cNvPr id="7" name="Picture 6" descr="A picture containing grass, tree, outdoor, house&#10;&#10;Description automatically generated">
-            <a:extLst>
-              <a:ext uri="{FF2B5EF4-FFF2-40B4-BE49-F238E27FC236}">
-                <a16:creationId xmlns:a16="http://schemas.microsoft.com/office/drawing/2014/main" id="{84BC9DA3-5777-4897-8431-1F554D4B3ED6}"/>
               </a:ext>
             </a:extLst>
           </p:cNvPr>
@@ -4309,14 +11086,148 @@
         </p:blipFill>
         <p:spPr>
           <a:xfrm>
-            <a:off x="838200" y="1905000"/>
-            <a:ext cx="4572000" cy="3048000"/>
+            <a:off x="4880244" y="1116345"/>
+            <a:ext cx="2561338" cy="3866172"/>
           </a:xfrm>
           <a:prstGeom prst="rect">
             <a:avLst/>
           </a:prstGeom>
         </p:spPr>
       </p:pic>
+      <p:pic>
+        <p:nvPicPr>
+          <p:cNvPr id="7" name="Picture 6" descr="A picture containing grass, tree, outdoor, house&#10;&#10;Description automatically generated">
+            <a:extLst>
+              <a:ext uri="{FF2B5EF4-FFF2-40B4-BE49-F238E27FC236}">
+                <a16:creationId xmlns:a16="http://schemas.microsoft.com/office/drawing/2014/main" id="{84BC9DA3-5777-4897-8431-1F554D4B3ED6}"/>
+              </a:ext>
+            </a:extLst>
+          </p:cNvPr>
+          <p:cNvPicPr>
+            <a:picLocks noChangeAspect="1"/>
+          </p:cNvPicPr>
+          <p:nvPr/>
+        </p:nvPicPr>
+        <p:blipFill>
+          <a:blip r:embed="rId4">
+            <a:extLst>
+              <a:ext uri="{28A0092B-C50C-407E-A947-70E740481C1C}">
+                <a14:useLocalDpi xmlns:a14="http://schemas.microsoft.com/office/drawing/2010/main" val="0"/>
+              </a:ext>
+            </a:extLst>
+          </a:blip>
+          <a:stretch>
+            <a:fillRect/>
+          </a:stretch>
+        </p:blipFill>
+        <p:spPr>
+          <a:xfrm>
+            <a:off x="7849810" y="2028291"/>
+            <a:ext cx="3059596" cy="2042280"/>
+          </a:xfrm>
+          <a:prstGeom prst="rect">
+            <a:avLst/>
+          </a:prstGeom>
+        </p:spPr>
+      </p:pic>
+      <p:pic>
+        <p:nvPicPr>
+          <p:cNvPr id="32" name="Picture 31">
+            <a:extLst>
+              <a:ext uri="{FF2B5EF4-FFF2-40B4-BE49-F238E27FC236}">
+                <a16:creationId xmlns:a16="http://schemas.microsoft.com/office/drawing/2014/main" id="{15621CD7-6951-4B76-949B-6D851A2BE4D4}"/>
+              </a:ext>
+              <a:ext uri="{C183D7F6-B498-43B3-948B-1728B52AA6E4}">
+                <adec:decorative xmlns:adec="http://schemas.microsoft.com/office/drawing/2017/decorative" val="1"/>
+              </a:ext>
+            </a:extLst>
+          </p:cNvPr>
+          <p:cNvPicPr>
+            <a:picLocks noGrp="1" noRot="1" noChangeAspect="1" noMove="1" noResize="1" noEditPoints="1" noAdjustHandles="1" noChangeArrowheads="1" noChangeShapeType="1" noCrop="1"/>
+          </p:cNvPicPr>
+          <p:nvPr>
+            <p:extLst>
+              <p:ext uri="{386F3935-93C4-4BCD-93E2-E3B085C9AB24}">
+                <p16:designElem xmlns:p16="http://schemas.microsoft.com/office/powerpoint/2015/main" val="1"/>
+              </p:ext>
+            </p:extLst>
+          </p:nvPr>
+        </p:nvPicPr>
+        <p:blipFill rotWithShape="1">
+          <a:blip r:embed="rId2">
+            <a:extLst>
+              <a:ext uri="{28A0092B-C50C-407E-A947-70E740481C1C}">
+                <a14:useLocalDpi xmlns:a14="http://schemas.microsoft.com/office/drawing/2010/main" val="0"/>
+              </a:ext>
+            </a:extLst>
+          </a:blip>
+          <a:srcRect t="1538" b="-1538"/>
+          <a:stretch/>
+        </p:blipFill>
+        <p:spPr bwMode="black">
+          <a:xfrm>
+            <a:off x="0" y="6126480"/>
+            <a:ext cx="12192000" cy="742950"/>
+          </a:xfrm>
+          <a:prstGeom prst="rect">
+            <a:avLst/>
+          </a:prstGeom>
+        </p:spPr>
+      </p:pic>
+      <p:cxnSp>
+        <p:nvCxnSpPr>
+          <p:cNvPr id="34" name="Straight Connector 33">
+            <a:extLst>
+              <a:ext uri="{FF2B5EF4-FFF2-40B4-BE49-F238E27FC236}">
+                <a16:creationId xmlns:a16="http://schemas.microsoft.com/office/drawing/2014/main" id="{7AD09E24-F963-4867-8AA6-3D2F8D3C8AAF}"/>
+              </a:ext>
+              <a:ext uri="{C183D7F6-B498-43B3-948B-1728B52AA6E4}">
+                <adec:decorative xmlns:adec="http://schemas.microsoft.com/office/drawing/2017/decorative" val="1"/>
+              </a:ext>
+            </a:extLst>
+          </p:cNvPr>
+          <p:cNvCxnSpPr>
+            <a:cxnSpLocks noGrp="1" noRot="1" noChangeAspect="1" noMove="1" noResize="1" noEditPoints="1" noAdjustHandles="1" noChangeArrowheads="1" noChangeShapeType="1"/>
+          </p:cNvCxnSpPr>
+          <p:nvPr>
+            <p:extLst>
+              <p:ext uri="{386F3935-93C4-4BCD-93E2-E3B085C9AB24}">
+                <p16:designElem xmlns:p16="http://schemas.microsoft.com/office/powerpoint/2015/main" val="1"/>
+              </p:ext>
+            </p:extLst>
+          </p:nvPr>
+        </p:nvCxnSpPr>
+        <p:spPr>
+          <a:xfrm>
+            <a:off x="0" y="6128413"/>
+            <a:ext cx="12192000" cy="0"/>
+          </a:xfrm>
+          <a:prstGeom prst="line">
+            <a:avLst/>
+          </a:prstGeom>
+          <a:ln w="12700">
+            <a:solidFill>
+              <a:srgbClr val="000001">
+                <a:alpha val="20000"/>
+              </a:srgbClr>
+            </a:solidFill>
+          </a:ln>
+        </p:spPr>
+        <p:style>
+          <a:lnRef idx="1">
+            <a:schemeClr val="accent1"/>
+          </a:lnRef>
+          <a:fillRef idx="0">
+            <a:schemeClr val="accent1"/>
+          </a:fillRef>
+          <a:effectRef idx="0">
+            <a:schemeClr val="accent1"/>
+          </a:effectRef>
+          <a:fontRef idx="minor">
+            <a:schemeClr val="tx1"/>
+          </a:fontRef>
+        </p:style>
+      </p:cxnSp>
     </p:spTree>
     <p:extLst>
       <p:ext uri="{BB962C8B-B14F-4D97-AF65-F5344CB8AC3E}">
@@ -4333,6 +11244,30 @@
 <file path=ppt/slides/slide3.xml><?xml version="1.0" encoding="utf-8"?>
 <p:sld xmlns:a="http://schemas.openxmlformats.org/drawingml/2006/main" xmlns:r="http://schemas.openxmlformats.org/officeDocument/2006/relationships" xmlns:p="http://schemas.openxmlformats.org/presentationml/2006/main">
   <p:cSld>
+    <p:bg>
+      <p:bgPr>
+        <a:gradFill rotWithShape="1">
+          <a:gsLst>
+            <a:gs pos="0">
+              <a:schemeClr val="bg2">
+                <a:tint val="94000"/>
+                <a:satMod val="80000"/>
+                <a:lumMod val="106000"/>
+              </a:schemeClr>
+            </a:gs>
+            <a:gs pos="100000">
+              <a:schemeClr val="bg2">
+                <a:shade val="80000"/>
+              </a:schemeClr>
+            </a:gs>
+          </a:gsLst>
+          <a:path path="circle">
+            <a:fillToRect l="43000" r="43000" b="100000"/>
+          </a:path>
+        </a:gradFill>
+        <a:effectLst/>
+      </p:bgPr>
+    </p:bg>
     <p:spTree>
       <p:nvGrpSpPr>
         <p:cNvPr id="1" name=""/>
@@ -4347,6 +11282,66 @@
           <a:chExt cx="0" cy="0"/>
         </a:xfrm>
       </p:grpSpPr>
+      <p:sp useBgFill="1">
+        <p:nvSpPr>
+          <p:cNvPr id="18" name="Rectangle 17">
+            <a:extLst>
+              <a:ext uri="{FF2B5EF4-FFF2-40B4-BE49-F238E27FC236}">
+                <a16:creationId xmlns:a16="http://schemas.microsoft.com/office/drawing/2014/main" id="{482E7304-2AC2-4A5C-924D-A6AC3FFC5EAC}"/>
+              </a:ext>
+              <a:ext uri="{C183D7F6-B498-43B3-948B-1728B52AA6E4}">
+                <adec:decorative xmlns:adec="http://schemas.microsoft.com/office/drawing/2017/decorative" val="1"/>
+              </a:ext>
+            </a:extLst>
+          </p:cNvPr>
+          <p:cNvSpPr>
+            <a:spLocks noGrp="1" noRot="1" noChangeAspect="1" noMove="1" noResize="1" noEditPoints="1" noAdjustHandles="1" noChangeArrowheads="1" noChangeShapeType="1" noTextEdit="1"/>
+          </p:cNvSpPr>
+          <p:nvPr>
+            <p:extLst>
+              <p:ext uri="{386F3935-93C4-4BCD-93E2-E3B085C9AB24}">
+                <p16:designElem xmlns:p16="http://schemas.microsoft.com/office/powerpoint/2015/main" val="1"/>
+              </p:ext>
+            </p:extLst>
+          </p:nvPr>
+        </p:nvSpPr>
+        <p:spPr>
+          <a:xfrm>
+            <a:off x="2" y="0"/>
+            <a:ext cx="12191695" cy="6858000"/>
+          </a:xfrm>
+          <a:prstGeom prst="rect">
+            <a:avLst/>
+          </a:prstGeom>
+          <a:ln>
+            <a:noFill/>
+          </a:ln>
+        </p:spPr>
+        <p:style>
+          <a:lnRef idx="2">
+            <a:schemeClr val="accent1">
+              <a:shade val="50000"/>
+            </a:schemeClr>
+          </a:lnRef>
+          <a:fillRef idx="1">
+            <a:schemeClr val="accent1"/>
+          </a:fillRef>
+          <a:effectRef idx="0">
+            <a:schemeClr val="accent1"/>
+          </a:effectRef>
+          <a:fontRef idx="minor">
+            <a:schemeClr val="lt1"/>
+          </a:fontRef>
+        </p:style>
+        <p:txBody>
+          <a:bodyPr rtlCol="0" anchor="ctr"/>
+          <a:lstStyle/>
+          <a:p>
+            <a:pPr algn="ctr"/>
+            <a:endParaRPr lang="en-US"/>
+          </a:p>
+        </p:txBody>
+      </p:sp>
       <p:sp>
         <p:nvSpPr>
           <p:cNvPr id="2" name="Title 1">
@@ -4363,9 +11358,16 @@
             <p:ph type="title"/>
           </p:nvPr>
         </p:nvSpPr>
-        <p:spPr/>
+        <p:spPr>
+          <a:xfrm>
+            <a:off x="1451579" y="804519"/>
+            <a:ext cx="9603275" cy="1049235"/>
+          </a:xfrm>
+        </p:spPr>
         <p:txBody>
-          <a:bodyPr/>
+          <a:bodyPr>
+            <a:normAutofit/>
+          </a:bodyPr>
           <a:lstStyle/>
           <a:p>
             <a:r>
@@ -4375,90 +11377,159 @@
           </a:p>
         </p:txBody>
       </p:sp>
+      <p:cxnSp>
+        <p:nvCxnSpPr>
+          <p:cNvPr id="20" name="Straight Connector 19">
+            <a:extLst>
+              <a:ext uri="{FF2B5EF4-FFF2-40B4-BE49-F238E27FC236}">
+                <a16:creationId xmlns:a16="http://schemas.microsoft.com/office/drawing/2014/main" id="{D259FEF2-F6A5-442F-BA10-4E39EECD0ABE}"/>
+              </a:ext>
+              <a:ext uri="{C183D7F6-B498-43B3-948B-1728B52AA6E4}">
+                <adec:decorative xmlns:adec="http://schemas.microsoft.com/office/drawing/2017/decorative" val="1"/>
+              </a:ext>
+            </a:extLst>
+          </p:cNvPr>
+          <p:cNvCxnSpPr>
+            <a:cxnSpLocks noGrp="1" noRot="1" noChangeAspect="1" noMove="1" noResize="1" noEditPoints="1" noAdjustHandles="1" noChangeArrowheads="1" noChangeShapeType="1"/>
+          </p:cNvCxnSpPr>
+          <p:nvPr>
+            <p:extLst>
+              <p:ext uri="{386F3935-93C4-4BCD-93E2-E3B085C9AB24}">
+                <p16:designElem xmlns:p16="http://schemas.microsoft.com/office/powerpoint/2015/main" val="1"/>
+              </p:ext>
+            </p:extLst>
+          </p:nvPr>
+        </p:nvCxnSpPr>
+        <p:spPr>
+          <a:xfrm>
+            <a:off x="1451579" y="1853754"/>
+            <a:ext cx="9603274" cy="0"/>
+          </a:xfrm>
+          <a:prstGeom prst="line">
+            <a:avLst/>
+          </a:prstGeom>
+          <a:ln w="31750"/>
+        </p:spPr>
+        <p:style>
+          <a:lnRef idx="3">
+            <a:schemeClr val="accent1"/>
+          </a:lnRef>
+          <a:fillRef idx="0">
+            <a:schemeClr val="accent1"/>
+          </a:fillRef>
+          <a:effectRef idx="2">
+            <a:schemeClr val="accent1"/>
+          </a:effectRef>
+          <a:fontRef idx="minor">
+            <a:schemeClr val="tx1"/>
+          </a:fontRef>
+        </p:style>
+      </p:cxnSp>
       <p:sp>
         <p:nvSpPr>
-          <p:cNvPr id="3" name="Content Placeholder 2">
+          <p:cNvPr id="22" name="Rectangle 21">
             <a:extLst>
               <a:ext uri="{FF2B5EF4-FFF2-40B4-BE49-F238E27FC236}">
-                <a16:creationId xmlns:a16="http://schemas.microsoft.com/office/drawing/2014/main" id="{8362C3A9-3117-4C4F-93A3-B5617E866727}"/>
+                <a16:creationId xmlns:a16="http://schemas.microsoft.com/office/drawing/2014/main" id="{A3C183B1-1D4B-4E3D-A02E-A426E3BFA016}"/>
+              </a:ext>
+              <a:ext uri="{C183D7F6-B498-43B3-948B-1728B52AA6E4}">
+                <adec:decorative xmlns:adec="http://schemas.microsoft.com/office/drawing/2017/decorative" val="1"/>
               </a:ext>
             </a:extLst>
           </p:cNvPr>
           <p:cNvSpPr>
-            <a:spLocks noGrp="1"/>
+            <a:spLocks noGrp="1" noRot="1" noChangeAspect="1" noMove="1" noResize="1" noEditPoints="1" noAdjustHandles="1" noChangeArrowheads="1" noChangeShapeType="1" noTextEdit="1"/>
           </p:cNvSpPr>
           <p:nvPr>
-            <p:ph idx="1"/>
+            <p:extLst>
+              <p:ext uri="{386F3935-93C4-4BCD-93E2-E3B085C9AB24}">
+                <p16:designElem xmlns:p16="http://schemas.microsoft.com/office/powerpoint/2015/main" val="1"/>
+              </p:ext>
+            </p:extLst>
           </p:nvPr>
         </p:nvSpPr>
         <p:spPr>
           <a:xfrm>
-            <a:off x="1451579" y="2077552"/>
-            <a:ext cx="9603275" cy="4351338"/>
+            <a:off x="0" y="2019476"/>
+            <a:ext cx="12192000" cy="4838524"/>
           </a:xfrm>
+          <a:prstGeom prst="rect">
+            <a:avLst/>
+          </a:prstGeom>
+          <a:gradFill flip="none" rotWithShape="1">
+            <a:gsLst>
+              <a:gs pos="0">
+                <a:schemeClr val="bg2">
+                  <a:alpha val="0"/>
+                </a:schemeClr>
+              </a:gs>
+              <a:gs pos="100000">
+                <a:schemeClr val="bg2"/>
+              </a:gs>
+            </a:gsLst>
+            <a:lin ang="5400000" scaled="0"/>
+            <a:tileRect/>
+          </a:gradFill>
+          <a:ln>
+            <a:noFill/>
+          </a:ln>
         </p:spPr>
+        <p:style>
+          <a:lnRef idx="2">
+            <a:schemeClr val="accent1">
+              <a:shade val="50000"/>
+            </a:schemeClr>
+          </a:lnRef>
+          <a:fillRef idx="1">
+            <a:schemeClr val="accent1"/>
+          </a:fillRef>
+          <a:effectRef idx="0">
+            <a:schemeClr val="accent1"/>
+          </a:effectRef>
+          <a:fontRef idx="minor">
+            <a:schemeClr val="lt1"/>
+          </a:fontRef>
+        </p:style>
         <p:txBody>
-          <a:bodyPr/>
+          <a:bodyPr rtlCol="0" anchor="ctr"/>
           <a:lstStyle/>
           <a:p>
-            <a:r>
-              <a:rPr lang="en-US" dirty="0"/>
-              <a:t>Locate and clean the Data</a:t>
-            </a:r>
-          </a:p>
-          <a:p>
-            <a:r>
-              <a:rPr lang="en-US" dirty="0"/>
-              <a:t>What are the common metrics for the average home purchase</a:t>
-            </a:r>
-          </a:p>
-          <a:p>
-            <a:r>
-              <a:rPr lang="en-US" dirty="0"/>
-              <a:t>Create bins of data to represent common breakpoints</a:t>
-            </a:r>
-          </a:p>
-          <a:p>
-            <a:r>
-              <a:rPr lang="en-US" dirty="0"/>
-              <a:t>Create visual aides to guide our home buyer</a:t>
-            </a:r>
-          </a:p>
-          <a:p>
-            <a:r>
-              <a:rPr lang="en-US" dirty="0"/>
-              <a:t>Identify current trends in the market</a:t>
-            </a:r>
-          </a:p>
-          <a:p>
-            <a:r>
-              <a:rPr lang="en-US" dirty="0"/>
-              <a:t>Identify/Eliminate outliers</a:t>
-            </a:r>
-          </a:p>
-          <a:p>
-            <a:r>
-              <a:rPr lang="en-US" dirty="0"/>
-              <a:t>Using median or mean?</a:t>
-            </a:r>
-          </a:p>
-          <a:p>
-            <a:endParaRPr lang="en-US" dirty="0"/>
-          </a:p>
-          <a:p>
-            <a:endParaRPr lang="en-US" dirty="0"/>
-          </a:p>
-          <a:p>
-            <a:endParaRPr lang="en-US" dirty="0"/>
-          </a:p>
-          <a:p>
-            <a:pPr marL="0" indent="0">
-              <a:buNone/>
-            </a:pPr>
-            <a:endParaRPr lang="en-US" dirty="0"/>
+            <a:pPr lvl="0" algn="ctr"/>
+            <a:endParaRPr lang="en-US"/>
           </a:p>
         </p:txBody>
       </p:sp>
+      <p:graphicFrame>
+        <p:nvGraphicFramePr>
+          <p:cNvPr id="5" name="Content Placeholder 2">
+            <a:extLst>
+              <a:ext uri="{FF2B5EF4-FFF2-40B4-BE49-F238E27FC236}">
+                <a16:creationId xmlns:a16="http://schemas.microsoft.com/office/drawing/2014/main" id="{D88C77FA-593B-4CB4-BB44-EDF23E2F9023}"/>
+              </a:ext>
+            </a:extLst>
+          </p:cNvPr>
+          <p:cNvGraphicFramePr>
+            <a:graphicFrameLocks noGrp="1"/>
+          </p:cNvGraphicFramePr>
+          <p:nvPr>
+            <p:ph idx="1"/>
+            <p:extLst>
+              <p:ext uri="{D42A27DB-BD31-4B8C-83A1-F6EECF244321}">
+                <p14:modId xmlns:p14="http://schemas.microsoft.com/office/powerpoint/2010/main" val="2131969337"/>
+              </p:ext>
+            </p:extLst>
+          </p:nvPr>
+        </p:nvGraphicFramePr>
+        <p:xfrm>
+          <a:off x="1450975" y="2331497"/>
+          <a:ext cx="9604375" cy="3723227"/>
+        </p:xfrm>
+        <a:graphic>
+          <a:graphicData uri="http://schemas.openxmlformats.org/drawingml/2006/diagram">
+            <dgm:relIds xmlns:dgm="http://schemas.openxmlformats.org/drawingml/2006/diagram" xmlns:r="http://schemas.openxmlformats.org/officeDocument/2006/relationships" r:dm="rId2" r:lo="rId3" r:qs="rId4" r:cs="rId5"/>
+          </a:graphicData>
+        </a:graphic>
+      </p:graphicFrame>
     </p:spTree>
     <p:extLst>
       <p:ext uri="{BB962C8B-B14F-4D97-AF65-F5344CB8AC3E}">
@@ -4475,6 +11546,30 @@
 <file path=ppt/slides/slide4.xml><?xml version="1.0" encoding="utf-8"?>
 <p:sld xmlns:a="http://schemas.openxmlformats.org/drawingml/2006/main" xmlns:r="http://schemas.openxmlformats.org/officeDocument/2006/relationships" xmlns:p="http://schemas.openxmlformats.org/presentationml/2006/main">
   <p:cSld>
+    <p:bg>
+      <p:bgPr>
+        <a:gradFill rotWithShape="1">
+          <a:gsLst>
+            <a:gs pos="0">
+              <a:schemeClr val="bg2">
+                <a:tint val="94000"/>
+                <a:satMod val="80000"/>
+                <a:lumMod val="106000"/>
+              </a:schemeClr>
+            </a:gs>
+            <a:gs pos="100000">
+              <a:schemeClr val="bg2">
+                <a:shade val="80000"/>
+              </a:schemeClr>
+            </a:gs>
+          </a:gsLst>
+          <a:path path="circle">
+            <a:fillToRect l="43000" r="43000" b="100000"/>
+          </a:path>
+        </a:gradFill>
+        <a:effectLst/>
+      </p:bgPr>
+    </p:bg>
     <p:spTree>
       <p:nvGrpSpPr>
         <p:cNvPr id="1" name=""/>
@@ -4489,6 +11584,140 @@
           <a:chExt cx="0" cy="0"/>
         </a:xfrm>
       </p:grpSpPr>
+      <p:sp useBgFill="1">
+        <p:nvSpPr>
+          <p:cNvPr id="9" name="Rectangle 8">
+            <a:extLst>
+              <a:ext uri="{FF2B5EF4-FFF2-40B4-BE49-F238E27FC236}">
+                <a16:creationId xmlns:a16="http://schemas.microsoft.com/office/drawing/2014/main" id="{32D32A60-013B-47A8-8833-D2424080917B}"/>
+              </a:ext>
+              <a:ext uri="{C183D7F6-B498-43B3-948B-1728B52AA6E4}">
+                <adec:decorative xmlns:adec="http://schemas.microsoft.com/office/drawing/2017/decorative" val="1"/>
+              </a:ext>
+            </a:extLst>
+          </p:cNvPr>
+          <p:cNvSpPr>
+            <a:spLocks noGrp="1" noRot="1" noChangeAspect="1" noMove="1" noResize="1" noEditPoints="1" noAdjustHandles="1" noChangeArrowheads="1" noChangeShapeType="1" noTextEdit="1"/>
+          </p:cNvSpPr>
+          <p:nvPr>
+            <p:extLst>
+              <p:ext uri="{386F3935-93C4-4BCD-93E2-E3B085C9AB24}">
+                <p16:designElem xmlns:p16="http://schemas.microsoft.com/office/powerpoint/2015/main" val="1"/>
+              </p:ext>
+            </p:extLst>
+          </p:nvPr>
+        </p:nvSpPr>
+        <p:spPr>
+          <a:xfrm>
+            <a:off x="2" y="0"/>
+            <a:ext cx="12191695" cy="6858000"/>
+          </a:xfrm>
+          <a:prstGeom prst="rect">
+            <a:avLst/>
+          </a:prstGeom>
+          <a:ln>
+            <a:noFill/>
+          </a:ln>
+        </p:spPr>
+        <p:style>
+          <a:lnRef idx="2">
+            <a:schemeClr val="accent1">
+              <a:shade val="50000"/>
+            </a:schemeClr>
+          </a:lnRef>
+          <a:fillRef idx="1">
+            <a:schemeClr val="accent1"/>
+          </a:fillRef>
+          <a:effectRef idx="0">
+            <a:schemeClr val="accent1"/>
+          </a:effectRef>
+          <a:fontRef idx="minor">
+            <a:schemeClr val="lt1"/>
+          </a:fontRef>
+        </p:style>
+        <p:txBody>
+          <a:bodyPr rtlCol="0" anchor="ctr"/>
+          <a:lstStyle/>
+          <a:p>
+            <a:pPr algn="ctr"/>
+            <a:endParaRPr lang="en-US"/>
+          </a:p>
+        </p:txBody>
+      </p:sp>
+      <p:sp>
+        <p:nvSpPr>
+          <p:cNvPr id="11" name="Rectangle 10">
+            <a:extLst>
+              <a:ext uri="{FF2B5EF4-FFF2-40B4-BE49-F238E27FC236}">
+                <a16:creationId xmlns:a16="http://schemas.microsoft.com/office/drawing/2014/main" id="{AE27932B-B694-4C4C-90D7-A0333A7C5876}"/>
+              </a:ext>
+              <a:ext uri="{C183D7F6-B498-43B3-948B-1728B52AA6E4}">
+                <adec:decorative xmlns:adec="http://schemas.microsoft.com/office/drawing/2017/decorative" val="1"/>
+              </a:ext>
+            </a:extLst>
+          </p:cNvPr>
+          <p:cNvSpPr>
+            <a:spLocks noGrp="1" noRot="1" noChangeAspect="1" noMove="1" noResize="1" noEditPoints="1" noAdjustHandles="1" noChangeArrowheads="1" noChangeShapeType="1" noTextEdit="1"/>
+          </p:cNvSpPr>
+          <p:nvPr>
+            <p:extLst>
+              <p:ext uri="{386F3935-93C4-4BCD-93E2-E3B085C9AB24}">
+                <p16:designElem xmlns:p16="http://schemas.microsoft.com/office/powerpoint/2015/main" val="1"/>
+              </p:ext>
+            </p:extLst>
+          </p:nvPr>
+        </p:nvSpPr>
+        <p:spPr>
+          <a:xfrm>
+            <a:off x="0" y="2019476"/>
+            <a:ext cx="12192000" cy="4105941"/>
+          </a:xfrm>
+          <a:prstGeom prst="rect">
+            <a:avLst/>
+          </a:prstGeom>
+          <a:gradFill flip="none" rotWithShape="1">
+            <a:gsLst>
+              <a:gs pos="0">
+                <a:schemeClr val="bg2">
+                  <a:alpha val="0"/>
+                </a:schemeClr>
+              </a:gs>
+              <a:gs pos="100000">
+                <a:schemeClr val="bg2"/>
+              </a:gs>
+            </a:gsLst>
+            <a:lin ang="5400000" scaled="0"/>
+            <a:tileRect/>
+          </a:gradFill>
+          <a:ln>
+            <a:noFill/>
+          </a:ln>
+        </p:spPr>
+        <p:style>
+          <a:lnRef idx="2">
+            <a:schemeClr val="accent1">
+              <a:shade val="50000"/>
+            </a:schemeClr>
+          </a:lnRef>
+          <a:fillRef idx="1">
+            <a:schemeClr val="accent1"/>
+          </a:fillRef>
+          <a:effectRef idx="0">
+            <a:schemeClr val="accent1"/>
+          </a:effectRef>
+          <a:fontRef idx="minor">
+            <a:schemeClr val="lt1"/>
+          </a:fontRef>
+        </p:style>
+        <p:txBody>
+          <a:bodyPr rtlCol="0" anchor="ctr"/>
+          <a:lstStyle/>
+          <a:p>
+            <a:pPr lvl="0" algn="ctr"/>
+            <a:endParaRPr lang="en-US"/>
+          </a:p>
+        </p:txBody>
+      </p:sp>
       <p:sp>
         <p:nvSpPr>
           <p:cNvPr id="2" name="Title 1">
@@ -4505,9 +11734,16 @@
             <p:ph type="title"/>
           </p:nvPr>
         </p:nvSpPr>
-        <p:spPr/>
+        <p:spPr>
+          <a:xfrm>
+            <a:off x="1451579" y="2303047"/>
+            <a:ext cx="3272093" cy="2674198"/>
+          </a:xfrm>
+        </p:spPr>
         <p:txBody>
-          <a:bodyPr/>
+          <a:bodyPr anchor="t">
+            <a:normAutofit/>
+          </a:bodyPr>
           <a:lstStyle/>
           <a:p>
             <a:r>
@@ -4517,46 +11753,244 @@
           </a:p>
         </p:txBody>
       </p:sp>
-      <p:sp>
-        <p:nvSpPr>
-          <p:cNvPr id="3" name="Content Placeholder 2">
+      <p:cxnSp>
+        <p:nvCxnSpPr>
+          <p:cNvPr id="13" name="Straight Connector 12">
             <a:extLst>
               <a:ext uri="{FF2B5EF4-FFF2-40B4-BE49-F238E27FC236}">
-                <a16:creationId xmlns:a16="http://schemas.microsoft.com/office/drawing/2014/main" id="{33A5D82E-180F-4204-A8D0-5D112684E45D}"/>
+                <a16:creationId xmlns:a16="http://schemas.microsoft.com/office/drawing/2014/main" id="{9EBB0476-5CF0-4F44-8D68-5D42D7AEE43A}"/>
+              </a:ext>
+              <a:ext uri="{C183D7F6-B498-43B3-948B-1728B52AA6E4}">
+                <adec:decorative xmlns:adec="http://schemas.microsoft.com/office/drawing/2017/decorative" val="1"/>
               </a:ext>
             </a:extLst>
           </p:cNvPr>
-          <p:cNvSpPr>
-            <a:spLocks noGrp="1"/>
+          <p:cNvCxnSpPr>
+            <a:cxnSpLocks noGrp="1" noRot="1" noChangeAspect="1" noMove="1" noResize="1" noEditPoints="1" noAdjustHandles="1" noChangeArrowheads="1" noChangeShapeType="1"/>
+          </p:cNvCxnSpPr>
+          <p:nvPr>
+            <p:extLst>
+              <p:ext uri="{386F3935-93C4-4BCD-93E2-E3B085C9AB24}">
+                <p16:designElem xmlns:p16="http://schemas.microsoft.com/office/powerpoint/2015/main" val="1"/>
+              </p:ext>
+            </p:extLst>
+          </p:nvPr>
+        </p:nvCxnSpPr>
+        <p:spPr>
+          <a:xfrm>
+            <a:off x="1451579" y="2146542"/>
+            <a:ext cx="3272094" cy="0"/>
+          </a:xfrm>
+          <a:prstGeom prst="line">
+            <a:avLst/>
+          </a:prstGeom>
+          <a:ln w="31750"/>
+        </p:spPr>
+        <p:style>
+          <a:lnRef idx="3">
+            <a:schemeClr val="accent1"/>
+          </a:lnRef>
+          <a:fillRef idx="0">
+            <a:schemeClr val="accent1"/>
+          </a:fillRef>
+          <a:effectRef idx="2">
+            <a:schemeClr val="accent1"/>
+          </a:effectRef>
+          <a:fontRef idx="minor">
+            <a:schemeClr val="tx1"/>
+          </a:fontRef>
+        </p:style>
+      </p:cxnSp>
+      <p:sp>
+        <p:nvSpPr>
+          <p:cNvPr id="15" name="Title 1">
+            <a:extLst>
+              <a:ext uri="{FF2B5EF4-FFF2-40B4-BE49-F238E27FC236}">
+                <a16:creationId xmlns:a16="http://schemas.microsoft.com/office/drawing/2014/main" id="{A9DA474E-6B91-4200-840F-0257B2358A75}"/>
+              </a:ext>
+              <a:ext uri="{C183D7F6-B498-43B3-948B-1728B52AA6E4}">
+                <adec:decorative xmlns:adec="http://schemas.microsoft.com/office/drawing/2017/decorative" val="1"/>
+              </a:ext>
+            </a:extLst>
+          </p:cNvPr>
+          <p:cNvSpPr txBox="1">
+            <a:spLocks noGrp="1" noRot="1" noChangeAspect="1" noMove="1" noResize="1" noEditPoints="1" noAdjustHandles="1" noChangeArrowheads="1" noChangeShapeType="1" noTextEdit="1"/>
           </p:cNvSpPr>
           <p:nvPr>
-            <p:ph idx="1"/>
+            <p:extLst>
+              <p:ext uri="{386F3935-93C4-4BCD-93E2-E3B085C9AB24}">
+                <p16:designElem xmlns:p16="http://schemas.microsoft.com/office/powerpoint/2015/main" val="1"/>
+              </p:ext>
+            </p:extLst>
           </p:nvPr>
         </p:nvSpPr>
-        <p:spPr/>
+        <p:spPr>
+          <a:xfrm>
+            <a:off x="1451580" y="3122496"/>
+            <a:ext cx="3530157" cy="1049235"/>
+          </a:xfrm>
+          <a:prstGeom prst="rect">
+            <a:avLst/>
+          </a:prstGeom>
+        </p:spPr>
         <p:txBody>
-          <a:bodyPr/>
-          <a:lstStyle/>
-          <a:p>
-            <a:r>
-              <a:rPr lang="en-US" dirty="0"/>
-              <a:t>First, Locate and clean the data</a:t>
-            </a:r>
-          </a:p>
-          <a:p>
-            <a:r>
-              <a:rPr lang="en-US" dirty="0"/>
-              <a:t>Next, we analyze the data and create practical depictions</a:t>
-            </a:r>
-          </a:p>
-          <a:p>
-            <a:r>
-              <a:rPr lang="en-US" dirty="0"/>
-              <a:t>Finally, our conclusions are presented to the client </a:t>
-            </a:r>
+          <a:bodyPr vert="horz" lIns="91440" tIns="45720" rIns="91440" bIns="45720" rtlCol="0" anchor="t">
+            <a:normAutofit/>
+          </a:bodyPr>
+          <a:lstStyle>
+            <a:lvl1pPr algn="l" defTabSz="914400" rtl="0" eaLnBrk="1" latinLnBrk="0" hangingPunct="1">
+              <a:lnSpc>
+                <a:spcPct val="90000"/>
+              </a:lnSpc>
+              <a:spcBef>
+                <a:spcPct val="0"/>
+              </a:spcBef>
+              <a:buNone/>
+              <a:defRPr sz="3200" b="0" i="0" kern="1200" cap="all">
+                <a:solidFill>
+                  <a:schemeClr val="tx1"/>
+                </a:solidFill>
+                <a:effectLst/>
+                <a:latin typeface="+mj-lt"/>
+                <a:ea typeface="+mj-ea"/>
+                <a:cs typeface="+mj-cs"/>
+              </a:defRPr>
+            </a:lvl1pPr>
+          </a:lstStyle>
+          <a:p>
+            <a:endParaRPr lang="en-US" dirty="0"/>
           </a:p>
         </p:txBody>
       </p:sp>
+      <p:pic>
+        <p:nvPicPr>
+          <p:cNvPr id="17" name="Picture 16">
+            <a:extLst>
+              <a:ext uri="{FF2B5EF4-FFF2-40B4-BE49-F238E27FC236}">
+                <a16:creationId xmlns:a16="http://schemas.microsoft.com/office/drawing/2014/main" id="{DF63C9AD-AE6E-4512-8171-91612E84CCFB}"/>
+              </a:ext>
+              <a:ext uri="{C183D7F6-B498-43B3-948B-1728B52AA6E4}">
+                <adec:decorative xmlns:adec="http://schemas.microsoft.com/office/drawing/2017/decorative" val="1"/>
+              </a:ext>
+            </a:extLst>
+          </p:cNvPr>
+          <p:cNvPicPr>
+            <a:picLocks noGrp="1" noRot="1" noChangeAspect="1" noMove="1" noResize="1" noEditPoints="1" noAdjustHandles="1" noChangeArrowheads="1" noChangeShapeType="1" noCrop="1"/>
+          </p:cNvPicPr>
+          <p:nvPr>
+            <p:extLst>
+              <p:ext uri="{386F3935-93C4-4BCD-93E2-E3B085C9AB24}">
+                <p16:designElem xmlns:p16="http://schemas.microsoft.com/office/powerpoint/2015/main" val="1"/>
+              </p:ext>
+            </p:extLst>
+          </p:nvPr>
+        </p:nvPicPr>
+        <p:blipFill rotWithShape="1">
+          <a:blip r:embed="rId2">
+            <a:extLst>
+              <a:ext uri="{28A0092B-C50C-407E-A947-70E740481C1C}">
+                <a14:useLocalDpi xmlns:a14="http://schemas.microsoft.com/office/drawing/2010/main" val="0"/>
+              </a:ext>
+            </a:extLst>
+          </a:blip>
+          <a:srcRect t="1538" b="-1538"/>
+          <a:stretch/>
+        </p:blipFill>
+        <p:spPr bwMode="black">
+          <a:xfrm>
+            <a:off x="0" y="6126480"/>
+            <a:ext cx="12192000" cy="742950"/>
+          </a:xfrm>
+          <a:prstGeom prst="rect">
+            <a:avLst/>
+          </a:prstGeom>
+        </p:spPr>
+      </p:pic>
+      <p:cxnSp>
+        <p:nvCxnSpPr>
+          <p:cNvPr id="19" name="Straight Connector 18">
+            <a:extLst>
+              <a:ext uri="{FF2B5EF4-FFF2-40B4-BE49-F238E27FC236}">
+                <a16:creationId xmlns:a16="http://schemas.microsoft.com/office/drawing/2014/main" id="{FE1A49CE-B63D-457A-A180-1C883E1A63D2}"/>
+              </a:ext>
+              <a:ext uri="{C183D7F6-B498-43B3-948B-1728B52AA6E4}">
+                <adec:decorative xmlns:adec="http://schemas.microsoft.com/office/drawing/2017/decorative" val="1"/>
+              </a:ext>
+            </a:extLst>
+          </p:cNvPr>
+          <p:cNvCxnSpPr>
+            <a:cxnSpLocks noGrp="1" noRot="1" noChangeAspect="1" noMove="1" noResize="1" noEditPoints="1" noAdjustHandles="1" noChangeArrowheads="1" noChangeShapeType="1"/>
+          </p:cNvCxnSpPr>
+          <p:nvPr>
+            <p:extLst>
+              <p:ext uri="{386F3935-93C4-4BCD-93E2-E3B085C9AB24}">
+                <p16:designElem xmlns:p16="http://schemas.microsoft.com/office/powerpoint/2015/main" val="1"/>
+              </p:ext>
+            </p:extLst>
+          </p:nvPr>
+        </p:nvCxnSpPr>
+        <p:spPr>
+          <a:xfrm>
+            <a:off x="0" y="6128413"/>
+            <a:ext cx="12192000" cy="0"/>
+          </a:xfrm>
+          <a:prstGeom prst="line">
+            <a:avLst/>
+          </a:prstGeom>
+          <a:ln w="12700">
+            <a:solidFill>
+              <a:srgbClr val="000001">
+                <a:alpha val="20000"/>
+              </a:srgbClr>
+            </a:solidFill>
+          </a:ln>
+        </p:spPr>
+        <p:style>
+          <a:lnRef idx="1">
+            <a:schemeClr val="accent1"/>
+          </a:lnRef>
+          <a:fillRef idx="0">
+            <a:schemeClr val="accent1"/>
+          </a:fillRef>
+          <a:effectRef idx="0">
+            <a:schemeClr val="accent1"/>
+          </a:effectRef>
+          <a:fontRef idx="minor">
+            <a:schemeClr val="tx1"/>
+          </a:fontRef>
+        </p:style>
+      </p:cxnSp>
+      <p:graphicFrame>
+        <p:nvGraphicFramePr>
+          <p:cNvPr id="5" name="Content Placeholder 2">
+            <a:extLst>
+              <a:ext uri="{FF2B5EF4-FFF2-40B4-BE49-F238E27FC236}">
+                <a16:creationId xmlns:a16="http://schemas.microsoft.com/office/drawing/2014/main" id="{7228394D-5875-4556-9536-644A3AC02705}"/>
+              </a:ext>
+            </a:extLst>
+          </p:cNvPr>
+          <p:cNvGraphicFramePr>
+            <a:graphicFrameLocks noGrp="1"/>
+          </p:cNvGraphicFramePr>
+          <p:nvPr>
+            <p:ph idx="1"/>
+            <p:extLst>
+              <p:ext uri="{D42A27DB-BD31-4B8C-83A1-F6EECF244321}">
+                <p14:modId xmlns:p14="http://schemas.microsoft.com/office/powerpoint/2010/main" val="3608259376"/>
+              </p:ext>
+            </p:extLst>
+          </p:nvPr>
+        </p:nvGraphicFramePr>
+        <p:xfrm>
+          <a:off x="5141913" y="803275"/>
+          <a:ext cx="5913437" cy="4637088"/>
+        </p:xfrm>
+        <a:graphic>
+          <a:graphicData uri="http://schemas.openxmlformats.org/drawingml/2006/diagram">
+            <dgm:relIds xmlns:dgm="http://schemas.openxmlformats.org/drawingml/2006/diagram" xmlns:r="http://schemas.openxmlformats.org/officeDocument/2006/relationships" r:dm="rId3" r:lo="rId4" r:qs="rId5" r:cs="rId6"/>
+          </a:graphicData>
+        </a:graphic>
+      </p:graphicFrame>
     </p:spTree>
     <p:extLst>
       <p:ext uri="{BB962C8B-B14F-4D97-AF65-F5344CB8AC3E}">
@@ -4573,40 +12007,6 @@
 <file path=ppt/slides/slide5.xml><?xml version="1.0" encoding="utf-8"?>
 <p:sld xmlns:a="http://schemas.openxmlformats.org/drawingml/2006/main" xmlns:r="http://schemas.openxmlformats.org/officeDocument/2006/relationships" xmlns:p="http://schemas.openxmlformats.org/presentationml/2006/main">
   <p:cSld>
-    <p:bg>
-      <p:bgPr>
-        <a:gradFill>
-          <a:gsLst>
-            <a:gs pos="0">
-              <a:schemeClr val="accent1">
-                <a:lumMod val="5000"/>
-                <a:lumOff val="95000"/>
-              </a:schemeClr>
-            </a:gs>
-            <a:gs pos="12000">
-              <a:schemeClr val="accent6">
-                <a:lumMod val="40000"/>
-                <a:lumOff val="60000"/>
-              </a:schemeClr>
-            </a:gs>
-            <a:gs pos="25000">
-              <a:schemeClr val="accent6">
-                <a:lumMod val="60000"/>
-                <a:lumOff val="40000"/>
-              </a:schemeClr>
-            </a:gs>
-            <a:gs pos="100000">
-              <a:schemeClr val="accent6">
-                <a:lumMod val="20000"/>
-                <a:lumOff val="80000"/>
-              </a:schemeClr>
-            </a:gs>
-          </a:gsLst>
-          <a:lin ang="5400000" scaled="1"/>
-        </a:gradFill>
-        <a:effectLst/>
-      </p:bgPr>
-    </p:bg>
     <p:spTree>
       <p:nvGrpSpPr>
         <p:cNvPr id="1" name=""/>
@@ -5993,30 +13393,6 @@
 <file path=ppt/slides/slide9.xml><?xml version="1.0" encoding="utf-8"?>
 <p:sld xmlns:a="http://schemas.openxmlformats.org/drawingml/2006/main" xmlns:r="http://schemas.openxmlformats.org/officeDocument/2006/relationships" xmlns:p="http://schemas.openxmlformats.org/presentationml/2006/main">
   <p:cSld>
-    <p:bg>
-      <p:bgPr>
-        <a:gradFill rotWithShape="1">
-          <a:gsLst>
-            <a:gs pos="0">
-              <a:schemeClr val="bg2">
-                <a:tint val="94000"/>
-                <a:satMod val="80000"/>
-                <a:lumMod val="106000"/>
-              </a:schemeClr>
-            </a:gs>
-            <a:gs pos="100000">
-              <a:schemeClr val="bg2">
-                <a:shade val="80000"/>
-              </a:schemeClr>
-            </a:gs>
-          </a:gsLst>
-          <a:path path="circle">
-            <a:fillToRect l="43000" r="43000" b="100000"/>
-          </a:path>
-        </a:gradFill>
-        <a:effectLst/>
-      </p:bgPr>
-    </p:bg>
     <p:spTree>
       <p:nvGrpSpPr>
         <p:cNvPr id="1" name=""/>
@@ -6031,114 +13407,6 @@
           <a:chExt cx="0" cy="0"/>
         </a:xfrm>
       </p:grpSpPr>
-      <p:sp useBgFill="1">
-        <p:nvSpPr>
-          <p:cNvPr id="23" name="Rectangle 22">
-            <a:extLst>
-              <a:ext uri="{FF2B5EF4-FFF2-40B4-BE49-F238E27FC236}">
-                <a16:creationId xmlns:a16="http://schemas.microsoft.com/office/drawing/2014/main" id="{742C14A9-3617-46DD-9FC4-ED828A7D3E6F}"/>
-              </a:ext>
-              <a:ext uri="{C183D7F6-B498-43B3-948B-1728B52AA6E4}">
-                <adec:decorative xmlns:adec="http://schemas.microsoft.com/office/drawing/2017/decorative" val="1"/>
-              </a:ext>
-            </a:extLst>
-          </p:cNvPr>
-          <p:cNvSpPr>
-            <a:spLocks noGrp="1" noRot="1" noChangeAspect="1" noMove="1" noResize="1" noEditPoints="1" noAdjustHandles="1" noChangeArrowheads="1" noChangeShapeType="1" noTextEdit="1"/>
-          </p:cNvSpPr>
-          <p:nvPr>
-            <p:extLst>
-              <p:ext uri="{386F3935-93C4-4BCD-93E2-E3B085C9AB24}">
-                <p16:designElem xmlns:p16="http://schemas.microsoft.com/office/powerpoint/2015/main" val="1"/>
-              </p:ext>
-            </p:extLst>
-          </p:nvPr>
-        </p:nvSpPr>
-        <p:spPr>
-          <a:xfrm>
-            <a:off x="2" y="0"/>
-            <a:ext cx="12191695" cy="6858000"/>
-          </a:xfrm>
-          <a:prstGeom prst="rect">
-            <a:avLst/>
-          </a:prstGeom>
-          <a:ln>
-            <a:noFill/>
-          </a:ln>
-        </p:spPr>
-        <p:style>
-          <a:lnRef idx="2">
-            <a:schemeClr val="accent1">
-              <a:shade val="50000"/>
-            </a:schemeClr>
-          </a:lnRef>
-          <a:fillRef idx="1">
-            <a:schemeClr val="accent1"/>
-          </a:fillRef>
-          <a:effectRef idx="0">
-            <a:schemeClr val="accent1"/>
-          </a:effectRef>
-          <a:fontRef idx="minor">
-            <a:schemeClr val="lt1"/>
-          </a:fontRef>
-        </p:style>
-        <p:txBody>
-          <a:bodyPr rtlCol="0" anchor="ctr"/>
-          <a:lstStyle/>
-          <a:p>
-            <a:pPr algn="ctr"/>
-            <a:endParaRPr lang="en-US"/>
-          </a:p>
-        </p:txBody>
-      </p:sp>
-      <p:cxnSp>
-        <p:nvCxnSpPr>
-          <p:cNvPr id="25" name="Straight Connector 24">
-            <a:extLst>
-              <a:ext uri="{FF2B5EF4-FFF2-40B4-BE49-F238E27FC236}">
-                <a16:creationId xmlns:a16="http://schemas.microsoft.com/office/drawing/2014/main" id="{19AB0109-1C89-41F0-9EDF-3DE017BE3F27}"/>
-              </a:ext>
-              <a:ext uri="{C183D7F6-B498-43B3-948B-1728B52AA6E4}">
-                <adec:decorative xmlns:adec="http://schemas.microsoft.com/office/drawing/2017/decorative" val="1"/>
-              </a:ext>
-            </a:extLst>
-          </p:cNvPr>
-          <p:cNvCxnSpPr>
-            <a:cxnSpLocks noGrp="1" noRot="1" noChangeAspect="1" noMove="1" noResize="1" noEditPoints="1" noAdjustHandles="1" noChangeArrowheads="1" noChangeShapeType="1"/>
-          </p:cNvCxnSpPr>
-          <p:nvPr>
-            <p:extLst>
-              <p:ext uri="{386F3935-93C4-4BCD-93E2-E3B085C9AB24}">
-                <p16:designElem xmlns:p16="http://schemas.microsoft.com/office/powerpoint/2015/main" val="1"/>
-              </p:ext>
-            </p:extLst>
-          </p:nvPr>
-        </p:nvCxnSpPr>
-        <p:spPr>
-          <a:xfrm>
-            <a:off x="1453897" y="1847088"/>
-            <a:ext cx="5548039" cy="0"/>
-          </a:xfrm>
-          <a:prstGeom prst="line">
-            <a:avLst/>
-          </a:prstGeom>
-          <a:ln w="31750"/>
-        </p:spPr>
-        <p:style>
-          <a:lnRef idx="3">
-            <a:schemeClr val="accent1"/>
-          </a:lnRef>
-          <a:fillRef idx="0">
-            <a:schemeClr val="accent1"/>
-          </a:fillRef>
-          <a:effectRef idx="2">
-            <a:schemeClr val="accent1"/>
-          </a:effectRef>
-          <a:fontRef idx="minor">
-            <a:schemeClr val="tx1"/>
-          </a:fontRef>
-        </p:style>
-      </p:cxnSp>
       <p:sp>
         <p:nvSpPr>
           <p:cNvPr id="2" name="Title 1">
@@ -6157,7 +13425,7 @@
         </p:nvSpPr>
         <p:spPr>
           <a:xfrm>
-            <a:off x="1451579" y="804519"/>
+            <a:off x="1451579" y="867037"/>
             <a:ext cx="5550357" cy="1049235"/>
           </a:xfrm>
         </p:spPr>
@@ -6167,81 +13435,11 @@
           </a:bodyPr>
           <a:lstStyle/>
           <a:p>
-            <a:endParaRPr lang="en-US"/>
-          </a:p>
-        </p:txBody>
-      </p:sp>
-      <p:sp>
-        <p:nvSpPr>
-          <p:cNvPr id="27" name="Rectangle 26">
-            <a:extLst>
-              <a:ext uri="{FF2B5EF4-FFF2-40B4-BE49-F238E27FC236}">
-                <a16:creationId xmlns:a16="http://schemas.microsoft.com/office/drawing/2014/main" id="{19E5CB6C-D5A1-44AB-BAD0-E76C67ED2802}"/>
-              </a:ext>
-              <a:ext uri="{C183D7F6-B498-43B3-948B-1728B52AA6E4}">
-                <adec:decorative xmlns:adec="http://schemas.microsoft.com/office/drawing/2017/decorative" val="1"/>
-              </a:ext>
-            </a:extLst>
-          </p:cNvPr>
-          <p:cNvSpPr>
-            <a:spLocks noGrp="1" noRot="1" noChangeAspect="1" noMove="1" noResize="1" noEditPoints="1" noAdjustHandles="1" noChangeArrowheads="1" noChangeShapeType="1" noTextEdit="1"/>
-          </p:cNvSpPr>
-          <p:nvPr>
-            <p:extLst>
-              <p:ext uri="{386F3935-93C4-4BCD-93E2-E3B085C9AB24}">
-                <p16:designElem xmlns:p16="http://schemas.microsoft.com/office/powerpoint/2015/main" val="1"/>
-              </p:ext>
-            </p:extLst>
-          </p:nvPr>
-        </p:nvSpPr>
-        <p:spPr>
-          <a:xfrm>
-            <a:off x="0" y="2019476"/>
-            <a:ext cx="12192000" cy="4105941"/>
-          </a:xfrm>
-          <a:prstGeom prst="rect">
-            <a:avLst/>
-          </a:prstGeom>
-          <a:gradFill flip="none" rotWithShape="1">
-            <a:gsLst>
-              <a:gs pos="0">
-                <a:schemeClr val="bg2">
-                  <a:alpha val="0"/>
-                </a:schemeClr>
-              </a:gs>
-              <a:gs pos="100000">
-                <a:schemeClr val="bg2"/>
-              </a:gs>
-            </a:gsLst>
-            <a:lin ang="5400000" scaled="0"/>
-            <a:tileRect/>
-          </a:gradFill>
-          <a:ln>
-            <a:noFill/>
-          </a:ln>
-        </p:spPr>
-        <p:style>
-          <a:lnRef idx="2">
-            <a:schemeClr val="accent1">
-              <a:shade val="50000"/>
-            </a:schemeClr>
-          </a:lnRef>
-          <a:fillRef idx="1">
-            <a:schemeClr val="accent1"/>
-          </a:fillRef>
-          <a:effectRef idx="0">
-            <a:schemeClr val="accent1"/>
-          </a:effectRef>
-          <a:fontRef idx="minor">
-            <a:schemeClr val="lt1"/>
-          </a:fontRef>
-        </p:style>
-        <p:txBody>
-          <a:bodyPr rtlCol="0" anchor="ctr"/>
-          <a:lstStyle/>
-          <a:p>
-            <a:pPr lvl="0" algn="ctr"/>
-            <a:endParaRPr lang="en-US"/>
+            <a:pPr algn="ctr"/>
+            <a:r>
+              <a:rPr lang="en-US" dirty="0"/>
+              <a:t>Bar graphs</a:t>
+            </a:r>
           </a:p>
         </p:txBody>
       </p:sp>
@@ -6273,7 +13471,58 @@
           </a:bodyPr>
           <a:lstStyle/>
           <a:p>
-            <a:endParaRPr lang="en-US"/>
+            <a:r>
+              <a:rPr lang="en-US" sz="1800" dirty="0"/>
+              <a:t>Bedroom count: </a:t>
+            </a:r>
+          </a:p>
+          <a:p>
+            <a:pPr marL="0" indent="0">
+              <a:lnSpc>
+                <a:spcPct val="100000"/>
+              </a:lnSpc>
+              <a:buNone/>
+            </a:pPr>
+            <a:r>
+              <a:rPr lang="en-US" sz="1800" dirty="0"/>
+              <a:t>   3-bedroom houses are the most purchased </a:t>
+            </a:r>
+          </a:p>
+          <a:p>
+            <a:pPr marL="0" indent="0">
+              <a:lnSpc>
+                <a:spcPct val="100000"/>
+              </a:lnSpc>
+              <a:buNone/>
+            </a:pPr>
+            <a:r>
+              <a:rPr lang="en-US" sz="1800" dirty="0"/>
+              <a:t>   followed by 4-bedroom </a:t>
+            </a:r>
+          </a:p>
+          <a:p>
+            <a:endParaRPr lang="en-US" sz="1800" dirty="0"/>
+          </a:p>
+          <a:p>
+            <a:r>
+              <a:rPr lang="en-US" sz="1800" dirty="0"/>
+              <a:t>Purchases per zip code </a:t>
+            </a:r>
+          </a:p>
+          <a:p>
+            <a:pPr marL="0" indent="0">
+              <a:buNone/>
+            </a:pPr>
+            <a:r>
+              <a:rPr lang="en-US" sz="1800" dirty="0"/>
+              <a:t>     The most important number of purchases were made In the zip code 95823</a:t>
+            </a:r>
+          </a:p>
+          <a:p>
+            <a:pPr marL="0" indent="0">
+              <a:buNone/>
+            </a:pPr>
+            <a:endParaRPr lang="en-US" sz="1800" dirty="0"/>
           </a:p>
         </p:txBody>
       </p:sp>
@@ -6329,7 +13578,7 @@
         </p:blipFill>
         <p:spPr>
           <a:xfrm>
-            <a:off x="7473594" y="3406479"/>
+            <a:off x="7473594" y="3303049"/>
             <a:ext cx="4074836" cy="1955920"/>
           </a:xfrm>
           <a:prstGeom prst="rect">
@@ -6337,104 +13586,6 @@
           </a:prstGeom>
         </p:spPr>
       </p:pic>
-      <p:pic>
-        <p:nvPicPr>
-          <p:cNvPr id="29" name="Picture 28">
-            <a:extLst>
-              <a:ext uri="{FF2B5EF4-FFF2-40B4-BE49-F238E27FC236}">
-                <a16:creationId xmlns:a16="http://schemas.microsoft.com/office/drawing/2014/main" id="{D5A16967-5C32-4A48-9F02-4F0228AC8DBA}"/>
-              </a:ext>
-              <a:ext uri="{C183D7F6-B498-43B3-948B-1728B52AA6E4}">
-                <adec:decorative xmlns:adec="http://schemas.microsoft.com/office/drawing/2017/decorative" val="1"/>
-              </a:ext>
-            </a:extLst>
-          </p:cNvPr>
-          <p:cNvPicPr>
-            <a:picLocks noGrp="1" noRot="1" noChangeAspect="1" noMove="1" noResize="1" noEditPoints="1" noAdjustHandles="1" noChangeArrowheads="1" noChangeShapeType="1" noCrop="1"/>
-          </p:cNvPicPr>
-          <p:nvPr>
-            <p:extLst>
-              <p:ext uri="{386F3935-93C4-4BCD-93E2-E3B085C9AB24}">
-                <p16:designElem xmlns:p16="http://schemas.microsoft.com/office/powerpoint/2015/main" val="1"/>
-              </p:ext>
-            </p:extLst>
-          </p:nvPr>
-        </p:nvPicPr>
-        <p:blipFill rotWithShape="1">
-          <a:blip r:embed="rId4">
-            <a:extLst>
-              <a:ext uri="{28A0092B-C50C-407E-A947-70E740481C1C}">
-                <a14:useLocalDpi xmlns:a14="http://schemas.microsoft.com/office/drawing/2010/main" val="0"/>
-              </a:ext>
-            </a:extLst>
-          </a:blip>
-          <a:srcRect t="1538" b="-1538"/>
-          <a:stretch/>
-        </p:blipFill>
-        <p:spPr bwMode="black">
-          <a:xfrm>
-            <a:off x="0" y="6126480"/>
-            <a:ext cx="12192000" cy="742950"/>
-          </a:xfrm>
-          <a:prstGeom prst="rect">
-            <a:avLst/>
-          </a:prstGeom>
-        </p:spPr>
-      </p:pic>
-      <p:cxnSp>
-        <p:nvCxnSpPr>
-          <p:cNvPr id="31" name="Straight Connector 30">
-            <a:extLst>
-              <a:ext uri="{FF2B5EF4-FFF2-40B4-BE49-F238E27FC236}">
-                <a16:creationId xmlns:a16="http://schemas.microsoft.com/office/drawing/2014/main" id="{942D078B-EF20-4DB1-AA1B-87F212C56A9A}"/>
-              </a:ext>
-              <a:ext uri="{C183D7F6-B498-43B3-948B-1728B52AA6E4}">
-                <adec:decorative xmlns:adec="http://schemas.microsoft.com/office/drawing/2017/decorative" val="1"/>
-              </a:ext>
-            </a:extLst>
-          </p:cNvPr>
-          <p:cNvCxnSpPr>
-            <a:cxnSpLocks noGrp="1" noRot="1" noChangeAspect="1" noMove="1" noResize="1" noEditPoints="1" noAdjustHandles="1" noChangeArrowheads="1" noChangeShapeType="1"/>
-          </p:cNvCxnSpPr>
-          <p:nvPr>
-            <p:extLst>
-              <p:ext uri="{386F3935-93C4-4BCD-93E2-E3B085C9AB24}">
-                <p16:designElem xmlns:p16="http://schemas.microsoft.com/office/powerpoint/2015/main" val="1"/>
-              </p:ext>
-            </p:extLst>
-          </p:nvPr>
-        </p:nvCxnSpPr>
-        <p:spPr>
-          <a:xfrm>
-            <a:off x="0" y="6128413"/>
-            <a:ext cx="12192000" cy="0"/>
-          </a:xfrm>
-          <a:prstGeom prst="line">
-            <a:avLst/>
-          </a:prstGeom>
-          <a:ln w="12700">
-            <a:solidFill>
-              <a:srgbClr val="000001">
-                <a:alpha val="20000"/>
-              </a:srgbClr>
-            </a:solidFill>
-          </a:ln>
-        </p:spPr>
-        <p:style>
-          <a:lnRef idx="1">
-            <a:schemeClr val="accent1"/>
-          </a:lnRef>
-          <a:fillRef idx="0">
-            <a:schemeClr val="accent1"/>
-          </a:fillRef>
-          <a:effectRef idx="0">
-            <a:schemeClr val="accent1"/>
-          </a:effectRef>
-          <a:fontRef idx="minor">
-            <a:schemeClr val="tx1"/>
-          </a:fontRef>
-        </p:style>
-      </p:cxnSp>
     </p:spTree>
     <p:extLst>
       <p:ext uri="{BB962C8B-B14F-4D97-AF65-F5344CB8AC3E}">

--- a/Sacramento Real Estate.pptx
+++ b/Sacramento Real Estate.pptx
@@ -17,6 +17,7 @@
     <p:sldId id="269" r:id="rId11"/>
     <p:sldId id="271" r:id="rId12"/>
     <p:sldId id="261" r:id="rId13"/>
+    <p:sldId id="272" r:id="rId14"/>
   </p:sldIdLst>
   <p:sldSz cx="12192000" cy="6858000"/>
   <p:notesSz cx="6858000" cy="9144000"/>
@@ -2539,7 +2540,7 @@
   <dgm:whole/>
   <dgm:extLst>
     <a:ext uri="http://schemas.microsoft.com/office/drawing/2008/diagram">
-      <dsp:dataModelExt xmlns:dsp="http://schemas.microsoft.com/office/drawing/2008/diagram" relId="rId7" minVer="http://schemas.openxmlformats.org/drawingml/2006/diagram"/>
+      <dsp:dataModelExt xmlns:dsp="http://schemas.microsoft.com/office/drawing/2008/diagram" relId="rId6" minVer="http://schemas.openxmlformats.org/drawingml/2006/diagram"/>
     </a:ext>
   </dgm:extLst>
 </dgm:dataModel>
@@ -9607,140 +9608,6 @@
           <a:chExt cx="0" cy="0"/>
         </a:xfrm>
       </p:grpSpPr>
-      <p:sp useBgFill="1">
-        <p:nvSpPr>
-          <p:cNvPr id="8" name="Rectangle 7">
-            <a:extLst>
-              <a:ext uri="{FF2B5EF4-FFF2-40B4-BE49-F238E27FC236}">
-                <a16:creationId xmlns:a16="http://schemas.microsoft.com/office/drawing/2014/main" id="{F8454B2E-D2DB-42C2-A224-BCEC47B86468}"/>
-              </a:ext>
-              <a:ext uri="{C183D7F6-B498-43B3-948B-1728B52AA6E4}">
-                <adec:decorative xmlns:adec="http://schemas.microsoft.com/office/drawing/2017/decorative" val="1"/>
-              </a:ext>
-            </a:extLst>
-          </p:cNvPr>
-          <p:cNvSpPr>
-            <a:spLocks noGrp="1" noRot="1" noChangeAspect="1" noMove="1" noResize="1" noEditPoints="1" noAdjustHandles="1" noChangeArrowheads="1" noChangeShapeType="1" noTextEdit="1"/>
-          </p:cNvSpPr>
-          <p:nvPr>
-            <p:extLst>
-              <p:ext uri="{386F3935-93C4-4BCD-93E2-E3B085C9AB24}">
-                <p16:designElem xmlns:p16="http://schemas.microsoft.com/office/powerpoint/2015/main" val="1"/>
-              </p:ext>
-            </p:extLst>
-          </p:nvPr>
-        </p:nvSpPr>
-        <p:spPr>
-          <a:xfrm>
-            <a:off x="2" y="0"/>
-            <a:ext cx="12191695" cy="6858000"/>
-          </a:xfrm>
-          <a:prstGeom prst="rect">
-            <a:avLst/>
-          </a:prstGeom>
-          <a:ln>
-            <a:noFill/>
-          </a:ln>
-        </p:spPr>
-        <p:style>
-          <a:lnRef idx="2">
-            <a:schemeClr val="accent1">
-              <a:shade val="50000"/>
-            </a:schemeClr>
-          </a:lnRef>
-          <a:fillRef idx="1">
-            <a:schemeClr val="accent1"/>
-          </a:fillRef>
-          <a:effectRef idx="0">
-            <a:schemeClr val="accent1"/>
-          </a:effectRef>
-          <a:fontRef idx="minor">
-            <a:schemeClr val="lt1"/>
-          </a:fontRef>
-        </p:style>
-        <p:txBody>
-          <a:bodyPr rtlCol="0" anchor="ctr"/>
-          <a:lstStyle/>
-          <a:p>
-            <a:pPr algn="ctr"/>
-            <a:endParaRPr lang="en-US"/>
-          </a:p>
-        </p:txBody>
-      </p:sp>
-      <p:sp>
-        <p:nvSpPr>
-          <p:cNvPr id="10" name="Rectangle 9">
-            <a:extLst>
-              <a:ext uri="{FF2B5EF4-FFF2-40B4-BE49-F238E27FC236}">
-                <a16:creationId xmlns:a16="http://schemas.microsoft.com/office/drawing/2014/main" id="{08B61146-1CF0-40E1-B66E-C22BD9207E37}"/>
-              </a:ext>
-              <a:ext uri="{C183D7F6-B498-43B3-948B-1728B52AA6E4}">
-                <adec:decorative xmlns:adec="http://schemas.microsoft.com/office/drawing/2017/decorative" val="1"/>
-              </a:ext>
-            </a:extLst>
-          </p:cNvPr>
-          <p:cNvSpPr>
-            <a:spLocks noGrp="1" noRot="1" noChangeAspect="1" noMove="1" noResize="1" noEditPoints="1" noAdjustHandles="1" noChangeArrowheads="1" noChangeShapeType="1" noTextEdit="1"/>
-          </p:cNvSpPr>
-          <p:nvPr>
-            <p:extLst>
-              <p:ext uri="{386F3935-93C4-4BCD-93E2-E3B085C9AB24}">
-                <p16:designElem xmlns:p16="http://schemas.microsoft.com/office/powerpoint/2015/main" val="1"/>
-              </p:ext>
-            </p:extLst>
-          </p:nvPr>
-        </p:nvSpPr>
-        <p:spPr>
-          <a:xfrm>
-            <a:off x="0" y="2019476"/>
-            <a:ext cx="12192000" cy="4105941"/>
-          </a:xfrm>
-          <a:prstGeom prst="rect">
-            <a:avLst/>
-          </a:prstGeom>
-          <a:gradFill flip="none" rotWithShape="1">
-            <a:gsLst>
-              <a:gs pos="0">
-                <a:schemeClr val="bg2">
-                  <a:alpha val="0"/>
-                </a:schemeClr>
-              </a:gs>
-              <a:gs pos="100000">
-                <a:schemeClr val="bg2"/>
-              </a:gs>
-            </a:gsLst>
-            <a:lin ang="5400000" scaled="0"/>
-            <a:tileRect/>
-          </a:gradFill>
-          <a:ln>
-            <a:noFill/>
-          </a:ln>
-        </p:spPr>
-        <p:style>
-          <a:lnRef idx="2">
-            <a:schemeClr val="accent1">
-              <a:shade val="50000"/>
-            </a:schemeClr>
-          </a:lnRef>
-          <a:fillRef idx="1">
-            <a:schemeClr val="accent1"/>
-          </a:fillRef>
-          <a:effectRef idx="0">
-            <a:schemeClr val="accent1"/>
-          </a:effectRef>
-          <a:fontRef idx="minor">
-            <a:schemeClr val="lt1"/>
-          </a:fontRef>
-        </p:style>
-        <p:txBody>
-          <a:bodyPr rtlCol="0" anchor="ctr"/>
-          <a:lstStyle/>
-          <a:p>
-            <a:pPr lvl="0" algn="ctr"/>
-            <a:endParaRPr lang="en-US"/>
-          </a:p>
-        </p:txBody>
-      </p:sp>
       <p:sp>
         <p:nvSpPr>
           <p:cNvPr id="2" name="Title 1">
@@ -9841,98 +9708,6 @@
           </a:p>
         </p:txBody>
       </p:sp>
-      <p:cxnSp>
-        <p:nvCxnSpPr>
-          <p:cNvPr id="12" name="Straight Connector 11">
-            <a:extLst>
-              <a:ext uri="{FF2B5EF4-FFF2-40B4-BE49-F238E27FC236}">
-                <a16:creationId xmlns:a16="http://schemas.microsoft.com/office/drawing/2014/main" id="{7AE5065C-30A9-480A-9E93-74CC1490293D}"/>
-              </a:ext>
-              <a:ext uri="{C183D7F6-B498-43B3-948B-1728B52AA6E4}">
-                <adec:decorative xmlns:adec="http://schemas.microsoft.com/office/drawing/2017/decorative" val="1"/>
-              </a:ext>
-            </a:extLst>
-          </p:cNvPr>
-          <p:cNvCxnSpPr>
-            <a:cxnSpLocks noGrp="1" noRot="1" noChangeAspect="1" noMove="1" noResize="1" noEditPoints="1" noAdjustHandles="1" noChangeArrowheads="1" noChangeShapeType="1"/>
-          </p:cNvCxnSpPr>
-          <p:nvPr>
-            <p:extLst>
-              <p:ext uri="{386F3935-93C4-4BCD-93E2-E3B085C9AB24}">
-                <p16:designElem xmlns:p16="http://schemas.microsoft.com/office/powerpoint/2015/main" val="1"/>
-              </p:ext>
-            </p:extLst>
-          </p:nvPr>
-        </p:nvCxnSpPr>
-        <p:spPr>
-          <a:xfrm>
-            <a:off x="1776728" y="4735528"/>
-            <a:ext cx="8643010" cy="0"/>
-          </a:xfrm>
-          <a:prstGeom prst="line">
-            <a:avLst/>
-          </a:prstGeom>
-          <a:ln w="31750"/>
-        </p:spPr>
-        <p:style>
-          <a:lnRef idx="3">
-            <a:schemeClr val="accent1"/>
-          </a:lnRef>
-          <a:fillRef idx="0">
-            <a:schemeClr val="accent1"/>
-          </a:fillRef>
-          <a:effectRef idx="2">
-            <a:schemeClr val="accent1"/>
-          </a:effectRef>
-          <a:fontRef idx="minor">
-            <a:schemeClr val="tx1"/>
-          </a:fontRef>
-        </p:style>
-      </p:cxnSp>
-      <p:pic>
-        <p:nvPicPr>
-          <p:cNvPr id="14" name="Picture 13">
-            <a:extLst>
-              <a:ext uri="{FF2B5EF4-FFF2-40B4-BE49-F238E27FC236}">
-                <a16:creationId xmlns:a16="http://schemas.microsoft.com/office/drawing/2014/main" id="{2F948680-1810-4961-805C-D0C28E7E93EE}"/>
-              </a:ext>
-              <a:ext uri="{C183D7F6-B498-43B3-948B-1728B52AA6E4}">
-                <adec:decorative xmlns:adec="http://schemas.microsoft.com/office/drawing/2017/decorative" val="1"/>
-              </a:ext>
-            </a:extLst>
-          </p:cNvPr>
-          <p:cNvPicPr>
-            <a:picLocks noGrp="1" noRot="1" noChangeAspect="1" noMove="1" noResize="1" noEditPoints="1" noAdjustHandles="1" noChangeArrowheads="1" noChangeShapeType="1" noCrop="1"/>
-          </p:cNvPicPr>
-          <p:nvPr>
-            <p:extLst>
-              <p:ext uri="{386F3935-93C4-4BCD-93E2-E3B085C9AB24}">
-                <p16:designElem xmlns:p16="http://schemas.microsoft.com/office/powerpoint/2015/main" val="1"/>
-              </p:ext>
-            </p:extLst>
-          </p:nvPr>
-        </p:nvPicPr>
-        <p:blipFill rotWithShape="1">
-          <a:blip r:embed="rId2">
-            <a:extLst>
-              <a:ext uri="{28A0092B-C50C-407E-A947-70E740481C1C}">
-                <a14:useLocalDpi xmlns:a14="http://schemas.microsoft.com/office/drawing/2010/main" val="0"/>
-              </a:ext>
-            </a:extLst>
-          </a:blip>
-          <a:srcRect t="1538" b="-1538"/>
-          <a:stretch/>
-        </p:blipFill>
-        <p:spPr bwMode="black">
-          <a:xfrm>
-            <a:off x="0" y="6126480"/>
-            <a:ext cx="12192000" cy="742950"/>
-          </a:xfrm>
-          <a:prstGeom prst="rect">
-            <a:avLst/>
-          </a:prstGeom>
-        </p:spPr>
-      </p:pic>
     </p:spTree>
     <p:extLst>
       <p:ext uri="{BB962C8B-B14F-4D97-AF65-F5344CB8AC3E}">
@@ -9994,10 +9769,10 @@
               <a:rPr lang="en-US" dirty="0"/>
             </a:br>
             <a:r>
-              <a:rPr lang="en-US" sz="1600" cap="none" dirty="0"/>
+              <a:rPr lang="en-US" sz="2000" cap="none" dirty="0"/>
               <a:t>This heatmap shows where in Sacramento are most of the purchases were being made</a:t>
             </a:r>
-            <a:endParaRPr lang="en-US" sz="1600" dirty="0"/>
+            <a:endParaRPr lang="en-US" sz="2000" dirty="0"/>
           </a:p>
         </p:txBody>
       </p:sp>
@@ -10105,7 +9880,7 @@
         <p:spPr/>
         <p:txBody>
           <a:bodyPr>
-            <a:normAutofit/>
+            <a:normAutofit fontScale="90000"/>
           </a:bodyPr>
           <a:lstStyle/>
           <a:p>
@@ -10117,11 +9892,11 @@
               <a:rPr lang="en-US" dirty="0"/>
             </a:br>
             <a:r>
-              <a:rPr lang="en-US" sz="1600" cap="none" dirty="0"/>
+              <a:rPr lang="en-US" sz="2200" cap="none" dirty="0"/>
               <a:t>This heatmap shows</a:t>
             </a:r>
             <a:r>
-              <a:rPr lang="en-US" sz="1600" cap="none" dirty="0">
+              <a:rPr lang="en-US" sz="2200" cap="none" dirty="0">
                 <a:effectLst/>
                 <a:latin typeface="Calibri" panose="020F0502020204030204" pitchFamily="34" charset="0"/>
                 <a:ea typeface="Calibri" panose="020F0502020204030204" pitchFamily="34" charset="0"/>
@@ -10184,151 +9959,6 @@
 <file path=ppt/slides/slide12.xml><?xml version="1.0" encoding="utf-8"?>
 <p:sld xmlns:a="http://schemas.openxmlformats.org/drawingml/2006/main" xmlns:r="http://schemas.openxmlformats.org/officeDocument/2006/relationships" xmlns:p="http://schemas.openxmlformats.org/presentationml/2006/main">
   <p:cSld>
-    <p:spTree>
-      <p:nvGrpSpPr>
-        <p:cNvPr id="1" name=""/>
-        <p:cNvGrpSpPr/>
-        <p:nvPr/>
-      </p:nvGrpSpPr>
-      <p:grpSpPr>
-        <a:xfrm>
-          <a:off x="0" y="0"/>
-          <a:ext cx="0" cy="0"/>
-          <a:chOff x="0" y="0"/>
-          <a:chExt cx="0" cy="0"/>
-        </a:xfrm>
-      </p:grpSpPr>
-      <p:sp>
-        <p:nvSpPr>
-          <p:cNvPr id="2" name="Title 1">
-            <a:extLst>
-              <a:ext uri="{FF2B5EF4-FFF2-40B4-BE49-F238E27FC236}">
-                <a16:creationId xmlns:a16="http://schemas.microsoft.com/office/drawing/2014/main" id="{D8AD0F45-E863-4D7B-BE6F-A8B08580F507}"/>
-              </a:ext>
-            </a:extLst>
-          </p:cNvPr>
-          <p:cNvSpPr>
-            <a:spLocks noGrp="1"/>
-          </p:cNvSpPr>
-          <p:nvPr>
-            <p:ph type="title"/>
-          </p:nvPr>
-        </p:nvSpPr>
-        <p:spPr/>
-        <p:txBody>
-          <a:bodyPr/>
-          <a:lstStyle/>
-          <a:p>
-            <a:r>
-              <a:rPr lang="en-US" dirty="0"/>
-              <a:t>Conclusion:</a:t>
-            </a:r>
-          </a:p>
-        </p:txBody>
-      </p:sp>
-      <p:sp>
-        <p:nvSpPr>
-          <p:cNvPr id="3" name="Content Placeholder 2">
-            <a:extLst>
-              <a:ext uri="{FF2B5EF4-FFF2-40B4-BE49-F238E27FC236}">
-                <a16:creationId xmlns:a16="http://schemas.microsoft.com/office/drawing/2014/main" id="{D4C441F3-8DFA-4F13-8059-9F89B12C3C92}"/>
-              </a:ext>
-            </a:extLst>
-          </p:cNvPr>
-          <p:cNvSpPr>
-            <a:spLocks noGrp="1"/>
-          </p:cNvSpPr>
-          <p:nvPr>
-            <p:ph idx="1"/>
-          </p:nvPr>
-        </p:nvSpPr>
-        <p:spPr/>
-        <p:txBody>
-          <a:bodyPr/>
-          <a:lstStyle/>
-          <a:p>
-            <a:pPr>
-              <a:lnSpc>
-                <a:spcPct val="100000"/>
-              </a:lnSpc>
-            </a:pPr>
-            <a:r>
-              <a:rPr lang="en-US" dirty="0"/>
-              <a:t>Our client can choose around the average houses which is:</a:t>
-            </a:r>
-          </a:p>
-          <a:p>
-            <a:pPr marL="0" indent="0">
-              <a:lnSpc>
-                <a:spcPct val="100000"/>
-              </a:lnSpc>
-              <a:buNone/>
-            </a:pPr>
-            <a:r>
-              <a:rPr lang="en-US" dirty="0"/>
-              <a:t>    $ 214,000</a:t>
-            </a:r>
-          </a:p>
-          <a:p>
-            <a:pPr marL="0" indent="0">
-              <a:lnSpc>
-                <a:spcPct val="100000"/>
-              </a:lnSpc>
-              <a:buNone/>
-            </a:pPr>
-            <a:r>
-              <a:rPr lang="en-US" dirty="0"/>
-              <a:t>     1500 sq ft </a:t>
-            </a:r>
-          </a:p>
-          <a:p>
-            <a:pPr marL="0" indent="0">
-              <a:lnSpc>
-                <a:spcPct val="100000"/>
-              </a:lnSpc>
-              <a:buNone/>
-            </a:pPr>
-            <a:r>
-              <a:rPr lang="en-US" dirty="0"/>
-              <a:t>      3 bedrooms </a:t>
-            </a:r>
-          </a:p>
-          <a:p>
-            <a:pPr marL="0" indent="0">
-              <a:lnSpc>
-                <a:spcPct val="100000"/>
-              </a:lnSpc>
-              <a:buNone/>
-            </a:pPr>
-            <a:r>
-              <a:rPr lang="en-US" dirty="0"/>
-              <a:t>      the most popular zip code 95823 or the most average zip code 95632</a:t>
-            </a:r>
-          </a:p>
-          <a:p>
-            <a:pPr marL="0" indent="0">
-              <a:buNone/>
-            </a:pPr>
-            <a:endParaRPr lang="en-US" dirty="0"/>
-          </a:p>
-        </p:txBody>
-      </p:sp>
-    </p:spTree>
-    <p:extLst>
-      <p:ext uri="{BB962C8B-B14F-4D97-AF65-F5344CB8AC3E}">
-        <p14:creationId xmlns:p14="http://schemas.microsoft.com/office/powerpoint/2010/main" val="1520504394"/>
-      </p:ext>
-    </p:extLst>
-  </p:cSld>
-  <p:clrMapOvr>
-    <a:masterClrMapping/>
-  </p:clrMapOvr>
-</p:sld>
-</file>
-
-<file path=ppt/slides/slide2.xml><?xml version="1.0" encoding="utf-8"?>
-<p:sld xmlns:a="http://schemas.openxmlformats.org/drawingml/2006/main" xmlns:r="http://schemas.openxmlformats.org/officeDocument/2006/relationships" xmlns:p="http://schemas.openxmlformats.org/presentationml/2006/main">
-  <p:cSld>
     <p:bg>
       <p:bgPr>
         <a:gradFill rotWithShape="1">
@@ -10347,7 +9977,7 @@
             </a:gs>
           </a:gsLst>
           <a:path path="circle">
-            <a:fillToRect l="43000" r="43000" b="100000"/>
+            <a:fillToRect l="50000" t="50000" r="50000" b="50000"/>
           </a:path>
         </a:gradFill>
         <a:effectLst/>
@@ -10367,224 +9997,12 @@
           <a:chExt cx="0" cy="0"/>
         </a:xfrm>
       </p:grpSpPr>
-      <p:sp>
+      <p:sp useBgFill="1">
         <p:nvSpPr>
-          <p:cNvPr id="12" name="Rectangle 11">
+          <p:cNvPr id="8" name="Rectangle 7">
             <a:extLst>
               <a:ext uri="{FF2B5EF4-FFF2-40B4-BE49-F238E27FC236}">
-                <a16:creationId xmlns:a16="http://schemas.microsoft.com/office/drawing/2014/main" id="{EEA869E1-F851-4A52-92F5-77E592B76A5B}"/>
-              </a:ext>
-              <a:ext uri="{C183D7F6-B498-43B3-948B-1728B52AA6E4}">
-                <adec:decorative xmlns:adec="http://schemas.microsoft.com/office/drawing/2017/decorative" val="1"/>
-              </a:ext>
-            </a:extLst>
-          </p:cNvPr>
-          <p:cNvSpPr>
-            <a:spLocks noGrp="1" noRot="1" noChangeAspect="1" noMove="1" noResize="1" noEditPoints="1" noAdjustHandles="1" noChangeArrowheads="1" noChangeShapeType="1" noTextEdit="1"/>
-          </p:cNvSpPr>
-          <p:nvPr>
-            <p:extLst>
-              <p:ext uri="{386F3935-93C4-4BCD-93E2-E3B085C9AB24}">
-                <p16:designElem xmlns:p16="http://schemas.microsoft.com/office/powerpoint/2015/main" val="1"/>
-              </p:ext>
-            </p:extLst>
-          </p:nvPr>
-        </p:nvSpPr>
-        <p:spPr>
-          <a:xfrm>
-            <a:off x="0" y="2019476"/>
-            <a:ext cx="12192000" cy="4105941"/>
-          </a:xfrm>
-          <a:prstGeom prst="rect">
-            <a:avLst/>
-          </a:prstGeom>
-          <a:gradFill flip="none" rotWithShape="1">
-            <a:gsLst>
-              <a:gs pos="0">
-                <a:schemeClr val="bg2">
-                  <a:alpha val="0"/>
-                </a:schemeClr>
-              </a:gs>
-              <a:gs pos="100000">
-                <a:schemeClr val="bg2"/>
-              </a:gs>
-            </a:gsLst>
-            <a:lin ang="5400000" scaled="0"/>
-            <a:tileRect/>
-          </a:gradFill>
-          <a:ln>
-            <a:noFill/>
-          </a:ln>
-        </p:spPr>
-        <p:style>
-          <a:lnRef idx="2">
-            <a:schemeClr val="accent1">
-              <a:shade val="50000"/>
-            </a:schemeClr>
-          </a:lnRef>
-          <a:fillRef idx="1">
-            <a:schemeClr val="accent1"/>
-          </a:fillRef>
-          <a:effectRef idx="0">
-            <a:schemeClr val="accent1"/>
-          </a:effectRef>
-          <a:fontRef idx="minor">
-            <a:schemeClr val="lt1"/>
-          </a:fontRef>
-        </p:style>
-      </p:sp>
-      <p:pic>
-        <p:nvPicPr>
-          <p:cNvPr id="14" name="Picture 13">
-            <a:extLst>
-              <a:ext uri="{FF2B5EF4-FFF2-40B4-BE49-F238E27FC236}">
-                <a16:creationId xmlns:a16="http://schemas.microsoft.com/office/drawing/2014/main" id="{B083AD55-8296-44BD-8E14-DD2DDBC351B0}"/>
-              </a:ext>
-              <a:ext uri="{C183D7F6-B498-43B3-948B-1728B52AA6E4}">
-                <adec:decorative xmlns:adec="http://schemas.microsoft.com/office/drawing/2017/decorative" val="1"/>
-              </a:ext>
-            </a:extLst>
-          </p:cNvPr>
-          <p:cNvPicPr>
-            <a:picLocks noGrp="1" noRot="1" noChangeAspect="1" noMove="1" noResize="1" noEditPoints="1" noAdjustHandles="1" noChangeArrowheads="1" noChangeShapeType="1" noCrop="1"/>
-          </p:cNvPicPr>
-          <p:nvPr>
-            <p:extLst>
-              <p:ext uri="{386F3935-93C4-4BCD-93E2-E3B085C9AB24}">
-                <p16:designElem xmlns:p16="http://schemas.microsoft.com/office/powerpoint/2015/main" val="1"/>
-              </p:ext>
-            </p:extLst>
-          </p:nvPr>
-        </p:nvPicPr>
-        <p:blipFill rotWithShape="1">
-          <a:blip r:embed="rId2">
-            <a:extLst>
-              <a:ext uri="{28A0092B-C50C-407E-A947-70E740481C1C}">
-                <a14:useLocalDpi xmlns:a14="http://schemas.microsoft.com/office/drawing/2010/main" val="0"/>
-              </a:ext>
-            </a:extLst>
-          </a:blip>
-          <a:srcRect t="1538" b="-1538"/>
-          <a:stretch/>
-        </p:blipFill>
-        <p:spPr bwMode="black">
-          <a:xfrm>
-            <a:off x="0" y="6126480"/>
-            <a:ext cx="12192000" cy="742950"/>
-          </a:xfrm>
-          <a:prstGeom prst="rect">
-            <a:avLst/>
-          </a:prstGeom>
-        </p:spPr>
-      </p:pic>
-      <p:cxnSp>
-        <p:nvCxnSpPr>
-          <p:cNvPr id="16" name="Straight Connector 15">
-            <a:extLst>
-              <a:ext uri="{FF2B5EF4-FFF2-40B4-BE49-F238E27FC236}">
-                <a16:creationId xmlns:a16="http://schemas.microsoft.com/office/drawing/2014/main" id="{2BF46B26-15FC-4C5A-94FA-AE9ED64B5C20}"/>
-              </a:ext>
-              <a:ext uri="{C183D7F6-B498-43B3-948B-1728B52AA6E4}">
-                <adec:decorative xmlns:adec="http://schemas.microsoft.com/office/drawing/2017/decorative" val="1"/>
-              </a:ext>
-            </a:extLst>
-          </p:cNvPr>
-          <p:cNvCxnSpPr>
-            <a:cxnSpLocks noGrp="1" noRot="1" noChangeAspect="1" noMove="1" noResize="1" noEditPoints="1" noAdjustHandles="1" noChangeArrowheads="1" noChangeShapeType="1"/>
-          </p:cNvCxnSpPr>
-          <p:nvPr>
-            <p:extLst>
-              <p:ext uri="{386F3935-93C4-4BCD-93E2-E3B085C9AB24}">
-                <p16:designElem xmlns:p16="http://schemas.microsoft.com/office/powerpoint/2015/main" val="1"/>
-              </p:ext>
-            </p:extLst>
-          </p:nvPr>
-        </p:nvCxnSpPr>
-        <p:spPr>
-          <a:xfrm>
-            <a:off x="0" y="6128413"/>
-            <a:ext cx="12192000" cy="0"/>
-          </a:xfrm>
-          <a:prstGeom prst="line">
-            <a:avLst/>
-          </a:prstGeom>
-          <a:ln w="12700">
-            <a:solidFill>
-              <a:srgbClr val="000001">
-                <a:alpha val="20000"/>
-              </a:srgbClr>
-            </a:solidFill>
-          </a:ln>
-        </p:spPr>
-        <p:style>
-          <a:lnRef idx="1">
-            <a:schemeClr val="accent1"/>
-          </a:lnRef>
-          <a:fillRef idx="0">
-            <a:schemeClr val="accent1"/>
-          </a:fillRef>
-          <a:effectRef idx="0">
-            <a:schemeClr val="accent1"/>
-          </a:effectRef>
-          <a:fontRef idx="minor">
-            <a:schemeClr val="tx1"/>
-          </a:fontRef>
-        </p:style>
-      </p:cxnSp>
-      <p:cxnSp>
-        <p:nvCxnSpPr>
-          <p:cNvPr id="18" name="Straight Connector 17">
-            <a:extLst>
-              <a:ext uri="{FF2B5EF4-FFF2-40B4-BE49-F238E27FC236}">
-                <a16:creationId xmlns:a16="http://schemas.microsoft.com/office/drawing/2014/main" id="{912F6065-5345-44BD-B66E-5487CCD7A9B9}"/>
-              </a:ext>
-              <a:ext uri="{C183D7F6-B498-43B3-948B-1728B52AA6E4}">
-                <adec:decorative xmlns:adec="http://schemas.microsoft.com/office/drawing/2017/decorative" val="1"/>
-              </a:ext>
-            </a:extLst>
-          </p:cNvPr>
-          <p:cNvCxnSpPr>
-            <a:cxnSpLocks noGrp="1" noRot="1" noChangeAspect="1" noMove="1" noResize="1" noEditPoints="1" noAdjustHandles="1" noChangeArrowheads="1" noChangeShapeType="1"/>
-          </p:cNvCxnSpPr>
-          <p:nvPr>
-            <p:extLst>
-              <p:ext uri="{386F3935-93C4-4BCD-93E2-E3B085C9AB24}">
-                <p16:designElem xmlns:p16="http://schemas.microsoft.com/office/powerpoint/2015/main" val="1"/>
-              </p:ext>
-            </p:extLst>
-          </p:nvPr>
-        </p:nvCxnSpPr>
-        <p:spPr>
-          <a:xfrm>
-            <a:off x="2417780" y="3528542"/>
-            <a:ext cx="8637072" cy="0"/>
-          </a:xfrm>
-          <a:prstGeom prst="line">
-            <a:avLst/>
-          </a:prstGeom>
-          <a:ln w="31750"/>
-        </p:spPr>
-        <p:style>
-          <a:lnRef idx="3">
-            <a:schemeClr val="accent1"/>
-          </a:lnRef>
-          <a:fillRef idx="0">
-            <a:schemeClr val="accent1"/>
-          </a:fillRef>
-          <a:effectRef idx="2">
-            <a:schemeClr val="accent1"/>
-          </a:effectRef>
-          <a:fontRef idx="minor">
-            <a:schemeClr val="tx1"/>
-          </a:fontRef>
-        </p:style>
-      </p:cxnSp>
-      <p:sp useBgFill="1">
-        <p:nvSpPr>
-          <p:cNvPr id="20" name="Rectangle 19">
-            <a:extLst>
-              <a:ext uri="{FF2B5EF4-FFF2-40B4-BE49-F238E27FC236}">
-                <a16:creationId xmlns:a16="http://schemas.microsoft.com/office/drawing/2014/main" id="{BD89ECFB-8421-4BB8-A23D-8B8D151F8959}"/>
+                <a16:creationId xmlns:a16="http://schemas.microsoft.com/office/drawing/2014/main" id="{08E7A6F0-5CD3-481E-B0F2-E7F99FE675B0}"/>
               </a:ext>
               <a:ext uri="{C183D7F6-B498-43B3-948B-1728B52AA6E4}">
                 <adec:decorative xmlns:adec="http://schemas.microsoft.com/office/drawing/2017/decorative" val="1"/>
@@ -10641,10 +10059,10 @@
       </p:sp>
       <p:sp>
         <p:nvSpPr>
-          <p:cNvPr id="22" name="Rectangle 21">
+          <p:cNvPr id="10" name="Rectangle 9">
             <a:extLst>
               <a:ext uri="{FF2B5EF4-FFF2-40B4-BE49-F238E27FC236}">
-                <a16:creationId xmlns:a16="http://schemas.microsoft.com/office/drawing/2014/main" id="{44911EB7-93CE-44FF-973F-B25ECF5DF58C}"/>
+                <a16:creationId xmlns:a16="http://schemas.microsoft.com/office/drawing/2014/main" id="{511290DF-4975-4FCD-8B8D-BBC86B836668}"/>
               </a:ext>
               <a:ext uri="{C183D7F6-B498-43B3-948B-1728B52AA6E4}">
                 <adec:decorative xmlns:adec="http://schemas.microsoft.com/office/drawing/2017/decorative" val="1"/>
@@ -10718,7 +10136,7 @@
           <p:cNvPr id="2" name="Title 1">
             <a:extLst>
               <a:ext uri="{FF2B5EF4-FFF2-40B4-BE49-F238E27FC236}">
-                <a16:creationId xmlns:a16="http://schemas.microsoft.com/office/drawing/2014/main" id="{15A5CDF6-9385-45A5-ACE3-15CF214F748B}"/>
+                <a16:creationId xmlns:a16="http://schemas.microsoft.com/office/drawing/2014/main" id="{D8AD0F45-E863-4D7B-BE6F-A8B08580F507}"/>
               </a:ext>
             </a:extLst>
           </p:cNvPr>
@@ -10731,77 +10149,29 @@
         </p:nvSpPr>
         <p:spPr>
           <a:xfrm>
-            <a:off x="485695" y="1474969"/>
-            <a:ext cx="3026558" cy="1868760"/>
+            <a:off x="860612" y="1138228"/>
+            <a:ext cx="3793685" cy="3858767"/>
           </a:xfrm>
         </p:spPr>
         <p:txBody>
-          <a:bodyPr vert="horz" lIns="91440" tIns="45720" rIns="91440" bIns="0" rtlCol="0" anchor="b">
+          <a:bodyPr anchor="ctr">
             <a:normAutofit/>
           </a:bodyPr>
           <a:lstStyle/>
           <a:p>
             <a:r>
               <a:rPr lang="en-US" sz="3600"/>
-              <a:t>The Scenario:</a:t>
+              <a:t>Conclusion:</a:t>
             </a:r>
           </a:p>
         </p:txBody>
       </p:sp>
-      <p:cxnSp>
-        <p:nvCxnSpPr>
-          <p:cNvPr id="24" name="Straight Connector 23">
+      <p:grpSp>
+        <p:nvGrpSpPr>
+          <p:cNvPr id="12" name="Group 11">
             <a:extLst>
               <a:ext uri="{FF2B5EF4-FFF2-40B4-BE49-F238E27FC236}">
-                <a16:creationId xmlns:a16="http://schemas.microsoft.com/office/drawing/2014/main" id="{72870A17-34CA-4FF4-8777-CE7D7B986B76}"/>
-              </a:ext>
-              <a:ext uri="{C183D7F6-B498-43B3-948B-1728B52AA6E4}">
-                <adec:decorative xmlns:adec="http://schemas.microsoft.com/office/drawing/2017/decorative" val="1"/>
-              </a:ext>
-            </a:extLst>
-          </p:cNvPr>
-          <p:cNvCxnSpPr>
-            <a:cxnSpLocks noGrp="1" noRot="1" noChangeAspect="1" noMove="1" noResize="1" noEditPoints="1" noAdjustHandles="1" noChangeArrowheads="1" noChangeShapeType="1"/>
-          </p:cNvCxnSpPr>
-          <p:nvPr>
-            <p:extLst>
-              <p:ext uri="{386F3935-93C4-4BCD-93E2-E3B085C9AB24}">
-                <p16:designElem xmlns:p16="http://schemas.microsoft.com/office/powerpoint/2015/main" val="1"/>
-              </p:ext>
-            </p:extLst>
-          </p:nvPr>
-        </p:nvCxnSpPr>
-        <p:spPr>
-          <a:xfrm>
-            <a:off x="484009" y="3526496"/>
-            <a:ext cx="3023617" cy="0"/>
-          </a:xfrm>
-          <a:prstGeom prst="line">
-            <a:avLst/>
-          </a:prstGeom>
-          <a:ln w="31750"/>
-        </p:spPr>
-        <p:style>
-          <a:lnRef idx="3">
-            <a:schemeClr val="accent1"/>
-          </a:lnRef>
-          <a:fillRef idx="0">
-            <a:schemeClr val="accent1"/>
-          </a:fillRef>
-          <a:effectRef idx="2">
-            <a:schemeClr val="accent1"/>
-          </a:effectRef>
-          <a:fontRef idx="minor">
-            <a:schemeClr val="tx1"/>
-          </a:fontRef>
-        </p:style>
-      </p:cxnSp>
-      <p:grpSp>
-        <p:nvGrpSpPr>
-          <p:cNvPr id="26" name="Group 25">
-            <a:extLst>
-              <a:ext uri="{FF2B5EF4-FFF2-40B4-BE49-F238E27FC236}">
-                <a16:creationId xmlns:a16="http://schemas.microsoft.com/office/drawing/2014/main" id="{34B79B4F-74AA-4B58-BBD2-2C3804928DFD}"/>
+                <a16:creationId xmlns:a16="http://schemas.microsoft.com/office/drawing/2014/main" id="{357CA18A-A333-4DCB-842B-76827D2ECB24}"/>
               </a:ext>
               <a:ext uri="{C183D7F6-B498-43B3-948B-1728B52AA6E4}">
                 <adec:decorative xmlns:adec="http://schemas.microsoft.com/office/drawing/2017/decorative" val="1"/>
@@ -10821,18 +10191,18 @@
         </p:nvGrpSpPr>
         <p:grpSpPr>
           <a:xfrm>
-            <a:off x="3990638" y="482171"/>
-            <a:ext cx="7560115" cy="5149101"/>
-            <a:chOff x="7463258" y="583365"/>
-            <a:chExt cx="7560115" cy="5181928"/>
+            <a:off x="5100021" y="638300"/>
+            <a:ext cx="6409605" cy="4858625"/>
+            <a:chOff x="7807230" y="2012810"/>
+            <a:chExt cx="3251252" cy="3459865"/>
           </a:xfrm>
         </p:grpSpPr>
         <p:sp>
           <p:nvSpPr>
-            <p:cNvPr id="27" name="Rectangle 26">
+            <p:cNvPr id="13" name="Rectangle 12">
               <a:extLst>
                 <a:ext uri="{FF2B5EF4-FFF2-40B4-BE49-F238E27FC236}">
-                  <a16:creationId xmlns:a16="http://schemas.microsoft.com/office/drawing/2014/main" id="{FE994EF0-F368-43B3-9BF0-442E33BC3685}"/>
+                  <a16:creationId xmlns:a16="http://schemas.microsoft.com/office/drawing/2014/main" id="{6E785FC3-CE7B-46F8-8C7A-EBBF001EDB17}"/>
                 </a:ext>
                 <a:ext uri="{C183D7F6-B498-43B3-948B-1728B52AA6E4}">
                   <adec:decorative xmlns:adec="http://schemas.microsoft.com/office/drawing/2017/decorative" val="1"/>
@@ -10850,8 +10220,8 @@
           </p:nvSpPr>
           <p:spPr>
             <a:xfrm>
-              <a:off x="7463258" y="583365"/>
-              <a:ext cx="7560115" cy="5181928"/>
+              <a:off x="7807230" y="2012810"/>
+              <a:ext cx="3251252" cy="3459865"/>
             </a:xfrm>
             <a:prstGeom prst="rect">
               <a:avLst/>
@@ -10871,7 +10241,7 @@
               <a:miter lim="800000"/>
             </a:ln>
             <a:effectLst>
-              <a:outerShdw blurRad="127000" dist="228600" dir="4740000" sx="98000" sy="98000" algn="tl" rotWithShape="0">
+              <a:outerShdw blurRad="127000" dist="190500" dir="4740000" sx="98000" sy="98000" algn="tl" rotWithShape="0">
                 <a:srgbClr val="000000">
                   <a:alpha val="34000"/>
                 </a:srgbClr>
@@ -10910,10 +10280,10 @@
         </p:sp>
         <p:sp>
           <p:nvSpPr>
-            <p:cNvPr id="28" name="Rectangle 27">
+            <p:cNvPr id="14" name="Rectangle 13">
               <a:extLst>
                 <a:ext uri="{FF2B5EF4-FFF2-40B4-BE49-F238E27FC236}">
-                  <a16:creationId xmlns:a16="http://schemas.microsoft.com/office/drawing/2014/main" id="{9B478E81-F333-452C-B354-06E13FB0B261}"/>
+                  <a16:creationId xmlns:a16="http://schemas.microsoft.com/office/drawing/2014/main" id="{75069D9A-30C7-4159-880C-DD2BDC51009B}"/>
                 </a:ext>
                 <a:ext uri="{C183D7F6-B498-43B3-948B-1728B52AA6E4}">
                   <adec:decorative xmlns:adec="http://schemas.microsoft.com/office/drawing/2017/decorative" val="1"/>
@@ -10931,8 +10301,8 @@
           </p:nvSpPr>
           <p:spPr>
             <a:xfrm>
-              <a:off x="7776317" y="915807"/>
-              <a:ext cx="6928279" cy="4494927"/>
+              <a:off x="7807231" y="2026142"/>
+              <a:ext cx="3251250" cy="3440203"/>
             </a:xfrm>
             <a:prstGeom prst="rect">
               <a:avLst/>
@@ -10948,7 +10318,7 @@
               </a:gsLst>
               <a:lin ang="16200000" scaled="0"/>
             </a:gradFill>
-            <a:ln w="50800" cmpd="sng">
+            <a:ln w="76200" cmpd="sng">
               <a:solidFill>
                 <a:srgbClr val="191919"/>
               </a:solidFill>
@@ -10966,7 +10336,7 @@
               <a:lightRig rig="threePt" dir="t"/>
             </a:scene3d>
             <a:sp3d>
-              <a:bevelT prst="relaxedInset"/>
+              <a:bevelT w="38100" h="38100" prst="relaxedInset"/>
             </a:sp3d>
           </p:spPr>
           <p:style>
@@ -10995,10 +10365,10 @@
       </p:grpSp>
       <p:sp>
         <p:nvSpPr>
-          <p:cNvPr id="30" name="Rectangle 29">
+          <p:cNvPr id="16" name="Rectangle 15">
             <a:extLst>
               <a:ext uri="{FF2B5EF4-FFF2-40B4-BE49-F238E27FC236}">
-                <a16:creationId xmlns:a16="http://schemas.microsoft.com/office/drawing/2014/main" id="{4E4C1088-922B-4744-BB37-5D47AEA43D4D}"/>
+                <a16:creationId xmlns:a16="http://schemas.microsoft.com/office/drawing/2014/main" id="{D9FE1511-6E1B-4F0E-8FF0-958527181CC9}"/>
               </a:ext>
               <a:ext uri="{C183D7F6-B498-43B3-948B-1728B52AA6E4}">
                 <adec:decorative xmlns:adec="http://schemas.microsoft.com/office/drawing/2017/decorative" val="1"/>
@@ -11018,18 +10388,18 @@
         </p:nvSpPr>
         <p:spPr>
           <a:xfrm>
-            <a:off x="4472130" y="977099"/>
-            <a:ext cx="6597725" cy="4136205"/>
+            <a:off x="5419891" y="973636"/>
+            <a:ext cx="5769864" cy="4187952"/>
           </a:xfrm>
           <a:prstGeom prst="rect">
             <a:avLst/>
           </a:prstGeom>
           <a:solidFill>
-            <a:schemeClr val="bg1"/>
+            <a:srgbClr val="FFFFFF"/>
           </a:solidFill>
           <a:ln w="6350">
             <a:solidFill>
-              <a:schemeClr val="bg2"/>
+              <a:srgbClr val="DFDBD5"/>
             </a:solidFill>
           </a:ln>
         </p:spPr>
@@ -11058,84 +10428,106 @@
           </a:p>
         </p:txBody>
       </p:sp>
-      <p:pic>
-        <p:nvPicPr>
-          <p:cNvPr id="5" name="Picture 4" descr="A person wearing a blue shirt&#10;&#10;Description automatically generated with medium confidence">
+      <p:sp>
+        <p:nvSpPr>
+          <p:cNvPr id="3" name="Content Placeholder 2">
             <a:extLst>
               <a:ext uri="{FF2B5EF4-FFF2-40B4-BE49-F238E27FC236}">
-                <a16:creationId xmlns:a16="http://schemas.microsoft.com/office/drawing/2014/main" id="{734FDB46-CA18-41C6-AF29-29ADFB737158}"/>
+                <a16:creationId xmlns:a16="http://schemas.microsoft.com/office/drawing/2014/main" id="{D4C441F3-8DFA-4F13-8059-9F89B12C3C92}"/>
               </a:ext>
             </a:extLst>
           </p:cNvPr>
-          <p:cNvPicPr>
-            <a:picLocks noChangeAspect="1"/>
-          </p:cNvPicPr>
-          <p:nvPr/>
-        </p:nvPicPr>
-        <p:blipFill>
-          <a:blip r:embed="rId3">
-            <a:extLst>
-              <a:ext uri="{28A0092B-C50C-407E-A947-70E740481C1C}">
-                <a14:useLocalDpi xmlns:a14="http://schemas.microsoft.com/office/drawing/2010/main" val="0"/>
-              </a:ext>
-            </a:extLst>
-          </a:blip>
-          <a:stretch>
-            <a:fillRect/>
-          </a:stretch>
-        </p:blipFill>
+          <p:cNvSpPr>
+            <a:spLocks noGrp="1"/>
+          </p:cNvSpPr>
+          <p:nvPr>
+            <p:ph idx="1"/>
+          </p:nvPr>
+        </p:nvSpPr>
         <p:spPr>
           <a:xfrm>
-            <a:off x="4880244" y="1116345"/>
-            <a:ext cx="2561338" cy="3866172"/>
+            <a:off x="5584483" y="1138228"/>
+            <a:ext cx="5440680" cy="3858768"/>
           </a:xfrm>
-          <a:prstGeom prst="rect">
-            <a:avLst/>
-          </a:prstGeom>
         </p:spPr>
-      </p:pic>
+        <p:txBody>
+          <a:bodyPr anchor="ctr">
+            <a:normAutofit/>
+          </a:bodyPr>
+          <a:lstStyle/>
+          <a:p>
+            <a:r>
+              <a:rPr lang="en-US">
+                <a:solidFill>
+                  <a:srgbClr val="000000"/>
+                </a:solidFill>
+              </a:rPr>
+              <a:t>Our client can choose around the average houses which is:</a:t>
+            </a:r>
+          </a:p>
+          <a:p>
+            <a:pPr lvl="1"/>
+            <a:r>
+              <a:rPr lang="en-US">
+                <a:solidFill>
+                  <a:srgbClr val="000000"/>
+                </a:solidFill>
+              </a:rPr>
+              <a:t>$ 214,000</a:t>
+            </a:r>
+          </a:p>
+          <a:p>
+            <a:pPr lvl="1"/>
+            <a:r>
+              <a:rPr lang="en-US">
+                <a:solidFill>
+                  <a:srgbClr val="000000"/>
+                </a:solidFill>
+              </a:rPr>
+              <a:t>1500 sq ft </a:t>
+            </a:r>
+          </a:p>
+          <a:p>
+            <a:pPr lvl="1"/>
+            <a:r>
+              <a:rPr lang="en-US">
+                <a:solidFill>
+                  <a:srgbClr val="000000"/>
+                </a:solidFill>
+              </a:rPr>
+              <a:t>3 bedrooms </a:t>
+            </a:r>
+          </a:p>
+          <a:p>
+            <a:pPr lvl="1"/>
+            <a:r>
+              <a:rPr lang="en-US">
+                <a:solidFill>
+                  <a:srgbClr val="000000"/>
+                </a:solidFill>
+              </a:rPr>
+              <a:t>the most popular zip code 95823 </a:t>
+            </a:r>
+          </a:p>
+          <a:p>
+            <a:pPr lvl="1"/>
+            <a:r>
+              <a:rPr lang="en-US">
+                <a:solidFill>
+                  <a:srgbClr val="000000"/>
+                </a:solidFill>
+              </a:rPr>
+              <a:t>the most average zip code 95632</a:t>
+            </a:r>
+          </a:p>
+        </p:txBody>
+      </p:sp>
       <p:pic>
         <p:nvPicPr>
-          <p:cNvPr id="7" name="Picture 6" descr="A picture containing grass, tree, outdoor, house&#10;&#10;Description automatically generated">
+          <p:cNvPr id="18" name="Picture 17">
             <a:extLst>
               <a:ext uri="{FF2B5EF4-FFF2-40B4-BE49-F238E27FC236}">
-                <a16:creationId xmlns:a16="http://schemas.microsoft.com/office/drawing/2014/main" id="{84BC9DA3-5777-4897-8431-1F554D4B3ED6}"/>
-              </a:ext>
-            </a:extLst>
-          </p:cNvPr>
-          <p:cNvPicPr>
-            <a:picLocks noChangeAspect="1"/>
-          </p:cNvPicPr>
-          <p:nvPr/>
-        </p:nvPicPr>
-        <p:blipFill>
-          <a:blip r:embed="rId4">
-            <a:extLst>
-              <a:ext uri="{28A0092B-C50C-407E-A947-70E740481C1C}">
-                <a14:useLocalDpi xmlns:a14="http://schemas.microsoft.com/office/drawing/2010/main" val="0"/>
-              </a:ext>
-            </a:extLst>
-          </a:blip>
-          <a:stretch>
-            <a:fillRect/>
-          </a:stretch>
-        </p:blipFill>
-        <p:spPr>
-          <a:xfrm>
-            <a:off x="7849810" y="2028291"/>
-            <a:ext cx="3059596" cy="2042280"/>
-          </a:xfrm>
-          <a:prstGeom prst="rect">
-            <a:avLst/>
-          </a:prstGeom>
-        </p:spPr>
-      </p:pic>
-      <p:pic>
-        <p:nvPicPr>
-          <p:cNvPr id="32" name="Picture 31">
-            <a:extLst>
-              <a:ext uri="{FF2B5EF4-FFF2-40B4-BE49-F238E27FC236}">
-                <a16:creationId xmlns:a16="http://schemas.microsoft.com/office/drawing/2014/main" id="{15621CD7-6951-4B76-949B-6D851A2BE4D4}"/>
+                <a16:creationId xmlns:a16="http://schemas.microsoft.com/office/drawing/2014/main" id="{025CEF6D-5E98-4B5C-A10F-7459C1EEF10E}"/>
               </a:ext>
               <a:ext uri="{C183D7F6-B498-43B3-948B-1728B52AA6E4}">
                 <adec:decorative xmlns:adec="http://schemas.microsoft.com/office/drawing/2017/decorative" val="1"/>
@@ -11176,10 +10568,10 @@
       </p:pic>
       <p:cxnSp>
         <p:nvCxnSpPr>
-          <p:cNvPr id="34" name="Straight Connector 33">
+          <p:cNvPr id="20" name="Straight Connector 19">
             <a:extLst>
               <a:ext uri="{FF2B5EF4-FFF2-40B4-BE49-F238E27FC236}">
-                <a16:creationId xmlns:a16="http://schemas.microsoft.com/office/drawing/2014/main" id="{7AD09E24-F963-4867-8AA6-3D2F8D3C8AAF}"/>
+                <a16:creationId xmlns:a16="http://schemas.microsoft.com/office/drawing/2014/main" id="{05C73161-1E4E-4E6A-91B2-E885CF8FFBA6}"/>
               </a:ext>
               <a:ext uri="{C183D7F6-B498-43B3-948B-1728B52AA6E4}">
                 <adec:decorative xmlns:adec="http://schemas.microsoft.com/office/drawing/2017/decorative" val="1"/>
@@ -11228,6 +10620,294 @@
           </a:fontRef>
         </p:style>
       </p:cxnSp>
+    </p:spTree>
+    <p:extLst>
+      <p:ext uri="{BB962C8B-B14F-4D97-AF65-F5344CB8AC3E}">
+        <p14:creationId xmlns:p14="http://schemas.microsoft.com/office/powerpoint/2010/main" val="1520504394"/>
+      </p:ext>
+    </p:extLst>
+  </p:cSld>
+  <p:clrMapOvr>
+    <a:masterClrMapping/>
+  </p:clrMapOvr>
+</p:sld>
+</file>
+
+<file path=ppt/slides/slide13.xml><?xml version="1.0" encoding="utf-8"?>
+<p:sld xmlns:a="http://schemas.openxmlformats.org/drawingml/2006/main" xmlns:r="http://schemas.openxmlformats.org/officeDocument/2006/relationships" xmlns:p="http://schemas.openxmlformats.org/presentationml/2006/main">
+  <p:cSld>
+    <p:bg>
+      <p:bgPr>
+        <a:gradFill rotWithShape="1">
+          <a:gsLst>
+            <a:gs pos="0">
+              <a:schemeClr val="bg2">
+                <a:tint val="94000"/>
+                <a:satMod val="80000"/>
+                <a:lumMod val="106000"/>
+              </a:schemeClr>
+            </a:gs>
+            <a:gs pos="100000">
+              <a:schemeClr val="bg2">
+                <a:shade val="80000"/>
+              </a:schemeClr>
+            </a:gs>
+          </a:gsLst>
+          <a:path path="circle">
+            <a:fillToRect l="43000" r="43000" b="100000"/>
+          </a:path>
+        </a:gradFill>
+        <a:effectLst/>
+      </p:bgPr>
+    </p:bg>
+    <p:spTree>
+      <p:nvGrpSpPr>
+        <p:cNvPr id="1" name=""/>
+        <p:cNvGrpSpPr/>
+        <p:nvPr/>
+      </p:nvGrpSpPr>
+      <p:grpSpPr>
+        <a:xfrm>
+          <a:off x="0" y="0"/>
+          <a:ext cx="0" cy="0"/>
+          <a:chOff x="0" y="0"/>
+          <a:chExt cx="0" cy="0"/>
+        </a:xfrm>
+      </p:grpSpPr>
+      <p:pic>
+        <p:nvPicPr>
+          <p:cNvPr id="33" name="Picture 4" descr="Question mark on green pastel background">
+            <a:extLst>
+              <a:ext uri="{FF2B5EF4-FFF2-40B4-BE49-F238E27FC236}">
+                <a16:creationId xmlns:a16="http://schemas.microsoft.com/office/drawing/2014/main" id="{58E25B84-6C3C-4BA8-822B-C42D03ADC2A3}"/>
+              </a:ext>
+            </a:extLst>
+          </p:cNvPr>
+          <p:cNvPicPr>
+            <a:picLocks noChangeAspect="1"/>
+          </p:cNvPicPr>
+          <p:nvPr/>
+        </p:nvPicPr>
+        <p:blipFill rotWithShape="1">
+          <a:blip r:embed="rId2">
+            <a:duotone>
+              <a:schemeClr val="bg2">
+                <a:shade val="45000"/>
+                <a:satMod val="135000"/>
+              </a:schemeClr>
+              <a:prstClr val="white"/>
+            </a:duotone>
+            <a:alphaModFix amt="50000"/>
+          </a:blip>
+          <a:srcRect t="12499" r="-1" b="12498"/>
+          <a:stretch/>
+        </p:blipFill>
+        <p:spPr>
+          <a:xfrm>
+            <a:off x="305" y="10"/>
+            <a:ext cx="12191695" cy="6857990"/>
+          </a:xfrm>
+          <a:prstGeom prst="rect">
+            <a:avLst/>
+          </a:prstGeom>
+        </p:spPr>
+      </p:pic>
+      <p:sp>
+        <p:nvSpPr>
+          <p:cNvPr id="2" name="Title 1">
+            <a:extLst>
+              <a:ext uri="{FF2B5EF4-FFF2-40B4-BE49-F238E27FC236}">
+                <a16:creationId xmlns:a16="http://schemas.microsoft.com/office/drawing/2014/main" id="{61A79EB6-3A49-4550-ABCC-63DFE4BBB2F4}"/>
+              </a:ext>
+            </a:extLst>
+          </p:cNvPr>
+          <p:cNvSpPr>
+            <a:spLocks noGrp="1"/>
+          </p:cNvSpPr>
+          <p:nvPr>
+            <p:ph type="title"/>
+          </p:nvPr>
+        </p:nvSpPr>
+        <p:spPr>
+          <a:xfrm>
+            <a:off x="1776728" y="1553634"/>
+            <a:ext cx="8654522" cy="3018150"/>
+          </a:xfrm>
+        </p:spPr>
+        <p:txBody>
+          <a:bodyPr vert="horz" lIns="91440" tIns="45720" rIns="91440" bIns="45720" rtlCol="0" anchor="b">
+            <a:normAutofit/>
+          </a:bodyPr>
+          <a:lstStyle/>
+          <a:p>
+            <a:r>
+              <a:rPr lang="en-US" sz="4400"/>
+              <a:t>Summary and Questions</a:t>
+            </a:r>
+          </a:p>
+        </p:txBody>
+      </p:sp>
+    </p:spTree>
+    <p:extLst>
+      <p:ext uri="{BB962C8B-B14F-4D97-AF65-F5344CB8AC3E}">
+        <p14:creationId xmlns:p14="http://schemas.microsoft.com/office/powerpoint/2010/main" val="2664990214"/>
+      </p:ext>
+    </p:extLst>
+  </p:cSld>
+  <p:clrMapOvr>
+    <a:masterClrMapping/>
+  </p:clrMapOvr>
+</p:sld>
+</file>
+
+<file path=ppt/slides/slide2.xml><?xml version="1.0" encoding="utf-8"?>
+<p:sld xmlns:a="http://schemas.openxmlformats.org/drawingml/2006/main" xmlns:r="http://schemas.openxmlformats.org/officeDocument/2006/relationships" xmlns:p="http://schemas.openxmlformats.org/presentationml/2006/main">
+  <p:cSld>
+    <p:bg>
+      <p:bgPr>
+        <a:gradFill rotWithShape="1">
+          <a:gsLst>
+            <a:gs pos="0">
+              <a:schemeClr val="bg2">
+                <a:tint val="94000"/>
+                <a:satMod val="80000"/>
+                <a:lumMod val="106000"/>
+              </a:schemeClr>
+            </a:gs>
+            <a:gs pos="100000">
+              <a:schemeClr val="bg2">
+                <a:shade val="80000"/>
+              </a:schemeClr>
+            </a:gs>
+          </a:gsLst>
+          <a:path path="circle">
+            <a:fillToRect l="43000" r="43000" b="100000"/>
+          </a:path>
+        </a:gradFill>
+        <a:effectLst/>
+      </p:bgPr>
+    </p:bg>
+    <p:spTree>
+      <p:nvGrpSpPr>
+        <p:cNvPr id="1" name=""/>
+        <p:cNvGrpSpPr/>
+        <p:nvPr/>
+      </p:nvGrpSpPr>
+      <p:grpSpPr>
+        <a:xfrm>
+          <a:off x="0" y="0"/>
+          <a:ext cx="0" cy="0"/>
+          <a:chOff x="0" y="0"/>
+          <a:chExt cx="0" cy="0"/>
+        </a:xfrm>
+      </p:grpSpPr>
+      <p:sp>
+        <p:nvSpPr>
+          <p:cNvPr id="2" name="Title 1">
+            <a:extLst>
+              <a:ext uri="{FF2B5EF4-FFF2-40B4-BE49-F238E27FC236}">
+                <a16:creationId xmlns:a16="http://schemas.microsoft.com/office/drawing/2014/main" id="{15A5CDF6-9385-45A5-ACE3-15CF214F748B}"/>
+              </a:ext>
+            </a:extLst>
+          </p:cNvPr>
+          <p:cNvSpPr>
+            <a:spLocks noGrp="1"/>
+          </p:cNvSpPr>
+          <p:nvPr>
+            <p:ph type="title"/>
+          </p:nvPr>
+        </p:nvSpPr>
+        <p:spPr>
+          <a:xfrm>
+            <a:off x="485695" y="1474969"/>
+            <a:ext cx="3026558" cy="1868760"/>
+          </a:xfrm>
+        </p:spPr>
+        <p:txBody>
+          <a:bodyPr vert="horz" lIns="91440" tIns="45720" rIns="91440" bIns="0" rtlCol="0" anchor="b">
+            <a:normAutofit/>
+          </a:bodyPr>
+          <a:lstStyle/>
+          <a:p>
+            <a:r>
+              <a:rPr lang="en-US" sz="3600"/>
+              <a:t>The Scenario:</a:t>
+            </a:r>
+          </a:p>
+        </p:txBody>
+      </p:sp>
+      <p:pic>
+        <p:nvPicPr>
+          <p:cNvPr id="5" name="Picture 4" descr="A person wearing a blue shirt&#10;&#10;Description automatically generated with medium confidence">
+            <a:extLst>
+              <a:ext uri="{FF2B5EF4-FFF2-40B4-BE49-F238E27FC236}">
+                <a16:creationId xmlns:a16="http://schemas.microsoft.com/office/drawing/2014/main" id="{734FDB46-CA18-41C6-AF29-29ADFB737158}"/>
+              </a:ext>
+            </a:extLst>
+          </p:cNvPr>
+          <p:cNvPicPr>
+            <a:picLocks noChangeAspect="1"/>
+          </p:cNvPicPr>
+          <p:nvPr/>
+        </p:nvPicPr>
+        <p:blipFill>
+          <a:blip r:embed="rId2">
+            <a:extLst>
+              <a:ext uri="{28A0092B-C50C-407E-A947-70E740481C1C}">
+                <a14:useLocalDpi xmlns:a14="http://schemas.microsoft.com/office/drawing/2010/main" val="0"/>
+              </a:ext>
+            </a:extLst>
+          </a:blip>
+          <a:stretch>
+            <a:fillRect/>
+          </a:stretch>
+        </p:blipFill>
+        <p:spPr>
+          <a:xfrm>
+            <a:off x="4880244" y="1116345"/>
+            <a:ext cx="2561338" cy="3866172"/>
+          </a:xfrm>
+          <a:prstGeom prst="rect">
+            <a:avLst/>
+          </a:prstGeom>
+        </p:spPr>
+      </p:pic>
+      <p:pic>
+        <p:nvPicPr>
+          <p:cNvPr id="7" name="Picture 6" descr="A picture containing grass, tree, outdoor, house&#10;&#10;Description automatically generated">
+            <a:extLst>
+              <a:ext uri="{FF2B5EF4-FFF2-40B4-BE49-F238E27FC236}">
+                <a16:creationId xmlns:a16="http://schemas.microsoft.com/office/drawing/2014/main" id="{84BC9DA3-5777-4897-8431-1F554D4B3ED6}"/>
+              </a:ext>
+            </a:extLst>
+          </p:cNvPr>
+          <p:cNvPicPr>
+            <a:picLocks noChangeAspect="1"/>
+          </p:cNvPicPr>
+          <p:nvPr/>
+        </p:nvPicPr>
+        <p:blipFill>
+          <a:blip r:embed="rId3">
+            <a:extLst>
+              <a:ext uri="{28A0092B-C50C-407E-A947-70E740481C1C}">
+                <a14:useLocalDpi xmlns:a14="http://schemas.microsoft.com/office/drawing/2010/main" val="0"/>
+              </a:ext>
+            </a:extLst>
+          </a:blip>
+          <a:stretch>
+            <a:fillRect/>
+          </a:stretch>
+        </p:blipFill>
+        <p:spPr>
+          <a:xfrm>
+            <a:off x="7849810" y="2028291"/>
+            <a:ext cx="3059596" cy="2042280"/>
+          </a:xfrm>
+          <a:prstGeom prst="rect">
+            <a:avLst/>
+          </a:prstGeom>
+        </p:spPr>
+      </p:pic>
     </p:spTree>
     <p:extLst>
       <p:ext uri="{BB962C8B-B14F-4D97-AF65-F5344CB8AC3E}">
@@ -11282,66 +10962,6 @@
           <a:chExt cx="0" cy="0"/>
         </a:xfrm>
       </p:grpSpPr>
-      <p:sp useBgFill="1">
-        <p:nvSpPr>
-          <p:cNvPr id="18" name="Rectangle 17">
-            <a:extLst>
-              <a:ext uri="{FF2B5EF4-FFF2-40B4-BE49-F238E27FC236}">
-                <a16:creationId xmlns:a16="http://schemas.microsoft.com/office/drawing/2014/main" id="{482E7304-2AC2-4A5C-924D-A6AC3FFC5EAC}"/>
-              </a:ext>
-              <a:ext uri="{C183D7F6-B498-43B3-948B-1728B52AA6E4}">
-                <adec:decorative xmlns:adec="http://schemas.microsoft.com/office/drawing/2017/decorative" val="1"/>
-              </a:ext>
-            </a:extLst>
-          </p:cNvPr>
-          <p:cNvSpPr>
-            <a:spLocks noGrp="1" noRot="1" noChangeAspect="1" noMove="1" noResize="1" noEditPoints="1" noAdjustHandles="1" noChangeArrowheads="1" noChangeShapeType="1" noTextEdit="1"/>
-          </p:cNvSpPr>
-          <p:nvPr>
-            <p:extLst>
-              <p:ext uri="{386F3935-93C4-4BCD-93E2-E3B085C9AB24}">
-                <p16:designElem xmlns:p16="http://schemas.microsoft.com/office/powerpoint/2015/main" val="1"/>
-              </p:ext>
-            </p:extLst>
-          </p:nvPr>
-        </p:nvSpPr>
-        <p:spPr>
-          <a:xfrm>
-            <a:off x="2" y="0"/>
-            <a:ext cx="12191695" cy="6858000"/>
-          </a:xfrm>
-          <a:prstGeom prst="rect">
-            <a:avLst/>
-          </a:prstGeom>
-          <a:ln>
-            <a:noFill/>
-          </a:ln>
-        </p:spPr>
-        <p:style>
-          <a:lnRef idx="2">
-            <a:schemeClr val="accent1">
-              <a:shade val="50000"/>
-            </a:schemeClr>
-          </a:lnRef>
-          <a:fillRef idx="1">
-            <a:schemeClr val="accent1"/>
-          </a:fillRef>
-          <a:effectRef idx="0">
-            <a:schemeClr val="accent1"/>
-          </a:effectRef>
-          <a:fontRef idx="minor">
-            <a:schemeClr val="lt1"/>
-          </a:fontRef>
-        </p:style>
-        <p:txBody>
-          <a:bodyPr rtlCol="0" anchor="ctr"/>
-          <a:lstStyle/>
-          <a:p>
-            <a:pPr algn="ctr"/>
-            <a:endParaRPr lang="en-US"/>
-          </a:p>
-        </p:txBody>
-      </p:sp>
       <p:sp>
         <p:nvSpPr>
           <p:cNvPr id="2" name="Title 1">
@@ -11358,12 +10978,7 @@
             <p:ph type="title"/>
           </p:nvPr>
         </p:nvSpPr>
-        <p:spPr>
-          <a:xfrm>
-            <a:off x="1451579" y="804519"/>
-            <a:ext cx="9603275" cy="1049235"/>
-          </a:xfrm>
-        </p:spPr>
+        <p:spPr/>
         <p:txBody>
           <a:bodyPr>
             <a:normAutofit/>
@@ -11374,128 +10989,6 @@
               <a:rPr lang="en-US" dirty="0"/>
               <a:t>How do we satisfy the request?</a:t>
             </a:r>
-          </a:p>
-        </p:txBody>
-      </p:sp>
-      <p:cxnSp>
-        <p:nvCxnSpPr>
-          <p:cNvPr id="20" name="Straight Connector 19">
-            <a:extLst>
-              <a:ext uri="{FF2B5EF4-FFF2-40B4-BE49-F238E27FC236}">
-                <a16:creationId xmlns:a16="http://schemas.microsoft.com/office/drawing/2014/main" id="{D259FEF2-F6A5-442F-BA10-4E39EECD0ABE}"/>
-              </a:ext>
-              <a:ext uri="{C183D7F6-B498-43B3-948B-1728B52AA6E4}">
-                <adec:decorative xmlns:adec="http://schemas.microsoft.com/office/drawing/2017/decorative" val="1"/>
-              </a:ext>
-            </a:extLst>
-          </p:cNvPr>
-          <p:cNvCxnSpPr>
-            <a:cxnSpLocks noGrp="1" noRot="1" noChangeAspect="1" noMove="1" noResize="1" noEditPoints="1" noAdjustHandles="1" noChangeArrowheads="1" noChangeShapeType="1"/>
-          </p:cNvCxnSpPr>
-          <p:nvPr>
-            <p:extLst>
-              <p:ext uri="{386F3935-93C4-4BCD-93E2-E3B085C9AB24}">
-                <p16:designElem xmlns:p16="http://schemas.microsoft.com/office/powerpoint/2015/main" val="1"/>
-              </p:ext>
-            </p:extLst>
-          </p:nvPr>
-        </p:nvCxnSpPr>
-        <p:spPr>
-          <a:xfrm>
-            <a:off x="1451579" y="1853754"/>
-            <a:ext cx="9603274" cy="0"/>
-          </a:xfrm>
-          <a:prstGeom prst="line">
-            <a:avLst/>
-          </a:prstGeom>
-          <a:ln w="31750"/>
-        </p:spPr>
-        <p:style>
-          <a:lnRef idx="3">
-            <a:schemeClr val="accent1"/>
-          </a:lnRef>
-          <a:fillRef idx="0">
-            <a:schemeClr val="accent1"/>
-          </a:fillRef>
-          <a:effectRef idx="2">
-            <a:schemeClr val="accent1"/>
-          </a:effectRef>
-          <a:fontRef idx="minor">
-            <a:schemeClr val="tx1"/>
-          </a:fontRef>
-        </p:style>
-      </p:cxnSp>
-      <p:sp>
-        <p:nvSpPr>
-          <p:cNvPr id="22" name="Rectangle 21">
-            <a:extLst>
-              <a:ext uri="{FF2B5EF4-FFF2-40B4-BE49-F238E27FC236}">
-                <a16:creationId xmlns:a16="http://schemas.microsoft.com/office/drawing/2014/main" id="{A3C183B1-1D4B-4E3D-A02E-A426E3BFA016}"/>
-              </a:ext>
-              <a:ext uri="{C183D7F6-B498-43B3-948B-1728B52AA6E4}">
-                <adec:decorative xmlns:adec="http://schemas.microsoft.com/office/drawing/2017/decorative" val="1"/>
-              </a:ext>
-            </a:extLst>
-          </p:cNvPr>
-          <p:cNvSpPr>
-            <a:spLocks noGrp="1" noRot="1" noChangeAspect="1" noMove="1" noResize="1" noEditPoints="1" noAdjustHandles="1" noChangeArrowheads="1" noChangeShapeType="1" noTextEdit="1"/>
-          </p:cNvSpPr>
-          <p:nvPr>
-            <p:extLst>
-              <p:ext uri="{386F3935-93C4-4BCD-93E2-E3B085C9AB24}">
-                <p16:designElem xmlns:p16="http://schemas.microsoft.com/office/powerpoint/2015/main" val="1"/>
-              </p:ext>
-            </p:extLst>
-          </p:nvPr>
-        </p:nvSpPr>
-        <p:spPr>
-          <a:xfrm>
-            <a:off x="0" y="2019476"/>
-            <a:ext cx="12192000" cy="4838524"/>
-          </a:xfrm>
-          <a:prstGeom prst="rect">
-            <a:avLst/>
-          </a:prstGeom>
-          <a:gradFill flip="none" rotWithShape="1">
-            <a:gsLst>
-              <a:gs pos="0">
-                <a:schemeClr val="bg2">
-                  <a:alpha val="0"/>
-                </a:schemeClr>
-              </a:gs>
-              <a:gs pos="100000">
-                <a:schemeClr val="bg2"/>
-              </a:gs>
-            </a:gsLst>
-            <a:lin ang="5400000" scaled="0"/>
-            <a:tileRect/>
-          </a:gradFill>
-          <a:ln>
-            <a:noFill/>
-          </a:ln>
-        </p:spPr>
-        <p:style>
-          <a:lnRef idx="2">
-            <a:schemeClr val="accent1">
-              <a:shade val="50000"/>
-            </a:schemeClr>
-          </a:lnRef>
-          <a:fillRef idx="1">
-            <a:schemeClr val="accent1"/>
-          </a:fillRef>
-          <a:effectRef idx="0">
-            <a:schemeClr val="accent1"/>
-          </a:effectRef>
-          <a:fontRef idx="minor">
-            <a:schemeClr val="lt1"/>
-          </a:fontRef>
-        </p:style>
-        <p:txBody>
-          <a:bodyPr rtlCol="0" anchor="ctr"/>
-          <a:lstStyle/>
-          <a:p>
-            <a:pPr lvl="0" algn="ctr"/>
-            <a:endParaRPr lang="en-US"/>
           </a:p>
         </p:txBody>
       </p:sp>
@@ -11584,140 +11077,6 @@
           <a:chExt cx="0" cy="0"/>
         </a:xfrm>
       </p:grpSpPr>
-      <p:sp useBgFill="1">
-        <p:nvSpPr>
-          <p:cNvPr id="9" name="Rectangle 8">
-            <a:extLst>
-              <a:ext uri="{FF2B5EF4-FFF2-40B4-BE49-F238E27FC236}">
-                <a16:creationId xmlns:a16="http://schemas.microsoft.com/office/drawing/2014/main" id="{32D32A60-013B-47A8-8833-D2424080917B}"/>
-              </a:ext>
-              <a:ext uri="{C183D7F6-B498-43B3-948B-1728B52AA6E4}">
-                <adec:decorative xmlns:adec="http://schemas.microsoft.com/office/drawing/2017/decorative" val="1"/>
-              </a:ext>
-            </a:extLst>
-          </p:cNvPr>
-          <p:cNvSpPr>
-            <a:spLocks noGrp="1" noRot="1" noChangeAspect="1" noMove="1" noResize="1" noEditPoints="1" noAdjustHandles="1" noChangeArrowheads="1" noChangeShapeType="1" noTextEdit="1"/>
-          </p:cNvSpPr>
-          <p:nvPr>
-            <p:extLst>
-              <p:ext uri="{386F3935-93C4-4BCD-93E2-E3B085C9AB24}">
-                <p16:designElem xmlns:p16="http://schemas.microsoft.com/office/powerpoint/2015/main" val="1"/>
-              </p:ext>
-            </p:extLst>
-          </p:nvPr>
-        </p:nvSpPr>
-        <p:spPr>
-          <a:xfrm>
-            <a:off x="2" y="0"/>
-            <a:ext cx="12191695" cy="6858000"/>
-          </a:xfrm>
-          <a:prstGeom prst="rect">
-            <a:avLst/>
-          </a:prstGeom>
-          <a:ln>
-            <a:noFill/>
-          </a:ln>
-        </p:spPr>
-        <p:style>
-          <a:lnRef idx="2">
-            <a:schemeClr val="accent1">
-              <a:shade val="50000"/>
-            </a:schemeClr>
-          </a:lnRef>
-          <a:fillRef idx="1">
-            <a:schemeClr val="accent1"/>
-          </a:fillRef>
-          <a:effectRef idx="0">
-            <a:schemeClr val="accent1"/>
-          </a:effectRef>
-          <a:fontRef idx="minor">
-            <a:schemeClr val="lt1"/>
-          </a:fontRef>
-        </p:style>
-        <p:txBody>
-          <a:bodyPr rtlCol="0" anchor="ctr"/>
-          <a:lstStyle/>
-          <a:p>
-            <a:pPr algn="ctr"/>
-            <a:endParaRPr lang="en-US"/>
-          </a:p>
-        </p:txBody>
-      </p:sp>
-      <p:sp>
-        <p:nvSpPr>
-          <p:cNvPr id="11" name="Rectangle 10">
-            <a:extLst>
-              <a:ext uri="{FF2B5EF4-FFF2-40B4-BE49-F238E27FC236}">
-                <a16:creationId xmlns:a16="http://schemas.microsoft.com/office/drawing/2014/main" id="{AE27932B-B694-4C4C-90D7-A0333A7C5876}"/>
-              </a:ext>
-              <a:ext uri="{C183D7F6-B498-43B3-948B-1728B52AA6E4}">
-                <adec:decorative xmlns:adec="http://schemas.microsoft.com/office/drawing/2017/decorative" val="1"/>
-              </a:ext>
-            </a:extLst>
-          </p:cNvPr>
-          <p:cNvSpPr>
-            <a:spLocks noGrp="1" noRot="1" noChangeAspect="1" noMove="1" noResize="1" noEditPoints="1" noAdjustHandles="1" noChangeArrowheads="1" noChangeShapeType="1" noTextEdit="1"/>
-          </p:cNvSpPr>
-          <p:nvPr>
-            <p:extLst>
-              <p:ext uri="{386F3935-93C4-4BCD-93E2-E3B085C9AB24}">
-                <p16:designElem xmlns:p16="http://schemas.microsoft.com/office/powerpoint/2015/main" val="1"/>
-              </p:ext>
-            </p:extLst>
-          </p:nvPr>
-        </p:nvSpPr>
-        <p:spPr>
-          <a:xfrm>
-            <a:off x="0" y="2019476"/>
-            <a:ext cx="12192000" cy="4105941"/>
-          </a:xfrm>
-          <a:prstGeom prst="rect">
-            <a:avLst/>
-          </a:prstGeom>
-          <a:gradFill flip="none" rotWithShape="1">
-            <a:gsLst>
-              <a:gs pos="0">
-                <a:schemeClr val="bg2">
-                  <a:alpha val="0"/>
-                </a:schemeClr>
-              </a:gs>
-              <a:gs pos="100000">
-                <a:schemeClr val="bg2"/>
-              </a:gs>
-            </a:gsLst>
-            <a:lin ang="5400000" scaled="0"/>
-            <a:tileRect/>
-          </a:gradFill>
-          <a:ln>
-            <a:noFill/>
-          </a:ln>
-        </p:spPr>
-        <p:style>
-          <a:lnRef idx="2">
-            <a:schemeClr val="accent1">
-              <a:shade val="50000"/>
-            </a:schemeClr>
-          </a:lnRef>
-          <a:fillRef idx="1">
-            <a:schemeClr val="accent1"/>
-          </a:fillRef>
-          <a:effectRef idx="0">
-            <a:schemeClr val="accent1"/>
-          </a:effectRef>
-          <a:fontRef idx="minor">
-            <a:schemeClr val="lt1"/>
-          </a:fontRef>
-        </p:style>
-        <p:txBody>
-          <a:bodyPr rtlCol="0" anchor="ctr"/>
-          <a:lstStyle/>
-          <a:p>
-            <a:pPr lvl="0" algn="ctr"/>
-            <a:endParaRPr lang="en-US"/>
-          </a:p>
-        </p:txBody>
-      </p:sp>
       <p:sp>
         <p:nvSpPr>
           <p:cNvPr id="2" name="Title 1">
@@ -11753,213 +11112,6 @@
           </a:p>
         </p:txBody>
       </p:sp>
-      <p:cxnSp>
-        <p:nvCxnSpPr>
-          <p:cNvPr id="13" name="Straight Connector 12">
-            <a:extLst>
-              <a:ext uri="{FF2B5EF4-FFF2-40B4-BE49-F238E27FC236}">
-                <a16:creationId xmlns:a16="http://schemas.microsoft.com/office/drawing/2014/main" id="{9EBB0476-5CF0-4F44-8D68-5D42D7AEE43A}"/>
-              </a:ext>
-              <a:ext uri="{C183D7F6-B498-43B3-948B-1728B52AA6E4}">
-                <adec:decorative xmlns:adec="http://schemas.microsoft.com/office/drawing/2017/decorative" val="1"/>
-              </a:ext>
-            </a:extLst>
-          </p:cNvPr>
-          <p:cNvCxnSpPr>
-            <a:cxnSpLocks noGrp="1" noRot="1" noChangeAspect="1" noMove="1" noResize="1" noEditPoints="1" noAdjustHandles="1" noChangeArrowheads="1" noChangeShapeType="1"/>
-          </p:cNvCxnSpPr>
-          <p:nvPr>
-            <p:extLst>
-              <p:ext uri="{386F3935-93C4-4BCD-93E2-E3B085C9AB24}">
-                <p16:designElem xmlns:p16="http://schemas.microsoft.com/office/powerpoint/2015/main" val="1"/>
-              </p:ext>
-            </p:extLst>
-          </p:nvPr>
-        </p:nvCxnSpPr>
-        <p:spPr>
-          <a:xfrm>
-            <a:off x="1451579" y="2146542"/>
-            <a:ext cx="3272094" cy="0"/>
-          </a:xfrm>
-          <a:prstGeom prst="line">
-            <a:avLst/>
-          </a:prstGeom>
-          <a:ln w="31750"/>
-        </p:spPr>
-        <p:style>
-          <a:lnRef idx="3">
-            <a:schemeClr val="accent1"/>
-          </a:lnRef>
-          <a:fillRef idx="0">
-            <a:schemeClr val="accent1"/>
-          </a:fillRef>
-          <a:effectRef idx="2">
-            <a:schemeClr val="accent1"/>
-          </a:effectRef>
-          <a:fontRef idx="minor">
-            <a:schemeClr val="tx1"/>
-          </a:fontRef>
-        </p:style>
-      </p:cxnSp>
-      <p:sp>
-        <p:nvSpPr>
-          <p:cNvPr id="15" name="Title 1">
-            <a:extLst>
-              <a:ext uri="{FF2B5EF4-FFF2-40B4-BE49-F238E27FC236}">
-                <a16:creationId xmlns:a16="http://schemas.microsoft.com/office/drawing/2014/main" id="{A9DA474E-6B91-4200-840F-0257B2358A75}"/>
-              </a:ext>
-              <a:ext uri="{C183D7F6-B498-43B3-948B-1728B52AA6E4}">
-                <adec:decorative xmlns:adec="http://schemas.microsoft.com/office/drawing/2017/decorative" val="1"/>
-              </a:ext>
-            </a:extLst>
-          </p:cNvPr>
-          <p:cNvSpPr txBox="1">
-            <a:spLocks noGrp="1" noRot="1" noChangeAspect="1" noMove="1" noResize="1" noEditPoints="1" noAdjustHandles="1" noChangeArrowheads="1" noChangeShapeType="1" noTextEdit="1"/>
-          </p:cNvSpPr>
-          <p:nvPr>
-            <p:extLst>
-              <p:ext uri="{386F3935-93C4-4BCD-93E2-E3B085C9AB24}">
-                <p16:designElem xmlns:p16="http://schemas.microsoft.com/office/powerpoint/2015/main" val="1"/>
-              </p:ext>
-            </p:extLst>
-          </p:nvPr>
-        </p:nvSpPr>
-        <p:spPr>
-          <a:xfrm>
-            <a:off x="1451580" y="3122496"/>
-            <a:ext cx="3530157" cy="1049235"/>
-          </a:xfrm>
-          <a:prstGeom prst="rect">
-            <a:avLst/>
-          </a:prstGeom>
-        </p:spPr>
-        <p:txBody>
-          <a:bodyPr vert="horz" lIns="91440" tIns="45720" rIns="91440" bIns="45720" rtlCol="0" anchor="t">
-            <a:normAutofit/>
-          </a:bodyPr>
-          <a:lstStyle>
-            <a:lvl1pPr algn="l" defTabSz="914400" rtl="0" eaLnBrk="1" latinLnBrk="0" hangingPunct="1">
-              <a:lnSpc>
-                <a:spcPct val="90000"/>
-              </a:lnSpc>
-              <a:spcBef>
-                <a:spcPct val="0"/>
-              </a:spcBef>
-              <a:buNone/>
-              <a:defRPr sz="3200" b="0" i="0" kern="1200" cap="all">
-                <a:solidFill>
-                  <a:schemeClr val="tx1"/>
-                </a:solidFill>
-                <a:effectLst/>
-                <a:latin typeface="+mj-lt"/>
-                <a:ea typeface="+mj-ea"/>
-                <a:cs typeface="+mj-cs"/>
-              </a:defRPr>
-            </a:lvl1pPr>
-          </a:lstStyle>
-          <a:p>
-            <a:endParaRPr lang="en-US" dirty="0"/>
-          </a:p>
-        </p:txBody>
-      </p:sp>
-      <p:pic>
-        <p:nvPicPr>
-          <p:cNvPr id="17" name="Picture 16">
-            <a:extLst>
-              <a:ext uri="{FF2B5EF4-FFF2-40B4-BE49-F238E27FC236}">
-                <a16:creationId xmlns:a16="http://schemas.microsoft.com/office/drawing/2014/main" id="{DF63C9AD-AE6E-4512-8171-91612E84CCFB}"/>
-              </a:ext>
-              <a:ext uri="{C183D7F6-B498-43B3-948B-1728B52AA6E4}">
-                <adec:decorative xmlns:adec="http://schemas.microsoft.com/office/drawing/2017/decorative" val="1"/>
-              </a:ext>
-            </a:extLst>
-          </p:cNvPr>
-          <p:cNvPicPr>
-            <a:picLocks noGrp="1" noRot="1" noChangeAspect="1" noMove="1" noResize="1" noEditPoints="1" noAdjustHandles="1" noChangeArrowheads="1" noChangeShapeType="1" noCrop="1"/>
-          </p:cNvPicPr>
-          <p:nvPr>
-            <p:extLst>
-              <p:ext uri="{386F3935-93C4-4BCD-93E2-E3B085C9AB24}">
-                <p16:designElem xmlns:p16="http://schemas.microsoft.com/office/powerpoint/2015/main" val="1"/>
-              </p:ext>
-            </p:extLst>
-          </p:nvPr>
-        </p:nvPicPr>
-        <p:blipFill rotWithShape="1">
-          <a:blip r:embed="rId2">
-            <a:extLst>
-              <a:ext uri="{28A0092B-C50C-407E-A947-70E740481C1C}">
-                <a14:useLocalDpi xmlns:a14="http://schemas.microsoft.com/office/drawing/2010/main" val="0"/>
-              </a:ext>
-            </a:extLst>
-          </a:blip>
-          <a:srcRect t="1538" b="-1538"/>
-          <a:stretch/>
-        </p:blipFill>
-        <p:spPr bwMode="black">
-          <a:xfrm>
-            <a:off x="0" y="6126480"/>
-            <a:ext cx="12192000" cy="742950"/>
-          </a:xfrm>
-          <a:prstGeom prst="rect">
-            <a:avLst/>
-          </a:prstGeom>
-        </p:spPr>
-      </p:pic>
-      <p:cxnSp>
-        <p:nvCxnSpPr>
-          <p:cNvPr id="19" name="Straight Connector 18">
-            <a:extLst>
-              <a:ext uri="{FF2B5EF4-FFF2-40B4-BE49-F238E27FC236}">
-                <a16:creationId xmlns:a16="http://schemas.microsoft.com/office/drawing/2014/main" id="{FE1A49CE-B63D-457A-A180-1C883E1A63D2}"/>
-              </a:ext>
-              <a:ext uri="{C183D7F6-B498-43B3-948B-1728B52AA6E4}">
-                <adec:decorative xmlns:adec="http://schemas.microsoft.com/office/drawing/2017/decorative" val="1"/>
-              </a:ext>
-            </a:extLst>
-          </p:cNvPr>
-          <p:cNvCxnSpPr>
-            <a:cxnSpLocks noGrp="1" noRot="1" noChangeAspect="1" noMove="1" noResize="1" noEditPoints="1" noAdjustHandles="1" noChangeArrowheads="1" noChangeShapeType="1"/>
-          </p:cNvCxnSpPr>
-          <p:nvPr>
-            <p:extLst>
-              <p:ext uri="{386F3935-93C4-4BCD-93E2-E3B085C9AB24}">
-                <p16:designElem xmlns:p16="http://schemas.microsoft.com/office/powerpoint/2015/main" val="1"/>
-              </p:ext>
-            </p:extLst>
-          </p:nvPr>
-        </p:nvCxnSpPr>
-        <p:spPr>
-          <a:xfrm>
-            <a:off x="0" y="6128413"/>
-            <a:ext cx="12192000" cy="0"/>
-          </a:xfrm>
-          <a:prstGeom prst="line">
-            <a:avLst/>
-          </a:prstGeom>
-          <a:ln w="12700">
-            <a:solidFill>
-              <a:srgbClr val="000001">
-                <a:alpha val="20000"/>
-              </a:srgbClr>
-            </a:solidFill>
-          </a:ln>
-        </p:spPr>
-        <p:style>
-          <a:lnRef idx="1">
-            <a:schemeClr val="accent1"/>
-          </a:lnRef>
-          <a:fillRef idx="0">
-            <a:schemeClr val="accent1"/>
-          </a:fillRef>
-          <a:effectRef idx="0">
-            <a:schemeClr val="accent1"/>
-          </a:effectRef>
-          <a:fontRef idx="minor">
-            <a:schemeClr val="tx1"/>
-          </a:fontRef>
-        </p:style>
-      </p:cxnSp>
       <p:graphicFrame>
         <p:nvGraphicFramePr>
           <p:cNvPr id="5" name="Content Placeholder 2">
@@ -11987,7 +11139,7 @@
         </p:xfrm>
         <a:graphic>
           <a:graphicData uri="http://schemas.openxmlformats.org/drawingml/2006/diagram">
-            <dgm:relIds xmlns:dgm="http://schemas.openxmlformats.org/drawingml/2006/diagram" xmlns:r="http://schemas.openxmlformats.org/officeDocument/2006/relationships" r:dm="rId3" r:lo="rId4" r:qs="rId5" r:cs="rId6"/>
+            <dgm:relIds xmlns:dgm="http://schemas.openxmlformats.org/drawingml/2006/diagram" xmlns:r="http://schemas.openxmlformats.org/officeDocument/2006/relationships" r:dm="rId2" r:lo="rId3" r:qs="rId4" r:cs="rId5"/>
           </a:graphicData>
         </a:graphic>
       </p:graphicFrame>
@@ -12175,114 +11327,6 @@
           <a:chExt cx="0" cy="0"/>
         </a:xfrm>
       </p:grpSpPr>
-      <p:sp useBgFill="1">
-        <p:nvSpPr>
-          <p:cNvPr id="10" name="Rectangle 9">
-            <a:extLst>
-              <a:ext uri="{FF2B5EF4-FFF2-40B4-BE49-F238E27FC236}">
-                <a16:creationId xmlns:a16="http://schemas.microsoft.com/office/drawing/2014/main" id="{35C3D674-3D59-4E93-80CA-0C0A9095E816}"/>
-              </a:ext>
-              <a:ext uri="{C183D7F6-B498-43B3-948B-1728B52AA6E4}">
-                <adec:decorative xmlns:adec="http://schemas.microsoft.com/office/drawing/2017/decorative" val="1"/>
-              </a:ext>
-            </a:extLst>
-          </p:cNvPr>
-          <p:cNvSpPr>
-            <a:spLocks noGrp="1" noRot="1" noChangeAspect="1" noMove="1" noResize="1" noEditPoints="1" noAdjustHandles="1" noChangeArrowheads="1" noChangeShapeType="1" noTextEdit="1"/>
-          </p:cNvSpPr>
-          <p:nvPr>
-            <p:extLst>
-              <p:ext uri="{386F3935-93C4-4BCD-93E2-E3B085C9AB24}">
-                <p16:designElem xmlns:p16="http://schemas.microsoft.com/office/powerpoint/2015/main" val="1"/>
-              </p:ext>
-            </p:extLst>
-          </p:nvPr>
-        </p:nvSpPr>
-        <p:spPr>
-          <a:xfrm>
-            <a:off x="2" y="0"/>
-            <a:ext cx="12191695" cy="6858000"/>
-          </a:xfrm>
-          <a:prstGeom prst="rect">
-            <a:avLst/>
-          </a:prstGeom>
-          <a:ln>
-            <a:noFill/>
-          </a:ln>
-        </p:spPr>
-        <p:style>
-          <a:lnRef idx="2">
-            <a:schemeClr val="accent1">
-              <a:shade val="50000"/>
-            </a:schemeClr>
-          </a:lnRef>
-          <a:fillRef idx="1">
-            <a:schemeClr val="accent1"/>
-          </a:fillRef>
-          <a:effectRef idx="0">
-            <a:schemeClr val="accent1"/>
-          </a:effectRef>
-          <a:fontRef idx="minor">
-            <a:schemeClr val="lt1"/>
-          </a:fontRef>
-        </p:style>
-        <p:txBody>
-          <a:bodyPr rtlCol="0" anchor="ctr"/>
-          <a:lstStyle/>
-          <a:p>
-            <a:pPr algn="ctr"/>
-            <a:endParaRPr lang="en-US"/>
-          </a:p>
-        </p:txBody>
-      </p:sp>
-      <p:cxnSp>
-        <p:nvCxnSpPr>
-          <p:cNvPr id="12" name="Straight Connector 11">
-            <a:extLst>
-              <a:ext uri="{FF2B5EF4-FFF2-40B4-BE49-F238E27FC236}">
-                <a16:creationId xmlns:a16="http://schemas.microsoft.com/office/drawing/2014/main" id="{C884B8F8-FDC9-498B-9960-5D7260AFCB03}"/>
-              </a:ext>
-              <a:ext uri="{C183D7F6-B498-43B3-948B-1728B52AA6E4}">
-                <adec:decorative xmlns:adec="http://schemas.microsoft.com/office/drawing/2017/decorative" val="1"/>
-              </a:ext>
-            </a:extLst>
-          </p:cNvPr>
-          <p:cNvCxnSpPr>
-            <a:cxnSpLocks noGrp="1" noRot="1" noChangeAspect="1" noMove="1" noResize="1" noEditPoints="1" noAdjustHandles="1" noChangeArrowheads="1" noChangeShapeType="1"/>
-          </p:cNvCxnSpPr>
-          <p:nvPr>
-            <p:extLst>
-              <p:ext uri="{386F3935-93C4-4BCD-93E2-E3B085C9AB24}">
-                <p16:designElem xmlns:p16="http://schemas.microsoft.com/office/powerpoint/2015/main" val="1"/>
-              </p:ext>
-            </p:extLst>
-          </p:nvPr>
-        </p:nvCxnSpPr>
-        <p:spPr>
-          <a:xfrm>
-            <a:off x="1453896" y="1847088"/>
-            <a:ext cx="4177373" cy="0"/>
-          </a:xfrm>
-          <a:prstGeom prst="line">
-            <a:avLst/>
-          </a:prstGeom>
-          <a:ln w="31750"/>
-        </p:spPr>
-        <p:style>
-          <a:lnRef idx="3">
-            <a:schemeClr val="accent1"/>
-          </a:lnRef>
-          <a:fillRef idx="0">
-            <a:schemeClr val="accent1"/>
-          </a:fillRef>
-          <a:effectRef idx="2">
-            <a:schemeClr val="accent1"/>
-          </a:effectRef>
-          <a:fontRef idx="minor">
-            <a:schemeClr val="tx1"/>
-          </a:fontRef>
-        </p:style>
-      </p:cxnSp>
       <p:sp>
         <p:nvSpPr>
           <p:cNvPr id="2" name="Title 1">
@@ -12315,80 +11359,6 @@
               <a:rPr lang="en-US" sz="3000"/>
               <a:t>Making the Scatter plot graph:</a:t>
             </a:r>
-          </a:p>
-        </p:txBody>
-      </p:sp>
-      <p:sp>
-        <p:nvSpPr>
-          <p:cNvPr id="14" name="Rectangle 13">
-            <a:extLst>
-              <a:ext uri="{FF2B5EF4-FFF2-40B4-BE49-F238E27FC236}">
-                <a16:creationId xmlns:a16="http://schemas.microsoft.com/office/drawing/2014/main" id="{EF2A81E1-BCBE-426B-8C09-33274E69409D}"/>
-              </a:ext>
-              <a:ext uri="{C183D7F6-B498-43B3-948B-1728B52AA6E4}">
-                <adec:decorative xmlns:adec="http://schemas.microsoft.com/office/drawing/2017/decorative" val="1"/>
-              </a:ext>
-            </a:extLst>
-          </p:cNvPr>
-          <p:cNvSpPr>
-            <a:spLocks noGrp="1" noRot="1" noChangeAspect="1" noMove="1" noResize="1" noEditPoints="1" noAdjustHandles="1" noChangeArrowheads="1" noChangeShapeType="1" noTextEdit="1"/>
-          </p:cNvSpPr>
-          <p:nvPr>
-            <p:extLst>
-              <p:ext uri="{386F3935-93C4-4BCD-93E2-E3B085C9AB24}">
-                <p16:designElem xmlns:p16="http://schemas.microsoft.com/office/powerpoint/2015/main" val="1"/>
-              </p:ext>
-            </p:extLst>
-          </p:nvPr>
-        </p:nvSpPr>
-        <p:spPr>
-          <a:xfrm>
-            <a:off x="0" y="2019476"/>
-            <a:ext cx="12192000" cy="4105941"/>
-          </a:xfrm>
-          <a:prstGeom prst="rect">
-            <a:avLst/>
-          </a:prstGeom>
-          <a:gradFill flip="none" rotWithShape="1">
-            <a:gsLst>
-              <a:gs pos="0">
-                <a:schemeClr val="bg2">
-                  <a:alpha val="0"/>
-                </a:schemeClr>
-              </a:gs>
-              <a:gs pos="100000">
-                <a:schemeClr val="bg2"/>
-              </a:gs>
-            </a:gsLst>
-            <a:lin ang="5400000" scaled="0"/>
-            <a:tileRect/>
-          </a:gradFill>
-          <a:ln>
-            <a:noFill/>
-          </a:ln>
-        </p:spPr>
-        <p:style>
-          <a:lnRef idx="2">
-            <a:schemeClr val="accent1">
-              <a:shade val="50000"/>
-            </a:schemeClr>
-          </a:lnRef>
-          <a:fillRef idx="1">
-            <a:schemeClr val="accent1"/>
-          </a:fillRef>
-          <a:effectRef idx="0">
-            <a:schemeClr val="accent1"/>
-          </a:effectRef>
-          <a:fontRef idx="minor">
-            <a:schemeClr val="lt1"/>
-          </a:fontRef>
-        </p:style>
-        <p:txBody>
-          <a:bodyPr rtlCol="0" anchor="ctr"/>
-          <a:lstStyle/>
-          <a:p>
-            <a:pPr lvl="0" algn="ctr"/>
-            <a:endParaRPr lang="en-US"/>
           </a:p>
         </p:txBody>
       </p:sp>
@@ -12495,104 +11465,6 @@
           </a:prstGeom>
         </p:spPr>
       </p:pic>
-      <p:pic>
-        <p:nvPicPr>
-          <p:cNvPr id="16" name="Picture 15">
-            <a:extLst>
-              <a:ext uri="{FF2B5EF4-FFF2-40B4-BE49-F238E27FC236}">
-                <a16:creationId xmlns:a16="http://schemas.microsoft.com/office/drawing/2014/main" id="{39D1DDD4-5BB3-45BA-B9B3-06B62299AD79}"/>
-              </a:ext>
-              <a:ext uri="{C183D7F6-B498-43B3-948B-1728B52AA6E4}">
-                <adec:decorative xmlns:adec="http://schemas.microsoft.com/office/drawing/2017/decorative" val="1"/>
-              </a:ext>
-            </a:extLst>
-          </p:cNvPr>
-          <p:cNvPicPr>
-            <a:picLocks noGrp="1" noRot="1" noChangeAspect="1" noMove="1" noResize="1" noEditPoints="1" noAdjustHandles="1" noChangeArrowheads="1" noChangeShapeType="1" noCrop="1"/>
-          </p:cNvPicPr>
-          <p:nvPr>
-            <p:extLst>
-              <p:ext uri="{386F3935-93C4-4BCD-93E2-E3B085C9AB24}">
-                <p16:designElem xmlns:p16="http://schemas.microsoft.com/office/powerpoint/2015/main" val="1"/>
-              </p:ext>
-            </p:extLst>
-          </p:nvPr>
-        </p:nvPicPr>
-        <p:blipFill rotWithShape="1">
-          <a:blip r:embed="rId3">
-            <a:extLst>
-              <a:ext uri="{28A0092B-C50C-407E-A947-70E740481C1C}">
-                <a14:useLocalDpi xmlns:a14="http://schemas.microsoft.com/office/drawing/2010/main" val="0"/>
-              </a:ext>
-            </a:extLst>
-          </a:blip>
-          <a:srcRect t="1538" b="-1538"/>
-          <a:stretch/>
-        </p:blipFill>
-        <p:spPr bwMode="black">
-          <a:xfrm>
-            <a:off x="0" y="6126480"/>
-            <a:ext cx="12192000" cy="742950"/>
-          </a:xfrm>
-          <a:prstGeom prst="rect">
-            <a:avLst/>
-          </a:prstGeom>
-        </p:spPr>
-      </p:pic>
-      <p:cxnSp>
-        <p:nvCxnSpPr>
-          <p:cNvPr id="18" name="Straight Connector 17">
-            <a:extLst>
-              <a:ext uri="{FF2B5EF4-FFF2-40B4-BE49-F238E27FC236}">
-                <a16:creationId xmlns:a16="http://schemas.microsoft.com/office/drawing/2014/main" id="{A24DAE64-2302-42EA-8239-F2F0775CA5AD}"/>
-              </a:ext>
-              <a:ext uri="{C183D7F6-B498-43B3-948B-1728B52AA6E4}">
-                <adec:decorative xmlns:adec="http://schemas.microsoft.com/office/drawing/2017/decorative" val="1"/>
-              </a:ext>
-            </a:extLst>
-          </p:cNvPr>
-          <p:cNvCxnSpPr>
-            <a:cxnSpLocks noGrp="1" noRot="1" noChangeAspect="1" noMove="1" noResize="1" noEditPoints="1" noAdjustHandles="1" noChangeArrowheads="1" noChangeShapeType="1"/>
-          </p:cNvCxnSpPr>
-          <p:nvPr>
-            <p:extLst>
-              <p:ext uri="{386F3935-93C4-4BCD-93E2-E3B085C9AB24}">
-                <p16:designElem xmlns:p16="http://schemas.microsoft.com/office/powerpoint/2015/main" val="1"/>
-              </p:ext>
-            </p:extLst>
-          </p:nvPr>
-        </p:nvCxnSpPr>
-        <p:spPr>
-          <a:xfrm>
-            <a:off x="0" y="6128413"/>
-            <a:ext cx="12192000" cy="0"/>
-          </a:xfrm>
-          <a:prstGeom prst="line">
-            <a:avLst/>
-          </a:prstGeom>
-          <a:ln w="12700">
-            <a:solidFill>
-              <a:srgbClr val="000001">
-                <a:alpha val="20000"/>
-              </a:srgbClr>
-            </a:solidFill>
-          </a:ln>
-        </p:spPr>
-        <p:style>
-          <a:lnRef idx="1">
-            <a:schemeClr val="accent1"/>
-          </a:lnRef>
-          <a:fillRef idx="0">
-            <a:schemeClr val="accent1"/>
-          </a:fillRef>
-          <a:effectRef idx="0">
-            <a:schemeClr val="accent1"/>
-          </a:effectRef>
-          <a:fontRef idx="minor">
-            <a:schemeClr val="tx1"/>
-          </a:fontRef>
-        </p:style>
-      </p:cxnSp>
     </p:spTree>
     <p:extLst>
       <p:ext uri="{BB962C8B-B14F-4D97-AF65-F5344CB8AC3E}">
@@ -12647,114 +11519,6 @@
           <a:chExt cx="0" cy="0"/>
         </a:xfrm>
       </p:grpSpPr>
-      <p:sp useBgFill="1">
-        <p:nvSpPr>
-          <p:cNvPr id="23" name="Rectangle 22">
-            <a:extLst>
-              <a:ext uri="{FF2B5EF4-FFF2-40B4-BE49-F238E27FC236}">
-                <a16:creationId xmlns:a16="http://schemas.microsoft.com/office/drawing/2014/main" id="{742C14A9-3617-46DD-9FC4-ED828A7D3E6F}"/>
-              </a:ext>
-              <a:ext uri="{C183D7F6-B498-43B3-948B-1728B52AA6E4}">
-                <adec:decorative xmlns:adec="http://schemas.microsoft.com/office/drawing/2017/decorative" val="1"/>
-              </a:ext>
-            </a:extLst>
-          </p:cNvPr>
-          <p:cNvSpPr>
-            <a:spLocks noGrp="1" noRot="1" noChangeAspect="1" noMove="1" noResize="1" noEditPoints="1" noAdjustHandles="1" noChangeArrowheads="1" noChangeShapeType="1" noTextEdit="1"/>
-          </p:cNvSpPr>
-          <p:nvPr>
-            <p:extLst>
-              <p:ext uri="{386F3935-93C4-4BCD-93E2-E3B085C9AB24}">
-                <p16:designElem xmlns:p16="http://schemas.microsoft.com/office/powerpoint/2015/main" val="1"/>
-              </p:ext>
-            </p:extLst>
-          </p:nvPr>
-        </p:nvSpPr>
-        <p:spPr>
-          <a:xfrm>
-            <a:off x="2" y="0"/>
-            <a:ext cx="12191695" cy="6858000"/>
-          </a:xfrm>
-          <a:prstGeom prst="rect">
-            <a:avLst/>
-          </a:prstGeom>
-          <a:ln>
-            <a:noFill/>
-          </a:ln>
-        </p:spPr>
-        <p:style>
-          <a:lnRef idx="2">
-            <a:schemeClr val="accent1">
-              <a:shade val="50000"/>
-            </a:schemeClr>
-          </a:lnRef>
-          <a:fillRef idx="1">
-            <a:schemeClr val="accent1"/>
-          </a:fillRef>
-          <a:effectRef idx="0">
-            <a:schemeClr val="accent1"/>
-          </a:effectRef>
-          <a:fontRef idx="minor">
-            <a:schemeClr val="lt1"/>
-          </a:fontRef>
-        </p:style>
-        <p:txBody>
-          <a:bodyPr rtlCol="0" anchor="ctr"/>
-          <a:lstStyle/>
-          <a:p>
-            <a:pPr algn="ctr"/>
-            <a:endParaRPr lang="en-US"/>
-          </a:p>
-        </p:txBody>
-      </p:sp>
-      <p:cxnSp>
-        <p:nvCxnSpPr>
-          <p:cNvPr id="25" name="Straight Connector 24">
-            <a:extLst>
-              <a:ext uri="{FF2B5EF4-FFF2-40B4-BE49-F238E27FC236}">
-                <a16:creationId xmlns:a16="http://schemas.microsoft.com/office/drawing/2014/main" id="{19AB0109-1C89-41F0-9EDF-3DE017BE3F27}"/>
-              </a:ext>
-              <a:ext uri="{C183D7F6-B498-43B3-948B-1728B52AA6E4}">
-                <adec:decorative xmlns:adec="http://schemas.microsoft.com/office/drawing/2017/decorative" val="1"/>
-              </a:ext>
-            </a:extLst>
-          </p:cNvPr>
-          <p:cNvCxnSpPr>
-            <a:cxnSpLocks noGrp="1" noRot="1" noChangeAspect="1" noMove="1" noResize="1" noEditPoints="1" noAdjustHandles="1" noChangeArrowheads="1" noChangeShapeType="1"/>
-          </p:cNvCxnSpPr>
-          <p:nvPr>
-            <p:extLst>
-              <p:ext uri="{386F3935-93C4-4BCD-93E2-E3B085C9AB24}">
-                <p16:designElem xmlns:p16="http://schemas.microsoft.com/office/powerpoint/2015/main" val="1"/>
-              </p:ext>
-            </p:extLst>
-          </p:nvPr>
-        </p:nvCxnSpPr>
-        <p:spPr>
-          <a:xfrm>
-            <a:off x="1453897" y="1847088"/>
-            <a:ext cx="5548039" cy="0"/>
-          </a:xfrm>
-          <a:prstGeom prst="line">
-            <a:avLst/>
-          </a:prstGeom>
-          <a:ln w="31750"/>
-        </p:spPr>
-        <p:style>
-          <a:lnRef idx="3">
-            <a:schemeClr val="accent1"/>
-          </a:lnRef>
-          <a:fillRef idx="0">
-            <a:schemeClr val="accent1"/>
-          </a:fillRef>
-          <a:effectRef idx="2">
-            <a:schemeClr val="accent1"/>
-          </a:effectRef>
-          <a:fontRef idx="minor">
-            <a:schemeClr val="tx1"/>
-          </a:fontRef>
-        </p:style>
-      </p:cxnSp>
       <p:sp>
         <p:nvSpPr>
           <p:cNvPr id="2" name="Title 1">
@@ -12787,80 +11551,6 @@
               <a:rPr lang="en-US" dirty="0"/>
               <a:t>Making a bar graph</a:t>
             </a:r>
-          </a:p>
-        </p:txBody>
-      </p:sp>
-      <p:sp>
-        <p:nvSpPr>
-          <p:cNvPr id="27" name="Rectangle 26">
-            <a:extLst>
-              <a:ext uri="{FF2B5EF4-FFF2-40B4-BE49-F238E27FC236}">
-                <a16:creationId xmlns:a16="http://schemas.microsoft.com/office/drawing/2014/main" id="{19E5CB6C-D5A1-44AB-BAD0-E76C67ED2802}"/>
-              </a:ext>
-              <a:ext uri="{C183D7F6-B498-43B3-948B-1728B52AA6E4}">
-                <adec:decorative xmlns:adec="http://schemas.microsoft.com/office/drawing/2017/decorative" val="1"/>
-              </a:ext>
-            </a:extLst>
-          </p:cNvPr>
-          <p:cNvSpPr>
-            <a:spLocks noGrp="1" noRot="1" noChangeAspect="1" noMove="1" noResize="1" noEditPoints="1" noAdjustHandles="1" noChangeArrowheads="1" noChangeShapeType="1" noTextEdit="1"/>
-          </p:cNvSpPr>
-          <p:nvPr>
-            <p:extLst>
-              <p:ext uri="{386F3935-93C4-4BCD-93E2-E3B085C9AB24}">
-                <p16:designElem xmlns:p16="http://schemas.microsoft.com/office/powerpoint/2015/main" val="1"/>
-              </p:ext>
-            </p:extLst>
-          </p:nvPr>
-        </p:nvSpPr>
-        <p:spPr>
-          <a:xfrm>
-            <a:off x="0" y="2019476"/>
-            <a:ext cx="12192000" cy="4105941"/>
-          </a:xfrm>
-          <a:prstGeom prst="rect">
-            <a:avLst/>
-          </a:prstGeom>
-          <a:gradFill flip="none" rotWithShape="1">
-            <a:gsLst>
-              <a:gs pos="0">
-                <a:schemeClr val="bg2">
-                  <a:alpha val="0"/>
-                </a:schemeClr>
-              </a:gs>
-              <a:gs pos="100000">
-                <a:schemeClr val="bg2"/>
-              </a:gs>
-            </a:gsLst>
-            <a:lin ang="5400000" scaled="0"/>
-            <a:tileRect/>
-          </a:gradFill>
-          <a:ln>
-            <a:noFill/>
-          </a:ln>
-        </p:spPr>
-        <p:style>
-          <a:lnRef idx="2">
-            <a:schemeClr val="accent1">
-              <a:shade val="50000"/>
-            </a:schemeClr>
-          </a:lnRef>
-          <a:fillRef idx="1">
-            <a:schemeClr val="accent1"/>
-          </a:fillRef>
-          <a:effectRef idx="0">
-            <a:schemeClr val="accent1"/>
-          </a:effectRef>
-          <a:fontRef idx="minor">
-            <a:schemeClr val="lt1"/>
-          </a:fontRef>
-        </p:style>
-        <p:txBody>
-          <a:bodyPr rtlCol="0" anchor="ctr"/>
-          <a:lstStyle/>
-          <a:p>
-            <a:pPr lvl="0" algn="ctr"/>
-            <a:endParaRPr lang="en-US"/>
           </a:p>
         </p:txBody>
       </p:sp>
@@ -13019,104 +11709,6 @@
           </a:prstGeom>
         </p:spPr>
       </p:pic>
-      <p:pic>
-        <p:nvPicPr>
-          <p:cNvPr id="29" name="Picture 28">
-            <a:extLst>
-              <a:ext uri="{FF2B5EF4-FFF2-40B4-BE49-F238E27FC236}">
-                <a16:creationId xmlns:a16="http://schemas.microsoft.com/office/drawing/2014/main" id="{D5A16967-5C32-4A48-9F02-4F0228AC8DBA}"/>
-              </a:ext>
-              <a:ext uri="{C183D7F6-B498-43B3-948B-1728B52AA6E4}">
-                <adec:decorative xmlns:adec="http://schemas.microsoft.com/office/drawing/2017/decorative" val="1"/>
-              </a:ext>
-            </a:extLst>
-          </p:cNvPr>
-          <p:cNvPicPr>
-            <a:picLocks noGrp="1" noRot="1" noChangeAspect="1" noMove="1" noResize="1" noEditPoints="1" noAdjustHandles="1" noChangeArrowheads="1" noChangeShapeType="1" noCrop="1"/>
-          </p:cNvPicPr>
-          <p:nvPr>
-            <p:extLst>
-              <p:ext uri="{386F3935-93C4-4BCD-93E2-E3B085C9AB24}">
-                <p16:designElem xmlns:p16="http://schemas.microsoft.com/office/powerpoint/2015/main" val="1"/>
-              </p:ext>
-            </p:extLst>
-          </p:nvPr>
-        </p:nvPicPr>
-        <p:blipFill rotWithShape="1">
-          <a:blip r:embed="rId4">
-            <a:extLst>
-              <a:ext uri="{28A0092B-C50C-407E-A947-70E740481C1C}">
-                <a14:useLocalDpi xmlns:a14="http://schemas.microsoft.com/office/drawing/2010/main" val="0"/>
-              </a:ext>
-            </a:extLst>
-          </a:blip>
-          <a:srcRect t="1538" b="-1538"/>
-          <a:stretch/>
-        </p:blipFill>
-        <p:spPr bwMode="black">
-          <a:xfrm>
-            <a:off x="0" y="6126480"/>
-            <a:ext cx="12192000" cy="742950"/>
-          </a:xfrm>
-          <a:prstGeom prst="rect">
-            <a:avLst/>
-          </a:prstGeom>
-        </p:spPr>
-      </p:pic>
-      <p:cxnSp>
-        <p:nvCxnSpPr>
-          <p:cNvPr id="31" name="Straight Connector 30">
-            <a:extLst>
-              <a:ext uri="{FF2B5EF4-FFF2-40B4-BE49-F238E27FC236}">
-                <a16:creationId xmlns:a16="http://schemas.microsoft.com/office/drawing/2014/main" id="{942D078B-EF20-4DB1-AA1B-87F212C56A9A}"/>
-              </a:ext>
-              <a:ext uri="{C183D7F6-B498-43B3-948B-1728B52AA6E4}">
-                <adec:decorative xmlns:adec="http://schemas.microsoft.com/office/drawing/2017/decorative" val="1"/>
-              </a:ext>
-            </a:extLst>
-          </p:cNvPr>
-          <p:cNvCxnSpPr>
-            <a:cxnSpLocks noGrp="1" noRot="1" noChangeAspect="1" noMove="1" noResize="1" noEditPoints="1" noAdjustHandles="1" noChangeArrowheads="1" noChangeShapeType="1"/>
-          </p:cNvCxnSpPr>
-          <p:nvPr>
-            <p:extLst>
-              <p:ext uri="{386F3935-93C4-4BCD-93E2-E3B085C9AB24}">
-                <p16:designElem xmlns:p16="http://schemas.microsoft.com/office/powerpoint/2015/main" val="1"/>
-              </p:ext>
-            </p:extLst>
-          </p:nvPr>
-        </p:nvCxnSpPr>
-        <p:spPr>
-          <a:xfrm>
-            <a:off x="0" y="6128413"/>
-            <a:ext cx="12192000" cy="0"/>
-          </a:xfrm>
-          <a:prstGeom prst="line">
-            <a:avLst/>
-          </a:prstGeom>
-          <a:ln w="12700">
-            <a:solidFill>
-              <a:srgbClr val="000001">
-                <a:alpha val="20000"/>
-              </a:srgbClr>
-            </a:solidFill>
-          </a:ln>
-        </p:spPr>
-        <p:style>
-          <a:lnRef idx="1">
-            <a:schemeClr val="accent1"/>
-          </a:lnRef>
-          <a:fillRef idx="0">
-            <a:schemeClr val="accent1"/>
-          </a:fillRef>
-          <a:effectRef idx="0">
-            <a:schemeClr val="accent1"/>
-          </a:effectRef>
-          <a:fontRef idx="minor">
-            <a:schemeClr val="tx1"/>
-          </a:fontRef>
-        </p:style>
-      </p:cxnSp>
     </p:spTree>
     <p:extLst>
       <p:ext uri="{BB962C8B-B14F-4D97-AF65-F5344CB8AC3E}">
@@ -13187,12 +11779,7 @@
             <p:ph type="title"/>
           </p:nvPr>
         </p:nvSpPr>
-        <p:spPr>
-          <a:xfrm>
-            <a:off x="1451579" y="804519"/>
-            <a:ext cx="9603275" cy="1049235"/>
-          </a:xfrm>
-        </p:spPr>
+        <p:spPr/>
         <p:txBody>
           <a:bodyPr>
             <a:normAutofit/>
@@ -13515,7 +12102,7 @@
             </a:pPr>
             <a:r>
               <a:rPr lang="en-US" sz="1800" dirty="0"/>
-              <a:t>     The most important number of purchases were made In the zip code 95823</a:t>
+              <a:t>     The most purchases were made In the zip code 95823</a:t>
             </a:r>
           </a:p>
           <a:p>

--- a/Sacramento Real Estate.pptx
+++ b/Sacramento Real Estate.pptx
@@ -9608,6 +9608,140 @@
           <a:chExt cx="0" cy="0"/>
         </a:xfrm>
       </p:grpSpPr>
+      <p:sp useBgFill="1">
+        <p:nvSpPr>
+          <p:cNvPr id="8" name="Rectangle 7">
+            <a:extLst>
+              <a:ext uri="{FF2B5EF4-FFF2-40B4-BE49-F238E27FC236}">
+                <a16:creationId xmlns:a16="http://schemas.microsoft.com/office/drawing/2014/main" id="{F8454B2E-D2DB-42C2-A224-BCEC47B86468}"/>
+              </a:ext>
+              <a:ext uri="{C183D7F6-B498-43B3-948B-1728B52AA6E4}">
+                <adec:decorative xmlns:adec="http://schemas.microsoft.com/office/drawing/2017/decorative" val="1"/>
+              </a:ext>
+            </a:extLst>
+          </p:cNvPr>
+          <p:cNvSpPr>
+            <a:spLocks noGrp="1" noRot="1" noChangeAspect="1" noMove="1" noResize="1" noEditPoints="1" noAdjustHandles="1" noChangeArrowheads="1" noChangeShapeType="1" noTextEdit="1"/>
+          </p:cNvSpPr>
+          <p:nvPr>
+            <p:extLst>
+              <p:ext uri="{386F3935-93C4-4BCD-93E2-E3B085C9AB24}">
+                <p16:designElem xmlns:p16="http://schemas.microsoft.com/office/powerpoint/2015/main" val="1"/>
+              </p:ext>
+            </p:extLst>
+          </p:nvPr>
+        </p:nvSpPr>
+        <p:spPr>
+          <a:xfrm>
+            <a:off x="2" y="0"/>
+            <a:ext cx="12191695" cy="6858000"/>
+          </a:xfrm>
+          <a:prstGeom prst="rect">
+            <a:avLst/>
+          </a:prstGeom>
+          <a:ln>
+            <a:noFill/>
+          </a:ln>
+        </p:spPr>
+        <p:style>
+          <a:lnRef idx="2">
+            <a:schemeClr val="accent1">
+              <a:shade val="50000"/>
+            </a:schemeClr>
+          </a:lnRef>
+          <a:fillRef idx="1">
+            <a:schemeClr val="accent1"/>
+          </a:fillRef>
+          <a:effectRef idx="0">
+            <a:schemeClr val="accent1"/>
+          </a:effectRef>
+          <a:fontRef idx="minor">
+            <a:schemeClr val="lt1"/>
+          </a:fontRef>
+        </p:style>
+        <p:txBody>
+          <a:bodyPr rtlCol="0" anchor="ctr"/>
+          <a:lstStyle/>
+          <a:p>
+            <a:pPr algn="ctr"/>
+            <a:endParaRPr lang="en-US"/>
+          </a:p>
+        </p:txBody>
+      </p:sp>
+      <p:sp>
+        <p:nvSpPr>
+          <p:cNvPr id="10" name="Rectangle 9">
+            <a:extLst>
+              <a:ext uri="{FF2B5EF4-FFF2-40B4-BE49-F238E27FC236}">
+                <a16:creationId xmlns:a16="http://schemas.microsoft.com/office/drawing/2014/main" id="{08B61146-1CF0-40E1-B66E-C22BD9207E37}"/>
+              </a:ext>
+              <a:ext uri="{C183D7F6-B498-43B3-948B-1728B52AA6E4}">
+                <adec:decorative xmlns:adec="http://schemas.microsoft.com/office/drawing/2017/decorative" val="1"/>
+              </a:ext>
+            </a:extLst>
+          </p:cNvPr>
+          <p:cNvSpPr>
+            <a:spLocks noGrp="1" noRot="1" noChangeAspect="1" noMove="1" noResize="1" noEditPoints="1" noAdjustHandles="1" noChangeArrowheads="1" noChangeShapeType="1" noTextEdit="1"/>
+          </p:cNvSpPr>
+          <p:nvPr>
+            <p:extLst>
+              <p:ext uri="{386F3935-93C4-4BCD-93E2-E3B085C9AB24}">
+                <p16:designElem xmlns:p16="http://schemas.microsoft.com/office/powerpoint/2015/main" val="1"/>
+              </p:ext>
+            </p:extLst>
+          </p:nvPr>
+        </p:nvSpPr>
+        <p:spPr>
+          <a:xfrm>
+            <a:off x="0" y="2019476"/>
+            <a:ext cx="12192000" cy="4105941"/>
+          </a:xfrm>
+          <a:prstGeom prst="rect">
+            <a:avLst/>
+          </a:prstGeom>
+          <a:gradFill flip="none" rotWithShape="1">
+            <a:gsLst>
+              <a:gs pos="0">
+                <a:schemeClr val="bg2">
+                  <a:alpha val="0"/>
+                </a:schemeClr>
+              </a:gs>
+              <a:gs pos="100000">
+                <a:schemeClr val="bg2"/>
+              </a:gs>
+            </a:gsLst>
+            <a:lin ang="5400000" scaled="0"/>
+            <a:tileRect/>
+          </a:gradFill>
+          <a:ln>
+            <a:noFill/>
+          </a:ln>
+        </p:spPr>
+        <p:style>
+          <a:lnRef idx="2">
+            <a:schemeClr val="accent1">
+              <a:shade val="50000"/>
+            </a:schemeClr>
+          </a:lnRef>
+          <a:fillRef idx="1">
+            <a:schemeClr val="accent1"/>
+          </a:fillRef>
+          <a:effectRef idx="0">
+            <a:schemeClr val="accent1"/>
+          </a:effectRef>
+          <a:fontRef idx="minor">
+            <a:schemeClr val="lt1"/>
+          </a:fontRef>
+        </p:style>
+        <p:txBody>
+          <a:bodyPr rtlCol="0" anchor="ctr"/>
+          <a:lstStyle/>
+          <a:p>
+            <a:pPr lvl="0" algn="ctr"/>
+            <a:endParaRPr lang="en-US"/>
+          </a:p>
+        </p:txBody>
+      </p:sp>
       <p:sp>
         <p:nvSpPr>
           <p:cNvPr id="2" name="Title 1">
@@ -9708,6 +9842,98 @@
           </a:p>
         </p:txBody>
       </p:sp>
+      <p:cxnSp>
+        <p:nvCxnSpPr>
+          <p:cNvPr id="12" name="Straight Connector 11">
+            <a:extLst>
+              <a:ext uri="{FF2B5EF4-FFF2-40B4-BE49-F238E27FC236}">
+                <a16:creationId xmlns:a16="http://schemas.microsoft.com/office/drawing/2014/main" id="{7AE5065C-30A9-480A-9E93-74CC1490293D}"/>
+              </a:ext>
+              <a:ext uri="{C183D7F6-B498-43B3-948B-1728B52AA6E4}">
+                <adec:decorative xmlns:adec="http://schemas.microsoft.com/office/drawing/2017/decorative" val="1"/>
+              </a:ext>
+            </a:extLst>
+          </p:cNvPr>
+          <p:cNvCxnSpPr>
+            <a:cxnSpLocks noGrp="1" noRot="1" noChangeAspect="1" noMove="1" noResize="1" noEditPoints="1" noAdjustHandles="1" noChangeArrowheads="1" noChangeShapeType="1"/>
+          </p:cNvCxnSpPr>
+          <p:nvPr>
+            <p:extLst>
+              <p:ext uri="{386F3935-93C4-4BCD-93E2-E3B085C9AB24}">
+                <p16:designElem xmlns:p16="http://schemas.microsoft.com/office/powerpoint/2015/main" val="1"/>
+              </p:ext>
+            </p:extLst>
+          </p:nvPr>
+        </p:nvCxnSpPr>
+        <p:spPr>
+          <a:xfrm>
+            <a:off x="1776728" y="4735528"/>
+            <a:ext cx="8643010" cy="0"/>
+          </a:xfrm>
+          <a:prstGeom prst="line">
+            <a:avLst/>
+          </a:prstGeom>
+          <a:ln w="31750"/>
+        </p:spPr>
+        <p:style>
+          <a:lnRef idx="3">
+            <a:schemeClr val="accent1"/>
+          </a:lnRef>
+          <a:fillRef idx="0">
+            <a:schemeClr val="accent1"/>
+          </a:fillRef>
+          <a:effectRef idx="2">
+            <a:schemeClr val="accent1"/>
+          </a:effectRef>
+          <a:fontRef idx="minor">
+            <a:schemeClr val="tx1"/>
+          </a:fontRef>
+        </p:style>
+      </p:cxnSp>
+      <p:pic>
+        <p:nvPicPr>
+          <p:cNvPr id="14" name="Picture 13">
+            <a:extLst>
+              <a:ext uri="{FF2B5EF4-FFF2-40B4-BE49-F238E27FC236}">
+                <a16:creationId xmlns:a16="http://schemas.microsoft.com/office/drawing/2014/main" id="{2F948680-1810-4961-805C-D0C28E7E93EE}"/>
+              </a:ext>
+              <a:ext uri="{C183D7F6-B498-43B3-948B-1728B52AA6E4}">
+                <adec:decorative xmlns:adec="http://schemas.microsoft.com/office/drawing/2017/decorative" val="1"/>
+              </a:ext>
+            </a:extLst>
+          </p:cNvPr>
+          <p:cNvPicPr>
+            <a:picLocks noGrp="1" noRot="1" noChangeAspect="1" noMove="1" noResize="1" noEditPoints="1" noAdjustHandles="1" noChangeArrowheads="1" noChangeShapeType="1" noCrop="1"/>
+          </p:cNvPicPr>
+          <p:nvPr>
+            <p:extLst>
+              <p:ext uri="{386F3935-93C4-4BCD-93E2-E3B085C9AB24}">
+                <p16:designElem xmlns:p16="http://schemas.microsoft.com/office/powerpoint/2015/main" val="1"/>
+              </p:ext>
+            </p:extLst>
+          </p:nvPr>
+        </p:nvPicPr>
+        <p:blipFill rotWithShape="1">
+          <a:blip r:embed="rId2">
+            <a:extLst>
+              <a:ext uri="{28A0092B-C50C-407E-A947-70E740481C1C}">
+                <a14:useLocalDpi xmlns:a14="http://schemas.microsoft.com/office/drawing/2010/main" val="0"/>
+              </a:ext>
+            </a:extLst>
+          </a:blip>
+          <a:srcRect t="1538" b="-1538"/>
+          <a:stretch/>
+        </p:blipFill>
+        <p:spPr bwMode="black">
+          <a:xfrm>
+            <a:off x="0" y="6126480"/>
+            <a:ext cx="12192000" cy="742950"/>
+          </a:xfrm>
+          <a:prstGeom prst="rect">
+            <a:avLst/>
+          </a:prstGeom>
+        </p:spPr>
+      </p:pic>
     </p:spTree>
     <p:extLst>
       <p:ext uri="{BB962C8B-B14F-4D97-AF65-F5344CB8AC3E}">
@@ -10803,6 +11029,352 @@
       </p:grpSpPr>
       <p:sp>
         <p:nvSpPr>
+          <p:cNvPr id="31" name="Rectangle 11">
+            <a:extLst>
+              <a:ext uri="{FF2B5EF4-FFF2-40B4-BE49-F238E27FC236}">
+                <a16:creationId xmlns:a16="http://schemas.microsoft.com/office/drawing/2014/main" id="{EEA869E1-F851-4A52-92F5-77E592B76A5B}"/>
+              </a:ext>
+              <a:ext uri="{C183D7F6-B498-43B3-948B-1728B52AA6E4}">
+                <adec:decorative xmlns:adec="http://schemas.microsoft.com/office/drawing/2017/decorative" val="1"/>
+              </a:ext>
+            </a:extLst>
+          </p:cNvPr>
+          <p:cNvSpPr>
+            <a:spLocks noGrp="1" noRot="1" noChangeAspect="1" noMove="1" noResize="1" noEditPoints="1" noAdjustHandles="1" noChangeArrowheads="1" noChangeShapeType="1" noTextEdit="1"/>
+          </p:cNvSpPr>
+          <p:nvPr>
+            <p:extLst>
+              <p:ext uri="{386F3935-93C4-4BCD-93E2-E3B085C9AB24}">
+                <p16:designElem xmlns:p16="http://schemas.microsoft.com/office/powerpoint/2015/main" val="1"/>
+              </p:ext>
+            </p:extLst>
+          </p:nvPr>
+        </p:nvSpPr>
+        <p:spPr>
+          <a:xfrm>
+            <a:off x="0" y="2019476"/>
+            <a:ext cx="12192000" cy="4105941"/>
+          </a:xfrm>
+          <a:prstGeom prst="rect">
+            <a:avLst/>
+          </a:prstGeom>
+          <a:gradFill flip="none" rotWithShape="1">
+            <a:gsLst>
+              <a:gs pos="0">
+                <a:schemeClr val="bg2">
+                  <a:alpha val="0"/>
+                </a:schemeClr>
+              </a:gs>
+              <a:gs pos="100000">
+                <a:schemeClr val="bg2"/>
+              </a:gs>
+            </a:gsLst>
+            <a:lin ang="5400000" scaled="0"/>
+            <a:tileRect/>
+          </a:gradFill>
+          <a:ln>
+            <a:noFill/>
+          </a:ln>
+        </p:spPr>
+        <p:style>
+          <a:lnRef idx="2">
+            <a:schemeClr val="accent1">
+              <a:shade val="50000"/>
+            </a:schemeClr>
+          </a:lnRef>
+          <a:fillRef idx="1">
+            <a:schemeClr val="accent1"/>
+          </a:fillRef>
+          <a:effectRef idx="0">
+            <a:schemeClr val="accent1"/>
+          </a:effectRef>
+          <a:fontRef idx="minor">
+            <a:schemeClr val="lt1"/>
+          </a:fontRef>
+        </p:style>
+      </p:sp>
+      <p:pic>
+        <p:nvPicPr>
+          <p:cNvPr id="33" name="Picture 13">
+            <a:extLst>
+              <a:ext uri="{FF2B5EF4-FFF2-40B4-BE49-F238E27FC236}">
+                <a16:creationId xmlns:a16="http://schemas.microsoft.com/office/drawing/2014/main" id="{B083AD55-8296-44BD-8E14-DD2DDBC351B0}"/>
+              </a:ext>
+              <a:ext uri="{C183D7F6-B498-43B3-948B-1728B52AA6E4}">
+                <adec:decorative xmlns:adec="http://schemas.microsoft.com/office/drawing/2017/decorative" val="1"/>
+              </a:ext>
+            </a:extLst>
+          </p:cNvPr>
+          <p:cNvPicPr>
+            <a:picLocks noGrp="1" noRot="1" noChangeAspect="1" noMove="1" noResize="1" noEditPoints="1" noAdjustHandles="1" noChangeArrowheads="1" noChangeShapeType="1" noCrop="1"/>
+          </p:cNvPicPr>
+          <p:nvPr>
+            <p:extLst>
+              <p:ext uri="{386F3935-93C4-4BCD-93E2-E3B085C9AB24}">
+                <p16:designElem xmlns:p16="http://schemas.microsoft.com/office/powerpoint/2015/main" val="1"/>
+              </p:ext>
+            </p:extLst>
+          </p:nvPr>
+        </p:nvPicPr>
+        <p:blipFill rotWithShape="1">
+          <a:blip r:embed="rId2">
+            <a:extLst>
+              <a:ext uri="{28A0092B-C50C-407E-A947-70E740481C1C}">
+                <a14:useLocalDpi xmlns:a14="http://schemas.microsoft.com/office/drawing/2010/main" val="0"/>
+              </a:ext>
+            </a:extLst>
+          </a:blip>
+          <a:srcRect t="1538" b="-1538"/>
+          <a:stretch/>
+        </p:blipFill>
+        <p:spPr bwMode="black">
+          <a:xfrm>
+            <a:off x="0" y="6126480"/>
+            <a:ext cx="12192000" cy="742950"/>
+          </a:xfrm>
+          <a:prstGeom prst="rect">
+            <a:avLst/>
+          </a:prstGeom>
+        </p:spPr>
+      </p:pic>
+      <p:cxnSp>
+        <p:nvCxnSpPr>
+          <p:cNvPr id="35" name="Straight Connector 15">
+            <a:extLst>
+              <a:ext uri="{FF2B5EF4-FFF2-40B4-BE49-F238E27FC236}">
+                <a16:creationId xmlns:a16="http://schemas.microsoft.com/office/drawing/2014/main" id="{2BF46B26-15FC-4C5A-94FA-AE9ED64B5C20}"/>
+              </a:ext>
+              <a:ext uri="{C183D7F6-B498-43B3-948B-1728B52AA6E4}">
+                <adec:decorative xmlns:adec="http://schemas.microsoft.com/office/drawing/2017/decorative" val="1"/>
+              </a:ext>
+            </a:extLst>
+          </p:cNvPr>
+          <p:cNvCxnSpPr>
+            <a:cxnSpLocks noGrp="1" noRot="1" noChangeAspect="1" noMove="1" noResize="1" noEditPoints="1" noAdjustHandles="1" noChangeArrowheads="1" noChangeShapeType="1"/>
+          </p:cNvCxnSpPr>
+          <p:nvPr>
+            <p:extLst>
+              <p:ext uri="{386F3935-93C4-4BCD-93E2-E3B085C9AB24}">
+                <p16:designElem xmlns:p16="http://schemas.microsoft.com/office/powerpoint/2015/main" val="1"/>
+              </p:ext>
+            </p:extLst>
+          </p:nvPr>
+        </p:nvCxnSpPr>
+        <p:spPr>
+          <a:xfrm>
+            <a:off x="0" y="6128413"/>
+            <a:ext cx="12192000" cy="0"/>
+          </a:xfrm>
+          <a:prstGeom prst="line">
+            <a:avLst/>
+          </a:prstGeom>
+          <a:ln w="12700">
+            <a:solidFill>
+              <a:srgbClr val="000001">
+                <a:alpha val="20000"/>
+              </a:srgbClr>
+            </a:solidFill>
+          </a:ln>
+        </p:spPr>
+        <p:style>
+          <a:lnRef idx="1">
+            <a:schemeClr val="accent1"/>
+          </a:lnRef>
+          <a:fillRef idx="0">
+            <a:schemeClr val="accent1"/>
+          </a:fillRef>
+          <a:effectRef idx="0">
+            <a:schemeClr val="accent1"/>
+          </a:effectRef>
+          <a:fontRef idx="minor">
+            <a:schemeClr val="tx1"/>
+          </a:fontRef>
+        </p:style>
+      </p:cxnSp>
+      <p:cxnSp>
+        <p:nvCxnSpPr>
+          <p:cNvPr id="36" name="Straight Connector 17">
+            <a:extLst>
+              <a:ext uri="{FF2B5EF4-FFF2-40B4-BE49-F238E27FC236}">
+                <a16:creationId xmlns:a16="http://schemas.microsoft.com/office/drawing/2014/main" id="{912F6065-5345-44BD-B66E-5487CCD7A9B9}"/>
+              </a:ext>
+              <a:ext uri="{C183D7F6-B498-43B3-948B-1728B52AA6E4}">
+                <adec:decorative xmlns:adec="http://schemas.microsoft.com/office/drawing/2017/decorative" val="1"/>
+              </a:ext>
+            </a:extLst>
+          </p:cNvPr>
+          <p:cNvCxnSpPr>
+            <a:cxnSpLocks noGrp="1" noRot="1" noChangeAspect="1" noMove="1" noResize="1" noEditPoints="1" noAdjustHandles="1" noChangeArrowheads="1" noChangeShapeType="1"/>
+          </p:cNvCxnSpPr>
+          <p:nvPr>
+            <p:extLst>
+              <p:ext uri="{386F3935-93C4-4BCD-93E2-E3B085C9AB24}">
+                <p16:designElem xmlns:p16="http://schemas.microsoft.com/office/powerpoint/2015/main" val="1"/>
+              </p:ext>
+            </p:extLst>
+          </p:nvPr>
+        </p:nvCxnSpPr>
+        <p:spPr>
+          <a:xfrm>
+            <a:off x="2417780" y="3528542"/>
+            <a:ext cx="8637072" cy="0"/>
+          </a:xfrm>
+          <a:prstGeom prst="line">
+            <a:avLst/>
+          </a:prstGeom>
+          <a:ln w="31750"/>
+        </p:spPr>
+        <p:style>
+          <a:lnRef idx="3">
+            <a:schemeClr val="accent1"/>
+          </a:lnRef>
+          <a:fillRef idx="0">
+            <a:schemeClr val="accent1"/>
+          </a:fillRef>
+          <a:effectRef idx="2">
+            <a:schemeClr val="accent1"/>
+          </a:effectRef>
+          <a:fontRef idx="minor">
+            <a:schemeClr val="tx1"/>
+          </a:fontRef>
+        </p:style>
+      </p:cxnSp>
+      <p:sp useBgFill="1">
+        <p:nvSpPr>
+          <p:cNvPr id="37" name="Rectangle 19">
+            <a:extLst>
+              <a:ext uri="{FF2B5EF4-FFF2-40B4-BE49-F238E27FC236}">
+                <a16:creationId xmlns:a16="http://schemas.microsoft.com/office/drawing/2014/main" id="{BD89ECFB-8421-4BB8-A23D-8B8D151F8959}"/>
+              </a:ext>
+              <a:ext uri="{C183D7F6-B498-43B3-948B-1728B52AA6E4}">
+                <adec:decorative xmlns:adec="http://schemas.microsoft.com/office/drawing/2017/decorative" val="1"/>
+              </a:ext>
+            </a:extLst>
+          </p:cNvPr>
+          <p:cNvSpPr>
+            <a:spLocks noGrp="1" noRot="1" noChangeAspect="1" noMove="1" noResize="1" noEditPoints="1" noAdjustHandles="1" noChangeArrowheads="1" noChangeShapeType="1" noTextEdit="1"/>
+          </p:cNvSpPr>
+          <p:nvPr>
+            <p:extLst>
+              <p:ext uri="{386F3935-93C4-4BCD-93E2-E3B085C9AB24}">
+                <p16:designElem xmlns:p16="http://schemas.microsoft.com/office/powerpoint/2015/main" val="1"/>
+              </p:ext>
+            </p:extLst>
+          </p:nvPr>
+        </p:nvSpPr>
+        <p:spPr>
+          <a:xfrm>
+            <a:off x="2" y="0"/>
+            <a:ext cx="12191695" cy="6858000"/>
+          </a:xfrm>
+          <a:prstGeom prst="rect">
+            <a:avLst/>
+          </a:prstGeom>
+          <a:ln>
+            <a:noFill/>
+          </a:ln>
+        </p:spPr>
+        <p:style>
+          <a:lnRef idx="2">
+            <a:schemeClr val="accent1">
+              <a:shade val="50000"/>
+            </a:schemeClr>
+          </a:lnRef>
+          <a:fillRef idx="1">
+            <a:schemeClr val="accent1"/>
+          </a:fillRef>
+          <a:effectRef idx="0">
+            <a:schemeClr val="accent1"/>
+          </a:effectRef>
+          <a:fontRef idx="minor">
+            <a:schemeClr val="lt1"/>
+          </a:fontRef>
+        </p:style>
+        <p:txBody>
+          <a:bodyPr rtlCol="0" anchor="ctr"/>
+          <a:lstStyle/>
+          <a:p>
+            <a:pPr algn="ctr"/>
+            <a:endParaRPr lang="en-US"/>
+          </a:p>
+        </p:txBody>
+      </p:sp>
+      <p:sp>
+        <p:nvSpPr>
+          <p:cNvPr id="38" name="Rectangle 21">
+            <a:extLst>
+              <a:ext uri="{FF2B5EF4-FFF2-40B4-BE49-F238E27FC236}">
+                <a16:creationId xmlns:a16="http://schemas.microsoft.com/office/drawing/2014/main" id="{44911EB7-93CE-44FF-973F-B25ECF5DF58C}"/>
+              </a:ext>
+              <a:ext uri="{C183D7F6-B498-43B3-948B-1728B52AA6E4}">
+                <adec:decorative xmlns:adec="http://schemas.microsoft.com/office/drawing/2017/decorative" val="1"/>
+              </a:ext>
+            </a:extLst>
+          </p:cNvPr>
+          <p:cNvSpPr>
+            <a:spLocks noGrp="1" noRot="1" noChangeAspect="1" noMove="1" noResize="1" noEditPoints="1" noAdjustHandles="1" noChangeArrowheads="1" noChangeShapeType="1" noTextEdit="1"/>
+          </p:cNvSpPr>
+          <p:nvPr>
+            <p:extLst>
+              <p:ext uri="{386F3935-93C4-4BCD-93E2-E3B085C9AB24}">
+                <p16:designElem xmlns:p16="http://schemas.microsoft.com/office/powerpoint/2015/main" val="1"/>
+              </p:ext>
+            </p:extLst>
+          </p:nvPr>
+        </p:nvSpPr>
+        <p:spPr>
+          <a:xfrm>
+            <a:off x="0" y="2019476"/>
+            <a:ext cx="12192000" cy="4105941"/>
+          </a:xfrm>
+          <a:prstGeom prst="rect">
+            <a:avLst/>
+          </a:prstGeom>
+          <a:gradFill flip="none" rotWithShape="1">
+            <a:gsLst>
+              <a:gs pos="0">
+                <a:schemeClr val="bg2">
+                  <a:alpha val="0"/>
+                </a:schemeClr>
+              </a:gs>
+              <a:gs pos="100000">
+                <a:schemeClr val="bg2"/>
+              </a:gs>
+            </a:gsLst>
+            <a:lin ang="5400000" scaled="0"/>
+            <a:tileRect/>
+          </a:gradFill>
+          <a:ln>
+            <a:noFill/>
+          </a:ln>
+        </p:spPr>
+        <p:style>
+          <a:lnRef idx="2">
+            <a:schemeClr val="accent1">
+              <a:shade val="50000"/>
+            </a:schemeClr>
+          </a:lnRef>
+          <a:fillRef idx="1">
+            <a:schemeClr val="accent1"/>
+          </a:fillRef>
+          <a:effectRef idx="0">
+            <a:schemeClr val="accent1"/>
+          </a:effectRef>
+          <a:fontRef idx="minor">
+            <a:schemeClr val="lt1"/>
+          </a:fontRef>
+        </p:style>
+        <p:txBody>
+          <a:bodyPr rtlCol="0" anchor="ctr"/>
+          <a:lstStyle/>
+          <a:p>
+            <a:pPr lvl="0" algn="ctr"/>
+            <a:endParaRPr lang="en-US"/>
+          </a:p>
+        </p:txBody>
+      </p:sp>
+      <p:sp>
+        <p:nvSpPr>
           <p:cNvPr id="2" name="Title 1">
             <a:extLst>
               <a:ext uri="{FF2B5EF4-FFF2-40B4-BE49-F238E27FC236}">
@@ -10836,6 +11408,316 @@
           </a:p>
         </p:txBody>
       </p:sp>
+      <p:cxnSp>
+        <p:nvCxnSpPr>
+          <p:cNvPr id="39" name="Straight Connector 23">
+            <a:extLst>
+              <a:ext uri="{FF2B5EF4-FFF2-40B4-BE49-F238E27FC236}">
+                <a16:creationId xmlns:a16="http://schemas.microsoft.com/office/drawing/2014/main" id="{72870A17-34CA-4FF4-8777-CE7D7B986B76}"/>
+              </a:ext>
+              <a:ext uri="{C183D7F6-B498-43B3-948B-1728B52AA6E4}">
+                <adec:decorative xmlns:adec="http://schemas.microsoft.com/office/drawing/2017/decorative" val="1"/>
+              </a:ext>
+            </a:extLst>
+          </p:cNvPr>
+          <p:cNvCxnSpPr>
+            <a:cxnSpLocks noGrp="1" noRot="1" noChangeAspect="1" noMove="1" noResize="1" noEditPoints="1" noAdjustHandles="1" noChangeArrowheads="1" noChangeShapeType="1"/>
+          </p:cNvCxnSpPr>
+          <p:nvPr>
+            <p:extLst>
+              <p:ext uri="{386F3935-93C4-4BCD-93E2-E3B085C9AB24}">
+                <p16:designElem xmlns:p16="http://schemas.microsoft.com/office/powerpoint/2015/main" val="1"/>
+              </p:ext>
+            </p:extLst>
+          </p:nvPr>
+        </p:nvCxnSpPr>
+        <p:spPr>
+          <a:xfrm>
+            <a:off x="484009" y="3526496"/>
+            <a:ext cx="3023617" cy="0"/>
+          </a:xfrm>
+          <a:prstGeom prst="line">
+            <a:avLst/>
+          </a:prstGeom>
+          <a:ln w="31750"/>
+        </p:spPr>
+        <p:style>
+          <a:lnRef idx="3">
+            <a:schemeClr val="accent1"/>
+          </a:lnRef>
+          <a:fillRef idx="0">
+            <a:schemeClr val="accent1"/>
+          </a:fillRef>
+          <a:effectRef idx="2">
+            <a:schemeClr val="accent1"/>
+          </a:effectRef>
+          <a:fontRef idx="minor">
+            <a:schemeClr val="tx1"/>
+          </a:fontRef>
+        </p:style>
+      </p:cxnSp>
+      <p:grpSp>
+        <p:nvGrpSpPr>
+          <p:cNvPr id="40" name="Group 25">
+            <a:extLst>
+              <a:ext uri="{FF2B5EF4-FFF2-40B4-BE49-F238E27FC236}">
+                <a16:creationId xmlns:a16="http://schemas.microsoft.com/office/drawing/2014/main" id="{34B79B4F-74AA-4B58-BBD2-2C3804928DFD}"/>
+              </a:ext>
+              <a:ext uri="{C183D7F6-B498-43B3-948B-1728B52AA6E4}">
+                <adec:decorative xmlns:adec="http://schemas.microsoft.com/office/drawing/2017/decorative" val="1"/>
+              </a:ext>
+            </a:extLst>
+          </p:cNvPr>
+          <p:cNvGrpSpPr>
+            <a:grpSpLocks noGrp="1" noUngrp="1" noRot="1" noChangeAspect="1" noMove="1" noResize="1"/>
+          </p:cNvGrpSpPr>
+          <p:nvPr>
+            <p:extLst>
+              <p:ext uri="{386F3935-93C4-4BCD-93E2-E3B085C9AB24}">
+                <p16:designElem xmlns:p16="http://schemas.microsoft.com/office/powerpoint/2015/main" val="1"/>
+              </p:ext>
+            </p:extLst>
+          </p:nvPr>
+        </p:nvGrpSpPr>
+        <p:grpSpPr>
+          <a:xfrm>
+            <a:off x="3990638" y="482171"/>
+            <a:ext cx="7560115" cy="5149101"/>
+            <a:chOff x="7463258" y="583365"/>
+            <a:chExt cx="7560115" cy="5181928"/>
+          </a:xfrm>
+        </p:grpSpPr>
+        <p:sp>
+          <p:nvSpPr>
+            <p:cNvPr id="27" name="Rectangle 26">
+              <a:extLst>
+                <a:ext uri="{FF2B5EF4-FFF2-40B4-BE49-F238E27FC236}">
+                  <a16:creationId xmlns:a16="http://schemas.microsoft.com/office/drawing/2014/main" id="{FE994EF0-F368-43B3-9BF0-442E33BC3685}"/>
+                </a:ext>
+                <a:ext uri="{C183D7F6-B498-43B3-948B-1728B52AA6E4}">
+                  <adec:decorative xmlns:adec="http://schemas.microsoft.com/office/drawing/2017/decorative" val="1"/>
+                </a:ext>
+              </a:extLst>
+            </p:cNvPr>
+            <p:cNvSpPr/>
+            <p:nvPr>
+              <p:extLst>
+                <p:ext uri="{386F3935-93C4-4BCD-93E2-E3B085C9AB24}">
+                  <p16:designElem xmlns:p16="http://schemas.microsoft.com/office/powerpoint/2015/main" val="1"/>
+                </p:ext>
+              </p:extLst>
+            </p:nvPr>
+          </p:nvSpPr>
+          <p:spPr>
+            <a:xfrm>
+              <a:off x="7463258" y="583365"/>
+              <a:ext cx="7560115" cy="5181928"/>
+            </a:xfrm>
+            <a:prstGeom prst="rect">
+              <a:avLst/>
+            </a:prstGeom>
+            <a:gradFill>
+              <a:gsLst>
+                <a:gs pos="0">
+                  <a:srgbClr val="000001"/>
+                </a:gs>
+                <a:gs pos="100000">
+                  <a:srgbClr val="191919"/>
+                </a:gs>
+              </a:gsLst>
+            </a:gradFill>
+            <a:ln w="76200" cmpd="sng">
+              <a:noFill/>
+              <a:miter lim="800000"/>
+            </a:ln>
+            <a:effectLst>
+              <a:outerShdw blurRad="127000" dist="228600" dir="4740000" sx="98000" sy="98000" algn="tl" rotWithShape="0">
+                <a:srgbClr val="000000">
+                  <a:alpha val="34000"/>
+                </a:srgbClr>
+              </a:outerShdw>
+            </a:effectLst>
+            <a:scene3d>
+              <a:camera prst="orthographicFront"/>
+              <a:lightRig rig="threePt" dir="t"/>
+            </a:scene3d>
+            <a:sp3d>
+              <a:bevelT w="152400" h="50800" prst="softRound"/>
+            </a:sp3d>
+          </p:spPr>
+          <p:style>
+            <a:lnRef idx="1">
+              <a:schemeClr val="accent1"/>
+            </a:lnRef>
+            <a:fillRef idx="3">
+              <a:schemeClr val="accent1"/>
+            </a:fillRef>
+            <a:effectRef idx="2">
+              <a:schemeClr val="accent1"/>
+            </a:effectRef>
+            <a:fontRef idx="minor">
+              <a:schemeClr val="lt1"/>
+            </a:fontRef>
+          </p:style>
+          <p:txBody>
+            <a:bodyPr rtlCol="0" anchor="ctr"/>
+            <a:lstStyle/>
+            <a:p>
+              <a:pPr algn="ctr"/>
+              <a:endParaRPr lang="en-US"/>
+            </a:p>
+          </p:txBody>
+        </p:sp>
+        <p:sp>
+          <p:nvSpPr>
+            <p:cNvPr id="41" name="Rectangle 27">
+              <a:extLst>
+                <a:ext uri="{FF2B5EF4-FFF2-40B4-BE49-F238E27FC236}">
+                  <a16:creationId xmlns:a16="http://schemas.microsoft.com/office/drawing/2014/main" id="{9B478E81-F333-452C-B354-06E13FB0B261}"/>
+                </a:ext>
+                <a:ext uri="{C183D7F6-B498-43B3-948B-1728B52AA6E4}">
+                  <adec:decorative xmlns:adec="http://schemas.microsoft.com/office/drawing/2017/decorative" val="1"/>
+                </a:ext>
+              </a:extLst>
+            </p:cNvPr>
+            <p:cNvSpPr/>
+            <p:nvPr>
+              <p:extLst>
+                <p:ext uri="{386F3935-93C4-4BCD-93E2-E3B085C9AB24}">
+                  <p16:designElem xmlns:p16="http://schemas.microsoft.com/office/powerpoint/2015/main" val="1"/>
+                </p:ext>
+              </p:extLst>
+            </p:nvPr>
+          </p:nvSpPr>
+          <p:spPr>
+            <a:xfrm>
+              <a:off x="7776317" y="915807"/>
+              <a:ext cx="6928279" cy="4494927"/>
+            </a:xfrm>
+            <a:prstGeom prst="rect">
+              <a:avLst/>
+            </a:prstGeom>
+            <a:gradFill>
+              <a:gsLst>
+                <a:gs pos="0">
+                  <a:srgbClr val="DADADA"/>
+                </a:gs>
+                <a:gs pos="100000">
+                  <a:srgbClr val="FFFFFE"/>
+                </a:gs>
+              </a:gsLst>
+              <a:lin ang="16200000" scaled="0"/>
+            </a:gradFill>
+            <a:ln w="50800" cmpd="sng">
+              <a:solidFill>
+                <a:srgbClr val="191919"/>
+              </a:solidFill>
+              <a:miter lim="800000"/>
+            </a:ln>
+            <a:effectLst>
+              <a:innerShdw blurRad="63500" dist="88900" dir="14100000">
+                <a:srgbClr val="000000">
+                  <a:alpha val="30000"/>
+                </a:srgbClr>
+              </a:innerShdw>
+            </a:effectLst>
+            <a:scene3d>
+              <a:camera prst="orthographicFront"/>
+              <a:lightRig rig="threePt" dir="t"/>
+            </a:scene3d>
+            <a:sp3d>
+              <a:bevelT prst="relaxedInset"/>
+            </a:sp3d>
+          </p:spPr>
+          <p:style>
+            <a:lnRef idx="1">
+              <a:schemeClr val="accent1"/>
+            </a:lnRef>
+            <a:fillRef idx="3">
+              <a:schemeClr val="accent1"/>
+            </a:fillRef>
+            <a:effectRef idx="2">
+              <a:schemeClr val="accent1"/>
+            </a:effectRef>
+            <a:fontRef idx="minor">
+              <a:schemeClr val="lt1"/>
+            </a:fontRef>
+          </p:style>
+          <p:txBody>
+            <a:bodyPr rtlCol="0" anchor="ctr"/>
+            <a:lstStyle/>
+            <a:p>
+              <a:pPr algn="ctr"/>
+              <a:endParaRPr lang="en-US"/>
+            </a:p>
+          </p:txBody>
+        </p:sp>
+      </p:grpSp>
+      <p:sp>
+        <p:nvSpPr>
+          <p:cNvPr id="30" name="Rectangle 29">
+            <a:extLst>
+              <a:ext uri="{FF2B5EF4-FFF2-40B4-BE49-F238E27FC236}">
+                <a16:creationId xmlns:a16="http://schemas.microsoft.com/office/drawing/2014/main" id="{4E4C1088-922B-4744-BB37-5D47AEA43D4D}"/>
+              </a:ext>
+              <a:ext uri="{C183D7F6-B498-43B3-948B-1728B52AA6E4}">
+                <adec:decorative xmlns:adec="http://schemas.microsoft.com/office/drawing/2017/decorative" val="1"/>
+              </a:ext>
+            </a:extLst>
+          </p:cNvPr>
+          <p:cNvSpPr>
+            <a:spLocks noGrp="1" noRot="1" noChangeAspect="1" noMove="1" noResize="1" noEditPoints="1" noAdjustHandles="1" noChangeArrowheads="1" noChangeShapeType="1" noTextEdit="1"/>
+          </p:cNvSpPr>
+          <p:nvPr>
+            <p:extLst>
+              <p:ext uri="{386F3935-93C4-4BCD-93E2-E3B085C9AB24}">
+                <p16:designElem xmlns:p16="http://schemas.microsoft.com/office/powerpoint/2015/main" val="1"/>
+              </p:ext>
+            </p:extLst>
+          </p:nvPr>
+        </p:nvSpPr>
+        <p:spPr>
+          <a:xfrm>
+            <a:off x="4472130" y="977099"/>
+            <a:ext cx="6597725" cy="4136205"/>
+          </a:xfrm>
+          <a:prstGeom prst="rect">
+            <a:avLst/>
+          </a:prstGeom>
+          <a:solidFill>
+            <a:schemeClr val="bg1"/>
+          </a:solidFill>
+          <a:ln w="6350">
+            <a:solidFill>
+              <a:schemeClr val="bg2"/>
+            </a:solidFill>
+          </a:ln>
+        </p:spPr>
+        <p:style>
+          <a:lnRef idx="2">
+            <a:schemeClr val="accent1">
+              <a:shade val="50000"/>
+            </a:schemeClr>
+          </a:lnRef>
+          <a:fillRef idx="1">
+            <a:schemeClr val="accent1"/>
+          </a:fillRef>
+          <a:effectRef idx="0">
+            <a:schemeClr val="accent1"/>
+          </a:effectRef>
+          <a:fontRef idx="minor">
+            <a:schemeClr val="lt1"/>
+          </a:fontRef>
+        </p:style>
+        <p:txBody>
+          <a:bodyPr rtlCol="0" anchor="ctr"/>
+          <a:lstStyle/>
+          <a:p>
+            <a:pPr algn="ctr"/>
+            <a:endParaRPr lang="en-US"/>
+          </a:p>
+        </p:txBody>
+      </p:sp>
       <p:pic>
         <p:nvPicPr>
           <p:cNvPr id="5" name="Picture 4" descr="A person wearing a blue shirt&#10;&#10;Description automatically generated with medium confidence">
@@ -10851,7 +11733,7 @@
           <p:nvPr/>
         </p:nvPicPr>
         <p:blipFill>
-          <a:blip r:embed="rId2">
+          <a:blip r:embed="rId3">
             <a:extLst>
               <a:ext uri="{28A0092B-C50C-407E-A947-70E740481C1C}">
                 <a14:useLocalDpi xmlns:a14="http://schemas.microsoft.com/office/drawing/2010/main" val="0"/>
@@ -10887,7 +11769,7 @@
           <p:nvPr/>
         </p:nvPicPr>
         <p:blipFill>
-          <a:blip r:embed="rId3">
+          <a:blip r:embed="rId4">
             <a:extLst>
               <a:ext uri="{28A0092B-C50C-407E-A947-70E740481C1C}">
                 <a14:useLocalDpi xmlns:a14="http://schemas.microsoft.com/office/drawing/2010/main" val="0"/>
@@ -10908,6 +11790,104 @@
           </a:prstGeom>
         </p:spPr>
       </p:pic>
+      <p:pic>
+        <p:nvPicPr>
+          <p:cNvPr id="32" name="Picture 31">
+            <a:extLst>
+              <a:ext uri="{FF2B5EF4-FFF2-40B4-BE49-F238E27FC236}">
+                <a16:creationId xmlns:a16="http://schemas.microsoft.com/office/drawing/2014/main" id="{15621CD7-6951-4B76-949B-6D851A2BE4D4}"/>
+              </a:ext>
+              <a:ext uri="{C183D7F6-B498-43B3-948B-1728B52AA6E4}">
+                <adec:decorative xmlns:adec="http://schemas.microsoft.com/office/drawing/2017/decorative" val="1"/>
+              </a:ext>
+            </a:extLst>
+          </p:cNvPr>
+          <p:cNvPicPr>
+            <a:picLocks noGrp="1" noRot="1" noChangeAspect="1" noMove="1" noResize="1" noEditPoints="1" noAdjustHandles="1" noChangeArrowheads="1" noChangeShapeType="1" noCrop="1"/>
+          </p:cNvPicPr>
+          <p:nvPr>
+            <p:extLst>
+              <p:ext uri="{386F3935-93C4-4BCD-93E2-E3B085C9AB24}">
+                <p16:designElem xmlns:p16="http://schemas.microsoft.com/office/powerpoint/2015/main" val="1"/>
+              </p:ext>
+            </p:extLst>
+          </p:nvPr>
+        </p:nvPicPr>
+        <p:blipFill rotWithShape="1">
+          <a:blip r:embed="rId2">
+            <a:extLst>
+              <a:ext uri="{28A0092B-C50C-407E-A947-70E740481C1C}">
+                <a14:useLocalDpi xmlns:a14="http://schemas.microsoft.com/office/drawing/2010/main" val="0"/>
+              </a:ext>
+            </a:extLst>
+          </a:blip>
+          <a:srcRect t="1538" b="-1538"/>
+          <a:stretch/>
+        </p:blipFill>
+        <p:spPr bwMode="black">
+          <a:xfrm>
+            <a:off x="0" y="6126480"/>
+            <a:ext cx="12192000" cy="742950"/>
+          </a:xfrm>
+          <a:prstGeom prst="rect">
+            <a:avLst/>
+          </a:prstGeom>
+        </p:spPr>
+      </p:pic>
+      <p:cxnSp>
+        <p:nvCxnSpPr>
+          <p:cNvPr id="34" name="Straight Connector 33">
+            <a:extLst>
+              <a:ext uri="{FF2B5EF4-FFF2-40B4-BE49-F238E27FC236}">
+                <a16:creationId xmlns:a16="http://schemas.microsoft.com/office/drawing/2014/main" id="{7AD09E24-F963-4867-8AA6-3D2F8D3C8AAF}"/>
+              </a:ext>
+              <a:ext uri="{C183D7F6-B498-43B3-948B-1728B52AA6E4}">
+                <adec:decorative xmlns:adec="http://schemas.microsoft.com/office/drawing/2017/decorative" val="1"/>
+              </a:ext>
+            </a:extLst>
+          </p:cNvPr>
+          <p:cNvCxnSpPr>
+            <a:cxnSpLocks noGrp="1" noRot="1" noChangeAspect="1" noMove="1" noResize="1" noEditPoints="1" noAdjustHandles="1" noChangeArrowheads="1" noChangeShapeType="1"/>
+          </p:cNvCxnSpPr>
+          <p:nvPr>
+            <p:extLst>
+              <p:ext uri="{386F3935-93C4-4BCD-93E2-E3B085C9AB24}">
+                <p16:designElem xmlns:p16="http://schemas.microsoft.com/office/powerpoint/2015/main" val="1"/>
+              </p:ext>
+            </p:extLst>
+          </p:nvPr>
+        </p:nvCxnSpPr>
+        <p:spPr>
+          <a:xfrm>
+            <a:off x="0" y="6128413"/>
+            <a:ext cx="12192000" cy="0"/>
+          </a:xfrm>
+          <a:prstGeom prst="line">
+            <a:avLst/>
+          </a:prstGeom>
+          <a:ln w="12700">
+            <a:solidFill>
+              <a:srgbClr val="000001">
+                <a:alpha val="20000"/>
+              </a:srgbClr>
+            </a:solidFill>
+          </a:ln>
+        </p:spPr>
+        <p:style>
+          <a:lnRef idx="1">
+            <a:schemeClr val="accent1"/>
+          </a:lnRef>
+          <a:fillRef idx="0">
+            <a:schemeClr val="accent1"/>
+          </a:fillRef>
+          <a:effectRef idx="0">
+            <a:schemeClr val="accent1"/>
+          </a:effectRef>
+          <a:fontRef idx="minor">
+            <a:schemeClr val="tx1"/>
+          </a:fontRef>
+        </p:style>
+      </p:cxnSp>
     </p:spTree>
     <p:extLst>
       <p:ext uri="{BB962C8B-B14F-4D97-AF65-F5344CB8AC3E}">

--- a/Sacramento Real Estate.pptx
+++ b/Sacramento Real Estate.pptx
@@ -13,11 +13,12 @@
     <p:sldId id="260" r:id="rId7"/>
     <p:sldId id="264" r:id="rId8"/>
     <p:sldId id="263" r:id="rId9"/>
-    <p:sldId id="268" r:id="rId10"/>
-    <p:sldId id="269" r:id="rId11"/>
-    <p:sldId id="271" r:id="rId12"/>
-    <p:sldId id="261" r:id="rId13"/>
-    <p:sldId id="272" r:id="rId14"/>
+    <p:sldId id="273" r:id="rId10"/>
+    <p:sldId id="268" r:id="rId11"/>
+    <p:sldId id="269" r:id="rId12"/>
+    <p:sldId id="271" r:id="rId13"/>
+    <p:sldId id="261" r:id="rId14"/>
+    <p:sldId id="272" r:id="rId15"/>
   </p:sldIdLst>
   <p:sldSz cx="12192000" cy="6858000"/>
   <p:notesSz cx="6858000" cy="9144000"/>
@@ -9969,6 +9970,215 @@
           <p:cNvPr id="2" name="Title 1">
             <a:extLst>
               <a:ext uri="{FF2B5EF4-FFF2-40B4-BE49-F238E27FC236}">
+                <a16:creationId xmlns:a16="http://schemas.microsoft.com/office/drawing/2014/main" id="{CF7646E8-7745-474F-9BA4-5EDFB41A8CED}"/>
+              </a:ext>
+            </a:extLst>
+          </p:cNvPr>
+          <p:cNvSpPr>
+            <a:spLocks noGrp="1"/>
+          </p:cNvSpPr>
+          <p:nvPr>
+            <p:ph type="title"/>
+          </p:nvPr>
+        </p:nvSpPr>
+        <p:spPr>
+          <a:xfrm>
+            <a:off x="1451579" y="867037"/>
+            <a:ext cx="5550357" cy="1049235"/>
+          </a:xfrm>
+        </p:spPr>
+        <p:txBody>
+          <a:bodyPr>
+            <a:normAutofit/>
+          </a:bodyPr>
+          <a:lstStyle/>
+          <a:p>
+            <a:pPr algn="ctr"/>
+            <a:r>
+              <a:rPr lang="en-US" dirty="0"/>
+              <a:t>Bar graphs</a:t>
+            </a:r>
+          </a:p>
+        </p:txBody>
+      </p:sp>
+      <p:sp>
+        <p:nvSpPr>
+          <p:cNvPr id="3" name="Content Placeholder 2">
+            <a:extLst>
+              <a:ext uri="{FF2B5EF4-FFF2-40B4-BE49-F238E27FC236}">
+                <a16:creationId xmlns:a16="http://schemas.microsoft.com/office/drawing/2014/main" id="{523DDD30-9806-4003-A264-247D8D02C7BF}"/>
+              </a:ext>
+            </a:extLst>
+          </p:cNvPr>
+          <p:cNvSpPr>
+            <a:spLocks noGrp="1"/>
+          </p:cNvSpPr>
+          <p:nvPr>
+            <p:ph idx="1"/>
+          </p:nvPr>
+        </p:nvSpPr>
+        <p:spPr>
+          <a:xfrm>
+            <a:off x="1451579" y="2015732"/>
+            <a:ext cx="5550357" cy="3450613"/>
+          </a:xfrm>
+        </p:spPr>
+        <p:txBody>
+          <a:bodyPr>
+            <a:normAutofit/>
+          </a:bodyPr>
+          <a:lstStyle/>
+          <a:p>
+            <a:r>
+              <a:rPr lang="en-US" sz="1800" dirty="0"/>
+              <a:t>Bedroom count: </a:t>
+            </a:r>
+          </a:p>
+          <a:p>
+            <a:pPr marL="0" indent="0">
+              <a:lnSpc>
+                <a:spcPct val="100000"/>
+              </a:lnSpc>
+              <a:buNone/>
+            </a:pPr>
+            <a:r>
+              <a:rPr lang="en-US" sz="1800" dirty="0"/>
+              <a:t>   3-bedroom houses are the most purchased </a:t>
+            </a:r>
+          </a:p>
+          <a:p>
+            <a:pPr marL="0" indent="0">
+              <a:lnSpc>
+                <a:spcPct val="100000"/>
+              </a:lnSpc>
+              <a:buNone/>
+            </a:pPr>
+            <a:r>
+              <a:rPr lang="en-US" sz="1800" dirty="0"/>
+              <a:t>   followed by 4-bedroom </a:t>
+            </a:r>
+          </a:p>
+          <a:p>
+            <a:endParaRPr lang="en-US" sz="1800" dirty="0"/>
+          </a:p>
+          <a:p>
+            <a:r>
+              <a:rPr lang="en-US" sz="1800" dirty="0"/>
+              <a:t>Purchases per zip code </a:t>
+            </a:r>
+          </a:p>
+          <a:p>
+            <a:pPr marL="0" indent="0">
+              <a:buNone/>
+            </a:pPr>
+            <a:r>
+              <a:rPr lang="en-US" sz="1800" dirty="0"/>
+              <a:t>     The most purchases were made In the zip code 95823</a:t>
+            </a:r>
+          </a:p>
+          <a:p>
+            <a:pPr marL="0" indent="0">
+              <a:buNone/>
+            </a:pPr>
+            <a:endParaRPr lang="en-US" sz="1800" dirty="0"/>
+          </a:p>
+        </p:txBody>
+      </p:sp>
+      <p:pic>
+        <p:nvPicPr>
+          <p:cNvPr id="7" name="Picture 6">
+            <a:extLst>
+              <a:ext uri="{FF2B5EF4-FFF2-40B4-BE49-F238E27FC236}">
+                <a16:creationId xmlns:a16="http://schemas.microsoft.com/office/drawing/2014/main" id="{CD9E3385-466A-48AB-A7C0-C0F014E53534}"/>
+              </a:ext>
+            </a:extLst>
+          </p:cNvPr>
+          <p:cNvPicPr>
+            <a:picLocks noChangeAspect="1"/>
+          </p:cNvPicPr>
+          <p:nvPr/>
+        </p:nvPicPr>
+        <p:blipFill>
+          <a:blip r:embed="rId2"/>
+          <a:stretch>
+            <a:fillRect/>
+          </a:stretch>
+        </p:blipFill>
+        <p:spPr>
+          <a:xfrm>
+            <a:off x="7473594" y="596295"/>
+            <a:ext cx="4074836" cy="2261533"/>
+          </a:xfrm>
+          <a:prstGeom prst="rect">
+            <a:avLst/>
+          </a:prstGeom>
+        </p:spPr>
+      </p:pic>
+      <p:pic>
+        <p:nvPicPr>
+          <p:cNvPr id="5" name="Picture 4">
+            <a:extLst>
+              <a:ext uri="{FF2B5EF4-FFF2-40B4-BE49-F238E27FC236}">
+                <a16:creationId xmlns:a16="http://schemas.microsoft.com/office/drawing/2014/main" id="{5FA9D9B3-3D4C-42B8-AF49-DF5298D90F0F}"/>
+              </a:ext>
+            </a:extLst>
+          </p:cNvPr>
+          <p:cNvPicPr>
+            <a:picLocks noChangeAspect="1"/>
+          </p:cNvPicPr>
+          <p:nvPr/>
+        </p:nvPicPr>
+        <p:blipFill>
+          <a:blip r:embed="rId3"/>
+          <a:stretch>
+            <a:fillRect/>
+          </a:stretch>
+        </p:blipFill>
+        <p:spPr>
+          <a:xfrm>
+            <a:off x="7473594" y="3303049"/>
+            <a:ext cx="4074836" cy="1955920"/>
+          </a:xfrm>
+          <a:prstGeom prst="rect">
+            <a:avLst/>
+          </a:prstGeom>
+        </p:spPr>
+      </p:pic>
+    </p:spTree>
+    <p:extLst>
+      <p:ext uri="{BB962C8B-B14F-4D97-AF65-F5344CB8AC3E}">
+        <p14:creationId xmlns:p14="http://schemas.microsoft.com/office/powerpoint/2010/main" val="1875434011"/>
+      </p:ext>
+    </p:extLst>
+  </p:cSld>
+  <p:clrMapOvr>
+    <a:masterClrMapping/>
+  </p:clrMapOvr>
+</p:sld>
+</file>
+
+<file path=ppt/slides/slide11.xml><?xml version="1.0" encoding="utf-8"?>
+<p:sld xmlns:a="http://schemas.openxmlformats.org/drawingml/2006/main" xmlns:r="http://schemas.openxmlformats.org/officeDocument/2006/relationships" xmlns:p="http://schemas.openxmlformats.org/presentationml/2006/main">
+  <p:cSld>
+    <p:spTree>
+      <p:nvGrpSpPr>
+        <p:cNvPr id="1" name=""/>
+        <p:cNvGrpSpPr/>
+        <p:nvPr/>
+      </p:nvGrpSpPr>
+      <p:grpSpPr>
+        <a:xfrm>
+          <a:off x="0" y="0"/>
+          <a:ext cx="0" cy="0"/>
+          <a:chOff x="0" y="0"/>
+          <a:chExt cx="0" cy="0"/>
+        </a:xfrm>
+      </p:grpSpPr>
+      <p:sp>
+        <p:nvSpPr>
+          <p:cNvPr id="2" name="Title 1">
+            <a:extLst>
+              <a:ext uri="{FF2B5EF4-FFF2-40B4-BE49-F238E27FC236}">
                 <a16:creationId xmlns:a16="http://schemas.microsoft.com/office/drawing/2014/main" id="{27B69D2F-C9B2-40DC-A675-8CA78556588D}"/>
               </a:ext>
             </a:extLst>
@@ -10070,7 +10280,7 @@
 </p:sld>
 </file>
 
-<file path=ppt/slides/slide11.xml><?xml version="1.0" encoding="utf-8"?>
+<file path=ppt/slides/slide12.xml><?xml version="1.0" encoding="utf-8"?>
 <p:sld xmlns:a="http://schemas.openxmlformats.org/drawingml/2006/main" xmlns:r="http://schemas.openxmlformats.org/officeDocument/2006/relationships" xmlns:p="http://schemas.openxmlformats.org/presentationml/2006/main">
   <p:cSld>
     <p:spTree>
@@ -10182,7 +10392,7 @@
 </p:sld>
 </file>
 
-<file path=ppt/slides/slide12.xml><?xml version="1.0" encoding="utf-8"?>
+<file path=ppt/slides/slide13.xml><?xml version="1.0" encoding="utf-8"?>
 <p:sld xmlns:a="http://schemas.openxmlformats.org/drawingml/2006/main" xmlns:r="http://schemas.openxmlformats.org/officeDocument/2006/relationships" xmlns:p="http://schemas.openxmlformats.org/presentationml/2006/main">
   <p:cSld>
     <p:bg>
@@ -10859,7 +11069,7 @@
 </p:sld>
 </file>
 
-<file path=ppt/slides/slide13.xml><?xml version="1.0" encoding="utf-8"?>
+<file path=ppt/slides/slide14.xml><?xml version="1.0" encoding="utf-8"?>
 <p:sld xmlns:a="http://schemas.openxmlformats.org/drawingml/2006/main" xmlns:r="http://schemas.openxmlformats.org/officeDocument/2006/relationships" xmlns:p="http://schemas.openxmlformats.org/presentationml/2006/main">
   <p:cSld>
     <p:bg>
@@ -12307,6 +12517,114 @@
           <a:chExt cx="0" cy="0"/>
         </a:xfrm>
       </p:grpSpPr>
+      <p:sp useBgFill="1">
+        <p:nvSpPr>
+          <p:cNvPr id="10" name="Rectangle 9">
+            <a:extLst>
+              <a:ext uri="{FF2B5EF4-FFF2-40B4-BE49-F238E27FC236}">
+                <a16:creationId xmlns:a16="http://schemas.microsoft.com/office/drawing/2014/main" id="{35C3D674-3D59-4E93-80CA-0C0A9095E816}"/>
+              </a:ext>
+              <a:ext uri="{C183D7F6-B498-43B3-948B-1728B52AA6E4}">
+                <adec:decorative xmlns:adec="http://schemas.microsoft.com/office/drawing/2017/decorative" val="1"/>
+              </a:ext>
+            </a:extLst>
+          </p:cNvPr>
+          <p:cNvSpPr>
+            <a:spLocks noGrp="1" noRot="1" noChangeAspect="1" noMove="1" noResize="1" noEditPoints="1" noAdjustHandles="1" noChangeArrowheads="1" noChangeShapeType="1" noTextEdit="1"/>
+          </p:cNvSpPr>
+          <p:nvPr>
+            <p:extLst>
+              <p:ext uri="{386F3935-93C4-4BCD-93E2-E3B085C9AB24}">
+                <p16:designElem xmlns:p16="http://schemas.microsoft.com/office/powerpoint/2015/main" val="1"/>
+              </p:ext>
+            </p:extLst>
+          </p:nvPr>
+        </p:nvSpPr>
+        <p:spPr>
+          <a:xfrm>
+            <a:off x="2" y="0"/>
+            <a:ext cx="12191695" cy="6858000"/>
+          </a:xfrm>
+          <a:prstGeom prst="rect">
+            <a:avLst/>
+          </a:prstGeom>
+          <a:ln>
+            <a:noFill/>
+          </a:ln>
+        </p:spPr>
+        <p:style>
+          <a:lnRef idx="2">
+            <a:schemeClr val="accent1">
+              <a:shade val="50000"/>
+            </a:schemeClr>
+          </a:lnRef>
+          <a:fillRef idx="1">
+            <a:schemeClr val="accent1"/>
+          </a:fillRef>
+          <a:effectRef idx="0">
+            <a:schemeClr val="accent1"/>
+          </a:effectRef>
+          <a:fontRef idx="minor">
+            <a:schemeClr val="lt1"/>
+          </a:fontRef>
+        </p:style>
+        <p:txBody>
+          <a:bodyPr rtlCol="0" anchor="ctr"/>
+          <a:lstStyle/>
+          <a:p>
+            <a:pPr algn="ctr"/>
+            <a:endParaRPr lang="en-US"/>
+          </a:p>
+        </p:txBody>
+      </p:sp>
+      <p:cxnSp>
+        <p:nvCxnSpPr>
+          <p:cNvPr id="12" name="Straight Connector 11">
+            <a:extLst>
+              <a:ext uri="{FF2B5EF4-FFF2-40B4-BE49-F238E27FC236}">
+                <a16:creationId xmlns:a16="http://schemas.microsoft.com/office/drawing/2014/main" id="{C884B8F8-FDC9-498B-9960-5D7260AFCB03}"/>
+              </a:ext>
+              <a:ext uri="{C183D7F6-B498-43B3-948B-1728B52AA6E4}">
+                <adec:decorative xmlns:adec="http://schemas.microsoft.com/office/drawing/2017/decorative" val="1"/>
+              </a:ext>
+            </a:extLst>
+          </p:cNvPr>
+          <p:cNvCxnSpPr>
+            <a:cxnSpLocks noGrp="1" noRot="1" noChangeAspect="1" noMove="1" noResize="1" noEditPoints="1" noAdjustHandles="1" noChangeArrowheads="1" noChangeShapeType="1"/>
+          </p:cNvCxnSpPr>
+          <p:nvPr>
+            <p:extLst>
+              <p:ext uri="{386F3935-93C4-4BCD-93E2-E3B085C9AB24}">
+                <p16:designElem xmlns:p16="http://schemas.microsoft.com/office/powerpoint/2015/main" val="1"/>
+              </p:ext>
+            </p:extLst>
+          </p:nvPr>
+        </p:nvCxnSpPr>
+        <p:spPr>
+          <a:xfrm>
+            <a:off x="1453896" y="1847088"/>
+            <a:ext cx="4177373" cy="0"/>
+          </a:xfrm>
+          <a:prstGeom prst="line">
+            <a:avLst/>
+          </a:prstGeom>
+          <a:ln w="31750"/>
+        </p:spPr>
+        <p:style>
+          <a:lnRef idx="3">
+            <a:schemeClr val="accent1"/>
+          </a:lnRef>
+          <a:fillRef idx="0">
+            <a:schemeClr val="accent1"/>
+          </a:fillRef>
+          <a:effectRef idx="2">
+            <a:schemeClr val="accent1"/>
+          </a:effectRef>
+          <a:fontRef idx="minor">
+            <a:schemeClr val="tx1"/>
+          </a:fontRef>
+        </p:style>
+      </p:cxnSp>
       <p:sp>
         <p:nvSpPr>
           <p:cNvPr id="2" name="Title 1">
@@ -12339,6 +12657,80 @@
               <a:rPr lang="en-US" sz="3000"/>
               <a:t>Making the Scatter plot graph:</a:t>
             </a:r>
+          </a:p>
+        </p:txBody>
+      </p:sp>
+      <p:sp>
+        <p:nvSpPr>
+          <p:cNvPr id="14" name="Rectangle 13">
+            <a:extLst>
+              <a:ext uri="{FF2B5EF4-FFF2-40B4-BE49-F238E27FC236}">
+                <a16:creationId xmlns:a16="http://schemas.microsoft.com/office/drawing/2014/main" id="{EF2A81E1-BCBE-426B-8C09-33274E69409D}"/>
+              </a:ext>
+              <a:ext uri="{C183D7F6-B498-43B3-948B-1728B52AA6E4}">
+                <adec:decorative xmlns:adec="http://schemas.microsoft.com/office/drawing/2017/decorative" val="1"/>
+              </a:ext>
+            </a:extLst>
+          </p:cNvPr>
+          <p:cNvSpPr>
+            <a:spLocks noGrp="1" noRot="1" noChangeAspect="1" noMove="1" noResize="1" noEditPoints="1" noAdjustHandles="1" noChangeArrowheads="1" noChangeShapeType="1" noTextEdit="1"/>
+          </p:cNvSpPr>
+          <p:nvPr>
+            <p:extLst>
+              <p:ext uri="{386F3935-93C4-4BCD-93E2-E3B085C9AB24}">
+                <p16:designElem xmlns:p16="http://schemas.microsoft.com/office/powerpoint/2015/main" val="1"/>
+              </p:ext>
+            </p:extLst>
+          </p:nvPr>
+        </p:nvSpPr>
+        <p:spPr>
+          <a:xfrm>
+            <a:off x="0" y="2019476"/>
+            <a:ext cx="12192000" cy="4105941"/>
+          </a:xfrm>
+          <a:prstGeom prst="rect">
+            <a:avLst/>
+          </a:prstGeom>
+          <a:gradFill flip="none" rotWithShape="1">
+            <a:gsLst>
+              <a:gs pos="0">
+                <a:schemeClr val="bg2">
+                  <a:alpha val="0"/>
+                </a:schemeClr>
+              </a:gs>
+              <a:gs pos="100000">
+                <a:schemeClr val="bg2"/>
+              </a:gs>
+            </a:gsLst>
+            <a:lin ang="5400000" scaled="0"/>
+            <a:tileRect/>
+          </a:gradFill>
+          <a:ln>
+            <a:noFill/>
+          </a:ln>
+        </p:spPr>
+        <p:style>
+          <a:lnRef idx="2">
+            <a:schemeClr val="accent1">
+              <a:shade val="50000"/>
+            </a:schemeClr>
+          </a:lnRef>
+          <a:fillRef idx="1">
+            <a:schemeClr val="accent1"/>
+          </a:fillRef>
+          <a:effectRef idx="0">
+            <a:schemeClr val="accent1"/>
+          </a:effectRef>
+          <a:fontRef idx="minor">
+            <a:schemeClr val="lt1"/>
+          </a:fontRef>
+        </p:style>
+        <p:txBody>
+          <a:bodyPr rtlCol="0" anchor="ctr"/>
+          <a:lstStyle/>
+          <a:p>
+            <a:pPr lvl="0" algn="ctr"/>
+            <a:endParaRPr lang="en-US"/>
           </a:p>
         </p:txBody>
       </p:sp>
@@ -12376,8 +12768,8 @@
               </a:lnSpc>
             </a:pPr>
             <a:r>
-              <a:rPr lang="en-US" sz="1600"/>
-              <a:t>A graph from square foot to its price was first created. </a:t>
+              <a:rPr lang="en-US" sz="1700"/>
+              <a:t>A graph relating square foot to its price was first created. </a:t>
             </a:r>
           </a:p>
           <a:p>
@@ -12387,8 +12779,8 @@
               </a:lnSpc>
             </a:pPr>
             <a:r>
-              <a:rPr lang="en-US" sz="1600"/>
-              <a:t>This shows how more people would settle around the 1000-2000 square foot mark and pay around $200,000-$300,000 range.</a:t>
+              <a:rPr lang="en-US" sz="1700"/>
+              <a:t>This shows how more people would select around the 1000-2000 square foot mark and pay around $150,000-$250,000 range.</a:t>
             </a:r>
           </a:p>
           <a:p>
@@ -12398,8 +12790,8 @@
               </a:lnSpc>
             </a:pPr>
             <a:r>
-              <a:rPr lang="en-US" sz="1600"/>
-              <a:t>It becomes less popular to buy housing that is around $400,000 - $600,000 range when the square foot amount increases.</a:t>
+              <a:rPr lang="en-US" sz="1700"/>
+              <a:t>It becomes less popular to buy housing that are above $400,000 </a:t>
             </a:r>
           </a:p>
           <a:p>
@@ -12409,8 +12801,8 @@
               </a:lnSpc>
             </a:pPr>
             <a:r>
-              <a:rPr lang="en-US" sz="1600"/>
-              <a:t>Our client is willing to purchase a house that is about $207,000 and is about 1500 Square feet after viewing the data.</a:t>
+              <a:rPr lang="en-US" sz="1700"/>
+              <a:t>This chart is not conclusive but does give us a reference point going forward</a:t>
             </a:r>
           </a:p>
         </p:txBody>
@@ -12445,6 +12837,104 @@
           </a:prstGeom>
         </p:spPr>
       </p:pic>
+      <p:pic>
+        <p:nvPicPr>
+          <p:cNvPr id="16" name="Picture 15">
+            <a:extLst>
+              <a:ext uri="{FF2B5EF4-FFF2-40B4-BE49-F238E27FC236}">
+                <a16:creationId xmlns:a16="http://schemas.microsoft.com/office/drawing/2014/main" id="{39D1DDD4-5BB3-45BA-B9B3-06B62299AD79}"/>
+              </a:ext>
+              <a:ext uri="{C183D7F6-B498-43B3-948B-1728B52AA6E4}">
+                <adec:decorative xmlns:adec="http://schemas.microsoft.com/office/drawing/2017/decorative" val="1"/>
+              </a:ext>
+            </a:extLst>
+          </p:cNvPr>
+          <p:cNvPicPr>
+            <a:picLocks noGrp="1" noRot="1" noChangeAspect="1" noMove="1" noResize="1" noEditPoints="1" noAdjustHandles="1" noChangeArrowheads="1" noChangeShapeType="1" noCrop="1"/>
+          </p:cNvPicPr>
+          <p:nvPr>
+            <p:extLst>
+              <p:ext uri="{386F3935-93C4-4BCD-93E2-E3B085C9AB24}">
+                <p16:designElem xmlns:p16="http://schemas.microsoft.com/office/powerpoint/2015/main" val="1"/>
+              </p:ext>
+            </p:extLst>
+          </p:nvPr>
+        </p:nvPicPr>
+        <p:blipFill rotWithShape="1">
+          <a:blip r:embed="rId3">
+            <a:extLst>
+              <a:ext uri="{28A0092B-C50C-407E-A947-70E740481C1C}">
+                <a14:useLocalDpi xmlns:a14="http://schemas.microsoft.com/office/drawing/2010/main" val="0"/>
+              </a:ext>
+            </a:extLst>
+          </a:blip>
+          <a:srcRect t="1538" b="-1538"/>
+          <a:stretch/>
+        </p:blipFill>
+        <p:spPr bwMode="black">
+          <a:xfrm>
+            <a:off x="0" y="6126480"/>
+            <a:ext cx="12192000" cy="742950"/>
+          </a:xfrm>
+          <a:prstGeom prst="rect">
+            <a:avLst/>
+          </a:prstGeom>
+        </p:spPr>
+      </p:pic>
+      <p:cxnSp>
+        <p:nvCxnSpPr>
+          <p:cNvPr id="18" name="Straight Connector 17">
+            <a:extLst>
+              <a:ext uri="{FF2B5EF4-FFF2-40B4-BE49-F238E27FC236}">
+                <a16:creationId xmlns:a16="http://schemas.microsoft.com/office/drawing/2014/main" id="{A24DAE64-2302-42EA-8239-F2F0775CA5AD}"/>
+              </a:ext>
+              <a:ext uri="{C183D7F6-B498-43B3-948B-1728B52AA6E4}">
+                <adec:decorative xmlns:adec="http://schemas.microsoft.com/office/drawing/2017/decorative" val="1"/>
+              </a:ext>
+            </a:extLst>
+          </p:cNvPr>
+          <p:cNvCxnSpPr>
+            <a:cxnSpLocks noGrp="1" noRot="1" noChangeAspect="1" noMove="1" noResize="1" noEditPoints="1" noAdjustHandles="1" noChangeArrowheads="1" noChangeShapeType="1"/>
+          </p:cNvCxnSpPr>
+          <p:nvPr>
+            <p:extLst>
+              <p:ext uri="{386F3935-93C4-4BCD-93E2-E3B085C9AB24}">
+                <p16:designElem xmlns:p16="http://schemas.microsoft.com/office/powerpoint/2015/main" val="1"/>
+              </p:ext>
+            </p:extLst>
+          </p:nvPr>
+        </p:nvCxnSpPr>
+        <p:spPr>
+          <a:xfrm>
+            <a:off x="0" y="6128413"/>
+            <a:ext cx="12192000" cy="0"/>
+          </a:xfrm>
+          <a:prstGeom prst="line">
+            <a:avLst/>
+          </a:prstGeom>
+          <a:ln w="12700">
+            <a:solidFill>
+              <a:srgbClr val="000001">
+                <a:alpha val="20000"/>
+              </a:srgbClr>
+            </a:solidFill>
+          </a:ln>
+        </p:spPr>
+        <p:style>
+          <a:lnRef idx="1">
+            <a:schemeClr val="accent1"/>
+          </a:lnRef>
+          <a:fillRef idx="0">
+            <a:schemeClr val="accent1"/>
+          </a:fillRef>
+          <a:effectRef idx="0">
+            <a:schemeClr val="accent1"/>
+          </a:effectRef>
+          <a:fontRef idx="minor">
+            <a:schemeClr val="tx1"/>
+          </a:fontRef>
+        </p:style>
+      </p:cxnSp>
     </p:spTree>
     <p:extLst>
       <p:ext uri="{BB962C8B-B14F-4D97-AF65-F5344CB8AC3E}">
@@ -12499,6 +12989,114 @@
           <a:chExt cx="0" cy="0"/>
         </a:xfrm>
       </p:grpSpPr>
+      <p:sp useBgFill="1">
+        <p:nvSpPr>
+          <p:cNvPr id="25" name="Rectangle 24">
+            <a:extLst>
+              <a:ext uri="{FF2B5EF4-FFF2-40B4-BE49-F238E27FC236}">
+                <a16:creationId xmlns:a16="http://schemas.microsoft.com/office/drawing/2014/main" id="{742C14A9-3617-46DD-9FC4-ED828A7D3E6F}"/>
+              </a:ext>
+              <a:ext uri="{C183D7F6-B498-43B3-948B-1728B52AA6E4}">
+                <adec:decorative xmlns:adec="http://schemas.microsoft.com/office/drawing/2017/decorative" val="1"/>
+              </a:ext>
+            </a:extLst>
+          </p:cNvPr>
+          <p:cNvSpPr>
+            <a:spLocks noGrp="1" noRot="1" noChangeAspect="1" noMove="1" noResize="1" noEditPoints="1" noAdjustHandles="1" noChangeArrowheads="1" noChangeShapeType="1" noTextEdit="1"/>
+          </p:cNvSpPr>
+          <p:nvPr>
+            <p:extLst>
+              <p:ext uri="{386F3935-93C4-4BCD-93E2-E3B085C9AB24}">
+                <p16:designElem xmlns:p16="http://schemas.microsoft.com/office/powerpoint/2015/main" val="1"/>
+              </p:ext>
+            </p:extLst>
+          </p:nvPr>
+        </p:nvSpPr>
+        <p:spPr>
+          <a:xfrm>
+            <a:off x="2" y="0"/>
+            <a:ext cx="12191695" cy="6858000"/>
+          </a:xfrm>
+          <a:prstGeom prst="rect">
+            <a:avLst/>
+          </a:prstGeom>
+          <a:ln>
+            <a:noFill/>
+          </a:ln>
+        </p:spPr>
+        <p:style>
+          <a:lnRef idx="2">
+            <a:schemeClr val="accent1">
+              <a:shade val="50000"/>
+            </a:schemeClr>
+          </a:lnRef>
+          <a:fillRef idx="1">
+            <a:schemeClr val="accent1"/>
+          </a:fillRef>
+          <a:effectRef idx="0">
+            <a:schemeClr val="accent1"/>
+          </a:effectRef>
+          <a:fontRef idx="minor">
+            <a:schemeClr val="lt1"/>
+          </a:fontRef>
+        </p:style>
+        <p:txBody>
+          <a:bodyPr rtlCol="0" anchor="ctr"/>
+          <a:lstStyle/>
+          <a:p>
+            <a:pPr algn="ctr"/>
+            <a:endParaRPr lang="en-US"/>
+          </a:p>
+        </p:txBody>
+      </p:sp>
+      <p:cxnSp>
+        <p:nvCxnSpPr>
+          <p:cNvPr id="27" name="Straight Connector 26">
+            <a:extLst>
+              <a:ext uri="{FF2B5EF4-FFF2-40B4-BE49-F238E27FC236}">
+                <a16:creationId xmlns:a16="http://schemas.microsoft.com/office/drawing/2014/main" id="{19AB0109-1C89-41F0-9EDF-3DE017BE3F27}"/>
+              </a:ext>
+              <a:ext uri="{C183D7F6-B498-43B3-948B-1728B52AA6E4}">
+                <adec:decorative xmlns:adec="http://schemas.microsoft.com/office/drawing/2017/decorative" val="1"/>
+              </a:ext>
+            </a:extLst>
+          </p:cNvPr>
+          <p:cNvCxnSpPr>
+            <a:cxnSpLocks noGrp="1" noRot="1" noChangeAspect="1" noMove="1" noResize="1" noEditPoints="1" noAdjustHandles="1" noChangeArrowheads="1" noChangeShapeType="1"/>
+          </p:cNvCxnSpPr>
+          <p:nvPr>
+            <p:extLst>
+              <p:ext uri="{386F3935-93C4-4BCD-93E2-E3B085C9AB24}">
+                <p16:designElem xmlns:p16="http://schemas.microsoft.com/office/powerpoint/2015/main" val="1"/>
+              </p:ext>
+            </p:extLst>
+          </p:nvPr>
+        </p:nvCxnSpPr>
+        <p:spPr>
+          <a:xfrm>
+            <a:off x="1453897" y="1847088"/>
+            <a:ext cx="5548039" cy="0"/>
+          </a:xfrm>
+          <a:prstGeom prst="line">
+            <a:avLst/>
+          </a:prstGeom>
+          <a:ln w="31750"/>
+        </p:spPr>
+        <p:style>
+          <a:lnRef idx="3">
+            <a:schemeClr val="accent1"/>
+          </a:lnRef>
+          <a:fillRef idx="0">
+            <a:schemeClr val="accent1"/>
+          </a:fillRef>
+          <a:effectRef idx="2">
+            <a:schemeClr val="accent1"/>
+          </a:effectRef>
+          <a:fontRef idx="minor">
+            <a:schemeClr val="tx1"/>
+          </a:fontRef>
+        </p:style>
+      </p:cxnSp>
       <p:sp>
         <p:nvSpPr>
           <p:cNvPr id="2" name="Title 1">
@@ -12531,6 +13129,80 @@
               <a:rPr lang="en-US" dirty="0"/>
               <a:t>Making a bar graph</a:t>
             </a:r>
+          </a:p>
+        </p:txBody>
+      </p:sp>
+      <p:sp>
+        <p:nvSpPr>
+          <p:cNvPr id="29" name="Rectangle 28">
+            <a:extLst>
+              <a:ext uri="{FF2B5EF4-FFF2-40B4-BE49-F238E27FC236}">
+                <a16:creationId xmlns:a16="http://schemas.microsoft.com/office/drawing/2014/main" id="{19E5CB6C-D5A1-44AB-BAD0-E76C67ED2802}"/>
+              </a:ext>
+              <a:ext uri="{C183D7F6-B498-43B3-948B-1728B52AA6E4}">
+                <adec:decorative xmlns:adec="http://schemas.microsoft.com/office/drawing/2017/decorative" val="1"/>
+              </a:ext>
+            </a:extLst>
+          </p:cNvPr>
+          <p:cNvSpPr>
+            <a:spLocks noGrp="1" noRot="1" noChangeAspect="1" noMove="1" noResize="1" noEditPoints="1" noAdjustHandles="1" noChangeArrowheads="1" noChangeShapeType="1" noTextEdit="1"/>
+          </p:cNvSpPr>
+          <p:nvPr>
+            <p:extLst>
+              <p:ext uri="{386F3935-93C4-4BCD-93E2-E3B085C9AB24}">
+                <p16:designElem xmlns:p16="http://schemas.microsoft.com/office/powerpoint/2015/main" val="1"/>
+              </p:ext>
+            </p:extLst>
+          </p:nvPr>
+        </p:nvSpPr>
+        <p:spPr>
+          <a:xfrm>
+            <a:off x="0" y="2019476"/>
+            <a:ext cx="12192000" cy="4105941"/>
+          </a:xfrm>
+          <a:prstGeom prst="rect">
+            <a:avLst/>
+          </a:prstGeom>
+          <a:gradFill flip="none" rotWithShape="1">
+            <a:gsLst>
+              <a:gs pos="0">
+                <a:schemeClr val="bg2">
+                  <a:alpha val="0"/>
+                </a:schemeClr>
+              </a:gs>
+              <a:gs pos="100000">
+                <a:schemeClr val="bg2"/>
+              </a:gs>
+            </a:gsLst>
+            <a:lin ang="5400000" scaled="0"/>
+            <a:tileRect/>
+          </a:gradFill>
+          <a:ln>
+            <a:noFill/>
+          </a:ln>
+        </p:spPr>
+        <p:style>
+          <a:lnRef idx="2">
+            <a:schemeClr val="accent1">
+              <a:shade val="50000"/>
+            </a:schemeClr>
+          </a:lnRef>
+          <a:fillRef idx="1">
+            <a:schemeClr val="accent1"/>
+          </a:fillRef>
+          <a:effectRef idx="0">
+            <a:schemeClr val="accent1"/>
+          </a:effectRef>
+          <a:fontRef idx="minor">
+            <a:schemeClr val="lt1"/>
+          </a:fontRef>
+        </p:style>
+        <p:txBody>
+          <a:bodyPr rtlCol="0" anchor="ctr"/>
+          <a:lstStyle/>
+          <a:p>
+            <a:pPr lvl="0" algn="ctr"/>
+            <a:endParaRPr lang="en-US"/>
           </a:p>
         </p:txBody>
       </p:sp>
@@ -12562,69 +13234,21 @@
           </a:bodyPr>
           <a:lstStyle/>
           <a:p>
-            <a:pPr>
-              <a:lnSpc>
-                <a:spcPct val="110000"/>
-              </a:lnSpc>
-            </a:pPr>
             <a:r>
-              <a:rPr lang="en-US" sz="1700"/>
+              <a:rPr lang="en-US"/>
+              <a:t>Information about how many purchases were made Per square foot.</a:t>
+            </a:r>
+          </a:p>
+          <a:p>
+            <a:r>
+              <a:rPr lang="en-US"/>
               <a:t>A bar graph was used to depict the occurrences of purchase of houses and their price range.</a:t>
             </a:r>
           </a:p>
           <a:p>
-            <a:pPr>
-              <a:lnSpc>
-                <a:spcPct val="110000"/>
-              </a:lnSpc>
-            </a:pPr>
             <a:r>
-              <a:rPr lang="en-US" sz="1700"/>
-              <a:t>Information about how many purchases were made Per square foot.</a:t>
-            </a:r>
-          </a:p>
-          <a:p>
-            <a:pPr>
-              <a:lnSpc>
-                <a:spcPct val="110000"/>
-              </a:lnSpc>
-            </a:pPr>
-            <a:r>
-              <a:rPr lang="en-US" sz="1700"/>
-              <a:t>Information about purchases per zip code was also presented. </a:t>
-            </a:r>
-          </a:p>
-          <a:p>
-            <a:pPr>
-              <a:lnSpc>
-                <a:spcPct val="110000"/>
-              </a:lnSpc>
-            </a:pPr>
-            <a:r>
-              <a:rPr lang="en-US" sz="1700"/>
-              <a:t>A bar graph for purchases per day was then created.</a:t>
-            </a:r>
-          </a:p>
-          <a:p>
-            <a:pPr>
-              <a:lnSpc>
-                <a:spcPct val="110000"/>
-              </a:lnSpc>
-            </a:pPr>
-            <a:r>
-              <a:rPr lang="en-US" sz="1700"/>
+              <a:rPr lang="en-US"/>
               <a:t>Another bar graph was made for bedroom count.</a:t>
-            </a:r>
-          </a:p>
-          <a:p>
-            <a:pPr>
-              <a:lnSpc>
-                <a:spcPct val="110000"/>
-              </a:lnSpc>
-            </a:pPr>
-            <a:r>
-              <a:rPr lang="en-US" sz="1700"/>
-              <a:t>The client was willing to buy a house with 3 Bedrooms</a:t>
             </a:r>
           </a:p>
         </p:txBody>
@@ -12689,6 +13313,104 @@
           </a:prstGeom>
         </p:spPr>
       </p:pic>
+      <p:pic>
+        <p:nvPicPr>
+          <p:cNvPr id="31" name="Picture 30">
+            <a:extLst>
+              <a:ext uri="{FF2B5EF4-FFF2-40B4-BE49-F238E27FC236}">
+                <a16:creationId xmlns:a16="http://schemas.microsoft.com/office/drawing/2014/main" id="{D5A16967-5C32-4A48-9F02-4F0228AC8DBA}"/>
+              </a:ext>
+              <a:ext uri="{C183D7F6-B498-43B3-948B-1728B52AA6E4}">
+                <adec:decorative xmlns:adec="http://schemas.microsoft.com/office/drawing/2017/decorative" val="1"/>
+              </a:ext>
+            </a:extLst>
+          </p:cNvPr>
+          <p:cNvPicPr>
+            <a:picLocks noGrp="1" noRot="1" noChangeAspect="1" noMove="1" noResize="1" noEditPoints="1" noAdjustHandles="1" noChangeArrowheads="1" noChangeShapeType="1" noCrop="1"/>
+          </p:cNvPicPr>
+          <p:nvPr>
+            <p:extLst>
+              <p:ext uri="{386F3935-93C4-4BCD-93E2-E3B085C9AB24}">
+                <p16:designElem xmlns:p16="http://schemas.microsoft.com/office/powerpoint/2015/main" val="1"/>
+              </p:ext>
+            </p:extLst>
+          </p:nvPr>
+        </p:nvPicPr>
+        <p:blipFill rotWithShape="1">
+          <a:blip r:embed="rId4">
+            <a:extLst>
+              <a:ext uri="{28A0092B-C50C-407E-A947-70E740481C1C}">
+                <a14:useLocalDpi xmlns:a14="http://schemas.microsoft.com/office/drawing/2010/main" val="0"/>
+              </a:ext>
+            </a:extLst>
+          </a:blip>
+          <a:srcRect t="1538" b="-1538"/>
+          <a:stretch/>
+        </p:blipFill>
+        <p:spPr bwMode="black">
+          <a:xfrm>
+            <a:off x="0" y="6126480"/>
+            <a:ext cx="12192000" cy="742950"/>
+          </a:xfrm>
+          <a:prstGeom prst="rect">
+            <a:avLst/>
+          </a:prstGeom>
+        </p:spPr>
+      </p:pic>
+      <p:cxnSp>
+        <p:nvCxnSpPr>
+          <p:cNvPr id="33" name="Straight Connector 32">
+            <a:extLst>
+              <a:ext uri="{FF2B5EF4-FFF2-40B4-BE49-F238E27FC236}">
+                <a16:creationId xmlns:a16="http://schemas.microsoft.com/office/drawing/2014/main" id="{942D078B-EF20-4DB1-AA1B-87F212C56A9A}"/>
+              </a:ext>
+              <a:ext uri="{C183D7F6-B498-43B3-948B-1728B52AA6E4}">
+                <adec:decorative xmlns:adec="http://schemas.microsoft.com/office/drawing/2017/decorative" val="1"/>
+              </a:ext>
+            </a:extLst>
+          </p:cNvPr>
+          <p:cNvCxnSpPr>
+            <a:cxnSpLocks noGrp="1" noRot="1" noChangeAspect="1" noMove="1" noResize="1" noEditPoints="1" noAdjustHandles="1" noChangeArrowheads="1" noChangeShapeType="1"/>
+          </p:cNvCxnSpPr>
+          <p:nvPr>
+            <p:extLst>
+              <p:ext uri="{386F3935-93C4-4BCD-93E2-E3B085C9AB24}">
+                <p16:designElem xmlns:p16="http://schemas.microsoft.com/office/powerpoint/2015/main" val="1"/>
+              </p:ext>
+            </p:extLst>
+          </p:nvPr>
+        </p:nvCxnSpPr>
+        <p:spPr>
+          <a:xfrm>
+            <a:off x="0" y="6128413"/>
+            <a:ext cx="12192000" cy="0"/>
+          </a:xfrm>
+          <a:prstGeom prst="line">
+            <a:avLst/>
+          </a:prstGeom>
+          <a:ln w="12700">
+            <a:solidFill>
+              <a:srgbClr val="000001">
+                <a:alpha val="20000"/>
+              </a:srgbClr>
+            </a:solidFill>
+          </a:ln>
+        </p:spPr>
+        <p:style>
+          <a:lnRef idx="1">
+            <a:schemeClr val="accent1"/>
+          </a:lnRef>
+          <a:fillRef idx="0">
+            <a:schemeClr val="accent1"/>
+          </a:fillRef>
+          <a:effectRef idx="0">
+            <a:schemeClr val="accent1"/>
+          </a:effectRef>
+          <a:fontRef idx="minor">
+            <a:schemeClr val="tx1"/>
+          </a:fontRef>
+        </p:style>
+      </p:cxnSp>
     </p:spTree>
     <p:extLst>
       <p:ext uri="{BB962C8B-B14F-4D97-AF65-F5344CB8AC3E}">
@@ -12743,6 +13465,114 @@
           <a:chExt cx="0" cy="0"/>
         </a:xfrm>
       </p:grpSpPr>
+      <p:sp useBgFill="1">
+        <p:nvSpPr>
+          <p:cNvPr id="119" name="Rectangle 118">
+            <a:extLst>
+              <a:ext uri="{FF2B5EF4-FFF2-40B4-BE49-F238E27FC236}">
+                <a16:creationId xmlns:a16="http://schemas.microsoft.com/office/drawing/2014/main" id="{88011AB3-F298-489B-9CDC-E4D0C6BF7861}"/>
+              </a:ext>
+              <a:ext uri="{C183D7F6-B498-43B3-948B-1728B52AA6E4}">
+                <adec:decorative xmlns:adec="http://schemas.microsoft.com/office/drawing/2017/decorative" val="1"/>
+              </a:ext>
+            </a:extLst>
+          </p:cNvPr>
+          <p:cNvSpPr>
+            <a:spLocks noGrp="1" noRot="1" noChangeAspect="1" noMove="1" noResize="1" noEditPoints="1" noAdjustHandles="1" noChangeArrowheads="1" noChangeShapeType="1" noTextEdit="1"/>
+          </p:cNvSpPr>
+          <p:nvPr>
+            <p:extLst>
+              <p:ext uri="{386F3935-93C4-4BCD-93E2-E3B085C9AB24}">
+                <p16:designElem xmlns:p16="http://schemas.microsoft.com/office/powerpoint/2015/main" val="1"/>
+              </p:ext>
+            </p:extLst>
+          </p:nvPr>
+        </p:nvSpPr>
+        <p:spPr>
+          <a:xfrm>
+            <a:off x="2" y="0"/>
+            <a:ext cx="12191695" cy="6858000"/>
+          </a:xfrm>
+          <a:prstGeom prst="rect">
+            <a:avLst/>
+          </a:prstGeom>
+          <a:ln>
+            <a:noFill/>
+          </a:ln>
+        </p:spPr>
+        <p:style>
+          <a:lnRef idx="2">
+            <a:schemeClr val="accent1">
+              <a:shade val="50000"/>
+            </a:schemeClr>
+          </a:lnRef>
+          <a:fillRef idx="1">
+            <a:schemeClr val="accent1"/>
+          </a:fillRef>
+          <a:effectRef idx="0">
+            <a:schemeClr val="accent1"/>
+          </a:effectRef>
+          <a:fontRef idx="minor">
+            <a:schemeClr val="lt1"/>
+          </a:fontRef>
+        </p:style>
+        <p:txBody>
+          <a:bodyPr rtlCol="0" anchor="ctr"/>
+          <a:lstStyle/>
+          <a:p>
+            <a:pPr algn="ctr"/>
+            <a:endParaRPr lang="en-US"/>
+          </a:p>
+        </p:txBody>
+      </p:sp>
+      <p:cxnSp>
+        <p:nvCxnSpPr>
+          <p:cNvPr id="121" name="Straight Connector 120">
+            <a:extLst>
+              <a:ext uri="{FF2B5EF4-FFF2-40B4-BE49-F238E27FC236}">
+                <a16:creationId xmlns:a16="http://schemas.microsoft.com/office/drawing/2014/main" id="{BB644495-DD06-45AD-AA80-247F03A33D1D}"/>
+              </a:ext>
+              <a:ext uri="{C183D7F6-B498-43B3-948B-1728B52AA6E4}">
+                <adec:decorative xmlns:adec="http://schemas.microsoft.com/office/drawing/2017/decorative" val="1"/>
+              </a:ext>
+            </a:extLst>
+          </p:cNvPr>
+          <p:cNvCxnSpPr>
+            <a:cxnSpLocks noGrp="1" noRot="1" noChangeAspect="1" noMove="1" noResize="1" noEditPoints="1" noAdjustHandles="1" noChangeArrowheads="1" noChangeShapeType="1"/>
+          </p:cNvCxnSpPr>
+          <p:nvPr>
+            <p:extLst>
+              <p:ext uri="{386F3935-93C4-4BCD-93E2-E3B085C9AB24}">
+                <p16:designElem xmlns:p16="http://schemas.microsoft.com/office/powerpoint/2015/main" val="1"/>
+              </p:ext>
+            </p:extLst>
+          </p:nvPr>
+        </p:nvCxnSpPr>
+        <p:spPr>
+          <a:xfrm>
+            <a:off x="658938" y="1847088"/>
+            <a:ext cx="2831524" cy="0"/>
+          </a:xfrm>
+          <a:prstGeom prst="line">
+            <a:avLst/>
+          </a:prstGeom>
+          <a:ln w="31750"/>
+        </p:spPr>
+        <p:style>
+          <a:lnRef idx="3">
+            <a:schemeClr val="accent1"/>
+          </a:lnRef>
+          <a:fillRef idx="0">
+            <a:schemeClr val="accent1"/>
+          </a:fillRef>
+          <a:effectRef idx="2">
+            <a:schemeClr val="accent1"/>
+          </a:effectRef>
+          <a:fontRef idx="minor">
+            <a:schemeClr val="tx1"/>
+          </a:fontRef>
+        </p:style>
+      </p:cxnSp>
       <p:sp>
         <p:nvSpPr>
           <p:cNvPr id="2" name="Title 1">
@@ -12759,7 +13589,12 @@
             <p:ph type="title"/>
           </p:nvPr>
         </p:nvSpPr>
-        <p:spPr/>
+        <p:spPr>
+          <a:xfrm>
+            <a:off x="656623" y="804520"/>
+            <a:ext cx="2830940" cy="1049235"/>
+          </a:xfrm>
+        </p:spPr>
         <p:txBody>
           <a:bodyPr>
             <a:normAutofit/>
@@ -12768,8 +13603,82 @@
           <a:p>
             <a:r>
               <a:rPr lang="en-US" dirty="0"/>
-              <a:t>Making a box graph</a:t>
+              <a:t>Making a box PLOT</a:t>
             </a:r>
+          </a:p>
+        </p:txBody>
+      </p:sp>
+      <p:sp>
+        <p:nvSpPr>
+          <p:cNvPr id="123" name="Rectangle 122">
+            <a:extLst>
+              <a:ext uri="{FF2B5EF4-FFF2-40B4-BE49-F238E27FC236}">
+                <a16:creationId xmlns:a16="http://schemas.microsoft.com/office/drawing/2014/main" id="{97ECE6F9-C5A2-4F4F-960C-6971D06126ED}"/>
+              </a:ext>
+              <a:ext uri="{C183D7F6-B498-43B3-948B-1728B52AA6E4}">
+                <adec:decorative xmlns:adec="http://schemas.microsoft.com/office/drawing/2017/decorative" val="1"/>
+              </a:ext>
+            </a:extLst>
+          </p:cNvPr>
+          <p:cNvSpPr>
+            <a:spLocks noGrp="1" noRot="1" noChangeAspect="1" noMove="1" noResize="1" noEditPoints="1" noAdjustHandles="1" noChangeArrowheads="1" noChangeShapeType="1" noTextEdit="1"/>
+          </p:cNvSpPr>
+          <p:nvPr>
+            <p:extLst>
+              <p:ext uri="{386F3935-93C4-4BCD-93E2-E3B085C9AB24}">
+                <p16:designElem xmlns:p16="http://schemas.microsoft.com/office/powerpoint/2015/main" val="1"/>
+              </p:ext>
+            </p:extLst>
+          </p:nvPr>
+        </p:nvSpPr>
+        <p:spPr>
+          <a:xfrm>
+            <a:off x="0" y="2019476"/>
+            <a:ext cx="12192000" cy="4105941"/>
+          </a:xfrm>
+          <a:prstGeom prst="rect">
+            <a:avLst/>
+          </a:prstGeom>
+          <a:gradFill flip="none" rotWithShape="1">
+            <a:gsLst>
+              <a:gs pos="0">
+                <a:schemeClr val="bg2">
+                  <a:alpha val="0"/>
+                </a:schemeClr>
+              </a:gs>
+              <a:gs pos="100000">
+                <a:schemeClr val="bg2"/>
+              </a:gs>
+            </a:gsLst>
+            <a:lin ang="5400000" scaled="0"/>
+            <a:tileRect/>
+          </a:gradFill>
+          <a:ln>
+            <a:noFill/>
+          </a:ln>
+        </p:spPr>
+        <p:style>
+          <a:lnRef idx="2">
+            <a:schemeClr val="accent1">
+              <a:shade val="50000"/>
+            </a:schemeClr>
+          </a:lnRef>
+          <a:fillRef idx="1">
+            <a:schemeClr val="accent1"/>
+          </a:fillRef>
+          <a:effectRef idx="0">
+            <a:schemeClr val="accent1"/>
+          </a:effectRef>
+          <a:fontRef idx="minor">
+            <a:schemeClr val="lt1"/>
+          </a:fontRef>
+        </p:style>
+        <p:txBody>
+          <a:bodyPr rtlCol="0" anchor="ctr"/>
+          <a:lstStyle/>
+          <a:p>
+            <a:pPr lvl="0" algn="ctr"/>
+            <a:endParaRPr lang="en-US"/>
           </a:p>
         </p:txBody>
       </p:sp>
@@ -12791,8 +13700,8 @@
         </p:nvSpPr>
         <p:spPr>
           <a:xfrm>
-            <a:off x="1451581" y="2015734"/>
-            <a:ext cx="4169336" cy="3450613"/>
+            <a:off x="656624" y="2015732"/>
+            <a:ext cx="2828026" cy="3287567"/>
           </a:xfrm>
         </p:spPr>
         <p:txBody>
@@ -12801,65 +13710,287 @@
           </a:bodyPr>
           <a:lstStyle/>
           <a:p>
-            <a:pPr>
-              <a:lnSpc>
-                <a:spcPct val="110000"/>
-              </a:lnSpc>
-            </a:pPr>
             <a:r>
-              <a:rPr lang="en-US" sz="1700"/>
-              <a:t>A box graph made with whiskers was used to find variation between zip codes.</a:t>
+              <a:rPr lang="en-US" dirty="0"/>
+              <a:t>A box plot was used to find variation between zip codes.</a:t>
             </a:r>
           </a:p>
           <a:p>
-            <a:pPr>
-              <a:lnSpc>
-                <a:spcPct val="110000"/>
-              </a:lnSpc>
-            </a:pPr>
             <a:r>
-              <a:rPr lang="en-US" sz="1700"/>
-              <a:t>Boxes represented the mean and the lines are the highest/lowest outliers.</a:t>
+              <a:rPr lang="en-US" dirty="0"/>
+              <a:t>One was made for average price, another for average square foot, and average price per square foot.</a:t>
             </a:r>
           </a:p>
-          <a:p>
-            <a:pPr>
-              <a:lnSpc>
-                <a:spcPct val="110000"/>
-              </a:lnSpc>
-            </a:pPr>
-            <a:r>
-              <a:rPr lang="en-US" sz="1700"/>
-              <a:t>One was made for average price, another for average square foot, and average price per </a:t>
-            </a:r>
-            <a:r>
-              <a:rPr lang="en-US" sz="1700" err="1"/>
-              <a:t>sqr</a:t>
-            </a:r>
-            <a:r>
-              <a:rPr lang="en-US" sz="1700"/>
-              <a:t> foot.</a:t>
-            </a:r>
-          </a:p>
-          <a:p>
-            <a:pPr>
-              <a:lnSpc>
-                <a:spcPct val="110000"/>
-              </a:lnSpc>
-            </a:pPr>
-            <a:r>
-              <a:rPr lang="en-US" sz="1700"/>
-              <a:t>The client was interested in living in the area with zip code 95823.</a:t>
-            </a:r>
+        </p:txBody>
+      </p:sp>
+      <p:grpSp>
+        <p:nvGrpSpPr>
+          <p:cNvPr id="125" name="Group 124">
+            <a:extLst>
+              <a:ext uri="{FF2B5EF4-FFF2-40B4-BE49-F238E27FC236}">
+                <a16:creationId xmlns:a16="http://schemas.microsoft.com/office/drawing/2014/main" id="{2816CFF4-7965-45A1-8E21-056F9AE41A72}"/>
+              </a:ext>
+              <a:ext uri="{C183D7F6-B498-43B3-948B-1728B52AA6E4}">
+                <adec:decorative xmlns:adec="http://schemas.microsoft.com/office/drawing/2017/decorative" val="1"/>
+              </a:ext>
+            </a:extLst>
+          </p:cNvPr>
+          <p:cNvGrpSpPr>
+            <a:grpSpLocks noGrp="1" noUngrp="1" noRot="1" noChangeAspect="1" noMove="1" noResize="1"/>
+          </p:cNvGrpSpPr>
+          <p:nvPr>
+            <p:extLst>
+              <p:ext uri="{386F3935-93C4-4BCD-93E2-E3B085C9AB24}">
+                <p16:designElem xmlns:p16="http://schemas.microsoft.com/office/powerpoint/2015/main" val="1"/>
+              </p:ext>
+            </p:extLst>
+          </p:nvPr>
+        </p:nvGrpSpPr>
+        <p:grpSpPr>
+          <a:xfrm>
+            <a:off x="3979389" y="482171"/>
+            <a:ext cx="7560115" cy="5149101"/>
+            <a:chOff x="7463258" y="583365"/>
+            <a:chExt cx="7560115" cy="5181928"/>
+          </a:xfrm>
+        </p:grpSpPr>
+        <p:sp>
+          <p:nvSpPr>
+            <p:cNvPr id="126" name="Rectangle 125">
+              <a:extLst>
+                <a:ext uri="{FF2B5EF4-FFF2-40B4-BE49-F238E27FC236}">
+                  <a16:creationId xmlns:a16="http://schemas.microsoft.com/office/drawing/2014/main" id="{4D532C27-BB17-4043-95BB-B193D917547A}"/>
+                </a:ext>
+                <a:ext uri="{C183D7F6-B498-43B3-948B-1728B52AA6E4}">
+                  <adec:decorative xmlns:adec="http://schemas.microsoft.com/office/drawing/2017/decorative" val="1"/>
+                </a:ext>
+              </a:extLst>
+            </p:cNvPr>
+            <p:cNvSpPr/>
+            <p:nvPr>
+              <p:extLst>
+                <p:ext uri="{386F3935-93C4-4BCD-93E2-E3B085C9AB24}">
+                  <p16:designElem xmlns:p16="http://schemas.microsoft.com/office/powerpoint/2015/main" val="1"/>
+                </p:ext>
+              </p:extLst>
+            </p:nvPr>
+          </p:nvSpPr>
+          <p:spPr>
+            <a:xfrm>
+              <a:off x="7463258" y="583365"/>
+              <a:ext cx="7560115" cy="5181928"/>
+            </a:xfrm>
+            <a:prstGeom prst="rect">
+              <a:avLst/>
+            </a:prstGeom>
+            <a:gradFill>
+              <a:gsLst>
+                <a:gs pos="0">
+                  <a:srgbClr val="000001"/>
+                </a:gs>
+                <a:gs pos="100000">
+                  <a:srgbClr val="191919"/>
+                </a:gs>
+              </a:gsLst>
+            </a:gradFill>
+            <a:ln w="76200" cmpd="sng">
+              <a:noFill/>
+              <a:miter lim="800000"/>
+            </a:ln>
+            <a:effectLst>
+              <a:outerShdw blurRad="127000" dist="228600" dir="4740000" sx="98000" sy="98000" algn="tl" rotWithShape="0">
+                <a:srgbClr val="000000">
+                  <a:alpha val="34000"/>
+                </a:srgbClr>
+              </a:outerShdw>
+            </a:effectLst>
+            <a:scene3d>
+              <a:camera prst="orthographicFront"/>
+              <a:lightRig rig="threePt" dir="t"/>
+            </a:scene3d>
+            <a:sp3d>
+              <a:bevelT w="152400" h="50800" prst="softRound"/>
+            </a:sp3d>
+          </p:spPr>
+          <p:style>
+            <a:lnRef idx="1">
+              <a:schemeClr val="accent1"/>
+            </a:lnRef>
+            <a:fillRef idx="3">
+              <a:schemeClr val="accent1"/>
+            </a:fillRef>
+            <a:effectRef idx="2">
+              <a:schemeClr val="accent1"/>
+            </a:effectRef>
+            <a:fontRef idx="minor">
+              <a:schemeClr val="lt1"/>
+            </a:fontRef>
+          </p:style>
+          <p:txBody>
+            <a:bodyPr rtlCol="0" anchor="ctr"/>
+            <a:lstStyle/>
+            <a:p>
+              <a:pPr algn="ctr"/>
+              <a:endParaRPr lang="en-US"/>
+            </a:p>
+          </p:txBody>
+        </p:sp>
+        <p:sp>
+          <p:nvSpPr>
+            <p:cNvPr id="127" name="Rectangle 126">
+              <a:extLst>
+                <a:ext uri="{FF2B5EF4-FFF2-40B4-BE49-F238E27FC236}">
+                  <a16:creationId xmlns:a16="http://schemas.microsoft.com/office/drawing/2014/main" id="{BF36FCA3-855B-4C42-871A-CE32957E6BFE}"/>
+                </a:ext>
+                <a:ext uri="{C183D7F6-B498-43B3-948B-1728B52AA6E4}">
+                  <adec:decorative xmlns:adec="http://schemas.microsoft.com/office/drawing/2017/decorative" val="1"/>
+                </a:ext>
+              </a:extLst>
+            </p:cNvPr>
+            <p:cNvSpPr/>
+            <p:nvPr>
+              <p:extLst>
+                <p:ext uri="{386F3935-93C4-4BCD-93E2-E3B085C9AB24}">
+                  <p16:designElem xmlns:p16="http://schemas.microsoft.com/office/powerpoint/2015/main" val="1"/>
+                </p:ext>
+              </p:extLst>
+            </p:nvPr>
+          </p:nvSpPr>
+          <p:spPr>
+            <a:xfrm>
+              <a:off x="7776317" y="915807"/>
+              <a:ext cx="6928279" cy="4494927"/>
+            </a:xfrm>
+            <a:prstGeom prst="rect">
+              <a:avLst/>
+            </a:prstGeom>
+            <a:gradFill>
+              <a:gsLst>
+                <a:gs pos="0">
+                  <a:srgbClr val="DADADA"/>
+                </a:gs>
+                <a:gs pos="100000">
+                  <a:srgbClr val="FFFFFE"/>
+                </a:gs>
+              </a:gsLst>
+              <a:lin ang="16200000" scaled="0"/>
+            </a:gradFill>
+            <a:ln w="50800" cmpd="sng">
+              <a:solidFill>
+                <a:srgbClr val="191919"/>
+              </a:solidFill>
+              <a:miter lim="800000"/>
+            </a:ln>
+            <a:effectLst>
+              <a:innerShdw blurRad="63500" dist="88900" dir="14100000">
+                <a:srgbClr val="000000">
+                  <a:alpha val="30000"/>
+                </a:srgbClr>
+              </a:innerShdw>
+            </a:effectLst>
+            <a:scene3d>
+              <a:camera prst="orthographicFront"/>
+              <a:lightRig rig="threePt" dir="t"/>
+            </a:scene3d>
+            <a:sp3d>
+              <a:bevelT prst="relaxedInset"/>
+            </a:sp3d>
+          </p:spPr>
+          <p:style>
+            <a:lnRef idx="1">
+              <a:schemeClr val="accent1"/>
+            </a:lnRef>
+            <a:fillRef idx="3">
+              <a:schemeClr val="accent1"/>
+            </a:fillRef>
+            <a:effectRef idx="2">
+              <a:schemeClr val="accent1"/>
+            </a:effectRef>
+            <a:fontRef idx="minor">
+              <a:schemeClr val="lt1"/>
+            </a:fontRef>
+          </p:style>
+          <p:txBody>
+            <a:bodyPr rtlCol="0" anchor="ctr"/>
+            <a:lstStyle/>
+            <a:p>
+              <a:pPr algn="ctr"/>
+              <a:endParaRPr lang="en-US"/>
+            </a:p>
+          </p:txBody>
+        </p:sp>
+      </p:grpSp>
+      <p:sp>
+        <p:nvSpPr>
+          <p:cNvPr id="129" name="Rectangle 128">
+            <a:extLst>
+              <a:ext uri="{FF2B5EF4-FFF2-40B4-BE49-F238E27FC236}">
+                <a16:creationId xmlns:a16="http://schemas.microsoft.com/office/drawing/2014/main" id="{0105ED54-B9E7-4A77-A906-6931E7BC18F5}"/>
+              </a:ext>
+              <a:ext uri="{C183D7F6-B498-43B3-948B-1728B52AA6E4}">
+                <adec:decorative xmlns:adec="http://schemas.microsoft.com/office/drawing/2017/decorative" val="1"/>
+              </a:ext>
+            </a:extLst>
+          </p:cNvPr>
+          <p:cNvSpPr>
+            <a:spLocks noGrp="1" noRot="1" noChangeAspect="1" noMove="1" noResize="1" noEditPoints="1" noAdjustHandles="1" noChangeArrowheads="1" noChangeShapeType="1" noTextEdit="1"/>
+          </p:cNvSpPr>
+          <p:nvPr>
+            <p:extLst>
+              <p:ext uri="{386F3935-93C4-4BCD-93E2-E3B085C9AB24}">
+                <p16:designElem xmlns:p16="http://schemas.microsoft.com/office/powerpoint/2015/main" val="1"/>
+              </p:ext>
+            </p:extLst>
+          </p:nvPr>
+        </p:nvSpPr>
+        <p:spPr>
+          <a:xfrm>
+            <a:off x="4455871" y="977099"/>
+            <a:ext cx="6613984" cy="4136205"/>
+          </a:xfrm>
+          <a:prstGeom prst="rect">
+            <a:avLst/>
+          </a:prstGeom>
+          <a:solidFill>
+            <a:srgbClr val="FFFFFE"/>
+          </a:solidFill>
+          <a:ln w="6350">
+            <a:solidFill>
+              <a:schemeClr val="bg2"/>
+            </a:solidFill>
+          </a:ln>
+        </p:spPr>
+        <p:style>
+          <a:lnRef idx="2">
+            <a:schemeClr val="accent1">
+              <a:shade val="50000"/>
+            </a:schemeClr>
+          </a:lnRef>
+          <a:fillRef idx="1">
+            <a:schemeClr val="accent1"/>
+          </a:fillRef>
+          <a:effectRef idx="0">
+            <a:schemeClr val="accent1"/>
+          </a:effectRef>
+          <a:fontRef idx="minor">
+            <a:schemeClr val="lt1"/>
+          </a:fontRef>
+        </p:style>
+        <p:txBody>
+          <a:bodyPr rtlCol="0" anchor="ctr"/>
+          <a:lstStyle/>
+          <a:p>
+            <a:pPr algn="ctr"/>
+            <a:endParaRPr lang="en-US"/>
           </a:p>
         </p:txBody>
       </p:sp>
       <p:pic>
         <p:nvPicPr>
-          <p:cNvPr id="9" name="Picture 8">
+          <p:cNvPr id="13" name="Picture 12">
             <a:extLst>
               <a:ext uri="{FF2B5EF4-FFF2-40B4-BE49-F238E27FC236}">
-                <a16:creationId xmlns:a16="http://schemas.microsoft.com/office/drawing/2014/main" id="{DD90EF60-4C1B-43CE-A04A-CE223FF30040}"/>
+                <a16:creationId xmlns:a16="http://schemas.microsoft.com/office/drawing/2014/main" id="{32C69495-1D84-4A6C-80CA-2A00D646045E}"/>
               </a:ext>
             </a:extLst>
           </p:cNvPr>
@@ -12876,8 +14007,38 @@
         </p:blipFill>
         <p:spPr>
           <a:xfrm>
-            <a:off x="6108443" y="3092388"/>
-            <a:ext cx="2391342" cy="1297302"/>
+            <a:off x="4615683" y="1999473"/>
+            <a:ext cx="3880765" cy="2105314"/>
+          </a:xfrm>
+          <a:prstGeom prst="rect">
+            <a:avLst/>
+          </a:prstGeom>
+        </p:spPr>
+      </p:pic>
+      <p:pic>
+        <p:nvPicPr>
+          <p:cNvPr id="7" name="Picture 6">
+            <a:extLst>
+              <a:ext uri="{FF2B5EF4-FFF2-40B4-BE49-F238E27FC236}">
+                <a16:creationId xmlns:a16="http://schemas.microsoft.com/office/drawing/2014/main" id="{B1BB8CEA-E36C-4679-8F2E-E0CE7F5F8488}"/>
+              </a:ext>
+            </a:extLst>
+          </p:cNvPr>
+          <p:cNvPicPr>
+            <a:picLocks noChangeAspect="1"/>
+          </p:cNvPicPr>
+          <p:nvPr/>
+        </p:nvPicPr>
+        <p:blipFill>
+          <a:blip r:embed="rId3"/>
+          <a:stretch>
+            <a:fillRect/>
+          </a:stretch>
+        </p:blipFill>
+        <p:spPr>
+          <a:xfrm>
+            <a:off x="8663686" y="1448863"/>
+            <a:ext cx="2251790" cy="1193448"/>
           </a:xfrm>
           <a:prstGeom prst="rect">
             <a:avLst/>
@@ -12899,15 +14060,15 @@
           <p:nvPr/>
         </p:nvPicPr>
         <p:blipFill>
-          <a:blip r:embed="rId3"/>
+          <a:blip r:embed="rId4"/>
           <a:stretch>
             <a:fillRect/>
           </a:stretch>
         </p:blipFill>
         <p:spPr>
           <a:xfrm>
-            <a:off x="8664115" y="2188751"/>
-            <a:ext cx="2390738" cy="1296974"/>
+            <a:off x="8660174" y="3445106"/>
+            <a:ext cx="2255303" cy="1223501"/>
           </a:xfrm>
           <a:prstGeom prst="rect">
             <a:avLst/>
@@ -12916,34 +14077,102 @@
       </p:pic>
       <p:pic>
         <p:nvPicPr>
-          <p:cNvPr id="7" name="Picture 6">
+          <p:cNvPr id="131" name="Picture 130">
             <a:extLst>
               <a:ext uri="{FF2B5EF4-FFF2-40B4-BE49-F238E27FC236}">
-                <a16:creationId xmlns:a16="http://schemas.microsoft.com/office/drawing/2014/main" id="{B1BB8CEA-E36C-4679-8F2E-E0CE7F5F8488}"/>
+                <a16:creationId xmlns:a16="http://schemas.microsoft.com/office/drawing/2014/main" id="{84ACBFAF-EDCF-4F5A-9E73-1D74270EF509}"/>
+              </a:ext>
+              <a:ext uri="{C183D7F6-B498-43B3-948B-1728B52AA6E4}">
+                <adec:decorative xmlns:adec="http://schemas.microsoft.com/office/drawing/2017/decorative" val="1"/>
               </a:ext>
             </a:extLst>
           </p:cNvPr>
           <p:cNvPicPr>
-            <a:picLocks noChangeAspect="1"/>
+            <a:picLocks noGrp="1" noRot="1" noChangeAspect="1" noMove="1" noResize="1" noEditPoints="1" noAdjustHandles="1" noChangeArrowheads="1" noChangeShapeType="1" noCrop="1"/>
           </p:cNvPicPr>
-          <p:nvPr/>
+          <p:nvPr>
+            <p:extLst>
+              <p:ext uri="{386F3935-93C4-4BCD-93E2-E3B085C9AB24}">
+                <p16:designElem xmlns:p16="http://schemas.microsoft.com/office/powerpoint/2015/main" val="1"/>
+              </p:ext>
+            </p:extLst>
+          </p:nvPr>
         </p:nvPicPr>
-        <p:blipFill>
-          <a:blip r:embed="rId4"/>
-          <a:stretch>
-            <a:fillRect/>
-          </a:stretch>
+        <p:blipFill rotWithShape="1">
+          <a:blip r:embed="rId5">
+            <a:extLst>
+              <a:ext uri="{28A0092B-C50C-407E-A947-70E740481C1C}">
+                <a14:useLocalDpi xmlns:a14="http://schemas.microsoft.com/office/drawing/2010/main" val="0"/>
+              </a:ext>
+            </a:extLst>
+          </a:blip>
+          <a:srcRect t="1538" b="-1538"/>
+          <a:stretch/>
         </p:blipFill>
-        <p:spPr>
+        <p:spPr bwMode="black">
           <a:xfrm>
-            <a:off x="8664115" y="4011294"/>
-            <a:ext cx="2390738" cy="1267091"/>
+            <a:off x="0" y="6126480"/>
+            <a:ext cx="12192000" cy="742950"/>
           </a:xfrm>
           <a:prstGeom prst="rect">
             <a:avLst/>
           </a:prstGeom>
         </p:spPr>
       </p:pic>
+      <p:cxnSp>
+        <p:nvCxnSpPr>
+          <p:cNvPr id="143" name="Straight Connector 132">
+            <a:extLst>
+              <a:ext uri="{FF2B5EF4-FFF2-40B4-BE49-F238E27FC236}">
+                <a16:creationId xmlns:a16="http://schemas.microsoft.com/office/drawing/2014/main" id="{BA5E64BC-15F3-4902-B20F-A77B48A00685}"/>
+              </a:ext>
+              <a:ext uri="{C183D7F6-B498-43B3-948B-1728B52AA6E4}">
+                <adec:decorative xmlns:adec="http://schemas.microsoft.com/office/drawing/2017/decorative" val="1"/>
+              </a:ext>
+            </a:extLst>
+          </p:cNvPr>
+          <p:cNvCxnSpPr>
+            <a:cxnSpLocks noGrp="1" noRot="1" noChangeAspect="1" noMove="1" noResize="1" noEditPoints="1" noAdjustHandles="1" noChangeArrowheads="1" noChangeShapeType="1"/>
+          </p:cNvCxnSpPr>
+          <p:nvPr>
+            <p:extLst>
+              <p:ext uri="{386F3935-93C4-4BCD-93E2-E3B085C9AB24}">
+                <p16:designElem xmlns:p16="http://schemas.microsoft.com/office/powerpoint/2015/main" val="1"/>
+              </p:ext>
+            </p:extLst>
+          </p:nvPr>
+        </p:nvCxnSpPr>
+        <p:spPr>
+          <a:xfrm>
+            <a:off x="0" y="6128413"/>
+            <a:ext cx="12192000" cy="0"/>
+          </a:xfrm>
+          <a:prstGeom prst="line">
+            <a:avLst/>
+          </a:prstGeom>
+          <a:ln w="12700">
+            <a:solidFill>
+              <a:srgbClr val="000001">
+                <a:alpha val="20000"/>
+              </a:srgbClr>
+            </a:solidFill>
+          </a:ln>
+        </p:spPr>
+        <p:style>
+          <a:lnRef idx="1">
+            <a:schemeClr val="accent1"/>
+          </a:lnRef>
+          <a:fillRef idx="0">
+            <a:schemeClr val="accent1"/>
+          </a:fillRef>
+          <a:effectRef idx="0">
+            <a:schemeClr val="accent1"/>
+          </a:effectRef>
+          <a:fontRef idx="minor">
+            <a:schemeClr val="tx1"/>
+          </a:fontRef>
+        </p:style>
+      </p:cxnSp>
     </p:spTree>
     <p:extLst>
       <p:ext uri="{BB962C8B-B14F-4D97-AF65-F5344CB8AC3E}">
@@ -12960,6 +14189,30 @@
 <file path=ppt/slides/slide9.xml><?xml version="1.0" encoding="utf-8"?>
 <p:sld xmlns:a="http://schemas.openxmlformats.org/drawingml/2006/main" xmlns:r="http://schemas.openxmlformats.org/officeDocument/2006/relationships" xmlns:p="http://schemas.openxmlformats.org/presentationml/2006/main">
   <p:cSld>
+    <p:bg>
+      <p:bgPr>
+        <a:gradFill rotWithShape="1">
+          <a:gsLst>
+            <a:gs pos="0">
+              <a:schemeClr val="bg2">
+                <a:tint val="94000"/>
+                <a:satMod val="80000"/>
+                <a:lumMod val="106000"/>
+              </a:schemeClr>
+            </a:gs>
+            <a:gs pos="100000">
+              <a:schemeClr val="bg2">
+                <a:shade val="80000"/>
+              </a:schemeClr>
+            </a:gs>
+          </a:gsLst>
+          <a:path path="circle">
+            <a:fillToRect l="43000" r="43000" b="100000"/>
+          </a:path>
+        </a:gradFill>
+        <a:effectLst/>
+      </p:bgPr>
+    </p:bg>
     <p:spTree>
       <p:nvGrpSpPr>
         <p:cNvPr id="1" name=""/>
@@ -12979,7 +14232,7 @@
           <p:cNvPr id="2" name="Title 1">
             <a:extLst>
               <a:ext uri="{FF2B5EF4-FFF2-40B4-BE49-F238E27FC236}">
-                <a16:creationId xmlns:a16="http://schemas.microsoft.com/office/drawing/2014/main" id="{CF7646E8-7745-474F-9BA4-5EDFB41A8CED}"/>
+                <a16:creationId xmlns:a16="http://schemas.microsoft.com/office/drawing/2014/main" id="{42C81679-B9FA-46B9-BB2B-55FB6CB8B358}"/>
               </a:ext>
             </a:extLst>
           </p:cNvPr>
@@ -12992,8 +14245,8 @@
         </p:nvSpPr>
         <p:spPr>
           <a:xfrm>
-            <a:off x="1451579" y="867037"/>
-            <a:ext cx="5550357" cy="1049235"/>
+            <a:off x="1451579" y="804519"/>
+            <a:ext cx="9603275" cy="1049235"/>
           </a:xfrm>
         </p:spPr>
         <p:txBody>
@@ -13002,10 +14255,9 @@
           </a:bodyPr>
           <a:lstStyle/>
           <a:p>
-            <a:pPr algn="ctr"/>
             <a:r>
               <a:rPr lang="en-US" dirty="0"/>
-              <a:t>Bar graphs</a:t>
+              <a:t>Box Plot Analysis</a:t>
             </a:r>
           </a:p>
         </p:txBody>
@@ -13015,7 +14267,7 @@
           <p:cNvPr id="3" name="Content Placeholder 2">
             <a:extLst>
               <a:ext uri="{FF2B5EF4-FFF2-40B4-BE49-F238E27FC236}">
-                <a16:creationId xmlns:a16="http://schemas.microsoft.com/office/drawing/2014/main" id="{523DDD30-9806-4003-A264-247D8D02C7BF}"/>
+                <a16:creationId xmlns:a16="http://schemas.microsoft.com/office/drawing/2014/main" id="{EAEA4EA1-06F7-4C2B-822C-48370862DFD1}"/>
               </a:ext>
             </a:extLst>
           </p:cNvPr>
@@ -13028,8 +14280,8 @@
         </p:nvSpPr>
         <p:spPr>
           <a:xfrm>
-            <a:off x="1451579" y="2015732"/>
-            <a:ext cx="5550357" cy="3450613"/>
+            <a:off x="1451579" y="2015734"/>
+            <a:ext cx="4162555" cy="3450613"/>
           </a:xfrm>
         </p:spPr>
         <p:txBody>
@@ -13039,66 +14291,27 @@
           <a:lstStyle/>
           <a:p>
             <a:r>
-              <a:rPr lang="en-US" sz="1800" dirty="0"/>
-              <a:t>Bedroom count: </a:t>
+              <a:rPr lang="en-US" dirty="0"/>
+              <a:t>Box plots helped depict the variance of different zip codes</a:t>
             </a:r>
           </a:p>
           <a:p>
-            <a:pPr marL="0" indent="0">
-              <a:lnSpc>
-                <a:spcPct val="100000"/>
-              </a:lnSpc>
-              <a:buNone/>
-            </a:pPr>
             <a:r>
-              <a:rPr lang="en-US" sz="1800" dirty="0"/>
-              <a:t>   3-bedroom houses are the most purchased </a:t>
+              <a:rPr lang="en-US" dirty="0"/>
+              <a:t>In order to eliminate outliers, only zip codes with 12 or more datapoints were used.</a:t>
             </a:r>
           </a:p>
           <a:p>
-            <a:pPr marL="0" indent="0">
-              <a:lnSpc>
-                <a:spcPct val="100000"/>
-              </a:lnSpc>
-              <a:buNone/>
-            </a:pPr>
-            <a:r>
-              <a:rPr lang="en-US" sz="1800" dirty="0"/>
-              <a:t>   followed by 4-bedroom </a:t>
-            </a:r>
-          </a:p>
-          <a:p>
-            <a:endParaRPr lang="en-US" sz="1800" dirty="0"/>
-          </a:p>
-          <a:p>
-            <a:r>
-              <a:rPr lang="en-US" sz="1800" dirty="0"/>
-              <a:t>Purchases per zip code </a:t>
-            </a:r>
-          </a:p>
-          <a:p>
-            <a:pPr marL="0" indent="0">
-              <a:buNone/>
-            </a:pPr>
-            <a:r>
-              <a:rPr lang="en-US" sz="1800" dirty="0"/>
-              <a:t>     The most purchases were made In the zip code 95823</a:t>
-            </a:r>
-          </a:p>
-          <a:p>
-            <a:pPr marL="0" indent="0">
-              <a:buNone/>
-            </a:pPr>
-            <a:endParaRPr lang="en-US" sz="1800" dirty="0"/>
+            <a:endParaRPr lang="en-US" dirty="0"/>
           </a:p>
         </p:txBody>
       </p:sp>
       <p:pic>
         <p:nvPicPr>
-          <p:cNvPr id="7" name="Picture 6">
+          <p:cNvPr id="4" name="Picture 3">
             <a:extLst>
               <a:ext uri="{FF2B5EF4-FFF2-40B4-BE49-F238E27FC236}">
-                <a16:creationId xmlns:a16="http://schemas.microsoft.com/office/drawing/2014/main" id="{CD9E3385-466A-48AB-A7C0-C0F014E53534}"/>
+                <a16:creationId xmlns:a16="http://schemas.microsoft.com/office/drawing/2014/main" id="{E7216F45-3F99-43B7-BD83-74F7CCF8E033}"/>
               </a:ext>
             </a:extLst>
           </p:cNvPr>
@@ -13115,38 +14328,8 @@
         </p:blipFill>
         <p:spPr>
           <a:xfrm>
-            <a:off x="7473594" y="596295"/>
-            <a:ext cx="4074836" cy="2261533"/>
-          </a:xfrm>
-          <a:prstGeom prst="rect">
-            <a:avLst/>
-          </a:prstGeom>
-        </p:spPr>
-      </p:pic>
-      <p:pic>
-        <p:nvPicPr>
-          <p:cNvPr id="5" name="Picture 4">
-            <a:extLst>
-              <a:ext uri="{FF2B5EF4-FFF2-40B4-BE49-F238E27FC236}">
-                <a16:creationId xmlns:a16="http://schemas.microsoft.com/office/drawing/2014/main" id="{5FA9D9B3-3D4C-42B8-AF49-DF5298D90F0F}"/>
-              </a:ext>
-            </a:extLst>
-          </p:cNvPr>
-          <p:cNvPicPr>
-            <a:picLocks noChangeAspect="1"/>
-          </p:cNvPicPr>
-          <p:nvPr/>
-        </p:nvPicPr>
-        <p:blipFill>
-          <a:blip r:embed="rId3"/>
-          <a:stretch>
-            <a:fillRect/>
-          </a:stretch>
-        </p:blipFill>
-        <p:spPr>
-          <a:xfrm>
-            <a:off x="7473594" y="3303049"/>
-            <a:ext cx="4074836" cy="1955920"/>
+            <a:off x="6094411" y="2395521"/>
+            <a:ext cx="4960443" cy="2691039"/>
           </a:xfrm>
           <a:prstGeom prst="rect">
             <a:avLst/>
@@ -13156,7 +14339,7 @@
     </p:spTree>
     <p:extLst>
       <p:ext uri="{BB962C8B-B14F-4D97-AF65-F5344CB8AC3E}">
-        <p14:creationId xmlns:p14="http://schemas.microsoft.com/office/powerpoint/2010/main" val="1875434011"/>
+        <p14:creationId xmlns:p14="http://schemas.microsoft.com/office/powerpoint/2010/main" val="4253729339"/>
       </p:ext>
     </p:extLst>
   </p:cSld>

--- a/Sacramento Real Estate.pptx
+++ b/Sacramento Real Estate.pptx
@@ -12413,53 +12413,65 @@
           <a:lstStyle/>
           <a:p>
             <a:r>
-              <a:rPr lang="en-US" dirty="0"/>
-              <a:t>Various dependencies were added such as </a:t>
+              <a:rPr lang="en-US" sz="2000" dirty="0">
+                <a:effectLst/>
+                <a:latin typeface="Calibri" panose="020F0502020204030204" pitchFamily="34" charset="0"/>
+                <a:ea typeface="Calibri" panose="020F0502020204030204" pitchFamily="34" charset="0"/>
+                <a:cs typeface="Times New Roman" panose="02020603050405020304" pitchFamily="18" charset="0"/>
+              </a:rPr>
+              <a:t>Our first step in this project was to clean up all the data. </a:t>
+            </a:r>
+          </a:p>
+          <a:p>
+            <a:r>
+              <a:rPr lang="en-US" sz="2000" dirty="0">
+                <a:effectLst/>
+                <a:latin typeface="Calibri" panose="020F0502020204030204" pitchFamily="34" charset="0"/>
+                <a:ea typeface="Calibri" panose="020F0502020204030204" pitchFamily="34" charset="0"/>
+                <a:cs typeface="Times New Roman" panose="02020603050405020304" pitchFamily="18" charset="0"/>
+              </a:rPr>
+              <a:t>We had to make sure there were no empty slots or strange discrepancies. </a:t>
+            </a:r>
+          </a:p>
+          <a:p>
+            <a:r>
+              <a:rPr lang="en-US">
+                <a:latin typeface="Calibri" panose="020F0502020204030204" pitchFamily="34" charset="0"/>
+                <a:ea typeface="Calibri" panose="020F0502020204030204" pitchFamily="34" charset="0"/>
+                <a:cs typeface="Times New Roman" panose="02020603050405020304" pitchFamily="18" charset="0"/>
+              </a:rPr>
+              <a:t>W</a:t>
             </a:r>
             <a:r>
-              <a:rPr lang="en-US" dirty="0" err="1"/>
-              <a:t>matplot</a:t>
+              <a:rPr lang="en-US" sz="2000">
+                <a:effectLst/>
+                <a:latin typeface="Calibri" panose="020F0502020204030204" pitchFamily="34" charset="0"/>
+                <a:ea typeface="Calibri" panose="020F0502020204030204" pitchFamily="34" charset="0"/>
+                <a:cs typeface="Times New Roman" panose="02020603050405020304" pitchFamily="18" charset="0"/>
+              </a:rPr>
+              <a:t>e </a:t>
             </a:r>
             <a:r>
-              <a:rPr lang="en-US" dirty="0"/>
-              <a:t>, pandas, </a:t>
+              <a:rPr lang="en-US" sz="2000" dirty="0">
+                <a:effectLst/>
+                <a:latin typeface="Calibri" panose="020F0502020204030204" pitchFamily="34" charset="0"/>
+                <a:ea typeface="Calibri" panose="020F0502020204030204" pitchFamily="34" charset="0"/>
+                <a:cs typeface="Times New Roman" panose="02020603050405020304" pitchFamily="18" charset="0"/>
+              </a:rPr>
+              <a:t>then cleaned it up to make sure there are no repeated locations or if the location had no square feet. </a:t>
             </a:r>
+          </a:p>
+          <a:p>
             <a:r>
-              <a:rPr lang="en-US" dirty="0" err="1"/>
-              <a:t>pprint</a:t>
+              <a:rPr lang="en-US" sz="2000" dirty="0">
+                <a:effectLst/>
+                <a:latin typeface="Calibri" panose="020F0502020204030204" pitchFamily="34" charset="0"/>
+                <a:ea typeface="Calibri" panose="020F0502020204030204" pitchFamily="34" charset="0"/>
+                <a:cs typeface="Times New Roman" panose="02020603050405020304" pitchFamily="18" charset="0"/>
+              </a:rPr>
+              <a:t>We made sure that the data was clean with a few tests, and all checked out. </a:t>
             </a:r>
-            <a:r>
-              <a:rPr lang="en-US" dirty="0"/>
-              <a:t>, </a:t>
-            </a:r>
-            <a:r>
-              <a:rPr lang="en-US" dirty="0" err="1"/>
-              <a:t>numpy</a:t>
-            </a:r>
-            <a:r>
-              <a:rPr lang="en-US" dirty="0"/>
-              <a:t>, seaborn, </a:t>
-            </a:r>
-            <a:r>
-              <a:rPr lang="en-US" dirty="0" err="1"/>
-              <a:t>scipy</a:t>
-            </a:r>
-            <a:r>
-              <a:rPr lang="en-US" dirty="0"/>
-              <a:t>, and csv.</a:t>
-            </a:r>
-          </a:p>
-          <a:p>
-            <a:r>
-              <a:rPr lang="en-US" dirty="0"/>
-              <a:t>Next, the csv file was added to the script. It was then tested to be read in the script.</a:t>
-            </a:r>
-          </a:p>
-          <a:p>
-            <a:r>
-              <a:rPr lang="en-US" dirty="0"/>
-              <a:t>Then, it was cleaned up, there would be no repetitive locations or places that were given a value of zero in square foot. </a:t>
-            </a:r>
+            <a:endParaRPr lang="en-US" sz="2000" dirty="0"/>
           </a:p>
         </p:txBody>
       </p:sp>
